--- a/Database.pptx
+++ b/Database.pptx
@@ -113,6 +113,11 @@
       </a:defRPr>
     </a:lvl9pPr>
   </p:defaultTextStyle>
+  <p:extLst>
+    <p:ext uri="{EFAFB233-063F-42B5-8137-9DF3F51BA10A}">
+      <p15:sldGuideLst xmlns:p15="http://schemas.microsoft.com/office/powerpoint/2012/main"/>
+    </p:ext>
+  </p:extLst>
 </p:presentation>
 </file>
 
@@ -323,7 +328,7 @@
           <a:p>
             <a:fld id="{9F08AD8F-3C3D-4B63-978B-A283DF666F72}" type="datetimeFigureOut">
               <a:rPr lang="en-US" smtClean="0"/>
-              <a:t>4/28/2023</a:t>
+              <a:t>5/2/2023</a:t>
             </a:fld>
             <a:endParaRPr lang="en-US"/>
           </a:p>
@@ -521,7 +526,7 @@
           <a:p>
             <a:fld id="{9F08AD8F-3C3D-4B63-978B-A283DF666F72}" type="datetimeFigureOut">
               <a:rPr lang="en-US" smtClean="0"/>
-              <a:t>4/28/2023</a:t>
+              <a:t>5/2/2023</a:t>
             </a:fld>
             <a:endParaRPr lang="en-US"/>
           </a:p>
@@ -729,7 +734,7 @@
           <a:p>
             <a:fld id="{9F08AD8F-3C3D-4B63-978B-A283DF666F72}" type="datetimeFigureOut">
               <a:rPr lang="en-US" smtClean="0"/>
-              <a:t>4/28/2023</a:t>
+              <a:t>5/2/2023</a:t>
             </a:fld>
             <a:endParaRPr lang="en-US"/>
           </a:p>
@@ -927,7 +932,7 @@
           <a:p>
             <a:fld id="{9F08AD8F-3C3D-4B63-978B-A283DF666F72}" type="datetimeFigureOut">
               <a:rPr lang="en-US" smtClean="0"/>
-              <a:t>4/28/2023</a:t>
+              <a:t>5/2/2023</a:t>
             </a:fld>
             <a:endParaRPr lang="en-US"/>
           </a:p>
@@ -1202,7 +1207,7 @@
           <a:p>
             <a:fld id="{9F08AD8F-3C3D-4B63-978B-A283DF666F72}" type="datetimeFigureOut">
               <a:rPr lang="en-US" smtClean="0"/>
-              <a:t>4/28/2023</a:t>
+              <a:t>5/2/2023</a:t>
             </a:fld>
             <a:endParaRPr lang="en-US"/>
           </a:p>
@@ -1467,7 +1472,7 @@
           <a:p>
             <a:fld id="{9F08AD8F-3C3D-4B63-978B-A283DF666F72}" type="datetimeFigureOut">
               <a:rPr lang="en-US" smtClean="0"/>
-              <a:t>4/28/2023</a:t>
+              <a:t>5/2/2023</a:t>
             </a:fld>
             <a:endParaRPr lang="en-US"/>
           </a:p>
@@ -1879,7 +1884,7 @@
           <a:p>
             <a:fld id="{9F08AD8F-3C3D-4B63-978B-A283DF666F72}" type="datetimeFigureOut">
               <a:rPr lang="en-US" smtClean="0"/>
-              <a:t>4/28/2023</a:t>
+              <a:t>5/2/2023</a:t>
             </a:fld>
             <a:endParaRPr lang="en-US"/>
           </a:p>
@@ -2020,7 +2025,7 @@
           <a:p>
             <a:fld id="{9F08AD8F-3C3D-4B63-978B-A283DF666F72}" type="datetimeFigureOut">
               <a:rPr lang="en-US" smtClean="0"/>
-              <a:t>4/28/2023</a:t>
+              <a:t>5/2/2023</a:t>
             </a:fld>
             <a:endParaRPr lang="en-US"/>
           </a:p>
@@ -2133,7 +2138,7 @@
           <a:p>
             <a:fld id="{9F08AD8F-3C3D-4B63-978B-A283DF666F72}" type="datetimeFigureOut">
               <a:rPr lang="en-US" smtClean="0"/>
-              <a:t>4/28/2023</a:t>
+              <a:t>5/2/2023</a:t>
             </a:fld>
             <a:endParaRPr lang="en-US"/>
           </a:p>
@@ -2444,7 +2449,7 @@
           <a:p>
             <a:fld id="{9F08AD8F-3C3D-4B63-978B-A283DF666F72}" type="datetimeFigureOut">
               <a:rPr lang="en-US" smtClean="0"/>
-              <a:t>4/28/2023</a:t>
+              <a:t>5/2/2023</a:t>
             </a:fld>
             <a:endParaRPr lang="en-US"/>
           </a:p>
@@ -2732,7 +2737,7 @@
           <a:p>
             <a:fld id="{9F08AD8F-3C3D-4B63-978B-A283DF666F72}" type="datetimeFigureOut">
               <a:rPr lang="en-US" smtClean="0"/>
-              <a:t>4/28/2023</a:t>
+              <a:t>5/2/2023</a:t>
             </a:fld>
             <a:endParaRPr lang="en-US"/>
           </a:p>
@@ -2973,7 +2978,7 @@
           <a:p>
             <a:fld id="{9F08AD8F-3C3D-4B63-978B-A283DF666F72}" type="datetimeFigureOut">
               <a:rPr lang="en-US" smtClean="0"/>
-              <a:t>4/28/2023</a:t>
+              <a:t>5/2/2023</a:t>
             </a:fld>
             <a:endParaRPr lang="en-US"/>
           </a:p>
@@ -3955,7 +3960,46 @@
           <a:bodyPr/>
           <a:lstStyle/>
           <a:p>
-            <a:endParaRPr lang="en-US"/>
+            <a:r>
+              <a:rPr lang="en-US" dirty="0"/>
+              <a:t>Setting Up MySQL</a:t>
+            </a:r>
+          </a:p>
+          <a:p>
+            <a:r>
+              <a:rPr lang="en-US" dirty="0"/>
+              <a:t>Connecting our App to the SQL Database</a:t>
+            </a:r>
+          </a:p>
+          <a:p>
+            <a:r>
+              <a:rPr lang="en-US" dirty="0"/>
+              <a:t>Basic SQL &amp; Creating a table</a:t>
+            </a:r>
+          </a:p>
+          <a:p>
+            <a:r>
+              <a:rPr lang="en-US" dirty="0"/>
+              <a:t>Retrieving Data</a:t>
+            </a:r>
+          </a:p>
+          <a:p>
+            <a:r>
+              <a:rPr lang="en-US" dirty="0"/>
+              <a:t>Fetching Products</a:t>
+            </a:r>
+          </a:p>
+          <a:p>
+            <a:r>
+              <a:rPr lang="en-US" dirty="0"/>
+              <a:t>Inserting Data into the Database</a:t>
+            </a:r>
+          </a:p>
+          <a:p>
+            <a:r>
+              <a:rPr lang="en-US" dirty="0"/>
+              <a:t>Fetching a Single Product with the where condition</a:t>
+            </a:r>
           </a:p>
         </p:txBody>
       </p:sp>
@@ -7899,8 +7943,8 @@
           </p:txBody>
         </p:sp>
       </p:grpSp>
-      <mc:AlternateContent xmlns:mc="http://schemas.openxmlformats.org/markup-compatibility/2006">
-        <mc:Choice xmlns:p14="http://schemas.microsoft.com/office/powerpoint/2010/main" Requires="p14">
+      <mc:AlternateContent xmlns:mc="http://schemas.openxmlformats.org/markup-compatibility/2006" xmlns:p14="http://schemas.microsoft.com/office/powerpoint/2010/main">
+        <mc:Choice Requires="p14">
           <p:contentPart p14:bwMode="auto" r:id="rId2">
             <p14:nvContentPartPr>
               <p14:cNvPr id="23" name="Ink 22">
@@ -7919,7 +7963,7 @@
             </p14:xfrm>
           </p:contentPart>
         </mc:Choice>
-        <mc:Fallback>
+        <mc:Fallback xmlns="">
           <p:pic>
             <p:nvPicPr>
               <p:cNvPr id="23" name="Ink 22">
@@ -7950,8 +7994,8 @@
           </p:pic>
         </mc:Fallback>
       </mc:AlternateContent>
-      <mc:AlternateContent xmlns:mc="http://schemas.openxmlformats.org/markup-compatibility/2006">
-        <mc:Choice xmlns:p14="http://schemas.microsoft.com/office/powerpoint/2010/main" xmlns:aink="http://schemas.microsoft.com/office/drawing/2016/ink" Requires="p14 aink">
+      <mc:AlternateContent xmlns:mc="http://schemas.openxmlformats.org/markup-compatibility/2006" xmlns:p14="http://schemas.microsoft.com/office/powerpoint/2010/main" xmlns:aink="http://schemas.microsoft.com/office/drawing/2016/ink">
+        <mc:Choice Requires="p14 aink">
           <p:contentPart p14:bwMode="auto" r:id="rId4">
             <p14:nvContentPartPr>
               <p14:cNvPr id="24" name="Ink 23">
@@ -7970,7 +8014,7 @@
             </p14:xfrm>
           </p:contentPart>
         </mc:Choice>
-        <mc:Fallback>
+        <mc:Fallback xmlns="">
           <p:pic>
             <p:nvPicPr>
               <p:cNvPr id="24" name="Ink 23">

--- a/Database.pptx
+++ b/Database.pptx
@@ -15,6 +15,10 @@
     <p:sldId id="263" r:id="rId9"/>
     <p:sldId id="264" r:id="rId10"/>
     <p:sldId id="265" r:id="rId11"/>
+    <p:sldId id="266" r:id="rId12"/>
+    <p:sldId id="267" r:id="rId13"/>
+    <p:sldId id="268" r:id="rId14"/>
+    <p:sldId id="269" r:id="rId15"/>
   </p:sldIdLst>
   <p:sldSz cx="12192000" cy="6858000"/>
   <p:notesSz cx="6858000" cy="9144000"/>
@@ -328,7 +332,7 @@
           <a:p>
             <a:fld id="{9F08AD8F-3C3D-4B63-978B-A283DF666F72}" type="datetimeFigureOut">
               <a:rPr lang="en-US" smtClean="0"/>
-              <a:t>5/2/2023</a:t>
+              <a:t>5/3/2023</a:t>
             </a:fld>
             <a:endParaRPr lang="en-US"/>
           </a:p>
@@ -526,7 +530,7 @@
           <a:p>
             <a:fld id="{9F08AD8F-3C3D-4B63-978B-A283DF666F72}" type="datetimeFigureOut">
               <a:rPr lang="en-US" smtClean="0"/>
-              <a:t>5/2/2023</a:t>
+              <a:t>5/3/2023</a:t>
             </a:fld>
             <a:endParaRPr lang="en-US"/>
           </a:p>
@@ -734,7 +738,7 @@
           <a:p>
             <a:fld id="{9F08AD8F-3C3D-4B63-978B-A283DF666F72}" type="datetimeFigureOut">
               <a:rPr lang="en-US" smtClean="0"/>
-              <a:t>5/2/2023</a:t>
+              <a:t>5/3/2023</a:t>
             </a:fld>
             <a:endParaRPr lang="en-US"/>
           </a:p>
@@ -932,7 +936,7 @@
           <a:p>
             <a:fld id="{9F08AD8F-3C3D-4B63-978B-A283DF666F72}" type="datetimeFigureOut">
               <a:rPr lang="en-US" smtClean="0"/>
-              <a:t>5/2/2023</a:t>
+              <a:t>5/3/2023</a:t>
             </a:fld>
             <a:endParaRPr lang="en-US"/>
           </a:p>
@@ -1207,7 +1211,7 @@
           <a:p>
             <a:fld id="{9F08AD8F-3C3D-4B63-978B-A283DF666F72}" type="datetimeFigureOut">
               <a:rPr lang="en-US" smtClean="0"/>
-              <a:t>5/2/2023</a:t>
+              <a:t>5/3/2023</a:t>
             </a:fld>
             <a:endParaRPr lang="en-US"/>
           </a:p>
@@ -1472,7 +1476,7 @@
           <a:p>
             <a:fld id="{9F08AD8F-3C3D-4B63-978B-A283DF666F72}" type="datetimeFigureOut">
               <a:rPr lang="en-US" smtClean="0"/>
-              <a:t>5/2/2023</a:t>
+              <a:t>5/3/2023</a:t>
             </a:fld>
             <a:endParaRPr lang="en-US"/>
           </a:p>
@@ -1884,7 +1888,7 @@
           <a:p>
             <a:fld id="{9F08AD8F-3C3D-4B63-978B-A283DF666F72}" type="datetimeFigureOut">
               <a:rPr lang="en-US" smtClean="0"/>
-              <a:t>5/2/2023</a:t>
+              <a:t>5/3/2023</a:t>
             </a:fld>
             <a:endParaRPr lang="en-US"/>
           </a:p>
@@ -2025,7 +2029,7 @@
           <a:p>
             <a:fld id="{9F08AD8F-3C3D-4B63-978B-A283DF666F72}" type="datetimeFigureOut">
               <a:rPr lang="en-US" smtClean="0"/>
-              <a:t>5/2/2023</a:t>
+              <a:t>5/3/2023</a:t>
             </a:fld>
             <a:endParaRPr lang="en-US"/>
           </a:p>
@@ -2138,7 +2142,7 @@
           <a:p>
             <a:fld id="{9F08AD8F-3C3D-4B63-978B-A283DF666F72}" type="datetimeFigureOut">
               <a:rPr lang="en-US" smtClean="0"/>
-              <a:t>5/2/2023</a:t>
+              <a:t>5/3/2023</a:t>
             </a:fld>
             <a:endParaRPr lang="en-US"/>
           </a:p>
@@ -2449,7 +2453,7 @@
           <a:p>
             <a:fld id="{9F08AD8F-3C3D-4B63-978B-A283DF666F72}" type="datetimeFigureOut">
               <a:rPr lang="en-US" smtClean="0"/>
-              <a:t>5/2/2023</a:t>
+              <a:t>5/3/2023</a:t>
             </a:fld>
             <a:endParaRPr lang="en-US"/>
           </a:p>
@@ -2737,7 +2741,7 @@
           <a:p>
             <a:fld id="{9F08AD8F-3C3D-4B63-978B-A283DF666F72}" type="datetimeFigureOut">
               <a:rPr lang="en-US" smtClean="0"/>
-              <a:t>5/2/2023</a:t>
+              <a:t>5/3/2023</a:t>
             </a:fld>
             <a:endParaRPr lang="en-US"/>
           </a:p>
@@ -2978,7 +2982,7 @@
           <a:p>
             <a:fld id="{9F08AD8F-3C3D-4B63-978B-A283DF666F72}" type="datetimeFigureOut">
               <a:rPr lang="en-US" smtClean="0"/>
-              <a:t>5/2/2023</a:t>
+              <a:t>5/3/2023</a:t>
             </a:fld>
             <a:endParaRPr lang="en-US"/>
           </a:p>
@@ -4007,6 +4011,1323 @@
     <p:extLst>
       <p:ext uri="{BB962C8B-B14F-4D97-AF65-F5344CB8AC3E}">
         <p14:creationId xmlns:p14="http://schemas.microsoft.com/office/powerpoint/2010/main" val="3356645294"/>
+      </p:ext>
+    </p:extLst>
+  </p:cSld>
+  <p:clrMapOvr>
+    <a:masterClrMapping/>
+  </p:clrMapOvr>
+</p:sld>
+</file>
+
+<file path=ppt/slides/slide11.xml><?xml version="1.0" encoding="utf-8"?>
+<p:sld xmlns:a="http://schemas.openxmlformats.org/drawingml/2006/main" xmlns:r="http://schemas.openxmlformats.org/officeDocument/2006/relationships" xmlns:p="http://schemas.openxmlformats.org/presentationml/2006/main">
+  <p:cSld>
+    <p:spTree>
+      <p:nvGrpSpPr>
+        <p:cNvPr id="1" name=""/>
+        <p:cNvGrpSpPr/>
+        <p:nvPr/>
+      </p:nvGrpSpPr>
+      <p:grpSpPr>
+        <a:xfrm>
+          <a:off x="0" y="0"/>
+          <a:ext cx="0" cy="0"/>
+          <a:chOff x="0" y="0"/>
+          <a:chExt cx="0" cy="0"/>
+        </a:xfrm>
+      </p:grpSpPr>
+      <p:sp>
+        <p:nvSpPr>
+          <p:cNvPr id="2" name="Title 1">
+            <a:extLst>
+              <a:ext uri="{FF2B5EF4-FFF2-40B4-BE49-F238E27FC236}">
+                <a16:creationId xmlns:a16="http://schemas.microsoft.com/office/drawing/2014/main" id="{076FBB8D-72E4-06F9-1DDC-4E48384A2035}"/>
+              </a:ext>
+            </a:extLst>
+          </p:cNvPr>
+          <p:cNvSpPr>
+            <a:spLocks noGrp="1"/>
+          </p:cNvSpPr>
+          <p:nvPr>
+            <p:ph type="title"/>
+          </p:nvPr>
+        </p:nvSpPr>
+        <p:spPr/>
+        <p:txBody>
+          <a:bodyPr/>
+          <a:lstStyle/>
+          <a:p>
+            <a:pPr algn="ctr"/>
+            <a:r>
+              <a:rPr lang="en-US" dirty="0"/>
+              <a:t>Sequelize</a:t>
+            </a:r>
+          </a:p>
+        </p:txBody>
+      </p:sp>
+      <p:sp>
+        <p:nvSpPr>
+          <p:cNvPr id="3" name="Content Placeholder 2">
+            <a:extLst>
+              <a:ext uri="{FF2B5EF4-FFF2-40B4-BE49-F238E27FC236}">
+                <a16:creationId xmlns:a16="http://schemas.microsoft.com/office/drawing/2014/main" id="{FC53705F-3E19-0BE1-CEC9-FA5D8E7641CC}"/>
+              </a:ext>
+            </a:extLst>
+          </p:cNvPr>
+          <p:cNvSpPr>
+            <a:spLocks noGrp="1"/>
+          </p:cNvSpPr>
+          <p:nvPr>
+            <p:ph idx="1"/>
+          </p:nvPr>
+        </p:nvSpPr>
+        <p:spPr/>
+        <p:txBody>
+          <a:bodyPr/>
+          <a:lstStyle/>
+          <a:p>
+            <a:pPr marL="0" indent="0" algn="ctr">
+              <a:buNone/>
+            </a:pPr>
+            <a:r>
+              <a:rPr lang="en-US" dirty="0"/>
+              <a:t>Focus on Node.js, not on SQL</a:t>
+            </a:r>
+          </a:p>
+        </p:txBody>
+      </p:sp>
+    </p:spTree>
+    <p:extLst>
+      <p:ext uri="{BB962C8B-B14F-4D97-AF65-F5344CB8AC3E}">
+        <p14:creationId xmlns:p14="http://schemas.microsoft.com/office/powerpoint/2010/main" val="3407957369"/>
+      </p:ext>
+    </p:extLst>
+  </p:cSld>
+  <p:clrMapOvr>
+    <a:masterClrMapping/>
+  </p:clrMapOvr>
+</p:sld>
+</file>
+
+<file path=ppt/slides/slide12.xml><?xml version="1.0" encoding="utf-8"?>
+<p:sld xmlns:a="http://schemas.openxmlformats.org/drawingml/2006/main" xmlns:r="http://schemas.openxmlformats.org/officeDocument/2006/relationships" xmlns:p="http://schemas.openxmlformats.org/presentationml/2006/main">
+  <p:cSld>
+    <p:spTree>
+      <p:nvGrpSpPr>
+        <p:cNvPr id="1" name=""/>
+        <p:cNvGrpSpPr/>
+        <p:nvPr/>
+      </p:nvGrpSpPr>
+      <p:grpSpPr>
+        <a:xfrm>
+          <a:off x="0" y="0"/>
+          <a:ext cx="0" cy="0"/>
+          <a:chOff x="0" y="0"/>
+          <a:chExt cx="0" cy="0"/>
+        </a:xfrm>
+      </p:grpSpPr>
+      <p:sp>
+        <p:nvSpPr>
+          <p:cNvPr id="2" name="Title 1">
+            <a:extLst>
+              <a:ext uri="{FF2B5EF4-FFF2-40B4-BE49-F238E27FC236}">
+                <a16:creationId xmlns:a16="http://schemas.microsoft.com/office/drawing/2014/main" id="{67BBA55E-E218-D194-AF7E-64B53C55B231}"/>
+              </a:ext>
+            </a:extLst>
+          </p:cNvPr>
+          <p:cNvSpPr>
+            <a:spLocks noGrp="1"/>
+          </p:cNvSpPr>
+          <p:nvPr>
+            <p:ph type="title"/>
+          </p:nvPr>
+        </p:nvSpPr>
+        <p:spPr/>
+        <p:txBody>
+          <a:bodyPr/>
+          <a:lstStyle/>
+          <a:p>
+            <a:r>
+              <a:rPr lang="en-US" dirty="0"/>
+              <a:t>What is Sequelize ?</a:t>
+            </a:r>
+          </a:p>
+        </p:txBody>
+      </p:sp>
+      <p:sp>
+        <p:nvSpPr>
+          <p:cNvPr id="3" name="Content Placeholder 2">
+            <a:extLst>
+              <a:ext uri="{FF2B5EF4-FFF2-40B4-BE49-F238E27FC236}">
+                <a16:creationId xmlns:a16="http://schemas.microsoft.com/office/drawing/2014/main" id="{56BE1827-A802-B307-32D9-DFF4E2DE06C2}"/>
+              </a:ext>
+            </a:extLst>
+          </p:cNvPr>
+          <p:cNvSpPr>
+            <a:spLocks noGrp="1"/>
+          </p:cNvSpPr>
+          <p:nvPr>
+            <p:ph idx="1"/>
+          </p:nvPr>
+        </p:nvSpPr>
+        <p:spPr>
+          <a:xfrm>
+            <a:off x="838200" y="1825625"/>
+            <a:ext cx="10515600" cy="641804"/>
+          </a:xfrm>
+        </p:spPr>
+        <p:txBody>
+          <a:bodyPr/>
+          <a:lstStyle/>
+          <a:p>
+            <a:pPr marL="0" indent="0">
+              <a:buNone/>
+            </a:pPr>
+            <a:r>
+              <a:rPr lang="en-US" dirty="0"/>
+              <a:t>An Object-Relational Mapping Library</a:t>
+            </a:r>
+          </a:p>
+          <a:p>
+            <a:pPr marL="0" indent="0">
+              <a:buNone/>
+            </a:pPr>
+            <a:endParaRPr lang="en-US" dirty="0"/>
+          </a:p>
+        </p:txBody>
+      </p:sp>
+      <p:sp>
+        <p:nvSpPr>
+          <p:cNvPr id="4" name="Rectangle 3">
+            <a:extLst>
+              <a:ext uri="{FF2B5EF4-FFF2-40B4-BE49-F238E27FC236}">
+                <a16:creationId xmlns:a16="http://schemas.microsoft.com/office/drawing/2014/main" id="{CFF81308-39D4-7B23-7F39-2A74E0758EEE}"/>
+              </a:ext>
+            </a:extLst>
+          </p:cNvPr>
+          <p:cNvSpPr/>
+          <p:nvPr/>
+        </p:nvSpPr>
+        <p:spPr>
+          <a:xfrm>
+            <a:off x="5718629" y="2467429"/>
+            <a:ext cx="5921828" cy="2612571"/>
+          </a:xfrm>
+          <a:prstGeom prst="rect">
+            <a:avLst/>
+          </a:prstGeom>
+          <a:solidFill>
+            <a:schemeClr val="accent5">
+              <a:lumMod val="60000"/>
+              <a:lumOff val="40000"/>
+            </a:schemeClr>
+          </a:solidFill>
+        </p:spPr>
+        <p:style>
+          <a:lnRef idx="2">
+            <a:schemeClr val="accent1">
+              <a:shade val="50000"/>
+            </a:schemeClr>
+          </a:lnRef>
+          <a:fillRef idx="1">
+            <a:schemeClr val="accent1"/>
+          </a:fillRef>
+          <a:effectRef idx="0">
+            <a:schemeClr val="accent1"/>
+          </a:effectRef>
+          <a:fontRef idx="minor">
+            <a:schemeClr val="lt1"/>
+          </a:fontRef>
+        </p:style>
+        <p:txBody>
+          <a:bodyPr rtlCol="0" anchor="ctr"/>
+          <a:lstStyle/>
+          <a:p>
+            <a:pPr algn="ctr"/>
+            <a:endParaRPr lang="en-US"/>
+          </a:p>
+        </p:txBody>
+      </p:sp>
+      <p:sp>
+        <p:nvSpPr>
+          <p:cNvPr id="5" name="Rectangle 4">
+            <a:extLst>
+              <a:ext uri="{FF2B5EF4-FFF2-40B4-BE49-F238E27FC236}">
+                <a16:creationId xmlns:a16="http://schemas.microsoft.com/office/drawing/2014/main" id="{83206D13-F2EB-BC53-E142-88EE34381F3A}"/>
+              </a:ext>
+            </a:extLst>
+          </p:cNvPr>
+          <p:cNvSpPr/>
+          <p:nvPr/>
+        </p:nvSpPr>
+        <p:spPr>
+          <a:xfrm>
+            <a:off x="9989457" y="2602366"/>
+            <a:ext cx="1444169" cy="700314"/>
+          </a:xfrm>
+          <a:prstGeom prst="rect">
+            <a:avLst/>
+          </a:prstGeom>
+        </p:spPr>
+        <p:style>
+          <a:lnRef idx="2">
+            <a:schemeClr val="accent1">
+              <a:shade val="50000"/>
+            </a:schemeClr>
+          </a:lnRef>
+          <a:fillRef idx="1">
+            <a:schemeClr val="accent1"/>
+          </a:fillRef>
+          <a:effectRef idx="0">
+            <a:schemeClr val="accent1"/>
+          </a:effectRef>
+          <a:fontRef idx="minor">
+            <a:schemeClr val="lt1"/>
+          </a:fontRef>
+        </p:style>
+        <p:txBody>
+          <a:bodyPr rtlCol="0" anchor="ctr"/>
+          <a:lstStyle/>
+          <a:p>
+            <a:pPr algn="ctr"/>
+            <a:r>
+              <a:rPr lang="en-US" dirty="0"/>
+              <a:t>password</a:t>
+            </a:r>
+          </a:p>
+        </p:txBody>
+      </p:sp>
+      <p:sp>
+        <p:nvSpPr>
+          <p:cNvPr id="6" name="Rectangle 5">
+            <a:extLst>
+              <a:ext uri="{FF2B5EF4-FFF2-40B4-BE49-F238E27FC236}">
+                <a16:creationId xmlns:a16="http://schemas.microsoft.com/office/drawing/2014/main" id="{12310992-7150-80B5-8C4F-F6889E94608E}"/>
+              </a:ext>
+            </a:extLst>
+          </p:cNvPr>
+          <p:cNvSpPr/>
+          <p:nvPr/>
+        </p:nvSpPr>
+        <p:spPr>
+          <a:xfrm>
+            <a:off x="5849257" y="2602366"/>
+            <a:ext cx="827313" cy="700314"/>
+          </a:xfrm>
+          <a:prstGeom prst="rect">
+            <a:avLst/>
+          </a:prstGeom>
+        </p:spPr>
+        <p:style>
+          <a:lnRef idx="2">
+            <a:schemeClr val="accent1">
+              <a:shade val="50000"/>
+            </a:schemeClr>
+          </a:lnRef>
+          <a:fillRef idx="1">
+            <a:schemeClr val="accent1"/>
+          </a:fillRef>
+          <a:effectRef idx="0">
+            <a:schemeClr val="accent1"/>
+          </a:effectRef>
+          <a:fontRef idx="minor">
+            <a:schemeClr val="lt1"/>
+          </a:fontRef>
+        </p:style>
+        <p:txBody>
+          <a:bodyPr rtlCol="0" anchor="ctr"/>
+          <a:lstStyle/>
+          <a:p>
+            <a:pPr algn="ctr"/>
+            <a:r>
+              <a:rPr lang="en-US" dirty="0"/>
+              <a:t>ID</a:t>
+            </a:r>
+          </a:p>
+        </p:txBody>
+      </p:sp>
+      <p:sp>
+        <p:nvSpPr>
+          <p:cNvPr id="7" name="Rectangle 6">
+            <a:extLst>
+              <a:ext uri="{FF2B5EF4-FFF2-40B4-BE49-F238E27FC236}">
+                <a16:creationId xmlns:a16="http://schemas.microsoft.com/office/drawing/2014/main" id="{38D96983-9DAC-B395-1F79-9926E9A675F8}"/>
+              </a:ext>
+            </a:extLst>
+          </p:cNvPr>
+          <p:cNvSpPr/>
+          <p:nvPr/>
+        </p:nvSpPr>
+        <p:spPr>
+          <a:xfrm>
+            <a:off x="6897913" y="2602366"/>
+            <a:ext cx="1567543" cy="700314"/>
+          </a:xfrm>
+          <a:prstGeom prst="rect">
+            <a:avLst/>
+          </a:prstGeom>
+        </p:spPr>
+        <p:style>
+          <a:lnRef idx="2">
+            <a:schemeClr val="accent1">
+              <a:shade val="50000"/>
+            </a:schemeClr>
+          </a:lnRef>
+          <a:fillRef idx="1">
+            <a:schemeClr val="accent1"/>
+          </a:fillRef>
+          <a:effectRef idx="0">
+            <a:schemeClr val="accent1"/>
+          </a:effectRef>
+          <a:fontRef idx="minor">
+            <a:schemeClr val="lt1"/>
+          </a:fontRef>
+        </p:style>
+        <p:txBody>
+          <a:bodyPr rtlCol="0" anchor="ctr"/>
+          <a:lstStyle/>
+          <a:p>
+            <a:pPr algn="ctr"/>
+            <a:r>
+              <a:rPr lang="en-US" dirty="0"/>
+              <a:t>name</a:t>
+            </a:r>
+          </a:p>
+        </p:txBody>
+      </p:sp>
+      <p:sp>
+        <p:nvSpPr>
+          <p:cNvPr id="8" name="Rectangle 7">
+            <a:extLst>
+              <a:ext uri="{FF2B5EF4-FFF2-40B4-BE49-F238E27FC236}">
+                <a16:creationId xmlns:a16="http://schemas.microsoft.com/office/drawing/2014/main" id="{3BEE2C32-01F5-8D23-F270-B85B0B3893AB}"/>
+              </a:ext>
+            </a:extLst>
+          </p:cNvPr>
+          <p:cNvSpPr/>
+          <p:nvPr/>
+        </p:nvSpPr>
+        <p:spPr>
+          <a:xfrm>
+            <a:off x="8686799" y="2589213"/>
+            <a:ext cx="1081315" cy="700314"/>
+          </a:xfrm>
+          <a:prstGeom prst="rect">
+            <a:avLst/>
+          </a:prstGeom>
+        </p:spPr>
+        <p:style>
+          <a:lnRef idx="2">
+            <a:schemeClr val="accent1">
+              <a:shade val="50000"/>
+            </a:schemeClr>
+          </a:lnRef>
+          <a:fillRef idx="1">
+            <a:schemeClr val="accent1"/>
+          </a:fillRef>
+          <a:effectRef idx="0">
+            <a:schemeClr val="accent1"/>
+          </a:effectRef>
+          <a:fontRef idx="minor">
+            <a:schemeClr val="lt1"/>
+          </a:fontRef>
+        </p:style>
+        <p:txBody>
+          <a:bodyPr rtlCol="0" anchor="ctr"/>
+          <a:lstStyle/>
+          <a:p>
+            <a:pPr algn="ctr"/>
+            <a:r>
+              <a:rPr lang="en-US" dirty="0"/>
+              <a:t>age</a:t>
+            </a:r>
+          </a:p>
+        </p:txBody>
+      </p:sp>
+      <p:sp>
+        <p:nvSpPr>
+          <p:cNvPr id="9" name="Rectangle 8">
+            <a:extLst>
+              <a:ext uri="{FF2B5EF4-FFF2-40B4-BE49-F238E27FC236}">
+                <a16:creationId xmlns:a16="http://schemas.microsoft.com/office/drawing/2014/main" id="{DBC332F4-06B7-0D3A-8604-350B445389F2}"/>
+              </a:ext>
+            </a:extLst>
+          </p:cNvPr>
+          <p:cNvSpPr/>
+          <p:nvPr/>
+        </p:nvSpPr>
+        <p:spPr>
+          <a:xfrm>
+            <a:off x="838200" y="2946627"/>
+            <a:ext cx="2006600" cy="2177142"/>
+          </a:xfrm>
+          <a:prstGeom prst="rect">
+            <a:avLst/>
+          </a:prstGeom>
+        </p:spPr>
+        <p:style>
+          <a:lnRef idx="2">
+            <a:schemeClr val="accent1">
+              <a:shade val="50000"/>
+            </a:schemeClr>
+          </a:lnRef>
+          <a:fillRef idx="1">
+            <a:schemeClr val="accent1"/>
+          </a:fillRef>
+          <a:effectRef idx="0">
+            <a:schemeClr val="accent1"/>
+          </a:effectRef>
+          <a:fontRef idx="minor">
+            <a:schemeClr val="lt1"/>
+          </a:fontRef>
+        </p:style>
+        <p:txBody>
+          <a:bodyPr rtlCol="0" anchor="ctr"/>
+          <a:lstStyle/>
+          <a:p>
+            <a:pPr marL="285750" indent="-285750" algn="ctr">
+              <a:buFont typeface="Arial" panose="020B0604020202020204" pitchFamily="34" charset="0"/>
+              <a:buChar char="•"/>
+            </a:pPr>
+            <a:r>
+              <a:rPr lang="en-US" dirty="0"/>
+              <a:t>Name</a:t>
+            </a:r>
+          </a:p>
+          <a:p>
+            <a:pPr marL="285750" indent="-285750" algn="ctr">
+              <a:buFont typeface="Arial" panose="020B0604020202020204" pitchFamily="34" charset="0"/>
+              <a:buChar char="•"/>
+            </a:pPr>
+            <a:r>
+              <a:rPr lang="en-US" dirty="0"/>
+              <a:t>Age</a:t>
+            </a:r>
+          </a:p>
+          <a:p>
+            <a:pPr marL="285750" indent="-285750" algn="ctr">
+              <a:buFont typeface="Arial" panose="020B0604020202020204" pitchFamily="34" charset="0"/>
+              <a:buChar char="•"/>
+            </a:pPr>
+            <a:r>
+              <a:rPr lang="en-US" dirty="0"/>
+              <a:t>Email</a:t>
+            </a:r>
+          </a:p>
+          <a:p>
+            <a:pPr marL="285750" indent="-285750" algn="ctr">
+              <a:buFont typeface="Arial" panose="020B0604020202020204" pitchFamily="34" charset="0"/>
+              <a:buChar char="•"/>
+            </a:pPr>
+            <a:r>
+              <a:rPr lang="en-US" dirty="0"/>
+              <a:t>password</a:t>
+            </a:r>
+          </a:p>
+        </p:txBody>
+      </p:sp>
+      <p:sp>
+        <p:nvSpPr>
+          <p:cNvPr id="10" name="Rectangle 9">
+            <a:extLst>
+              <a:ext uri="{FF2B5EF4-FFF2-40B4-BE49-F238E27FC236}">
+                <a16:creationId xmlns:a16="http://schemas.microsoft.com/office/drawing/2014/main" id="{5D2FDB26-160E-1957-2411-E331507FFE20}"/>
+              </a:ext>
+            </a:extLst>
+          </p:cNvPr>
+          <p:cNvSpPr/>
+          <p:nvPr/>
+        </p:nvSpPr>
+        <p:spPr>
+          <a:xfrm>
+            <a:off x="838200" y="2340429"/>
+            <a:ext cx="2006600" cy="641804"/>
+          </a:xfrm>
+          <a:prstGeom prst="rect">
+            <a:avLst/>
+          </a:prstGeom>
+        </p:spPr>
+        <p:style>
+          <a:lnRef idx="2">
+            <a:schemeClr val="accent1">
+              <a:shade val="50000"/>
+            </a:schemeClr>
+          </a:lnRef>
+          <a:fillRef idx="1">
+            <a:schemeClr val="accent1"/>
+          </a:fillRef>
+          <a:effectRef idx="0">
+            <a:schemeClr val="accent1"/>
+          </a:effectRef>
+          <a:fontRef idx="minor">
+            <a:schemeClr val="lt1"/>
+          </a:fontRef>
+        </p:style>
+        <p:txBody>
+          <a:bodyPr rtlCol="0" anchor="ctr"/>
+          <a:lstStyle/>
+          <a:p>
+            <a:pPr algn="ctr"/>
+            <a:r>
+              <a:rPr lang="en-US" dirty="0"/>
+              <a:t>User</a:t>
+            </a:r>
+          </a:p>
+        </p:txBody>
+      </p:sp>
+      <p:sp>
+        <p:nvSpPr>
+          <p:cNvPr id="11" name="Arrow: Right 10">
+            <a:extLst>
+              <a:ext uri="{FF2B5EF4-FFF2-40B4-BE49-F238E27FC236}">
+                <a16:creationId xmlns:a16="http://schemas.microsoft.com/office/drawing/2014/main" id="{0221EA4F-09A1-275A-BEDE-026871ABDD93}"/>
+              </a:ext>
+            </a:extLst>
+          </p:cNvPr>
+          <p:cNvSpPr/>
+          <p:nvPr/>
+        </p:nvSpPr>
+        <p:spPr>
+          <a:xfrm>
+            <a:off x="3149600" y="3289527"/>
+            <a:ext cx="2362198" cy="832530"/>
+          </a:xfrm>
+          <a:prstGeom prst="rightArrow">
+            <a:avLst/>
+          </a:prstGeom>
+        </p:spPr>
+        <p:style>
+          <a:lnRef idx="2">
+            <a:schemeClr val="accent1">
+              <a:shade val="50000"/>
+            </a:schemeClr>
+          </a:lnRef>
+          <a:fillRef idx="1">
+            <a:schemeClr val="accent1"/>
+          </a:fillRef>
+          <a:effectRef idx="0">
+            <a:schemeClr val="accent1"/>
+          </a:effectRef>
+          <a:fontRef idx="minor">
+            <a:schemeClr val="lt1"/>
+          </a:fontRef>
+        </p:style>
+        <p:txBody>
+          <a:bodyPr rtlCol="0" anchor="ctr"/>
+          <a:lstStyle/>
+          <a:p>
+            <a:pPr algn="ctr"/>
+            <a:r>
+              <a:rPr lang="en-US" dirty="0"/>
+              <a:t>Mapping</a:t>
+            </a:r>
+          </a:p>
+        </p:txBody>
+      </p:sp>
+      <p:sp>
+        <p:nvSpPr>
+          <p:cNvPr id="12" name="Rectangle 11">
+            <a:extLst>
+              <a:ext uri="{FF2B5EF4-FFF2-40B4-BE49-F238E27FC236}">
+                <a16:creationId xmlns:a16="http://schemas.microsoft.com/office/drawing/2014/main" id="{3ED0BE7B-451E-C248-7CC3-C47616871F27}"/>
+              </a:ext>
+            </a:extLst>
+          </p:cNvPr>
+          <p:cNvSpPr/>
+          <p:nvPr/>
+        </p:nvSpPr>
+        <p:spPr>
+          <a:xfrm>
+            <a:off x="2540000" y="5428343"/>
+            <a:ext cx="6487886" cy="473755"/>
+          </a:xfrm>
+          <a:prstGeom prst="rect">
+            <a:avLst/>
+          </a:prstGeom>
+        </p:spPr>
+        <p:style>
+          <a:lnRef idx="2">
+            <a:schemeClr val="accent1">
+              <a:shade val="50000"/>
+            </a:schemeClr>
+          </a:lnRef>
+          <a:fillRef idx="1">
+            <a:schemeClr val="accent1"/>
+          </a:fillRef>
+          <a:effectRef idx="0">
+            <a:schemeClr val="accent1"/>
+          </a:effectRef>
+          <a:fontRef idx="minor">
+            <a:schemeClr val="lt1"/>
+          </a:fontRef>
+        </p:style>
+        <p:txBody>
+          <a:bodyPr rtlCol="0" anchor="ctr"/>
+          <a:lstStyle/>
+          <a:p>
+            <a:pPr algn="ctr"/>
+            <a:r>
+              <a:rPr lang="en-US" dirty="0"/>
+              <a:t>INSERT INTO users VALUES (1,’ram’,28,’asjd’);</a:t>
+            </a:r>
+          </a:p>
+        </p:txBody>
+      </p:sp>
+      <p:sp>
+        <p:nvSpPr>
+          <p:cNvPr id="13" name="Rectangle 12">
+            <a:extLst>
+              <a:ext uri="{FF2B5EF4-FFF2-40B4-BE49-F238E27FC236}">
+                <a16:creationId xmlns:a16="http://schemas.microsoft.com/office/drawing/2014/main" id="{938D9122-9E3E-B331-6744-E9E458DCBB47}"/>
+              </a:ext>
+            </a:extLst>
+          </p:cNvPr>
+          <p:cNvSpPr/>
+          <p:nvPr/>
+        </p:nvSpPr>
+        <p:spPr>
+          <a:xfrm>
+            <a:off x="1409700" y="6149408"/>
+            <a:ext cx="8879114" cy="473755"/>
+          </a:xfrm>
+          <a:prstGeom prst="rect">
+            <a:avLst/>
+          </a:prstGeom>
+        </p:spPr>
+        <p:style>
+          <a:lnRef idx="2">
+            <a:schemeClr val="accent1">
+              <a:shade val="50000"/>
+            </a:schemeClr>
+          </a:lnRef>
+          <a:fillRef idx="1">
+            <a:schemeClr val="accent1"/>
+          </a:fillRef>
+          <a:effectRef idx="0">
+            <a:schemeClr val="accent1"/>
+          </a:effectRef>
+          <a:fontRef idx="minor">
+            <a:schemeClr val="lt1"/>
+          </a:fontRef>
+        </p:style>
+        <p:txBody>
+          <a:bodyPr rtlCol="0" anchor="ctr"/>
+          <a:lstStyle/>
+          <a:p>
+            <a:pPr algn="ctr"/>
+            <a:r>
+              <a:rPr lang="en-US" dirty="0"/>
+              <a:t>Const user = </a:t>
+            </a:r>
+            <a:r>
+              <a:rPr lang="en-US" dirty="0" err="1"/>
+              <a:t>User.create</a:t>
+            </a:r>
+            <a:r>
+              <a:rPr lang="en-US" dirty="0"/>
+              <a:t>({name:’ram’,age:28,password:’asjd’});</a:t>
+            </a:r>
+          </a:p>
+        </p:txBody>
+      </p:sp>
+    </p:spTree>
+    <p:extLst>
+      <p:ext uri="{BB962C8B-B14F-4D97-AF65-F5344CB8AC3E}">
+        <p14:creationId xmlns:p14="http://schemas.microsoft.com/office/powerpoint/2010/main" val="1121714420"/>
+      </p:ext>
+    </p:extLst>
+  </p:cSld>
+  <p:clrMapOvr>
+    <a:masterClrMapping/>
+  </p:clrMapOvr>
+</p:sld>
+</file>
+
+<file path=ppt/slides/slide13.xml><?xml version="1.0" encoding="utf-8"?>
+<p:sld xmlns:a="http://schemas.openxmlformats.org/drawingml/2006/main" xmlns:r="http://schemas.openxmlformats.org/officeDocument/2006/relationships" xmlns:p="http://schemas.openxmlformats.org/presentationml/2006/main">
+  <p:cSld>
+    <p:spTree>
+      <p:nvGrpSpPr>
+        <p:cNvPr id="1" name=""/>
+        <p:cNvGrpSpPr/>
+        <p:nvPr/>
+      </p:nvGrpSpPr>
+      <p:grpSpPr>
+        <a:xfrm>
+          <a:off x="0" y="0"/>
+          <a:ext cx="0" cy="0"/>
+          <a:chOff x="0" y="0"/>
+          <a:chExt cx="0" cy="0"/>
+        </a:xfrm>
+      </p:grpSpPr>
+      <p:sp>
+        <p:nvSpPr>
+          <p:cNvPr id="2" name="Title 1">
+            <a:extLst>
+              <a:ext uri="{FF2B5EF4-FFF2-40B4-BE49-F238E27FC236}">
+                <a16:creationId xmlns:a16="http://schemas.microsoft.com/office/drawing/2014/main" id="{178C67D9-7799-71EE-37F2-93CE673BCFB2}"/>
+              </a:ext>
+            </a:extLst>
+          </p:cNvPr>
+          <p:cNvSpPr>
+            <a:spLocks noGrp="1"/>
+          </p:cNvSpPr>
+          <p:nvPr>
+            <p:ph type="title"/>
+          </p:nvPr>
+        </p:nvSpPr>
+        <p:spPr/>
+        <p:txBody>
+          <a:bodyPr/>
+          <a:lstStyle/>
+          <a:p>
+            <a:r>
+              <a:rPr lang="en-US" dirty="0"/>
+              <a:t>Core Concepts</a:t>
+            </a:r>
+          </a:p>
+        </p:txBody>
+      </p:sp>
+      <p:sp>
+        <p:nvSpPr>
+          <p:cNvPr id="4" name="Rectangle 3">
+            <a:extLst>
+              <a:ext uri="{FF2B5EF4-FFF2-40B4-BE49-F238E27FC236}">
+                <a16:creationId xmlns:a16="http://schemas.microsoft.com/office/drawing/2014/main" id="{54C87E41-A230-B1BD-E565-26EA3A7CF951}"/>
+              </a:ext>
+            </a:extLst>
+          </p:cNvPr>
+          <p:cNvSpPr/>
+          <p:nvPr/>
+        </p:nvSpPr>
+        <p:spPr>
+          <a:xfrm>
+            <a:off x="1886856" y="1690688"/>
+            <a:ext cx="3178629" cy="914400"/>
+          </a:xfrm>
+          <a:prstGeom prst="rect">
+            <a:avLst/>
+          </a:prstGeom>
+        </p:spPr>
+        <p:style>
+          <a:lnRef idx="2">
+            <a:schemeClr val="accent1">
+              <a:shade val="50000"/>
+            </a:schemeClr>
+          </a:lnRef>
+          <a:fillRef idx="1">
+            <a:schemeClr val="accent1"/>
+          </a:fillRef>
+          <a:effectRef idx="0">
+            <a:schemeClr val="accent1"/>
+          </a:effectRef>
+          <a:fontRef idx="minor">
+            <a:schemeClr val="lt1"/>
+          </a:fontRef>
+        </p:style>
+        <p:txBody>
+          <a:bodyPr rtlCol="0" anchor="ctr"/>
+          <a:lstStyle/>
+          <a:p>
+            <a:pPr algn="ctr"/>
+            <a:r>
+              <a:rPr lang="en-US" dirty="0"/>
+              <a:t>Models</a:t>
+            </a:r>
+          </a:p>
+        </p:txBody>
+      </p:sp>
+      <p:sp>
+        <p:nvSpPr>
+          <p:cNvPr id="5" name="Rectangle 4">
+            <a:extLst>
+              <a:ext uri="{FF2B5EF4-FFF2-40B4-BE49-F238E27FC236}">
+                <a16:creationId xmlns:a16="http://schemas.microsoft.com/office/drawing/2014/main" id="{30DEE1C3-7736-5CB4-4FD2-BC6A7F562939}"/>
+              </a:ext>
+            </a:extLst>
+          </p:cNvPr>
+          <p:cNvSpPr/>
+          <p:nvPr/>
+        </p:nvSpPr>
+        <p:spPr>
+          <a:xfrm>
+            <a:off x="1886855" y="2971800"/>
+            <a:ext cx="3178629" cy="914400"/>
+          </a:xfrm>
+          <a:prstGeom prst="rect">
+            <a:avLst/>
+          </a:prstGeom>
+        </p:spPr>
+        <p:style>
+          <a:lnRef idx="2">
+            <a:schemeClr val="accent1">
+              <a:shade val="50000"/>
+            </a:schemeClr>
+          </a:lnRef>
+          <a:fillRef idx="1">
+            <a:schemeClr val="accent1"/>
+          </a:fillRef>
+          <a:effectRef idx="0">
+            <a:schemeClr val="accent1"/>
+          </a:effectRef>
+          <a:fontRef idx="minor">
+            <a:schemeClr val="lt1"/>
+          </a:fontRef>
+        </p:style>
+        <p:txBody>
+          <a:bodyPr rtlCol="0" anchor="ctr"/>
+          <a:lstStyle/>
+          <a:p>
+            <a:pPr algn="ctr"/>
+            <a:r>
+              <a:rPr lang="en-US" dirty="0"/>
+              <a:t>Instances</a:t>
+            </a:r>
+          </a:p>
+        </p:txBody>
+      </p:sp>
+      <p:sp>
+        <p:nvSpPr>
+          <p:cNvPr id="6" name="Rectangle 5">
+            <a:extLst>
+              <a:ext uri="{FF2B5EF4-FFF2-40B4-BE49-F238E27FC236}">
+                <a16:creationId xmlns:a16="http://schemas.microsoft.com/office/drawing/2014/main" id="{3D6B6E35-3119-FF70-5B26-A56D0B0EAE60}"/>
+              </a:ext>
+            </a:extLst>
+          </p:cNvPr>
+          <p:cNvSpPr/>
+          <p:nvPr/>
+        </p:nvSpPr>
+        <p:spPr>
+          <a:xfrm>
+            <a:off x="1886854" y="4285569"/>
+            <a:ext cx="3178629" cy="914400"/>
+          </a:xfrm>
+          <a:prstGeom prst="rect">
+            <a:avLst/>
+          </a:prstGeom>
+        </p:spPr>
+        <p:style>
+          <a:lnRef idx="2">
+            <a:schemeClr val="accent1">
+              <a:shade val="50000"/>
+            </a:schemeClr>
+          </a:lnRef>
+          <a:fillRef idx="1">
+            <a:schemeClr val="accent1"/>
+          </a:fillRef>
+          <a:effectRef idx="0">
+            <a:schemeClr val="accent1"/>
+          </a:effectRef>
+          <a:fontRef idx="minor">
+            <a:schemeClr val="lt1"/>
+          </a:fontRef>
+        </p:style>
+        <p:txBody>
+          <a:bodyPr rtlCol="0" anchor="ctr"/>
+          <a:lstStyle/>
+          <a:p>
+            <a:pPr algn="ctr"/>
+            <a:r>
+              <a:rPr lang="en-US" dirty="0"/>
+              <a:t>Queries</a:t>
+            </a:r>
+          </a:p>
+        </p:txBody>
+      </p:sp>
+      <p:sp>
+        <p:nvSpPr>
+          <p:cNvPr id="7" name="Rectangle 6">
+            <a:extLst>
+              <a:ext uri="{FF2B5EF4-FFF2-40B4-BE49-F238E27FC236}">
+                <a16:creationId xmlns:a16="http://schemas.microsoft.com/office/drawing/2014/main" id="{08841911-4B1B-E3FB-55DF-6B47168C3D27}"/>
+              </a:ext>
+            </a:extLst>
+          </p:cNvPr>
+          <p:cNvSpPr/>
+          <p:nvPr/>
+        </p:nvSpPr>
+        <p:spPr>
+          <a:xfrm>
+            <a:off x="1886854" y="5722483"/>
+            <a:ext cx="3178629" cy="914400"/>
+          </a:xfrm>
+          <a:prstGeom prst="rect">
+            <a:avLst/>
+          </a:prstGeom>
+        </p:spPr>
+        <p:style>
+          <a:lnRef idx="2">
+            <a:schemeClr val="accent1">
+              <a:shade val="50000"/>
+            </a:schemeClr>
+          </a:lnRef>
+          <a:fillRef idx="1">
+            <a:schemeClr val="accent1"/>
+          </a:fillRef>
+          <a:effectRef idx="0">
+            <a:schemeClr val="accent1"/>
+          </a:effectRef>
+          <a:fontRef idx="minor">
+            <a:schemeClr val="lt1"/>
+          </a:fontRef>
+        </p:style>
+        <p:txBody>
+          <a:bodyPr rtlCol="0" anchor="ctr"/>
+          <a:lstStyle/>
+          <a:p>
+            <a:pPr algn="ctr"/>
+            <a:r>
+              <a:rPr lang="en-US" dirty="0"/>
+              <a:t>Associations</a:t>
+            </a:r>
+          </a:p>
+        </p:txBody>
+      </p:sp>
+      <p:sp>
+        <p:nvSpPr>
+          <p:cNvPr id="8" name="Rectangle 7">
+            <a:extLst>
+              <a:ext uri="{FF2B5EF4-FFF2-40B4-BE49-F238E27FC236}">
+                <a16:creationId xmlns:a16="http://schemas.microsoft.com/office/drawing/2014/main" id="{0195C3E1-5E68-D8D7-8C4B-17B882D67621}"/>
+              </a:ext>
+            </a:extLst>
+          </p:cNvPr>
+          <p:cNvSpPr/>
+          <p:nvPr/>
+        </p:nvSpPr>
+        <p:spPr>
+          <a:xfrm>
+            <a:off x="6850743" y="1690688"/>
+            <a:ext cx="3831771" cy="914400"/>
+          </a:xfrm>
+          <a:prstGeom prst="rect">
+            <a:avLst/>
+          </a:prstGeom>
+        </p:spPr>
+        <p:style>
+          <a:lnRef idx="2">
+            <a:schemeClr val="accent1">
+              <a:shade val="50000"/>
+            </a:schemeClr>
+          </a:lnRef>
+          <a:fillRef idx="1">
+            <a:schemeClr val="accent1"/>
+          </a:fillRef>
+          <a:effectRef idx="0">
+            <a:schemeClr val="accent1"/>
+          </a:effectRef>
+          <a:fontRef idx="minor">
+            <a:schemeClr val="lt1"/>
+          </a:fontRef>
+        </p:style>
+        <p:txBody>
+          <a:bodyPr rtlCol="0" anchor="ctr"/>
+          <a:lstStyle/>
+          <a:p>
+            <a:pPr algn="ctr"/>
+            <a:r>
+              <a:rPr lang="en-US" dirty="0"/>
+              <a:t>e.g. </a:t>
+            </a:r>
+            <a:r>
+              <a:rPr lang="en-US" dirty="0" err="1"/>
+              <a:t>User.Product</a:t>
+            </a:r>
+            <a:endParaRPr lang="en-US" dirty="0"/>
+          </a:p>
+        </p:txBody>
+      </p:sp>
+      <p:sp>
+        <p:nvSpPr>
+          <p:cNvPr id="9" name="Rectangle 8">
+            <a:extLst>
+              <a:ext uri="{FF2B5EF4-FFF2-40B4-BE49-F238E27FC236}">
+                <a16:creationId xmlns:a16="http://schemas.microsoft.com/office/drawing/2014/main" id="{4B3DCE01-EF8A-0D99-984E-28D88E57D2BE}"/>
+              </a:ext>
+            </a:extLst>
+          </p:cNvPr>
+          <p:cNvSpPr/>
+          <p:nvPr/>
+        </p:nvSpPr>
+        <p:spPr>
+          <a:xfrm>
+            <a:off x="6850743" y="3016251"/>
+            <a:ext cx="3831771" cy="914400"/>
+          </a:xfrm>
+          <a:prstGeom prst="rect">
+            <a:avLst/>
+          </a:prstGeom>
+        </p:spPr>
+        <p:style>
+          <a:lnRef idx="2">
+            <a:schemeClr val="accent1">
+              <a:shade val="50000"/>
+            </a:schemeClr>
+          </a:lnRef>
+          <a:fillRef idx="1">
+            <a:schemeClr val="accent1"/>
+          </a:fillRef>
+          <a:effectRef idx="0">
+            <a:schemeClr val="accent1"/>
+          </a:effectRef>
+          <a:fontRef idx="minor">
+            <a:schemeClr val="lt1"/>
+          </a:fontRef>
+        </p:style>
+        <p:txBody>
+          <a:bodyPr rtlCol="0" anchor="ctr"/>
+          <a:lstStyle/>
+          <a:p>
+            <a:pPr algn="ctr"/>
+            <a:r>
+              <a:rPr lang="en-US" dirty="0"/>
+              <a:t>Const user = </a:t>
+            </a:r>
+            <a:r>
+              <a:rPr lang="en-US" dirty="0" err="1"/>
+              <a:t>User.build</a:t>
+            </a:r>
+            <a:r>
+              <a:rPr lang="en-US" dirty="0"/>
+              <a:t>()</a:t>
+            </a:r>
+          </a:p>
+        </p:txBody>
+      </p:sp>
+      <p:sp>
+        <p:nvSpPr>
+          <p:cNvPr id="10" name="Rectangle 9">
+            <a:extLst>
+              <a:ext uri="{FF2B5EF4-FFF2-40B4-BE49-F238E27FC236}">
+                <a16:creationId xmlns:a16="http://schemas.microsoft.com/office/drawing/2014/main" id="{9BA4FA48-ACC4-6FFA-CF41-344DD8C2EE53}"/>
+              </a:ext>
+            </a:extLst>
+          </p:cNvPr>
+          <p:cNvSpPr/>
+          <p:nvPr/>
+        </p:nvSpPr>
+        <p:spPr>
+          <a:xfrm>
+            <a:off x="6850742" y="4252912"/>
+            <a:ext cx="3831771" cy="914400"/>
+          </a:xfrm>
+          <a:prstGeom prst="rect">
+            <a:avLst/>
+          </a:prstGeom>
+        </p:spPr>
+        <p:style>
+          <a:lnRef idx="2">
+            <a:schemeClr val="accent1">
+              <a:shade val="50000"/>
+            </a:schemeClr>
+          </a:lnRef>
+          <a:fillRef idx="1">
+            <a:schemeClr val="accent1"/>
+          </a:fillRef>
+          <a:effectRef idx="0">
+            <a:schemeClr val="accent1"/>
+          </a:effectRef>
+          <a:fontRef idx="minor">
+            <a:schemeClr val="lt1"/>
+          </a:fontRef>
+        </p:style>
+        <p:txBody>
+          <a:bodyPr rtlCol="0" anchor="ctr"/>
+          <a:lstStyle/>
+          <a:p>
+            <a:pPr algn="ctr"/>
+            <a:r>
+              <a:rPr lang="en-US" dirty="0" err="1"/>
+              <a:t>User.findAll</a:t>
+            </a:r>
+            <a:r>
+              <a:rPr lang="en-US" dirty="0"/>
+              <a:t>()</a:t>
+            </a:r>
+          </a:p>
+        </p:txBody>
+      </p:sp>
+      <p:sp>
+        <p:nvSpPr>
+          <p:cNvPr id="11" name="Rectangle 10">
+            <a:extLst>
+              <a:ext uri="{FF2B5EF4-FFF2-40B4-BE49-F238E27FC236}">
+                <a16:creationId xmlns:a16="http://schemas.microsoft.com/office/drawing/2014/main" id="{DFC90664-6554-9639-F2CC-0C8E53906D79}"/>
+              </a:ext>
+            </a:extLst>
+          </p:cNvPr>
+          <p:cNvSpPr/>
+          <p:nvPr/>
+        </p:nvSpPr>
+        <p:spPr>
+          <a:xfrm>
+            <a:off x="6850742" y="5578475"/>
+            <a:ext cx="3831771" cy="914400"/>
+          </a:xfrm>
+          <a:prstGeom prst="rect">
+            <a:avLst/>
+          </a:prstGeom>
+        </p:spPr>
+        <p:style>
+          <a:lnRef idx="2">
+            <a:schemeClr val="accent1">
+              <a:shade val="50000"/>
+            </a:schemeClr>
+          </a:lnRef>
+          <a:fillRef idx="1">
+            <a:schemeClr val="accent1"/>
+          </a:fillRef>
+          <a:effectRef idx="0">
+            <a:schemeClr val="accent1"/>
+          </a:effectRef>
+          <a:fontRef idx="minor">
+            <a:schemeClr val="lt1"/>
+          </a:fontRef>
+        </p:style>
+        <p:txBody>
+          <a:bodyPr rtlCol="0" anchor="ctr"/>
+          <a:lstStyle/>
+          <a:p>
+            <a:pPr algn="ctr"/>
+            <a:r>
+              <a:rPr lang="en-US" dirty="0" err="1"/>
+              <a:t>User.hasMany</a:t>
+            </a:r>
+            <a:r>
+              <a:rPr lang="en-US" dirty="0"/>
+              <a:t>(Product)</a:t>
+            </a:r>
+          </a:p>
+        </p:txBody>
+      </p:sp>
+    </p:spTree>
+    <p:extLst>
+      <p:ext uri="{BB962C8B-B14F-4D97-AF65-F5344CB8AC3E}">
+        <p14:creationId xmlns:p14="http://schemas.microsoft.com/office/powerpoint/2010/main" val="913216161"/>
+      </p:ext>
+    </p:extLst>
+  </p:cSld>
+  <p:clrMapOvr>
+    <a:masterClrMapping/>
+  </p:clrMapOvr>
+</p:sld>
+</file>
+
+<file path=ppt/slides/slide14.xml><?xml version="1.0" encoding="utf-8"?>
+<p:sld xmlns:a="http://schemas.openxmlformats.org/drawingml/2006/main" xmlns:r="http://schemas.openxmlformats.org/officeDocument/2006/relationships" xmlns:p="http://schemas.openxmlformats.org/presentationml/2006/main">
+  <p:cSld>
+    <p:spTree>
+      <p:nvGrpSpPr>
+        <p:cNvPr id="1" name=""/>
+        <p:cNvGrpSpPr/>
+        <p:nvPr/>
+      </p:nvGrpSpPr>
+      <p:grpSpPr>
+        <a:xfrm>
+          <a:off x="0" y="0"/>
+          <a:ext cx="0" cy="0"/>
+          <a:chOff x="0" y="0"/>
+          <a:chExt cx="0" cy="0"/>
+        </a:xfrm>
+      </p:grpSpPr>
+      <p:sp>
+        <p:nvSpPr>
+          <p:cNvPr id="2" name="Title 1">
+            <a:extLst>
+              <a:ext uri="{FF2B5EF4-FFF2-40B4-BE49-F238E27FC236}">
+                <a16:creationId xmlns:a16="http://schemas.microsoft.com/office/drawing/2014/main" id="{36032EF0-8047-13B1-E08D-EA703DA82084}"/>
+              </a:ext>
+            </a:extLst>
+          </p:cNvPr>
+          <p:cNvSpPr>
+            <a:spLocks noGrp="1"/>
+          </p:cNvSpPr>
+          <p:nvPr>
+            <p:ph type="title"/>
+          </p:nvPr>
+        </p:nvSpPr>
+        <p:spPr/>
+        <p:txBody>
+          <a:bodyPr/>
+          <a:lstStyle/>
+          <a:p>
+            <a:r>
+              <a:rPr lang="en-US" dirty="0"/>
+              <a:t>Sequelize</a:t>
+            </a:r>
+          </a:p>
+        </p:txBody>
+      </p:sp>
+      <p:sp>
+        <p:nvSpPr>
+          <p:cNvPr id="3" name="Content Placeholder 2">
+            <a:extLst>
+              <a:ext uri="{FF2B5EF4-FFF2-40B4-BE49-F238E27FC236}">
+                <a16:creationId xmlns:a16="http://schemas.microsoft.com/office/drawing/2014/main" id="{79FF1277-FC76-F44B-5E15-BC7D06C645F1}"/>
+              </a:ext>
+            </a:extLst>
+          </p:cNvPr>
+          <p:cNvSpPr>
+            <a:spLocks noGrp="1"/>
+          </p:cNvSpPr>
+          <p:nvPr>
+            <p:ph idx="1"/>
+          </p:nvPr>
+        </p:nvSpPr>
+        <p:spPr/>
+        <p:txBody>
+          <a:bodyPr/>
+          <a:lstStyle/>
+          <a:p>
+            <a:r>
+              <a:rPr lang="en-US" dirty="0"/>
+              <a:t>Connecting to the Database</a:t>
+            </a:r>
+          </a:p>
+          <a:p>
+            <a:r>
+              <a:rPr lang="en-US" dirty="0"/>
+              <a:t>Inserting Data &amp; Creating a Product</a:t>
+            </a:r>
+          </a:p>
+          <a:p>
+            <a:r>
+              <a:rPr lang="en-US" dirty="0"/>
+              <a:t>Retrieving Data &amp; Finding Product</a:t>
+            </a:r>
+          </a:p>
+          <a:p>
+            <a:r>
+              <a:rPr lang="en-US" dirty="0"/>
+              <a:t>Getting a single product with the where condition</a:t>
+            </a:r>
+          </a:p>
+          <a:p>
+            <a:r>
+              <a:rPr lang="en-US" dirty="0"/>
+              <a:t>Fetching admin products</a:t>
+            </a:r>
+          </a:p>
+          <a:p>
+            <a:r>
+              <a:rPr lang="en-US" dirty="0"/>
+              <a:t>Updating products</a:t>
+            </a:r>
+          </a:p>
+          <a:p>
+            <a:r>
+              <a:rPr lang="en-US" dirty="0"/>
+              <a:t>Deleting products</a:t>
+            </a:r>
+          </a:p>
+        </p:txBody>
+      </p:sp>
+    </p:spTree>
+    <p:extLst>
+      <p:ext uri="{BB962C8B-B14F-4D97-AF65-F5344CB8AC3E}">
+        <p14:creationId xmlns:p14="http://schemas.microsoft.com/office/powerpoint/2010/main" val="851611808"/>
       </p:ext>
     </p:extLst>
   </p:cSld>

--- a/Database.pptx
+++ b/Database.pptx
@@ -19,6 +19,9 @@
     <p:sldId id="267" r:id="rId13"/>
     <p:sldId id="268" r:id="rId14"/>
     <p:sldId id="269" r:id="rId15"/>
+    <p:sldId id="270" r:id="rId16"/>
+    <p:sldId id="271" r:id="rId17"/>
+    <p:sldId id="272" r:id="rId18"/>
   </p:sldIdLst>
   <p:sldSz cx="12192000" cy="6858000"/>
   <p:notesSz cx="6858000" cy="9144000"/>
@@ -332,7 +335,7 @@
           <a:p>
             <a:fld id="{9F08AD8F-3C3D-4B63-978B-A283DF666F72}" type="datetimeFigureOut">
               <a:rPr lang="en-US" smtClean="0"/>
-              <a:t>5/3/2023</a:t>
+              <a:t>5/5/2023</a:t>
             </a:fld>
             <a:endParaRPr lang="en-US"/>
           </a:p>
@@ -530,7 +533,7 @@
           <a:p>
             <a:fld id="{9F08AD8F-3C3D-4B63-978B-A283DF666F72}" type="datetimeFigureOut">
               <a:rPr lang="en-US" smtClean="0"/>
-              <a:t>5/3/2023</a:t>
+              <a:t>5/5/2023</a:t>
             </a:fld>
             <a:endParaRPr lang="en-US"/>
           </a:p>
@@ -738,7 +741,7 @@
           <a:p>
             <a:fld id="{9F08AD8F-3C3D-4B63-978B-A283DF666F72}" type="datetimeFigureOut">
               <a:rPr lang="en-US" smtClean="0"/>
-              <a:t>5/3/2023</a:t>
+              <a:t>5/5/2023</a:t>
             </a:fld>
             <a:endParaRPr lang="en-US"/>
           </a:p>
@@ -936,7 +939,7 @@
           <a:p>
             <a:fld id="{9F08AD8F-3C3D-4B63-978B-A283DF666F72}" type="datetimeFigureOut">
               <a:rPr lang="en-US" smtClean="0"/>
-              <a:t>5/3/2023</a:t>
+              <a:t>5/5/2023</a:t>
             </a:fld>
             <a:endParaRPr lang="en-US"/>
           </a:p>
@@ -1211,7 +1214,7 @@
           <a:p>
             <a:fld id="{9F08AD8F-3C3D-4B63-978B-A283DF666F72}" type="datetimeFigureOut">
               <a:rPr lang="en-US" smtClean="0"/>
-              <a:t>5/3/2023</a:t>
+              <a:t>5/5/2023</a:t>
             </a:fld>
             <a:endParaRPr lang="en-US"/>
           </a:p>
@@ -1476,7 +1479,7 @@
           <a:p>
             <a:fld id="{9F08AD8F-3C3D-4B63-978B-A283DF666F72}" type="datetimeFigureOut">
               <a:rPr lang="en-US" smtClean="0"/>
-              <a:t>5/3/2023</a:t>
+              <a:t>5/5/2023</a:t>
             </a:fld>
             <a:endParaRPr lang="en-US"/>
           </a:p>
@@ -1888,7 +1891,7 @@
           <a:p>
             <a:fld id="{9F08AD8F-3C3D-4B63-978B-A283DF666F72}" type="datetimeFigureOut">
               <a:rPr lang="en-US" smtClean="0"/>
-              <a:t>5/3/2023</a:t>
+              <a:t>5/5/2023</a:t>
             </a:fld>
             <a:endParaRPr lang="en-US"/>
           </a:p>
@@ -2029,7 +2032,7 @@
           <a:p>
             <a:fld id="{9F08AD8F-3C3D-4B63-978B-A283DF666F72}" type="datetimeFigureOut">
               <a:rPr lang="en-US" smtClean="0"/>
-              <a:t>5/3/2023</a:t>
+              <a:t>5/5/2023</a:t>
             </a:fld>
             <a:endParaRPr lang="en-US"/>
           </a:p>
@@ -2142,7 +2145,7 @@
           <a:p>
             <a:fld id="{9F08AD8F-3C3D-4B63-978B-A283DF666F72}" type="datetimeFigureOut">
               <a:rPr lang="en-US" smtClean="0"/>
-              <a:t>5/3/2023</a:t>
+              <a:t>5/5/2023</a:t>
             </a:fld>
             <a:endParaRPr lang="en-US"/>
           </a:p>
@@ -2453,7 +2456,7 @@
           <a:p>
             <a:fld id="{9F08AD8F-3C3D-4B63-978B-A283DF666F72}" type="datetimeFigureOut">
               <a:rPr lang="en-US" smtClean="0"/>
-              <a:t>5/3/2023</a:t>
+              <a:t>5/5/2023</a:t>
             </a:fld>
             <a:endParaRPr lang="en-US"/>
           </a:p>
@@ -2741,7 +2744,7 @@
           <a:p>
             <a:fld id="{9F08AD8F-3C3D-4B63-978B-A283DF666F72}" type="datetimeFigureOut">
               <a:rPr lang="en-US" smtClean="0"/>
-              <a:t>5/3/2023</a:t>
+              <a:t>5/5/2023</a:t>
             </a:fld>
             <a:endParaRPr lang="en-US"/>
           </a:p>
@@ -2982,7 +2985,7 @@
           <a:p>
             <a:fld id="{9F08AD8F-3C3D-4B63-978B-A283DF666F72}" type="datetimeFigureOut">
               <a:rPr lang="en-US" smtClean="0"/>
-              <a:t>5/3/2023</a:t>
+              <a:t>5/5/2023</a:t>
             </a:fld>
             <a:endParaRPr lang="en-US"/>
           </a:p>
@@ -5322,12 +5325,1277 @@
               <a:t>Deleting products</a:t>
             </a:r>
           </a:p>
+          <a:p>
+            <a:r>
+              <a:rPr lang="en-US" dirty="0"/>
+              <a:t>Creating User Model</a:t>
+            </a:r>
+          </a:p>
         </p:txBody>
       </p:sp>
     </p:spTree>
     <p:extLst>
       <p:ext uri="{BB962C8B-B14F-4D97-AF65-F5344CB8AC3E}">
         <p14:creationId xmlns:p14="http://schemas.microsoft.com/office/powerpoint/2010/main" val="851611808"/>
+      </p:ext>
+    </p:extLst>
+  </p:cSld>
+  <p:clrMapOvr>
+    <a:masterClrMapping/>
+  </p:clrMapOvr>
+</p:sld>
+</file>
+
+<file path=ppt/slides/slide15.xml><?xml version="1.0" encoding="utf-8"?>
+<p:sld xmlns:a="http://schemas.openxmlformats.org/drawingml/2006/main" xmlns:r="http://schemas.openxmlformats.org/officeDocument/2006/relationships" xmlns:p="http://schemas.openxmlformats.org/presentationml/2006/main">
+  <p:cSld>
+    <p:spTree>
+      <p:nvGrpSpPr>
+        <p:cNvPr id="1" name=""/>
+        <p:cNvGrpSpPr/>
+        <p:nvPr/>
+      </p:nvGrpSpPr>
+      <p:grpSpPr>
+        <a:xfrm>
+          <a:off x="0" y="0"/>
+          <a:ext cx="0" cy="0"/>
+          <a:chOff x="0" y="0"/>
+          <a:chExt cx="0" cy="0"/>
+        </a:xfrm>
+      </p:grpSpPr>
+      <p:sp>
+        <p:nvSpPr>
+          <p:cNvPr id="2" name="Title 1">
+            <a:extLst>
+              <a:ext uri="{FF2B5EF4-FFF2-40B4-BE49-F238E27FC236}">
+                <a16:creationId xmlns:a16="http://schemas.microsoft.com/office/drawing/2014/main" id="{941827DE-0B89-D0DA-FC18-86129A294FAF}"/>
+              </a:ext>
+            </a:extLst>
+          </p:cNvPr>
+          <p:cNvSpPr>
+            <a:spLocks noGrp="1"/>
+          </p:cNvSpPr>
+          <p:nvPr>
+            <p:ph type="title"/>
+          </p:nvPr>
+        </p:nvSpPr>
+        <p:spPr>
+          <a:xfrm>
+            <a:off x="838200" y="365126"/>
+            <a:ext cx="10515600" cy="621846"/>
+          </a:xfrm>
+        </p:spPr>
+        <p:txBody>
+          <a:bodyPr>
+            <a:normAutofit fontScale="90000"/>
+          </a:bodyPr>
+          <a:lstStyle/>
+          <a:p>
+            <a:r>
+              <a:rPr lang="en-US" dirty="0"/>
+              <a:t>Adding One–to-Many Relationship</a:t>
+            </a:r>
+          </a:p>
+        </p:txBody>
+      </p:sp>
+      <p:sp>
+        <p:nvSpPr>
+          <p:cNvPr id="4" name="TextBox 3">
+            <a:extLst>
+              <a:ext uri="{FF2B5EF4-FFF2-40B4-BE49-F238E27FC236}">
+                <a16:creationId xmlns:a16="http://schemas.microsoft.com/office/drawing/2014/main" id="{EB6245A5-C0A7-23DC-505B-CB9178AC2086}"/>
+              </a:ext>
+            </a:extLst>
+          </p:cNvPr>
+          <p:cNvSpPr txBox="1"/>
+          <p:nvPr/>
+        </p:nvSpPr>
+        <p:spPr>
+          <a:xfrm>
+            <a:off x="4973224" y="1009831"/>
+            <a:ext cx="2245551" cy="584775"/>
+          </a:xfrm>
+          <a:prstGeom prst="rect">
+            <a:avLst/>
+          </a:prstGeom>
+          <a:noFill/>
+        </p:spPr>
+        <p:txBody>
+          <a:bodyPr wrap="none" rtlCol="0">
+            <a:spAutoFit/>
+          </a:bodyPr>
+          <a:lstStyle/>
+          <a:p>
+            <a:r>
+              <a:rPr lang="en-US" sz="3200" dirty="0"/>
+              <a:t>Associations</a:t>
+            </a:r>
+          </a:p>
+        </p:txBody>
+      </p:sp>
+      <p:sp>
+        <p:nvSpPr>
+          <p:cNvPr id="5" name="Rectangle 4">
+            <a:extLst>
+              <a:ext uri="{FF2B5EF4-FFF2-40B4-BE49-F238E27FC236}">
+                <a16:creationId xmlns:a16="http://schemas.microsoft.com/office/drawing/2014/main" id="{9A7FB228-A125-70B4-2975-7DEEE76EDD7B}"/>
+              </a:ext>
+            </a:extLst>
+          </p:cNvPr>
+          <p:cNvSpPr/>
+          <p:nvPr/>
+        </p:nvSpPr>
+        <p:spPr>
+          <a:xfrm>
+            <a:off x="1059543" y="1942738"/>
+            <a:ext cx="2743200" cy="742405"/>
+          </a:xfrm>
+          <a:prstGeom prst="rect">
+            <a:avLst/>
+          </a:prstGeom>
+        </p:spPr>
+        <p:style>
+          <a:lnRef idx="2">
+            <a:schemeClr val="accent1">
+              <a:shade val="50000"/>
+            </a:schemeClr>
+          </a:lnRef>
+          <a:fillRef idx="1">
+            <a:schemeClr val="accent1"/>
+          </a:fillRef>
+          <a:effectRef idx="0">
+            <a:schemeClr val="accent1"/>
+          </a:effectRef>
+          <a:fontRef idx="minor">
+            <a:schemeClr val="lt1"/>
+          </a:fontRef>
+        </p:style>
+        <p:txBody>
+          <a:bodyPr rtlCol="0" anchor="ctr"/>
+          <a:lstStyle/>
+          <a:p>
+            <a:pPr algn="ctr"/>
+            <a:r>
+              <a:rPr lang="en-US" dirty="0"/>
+              <a:t>Product</a:t>
+            </a:r>
+          </a:p>
+        </p:txBody>
+      </p:sp>
+      <p:sp>
+        <p:nvSpPr>
+          <p:cNvPr id="6" name="Rectangle 5">
+            <a:extLst>
+              <a:ext uri="{FF2B5EF4-FFF2-40B4-BE49-F238E27FC236}">
+                <a16:creationId xmlns:a16="http://schemas.microsoft.com/office/drawing/2014/main" id="{C9E091C4-259B-EF06-4F06-E06B7DAE020B}"/>
+              </a:ext>
+            </a:extLst>
+          </p:cNvPr>
+          <p:cNvSpPr/>
+          <p:nvPr/>
+        </p:nvSpPr>
+        <p:spPr>
+          <a:xfrm>
+            <a:off x="8897258" y="1942738"/>
+            <a:ext cx="2743200" cy="742405"/>
+          </a:xfrm>
+          <a:prstGeom prst="rect">
+            <a:avLst/>
+          </a:prstGeom>
+        </p:spPr>
+        <p:style>
+          <a:lnRef idx="2">
+            <a:schemeClr val="accent1">
+              <a:shade val="50000"/>
+            </a:schemeClr>
+          </a:lnRef>
+          <a:fillRef idx="1">
+            <a:schemeClr val="accent1"/>
+          </a:fillRef>
+          <a:effectRef idx="0">
+            <a:schemeClr val="accent1"/>
+          </a:effectRef>
+          <a:fontRef idx="minor">
+            <a:schemeClr val="lt1"/>
+          </a:fontRef>
+        </p:style>
+        <p:txBody>
+          <a:bodyPr rtlCol="0" anchor="ctr"/>
+          <a:lstStyle/>
+          <a:p>
+            <a:pPr algn="ctr"/>
+            <a:r>
+              <a:rPr lang="en-US" dirty="0"/>
+              <a:t>User</a:t>
+            </a:r>
+          </a:p>
+        </p:txBody>
+      </p:sp>
+      <p:sp>
+        <p:nvSpPr>
+          <p:cNvPr id="7" name="Rectangle 6">
+            <a:extLst>
+              <a:ext uri="{FF2B5EF4-FFF2-40B4-BE49-F238E27FC236}">
+                <a16:creationId xmlns:a16="http://schemas.microsoft.com/office/drawing/2014/main" id="{E626D4A5-BF79-61A8-3338-73FEDB0C65B4}"/>
+              </a:ext>
+            </a:extLst>
+          </p:cNvPr>
+          <p:cNvSpPr/>
+          <p:nvPr/>
+        </p:nvSpPr>
+        <p:spPr>
+          <a:xfrm>
+            <a:off x="4724400" y="4259732"/>
+            <a:ext cx="2743200" cy="742405"/>
+          </a:xfrm>
+          <a:prstGeom prst="rect">
+            <a:avLst/>
+          </a:prstGeom>
+        </p:spPr>
+        <p:style>
+          <a:lnRef idx="2">
+            <a:schemeClr val="accent1">
+              <a:shade val="50000"/>
+            </a:schemeClr>
+          </a:lnRef>
+          <a:fillRef idx="1">
+            <a:schemeClr val="accent1"/>
+          </a:fillRef>
+          <a:effectRef idx="0">
+            <a:schemeClr val="accent1"/>
+          </a:effectRef>
+          <a:fontRef idx="minor">
+            <a:schemeClr val="lt1"/>
+          </a:fontRef>
+        </p:style>
+        <p:txBody>
+          <a:bodyPr rtlCol="0" anchor="ctr"/>
+          <a:lstStyle/>
+          <a:p>
+            <a:pPr algn="ctr"/>
+            <a:r>
+              <a:rPr lang="en-US" dirty="0"/>
+              <a:t>Cart</a:t>
+            </a:r>
+          </a:p>
+        </p:txBody>
+      </p:sp>
+      <p:sp>
+        <p:nvSpPr>
+          <p:cNvPr id="8" name="Rectangle 7">
+            <a:extLst>
+              <a:ext uri="{FF2B5EF4-FFF2-40B4-BE49-F238E27FC236}">
+                <a16:creationId xmlns:a16="http://schemas.microsoft.com/office/drawing/2014/main" id="{1906F43B-23D5-77BC-C425-006F33D5F3F2}"/>
+              </a:ext>
+            </a:extLst>
+          </p:cNvPr>
+          <p:cNvSpPr/>
+          <p:nvPr/>
+        </p:nvSpPr>
+        <p:spPr>
+          <a:xfrm>
+            <a:off x="4855029" y="5609771"/>
+            <a:ext cx="2743200" cy="742405"/>
+          </a:xfrm>
+          <a:prstGeom prst="rect">
+            <a:avLst/>
+          </a:prstGeom>
+        </p:spPr>
+        <p:style>
+          <a:lnRef idx="2">
+            <a:schemeClr val="accent1">
+              <a:shade val="50000"/>
+            </a:schemeClr>
+          </a:lnRef>
+          <a:fillRef idx="1">
+            <a:schemeClr val="accent1"/>
+          </a:fillRef>
+          <a:effectRef idx="0">
+            <a:schemeClr val="accent1"/>
+          </a:effectRef>
+          <a:fontRef idx="minor">
+            <a:schemeClr val="lt1"/>
+          </a:fontRef>
+        </p:style>
+        <p:txBody>
+          <a:bodyPr rtlCol="0" anchor="ctr"/>
+          <a:lstStyle/>
+          <a:p>
+            <a:pPr algn="ctr"/>
+            <a:r>
+              <a:rPr lang="en-US" dirty="0"/>
+              <a:t>Cart</a:t>
+            </a:r>
+          </a:p>
+        </p:txBody>
+      </p:sp>
+      <p:sp>
+        <p:nvSpPr>
+          <p:cNvPr id="9" name="Rectangle 8">
+            <a:extLst>
+              <a:ext uri="{FF2B5EF4-FFF2-40B4-BE49-F238E27FC236}">
+                <a16:creationId xmlns:a16="http://schemas.microsoft.com/office/drawing/2014/main" id="{2477E3FF-1DED-83C1-944F-71A2B37D5EBB}"/>
+              </a:ext>
+            </a:extLst>
+          </p:cNvPr>
+          <p:cNvSpPr/>
+          <p:nvPr/>
+        </p:nvSpPr>
+        <p:spPr>
+          <a:xfrm>
+            <a:off x="4715060" y="5609771"/>
+            <a:ext cx="2743200" cy="742405"/>
+          </a:xfrm>
+          <a:prstGeom prst="rect">
+            <a:avLst/>
+          </a:prstGeom>
+        </p:spPr>
+        <p:style>
+          <a:lnRef idx="2">
+            <a:schemeClr val="accent1">
+              <a:shade val="50000"/>
+            </a:schemeClr>
+          </a:lnRef>
+          <a:fillRef idx="1">
+            <a:schemeClr val="accent1"/>
+          </a:fillRef>
+          <a:effectRef idx="0">
+            <a:schemeClr val="accent1"/>
+          </a:effectRef>
+          <a:fontRef idx="minor">
+            <a:schemeClr val="lt1"/>
+          </a:fontRef>
+        </p:style>
+        <p:txBody>
+          <a:bodyPr rtlCol="0" anchor="ctr"/>
+          <a:lstStyle/>
+          <a:p>
+            <a:pPr algn="ctr"/>
+            <a:r>
+              <a:rPr lang="en-US" dirty="0"/>
+              <a:t>Order</a:t>
+            </a:r>
+          </a:p>
+        </p:txBody>
+      </p:sp>
+      <p:cxnSp>
+        <p:nvCxnSpPr>
+          <p:cNvPr id="11" name="Connector: Elbow 10">
+            <a:extLst>
+              <a:ext uri="{FF2B5EF4-FFF2-40B4-BE49-F238E27FC236}">
+                <a16:creationId xmlns:a16="http://schemas.microsoft.com/office/drawing/2014/main" id="{87A29F22-F244-F5F6-EA76-F874B3BD8FFA}"/>
+              </a:ext>
+            </a:extLst>
+          </p:cNvPr>
+          <p:cNvCxnSpPr>
+            <a:stCxn id="5" idx="2"/>
+          </p:cNvCxnSpPr>
+          <p:nvPr/>
+        </p:nvCxnSpPr>
+        <p:spPr>
+          <a:xfrm rot="16200000" flipH="1">
+            <a:off x="2600206" y="2516079"/>
+            <a:ext cx="1945791" cy="2283917"/>
+          </a:xfrm>
+          <a:prstGeom prst="bentConnector2">
+            <a:avLst/>
+          </a:prstGeom>
+          <a:ln>
+            <a:tailEnd type="triangle"/>
+          </a:ln>
+        </p:spPr>
+        <p:style>
+          <a:lnRef idx="1">
+            <a:schemeClr val="accent1"/>
+          </a:lnRef>
+          <a:fillRef idx="0">
+            <a:schemeClr val="accent1"/>
+          </a:fillRef>
+          <a:effectRef idx="0">
+            <a:schemeClr val="accent1"/>
+          </a:effectRef>
+          <a:fontRef idx="minor">
+            <a:schemeClr val="tx1"/>
+          </a:fontRef>
+        </p:style>
+      </p:cxnSp>
+      <p:cxnSp>
+        <p:nvCxnSpPr>
+          <p:cNvPr id="13" name="Connector: Elbow 12">
+            <a:extLst>
+              <a:ext uri="{FF2B5EF4-FFF2-40B4-BE49-F238E27FC236}">
+                <a16:creationId xmlns:a16="http://schemas.microsoft.com/office/drawing/2014/main" id="{04D60914-3E1F-908B-45A2-28A8EA58CC0F}"/>
+              </a:ext>
+            </a:extLst>
+          </p:cNvPr>
+          <p:cNvCxnSpPr>
+            <a:stCxn id="6" idx="2"/>
+            <a:endCxn id="7" idx="3"/>
+          </p:cNvCxnSpPr>
+          <p:nvPr/>
+        </p:nvCxnSpPr>
+        <p:spPr>
+          <a:xfrm rot="5400000">
+            <a:off x="7895333" y="2257410"/>
+            <a:ext cx="1945792" cy="2801258"/>
+          </a:xfrm>
+          <a:prstGeom prst="bentConnector2">
+            <a:avLst/>
+          </a:prstGeom>
+          <a:ln>
+            <a:tailEnd type="triangle"/>
+          </a:ln>
+        </p:spPr>
+        <p:style>
+          <a:lnRef idx="1">
+            <a:schemeClr val="accent1"/>
+          </a:lnRef>
+          <a:fillRef idx="0">
+            <a:schemeClr val="accent1"/>
+          </a:fillRef>
+          <a:effectRef idx="0">
+            <a:schemeClr val="accent1"/>
+          </a:effectRef>
+          <a:fontRef idx="minor">
+            <a:schemeClr val="tx1"/>
+          </a:fontRef>
+        </p:style>
+      </p:cxnSp>
+      <p:sp>
+        <p:nvSpPr>
+          <p:cNvPr id="14" name="TextBox 13">
+            <a:extLst>
+              <a:ext uri="{FF2B5EF4-FFF2-40B4-BE49-F238E27FC236}">
+                <a16:creationId xmlns:a16="http://schemas.microsoft.com/office/drawing/2014/main" id="{3AC8D3FF-77DF-7022-AEF6-6B73372C0297}"/>
+              </a:ext>
+            </a:extLst>
+          </p:cNvPr>
+          <p:cNvSpPr txBox="1"/>
+          <p:nvPr/>
+        </p:nvSpPr>
+        <p:spPr>
+          <a:xfrm>
+            <a:off x="2801257" y="3947886"/>
+            <a:ext cx="1752275" cy="369332"/>
+          </a:xfrm>
+          <a:prstGeom prst="rect">
+            <a:avLst/>
+          </a:prstGeom>
+          <a:noFill/>
+        </p:spPr>
+        <p:txBody>
+          <a:bodyPr wrap="none" rtlCol="0">
+            <a:spAutoFit/>
+          </a:bodyPr>
+          <a:lstStyle/>
+          <a:p>
+            <a:r>
+              <a:rPr lang="en-US" dirty="0"/>
+              <a:t>Belongs to Many</a:t>
+            </a:r>
+          </a:p>
+        </p:txBody>
+      </p:sp>
+      <p:sp>
+        <p:nvSpPr>
+          <p:cNvPr id="15" name="TextBox 14">
+            <a:extLst>
+              <a:ext uri="{FF2B5EF4-FFF2-40B4-BE49-F238E27FC236}">
+                <a16:creationId xmlns:a16="http://schemas.microsoft.com/office/drawing/2014/main" id="{DD38A006-3CCE-7C1C-F291-250F4E00F707}"/>
+              </a:ext>
+            </a:extLst>
+          </p:cNvPr>
+          <p:cNvSpPr txBox="1"/>
+          <p:nvPr/>
+        </p:nvSpPr>
+        <p:spPr>
+          <a:xfrm>
+            <a:off x="7891321" y="3947886"/>
+            <a:ext cx="971741" cy="369332"/>
+          </a:xfrm>
+          <a:prstGeom prst="rect">
+            <a:avLst/>
+          </a:prstGeom>
+          <a:noFill/>
+        </p:spPr>
+        <p:txBody>
+          <a:bodyPr wrap="none" rtlCol="0">
+            <a:spAutoFit/>
+          </a:bodyPr>
+          <a:lstStyle/>
+          <a:p>
+            <a:r>
+              <a:rPr lang="en-US" dirty="0"/>
+              <a:t>Has One</a:t>
+            </a:r>
+          </a:p>
+        </p:txBody>
+      </p:sp>
+      <p:cxnSp>
+        <p:nvCxnSpPr>
+          <p:cNvPr id="17" name="Connector: Elbow 16">
+            <a:extLst>
+              <a:ext uri="{FF2B5EF4-FFF2-40B4-BE49-F238E27FC236}">
+                <a16:creationId xmlns:a16="http://schemas.microsoft.com/office/drawing/2014/main" id="{837A9F4E-9EC5-A766-F84B-4125817FF734}"/>
+              </a:ext>
+            </a:extLst>
+          </p:cNvPr>
+          <p:cNvCxnSpPr>
+            <a:stCxn id="5" idx="2"/>
+            <a:endCxn id="9" idx="1"/>
+          </p:cNvCxnSpPr>
+          <p:nvPr/>
+        </p:nvCxnSpPr>
+        <p:spPr>
+          <a:xfrm rot="16200000" flipH="1">
+            <a:off x="1925186" y="3191099"/>
+            <a:ext cx="3295831" cy="2283917"/>
+          </a:xfrm>
+          <a:prstGeom prst="bentConnector2">
+            <a:avLst/>
+          </a:prstGeom>
+          <a:ln>
+            <a:tailEnd type="triangle"/>
+          </a:ln>
+        </p:spPr>
+        <p:style>
+          <a:lnRef idx="1">
+            <a:schemeClr val="accent1"/>
+          </a:lnRef>
+          <a:fillRef idx="0">
+            <a:schemeClr val="accent1"/>
+          </a:fillRef>
+          <a:effectRef idx="0">
+            <a:schemeClr val="accent1"/>
+          </a:effectRef>
+          <a:fontRef idx="minor">
+            <a:schemeClr val="tx1"/>
+          </a:fontRef>
+        </p:style>
+      </p:cxnSp>
+      <p:cxnSp>
+        <p:nvCxnSpPr>
+          <p:cNvPr id="19" name="Connector: Elbow 18">
+            <a:extLst>
+              <a:ext uri="{FF2B5EF4-FFF2-40B4-BE49-F238E27FC236}">
+                <a16:creationId xmlns:a16="http://schemas.microsoft.com/office/drawing/2014/main" id="{1B0D3EBD-3E1A-128A-F744-A06D509FD181}"/>
+              </a:ext>
+            </a:extLst>
+          </p:cNvPr>
+          <p:cNvCxnSpPr>
+            <a:stCxn id="6" idx="2"/>
+            <a:endCxn id="8" idx="3"/>
+          </p:cNvCxnSpPr>
+          <p:nvPr/>
+        </p:nvCxnSpPr>
+        <p:spPr>
+          <a:xfrm rot="5400000">
+            <a:off x="7285629" y="2997744"/>
+            <a:ext cx="3295831" cy="2670629"/>
+          </a:xfrm>
+          <a:prstGeom prst="bentConnector2">
+            <a:avLst/>
+          </a:prstGeom>
+          <a:ln>
+            <a:tailEnd type="triangle"/>
+          </a:ln>
+        </p:spPr>
+        <p:style>
+          <a:lnRef idx="1">
+            <a:schemeClr val="accent1"/>
+          </a:lnRef>
+          <a:fillRef idx="0">
+            <a:schemeClr val="accent1"/>
+          </a:fillRef>
+          <a:effectRef idx="0">
+            <a:schemeClr val="accent1"/>
+          </a:effectRef>
+          <a:fontRef idx="minor">
+            <a:schemeClr val="tx1"/>
+          </a:fontRef>
+        </p:style>
+      </p:cxnSp>
+      <p:cxnSp>
+        <p:nvCxnSpPr>
+          <p:cNvPr id="21" name="Connector: Elbow 20">
+            <a:extLst>
+              <a:ext uri="{FF2B5EF4-FFF2-40B4-BE49-F238E27FC236}">
+                <a16:creationId xmlns:a16="http://schemas.microsoft.com/office/drawing/2014/main" id="{D53DD592-893A-7B18-C579-76D5068ACAD5}"/>
+              </a:ext>
+            </a:extLst>
+          </p:cNvPr>
+          <p:cNvCxnSpPr>
+            <a:cxnSpLocks/>
+            <a:stCxn id="6" idx="1"/>
+            <a:endCxn id="5" idx="3"/>
+          </p:cNvCxnSpPr>
+          <p:nvPr/>
+        </p:nvCxnSpPr>
+        <p:spPr>
+          <a:xfrm rot="10800000">
+            <a:off x="3802744" y="2313941"/>
+            <a:ext cx="5094515" cy="12700"/>
+          </a:xfrm>
+          <a:prstGeom prst="bentConnector3">
+            <a:avLst/>
+          </a:prstGeom>
+          <a:ln>
+            <a:tailEnd type="triangle"/>
+          </a:ln>
+        </p:spPr>
+        <p:style>
+          <a:lnRef idx="1">
+            <a:schemeClr val="accent1"/>
+          </a:lnRef>
+          <a:fillRef idx="0">
+            <a:schemeClr val="accent1"/>
+          </a:fillRef>
+          <a:effectRef idx="0">
+            <a:schemeClr val="accent1"/>
+          </a:effectRef>
+          <a:fontRef idx="minor">
+            <a:schemeClr val="tx1"/>
+          </a:fontRef>
+        </p:style>
+      </p:cxnSp>
+      <p:sp>
+        <p:nvSpPr>
+          <p:cNvPr id="24" name="TextBox 23">
+            <a:extLst>
+              <a:ext uri="{FF2B5EF4-FFF2-40B4-BE49-F238E27FC236}">
+                <a16:creationId xmlns:a16="http://schemas.microsoft.com/office/drawing/2014/main" id="{C53D243D-9188-C58C-E7A0-A4DF10B5C372}"/>
+              </a:ext>
+            </a:extLst>
+          </p:cNvPr>
+          <p:cNvSpPr txBox="1"/>
+          <p:nvPr/>
+        </p:nvSpPr>
+        <p:spPr>
+          <a:xfrm>
+            <a:off x="2607292" y="5426976"/>
+            <a:ext cx="1752275" cy="369332"/>
+          </a:xfrm>
+          <a:prstGeom prst="rect">
+            <a:avLst/>
+          </a:prstGeom>
+          <a:noFill/>
+        </p:spPr>
+        <p:txBody>
+          <a:bodyPr wrap="none" rtlCol="0">
+            <a:spAutoFit/>
+          </a:bodyPr>
+          <a:lstStyle/>
+          <a:p>
+            <a:r>
+              <a:rPr lang="en-US" dirty="0"/>
+              <a:t>Belongs to Many</a:t>
+            </a:r>
+          </a:p>
+        </p:txBody>
+      </p:sp>
+      <p:sp>
+        <p:nvSpPr>
+          <p:cNvPr id="25" name="TextBox 24">
+            <a:extLst>
+              <a:ext uri="{FF2B5EF4-FFF2-40B4-BE49-F238E27FC236}">
+                <a16:creationId xmlns:a16="http://schemas.microsoft.com/office/drawing/2014/main" id="{48E6F51E-385D-6A2A-4191-4FAE2C4D0BA4}"/>
+              </a:ext>
+            </a:extLst>
+          </p:cNvPr>
+          <p:cNvSpPr txBox="1"/>
+          <p:nvPr/>
+        </p:nvSpPr>
+        <p:spPr>
+          <a:xfrm>
+            <a:off x="7891321" y="5426976"/>
+            <a:ext cx="1111715" cy="369332"/>
+          </a:xfrm>
+          <a:prstGeom prst="rect">
+            <a:avLst/>
+          </a:prstGeom>
+          <a:noFill/>
+        </p:spPr>
+        <p:txBody>
+          <a:bodyPr wrap="none" rtlCol="0">
+            <a:spAutoFit/>
+          </a:bodyPr>
+          <a:lstStyle/>
+          <a:p>
+            <a:r>
+              <a:rPr lang="en-US" dirty="0"/>
+              <a:t>Has Many</a:t>
+            </a:r>
+          </a:p>
+        </p:txBody>
+      </p:sp>
+      <p:sp>
+        <p:nvSpPr>
+          <p:cNvPr id="26" name="TextBox 25">
+            <a:extLst>
+              <a:ext uri="{FF2B5EF4-FFF2-40B4-BE49-F238E27FC236}">
+                <a16:creationId xmlns:a16="http://schemas.microsoft.com/office/drawing/2014/main" id="{28ABFDC0-2B9A-DF3F-14A2-A76DD3B15268}"/>
+              </a:ext>
+            </a:extLst>
+          </p:cNvPr>
+          <p:cNvSpPr txBox="1"/>
+          <p:nvPr/>
+        </p:nvSpPr>
+        <p:spPr>
+          <a:xfrm>
+            <a:off x="5670771" y="1918817"/>
+            <a:ext cx="1111715" cy="369332"/>
+          </a:xfrm>
+          <a:prstGeom prst="rect">
+            <a:avLst/>
+          </a:prstGeom>
+          <a:noFill/>
+        </p:spPr>
+        <p:txBody>
+          <a:bodyPr wrap="none" rtlCol="0">
+            <a:spAutoFit/>
+          </a:bodyPr>
+          <a:lstStyle/>
+          <a:p>
+            <a:r>
+              <a:rPr lang="en-US" dirty="0"/>
+              <a:t>Has Many</a:t>
+            </a:r>
+          </a:p>
+        </p:txBody>
+      </p:sp>
+    </p:spTree>
+    <p:extLst>
+      <p:ext uri="{BB962C8B-B14F-4D97-AF65-F5344CB8AC3E}">
+        <p14:creationId xmlns:p14="http://schemas.microsoft.com/office/powerpoint/2010/main" val="3706244452"/>
+      </p:ext>
+    </p:extLst>
+  </p:cSld>
+  <p:clrMapOvr>
+    <a:masterClrMapping/>
+  </p:clrMapOvr>
+</p:sld>
+</file>
+
+<file path=ppt/slides/slide16.xml><?xml version="1.0" encoding="utf-8"?>
+<p:sld xmlns:a="http://schemas.openxmlformats.org/drawingml/2006/main" xmlns:r="http://schemas.openxmlformats.org/officeDocument/2006/relationships" xmlns:p="http://schemas.openxmlformats.org/presentationml/2006/main">
+  <p:cSld>
+    <p:spTree>
+      <p:nvGrpSpPr>
+        <p:cNvPr id="1" name=""/>
+        <p:cNvGrpSpPr/>
+        <p:nvPr/>
+      </p:nvGrpSpPr>
+      <p:grpSpPr>
+        <a:xfrm>
+          <a:off x="0" y="0"/>
+          <a:ext cx="0" cy="0"/>
+          <a:chOff x="0" y="0"/>
+          <a:chExt cx="0" cy="0"/>
+        </a:xfrm>
+      </p:grpSpPr>
+      <p:sp>
+        <p:nvSpPr>
+          <p:cNvPr id="3" name="Content Placeholder 2">
+            <a:extLst>
+              <a:ext uri="{FF2B5EF4-FFF2-40B4-BE49-F238E27FC236}">
+                <a16:creationId xmlns:a16="http://schemas.microsoft.com/office/drawing/2014/main" id="{35FAF282-62FE-5949-AEB4-01B34708FE6C}"/>
+              </a:ext>
+            </a:extLst>
+          </p:cNvPr>
+          <p:cNvSpPr>
+            <a:spLocks noGrp="1"/>
+          </p:cNvSpPr>
+          <p:nvPr>
+            <p:ph idx="1"/>
+          </p:nvPr>
+        </p:nvSpPr>
+        <p:spPr>
+          <a:xfrm>
+            <a:off x="838200" y="420914"/>
+            <a:ext cx="10515600" cy="5756049"/>
+          </a:xfrm>
+        </p:spPr>
+        <p:txBody>
+          <a:bodyPr/>
+          <a:lstStyle/>
+          <a:p>
+            <a:r>
+              <a:rPr lang="en-US" dirty="0"/>
+              <a:t>Creating &amp; Managing a Dummy User</a:t>
+            </a:r>
+          </a:p>
+          <a:p>
+            <a:r>
+              <a:rPr lang="en-US" dirty="0"/>
+              <a:t>Using Magic Association Method</a:t>
+            </a:r>
+          </a:p>
+          <a:p>
+            <a:r>
+              <a:rPr lang="en-US" dirty="0"/>
+              <a:t>Fetching related products</a:t>
+            </a:r>
+          </a:p>
+          <a:p>
+            <a:r>
+              <a:rPr lang="en-US" dirty="0"/>
+              <a:t>One-To-Many &amp; Many-To-Many Relations</a:t>
+            </a:r>
+          </a:p>
+          <a:p>
+            <a:r>
+              <a:rPr lang="en-US" dirty="0"/>
+              <a:t>Creating &amp; Fetching a Cart</a:t>
+            </a:r>
+          </a:p>
+          <a:p>
+            <a:r>
+              <a:rPr lang="en-US" dirty="0"/>
+              <a:t>Adding New Products to the Cart</a:t>
+            </a:r>
+          </a:p>
+          <a:p>
+            <a:r>
+              <a:rPr lang="en-US" dirty="0"/>
+              <a:t>Deleting Related Items &amp; Deleting Cart Product</a:t>
+            </a:r>
+          </a:p>
+          <a:p>
+            <a:r>
+              <a:rPr lang="en-US" dirty="0"/>
+              <a:t>Adding an Order Model</a:t>
+            </a:r>
+          </a:p>
+          <a:p>
+            <a:r>
+              <a:rPr lang="en-US" dirty="0"/>
+              <a:t>Storing </a:t>
+            </a:r>
+            <a:r>
+              <a:rPr lang="en-US" dirty="0" err="1"/>
+              <a:t>Cartitems</a:t>
+            </a:r>
+            <a:r>
+              <a:rPr lang="en-US" dirty="0"/>
+              <a:t> as </a:t>
+            </a:r>
+            <a:r>
+              <a:rPr lang="en-US" dirty="0" err="1"/>
+              <a:t>Orderitems</a:t>
+            </a:r>
+            <a:endParaRPr lang="en-US" dirty="0"/>
+          </a:p>
+          <a:p>
+            <a:r>
+              <a:rPr lang="en-US" dirty="0"/>
+              <a:t>Resetting Cart &amp; Fetching and Outputting Orders</a:t>
+            </a:r>
+          </a:p>
+        </p:txBody>
+      </p:sp>
+    </p:spTree>
+    <p:extLst>
+      <p:ext uri="{BB962C8B-B14F-4D97-AF65-F5344CB8AC3E}">
+        <p14:creationId xmlns:p14="http://schemas.microsoft.com/office/powerpoint/2010/main" val="2565537188"/>
+      </p:ext>
+    </p:extLst>
+  </p:cSld>
+  <p:clrMapOvr>
+    <a:masterClrMapping/>
+  </p:clrMapOvr>
+</p:sld>
+</file>
+
+<file path=ppt/slides/slide17.xml><?xml version="1.0" encoding="utf-8"?>
+<p:sld xmlns:a="http://schemas.openxmlformats.org/drawingml/2006/main" xmlns:r="http://schemas.openxmlformats.org/officeDocument/2006/relationships" xmlns:p="http://schemas.openxmlformats.org/presentationml/2006/main">
+  <p:cSld>
+    <p:spTree>
+      <p:nvGrpSpPr>
+        <p:cNvPr id="1" name=""/>
+        <p:cNvGrpSpPr/>
+        <p:nvPr/>
+      </p:nvGrpSpPr>
+      <p:grpSpPr>
+        <a:xfrm>
+          <a:off x="0" y="0"/>
+          <a:ext cx="0" cy="0"/>
+          <a:chOff x="0" y="0"/>
+          <a:chExt cx="0" cy="0"/>
+        </a:xfrm>
+      </p:grpSpPr>
+      <p:sp>
+        <p:nvSpPr>
+          <p:cNvPr id="2" name="Title 1">
+            <a:extLst>
+              <a:ext uri="{FF2B5EF4-FFF2-40B4-BE49-F238E27FC236}">
+                <a16:creationId xmlns:a16="http://schemas.microsoft.com/office/drawing/2014/main" id="{DE2A2303-9E2F-7647-C876-1ADDD8B682CC}"/>
+              </a:ext>
+            </a:extLst>
+          </p:cNvPr>
+          <p:cNvSpPr>
+            <a:spLocks noGrp="1"/>
+          </p:cNvSpPr>
+          <p:nvPr>
+            <p:ph type="title"/>
+          </p:nvPr>
+        </p:nvSpPr>
+        <p:spPr>
+          <a:xfrm>
+            <a:off x="272143" y="152229"/>
+            <a:ext cx="10515600" cy="597297"/>
+          </a:xfrm>
+        </p:spPr>
+        <p:txBody>
+          <a:bodyPr>
+            <a:normAutofit fontScale="90000"/>
+          </a:bodyPr>
+          <a:lstStyle/>
+          <a:p>
+            <a:r>
+              <a:rPr lang="en-US" dirty="0"/>
+              <a:t>Module Summary</a:t>
+            </a:r>
+          </a:p>
+        </p:txBody>
+      </p:sp>
+      <p:sp>
+        <p:nvSpPr>
+          <p:cNvPr id="4" name="Rectangle 3">
+            <a:extLst>
+              <a:ext uri="{FF2B5EF4-FFF2-40B4-BE49-F238E27FC236}">
+                <a16:creationId xmlns:a16="http://schemas.microsoft.com/office/drawing/2014/main" id="{E32C6F53-8654-A38F-3A3C-66982B9C0FF9}"/>
+              </a:ext>
+            </a:extLst>
+          </p:cNvPr>
+          <p:cNvSpPr/>
+          <p:nvPr/>
+        </p:nvSpPr>
+        <p:spPr>
+          <a:xfrm>
+            <a:off x="391885" y="2895657"/>
+            <a:ext cx="5704115" cy="3592399"/>
+          </a:xfrm>
+          <a:prstGeom prst="rect">
+            <a:avLst/>
+          </a:prstGeom>
+          <a:solidFill>
+            <a:schemeClr val="accent2">
+              <a:lumMod val="60000"/>
+              <a:lumOff val="40000"/>
+            </a:schemeClr>
+          </a:solidFill>
+        </p:spPr>
+        <p:style>
+          <a:lnRef idx="2">
+            <a:schemeClr val="accent1">
+              <a:shade val="50000"/>
+            </a:schemeClr>
+          </a:lnRef>
+          <a:fillRef idx="1">
+            <a:schemeClr val="accent1"/>
+          </a:fillRef>
+          <a:effectRef idx="0">
+            <a:schemeClr val="accent1"/>
+          </a:effectRef>
+          <a:fontRef idx="minor">
+            <a:schemeClr val="lt1"/>
+          </a:fontRef>
+        </p:style>
+        <p:txBody>
+          <a:bodyPr rtlCol="0" anchor="ctr"/>
+          <a:lstStyle/>
+          <a:p>
+            <a:pPr marL="285750" indent="-285750">
+              <a:buFont typeface="Arial" panose="020B0604020202020204" pitchFamily="34" charset="0"/>
+              <a:buChar char="•"/>
+            </a:pPr>
+            <a:r>
+              <a:rPr lang="en-US" sz="2400" dirty="0">
+                <a:ln w="0"/>
+                <a:solidFill>
+                  <a:schemeClr val="tx1"/>
+                </a:solidFill>
+                <a:effectLst>
+                  <a:outerShdw blurRad="38100" dist="19050" dir="2700000" algn="tl" rotWithShape="0">
+                    <a:schemeClr val="dk1">
+                      <a:alpha val="40000"/>
+                    </a:schemeClr>
+                  </a:outerShdw>
+                </a:effectLst>
+              </a:rPr>
+              <a:t>SQL uses strict data schemas and relations</a:t>
+            </a:r>
+          </a:p>
+          <a:p>
+            <a:pPr marL="285750" indent="-285750">
+              <a:buFont typeface="Arial" panose="020B0604020202020204" pitchFamily="34" charset="0"/>
+              <a:buChar char="•"/>
+            </a:pPr>
+            <a:r>
+              <a:rPr lang="en-US" sz="2400" dirty="0">
+                <a:ln w="0"/>
+                <a:solidFill>
+                  <a:schemeClr val="tx1"/>
+                </a:solidFill>
+                <a:effectLst>
+                  <a:outerShdw blurRad="38100" dist="19050" dir="2700000" algn="tl" rotWithShape="0">
+                    <a:schemeClr val="dk1">
+                      <a:alpha val="40000"/>
+                    </a:schemeClr>
+                  </a:outerShdw>
+                </a:effectLst>
+              </a:rPr>
+              <a:t>You can connect your Node.js app via packages like mysql2</a:t>
+            </a:r>
+          </a:p>
+          <a:p>
+            <a:pPr marL="285750" indent="-285750">
+              <a:buFont typeface="Arial" panose="020B0604020202020204" pitchFamily="34" charset="0"/>
+              <a:buChar char="•"/>
+            </a:pPr>
+            <a:r>
+              <a:rPr lang="en-US" sz="2400" dirty="0">
+                <a:ln w="0"/>
+                <a:solidFill>
+                  <a:schemeClr val="tx1"/>
+                </a:solidFill>
+                <a:effectLst>
+                  <a:outerShdw blurRad="38100" dist="19050" dir="2700000" algn="tl" rotWithShape="0">
+                    <a:schemeClr val="dk1">
+                      <a:alpha val="40000"/>
+                    </a:schemeClr>
+                  </a:outerShdw>
+                </a:effectLst>
+              </a:rPr>
+              <a:t>Writing SQL queries is not directly related to Node.js and something you have to learn in addition to Node.js</a:t>
+            </a:r>
+          </a:p>
+        </p:txBody>
+      </p:sp>
+      <p:sp>
+        <p:nvSpPr>
+          <p:cNvPr id="5" name="Rectangle 4">
+            <a:extLst>
+              <a:ext uri="{FF2B5EF4-FFF2-40B4-BE49-F238E27FC236}">
+                <a16:creationId xmlns:a16="http://schemas.microsoft.com/office/drawing/2014/main" id="{3A418189-52C5-8349-0098-AF3BFF94A0CD}"/>
+              </a:ext>
+            </a:extLst>
+          </p:cNvPr>
+          <p:cNvSpPr/>
+          <p:nvPr/>
+        </p:nvSpPr>
+        <p:spPr>
+          <a:xfrm>
+            <a:off x="391884" y="2492771"/>
+            <a:ext cx="5704115" cy="435429"/>
+          </a:xfrm>
+          <a:prstGeom prst="rect">
+            <a:avLst/>
+          </a:prstGeom>
+          <a:solidFill>
+            <a:schemeClr val="accent2">
+              <a:lumMod val="50000"/>
+            </a:schemeClr>
+          </a:solidFill>
+        </p:spPr>
+        <p:style>
+          <a:lnRef idx="2">
+            <a:schemeClr val="accent1">
+              <a:shade val="50000"/>
+            </a:schemeClr>
+          </a:lnRef>
+          <a:fillRef idx="1">
+            <a:schemeClr val="accent1"/>
+          </a:fillRef>
+          <a:effectRef idx="0">
+            <a:schemeClr val="accent1"/>
+          </a:effectRef>
+          <a:fontRef idx="minor">
+            <a:schemeClr val="lt1"/>
+          </a:fontRef>
+        </p:style>
+        <p:txBody>
+          <a:bodyPr rtlCol="0" anchor="ctr"/>
+          <a:lstStyle/>
+          <a:p>
+            <a:r>
+              <a:rPr lang="en-US" dirty="0"/>
+              <a:t>SQL</a:t>
+            </a:r>
+          </a:p>
+        </p:txBody>
+      </p:sp>
+      <p:sp>
+        <p:nvSpPr>
+          <p:cNvPr id="6" name="Rectangle 5">
+            <a:extLst>
+              <a:ext uri="{FF2B5EF4-FFF2-40B4-BE49-F238E27FC236}">
+                <a16:creationId xmlns:a16="http://schemas.microsoft.com/office/drawing/2014/main" id="{64A30234-D3A5-5F83-4B65-FADA6F92E530}"/>
+              </a:ext>
+            </a:extLst>
+          </p:cNvPr>
+          <p:cNvSpPr/>
+          <p:nvPr/>
+        </p:nvSpPr>
+        <p:spPr>
+          <a:xfrm>
+            <a:off x="6215744" y="1237795"/>
+            <a:ext cx="5381170" cy="3160034"/>
+          </a:xfrm>
+          <a:prstGeom prst="rect">
+            <a:avLst/>
+          </a:prstGeom>
+          <a:solidFill>
+            <a:schemeClr val="accent2">
+              <a:lumMod val="60000"/>
+              <a:lumOff val="40000"/>
+            </a:schemeClr>
+          </a:solidFill>
+        </p:spPr>
+        <p:style>
+          <a:lnRef idx="2">
+            <a:schemeClr val="accent1">
+              <a:shade val="50000"/>
+            </a:schemeClr>
+          </a:lnRef>
+          <a:fillRef idx="1">
+            <a:schemeClr val="accent1"/>
+          </a:fillRef>
+          <a:effectRef idx="0">
+            <a:schemeClr val="accent1"/>
+          </a:effectRef>
+          <a:fontRef idx="minor">
+            <a:schemeClr val="lt1"/>
+          </a:fontRef>
+        </p:style>
+        <p:txBody>
+          <a:bodyPr rtlCol="0" anchor="ctr"/>
+          <a:lstStyle/>
+          <a:p>
+            <a:pPr marL="285750" indent="-285750">
+              <a:buFont typeface="Arial" panose="020B0604020202020204" pitchFamily="34" charset="0"/>
+              <a:buChar char="•"/>
+            </a:pPr>
+            <a:r>
+              <a:rPr lang="en-US" dirty="0">
+                <a:ln w="0"/>
+                <a:solidFill>
+                  <a:schemeClr val="tx1"/>
+                </a:solidFill>
+                <a:effectLst>
+                  <a:outerShdw blurRad="38100" dist="19050" dir="2700000" algn="tl" rotWithShape="0">
+                    <a:schemeClr val="dk1">
+                      <a:alpha val="40000"/>
+                    </a:schemeClr>
+                  </a:outerShdw>
+                </a:effectLst>
+              </a:rPr>
+              <a:t>Instead of writing SQL queries manually, you can use packages (ORMs) like Sequelize to focus on the Node.js code and work with native JS objects.</a:t>
+            </a:r>
+          </a:p>
+          <a:p>
+            <a:pPr marL="285750" indent="-285750">
+              <a:buFont typeface="Arial" panose="020B0604020202020204" pitchFamily="34" charset="0"/>
+              <a:buChar char="•"/>
+            </a:pPr>
+            <a:r>
+              <a:rPr lang="en-US" dirty="0">
+                <a:ln w="0"/>
+                <a:solidFill>
+                  <a:schemeClr val="tx1"/>
+                </a:solidFill>
+                <a:effectLst>
+                  <a:outerShdw blurRad="38100" dist="19050" dir="2700000" algn="tl" rotWithShape="0">
+                    <a:schemeClr val="dk1">
+                      <a:alpha val="40000"/>
+                    </a:schemeClr>
+                  </a:outerShdw>
+                </a:effectLst>
+              </a:rPr>
+              <a:t>Sequelize allows you define models and interact with the database through them</a:t>
+            </a:r>
+          </a:p>
+          <a:p>
+            <a:pPr marL="285750" indent="-285750">
+              <a:buFont typeface="Arial" panose="020B0604020202020204" pitchFamily="34" charset="0"/>
+              <a:buChar char="•"/>
+            </a:pPr>
+            <a:r>
+              <a:rPr lang="en-US" dirty="0">
+                <a:ln w="0"/>
+                <a:solidFill>
+                  <a:schemeClr val="tx1"/>
+                </a:solidFill>
+                <a:effectLst>
+                  <a:outerShdw blurRad="38100" dist="19050" dir="2700000" algn="tl" rotWithShape="0">
+                    <a:schemeClr val="dk1">
+                      <a:alpha val="40000"/>
+                    </a:schemeClr>
+                  </a:outerShdw>
+                </a:effectLst>
+              </a:rPr>
+              <a:t>You can also easily set up relations (“Associations”) and interact with your related models through them</a:t>
+            </a:r>
+          </a:p>
+        </p:txBody>
+      </p:sp>
+      <p:sp>
+        <p:nvSpPr>
+          <p:cNvPr id="7" name="Rectangle 6">
+            <a:extLst>
+              <a:ext uri="{FF2B5EF4-FFF2-40B4-BE49-F238E27FC236}">
+                <a16:creationId xmlns:a16="http://schemas.microsoft.com/office/drawing/2014/main" id="{BAAFDB0E-BB3E-0CA7-CC0F-40904E4A83FD}"/>
+              </a:ext>
+            </a:extLst>
+          </p:cNvPr>
+          <p:cNvSpPr/>
+          <p:nvPr/>
+        </p:nvSpPr>
+        <p:spPr>
+          <a:xfrm>
+            <a:off x="6215744" y="802367"/>
+            <a:ext cx="5381170" cy="435429"/>
+          </a:xfrm>
+          <a:prstGeom prst="rect">
+            <a:avLst/>
+          </a:prstGeom>
+          <a:solidFill>
+            <a:schemeClr val="accent2">
+              <a:lumMod val="50000"/>
+            </a:schemeClr>
+          </a:solidFill>
+        </p:spPr>
+        <p:style>
+          <a:lnRef idx="2">
+            <a:schemeClr val="accent1">
+              <a:shade val="50000"/>
+            </a:schemeClr>
+          </a:lnRef>
+          <a:fillRef idx="1">
+            <a:schemeClr val="accent1"/>
+          </a:fillRef>
+          <a:effectRef idx="0">
+            <a:schemeClr val="accent1"/>
+          </a:effectRef>
+          <a:fontRef idx="minor">
+            <a:schemeClr val="lt1"/>
+          </a:fontRef>
+        </p:style>
+        <p:txBody>
+          <a:bodyPr rtlCol="0" anchor="ctr"/>
+          <a:lstStyle/>
+          <a:p>
+            <a:r>
+              <a:rPr lang="en-US" dirty="0"/>
+              <a:t>Sequelize</a:t>
+            </a:r>
+          </a:p>
+        </p:txBody>
+      </p:sp>
+    </p:spTree>
+    <p:extLst>
+      <p:ext uri="{BB962C8B-B14F-4D97-AF65-F5344CB8AC3E}">
+        <p14:creationId xmlns:p14="http://schemas.microsoft.com/office/powerpoint/2010/main" val="2660509516"/>
       </p:ext>
     </p:extLst>
   </p:cSld>

--- a/Database.pptx
+++ b/Database.pptx
@@ -22,6 +22,13 @@
     <p:sldId id="270" r:id="rId16"/>
     <p:sldId id="271" r:id="rId17"/>
     <p:sldId id="272" r:id="rId18"/>
+    <p:sldId id="273" r:id="rId19"/>
+    <p:sldId id="274" r:id="rId20"/>
+    <p:sldId id="275" r:id="rId21"/>
+    <p:sldId id="276" r:id="rId22"/>
+    <p:sldId id="277" r:id="rId23"/>
+    <p:sldId id="278" r:id="rId24"/>
+    <p:sldId id="279" r:id="rId25"/>
   </p:sldIdLst>
   <p:sldSz cx="12192000" cy="6858000"/>
   <p:notesSz cx="6858000" cy="9144000"/>
@@ -188,6 +195,34 @@
 </inkml:ink>
 </file>
 
+<file path=ppt/ink/ink3.xml><?xml version="1.0" encoding="utf-8"?>
+<inkml:ink xmlns:inkml="http://www.w3.org/2003/InkML">
+  <inkml:definitions>
+    <inkml:context xml:id="ctx0">
+      <inkml:inkSource xml:id="inkSrc0">
+        <inkml:traceFormat>
+          <inkml:channel name="X" type="integer" min="-2.14748E9" max="2.14748E9" units="cm"/>
+          <inkml:channel name="Y" type="integer" min="-2.14748E9" max="2.14748E9" units="cm"/>
+          <inkml:channel name="F" type="integer" max="32767" units="dev"/>
+        </inkml:traceFormat>
+        <inkml:channelProperties>
+          <inkml:channelProperty channel="X" name="resolution" value="1000" units="1/cm"/>
+          <inkml:channelProperty channel="Y" name="resolution" value="1000" units="1/cm"/>
+          <inkml:channelProperty channel="F" name="resolution" value="0" units="1/dev"/>
+        </inkml:channelProperties>
+      </inkml:inkSource>
+      <inkml:timestamp xml:id="ts0" timeString="2023-05-15T11:22:19.027"/>
+    </inkml:context>
+    <inkml:brush xml:id="br0">
+      <inkml:brushProperty name="width" value="0.05" units="cm"/>
+      <inkml:brushProperty name="height" value="0.05" units="cm"/>
+      <inkml:brushProperty name="color" value="#E71224"/>
+    </inkml:brush>
+  </inkml:definitions>
+  <inkml:trace contextRef="#ctx0" brushRef="#br0">6558 134 24575,'-11'-1'0,"0"0"0,1-1 0,-1-1 0,1 0 0,-1 0 0,1-1 0,-14-7 0,-25-8 0,-29-3 0,-1 4 0,-1 4 0,-133-7 0,-253 17 0,312 7 0,-1298 0 0,1403-2 0,0 3 0,0 2 0,1 1 0,-72 22 0,-169 34 0,140-33 0,-229 31 0,28-6 0,-63 20 0,275-56 0,-141-1 0,178-11 0,0 5 0,-104 25 0,-101 12 0,213-41 0,-127 15 0,174-16 0,0 2 0,-75 25 0,102-27 0,1 0 0,0 1 0,0 0 0,1 2 0,0 0 0,0 1 0,1 0 0,1 2 0,0 0 0,0 0 0,2 1 0,-1 1 0,2 0 0,0 1 0,1 1 0,1 0 0,0 0 0,1 1 0,-11 31 0,9-13 0,2 0 0,1 0 0,2 0 0,2 1 0,-1 64 0,6-72 0,1 0 0,1-1 0,2 1 0,0-1 0,2 1 0,2-2 0,20 49 0,-21-61 0,1-1 0,1 1 0,0-2 0,1 1 0,0-2 0,1 1 0,1-2 0,0 0 0,0 0 0,1-1 0,19 10 0,24 11 0,99 38 0,-88-42 0,97 36 0,18 7 0,56 29 0,41 18 0,-14-21 0,-77-32 0,-5-6 0,11 5 0,-54-7 0,210 88 0,-289-116 0,2-3 0,1-2 0,0-4 0,2-2 0,91 11 0,-69-16 0,141 39 0,-140-30 0,2-3 0,0-5 0,95 3 0,283-15 0,-266-5 0,403 2 0,-576 2 0,0-1 0,1-1 0,-1-2 0,56-15 0,-73 15 0,0-1 0,-1-1 0,0 0 0,0 0 0,0-2 0,-1 0 0,0 0 0,-1-1 0,0 0 0,0-1 0,-1 0 0,17-21 0,4-19 0,-1-1 0,-3-1 0,-2-1 0,25-80 0,-10 27 0,141-323 0,-39 49 0,-101 260 0,-2 5 0,32-161 0,-60 212 0,-2 0 0,-3 0 0,-3 0 0,-6-83 0,2 130 0,-1 1 0,0-1 0,-2 0 0,0 1 0,0 0 0,-2 0 0,0 0 0,-1 1 0,0 0 0,-1 0 0,-1 0 0,0 1 0,-1 1 0,-1 0 0,0 0 0,0 1 0,-25-20 0,8 11 17,-2 2 0,0 0 1,-1 2-1,-1 1 0,0 2 0,-58-17 0,32 15-388,0 4-1,-2 2 1,-65-3 0,16 7-6455</inkml:trace>
+</inkml:ink>
+</file>
+
 <file path=ppt/slideLayouts/slideLayout1.xml><?xml version="1.0" encoding="utf-8"?>
 <p:sldLayout xmlns:a="http://schemas.openxmlformats.org/drawingml/2006/main" xmlns:r="http://schemas.openxmlformats.org/officeDocument/2006/relationships" xmlns:p="http://schemas.openxmlformats.org/presentationml/2006/main" type="title" preserve="1">
   <p:cSld name="Title Slide">
@@ -335,7 +370,7 @@
           <a:p>
             <a:fld id="{9F08AD8F-3C3D-4B63-978B-A283DF666F72}" type="datetimeFigureOut">
               <a:rPr lang="en-US" smtClean="0"/>
-              <a:t>5/5/2023</a:t>
+              <a:t>5/16/2023</a:t>
             </a:fld>
             <a:endParaRPr lang="en-US"/>
           </a:p>
@@ -533,7 +568,7 @@
           <a:p>
             <a:fld id="{9F08AD8F-3C3D-4B63-978B-A283DF666F72}" type="datetimeFigureOut">
               <a:rPr lang="en-US" smtClean="0"/>
-              <a:t>5/5/2023</a:t>
+              <a:t>5/16/2023</a:t>
             </a:fld>
             <a:endParaRPr lang="en-US"/>
           </a:p>
@@ -741,7 +776,7 @@
           <a:p>
             <a:fld id="{9F08AD8F-3C3D-4B63-978B-A283DF666F72}" type="datetimeFigureOut">
               <a:rPr lang="en-US" smtClean="0"/>
-              <a:t>5/5/2023</a:t>
+              <a:t>5/16/2023</a:t>
             </a:fld>
             <a:endParaRPr lang="en-US"/>
           </a:p>
@@ -939,7 +974,7 @@
           <a:p>
             <a:fld id="{9F08AD8F-3C3D-4B63-978B-A283DF666F72}" type="datetimeFigureOut">
               <a:rPr lang="en-US" smtClean="0"/>
-              <a:t>5/5/2023</a:t>
+              <a:t>5/16/2023</a:t>
             </a:fld>
             <a:endParaRPr lang="en-US"/>
           </a:p>
@@ -1214,7 +1249,7 @@
           <a:p>
             <a:fld id="{9F08AD8F-3C3D-4B63-978B-A283DF666F72}" type="datetimeFigureOut">
               <a:rPr lang="en-US" smtClean="0"/>
-              <a:t>5/5/2023</a:t>
+              <a:t>5/16/2023</a:t>
             </a:fld>
             <a:endParaRPr lang="en-US"/>
           </a:p>
@@ -1479,7 +1514,7 @@
           <a:p>
             <a:fld id="{9F08AD8F-3C3D-4B63-978B-A283DF666F72}" type="datetimeFigureOut">
               <a:rPr lang="en-US" smtClean="0"/>
-              <a:t>5/5/2023</a:t>
+              <a:t>5/16/2023</a:t>
             </a:fld>
             <a:endParaRPr lang="en-US"/>
           </a:p>
@@ -1891,7 +1926,7 @@
           <a:p>
             <a:fld id="{9F08AD8F-3C3D-4B63-978B-A283DF666F72}" type="datetimeFigureOut">
               <a:rPr lang="en-US" smtClean="0"/>
-              <a:t>5/5/2023</a:t>
+              <a:t>5/16/2023</a:t>
             </a:fld>
             <a:endParaRPr lang="en-US"/>
           </a:p>
@@ -2032,7 +2067,7 @@
           <a:p>
             <a:fld id="{9F08AD8F-3C3D-4B63-978B-A283DF666F72}" type="datetimeFigureOut">
               <a:rPr lang="en-US" smtClean="0"/>
-              <a:t>5/5/2023</a:t>
+              <a:t>5/16/2023</a:t>
             </a:fld>
             <a:endParaRPr lang="en-US"/>
           </a:p>
@@ -2145,7 +2180,7 @@
           <a:p>
             <a:fld id="{9F08AD8F-3C3D-4B63-978B-A283DF666F72}" type="datetimeFigureOut">
               <a:rPr lang="en-US" smtClean="0"/>
-              <a:t>5/5/2023</a:t>
+              <a:t>5/16/2023</a:t>
             </a:fld>
             <a:endParaRPr lang="en-US"/>
           </a:p>
@@ -2456,7 +2491,7 @@
           <a:p>
             <a:fld id="{9F08AD8F-3C3D-4B63-978B-A283DF666F72}" type="datetimeFigureOut">
               <a:rPr lang="en-US" smtClean="0"/>
-              <a:t>5/5/2023</a:t>
+              <a:t>5/16/2023</a:t>
             </a:fld>
             <a:endParaRPr lang="en-US"/>
           </a:p>
@@ -2744,7 +2779,7 @@
           <a:p>
             <a:fld id="{9F08AD8F-3C3D-4B63-978B-A283DF666F72}" type="datetimeFigureOut">
               <a:rPr lang="en-US" smtClean="0"/>
-              <a:t>5/5/2023</a:t>
+              <a:t>5/16/2023</a:t>
             </a:fld>
             <a:endParaRPr lang="en-US"/>
           </a:p>
@@ -2985,7 +3020,7 @@
           <a:p>
             <a:fld id="{9F08AD8F-3C3D-4B63-978B-A283DF666F72}" type="datetimeFigureOut">
               <a:rPr lang="en-US" smtClean="0"/>
-              <a:t>5/5/2023</a:t>
+              <a:t>5/16/2023</a:t>
             </a:fld>
             <a:endParaRPr lang="en-US"/>
           </a:p>
@@ -6605,6 +6640,191 @@
 </p:sld>
 </file>
 
+<file path=ppt/slides/slide18.xml><?xml version="1.0" encoding="utf-8"?>
+<p:sld xmlns:a="http://schemas.openxmlformats.org/drawingml/2006/main" xmlns:r="http://schemas.openxmlformats.org/officeDocument/2006/relationships" xmlns:p="http://schemas.openxmlformats.org/presentationml/2006/main">
+  <p:cSld>
+    <p:spTree>
+      <p:nvGrpSpPr>
+        <p:cNvPr id="1" name=""/>
+        <p:cNvGrpSpPr/>
+        <p:nvPr/>
+      </p:nvGrpSpPr>
+      <p:grpSpPr>
+        <a:xfrm>
+          <a:off x="0" y="0"/>
+          <a:ext cx="0" cy="0"/>
+          <a:chOff x="0" y="0"/>
+          <a:chExt cx="0" cy="0"/>
+        </a:xfrm>
+      </p:grpSpPr>
+      <p:sp>
+        <p:nvSpPr>
+          <p:cNvPr id="2" name="Title 1">
+            <a:extLst>
+              <a:ext uri="{FF2B5EF4-FFF2-40B4-BE49-F238E27FC236}">
+                <a16:creationId xmlns:a16="http://schemas.microsoft.com/office/drawing/2014/main" id="{39208F93-7E10-7D3E-A275-71DA0082F308}"/>
+              </a:ext>
+            </a:extLst>
+          </p:cNvPr>
+          <p:cNvSpPr>
+            <a:spLocks noGrp="1"/>
+          </p:cNvSpPr>
+          <p:nvPr>
+            <p:ph type="title"/>
+          </p:nvPr>
+        </p:nvSpPr>
+        <p:spPr/>
+        <p:txBody>
+          <a:bodyPr/>
+          <a:lstStyle/>
+          <a:p>
+            <a:r>
+              <a:rPr lang="en-US" dirty="0"/>
+              <a:t>NoSQL Databases/ </a:t>
+            </a:r>
+            <a:r>
+              <a:rPr lang="en-US" dirty="0" err="1"/>
+              <a:t>MonogoDB</a:t>
+            </a:r>
+            <a:endParaRPr lang="en-US" dirty="0"/>
+          </a:p>
+        </p:txBody>
+      </p:sp>
+      <p:sp>
+        <p:nvSpPr>
+          <p:cNvPr id="3" name="Content Placeholder 2">
+            <a:extLst>
+              <a:ext uri="{FF2B5EF4-FFF2-40B4-BE49-F238E27FC236}">
+                <a16:creationId xmlns:a16="http://schemas.microsoft.com/office/drawing/2014/main" id="{C242CE0F-C6B1-5B5F-1A46-EC40E5209F3F}"/>
+              </a:ext>
+            </a:extLst>
+          </p:cNvPr>
+          <p:cNvSpPr>
+            <a:spLocks noGrp="1"/>
+          </p:cNvSpPr>
+          <p:nvPr>
+            <p:ph idx="1"/>
+          </p:nvPr>
+        </p:nvSpPr>
+        <p:spPr/>
+        <p:txBody>
+          <a:bodyPr/>
+          <a:lstStyle/>
+          <a:p>
+            <a:pPr marL="0" indent="0">
+              <a:buNone/>
+            </a:pPr>
+            <a:r>
+              <a:rPr lang="en-US" dirty="0"/>
+              <a:t>Storing Data in a Different Kind of Database</a:t>
+            </a:r>
+          </a:p>
+        </p:txBody>
+      </p:sp>
+    </p:spTree>
+    <p:extLst>
+      <p:ext uri="{BB962C8B-B14F-4D97-AF65-F5344CB8AC3E}">
+        <p14:creationId xmlns:p14="http://schemas.microsoft.com/office/powerpoint/2010/main" val="3702750011"/>
+      </p:ext>
+    </p:extLst>
+  </p:cSld>
+  <p:clrMapOvr>
+    <a:masterClrMapping/>
+  </p:clrMapOvr>
+</p:sld>
+</file>
+
+<file path=ppt/slides/slide19.xml><?xml version="1.0" encoding="utf-8"?>
+<p:sld xmlns:a="http://schemas.openxmlformats.org/drawingml/2006/main" xmlns:r="http://schemas.openxmlformats.org/officeDocument/2006/relationships" xmlns:p="http://schemas.openxmlformats.org/presentationml/2006/main">
+  <p:cSld>
+    <p:spTree>
+      <p:nvGrpSpPr>
+        <p:cNvPr id="1" name=""/>
+        <p:cNvGrpSpPr/>
+        <p:nvPr/>
+      </p:nvGrpSpPr>
+      <p:grpSpPr>
+        <a:xfrm>
+          <a:off x="0" y="0"/>
+          <a:ext cx="0" cy="0"/>
+          <a:chOff x="0" y="0"/>
+          <a:chExt cx="0" cy="0"/>
+        </a:xfrm>
+      </p:grpSpPr>
+      <p:sp>
+        <p:nvSpPr>
+          <p:cNvPr id="2" name="Title 1">
+            <a:extLst>
+              <a:ext uri="{FF2B5EF4-FFF2-40B4-BE49-F238E27FC236}">
+                <a16:creationId xmlns:a16="http://schemas.microsoft.com/office/drawing/2014/main" id="{46EFDCB1-C337-BF32-9690-923ECBFC1BAF}"/>
+              </a:ext>
+            </a:extLst>
+          </p:cNvPr>
+          <p:cNvSpPr>
+            <a:spLocks noGrp="1"/>
+          </p:cNvSpPr>
+          <p:nvPr>
+            <p:ph type="title"/>
+          </p:nvPr>
+        </p:nvSpPr>
+        <p:spPr/>
+        <p:txBody>
+          <a:bodyPr/>
+          <a:lstStyle/>
+          <a:p>
+            <a:r>
+              <a:rPr lang="en-US" dirty="0"/>
+              <a:t>What? </a:t>
+            </a:r>
+            <a:r>
+              <a:rPr lang="en-US" dirty="0" err="1"/>
+              <a:t>MonogoDB</a:t>
+            </a:r>
+            <a:endParaRPr lang="en-US" dirty="0"/>
+          </a:p>
+        </p:txBody>
+      </p:sp>
+      <p:sp>
+        <p:nvSpPr>
+          <p:cNvPr id="3" name="Content Placeholder 2">
+            <a:extLst>
+              <a:ext uri="{FF2B5EF4-FFF2-40B4-BE49-F238E27FC236}">
+                <a16:creationId xmlns:a16="http://schemas.microsoft.com/office/drawing/2014/main" id="{3476474D-F2F6-0A2A-BCA7-A8E88D96C436}"/>
+              </a:ext>
+            </a:extLst>
+          </p:cNvPr>
+          <p:cNvSpPr>
+            <a:spLocks noGrp="1"/>
+          </p:cNvSpPr>
+          <p:nvPr>
+            <p:ph idx="1"/>
+          </p:nvPr>
+        </p:nvSpPr>
+        <p:spPr/>
+        <p:txBody>
+          <a:bodyPr/>
+          <a:lstStyle/>
+          <a:p>
+            <a:r>
+              <a:rPr lang="en-US" dirty="0"/>
+              <a:t>Because it can store lots and lots of data</a:t>
+            </a:r>
+          </a:p>
+        </p:txBody>
+      </p:sp>
+    </p:spTree>
+    <p:extLst>
+      <p:ext uri="{BB962C8B-B14F-4D97-AF65-F5344CB8AC3E}">
+        <p14:creationId xmlns:p14="http://schemas.microsoft.com/office/powerpoint/2010/main" val="1856400308"/>
+      </p:ext>
+    </p:extLst>
+  </p:cSld>
+  <p:clrMapOvr>
+    <a:masterClrMapping/>
+  </p:clrMapOvr>
+</p:sld>
+</file>
+
 <file path=ppt/slides/slide2.xml><?xml version="1.0" encoding="utf-8"?>
 <p:sld xmlns:a="http://schemas.openxmlformats.org/drawingml/2006/main" xmlns:r="http://schemas.openxmlformats.org/officeDocument/2006/relationships" xmlns:p="http://schemas.openxmlformats.org/presentationml/2006/main">
   <p:cSld>
@@ -7634,6 +7854,2923 @@
     <p:extLst>
       <p:ext uri="{BB962C8B-B14F-4D97-AF65-F5344CB8AC3E}">
         <p14:creationId xmlns:p14="http://schemas.microsoft.com/office/powerpoint/2010/main" val="3450982604"/>
+      </p:ext>
+    </p:extLst>
+  </p:cSld>
+  <p:clrMapOvr>
+    <a:masterClrMapping/>
+  </p:clrMapOvr>
+</p:sld>
+</file>
+
+<file path=ppt/slides/slide20.xml><?xml version="1.0" encoding="utf-8"?>
+<p:sld xmlns:a="http://schemas.openxmlformats.org/drawingml/2006/main" xmlns:r="http://schemas.openxmlformats.org/officeDocument/2006/relationships" xmlns:p="http://schemas.openxmlformats.org/presentationml/2006/main">
+  <p:cSld>
+    <p:spTree>
+      <p:nvGrpSpPr>
+        <p:cNvPr id="1" name=""/>
+        <p:cNvGrpSpPr/>
+        <p:nvPr/>
+      </p:nvGrpSpPr>
+      <p:grpSpPr>
+        <a:xfrm>
+          <a:off x="0" y="0"/>
+          <a:ext cx="0" cy="0"/>
+          <a:chOff x="0" y="0"/>
+          <a:chExt cx="0" cy="0"/>
+        </a:xfrm>
+      </p:grpSpPr>
+      <p:sp>
+        <p:nvSpPr>
+          <p:cNvPr id="2" name="Title 1">
+            <a:extLst>
+              <a:ext uri="{FF2B5EF4-FFF2-40B4-BE49-F238E27FC236}">
+                <a16:creationId xmlns:a16="http://schemas.microsoft.com/office/drawing/2014/main" id="{7C09CCF7-6F00-24C5-3B22-BD1EC270D502}"/>
+              </a:ext>
+            </a:extLst>
+          </p:cNvPr>
+          <p:cNvSpPr>
+            <a:spLocks noGrp="1"/>
+          </p:cNvSpPr>
+          <p:nvPr>
+            <p:ph type="title"/>
+          </p:nvPr>
+        </p:nvSpPr>
+        <p:spPr/>
+        <p:txBody>
+          <a:bodyPr/>
+          <a:lstStyle/>
+          <a:p>
+            <a:r>
+              <a:rPr lang="en-US" dirty="0"/>
+              <a:t>How it works</a:t>
+            </a:r>
+          </a:p>
+        </p:txBody>
+      </p:sp>
+      <p:sp>
+        <p:nvSpPr>
+          <p:cNvPr id="4" name="Rectangle 3">
+            <a:extLst>
+              <a:ext uri="{FF2B5EF4-FFF2-40B4-BE49-F238E27FC236}">
+                <a16:creationId xmlns:a16="http://schemas.microsoft.com/office/drawing/2014/main" id="{656F3723-2071-B1CB-3ABD-5EAF0C2C9FCC}"/>
+              </a:ext>
+            </a:extLst>
+          </p:cNvPr>
+          <p:cNvSpPr/>
+          <p:nvPr/>
+        </p:nvSpPr>
+        <p:spPr>
+          <a:xfrm>
+            <a:off x="838200" y="1480457"/>
+            <a:ext cx="10715171" cy="1045029"/>
+          </a:xfrm>
+          <a:prstGeom prst="rect">
+            <a:avLst/>
+          </a:prstGeom>
+          <a:solidFill>
+            <a:schemeClr val="accent4">
+              <a:lumMod val="60000"/>
+              <a:lumOff val="40000"/>
+            </a:schemeClr>
+          </a:solidFill>
+        </p:spPr>
+        <p:style>
+          <a:lnRef idx="2">
+            <a:schemeClr val="accent1">
+              <a:shade val="50000"/>
+            </a:schemeClr>
+          </a:lnRef>
+          <a:fillRef idx="1">
+            <a:schemeClr val="accent1"/>
+          </a:fillRef>
+          <a:effectRef idx="0">
+            <a:schemeClr val="accent1"/>
+          </a:effectRef>
+          <a:fontRef idx="minor">
+            <a:schemeClr val="lt1"/>
+          </a:fontRef>
+        </p:style>
+        <p:txBody>
+          <a:bodyPr rtlCol="0" anchor="ctr"/>
+          <a:lstStyle/>
+          <a:p>
+            <a:pPr algn="ctr"/>
+            <a:endParaRPr lang="en-US"/>
+          </a:p>
+        </p:txBody>
+      </p:sp>
+      <p:sp>
+        <p:nvSpPr>
+          <p:cNvPr id="5" name="Rectangle 4">
+            <a:extLst>
+              <a:ext uri="{FF2B5EF4-FFF2-40B4-BE49-F238E27FC236}">
+                <a16:creationId xmlns:a16="http://schemas.microsoft.com/office/drawing/2014/main" id="{B492177A-2238-263F-744B-1ED5E9CC5189}"/>
+              </a:ext>
+            </a:extLst>
+          </p:cNvPr>
+          <p:cNvSpPr/>
+          <p:nvPr/>
+        </p:nvSpPr>
+        <p:spPr>
+          <a:xfrm>
+            <a:off x="838200" y="1480457"/>
+            <a:ext cx="2311400" cy="1045029"/>
+          </a:xfrm>
+          <a:prstGeom prst="rect">
+            <a:avLst/>
+          </a:prstGeom>
+          <a:solidFill>
+            <a:schemeClr val="accent4">
+              <a:lumMod val="75000"/>
+            </a:schemeClr>
+          </a:solidFill>
+        </p:spPr>
+        <p:style>
+          <a:lnRef idx="2">
+            <a:schemeClr val="accent1">
+              <a:shade val="50000"/>
+            </a:schemeClr>
+          </a:lnRef>
+          <a:fillRef idx="1">
+            <a:schemeClr val="accent1"/>
+          </a:fillRef>
+          <a:effectRef idx="0">
+            <a:schemeClr val="accent1"/>
+          </a:effectRef>
+          <a:fontRef idx="minor">
+            <a:schemeClr val="lt1"/>
+          </a:fontRef>
+        </p:style>
+        <p:txBody>
+          <a:bodyPr rtlCol="0" anchor="ctr"/>
+          <a:lstStyle/>
+          <a:p>
+            <a:pPr algn="ctr"/>
+            <a:r>
+              <a:rPr lang="en-US" dirty="0">
+                <a:ln w="0"/>
+                <a:solidFill>
+                  <a:schemeClr val="tx1"/>
+                </a:solidFill>
+                <a:effectLst>
+                  <a:outerShdw blurRad="38100" dist="19050" dir="2700000" algn="tl" rotWithShape="0">
+                    <a:schemeClr val="dk1">
+                      <a:alpha val="40000"/>
+                    </a:schemeClr>
+                  </a:outerShdw>
+                </a:effectLst>
+              </a:rPr>
+              <a:t>Database</a:t>
+            </a:r>
+          </a:p>
+        </p:txBody>
+      </p:sp>
+      <p:sp>
+        <p:nvSpPr>
+          <p:cNvPr id="6" name="Rectangle 5">
+            <a:extLst>
+              <a:ext uri="{FF2B5EF4-FFF2-40B4-BE49-F238E27FC236}">
+                <a16:creationId xmlns:a16="http://schemas.microsoft.com/office/drawing/2014/main" id="{55696619-1700-3143-0A1C-A1C3B2DD5CCA}"/>
+              </a:ext>
+            </a:extLst>
+          </p:cNvPr>
+          <p:cNvSpPr/>
+          <p:nvPr/>
+        </p:nvSpPr>
+        <p:spPr>
+          <a:xfrm>
+            <a:off x="3989614" y="1585572"/>
+            <a:ext cx="7463972" cy="834797"/>
+          </a:xfrm>
+          <a:prstGeom prst="rect">
+            <a:avLst/>
+          </a:prstGeom>
+          <a:solidFill>
+            <a:schemeClr val="accent4">
+              <a:lumMod val="75000"/>
+            </a:schemeClr>
+          </a:solidFill>
+        </p:spPr>
+        <p:style>
+          <a:lnRef idx="2">
+            <a:schemeClr val="accent1">
+              <a:shade val="50000"/>
+            </a:schemeClr>
+          </a:lnRef>
+          <a:fillRef idx="1">
+            <a:schemeClr val="accent1"/>
+          </a:fillRef>
+          <a:effectRef idx="0">
+            <a:schemeClr val="accent1"/>
+          </a:effectRef>
+          <a:fontRef idx="minor">
+            <a:schemeClr val="lt1"/>
+          </a:fontRef>
+        </p:style>
+        <p:txBody>
+          <a:bodyPr rtlCol="0" anchor="ctr"/>
+          <a:lstStyle/>
+          <a:p>
+            <a:pPr algn="ctr"/>
+            <a:r>
+              <a:rPr lang="en-US" dirty="0">
+                <a:ln w="0"/>
+                <a:solidFill>
+                  <a:schemeClr val="tx1"/>
+                </a:solidFill>
+                <a:effectLst>
+                  <a:outerShdw blurRad="38100" dist="19050" dir="2700000" algn="tl" rotWithShape="0">
+                    <a:schemeClr val="dk1">
+                      <a:alpha val="40000"/>
+                    </a:schemeClr>
+                  </a:outerShdw>
+                </a:effectLst>
+              </a:rPr>
+              <a:t>Shop</a:t>
+            </a:r>
+          </a:p>
+        </p:txBody>
+      </p:sp>
+      <p:sp>
+        <p:nvSpPr>
+          <p:cNvPr id="9" name="Rectangle 8">
+            <a:extLst>
+              <a:ext uri="{FF2B5EF4-FFF2-40B4-BE49-F238E27FC236}">
+                <a16:creationId xmlns:a16="http://schemas.microsoft.com/office/drawing/2014/main" id="{1AEFA40E-B7D7-6096-51E3-F516BDB86C79}"/>
+              </a:ext>
+            </a:extLst>
+          </p:cNvPr>
+          <p:cNvSpPr/>
+          <p:nvPr/>
+        </p:nvSpPr>
+        <p:spPr>
+          <a:xfrm>
+            <a:off x="838200" y="2906485"/>
+            <a:ext cx="10715171" cy="1045029"/>
+          </a:xfrm>
+          <a:prstGeom prst="rect">
+            <a:avLst/>
+          </a:prstGeom>
+          <a:solidFill>
+            <a:schemeClr val="accent4">
+              <a:lumMod val="60000"/>
+              <a:lumOff val="40000"/>
+            </a:schemeClr>
+          </a:solidFill>
+        </p:spPr>
+        <p:style>
+          <a:lnRef idx="2">
+            <a:schemeClr val="accent1">
+              <a:shade val="50000"/>
+            </a:schemeClr>
+          </a:lnRef>
+          <a:fillRef idx="1">
+            <a:schemeClr val="accent1"/>
+          </a:fillRef>
+          <a:effectRef idx="0">
+            <a:schemeClr val="accent1"/>
+          </a:effectRef>
+          <a:fontRef idx="minor">
+            <a:schemeClr val="lt1"/>
+          </a:fontRef>
+        </p:style>
+        <p:txBody>
+          <a:bodyPr rtlCol="0" anchor="ctr"/>
+          <a:lstStyle/>
+          <a:p>
+            <a:pPr algn="ctr"/>
+            <a:endParaRPr lang="en-US"/>
+          </a:p>
+        </p:txBody>
+      </p:sp>
+      <p:sp>
+        <p:nvSpPr>
+          <p:cNvPr id="10" name="Rectangle 9">
+            <a:extLst>
+              <a:ext uri="{FF2B5EF4-FFF2-40B4-BE49-F238E27FC236}">
+                <a16:creationId xmlns:a16="http://schemas.microsoft.com/office/drawing/2014/main" id="{997F8795-DCFC-3392-F6A2-59CC8A2F501A}"/>
+              </a:ext>
+            </a:extLst>
+          </p:cNvPr>
+          <p:cNvSpPr/>
+          <p:nvPr/>
+        </p:nvSpPr>
+        <p:spPr>
+          <a:xfrm>
+            <a:off x="838200" y="2906485"/>
+            <a:ext cx="2311400" cy="1045029"/>
+          </a:xfrm>
+          <a:prstGeom prst="rect">
+            <a:avLst/>
+          </a:prstGeom>
+          <a:solidFill>
+            <a:schemeClr val="accent4">
+              <a:lumMod val="75000"/>
+            </a:schemeClr>
+          </a:solidFill>
+        </p:spPr>
+        <p:style>
+          <a:lnRef idx="2">
+            <a:schemeClr val="accent1">
+              <a:shade val="50000"/>
+            </a:schemeClr>
+          </a:lnRef>
+          <a:fillRef idx="1">
+            <a:schemeClr val="accent1"/>
+          </a:fillRef>
+          <a:effectRef idx="0">
+            <a:schemeClr val="accent1"/>
+          </a:effectRef>
+          <a:fontRef idx="minor">
+            <a:schemeClr val="lt1"/>
+          </a:fontRef>
+        </p:style>
+        <p:txBody>
+          <a:bodyPr rtlCol="0" anchor="ctr"/>
+          <a:lstStyle/>
+          <a:p>
+            <a:pPr algn="ctr"/>
+            <a:r>
+              <a:rPr lang="en-US" dirty="0">
+                <a:ln w="0"/>
+                <a:solidFill>
+                  <a:schemeClr val="tx1"/>
+                </a:solidFill>
+                <a:effectLst>
+                  <a:outerShdw blurRad="38100" dist="19050" dir="2700000" algn="tl" rotWithShape="0">
+                    <a:schemeClr val="dk1">
+                      <a:alpha val="40000"/>
+                    </a:schemeClr>
+                  </a:outerShdw>
+                </a:effectLst>
+              </a:rPr>
+              <a:t>Collections</a:t>
+            </a:r>
+          </a:p>
+        </p:txBody>
+      </p:sp>
+      <p:sp>
+        <p:nvSpPr>
+          <p:cNvPr id="11" name="Rectangle 10">
+            <a:extLst>
+              <a:ext uri="{FF2B5EF4-FFF2-40B4-BE49-F238E27FC236}">
+                <a16:creationId xmlns:a16="http://schemas.microsoft.com/office/drawing/2014/main" id="{ABE4B621-2A8C-290C-246D-80E89B8B9B7B}"/>
+              </a:ext>
+            </a:extLst>
+          </p:cNvPr>
+          <p:cNvSpPr/>
+          <p:nvPr/>
+        </p:nvSpPr>
+        <p:spPr>
+          <a:xfrm>
+            <a:off x="3989614" y="3011600"/>
+            <a:ext cx="2991757" cy="834797"/>
+          </a:xfrm>
+          <a:prstGeom prst="rect">
+            <a:avLst/>
+          </a:prstGeom>
+          <a:solidFill>
+            <a:schemeClr val="accent4">
+              <a:lumMod val="75000"/>
+            </a:schemeClr>
+          </a:solidFill>
+        </p:spPr>
+        <p:style>
+          <a:lnRef idx="2">
+            <a:schemeClr val="accent1">
+              <a:shade val="50000"/>
+            </a:schemeClr>
+          </a:lnRef>
+          <a:fillRef idx="1">
+            <a:schemeClr val="accent1"/>
+          </a:fillRef>
+          <a:effectRef idx="0">
+            <a:schemeClr val="accent1"/>
+          </a:effectRef>
+          <a:fontRef idx="minor">
+            <a:schemeClr val="lt1"/>
+          </a:fontRef>
+        </p:style>
+        <p:txBody>
+          <a:bodyPr rtlCol="0" anchor="ctr"/>
+          <a:lstStyle/>
+          <a:p>
+            <a:pPr algn="ctr"/>
+            <a:r>
+              <a:rPr lang="en-US" dirty="0">
+                <a:ln w="0"/>
+                <a:solidFill>
+                  <a:schemeClr val="tx1"/>
+                </a:solidFill>
+                <a:effectLst>
+                  <a:outerShdw blurRad="38100" dist="19050" dir="2700000" algn="tl" rotWithShape="0">
+                    <a:schemeClr val="dk1">
+                      <a:alpha val="40000"/>
+                    </a:schemeClr>
+                  </a:outerShdw>
+                </a:effectLst>
+              </a:rPr>
+              <a:t>Users</a:t>
+            </a:r>
+          </a:p>
+        </p:txBody>
+      </p:sp>
+      <p:sp>
+        <p:nvSpPr>
+          <p:cNvPr id="13" name="Rectangle 12">
+            <a:extLst>
+              <a:ext uri="{FF2B5EF4-FFF2-40B4-BE49-F238E27FC236}">
+                <a16:creationId xmlns:a16="http://schemas.microsoft.com/office/drawing/2014/main" id="{F08FCE44-875C-2CC0-8CE0-07581B2A0DC7}"/>
+              </a:ext>
+            </a:extLst>
+          </p:cNvPr>
+          <p:cNvSpPr/>
+          <p:nvPr/>
+        </p:nvSpPr>
+        <p:spPr>
+          <a:xfrm>
+            <a:off x="838200" y="4408715"/>
+            <a:ext cx="10715171" cy="2084160"/>
+          </a:xfrm>
+          <a:prstGeom prst="rect">
+            <a:avLst/>
+          </a:prstGeom>
+          <a:solidFill>
+            <a:schemeClr val="accent4">
+              <a:lumMod val="60000"/>
+              <a:lumOff val="40000"/>
+            </a:schemeClr>
+          </a:solidFill>
+        </p:spPr>
+        <p:style>
+          <a:lnRef idx="2">
+            <a:schemeClr val="accent1">
+              <a:shade val="50000"/>
+            </a:schemeClr>
+          </a:lnRef>
+          <a:fillRef idx="1">
+            <a:schemeClr val="accent1"/>
+          </a:fillRef>
+          <a:effectRef idx="0">
+            <a:schemeClr val="accent1"/>
+          </a:effectRef>
+          <a:fontRef idx="minor">
+            <a:schemeClr val="lt1"/>
+          </a:fontRef>
+        </p:style>
+        <p:txBody>
+          <a:bodyPr rtlCol="0" anchor="ctr"/>
+          <a:lstStyle/>
+          <a:p>
+            <a:pPr algn="ctr"/>
+            <a:endParaRPr lang="en-US"/>
+          </a:p>
+        </p:txBody>
+      </p:sp>
+      <p:sp>
+        <p:nvSpPr>
+          <p:cNvPr id="14" name="Rectangle 13">
+            <a:extLst>
+              <a:ext uri="{FF2B5EF4-FFF2-40B4-BE49-F238E27FC236}">
+                <a16:creationId xmlns:a16="http://schemas.microsoft.com/office/drawing/2014/main" id="{F02CDB95-EF4D-8787-2AD6-9A549FA64C03}"/>
+              </a:ext>
+            </a:extLst>
+          </p:cNvPr>
+          <p:cNvSpPr/>
+          <p:nvPr/>
+        </p:nvSpPr>
+        <p:spPr>
+          <a:xfrm>
+            <a:off x="838200" y="4408715"/>
+            <a:ext cx="2311400" cy="2084160"/>
+          </a:xfrm>
+          <a:prstGeom prst="rect">
+            <a:avLst/>
+          </a:prstGeom>
+          <a:solidFill>
+            <a:schemeClr val="accent4">
+              <a:lumMod val="75000"/>
+            </a:schemeClr>
+          </a:solidFill>
+        </p:spPr>
+        <p:style>
+          <a:lnRef idx="2">
+            <a:schemeClr val="accent1">
+              <a:shade val="50000"/>
+            </a:schemeClr>
+          </a:lnRef>
+          <a:fillRef idx="1">
+            <a:schemeClr val="accent1"/>
+          </a:fillRef>
+          <a:effectRef idx="0">
+            <a:schemeClr val="accent1"/>
+          </a:effectRef>
+          <a:fontRef idx="minor">
+            <a:schemeClr val="lt1"/>
+          </a:fontRef>
+        </p:style>
+        <p:txBody>
+          <a:bodyPr rtlCol="0" anchor="ctr"/>
+          <a:lstStyle/>
+          <a:p>
+            <a:pPr algn="ctr"/>
+            <a:r>
+              <a:rPr lang="en-US" dirty="0">
+                <a:ln w="0"/>
+                <a:solidFill>
+                  <a:schemeClr val="tx1"/>
+                </a:solidFill>
+                <a:effectLst>
+                  <a:outerShdw blurRad="38100" dist="19050" dir="2700000" algn="tl" rotWithShape="0">
+                    <a:schemeClr val="dk1">
+                      <a:alpha val="40000"/>
+                    </a:schemeClr>
+                  </a:outerShdw>
+                </a:effectLst>
+              </a:rPr>
+              <a:t>Documents</a:t>
+            </a:r>
+          </a:p>
+        </p:txBody>
+      </p:sp>
+      <p:sp>
+        <p:nvSpPr>
+          <p:cNvPr id="15" name="Rectangle 14">
+            <a:extLst>
+              <a:ext uri="{FF2B5EF4-FFF2-40B4-BE49-F238E27FC236}">
+                <a16:creationId xmlns:a16="http://schemas.microsoft.com/office/drawing/2014/main" id="{D9546A47-721D-3D0A-544D-A7E633D21BA6}"/>
+              </a:ext>
+            </a:extLst>
+          </p:cNvPr>
+          <p:cNvSpPr/>
+          <p:nvPr/>
+        </p:nvSpPr>
+        <p:spPr>
+          <a:xfrm>
+            <a:off x="3989614" y="4513831"/>
+            <a:ext cx="3296557" cy="758598"/>
+          </a:xfrm>
+          <a:prstGeom prst="rect">
+            <a:avLst/>
+          </a:prstGeom>
+          <a:solidFill>
+            <a:schemeClr val="accent4">
+              <a:lumMod val="75000"/>
+            </a:schemeClr>
+          </a:solidFill>
+        </p:spPr>
+        <p:style>
+          <a:lnRef idx="2">
+            <a:schemeClr val="accent1">
+              <a:shade val="50000"/>
+            </a:schemeClr>
+          </a:lnRef>
+          <a:fillRef idx="1">
+            <a:schemeClr val="accent1"/>
+          </a:fillRef>
+          <a:effectRef idx="0">
+            <a:schemeClr val="accent1"/>
+          </a:effectRef>
+          <a:fontRef idx="minor">
+            <a:schemeClr val="lt1"/>
+          </a:fontRef>
+        </p:style>
+        <p:txBody>
+          <a:bodyPr rtlCol="0" anchor="ctr"/>
+          <a:lstStyle/>
+          <a:p>
+            <a:pPr algn="ctr"/>
+            <a:r>
+              <a:rPr lang="en-US" dirty="0">
+                <a:ln w="0"/>
+                <a:solidFill>
+                  <a:schemeClr val="tx1"/>
+                </a:solidFill>
+                <a:effectLst>
+                  <a:outerShdw blurRad="38100" dist="19050" dir="2700000" algn="tl" rotWithShape="0">
+                    <a:schemeClr val="dk1">
+                      <a:alpha val="40000"/>
+                    </a:schemeClr>
+                  </a:outerShdw>
+                </a:effectLst>
+              </a:rPr>
+              <a:t>{name: ’Ram’, age:20}</a:t>
+            </a:r>
+          </a:p>
+        </p:txBody>
+      </p:sp>
+      <p:sp>
+        <p:nvSpPr>
+          <p:cNvPr id="16" name="Rectangle 15">
+            <a:extLst>
+              <a:ext uri="{FF2B5EF4-FFF2-40B4-BE49-F238E27FC236}">
+                <a16:creationId xmlns:a16="http://schemas.microsoft.com/office/drawing/2014/main" id="{1BE7C867-80FE-F754-6150-66956A4019B0}"/>
+              </a:ext>
+            </a:extLst>
+          </p:cNvPr>
+          <p:cNvSpPr/>
+          <p:nvPr/>
+        </p:nvSpPr>
+        <p:spPr>
+          <a:xfrm>
+            <a:off x="8213271" y="3011600"/>
+            <a:ext cx="2991757" cy="834797"/>
+          </a:xfrm>
+          <a:prstGeom prst="rect">
+            <a:avLst/>
+          </a:prstGeom>
+          <a:solidFill>
+            <a:schemeClr val="accent4">
+              <a:lumMod val="75000"/>
+            </a:schemeClr>
+          </a:solidFill>
+        </p:spPr>
+        <p:style>
+          <a:lnRef idx="2">
+            <a:schemeClr val="accent1">
+              <a:shade val="50000"/>
+            </a:schemeClr>
+          </a:lnRef>
+          <a:fillRef idx="1">
+            <a:schemeClr val="accent1"/>
+          </a:fillRef>
+          <a:effectRef idx="0">
+            <a:schemeClr val="accent1"/>
+          </a:effectRef>
+          <a:fontRef idx="minor">
+            <a:schemeClr val="lt1"/>
+          </a:fontRef>
+        </p:style>
+        <p:txBody>
+          <a:bodyPr rtlCol="0" anchor="ctr"/>
+          <a:lstStyle/>
+          <a:p>
+            <a:pPr algn="ctr"/>
+            <a:r>
+              <a:rPr lang="en-US" dirty="0">
+                <a:ln w="0"/>
+                <a:solidFill>
+                  <a:schemeClr val="tx1"/>
+                </a:solidFill>
+                <a:effectLst>
+                  <a:outerShdw blurRad="38100" dist="19050" dir="2700000" algn="tl" rotWithShape="0">
+                    <a:schemeClr val="dk1">
+                      <a:alpha val="40000"/>
+                    </a:schemeClr>
+                  </a:outerShdw>
+                </a:effectLst>
+              </a:rPr>
+              <a:t>Orders</a:t>
+            </a:r>
+          </a:p>
+        </p:txBody>
+      </p:sp>
+      <p:sp>
+        <p:nvSpPr>
+          <p:cNvPr id="17" name="Rectangle 16">
+            <a:extLst>
+              <a:ext uri="{FF2B5EF4-FFF2-40B4-BE49-F238E27FC236}">
+                <a16:creationId xmlns:a16="http://schemas.microsoft.com/office/drawing/2014/main" id="{1C555BAA-63FE-77D8-1A9C-0D50479078FB}"/>
+              </a:ext>
+            </a:extLst>
+          </p:cNvPr>
+          <p:cNvSpPr/>
+          <p:nvPr/>
+        </p:nvSpPr>
+        <p:spPr>
+          <a:xfrm>
+            <a:off x="3989613" y="5503353"/>
+            <a:ext cx="3296557" cy="758598"/>
+          </a:xfrm>
+          <a:prstGeom prst="rect">
+            <a:avLst/>
+          </a:prstGeom>
+          <a:solidFill>
+            <a:schemeClr val="accent4">
+              <a:lumMod val="75000"/>
+            </a:schemeClr>
+          </a:solidFill>
+        </p:spPr>
+        <p:style>
+          <a:lnRef idx="2">
+            <a:schemeClr val="accent1">
+              <a:shade val="50000"/>
+            </a:schemeClr>
+          </a:lnRef>
+          <a:fillRef idx="1">
+            <a:schemeClr val="accent1"/>
+          </a:fillRef>
+          <a:effectRef idx="0">
+            <a:schemeClr val="accent1"/>
+          </a:effectRef>
+          <a:fontRef idx="minor">
+            <a:schemeClr val="lt1"/>
+          </a:fontRef>
+        </p:style>
+        <p:txBody>
+          <a:bodyPr rtlCol="0" anchor="ctr"/>
+          <a:lstStyle/>
+          <a:p>
+            <a:pPr algn="ctr"/>
+            <a:r>
+              <a:rPr lang="en-US" dirty="0">
+                <a:ln w="0"/>
+                <a:solidFill>
+                  <a:schemeClr val="tx1"/>
+                </a:solidFill>
+                <a:effectLst>
+                  <a:outerShdw blurRad="38100" dist="19050" dir="2700000" algn="tl" rotWithShape="0">
+                    <a:schemeClr val="dk1">
+                      <a:alpha val="40000"/>
+                    </a:schemeClr>
+                  </a:outerShdw>
+                </a:effectLst>
+              </a:rPr>
+              <a:t>{name: ’Ram’}</a:t>
+            </a:r>
+          </a:p>
+        </p:txBody>
+      </p:sp>
+      <p:sp>
+        <p:nvSpPr>
+          <p:cNvPr id="18" name="Rectangle 17">
+            <a:extLst>
+              <a:ext uri="{FF2B5EF4-FFF2-40B4-BE49-F238E27FC236}">
+                <a16:creationId xmlns:a16="http://schemas.microsoft.com/office/drawing/2014/main" id="{7C715E9A-0679-3333-F57C-C22AFFDEA445}"/>
+              </a:ext>
+            </a:extLst>
+          </p:cNvPr>
+          <p:cNvSpPr/>
+          <p:nvPr/>
+        </p:nvSpPr>
+        <p:spPr>
+          <a:xfrm>
+            <a:off x="8126185" y="4513831"/>
+            <a:ext cx="3296557" cy="758598"/>
+          </a:xfrm>
+          <a:prstGeom prst="rect">
+            <a:avLst/>
+          </a:prstGeom>
+          <a:solidFill>
+            <a:schemeClr val="accent4">
+              <a:lumMod val="75000"/>
+            </a:schemeClr>
+          </a:solidFill>
+        </p:spPr>
+        <p:style>
+          <a:lnRef idx="2">
+            <a:schemeClr val="accent1">
+              <a:shade val="50000"/>
+            </a:schemeClr>
+          </a:lnRef>
+          <a:fillRef idx="1">
+            <a:schemeClr val="accent1"/>
+          </a:fillRef>
+          <a:effectRef idx="0">
+            <a:schemeClr val="accent1"/>
+          </a:effectRef>
+          <a:fontRef idx="minor">
+            <a:schemeClr val="lt1"/>
+          </a:fontRef>
+        </p:style>
+        <p:txBody>
+          <a:bodyPr rtlCol="0" anchor="ctr"/>
+          <a:lstStyle/>
+          <a:p>
+            <a:pPr algn="ctr"/>
+            <a:r>
+              <a:rPr lang="en-US" dirty="0">
+                <a:ln w="0"/>
+                <a:solidFill>
+                  <a:schemeClr val="tx1"/>
+                </a:solidFill>
+                <a:effectLst>
+                  <a:outerShdw blurRad="38100" dist="19050" dir="2700000" algn="tl" rotWithShape="0">
+                    <a:schemeClr val="dk1">
+                      <a:alpha val="40000"/>
+                    </a:schemeClr>
+                  </a:outerShdw>
+                </a:effectLst>
+              </a:rPr>
+              <a:t>{…}</a:t>
+            </a:r>
+          </a:p>
+        </p:txBody>
+      </p:sp>
+      <p:sp>
+        <p:nvSpPr>
+          <p:cNvPr id="19" name="Rectangle 18">
+            <a:extLst>
+              <a:ext uri="{FF2B5EF4-FFF2-40B4-BE49-F238E27FC236}">
+                <a16:creationId xmlns:a16="http://schemas.microsoft.com/office/drawing/2014/main" id="{C4EEDB07-6440-6D04-DB03-DA5CACDFB160}"/>
+              </a:ext>
+            </a:extLst>
+          </p:cNvPr>
+          <p:cNvSpPr/>
+          <p:nvPr/>
+        </p:nvSpPr>
+        <p:spPr>
+          <a:xfrm>
+            <a:off x="8126183" y="5489065"/>
+            <a:ext cx="3296557" cy="758598"/>
+          </a:xfrm>
+          <a:prstGeom prst="rect">
+            <a:avLst/>
+          </a:prstGeom>
+          <a:solidFill>
+            <a:schemeClr val="accent4">
+              <a:lumMod val="75000"/>
+            </a:schemeClr>
+          </a:solidFill>
+        </p:spPr>
+        <p:style>
+          <a:lnRef idx="2">
+            <a:schemeClr val="accent1">
+              <a:shade val="50000"/>
+            </a:schemeClr>
+          </a:lnRef>
+          <a:fillRef idx="1">
+            <a:schemeClr val="accent1"/>
+          </a:fillRef>
+          <a:effectRef idx="0">
+            <a:schemeClr val="accent1"/>
+          </a:effectRef>
+          <a:fontRef idx="minor">
+            <a:schemeClr val="lt1"/>
+          </a:fontRef>
+        </p:style>
+        <p:txBody>
+          <a:bodyPr rtlCol="0" anchor="ctr"/>
+          <a:lstStyle/>
+          <a:p>
+            <a:pPr algn="ctr"/>
+            <a:r>
+              <a:rPr lang="en-US" dirty="0">
+                <a:ln w="0"/>
+                <a:solidFill>
+                  <a:schemeClr val="tx1"/>
+                </a:solidFill>
+                <a:effectLst>
+                  <a:outerShdw blurRad="38100" dist="19050" dir="2700000" algn="tl" rotWithShape="0">
+                    <a:schemeClr val="dk1">
+                      <a:alpha val="40000"/>
+                    </a:schemeClr>
+                  </a:outerShdw>
+                </a:effectLst>
+              </a:rPr>
+              <a:t>{…}</a:t>
+            </a:r>
+          </a:p>
+        </p:txBody>
+      </p:sp>
+      <p:cxnSp>
+        <p:nvCxnSpPr>
+          <p:cNvPr id="22" name="Connector: Elbow 21">
+            <a:extLst>
+              <a:ext uri="{FF2B5EF4-FFF2-40B4-BE49-F238E27FC236}">
+                <a16:creationId xmlns:a16="http://schemas.microsoft.com/office/drawing/2014/main" id="{DE93242D-3B67-1D4F-7879-6A543FAEB17F}"/>
+              </a:ext>
+            </a:extLst>
+          </p:cNvPr>
+          <p:cNvCxnSpPr>
+            <a:endCxn id="11" idx="0"/>
+          </p:cNvCxnSpPr>
+          <p:nvPr/>
+        </p:nvCxnSpPr>
+        <p:spPr>
+          <a:xfrm rot="10800000" flipV="1">
+            <a:off x="5485493" y="2420368"/>
+            <a:ext cx="2192564" cy="591231"/>
+          </a:xfrm>
+          <a:prstGeom prst="bentConnector2">
+            <a:avLst/>
+          </a:prstGeom>
+        </p:spPr>
+        <p:style>
+          <a:lnRef idx="1">
+            <a:schemeClr val="accent1"/>
+          </a:lnRef>
+          <a:fillRef idx="0">
+            <a:schemeClr val="accent1"/>
+          </a:fillRef>
+          <a:effectRef idx="0">
+            <a:schemeClr val="accent1"/>
+          </a:effectRef>
+          <a:fontRef idx="minor">
+            <a:schemeClr val="tx1"/>
+          </a:fontRef>
+        </p:style>
+      </p:cxnSp>
+      <p:cxnSp>
+        <p:nvCxnSpPr>
+          <p:cNvPr id="24" name="Connector: Elbow 23">
+            <a:extLst>
+              <a:ext uri="{FF2B5EF4-FFF2-40B4-BE49-F238E27FC236}">
+                <a16:creationId xmlns:a16="http://schemas.microsoft.com/office/drawing/2014/main" id="{665E94A0-188C-9FDA-62CA-134E6887FDB5}"/>
+              </a:ext>
+            </a:extLst>
+          </p:cNvPr>
+          <p:cNvCxnSpPr>
+            <a:stCxn id="6" idx="2"/>
+            <a:endCxn id="16" idx="0"/>
+          </p:cNvCxnSpPr>
+          <p:nvPr/>
+        </p:nvCxnSpPr>
+        <p:spPr>
+          <a:xfrm rot="16200000" flipH="1">
+            <a:off x="8419760" y="1722209"/>
+            <a:ext cx="591231" cy="1987550"/>
+          </a:xfrm>
+          <a:prstGeom prst="bentConnector3">
+            <a:avLst/>
+          </a:prstGeom>
+        </p:spPr>
+        <p:style>
+          <a:lnRef idx="1">
+            <a:schemeClr val="accent1"/>
+          </a:lnRef>
+          <a:fillRef idx="0">
+            <a:schemeClr val="accent1"/>
+          </a:fillRef>
+          <a:effectRef idx="0">
+            <a:schemeClr val="accent1"/>
+          </a:effectRef>
+          <a:fontRef idx="minor">
+            <a:schemeClr val="tx1"/>
+          </a:fontRef>
+        </p:style>
+      </p:cxnSp>
+      <p:cxnSp>
+        <p:nvCxnSpPr>
+          <p:cNvPr id="26" name="Connector: Elbow 25">
+            <a:extLst>
+              <a:ext uri="{FF2B5EF4-FFF2-40B4-BE49-F238E27FC236}">
+                <a16:creationId xmlns:a16="http://schemas.microsoft.com/office/drawing/2014/main" id="{1BB1C404-76FA-A3F3-DBC4-3D8AF24B3BC7}"/>
+              </a:ext>
+            </a:extLst>
+          </p:cNvPr>
+          <p:cNvCxnSpPr>
+            <a:stCxn id="11" idx="2"/>
+            <a:endCxn id="15" idx="1"/>
+          </p:cNvCxnSpPr>
+          <p:nvPr/>
+        </p:nvCxnSpPr>
+        <p:spPr>
+          <a:xfrm rot="5400000">
+            <a:off x="4214188" y="3621824"/>
+            <a:ext cx="1046733" cy="1495879"/>
+          </a:xfrm>
+          <a:prstGeom prst="bentConnector4">
+            <a:avLst>
+              <a:gd name="adj1" fmla="val 31882"/>
+              <a:gd name="adj2" fmla="val 115282"/>
+            </a:avLst>
+          </a:prstGeom>
+        </p:spPr>
+        <p:style>
+          <a:lnRef idx="1">
+            <a:schemeClr val="accent1"/>
+          </a:lnRef>
+          <a:fillRef idx="0">
+            <a:schemeClr val="accent1"/>
+          </a:fillRef>
+          <a:effectRef idx="0">
+            <a:schemeClr val="accent1"/>
+          </a:effectRef>
+          <a:fontRef idx="minor">
+            <a:schemeClr val="tx1"/>
+          </a:fontRef>
+        </p:style>
+      </p:cxnSp>
+      <p:cxnSp>
+        <p:nvCxnSpPr>
+          <p:cNvPr id="28" name="Connector: Elbow 27">
+            <a:extLst>
+              <a:ext uri="{FF2B5EF4-FFF2-40B4-BE49-F238E27FC236}">
+                <a16:creationId xmlns:a16="http://schemas.microsoft.com/office/drawing/2014/main" id="{78A911C7-C6BE-34C3-B57B-2B02C25E35C1}"/>
+              </a:ext>
+            </a:extLst>
+          </p:cNvPr>
+          <p:cNvCxnSpPr>
+            <a:stCxn id="11" idx="2"/>
+            <a:endCxn id="17" idx="1"/>
+          </p:cNvCxnSpPr>
+          <p:nvPr/>
+        </p:nvCxnSpPr>
+        <p:spPr>
+          <a:xfrm rot="5400000">
+            <a:off x="3719426" y="4116584"/>
+            <a:ext cx="2036255" cy="1495880"/>
+          </a:xfrm>
+          <a:prstGeom prst="bentConnector4">
+            <a:avLst>
+              <a:gd name="adj1" fmla="val 40686"/>
+              <a:gd name="adj2" fmla="val 115282"/>
+            </a:avLst>
+          </a:prstGeom>
+        </p:spPr>
+        <p:style>
+          <a:lnRef idx="1">
+            <a:schemeClr val="accent1"/>
+          </a:lnRef>
+          <a:fillRef idx="0">
+            <a:schemeClr val="accent1"/>
+          </a:fillRef>
+          <a:effectRef idx="0">
+            <a:schemeClr val="accent1"/>
+          </a:effectRef>
+          <a:fontRef idx="minor">
+            <a:schemeClr val="tx1"/>
+          </a:fontRef>
+        </p:style>
+      </p:cxnSp>
+      <p:cxnSp>
+        <p:nvCxnSpPr>
+          <p:cNvPr id="30" name="Connector: Elbow 29">
+            <a:extLst>
+              <a:ext uri="{FF2B5EF4-FFF2-40B4-BE49-F238E27FC236}">
+                <a16:creationId xmlns:a16="http://schemas.microsoft.com/office/drawing/2014/main" id="{A1AFE733-D6D8-1181-3561-B139A3C065FE}"/>
+              </a:ext>
+            </a:extLst>
+          </p:cNvPr>
+          <p:cNvCxnSpPr>
+            <a:stCxn id="16" idx="2"/>
+            <a:endCxn id="18" idx="1"/>
+          </p:cNvCxnSpPr>
+          <p:nvPr/>
+        </p:nvCxnSpPr>
+        <p:spPr>
+          <a:xfrm rot="5400000">
+            <a:off x="8394302" y="3578281"/>
+            <a:ext cx="1046733" cy="1582965"/>
+          </a:xfrm>
+          <a:prstGeom prst="bentConnector4">
+            <a:avLst>
+              <a:gd name="adj1" fmla="val 31882"/>
+              <a:gd name="adj2" fmla="val 114441"/>
+            </a:avLst>
+          </a:prstGeom>
+        </p:spPr>
+        <p:style>
+          <a:lnRef idx="1">
+            <a:schemeClr val="accent1"/>
+          </a:lnRef>
+          <a:fillRef idx="0">
+            <a:schemeClr val="accent1"/>
+          </a:fillRef>
+          <a:effectRef idx="0">
+            <a:schemeClr val="accent1"/>
+          </a:effectRef>
+          <a:fontRef idx="minor">
+            <a:schemeClr val="tx1"/>
+          </a:fontRef>
+        </p:style>
+      </p:cxnSp>
+      <p:cxnSp>
+        <p:nvCxnSpPr>
+          <p:cNvPr id="32" name="Connector: Elbow 31">
+            <a:extLst>
+              <a:ext uri="{FF2B5EF4-FFF2-40B4-BE49-F238E27FC236}">
+                <a16:creationId xmlns:a16="http://schemas.microsoft.com/office/drawing/2014/main" id="{68CCB1E2-914B-AE61-D6DA-6D5AF0CEE8CB}"/>
+              </a:ext>
+            </a:extLst>
+          </p:cNvPr>
+          <p:cNvCxnSpPr>
+            <a:stCxn id="16" idx="2"/>
+            <a:endCxn id="19" idx="1"/>
+          </p:cNvCxnSpPr>
+          <p:nvPr/>
+        </p:nvCxnSpPr>
+        <p:spPr>
+          <a:xfrm rot="5400000">
+            <a:off x="7906684" y="4065897"/>
+            <a:ext cx="2021967" cy="1582967"/>
+          </a:xfrm>
+          <a:prstGeom prst="bentConnector4">
+            <a:avLst>
+              <a:gd name="adj1" fmla="val 40621"/>
+              <a:gd name="adj2" fmla="val 114441"/>
+            </a:avLst>
+          </a:prstGeom>
+        </p:spPr>
+        <p:style>
+          <a:lnRef idx="1">
+            <a:schemeClr val="accent1"/>
+          </a:lnRef>
+          <a:fillRef idx="0">
+            <a:schemeClr val="accent1"/>
+          </a:fillRef>
+          <a:effectRef idx="0">
+            <a:schemeClr val="accent1"/>
+          </a:effectRef>
+          <a:fontRef idx="minor">
+            <a:schemeClr val="tx1"/>
+          </a:fontRef>
+        </p:style>
+      </p:cxnSp>
+      <mc:AlternateContent xmlns:mc="http://schemas.openxmlformats.org/markup-compatibility/2006" xmlns:p14="http://schemas.microsoft.com/office/powerpoint/2010/main">
+        <mc:Choice Requires="p14">
+          <p:contentPart p14:bwMode="auto" r:id="rId2">
+            <p14:nvContentPartPr>
+              <p14:cNvPr id="33" name="Ink 32">
+                <a:extLst>
+                  <a:ext uri="{FF2B5EF4-FFF2-40B4-BE49-F238E27FC236}">
+                    <a16:creationId xmlns:a16="http://schemas.microsoft.com/office/drawing/2014/main" id="{958FB345-5024-6E18-442A-BEEC78211743}"/>
+                  </a:ext>
+                </a:extLst>
+              </p14:cNvPr>
+              <p14:cNvContentPartPr/>
+              <p14:nvPr/>
+            </p14:nvContentPartPr>
+            <p14:xfrm>
+              <a:off x="4489954" y="5350503"/>
+              <a:ext cx="2360880" cy="1008720"/>
+            </p14:xfrm>
+          </p:contentPart>
+        </mc:Choice>
+        <mc:Fallback xmlns="">
+          <p:pic>
+            <p:nvPicPr>
+              <p:cNvPr id="33" name="Ink 32">
+                <a:extLst>
+                  <a:ext uri="{FF2B5EF4-FFF2-40B4-BE49-F238E27FC236}">
+                    <a16:creationId xmlns:a16="http://schemas.microsoft.com/office/drawing/2014/main" id="{958FB345-5024-6E18-442A-BEEC78211743}"/>
+                  </a:ext>
+                </a:extLst>
+              </p:cNvPr>
+              <p:cNvPicPr/>
+              <p:nvPr/>
+            </p:nvPicPr>
+            <p:blipFill>
+              <a:blip r:embed="rId3"/>
+              <a:stretch>
+                <a:fillRect/>
+              </a:stretch>
+            </p:blipFill>
+            <p:spPr>
+              <a:xfrm>
+                <a:off x="4480954" y="5341503"/>
+                <a:ext cx="2378520" cy="1026360"/>
+              </a:xfrm>
+              <a:prstGeom prst="rect">
+                <a:avLst/>
+              </a:prstGeom>
+            </p:spPr>
+          </p:pic>
+        </mc:Fallback>
+      </mc:AlternateContent>
+      <p:sp>
+        <p:nvSpPr>
+          <p:cNvPr id="34" name="TextBox 33">
+            <a:extLst>
+              <a:ext uri="{FF2B5EF4-FFF2-40B4-BE49-F238E27FC236}">
+                <a16:creationId xmlns:a16="http://schemas.microsoft.com/office/drawing/2014/main" id="{78A1C67F-082E-CF9A-085D-EFC8303A140B}"/>
+              </a:ext>
+            </a:extLst>
+          </p:cNvPr>
+          <p:cNvSpPr txBox="1"/>
+          <p:nvPr/>
+        </p:nvSpPr>
+        <p:spPr>
+          <a:xfrm>
+            <a:off x="3918857" y="6276320"/>
+            <a:ext cx="4354285" cy="523220"/>
+          </a:xfrm>
+          <a:prstGeom prst="rect">
+            <a:avLst/>
+          </a:prstGeom>
+          <a:noFill/>
+        </p:spPr>
+        <p:txBody>
+          <a:bodyPr wrap="square" rtlCol="0">
+            <a:spAutoFit/>
+          </a:bodyPr>
+          <a:lstStyle/>
+          <a:p>
+            <a:r>
+              <a:rPr lang="en-US" sz="2800" dirty="0"/>
+              <a:t>Schemeless</a:t>
+            </a:r>
+          </a:p>
+        </p:txBody>
+      </p:sp>
+      <p:sp>
+        <p:nvSpPr>
+          <p:cNvPr id="35" name="Arrow: Notched Right 34">
+            <a:extLst>
+              <a:ext uri="{FF2B5EF4-FFF2-40B4-BE49-F238E27FC236}">
+                <a16:creationId xmlns:a16="http://schemas.microsoft.com/office/drawing/2014/main" id="{642C5241-DCBD-891B-7FF9-224338BFE6B4}"/>
+              </a:ext>
+            </a:extLst>
+          </p:cNvPr>
+          <p:cNvSpPr/>
+          <p:nvPr/>
+        </p:nvSpPr>
+        <p:spPr>
+          <a:xfrm rot="19116702">
+            <a:off x="4325257" y="6008914"/>
+            <a:ext cx="740229" cy="523220"/>
+          </a:xfrm>
+          <a:prstGeom prst="notchedRightArrow">
+            <a:avLst/>
+          </a:prstGeom>
+        </p:spPr>
+        <p:style>
+          <a:lnRef idx="2">
+            <a:schemeClr val="accent1">
+              <a:shade val="50000"/>
+            </a:schemeClr>
+          </a:lnRef>
+          <a:fillRef idx="1">
+            <a:schemeClr val="accent1"/>
+          </a:fillRef>
+          <a:effectRef idx="0">
+            <a:schemeClr val="accent1"/>
+          </a:effectRef>
+          <a:fontRef idx="minor">
+            <a:schemeClr val="lt1"/>
+          </a:fontRef>
+        </p:style>
+        <p:txBody>
+          <a:bodyPr rtlCol="0" anchor="ctr"/>
+          <a:lstStyle/>
+          <a:p>
+            <a:pPr algn="ctr"/>
+            <a:endParaRPr lang="en-US"/>
+          </a:p>
+        </p:txBody>
+      </p:sp>
+    </p:spTree>
+    <p:extLst>
+      <p:ext uri="{BB962C8B-B14F-4D97-AF65-F5344CB8AC3E}">
+        <p14:creationId xmlns:p14="http://schemas.microsoft.com/office/powerpoint/2010/main" val="2106799997"/>
+      </p:ext>
+    </p:extLst>
+  </p:cSld>
+  <p:clrMapOvr>
+    <a:masterClrMapping/>
+  </p:clrMapOvr>
+</p:sld>
+</file>
+
+<file path=ppt/slides/slide21.xml><?xml version="1.0" encoding="utf-8"?>
+<p:sld xmlns:a="http://schemas.openxmlformats.org/drawingml/2006/main" xmlns:r="http://schemas.openxmlformats.org/officeDocument/2006/relationships" xmlns:p="http://schemas.openxmlformats.org/presentationml/2006/main">
+  <p:cSld>
+    <p:spTree>
+      <p:nvGrpSpPr>
+        <p:cNvPr id="1" name=""/>
+        <p:cNvGrpSpPr/>
+        <p:nvPr/>
+      </p:nvGrpSpPr>
+      <p:grpSpPr>
+        <a:xfrm>
+          <a:off x="0" y="0"/>
+          <a:ext cx="0" cy="0"/>
+          <a:chOff x="0" y="0"/>
+          <a:chExt cx="0" cy="0"/>
+        </a:xfrm>
+      </p:grpSpPr>
+      <p:sp>
+        <p:nvSpPr>
+          <p:cNvPr id="2" name="Title 1">
+            <a:extLst>
+              <a:ext uri="{FF2B5EF4-FFF2-40B4-BE49-F238E27FC236}">
+                <a16:creationId xmlns:a16="http://schemas.microsoft.com/office/drawing/2014/main" id="{0C1603A0-8C3A-2F70-DB56-4C462BC066A3}"/>
+              </a:ext>
+            </a:extLst>
+          </p:cNvPr>
+          <p:cNvSpPr>
+            <a:spLocks noGrp="1"/>
+          </p:cNvSpPr>
+          <p:nvPr>
+            <p:ph type="title"/>
+          </p:nvPr>
+        </p:nvSpPr>
+        <p:spPr/>
+        <p:txBody>
+          <a:bodyPr/>
+          <a:lstStyle/>
+          <a:p>
+            <a:r>
+              <a:rPr lang="en-US" dirty="0"/>
+              <a:t>JSON (BSON) Data Format</a:t>
+            </a:r>
+          </a:p>
+        </p:txBody>
+      </p:sp>
+      <p:sp>
+        <p:nvSpPr>
+          <p:cNvPr id="3" name="Content Placeholder 2">
+            <a:extLst>
+              <a:ext uri="{FF2B5EF4-FFF2-40B4-BE49-F238E27FC236}">
+                <a16:creationId xmlns:a16="http://schemas.microsoft.com/office/drawing/2014/main" id="{0D89C172-A9E9-B051-061A-9AF278ECC120}"/>
+              </a:ext>
+            </a:extLst>
+          </p:cNvPr>
+          <p:cNvSpPr>
+            <a:spLocks noGrp="1"/>
+          </p:cNvSpPr>
+          <p:nvPr>
+            <p:ph idx="1"/>
+          </p:nvPr>
+        </p:nvSpPr>
+        <p:spPr/>
+        <p:txBody>
+          <a:bodyPr>
+            <a:normAutofit fontScale="77500" lnSpcReduction="20000"/>
+          </a:bodyPr>
+          <a:lstStyle/>
+          <a:p>
+            <a:pPr marL="0" indent="0">
+              <a:buNone/>
+            </a:pPr>
+            <a:r>
+              <a:rPr lang="en-US" dirty="0"/>
+              <a:t>{</a:t>
+            </a:r>
+          </a:p>
+          <a:p>
+            <a:pPr marL="0" indent="0">
+              <a:buNone/>
+            </a:pPr>
+            <a:r>
+              <a:rPr lang="en-US" dirty="0"/>
+              <a:t>	“</a:t>
+            </a:r>
+            <a:r>
+              <a:rPr lang="en-US" dirty="0" err="1"/>
+              <a:t>name”:”Ram</a:t>
+            </a:r>
+            <a:r>
+              <a:rPr lang="en-US" dirty="0"/>
+              <a:t>”,</a:t>
+            </a:r>
+          </a:p>
+          <a:p>
+            <a:pPr marL="0" indent="0">
+              <a:buNone/>
+            </a:pPr>
+            <a:r>
+              <a:rPr lang="en-US" dirty="0"/>
+              <a:t>	“age”:30,</a:t>
+            </a:r>
+          </a:p>
+          <a:p>
+            <a:pPr marL="0" indent="0">
+              <a:buNone/>
+            </a:pPr>
+            <a:r>
+              <a:rPr lang="en-US" dirty="0"/>
+              <a:t>	“Address”:</a:t>
+            </a:r>
+          </a:p>
+          <a:p>
+            <a:pPr marL="0" indent="0">
+              <a:buNone/>
+            </a:pPr>
+            <a:r>
+              <a:rPr lang="en-US" dirty="0"/>
+              <a:t>		{</a:t>
+            </a:r>
+          </a:p>
+          <a:p>
+            <a:pPr marL="0" indent="0">
+              <a:buNone/>
+            </a:pPr>
+            <a:r>
+              <a:rPr lang="en-US" dirty="0"/>
+              <a:t>			“city” : “Jaipur”</a:t>
+            </a:r>
+          </a:p>
+          <a:p>
+            <a:pPr marL="0" indent="0">
+              <a:buNone/>
+            </a:pPr>
+            <a:r>
+              <a:rPr lang="en-US" dirty="0"/>
+              <a:t>		},</a:t>
+            </a:r>
+          </a:p>
+          <a:p>
+            <a:pPr marL="0" indent="0">
+              <a:buNone/>
+            </a:pPr>
+            <a:r>
+              <a:rPr lang="en-US" dirty="0"/>
+              <a:t>	“hobbies”:	[</a:t>
+            </a:r>
+          </a:p>
+          <a:p>
+            <a:pPr marL="0" indent="0">
+              <a:buNone/>
+            </a:pPr>
+            <a:r>
+              <a:rPr lang="en-US" dirty="0"/>
+              <a:t>				{“</a:t>
+            </a:r>
+            <a:r>
+              <a:rPr lang="en-US" dirty="0" err="1"/>
+              <a:t>name”:”Cooking</a:t>
+            </a:r>
+            <a:r>
+              <a:rPr lang="en-US" dirty="0"/>
+              <a:t>”},</a:t>
+            </a:r>
+          </a:p>
+          <a:p>
+            <a:pPr marL="0" indent="0">
+              <a:buNone/>
+            </a:pPr>
+            <a:r>
+              <a:rPr lang="en-US" dirty="0"/>
+              <a:t>				{“</a:t>
+            </a:r>
+            <a:r>
+              <a:rPr lang="en-US" dirty="0" err="1"/>
+              <a:t>name”:”Sports</a:t>
+            </a:r>
+            <a:r>
+              <a:rPr lang="en-US" dirty="0"/>
+              <a:t>”}</a:t>
+            </a:r>
+          </a:p>
+          <a:p>
+            <a:pPr marL="0" indent="0">
+              <a:buNone/>
+            </a:pPr>
+            <a:r>
+              <a:rPr lang="en-US" dirty="0"/>
+              <a:t>			]</a:t>
+            </a:r>
+          </a:p>
+          <a:p>
+            <a:pPr marL="0" indent="0">
+              <a:buNone/>
+            </a:pPr>
+            <a:r>
+              <a:rPr lang="en-US" dirty="0"/>
+              <a:t>}</a:t>
+            </a:r>
+          </a:p>
+        </p:txBody>
+      </p:sp>
+    </p:spTree>
+    <p:extLst>
+      <p:ext uri="{BB962C8B-B14F-4D97-AF65-F5344CB8AC3E}">
+        <p14:creationId xmlns:p14="http://schemas.microsoft.com/office/powerpoint/2010/main" val="2742203039"/>
+      </p:ext>
+    </p:extLst>
+  </p:cSld>
+  <p:clrMapOvr>
+    <a:masterClrMapping/>
+  </p:clrMapOvr>
+</p:sld>
+</file>
+
+<file path=ppt/slides/slide22.xml><?xml version="1.0" encoding="utf-8"?>
+<p:sld xmlns:a="http://schemas.openxmlformats.org/drawingml/2006/main" xmlns:r="http://schemas.openxmlformats.org/officeDocument/2006/relationships" xmlns:p="http://schemas.openxmlformats.org/presentationml/2006/main">
+  <p:cSld>
+    <p:spTree>
+      <p:nvGrpSpPr>
+        <p:cNvPr id="1" name=""/>
+        <p:cNvGrpSpPr/>
+        <p:nvPr/>
+      </p:nvGrpSpPr>
+      <p:grpSpPr>
+        <a:xfrm>
+          <a:off x="0" y="0"/>
+          <a:ext cx="0" cy="0"/>
+          <a:chOff x="0" y="0"/>
+          <a:chExt cx="0" cy="0"/>
+        </a:xfrm>
+      </p:grpSpPr>
+      <p:sp>
+        <p:nvSpPr>
+          <p:cNvPr id="2" name="Title 1">
+            <a:extLst>
+              <a:ext uri="{FF2B5EF4-FFF2-40B4-BE49-F238E27FC236}">
+                <a16:creationId xmlns:a16="http://schemas.microsoft.com/office/drawing/2014/main" id="{3A9E4EB3-8C53-5E0C-CAC1-17DA2F77E969}"/>
+              </a:ext>
+            </a:extLst>
+          </p:cNvPr>
+          <p:cNvSpPr>
+            <a:spLocks noGrp="1"/>
+          </p:cNvSpPr>
+          <p:nvPr>
+            <p:ph type="title"/>
+          </p:nvPr>
+        </p:nvSpPr>
+        <p:spPr>
+          <a:xfrm>
+            <a:off x="838200" y="165887"/>
+            <a:ext cx="10515600" cy="598457"/>
+          </a:xfrm>
+        </p:spPr>
+        <p:txBody>
+          <a:bodyPr>
+            <a:normAutofit fontScale="90000"/>
+          </a:bodyPr>
+          <a:lstStyle/>
+          <a:p>
+            <a:r>
+              <a:rPr lang="en-US" dirty="0"/>
+              <a:t>What’s NoSQL?</a:t>
+            </a:r>
+          </a:p>
+        </p:txBody>
+      </p:sp>
+      <p:graphicFrame>
+        <p:nvGraphicFramePr>
+          <p:cNvPr id="5" name="Table 4">
+            <a:extLst>
+              <a:ext uri="{FF2B5EF4-FFF2-40B4-BE49-F238E27FC236}">
+                <a16:creationId xmlns:a16="http://schemas.microsoft.com/office/drawing/2014/main" id="{CEE64640-4FD7-8D04-F971-A200FABAD76C}"/>
+              </a:ext>
+            </a:extLst>
+          </p:cNvPr>
+          <p:cNvGraphicFramePr>
+            <a:graphicFrameLocks noGrp="1"/>
+          </p:cNvGraphicFramePr>
+          <p:nvPr>
+            <p:extLst>
+              <p:ext uri="{D42A27DB-BD31-4B8C-83A1-F6EECF244321}">
+                <p14:modId xmlns:p14="http://schemas.microsoft.com/office/powerpoint/2010/main" val="2259945606"/>
+              </p:ext>
+            </p:extLst>
+          </p:nvPr>
+        </p:nvGraphicFramePr>
+        <p:xfrm>
+          <a:off x="337457" y="1170895"/>
+          <a:ext cx="11517086" cy="2646360"/>
+        </p:xfrm>
+        <a:graphic>
+          <a:graphicData uri="http://schemas.openxmlformats.org/drawingml/2006/table">
+            <a:tbl>
+              <a:tblPr firstRow="1" bandRow="1">
+                <a:tableStyleId>{5C22544A-7EE6-4342-B048-85BDC9FD1C3A}</a:tableStyleId>
+              </a:tblPr>
+              <a:tblGrid>
+                <a:gridCol w="11517086">
+                  <a:extLst>
+                    <a:ext uri="{9D8B030D-6E8A-4147-A177-3AD203B41FA5}">
+                      <a16:colId xmlns:a16="http://schemas.microsoft.com/office/drawing/2014/main" val="1321067504"/>
+                    </a:ext>
+                  </a:extLst>
+                </a:gridCol>
+              </a:tblGrid>
+              <a:tr h="650667">
+                <a:tc>
+                  <a:txBody>
+                    <a:bodyPr/>
+                    <a:lstStyle/>
+                    <a:p>
+                      <a:pPr marL="0" marR="0" lvl="0" indent="0" algn="ctr" defTabSz="914400" rtl="0" eaLnBrk="1" fontAlgn="auto" latinLnBrk="0" hangingPunct="1">
+                        <a:lnSpc>
+                          <a:spcPct val="100000"/>
+                        </a:lnSpc>
+                        <a:spcBef>
+                          <a:spcPts val="0"/>
+                        </a:spcBef>
+                        <a:spcAft>
+                          <a:spcPts val="0"/>
+                        </a:spcAft>
+                        <a:buClrTx/>
+                        <a:buSzTx/>
+                        <a:buFontTx/>
+                        <a:buNone/>
+                        <a:tabLst/>
+                        <a:defRPr/>
+                      </a:pPr>
+                      <a:r>
+                        <a:rPr lang="en-US" sz="1600" dirty="0"/>
+                        <a:t>{id: ‘order1’,user:{ id: U124, “email”: “shyam@gmail.com”, “name” :”Shyam Sharma” },product:{ id: 2, title: “Book2”, price: 7.00 }}</a:t>
+                      </a:r>
+                    </a:p>
+                  </a:txBody>
+                  <a:tcPr anchor="ctr"/>
+                </a:tc>
+                <a:extLst>
+                  <a:ext uri="{0D108BD9-81ED-4DB2-BD59-A6C34878D82A}">
+                    <a16:rowId xmlns:a16="http://schemas.microsoft.com/office/drawing/2014/main" val="321402767"/>
+                  </a:ext>
+                </a:extLst>
+              </a:tr>
+              <a:tr h="650667">
+                <a:tc>
+                  <a:txBody>
+                    <a:bodyPr/>
+                    <a:lstStyle/>
+                    <a:p>
+                      <a:pPr marL="0" marR="0" lvl="0" indent="0" algn="ctr" defTabSz="914400" rtl="0" eaLnBrk="1" fontAlgn="auto" latinLnBrk="0" hangingPunct="1">
+                        <a:lnSpc>
+                          <a:spcPct val="100000"/>
+                        </a:lnSpc>
+                        <a:spcBef>
+                          <a:spcPts val="0"/>
+                        </a:spcBef>
+                        <a:spcAft>
+                          <a:spcPts val="0"/>
+                        </a:spcAft>
+                        <a:buClrTx/>
+                        <a:buSzTx/>
+                        <a:buFontTx/>
+                        <a:buNone/>
+                        <a:tabLst/>
+                        <a:defRPr/>
+                      </a:pPr>
+                      <a:r>
+                        <a:rPr lang="en-US" sz="1600" dirty="0"/>
+                        <a:t>{id: ‘order1’,user:{ id: U124, “email”: “shyam@gmail.com”, “name” :”Shyam Sharma” },product:{ id: 2, title: “Book2”, price: 7.00 }}</a:t>
+                      </a:r>
+                    </a:p>
+                  </a:txBody>
+                  <a:tcPr anchor="ctr"/>
+                </a:tc>
+                <a:extLst>
+                  <a:ext uri="{0D108BD9-81ED-4DB2-BD59-A6C34878D82A}">
+                    <a16:rowId xmlns:a16="http://schemas.microsoft.com/office/drawing/2014/main" val="3101562426"/>
+                  </a:ext>
+                </a:extLst>
+              </a:tr>
+              <a:tr h="672513">
+                <a:tc>
+                  <a:txBody>
+                    <a:bodyPr/>
+                    <a:lstStyle/>
+                    <a:p>
+                      <a:pPr marL="0" marR="0" lvl="0" indent="0" algn="ctr" defTabSz="914400" rtl="0" eaLnBrk="1" fontAlgn="auto" latinLnBrk="0" hangingPunct="1">
+                        <a:lnSpc>
+                          <a:spcPct val="100000"/>
+                        </a:lnSpc>
+                        <a:spcBef>
+                          <a:spcPts val="0"/>
+                        </a:spcBef>
+                        <a:spcAft>
+                          <a:spcPts val="0"/>
+                        </a:spcAft>
+                        <a:buClrTx/>
+                        <a:buSzTx/>
+                        <a:buFontTx/>
+                        <a:buNone/>
+                        <a:tabLst/>
+                        <a:defRPr/>
+                      </a:pPr>
+                      <a:r>
+                        <a:rPr lang="en-US" sz="1600" dirty="0"/>
+                        <a:t>{id: ‘order1’,user:{ id: U124, “email”: “shyam@gmail.com”, “name” :”Shyam Sharma” },product:{ id: 2, title: “Book2”, price: 7.00 }}</a:t>
+                      </a:r>
+                    </a:p>
+                  </a:txBody>
+                  <a:tcPr anchor="ctr"/>
+                </a:tc>
+                <a:extLst>
+                  <a:ext uri="{0D108BD9-81ED-4DB2-BD59-A6C34878D82A}">
+                    <a16:rowId xmlns:a16="http://schemas.microsoft.com/office/drawing/2014/main" val="641423068"/>
+                  </a:ext>
+                </a:extLst>
+              </a:tr>
+              <a:tr h="672513">
+                <a:tc>
+                  <a:txBody>
+                    <a:bodyPr/>
+                    <a:lstStyle/>
+                    <a:p>
+                      <a:pPr marL="0" marR="0" lvl="0" indent="0" algn="ctr" defTabSz="914400" rtl="0" eaLnBrk="1" fontAlgn="auto" latinLnBrk="0" hangingPunct="1">
+                        <a:lnSpc>
+                          <a:spcPct val="100000"/>
+                        </a:lnSpc>
+                        <a:spcBef>
+                          <a:spcPts val="0"/>
+                        </a:spcBef>
+                        <a:spcAft>
+                          <a:spcPts val="0"/>
+                        </a:spcAft>
+                        <a:buClrTx/>
+                        <a:buSzTx/>
+                        <a:buFontTx/>
+                        <a:buNone/>
+                        <a:tabLst/>
+                        <a:defRPr/>
+                      </a:pPr>
+                      <a:r>
+                        <a:rPr lang="en-US" sz="1600" dirty="0"/>
+                        <a:t>{id: ‘order1’,user:{ id: U124, “email”: “shyam@gmail.com”, “name” :”Shyam Sharma” },product:{ id: 2, title: “Book2”, price: 7.00 }}</a:t>
+                      </a:r>
+                    </a:p>
+                  </a:txBody>
+                  <a:tcPr anchor="ctr"/>
+                </a:tc>
+                <a:extLst>
+                  <a:ext uri="{0D108BD9-81ED-4DB2-BD59-A6C34878D82A}">
+                    <a16:rowId xmlns:a16="http://schemas.microsoft.com/office/drawing/2014/main" val="3448988704"/>
+                  </a:ext>
+                </a:extLst>
+              </a:tr>
+            </a:tbl>
+          </a:graphicData>
+        </a:graphic>
+      </p:graphicFrame>
+      <p:graphicFrame>
+        <p:nvGraphicFramePr>
+          <p:cNvPr id="6" name="Table 5">
+            <a:extLst>
+              <a:ext uri="{FF2B5EF4-FFF2-40B4-BE49-F238E27FC236}">
+                <a16:creationId xmlns:a16="http://schemas.microsoft.com/office/drawing/2014/main" id="{9D7E179A-B6AD-A469-0EFE-30000546E4C6}"/>
+              </a:ext>
+            </a:extLst>
+          </p:cNvPr>
+          <p:cNvGraphicFramePr>
+            <a:graphicFrameLocks noGrp="1"/>
+          </p:cNvGraphicFramePr>
+          <p:nvPr>
+            <p:extLst>
+              <p:ext uri="{D42A27DB-BD31-4B8C-83A1-F6EECF244321}">
+                <p14:modId xmlns:p14="http://schemas.microsoft.com/office/powerpoint/2010/main" val="1484230400"/>
+              </p:ext>
+            </p:extLst>
+          </p:nvPr>
+        </p:nvGraphicFramePr>
+        <p:xfrm>
+          <a:off x="337457" y="5029835"/>
+          <a:ext cx="5207000" cy="1463040"/>
+        </p:xfrm>
+        <a:graphic>
+          <a:graphicData uri="http://schemas.openxmlformats.org/drawingml/2006/table">
+            <a:tbl>
+              <a:tblPr firstRow="1" bandRow="1">
+                <a:tableStyleId>{5C22544A-7EE6-4342-B048-85BDC9FD1C3A}</a:tableStyleId>
+              </a:tblPr>
+              <a:tblGrid>
+                <a:gridCol w="5207000">
+                  <a:extLst>
+                    <a:ext uri="{9D8B030D-6E8A-4147-A177-3AD203B41FA5}">
+                      <a16:colId xmlns:a16="http://schemas.microsoft.com/office/drawing/2014/main" val="1321067504"/>
+                    </a:ext>
+                  </a:extLst>
+                </a:gridCol>
+              </a:tblGrid>
+              <a:tr h="238772">
+                <a:tc>
+                  <a:txBody>
+                    <a:bodyPr/>
+                    <a:lstStyle/>
+                    <a:p>
+                      <a:pPr marL="0" marR="0" lvl="0" indent="0" algn="ctr" defTabSz="914400" rtl="0" eaLnBrk="1" fontAlgn="auto" latinLnBrk="0" hangingPunct="1">
+                        <a:lnSpc>
+                          <a:spcPct val="100000"/>
+                        </a:lnSpc>
+                        <a:spcBef>
+                          <a:spcPts val="0"/>
+                        </a:spcBef>
+                        <a:spcAft>
+                          <a:spcPts val="0"/>
+                        </a:spcAft>
+                        <a:buClrTx/>
+                        <a:buSzTx/>
+                        <a:buFontTx/>
+                        <a:buNone/>
+                        <a:tabLst/>
+                        <a:defRPr/>
+                      </a:pPr>
+                      <a:r>
+                        <a:rPr lang="en-US" dirty="0"/>
+                        <a:t>{ id: 1, title: “Book1”, price: 5.00 }</a:t>
+                      </a:r>
+                    </a:p>
+                  </a:txBody>
+                  <a:tcPr/>
+                </a:tc>
+                <a:extLst>
+                  <a:ext uri="{0D108BD9-81ED-4DB2-BD59-A6C34878D82A}">
+                    <a16:rowId xmlns:a16="http://schemas.microsoft.com/office/drawing/2014/main" val="321402767"/>
+                  </a:ext>
+                </a:extLst>
+              </a:tr>
+              <a:tr h="249861">
+                <a:tc>
+                  <a:txBody>
+                    <a:bodyPr/>
+                    <a:lstStyle/>
+                    <a:p>
+                      <a:pPr marL="0" marR="0" lvl="0" indent="0" algn="ctr" defTabSz="914400" rtl="0" eaLnBrk="1" fontAlgn="auto" latinLnBrk="0" hangingPunct="1">
+                        <a:lnSpc>
+                          <a:spcPct val="100000"/>
+                        </a:lnSpc>
+                        <a:spcBef>
+                          <a:spcPts val="0"/>
+                        </a:spcBef>
+                        <a:spcAft>
+                          <a:spcPts val="0"/>
+                        </a:spcAft>
+                        <a:buClrTx/>
+                        <a:buSzTx/>
+                        <a:buFontTx/>
+                        <a:buNone/>
+                        <a:tabLst/>
+                        <a:defRPr/>
+                      </a:pPr>
+                      <a:r>
+                        <a:rPr lang="en-US" dirty="0"/>
+                        <a:t>{ id: 2, title: “Book2”, price: 7.00 }</a:t>
+                      </a:r>
+                    </a:p>
+                  </a:txBody>
+                  <a:tcPr/>
+                </a:tc>
+                <a:extLst>
+                  <a:ext uri="{0D108BD9-81ED-4DB2-BD59-A6C34878D82A}">
+                    <a16:rowId xmlns:a16="http://schemas.microsoft.com/office/drawing/2014/main" val="3101562426"/>
+                  </a:ext>
+                </a:extLst>
+              </a:tr>
+              <a:tr h="346537">
+                <a:tc>
+                  <a:txBody>
+                    <a:bodyPr/>
+                    <a:lstStyle/>
+                    <a:p>
+                      <a:pPr marL="0" marR="0" lvl="0" indent="0" algn="ctr" defTabSz="914400" rtl="0" eaLnBrk="1" fontAlgn="auto" latinLnBrk="0" hangingPunct="1">
+                        <a:lnSpc>
+                          <a:spcPct val="100000"/>
+                        </a:lnSpc>
+                        <a:spcBef>
+                          <a:spcPts val="0"/>
+                        </a:spcBef>
+                        <a:spcAft>
+                          <a:spcPts val="0"/>
+                        </a:spcAft>
+                        <a:buClrTx/>
+                        <a:buSzTx/>
+                        <a:buFontTx/>
+                        <a:buNone/>
+                        <a:tabLst/>
+                        <a:defRPr/>
+                      </a:pPr>
+                      <a:r>
+                        <a:rPr lang="en-US" dirty="0"/>
+                        <a:t>{ id: 3, title: “Book3”, price: 8.00 }</a:t>
+                      </a:r>
+                    </a:p>
+                  </a:txBody>
+                  <a:tcPr/>
+                </a:tc>
+                <a:extLst>
+                  <a:ext uri="{0D108BD9-81ED-4DB2-BD59-A6C34878D82A}">
+                    <a16:rowId xmlns:a16="http://schemas.microsoft.com/office/drawing/2014/main" val="641423068"/>
+                  </a:ext>
+                </a:extLst>
+              </a:tr>
+              <a:tr h="346537">
+                <a:tc>
+                  <a:txBody>
+                    <a:bodyPr/>
+                    <a:lstStyle/>
+                    <a:p>
+                      <a:pPr marL="0" marR="0" lvl="0" indent="0" algn="ctr" defTabSz="914400" rtl="0" eaLnBrk="1" fontAlgn="auto" latinLnBrk="0" hangingPunct="1">
+                        <a:lnSpc>
+                          <a:spcPct val="100000"/>
+                        </a:lnSpc>
+                        <a:spcBef>
+                          <a:spcPts val="0"/>
+                        </a:spcBef>
+                        <a:spcAft>
+                          <a:spcPts val="0"/>
+                        </a:spcAft>
+                        <a:buClrTx/>
+                        <a:buSzTx/>
+                        <a:buFontTx/>
+                        <a:buNone/>
+                        <a:tabLst/>
+                        <a:defRPr/>
+                      </a:pPr>
+                      <a:r>
+                        <a:rPr lang="en-US" dirty="0"/>
+                        <a:t>{ id: 4, title: “Book4”, price: 9.00 }</a:t>
+                      </a:r>
+                    </a:p>
+                  </a:txBody>
+                  <a:tcPr/>
+                </a:tc>
+                <a:extLst>
+                  <a:ext uri="{0D108BD9-81ED-4DB2-BD59-A6C34878D82A}">
+                    <a16:rowId xmlns:a16="http://schemas.microsoft.com/office/drawing/2014/main" val="3448988704"/>
+                  </a:ext>
+                </a:extLst>
+              </a:tr>
+            </a:tbl>
+          </a:graphicData>
+        </a:graphic>
+      </p:graphicFrame>
+      <p:sp>
+        <p:nvSpPr>
+          <p:cNvPr id="9" name="Rectangle 8">
+            <a:extLst>
+              <a:ext uri="{FF2B5EF4-FFF2-40B4-BE49-F238E27FC236}">
+                <a16:creationId xmlns:a16="http://schemas.microsoft.com/office/drawing/2014/main" id="{127302D5-9923-BDED-9BED-AAE800979D46}"/>
+              </a:ext>
+            </a:extLst>
+          </p:cNvPr>
+          <p:cNvSpPr/>
+          <p:nvPr/>
+        </p:nvSpPr>
+        <p:spPr>
+          <a:xfrm>
+            <a:off x="337457" y="4607227"/>
+            <a:ext cx="1443745" cy="422608"/>
+          </a:xfrm>
+          <a:prstGeom prst="rect">
+            <a:avLst/>
+          </a:prstGeom>
+        </p:spPr>
+        <p:style>
+          <a:lnRef idx="2">
+            <a:schemeClr val="accent1">
+              <a:shade val="50000"/>
+            </a:schemeClr>
+          </a:lnRef>
+          <a:fillRef idx="1">
+            <a:schemeClr val="accent1"/>
+          </a:fillRef>
+          <a:effectRef idx="0">
+            <a:schemeClr val="accent1"/>
+          </a:effectRef>
+          <a:fontRef idx="minor">
+            <a:schemeClr val="lt1"/>
+          </a:fontRef>
+        </p:style>
+        <p:txBody>
+          <a:bodyPr rtlCol="0" anchor="ctr"/>
+          <a:lstStyle/>
+          <a:p>
+            <a:pPr algn="ctr"/>
+            <a:r>
+              <a:rPr lang="en-US" dirty="0"/>
+              <a:t>Products</a:t>
+            </a:r>
+          </a:p>
+        </p:txBody>
+      </p:sp>
+      <p:sp>
+        <p:nvSpPr>
+          <p:cNvPr id="10" name="Rectangle 9">
+            <a:extLst>
+              <a:ext uri="{FF2B5EF4-FFF2-40B4-BE49-F238E27FC236}">
+                <a16:creationId xmlns:a16="http://schemas.microsoft.com/office/drawing/2014/main" id="{D47615CA-6074-FA5E-FB36-47649FD6A771}"/>
+              </a:ext>
+            </a:extLst>
+          </p:cNvPr>
+          <p:cNvSpPr/>
+          <p:nvPr/>
+        </p:nvSpPr>
+        <p:spPr>
+          <a:xfrm>
+            <a:off x="337457" y="764344"/>
+            <a:ext cx="3976392" cy="422608"/>
+          </a:xfrm>
+          <a:prstGeom prst="rect">
+            <a:avLst/>
+          </a:prstGeom>
+        </p:spPr>
+        <p:style>
+          <a:lnRef idx="2">
+            <a:schemeClr val="accent1">
+              <a:shade val="50000"/>
+            </a:schemeClr>
+          </a:lnRef>
+          <a:fillRef idx="1">
+            <a:schemeClr val="accent1"/>
+          </a:fillRef>
+          <a:effectRef idx="0">
+            <a:schemeClr val="accent1"/>
+          </a:effectRef>
+          <a:fontRef idx="minor">
+            <a:schemeClr val="lt1"/>
+          </a:fontRef>
+        </p:style>
+        <p:txBody>
+          <a:bodyPr rtlCol="0" anchor="ctr"/>
+          <a:lstStyle/>
+          <a:p>
+            <a:pPr algn="ctr"/>
+            <a:r>
+              <a:rPr lang="en-US" dirty="0"/>
+              <a:t>Orders</a:t>
+            </a:r>
+          </a:p>
+        </p:txBody>
+      </p:sp>
+      <p:graphicFrame>
+        <p:nvGraphicFramePr>
+          <p:cNvPr id="3" name="Table 2">
+            <a:extLst>
+              <a:ext uri="{FF2B5EF4-FFF2-40B4-BE49-F238E27FC236}">
+                <a16:creationId xmlns:a16="http://schemas.microsoft.com/office/drawing/2014/main" id="{8B84E56D-73A0-719B-8BCE-DC976A4A4691}"/>
+              </a:ext>
+            </a:extLst>
+          </p:cNvPr>
+          <p:cNvGraphicFramePr>
+            <a:graphicFrameLocks noGrp="1"/>
+          </p:cNvGraphicFramePr>
+          <p:nvPr>
+            <p:extLst>
+              <p:ext uri="{D42A27DB-BD31-4B8C-83A1-F6EECF244321}">
+                <p14:modId xmlns:p14="http://schemas.microsoft.com/office/powerpoint/2010/main" val="3979730372"/>
+              </p:ext>
+            </p:extLst>
+          </p:nvPr>
+        </p:nvGraphicFramePr>
+        <p:xfrm>
+          <a:off x="6096000" y="5029835"/>
+          <a:ext cx="5758543" cy="1302674"/>
+        </p:xfrm>
+        <a:graphic>
+          <a:graphicData uri="http://schemas.openxmlformats.org/drawingml/2006/table">
+            <a:tbl>
+              <a:tblPr firstRow="1" bandRow="1">
+                <a:tableStyleId>{5C22544A-7EE6-4342-B048-85BDC9FD1C3A}</a:tableStyleId>
+              </a:tblPr>
+              <a:tblGrid>
+                <a:gridCol w="5758543">
+                  <a:extLst>
+                    <a:ext uri="{9D8B030D-6E8A-4147-A177-3AD203B41FA5}">
+                      <a16:colId xmlns:a16="http://schemas.microsoft.com/office/drawing/2014/main" val="1321067504"/>
+                    </a:ext>
+                  </a:extLst>
+                </a:gridCol>
+              </a:tblGrid>
+              <a:tr h="238772">
+                <a:tc>
+                  <a:txBody>
+                    <a:bodyPr/>
+                    <a:lstStyle/>
+                    <a:p>
+                      <a:pPr marL="0" marR="0" lvl="0" indent="0" algn="ctr" defTabSz="914400" rtl="0" eaLnBrk="1" fontAlgn="auto" latinLnBrk="0" hangingPunct="1">
+                        <a:lnSpc>
+                          <a:spcPct val="100000"/>
+                        </a:lnSpc>
+                        <a:spcBef>
+                          <a:spcPts val="0"/>
+                        </a:spcBef>
+                        <a:spcAft>
+                          <a:spcPts val="0"/>
+                        </a:spcAft>
+                        <a:buClrTx/>
+                        <a:buSzTx/>
+                        <a:buFontTx/>
+                        <a:buNone/>
+                        <a:tabLst/>
+                        <a:defRPr/>
+                      </a:pPr>
+                      <a:r>
+                        <a:rPr lang="en-US" sz="1400" dirty="0"/>
+                        <a:t>{ id: U121, “email”: “ram@gmail.com”, “name” :”Ram Sharma” }</a:t>
+                      </a:r>
+                    </a:p>
+                  </a:txBody>
+                  <a:tcPr/>
+                </a:tc>
+                <a:extLst>
+                  <a:ext uri="{0D108BD9-81ED-4DB2-BD59-A6C34878D82A}">
+                    <a16:rowId xmlns:a16="http://schemas.microsoft.com/office/drawing/2014/main" val="321402767"/>
+                  </a:ext>
+                </a:extLst>
+              </a:tr>
+              <a:tr h="249861">
+                <a:tc>
+                  <a:txBody>
+                    <a:bodyPr/>
+                    <a:lstStyle/>
+                    <a:p>
+                      <a:pPr marL="0" marR="0" lvl="0" indent="0" algn="ctr" defTabSz="914400" rtl="0" eaLnBrk="1" fontAlgn="auto" latinLnBrk="0" hangingPunct="1">
+                        <a:lnSpc>
+                          <a:spcPct val="100000"/>
+                        </a:lnSpc>
+                        <a:spcBef>
+                          <a:spcPts val="0"/>
+                        </a:spcBef>
+                        <a:spcAft>
+                          <a:spcPts val="0"/>
+                        </a:spcAft>
+                        <a:buClrTx/>
+                        <a:buSzTx/>
+                        <a:buFontTx/>
+                        <a:buNone/>
+                        <a:tabLst/>
+                        <a:defRPr/>
+                      </a:pPr>
+                      <a:r>
+                        <a:rPr lang="en-US" sz="1400" dirty="0"/>
+                        <a:t>{ id: U124, “email”: “shyam@gmail.com”, “name” :”Shyam Sharma” }</a:t>
+                      </a:r>
+                    </a:p>
+                  </a:txBody>
+                  <a:tcPr/>
+                </a:tc>
+                <a:extLst>
+                  <a:ext uri="{0D108BD9-81ED-4DB2-BD59-A6C34878D82A}">
+                    <a16:rowId xmlns:a16="http://schemas.microsoft.com/office/drawing/2014/main" val="3101562426"/>
+                  </a:ext>
+                </a:extLst>
+              </a:tr>
+              <a:tr h="346537">
+                <a:tc>
+                  <a:txBody>
+                    <a:bodyPr/>
+                    <a:lstStyle/>
+                    <a:p>
+                      <a:pPr marL="0" marR="0" lvl="0" indent="0" algn="ctr" defTabSz="914400" rtl="0" eaLnBrk="1" fontAlgn="auto" latinLnBrk="0" hangingPunct="1">
+                        <a:lnSpc>
+                          <a:spcPct val="100000"/>
+                        </a:lnSpc>
+                        <a:spcBef>
+                          <a:spcPts val="0"/>
+                        </a:spcBef>
+                        <a:spcAft>
+                          <a:spcPts val="0"/>
+                        </a:spcAft>
+                        <a:buClrTx/>
+                        <a:buSzTx/>
+                        <a:buFontTx/>
+                        <a:buNone/>
+                        <a:tabLst/>
+                        <a:defRPr/>
+                      </a:pPr>
+                      <a:r>
+                        <a:rPr lang="en-US" sz="1400" dirty="0"/>
+                        <a:t>{ id: U123, “email”: “mohan@gmail.com”, “name” :”Mohan Sharma” }</a:t>
+                      </a:r>
+                    </a:p>
+                  </a:txBody>
+                  <a:tcPr/>
+                </a:tc>
+                <a:extLst>
+                  <a:ext uri="{0D108BD9-81ED-4DB2-BD59-A6C34878D82A}">
+                    <a16:rowId xmlns:a16="http://schemas.microsoft.com/office/drawing/2014/main" val="641423068"/>
+                  </a:ext>
+                </a:extLst>
+              </a:tr>
+              <a:tr h="346537">
+                <a:tc>
+                  <a:txBody>
+                    <a:bodyPr/>
+                    <a:lstStyle/>
+                    <a:p>
+                      <a:pPr marL="0" marR="0" lvl="0" indent="0" algn="ctr" defTabSz="914400" rtl="0" eaLnBrk="1" fontAlgn="auto" latinLnBrk="0" hangingPunct="1">
+                        <a:lnSpc>
+                          <a:spcPct val="100000"/>
+                        </a:lnSpc>
+                        <a:spcBef>
+                          <a:spcPts val="0"/>
+                        </a:spcBef>
+                        <a:spcAft>
+                          <a:spcPts val="0"/>
+                        </a:spcAft>
+                        <a:buClrTx/>
+                        <a:buSzTx/>
+                        <a:buFontTx/>
+                        <a:buNone/>
+                        <a:tabLst/>
+                        <a:defRPr/>
+                      </a:pPr>
+                      <a:r>
+                        <a:rPr lang="en-US" sz="1400" dirty="0"/>
+                        <a:t>{ id: U125, “email”: “sohan@gmail.com”, “name” :”Sohan Sharma” }</a:t>
+                      </a:r>
+                    </a:p>
+                  </a:txBody>
+                  <a:tcPr/>
+                </a:tc>
+                <a:extLst>
+                  <a:ext uri="{0D108BD9-81ED-4DB2-BD59-A6C34878D82A}">
+                    <a16:rowId xmlns:a16="http://schemas.microsoft.com/office/drawing/2014/main" val="3448988704"/>
+                  </a:ext>
+                </a:extLst>
+              </a:tr>
+            </a:tbl>
+          </a:graphicData>
+        </a:graphic>
+      </p:graphicFrame>
+      <p:sp>
+        <p:nvSpPr>
+          <p:cNvPr id="7" name="Rectangle 6">
+            <a:extLst>
+              <a:ext uri="{FF2B5EF4-FFF2-40B4-BE49-F238E27FC236}">
+                <a16:creationId xmlns:a16="http://schemas.microsoft.com/office/drawing/2014/main" id="{B137CC9F-64FA-768B-F7F2-8ABCB8D662BC}"/>
+              </a:ext>
+            </a:extLst>
+          </p:cNvPr>
+          <p:cNvSpPr/>
+          <p:nvPr/>
+        </p:nvSpPr>
+        <p:spPr>
+          <a:xfrm>
+            <a:off x="6096000" y="4607227"/>
+            <a:ext cx="1443745" cy="422608"/>
+          </a:xfrm>
+          <a:prstGeom prst="rect">
+            <a:avLst/>
+          </a:prstGeom>
+        </p:spPr>
+        <p:style>
+          <a:lnRef idx="2">
+            <a:schemeClr val="accent1">
+              <a:shade val="50000"/>
+            </a:schemeClr>
+          </a:lnRef>
+          <a:fillRef idx="1">
+            <a:schemeClr val="accent1"/>
+          </a:fillRef>
+          <a:effectRef idx="0">
+            <a:schemeClr val="accent1"/>
+          </a:effectRef>
+          <a:fontRef idx="minor">
+            <a:schemeClr val="lt1"/>
+          </a:fontRef>
+        </p:style>
+        <p:txBody>
+          <a:bodyPr rtlCol="0" anchor="ctr"/>
+          <a:lstStyle/>
+          <a:p>
+            <a:pPr algn="ctr"/>
+            <a:r>
+              <a:rPr lang="en-US" dirty="0"/>
+              <a:t>Users</a:t>
+            </a:r>
+          </a:p>
+        </p:txBody>
+      </p:sp>
+    </p:spTree>
+    <p:extLst>
+      <p:ext uri="{BB962C8B-B14F-4D97-AF65-F5344CB8AC3E}">
+        <p14:creationId xmlns:p14="http://schemas.microsoft.com/office/powerpoint/2010/main" val="3838494956"/>
+      </p:ext>
+    </p:extLst>
+  </p:cSld>
+  <p:clrMapOvr>
+    <a:masterClrMapping/>
+  </p:clrMapOvr>
+</p:sld>
+</file>
+
+<file path=ppt/slides/slide23.xml><?xml version="1.0" encoding="utf-8"?>
+<p:sld xmlns:a="http://schemas.openxmlformats.org/drawingml/2006/main" xmlns:r="http://schemas.openxmlformats.org/officeDocument/2006/relationships" xmlns:p="http://schemas.openxmlformats.org/presentationml/2006/main">
+  <p:cSld>
+    <p:spTree>
+      <p:nvGrpSpPr>
+        <p:cNvPr id="1" name=""/>
+        <p:cNvGrpSpPr/>
+        <p:nvPr/>
+      </p:nvGrpSpPr>
+      <p:grpSpPr>
+        <a:xfrm>
+          <a:off x="0" y="0"/>
+          <a:ext cx="0" cy="0"/>
+          <a:chOff x="0" y="0"/>
+          <a:chExt cx="0" cy="0"/>
+        </a:xfrm>
+      </p:grpSpPr>
+      <p:sp>
+        <p:nvSpPr>
+          <p:cNvPr id="2" name="Title 1">
+            <a:extLst>
+              <a:ext uri="{FF2B5EF4-FFF2-40B4-BE49-F238E27FC236}">
+                <a16:creationId xmlns:a16="http://schemas.microsoft.com/office/drawing/2014/main" id="{0BF4AD8E-0C71-6E75-6BFF-D059DE8992C7}"/>
+              </a:ext>
+            </a:extLst>
+          </p:cNvPr>
+          <p:cNvSpPr>
+            <a:spLocks noGrp="1"/>
+          </p:cNvSpPr>
+          <p:nvPr>
+            <p:ph type="title"/>
+          </p:nvPr>
+        </p:nvSpPr>
+        <p:spPr/>
+        <p:txBody>
+          <a:bodyPr/>
+          <a:lstStyle/>
+          <a:p>
+            <a:r>
+              <a:rPr lang="en-US" dirty="0"/>
+              <a:t>NoSQL Characteristics</a:t>
+            </a:r>
+          </a:p>
+        </p:txBody>
+      </p:sp>
+      <p:grpSp>
+        <p:nvGrpSpPr>
+          <p:cNvPr id="10" name="Group 9">
+            <a:extLst>
+              <a:ext uri="{FF2B5EF4-FFF2-40B4-BE49-F238E27FC236}">
+                <a16:creationId xmlns:a16="http://schemas.microsoft.com/office/drawing/2014/main" id="{D0CCCD84-6577-F207-B5E8-CE19D7AB6B43}"/>
+              </a:ext>
+            </a:extLst>
+          </p:cNvPr>
+          <p:cNvGrpSpPr/>
+          <p:nvPr/>
+        </p:nvGrpSpPr>
+        <p:grpSpPr>
+          <a:xfrm>
+            <a:off x="1538513" y="1690688"/>
+            <a:ext cx="9815287" cy="1629455"/>
+            <a:chOff x="1538513" y="1690688"/>
+            <a:chExt cx="9815287" cy="1629455"/>
+          </a:xfrm>
+        </p:grpSpPr>
+        <p:sp>
+          <p:nvSpPr>
+            <p:cNvPr id="4" name="Rectangle 3">
+              <a:extLst>
+                <a:ext uri="{FF2B5EF4-FFF2-40B4-BE49-F238E27FC236}">
+                  <a16:creationId xmlns:a16="http://schemas.microsoft.com/office/drawing/2014/main" id="{0D6B5FFA-204B-1841-6D10-A38B05692276}"/>
+                </a:ext>
+              </a:extLst>
+            </p:cNvPr>
+            <p:cNvSpPr/>
+            <p:nvPr/>
+          </p:nvSpPr>
+          <p:spPr>
+            <a:xfrm>
+              <a:off x="1538514" y="1690688"/>
+              <a:ext cx="4005944" cy="602569"/>
+            </a:xfrm>
+            <a:prstGeom prst="rect">
+              <a:avLst/>
+            </a:prstGeom>
+          </p:spPr>
+          <p:style>
+            <a:lnRef idx="2">
+              <a:schemeClr val="accent1">
+                <a:shade val="50000"/>
+              </a:schemeClr>
+            </a:lnRef>
+            <a:fillRef idx="1">
+              <a:schemeClr val="accent1"/>
+            </a:fillRef>
+            <a:effectRef idx="0">
+              <a:schemeClr val="accent1"/>
+            </a:effectRef>
+            <a:fontRef idx="minor">
+              <a:schemeClr val="lt1"/>
+            </a:fontRef>
+          </p:style>
+          <p:txBody>
+            <a:bodyPr rtlCol="0" anchor="ctr"/>
+            <a:lstStyle/>
+            <a:p>
+              <a:pPr algn="ctr"/>
+              <a:r>
+                <a:rPr lang="en-US" dirty="0"/>
+                <a:t>NO Data Schema</a:t>
+              </a:r>
+            </a:p>
+          </p:txBody>
+        </p:sp>
+        <p:sp>
+          <p:nvSpPr>
+            <p:cNvPr id="5" name="Rectangle 4">
+              <a:extLst>
+                <a:ext uri="{FF2B5EF4-FFF2-40B4-BE49-F238E27FC236}">
+                  <a16:creationId xmlns:a16="http://schemas.microsoft.com/office/drawing/2014/main" id="{781675E7-0E1E-7825-F26D-7D26F96BCA42}"/>
+                </a:ext>
+              </a:extLst>
+            </p:cNvPr>
+            <p:cNvSpPr/>
+            <p:nvPr/>
+          </p:nvSpPr>
+          <p:spPr>
+            <a:xfrm>
+              <a:off x="6999514" y="1690688"/>
+              <a:ext cx="4354286" cy="602569"/>
+            </a:xfrm>
+            <a:prstGeom prst="rect">
+              <a:avLst/>
+            </a:prstGeom>
+          </p:spPr>
+          <p:style>
+            <a:lnRef idx="2">
+              <a:schemeClr val="accent1">
+                <a:shade val="50000"/>
+              </a:schemeClr>
+            </a:lnRef>
+            <a:fillRef idx="1">
+              <a:schemeClr val="accent1"/>
+            </a:fillRef>
+            <a:effectRef idx="0">
+              <a:schemeClr val="accent1"/>
+            </a:effectRef>
+            <a:fontRef idx="minor">
+              <a:schemeClr val="lt1"/>
+            </a:fontRef>
+          </p:style>
+          <p:txBody>
+            <a:bodyPr rtlCol="0" anchor="ctr"/>
+            <a:lstStyle/>
+            <a:p>
+              <a:pPr algn="ctr"/>
+              <a:r>
+                <a:rPr lang="en-US" dirty="0"/>
+                <a:t>No Structure required !</a:t>
+              </a:r>
+            </a:p>
+          </p:txBody>
+        </p:sp>
+        <p:sp>
+          <p:nvSpPr>
+            <p:cNvPr id="6" name="Arrow: Right 5">
+              <a:extLst>
+                <a:ext uri="{FF2B5EF4-FFF2-40B4-BE49-F238E27FC236}">
+                  <a16:creationId xmlns:a16="http://schemas.microsoft.com/office/drawing/2014/main" id="{BC383C3A-B876-5E4C-C146-C0A55441C2BC}"/>
+                </a:ext>
+              </a:extLst>
+            </p:cNvPr>
+            <p:cNvSpPr/>
+            <p:nvPr/>
+          </p:nvSpPr>
+          <p:spPr>
+            <a:xfrm>
+              <a:off x="5849257" y="1821316"/>
+              <a:ext cx="727528" cy="435429"/>
+            </a:xfrm>
+            <a:prstGeom prst="rightArrow">
+              <a:avLst/>
+            </a:prstGeom>
+          </p:spPr>
+          <p:style>
+            <a:lnRef idx="2">
+              <a:schemeClr val="accent1">
+                <a:shade val="50000"/>
+              </a:schemeClr>
+            </a:lnRef>
+            <a:fillRef idx="1">
+              <a:schemeClr val="accent1"/>
+            </a:fillRef>
+            <a:effectRef idx="0">
+              <a:schemeClr val="accent1"/>
+            </a:effectRef>
+            <a:fontRef idx="minor">
+              <a:schemeClr val="lt1"/>
+            </a:fontRef>
+          </p:style>
+          <p:txBody>
+            <a:bodyPr rtlCol="0" anchor="ctr"/>
+            <a:lstStyle/>
+            <a:p>
+              <a:pPr algn="ctr"/>
+              <a:endParaRPr lang="en-US"/>
+            </a:p>
+          </p:txBody>
+        </p:sp>
+        <p:sp>
+          <p:nvSpPr>
+            <p:cNvPr id="7" name="Rectangle 6">
+              <a:extLst>
+                <a:ext uri="{FF2B5EF4-FFF2-40B4-BE49-F238E27FC236}">
+                  <a16:creationId xmlns:a16="http://schemas.microsoft.com/office/drawing/2014/main" id="{69BFE19A-249F-8DAD-00E1-0E661B5F123B}"/>
+                </a:ext>
+              </a:extLst>
+            </p:cNvPr>
+            <p:cNvSpPr/>
+            <p:nvPr/>
+          </p:nvSpPr>
+          <p:spPr>
+            <a:xfrm>
+              <a:off x="1538513" y="2539774"/>
+              <a:ext cx="3918858" cy="301059"/>
+            </a:xfrm>
+            <a:prstGeom prst="rect">
+              <a:avLst/>
+            </a:prstGeom>
+          </p:spPr>
+          <p:style>
+            <a:lnRef idx="2">
+              <a:schemeClr val="accent1">
+                <a:shade val="50000"/>
+              </a:schemeClr>
+            </a:lnRef>
+            <a:fillRef idx="1">
+              <a:schemeClr val="accent1"/>
+            </a:fillRef>
+            <a:effectRef idx="0">
+              <a:schemeClr val="accent1"/>
+            </a:effectRef>
+            <a:fontRef idx="minor">
+              <a:schemeClr val="lt1"/>
+            </a:fontRef>
+          </p:style>
+          <p:txBody>
+            <a:bodyPr rtlCol="0" anchor="ctr"/>
+            <a:lstStyle/>
+            <a:p>
+              <a:pPr algn="ctr"/>
+              <a:r>
+                <a:rPr lang="en-US" dirty="0"/>
+                <a:t>{name, id, age}</a:t>
+              </a:r>
+            </a:p>
+          </p:txBody>
+        </p:sp>
+        <p:sp>
+          <p:nvSpPr>
+            <p:cNvPr id="3" name="Rectangle 2">
+              <a:extLst>
+                <a:ext uri="{FF2B5EF4-FFF2-40B4-BE49-F238E27FC236}">
+                  <a16:creationId xmlns:a16="http://schemas.microsoft.com/office/drawing/2014/main" id="{CDABFAE9-11B5-28BF-211D-1CAFD6C27085}"/>
+                </a:ext>
+              </a:extLst>
+            </p:cNvPr>
+            <p:cNvSpPr/>
+            <p:nvPr/>
+          </p:nvSpPr>
+          <p:spPr>
+            <a:xfrm>
+              <a:off x="1538513" y="3019084"/>
+              <a:ext cx="3918858" cy="301059"/>
+            </a:xfrm>
+            <a:prstGeom prst="rect">
+              <a:avLst/>
+            </a:prstGeom>
+          </p:spPr>
+          <p:style>
+            <a:lnRef idx="2">
+              <a:schemeClr val="accent1">
+                <a:shade val="50000"/>
+              </a:schemeClr>
+            </a:lnRef>
+            <a:fillRef idx="1">
+              <a:schemeClr val="accent1"/>
+            </a:fillRef>
+            <a:effectRef idx="0">
+              <a:schemeClr val="accent1"/>
+            </a:effectRef>
+            <a:fontRef idx="minor">
+              <a:schemeClr val="lt1"/>
+            </a:fontRef>
+          </p:style>
+          <p:txBody>
+            <a:bodyPr rtlCol="0" anchor="ctr"/>
+            <a:lstStyle/>
+            <a:p>
+              <a:pPr algn="ctr"/>
+              <a:r>
+                <a:rPr lang="en-US" dirty="0"/>
+                <a:t>{id, age}</a:t>
+              </a:r>
+            </a:p>
+          </p:txBody>
+        </p:sp>
+      </p:grpSp>
+      <p:sp>
+        <p:nvSpPr>
+          <p:cNvPr id="12" name="Rectangle 11">
+            <a:extLst>
+              <a:ext uri="{FF2B5EF4-FFF2-40B4-BE49-F238E27FC236}">
+                <a16:creationId xmlns:a16="http://schemas.microsoft.com/office/drawing/2014/main" id="{6B8E89F2-FE4C-E916-4B6C-B5FD4B073B59}"/>
+              </a:ext>
+            </a:extLst>
+          </p:cNvPr>
+          <p:cNvSpPr/>
+          <p:nvPr/>
+        </p:nvSpPr>
+        <p:spPr>
+          <a:xfrm>
+            <a:off x="1451427" y="3443402"/>
+            <a:ext cx="4005944" cy="602569"/>
+          </a:xfrm>
+          <a:prstGeom prst="rect">
+            <a:avLst/>
+          </a:prstGeom>
+          <a:solidFill>
+            <a:schemeClr val="accent2">
+              <a:lumMod val="50000"/>
+            </a:schemeClr>
+          </a:solidFill>
+        </p:spPr>
+        <p:style>
+          <a:lnRef idx="2">
+            <a:schemeClr val="accent1">
+              <a:shade val="50000"/>
+            </a:schemeClr>
+          </a:lnRef>
+          <a:fillRef idx="1">
+            <a:schemeClr val="accent1"/>
+          </a:fillRef>
+          <a:effectRef idx="0">
+            <a:schemeClr val="accent1"/>
+          </a:effectRef>
+          <a:fontRef idx="minor">
+            <a:schemeClr val="lt1"/>
+          </a:fontRef>
+        </p:style>
+        <p:txBody>
+          <a:bodyPr rtlCol="0" anchor="ctr"/>
+          <a:lstStyle/>
+          <a:p>
+            <a:pPr algn="ctr"/>
+            <a:r>
+              <a:rPr lang="en-US" dirty="0"/>
+              <a:t>NO Data Relations</a:t>
+            </a:r>
+          </a:p>
+        </p:txBody>
+      </p:sp>
+      <p:sp>
+        <p:nvSpPr>
+          <p:cNvPr id="13" name="Rectangle 12">
+            <a:extLst>
+              <a:ext uri="{FF2B5EF4-FFF2-40B4-BE49-F238E27FC236}">
+                <a16:creationId xmlns:a16="http://schemas.microsoft.com/office/drawing/2014/main" id="{D3232E54-F2AB-E343-DB63-E05A3170D227}"/>
+              </a:ext>
+            </a:extLst>
+          </p:cNvPr>
+          <p:cNvSpPr/>
+          <p:nvPr/>
+        </p:nvSpPr>
+        <p:spPr>
+          <a:xfrm>
+            <a:off x="6912427" y="3443402"/>
+            <a:ext cx="4354286" cy="602569"/>
+          </a:xfrm>
+          <a:prstGeom prst="rect">
+            <a:avLst/>
+          </a:prstGeom>
+          <a:solidFill>
+            <a:schemeClr val="accent2">
+              <a:lumMod val="50000"/>
+            </a:schemeClr>
+          </a:solidFill>
+        </p:spPr>
+        <p:style>
+          <a:lnRef idx="2">
+            <a:schemeClr val="accent1">
+              <a:shade val="50000"/>
+            </a:schemeClr>
+          </a:lnRef>
+          <a:fillRef idx="1">
+            <a:schemeClr val="accent1"/>
+          </a:fillRef>
+          <a:effectRef idx="0">
+            <a:schemeClr val="accent1"/>
+          </a:effectRef>
+          <a:fontRef idx="minor">
+            <a:schemeClr val="lt1"/>
+          </a:fontRef>
+        </p:style>
+        <p:txBody>
+          <a:bodyPr rtlCol="0" anchor="ctr"/>
+          <a:lstStyle/>
+          <a:p>
+            <a:pPr algn="ctr"/>
+            <a:r>
+              <a:rPr lang="en-US" dirty="0"/>
+              <a:t>No/ Few Connections</a:t>
+            </a:r>
+          </a:p>
+        </p:txBody>
+      </p:sp>
+      <p:sp>
+        <p:nvSpPr>
+          <p:cNvPr id="14" name="Arrow: Right 13">
+            <a:extLst>
+              <a:ext uri="{FF2B5EF4-FFF2-40B4-BE49-F238E27FC236}">
+                <a16:creationId xmlns:a16="http://schemas.microsoft.com/office/drawing/2014/main" id="{BF344745-488A-6CE4-B186-BD9B8855B34E}"/>
+              </a:ext>
+            </a:extLst>
+          </p:cNvPr>
+          <p:cNvSpPr/>
+          <p:nvPr/>
+        </p:nvSpPr>
+        <p:spPr>
+          <a:xfrm>
+            <a:off x="5762170" y="3574030"/>
+            <a:ext cx="727528" cy="435429"/>
+          </a:xfrm>
+          <a:prstGeom prst="rightArrow">
+            <a:avLst/>
+          </a:prstGeom>
+          <a:solidFill>
+            <a:schemeClr val="accent2">
+              <a:lumMod val="50000"/>
+            </a:schemeClr>
+          </a:solidFill>
+        </p:spPr>
+        <p:style>
+          <a:lnRef idx="2">
+            <a:schemeClr val="accent1">
+              <a:shade val="50000"/>
+            </a:schemeClr>
+          </a:lnRef>
+          <a:fillRef idx="1">
+            <a:schemeClr val="accent1"/>
+          </a:fillRef>
+          <a:effectRef idx="0">
+            <a:schemeClr val="accent1"/>
+          </a:effectRef>
+          <a:fontRef idx="minor">
+            <a:schemeClr val="lt1"/>
+          </a:fontRef>
+        </p:style>
+        <p:txBody>
+          <a:bodyPr rtlCol="0" anchor="ctr"/>
+          <a:lstStyle/>
+          <a:p>
+            <a:pPr algn="ctr"/>
+            <a:endParaRPr lang="en-US"/>
+          </a:p>
+        </p:txBody>
+      </p:sp>
+      <p:sp>
+        <p:nvSpPr>
+          <p:cNvPr id="15" name="Rectangle 14">
+            <a:extLst>
+              <a:ext uri="{FF2B5EF4-FFF2-40B4-BE49-F238E27FC236}">
+                <a16:creationId xmlns:a16="http://schemas.microsoft.com/office/drawing/2014/main" id="{655D5480-301A-8545-E4B1-CFC1B4510F6F}"/>
+              </a:ext>
+            </a:extLst>
+          </p:cNvPr>
+          <p:cNvSpPr/>
+          <p:nvPr/>
+        </p:nvSpPr>
+        <p:spPr>
+          <a:xfrm>
+            <a:off x="1451427" y="4637428"/>
+            <a:ext cx="4492173" cy="1803512"/>
+          </a:xfrm>
+          <a:prstGeom prst="rect">
+            <a:avLst/>
+          </a:prstGeom>
+          <a:solidFill>
+            <a:schemeClr val="accent2">
+              <a:lumMod val="50000"/>
+            </a:schemeClr>
+          </a:solidFill>
+        </p:spPr>
+        <p:style>
+          <a:lnRef idx="2">
+            <a:schemeClr val="accent1">
+              <a:shade val="50000"/>
+            </a:schemeClr>
+          </a:lnRef>
+          <a:fillRef idx="1">
+            <a:schemeClr val="accent1"/>
+          </a:fillRef>
+          <a:effectRef idx="0">
+            <a:schemeClr val="accent1"/>
+          </a:effectRef>
+          <a:fontRef idx="minor">
+            <a:schemeClr val="lt1"/>
+          </a:fontRef>
+        </p:style>
+        <p:txBody>
+          <a:bodyPr rtlCol="0" anchor="ctr"/>
+          <a:lstStyle/>
+          <a:p>
+            <a:pPr algn="ctr"/>
+            <a:r>
+              <a:rPr lang="en-US" dirty="0"/>
+              <a:t>You CAN relate documents but you don’t have to (and you shouldn’t do it too much or your queries become slow)</a:t>
+            </a:r>
+          </a:p>
+        </p:txBody>
+      </p:sp>
+    </p:spTree>
+    <p:extLst>
+      <p:ext uri="{BB962C8B-B14F-4D97-AF65-F5344CB8AC3E}">
+        <p14:creationId xmlns:p14="http://schemas.microsoft.com/office/powerpoint/2010/main" val="3977236243"/>
+      </p:ext>
+    </p:extLst>
+  </p:cSld>
+  <p:clrMapOvr>
+    <a:masterClrMapping/>
+  </p:clrMapOvr>
+</p:sld>
+</file>
+
+<file path=ppt/slides/slide24.xml><?xml version="1.0" encoding="utf-8"?>
+<p:sld xmlns:a="http://schemas.openxmlformats.org/drawingml/2006/main" xmlns:r="http://schemas.openxmlformats.org/officeDocument/2006/relationships" xmlns:p="http://schemas.openxmlformats.org/presentationml/2006/main">
+  <p:cSld>
+    <p:spTree>
+      <p:nvGrpSpPr>
+        <p:cNvPr id="1" name=""/>
+        <p:cNvGrpSpPr/>
+        <p:nvPr/>
+      </p:nvGrpSpPr>
+      <p:grpSpPr>
+        <a:xfrm>
+          <a:off x="0" y="0"/>
+          <a:ext cx="0" cy="0"/>
+          <a:chOff x="0" y="0"/>
+          <a:chExt cx="0" cy="0"/>
+        </a:xfrm>
+      </p:grpSpPr>
+      <p:sp>
+        <p:nvSpPr>
+          <p:cNvPr id="3" name="Content Placeholder 2">
+            <a:extLst>
+              <a:ext uri="{FF2B5EF4-FFF2-40B4-BE49-F238E27FC236}">
+                <a16:creationId xmlns:a16="http://schemas.microsoft.com/office/drawing/2014/main" id="{F33DA3E1-D094-680D-8684-18154D434AC7}"/>
+              </a:ext>
+            </a:extLst>
+          </p:cNvPr>
+          <p:cNvSpPr>
+            <a:spLocks noGrp="1"/>
+          </p:cNvSpPr>
+          <p:nvPr>
+            <p:ph idx="1"/>
+          </p:nvPr>
+        </p:nvSpPr>
+        <p:spPr>
+          <a:xfrm>
+            <a:off x="838200" y="464457"/>
+            <a:ext cx="10515600" cy="5712506"/>
+          </a:xfrm>
+        </p:spPr>
+        <p:txBody>
+          <a:bodyPr>
+            <a:normAutofit/>
+          </a:bodyPr>
+          <a:lstStyle/>
+          <a:p>
+            <a:r>
+              <a:rPr lang="en-US" dirty="0"/>
+              <a:t>Module Introduction</a:t>
+            </a:r>
+          </a:p>
+          <a:p>
+            <a:r>
+              <a:rPr lang="en-US" dirty="0"/>
+              <a:t>What is MongoDB</a:t>
+            </a:r>
+          </a:p>
+          <a:p>
+            <a:r>
+              <a:rPr lang="en-US" dirty="0"/>
+              <a:t>Relations in NoSQL</a:t>
+            </a:r>
+          </a:p>
+          <a:p>
+            <a:r>
+              <a:rPr lang="en-US" dirty="0"/>
+              <a:t>Setting Up MongoDB</a:t>
+            </a:r>
+          </a:p>
+          <a:p>
+            <a:r>
+              <a:rPr lang="en-US" dirty="0"/>
+              <a:t>Installing the </a:t>
+            </a:r>
+            <a:r>
+              <a:rPr lang="en-US" dirty="0" err="1"/>
+              <a:t>MonogoDB</a:t>
+            </a:r>
+            <a:r>
+              <a:rPr lang="en-US" dirty="0"/>
+              <a:t> Driver</a:t>
+            </a:r>
+          </a:p>
+          <a:p>
+            <a:r>
+              <a:rPr lang="en-US" dirty="0"/>
+              <a:t>Creating the Database Connection</a:t>
+            </a:r>
+          </a:p>
+          <a:p>
+            <a:r>
+              <a:rPr lang="en-US" dirty="0"/>
+              <a:t>Finishing the Database Connection</a:t>
+            </a:r>
+          </a:p>
+          <a:p>
+            <a:r>
+              <a:rPr lang="en-US" dirty="0"/>
+              <a:t>Using the Database Connection</a:t>
+            </a:r>
+          </a:p>
+          <a:p>
+            <a:r>
+              <a:rPr lang="en-US" dirty="0"/>
+              <a:t>Creating Products</a:t>
+            </a:r>
+          </a:p>
+          <a:p>
+            <a:r>
+              <a:rPr lang="en-US" dirty="0"/>
+              <a:t>Fetching All products</a:t>
+            </a:r>
+          </a:p>
+          <a:p>
+            <a:r>
+              <a:rPr lang="en-US" dirty="0"/>
+              <a:t>Fetching a Single Product</a:t>
+            </a:r>
+          </a:p>
+        </p:txBody>
+      </p:sp>
+    </p:spTree>
+    <p:extLst>
+      <p:ext uri="{BB962C8B-B14F-4D97-AF65-F5344CB8AC3E}">
+        <p14:creationId xmlns:p14="http://schemas.microsoft.com/office/powerpoint/2010/main" val="2210915524"/>
       </p:ext>
     </p:extLst>
   </p:cSld>

--- a/Database.pptx
+++ b/Database.pptx
@@ -370,7 +370,7 @@
           <a:p>
             <a:fld id="{9F08AD8F-3C3D-4B63-978B-A283DF666F72}" type="datetimeFigureOut">
               <a:rPr lang="en-US" smtClean="0"/>
-              <a:t>5/16/2023</a:t>
+              <a:t>5/19/2023</a:t>
             </a:fld>
             <a:endParaRPr lang="en-US"/>
           </a:p>
@@ -568,7 +568,7 @@
           <a:p>
             <a:fld id="{9F08AD8F-3C3D-4B63-978B-A283DF666F72}" type="datetimeFigureOut">
               <a:rPr lang="en-US" smtClean="0"/>
-              <a:t>5/16/2023</a:t>
+              <a:t>5/19/2023</a:t>
             </a:fld>
             <a:endParaRPr lang="en-US"/>
           </a:p>
@@ -776,7 +776,7 @@
           <a:p>
             <a:fld id="{9F08AD8F-3C3D-4B63-978B-A283DF666F72}" type="datetimeFigureOut">
               <a:rPr lang="en-US" smtClean="0"/>
-              <a:t>5/16/2023</a:t>
+              <a:t>5/19/2023</a:t>
             </a:fld>
             <a:endParaRPr lang="en-US"/>
           </a:p>
@@ -974,7 +974,7 @@
           <a:p>
             <a:fld id="{9F08AD8F-3C3D-4B63-978B-A283DF666F72}" type="datetimeFigureOut">
               <a:rPr lang="en-US" smtClean="0"/>
-              <a:t>5/16/2023</a:t>
+              <a:t>5/19/2023</a:t>
             </a:fld>
             <a:endParaRPr lang="en-US"/>
           </a:p>
@@ -1249,7 +1249,7 @@
           <a:p>
             <a:fld id="{9F08AD8F-3C3D-4B63-978B-A283DF666F72}" type="datetimeFigureOut">
               <a:rPr lang="en-US" smtClean="0"/>
-              <a:t>5/16/2023</a:t>
+              <a:t>5/19/2023</a:t>
             </a:fld>
             <a:endParaRPr lang="en-US"/>
           </a:p>
@@ -1514,7 +1514,7 @@
           <a:p>
             <a:fld id="{9F08AD8F-3C3D-4B63-978B-A283DF666F72}" type="datetimeFigureOut">
               <a:rPr lang="en-US" smtClean="0"/>
-              <a:t>5/16/2023</a:t>
+              <a:t>5/19/2023</a:t>
             </a:fld>
             <a:endParaRPr lang="en-US"/>
           </a:p>
@@ -1926,7 +1926,7 @@
           <a:p>
             <a:fld id="{9F08AD8F-3C3D-4B63-978B-A283DF666F72}" type="datetimeFigureOut">
               <a:rPr lang="en-US" smtClean="0"/>
-              <a:t>5/16/2023</a:t>
+              <a:t>5/19/2023</a:t>
             </a:fld>
             <a:endParaRPr lang="en-US"/>
           </a:p>
@@ -2067,7 +2067,7 @@
           <a:p>
             <a:fld id="{9F08AD8F-3C3D-4B63-978B-A283DF666F72}" type="datetimeFigureOut">
               <a:rPr lang="en-US" smtClean="0"/>
-              <a:t>5/16/2023</a:t>
+              <a:t>5/19/2023</a:t>
             </a:fld>
             <a:endParaRPr lang="en-US"/>
           </a:p>
@@ -2180,7 +2180,7 @@
           <a:p>
             <a:fld id="{9F08AD8F-3C3D-4B63-978B-A283DF666F72}" type="datetimeFigureOut">
               <a:rPr lang="en-US" smtClean="0"/>
-              <a:t>5/16/2023</a:t>
+              <a:t>5/19/2023</a:t>
             </a:fld>
             <a:endParaRPr lang="en-US"/>
           </a:p>
@@ -2491,7 +2491,7 @@
           <a:p>
             <a:fld id="{9F08AD8F-3C3D-4B63-978B-A283DF666F72}" type="datetimeFigureOut">
               <a:rPr lang="en-US" smtClean="0"/>
-              <a:t>5/16/2023</a:t>
+              <a:t>5/19/2023</a:t>
             </a:fld>
             <a:endParaRPr lang="en-US"/>
           </a:p>
@@ -2779,7 +2779,7 @@
           <a:p>
             <a:fld id="{9F08AD8F-3C3D-4B63-978B-A283DF666F72}" type="datetimeFigureOut">
               <a:rPr lang="en-US" smtClean="0"/>
-              <a:t>5/16/2023</a:t>
+              <a:t>5/19/2023</a:t>
             </a:fld>
             <a:endParaRPr lang="en-US"/>
           </a:p>
@@ -3020,7 +3020,7 @@
           <a:p>
             <a:fld id="{9F08AD8F-3C3D-4B63-978B-A283DF666F72}" type="datetimeFigureOut">
               <a:rPr lang="en-US" smtClean="0"/>
-              <a:t>5/16/2023</a:t>
+              <a:t>5/19/2023</a:t>
             </a:fld>
             <a:endParaRPr lang="en-US"/>
           </a:p>
@@ -10682,13 +10682,13 @@
         </p:nvSpPr>
         <p:spPr>
           <a:xfrm>
-            <a:off x="838200" y="464457"/>
+            <a:off x="838200" y="420914"/>
             <a:ext cx="10515600" cy="5712506"/>
           </a:xfrm>
         </p:spPr>
         <p:txBody>
-          <a:bodyPr>
-            <a:normAutofit/>
+          <a:bodyPr numCol="2">
+            <a:normAutofit lnSpcReduction="10000"/>
           </a:bodyPr>
           <a:lstStyle/>
           <a:p>
@@ -10763,6 +10763,60 @@
             <a:r>
               <a:rPr lang="en-US" dirty="0"/>
               <a:t>Fetching a Single Product</a:t>
+            </a:r>
+          </a:p>
+          <a:p>
+            <a:r>
+              <a:rPr lang="en-US" dirty="0"/>
+              <a:t>Making the Edit &amp; Delete Buttons Work Again</a:t>
+            </a:r>
+          </a:p>
+          <a:p>
+            <a:r>
+              <a:rPr lang="en-US" dirty="0"/>
+              <a:t>Working on the Product Model to Edit our Product</a:t>
+            </a:r>
+          </a:p>
+          <a:p>
+            <a:r>
+              <a:rPr lang="en-US" dirty="0"/>
+              <a:t>Deleting Products</a:t>
+            </a:r>
+          </a:p>
+          <a:p>
+            <a:r>
+              <a:rPr lang="en-US" dirty="0"/>
+              <a:t>Creating New Users</a:t>
+            </a:r>
+          </a:p>
+          <a:p>
+            <a:r>
+              <a:rPr lang="en-US" dirty="0"/>
+              <a:t>Storing the User in our Database</a:t>
+            </a:r>
+          </a:p>
+          <a:p>
+            <a:r>
+              <a:rPr lang="en-US" dirty="0"/>
+              <a:t>Working on Cart Items &amp; Orders</a:t>
+            </a:r>
+          </a:p>
+          <a:p>
+            <a:r>
+              <a:rPr lang="en-US" dirty="0"/>
+              <a:t>Adding the Add to Cart Functionality</a:t>
+            </a:r>
+          </a:p>
+          <a:p>
+            <a:r>
+              <a:rPr lang="en-US" dirty="0"/>
+              <a:t>Storing Multiple products in the Cart</a:t>
+            </a:r>
+          </a:p>
+          <a:p>
+            <a:r>
+              <a:rPr lang="en-US" dirty="0"/>
+              <a:t>Displaying the Cart items</a:t>
             </a:r>
           </a:p>
         </p:txBody>

--- a/Database.pptx
+++ b/Database.pptx
@@ -29,6 +29,9 @@
     <p:sldId id="277" r:id="rId23"/>
     <p:sldId id="278" r:id="rId24"/>
     <p:sldId id="279" r:id="rId25"/>
+    <p:sldId id="280" r:id="rId26"/>
+    <p:sldId id="281" r:id="rId27"/>
+    <p:sldId id="282" r:id="rId28"/>
   </p:sldIdLst>
   <p:sldSz cx="12192000" cy="6858000"/>
   <p:notesSz cx="6858000" cy="9144000"/>
@@ -370,7 +373,7 @@
           <a:p>
             <a:fld id="{9F08AD8F-3C3D-4B63-978B-A283DF666F72}" type="datetimeFigureOut">
               <a:rPr lang="en-US" smtClean="0"/>
-              <a:t>5/19/2023</a:t>
+              <a:t>5/24/2023</a:t>
             </a:fld>
             <a:endParaRPr lang="en-US"/>
           </a:p>
@@ -568,7 +571,7 @@
           <a:p>
             <a:fld id="{9F08AD8F-3C3D-4B63-978B-A283DF666F72}" type="datetimeFigureOut">
               <a:rPr lang="en-US" smtClean="0"/>
-              <a:t>5/19/2023</a:t>
+              <a:t>5/24/2023</a:t>
             </a:fld>
             <a:endParaRPr lang="en-US"/>
           </a:p>
@@ -776,7 +779,7 @@
           <a:p>
             <a:fld id="{9F08AD8F-3C3D-4B63-978B-A283DF666F72}" type="datetimeFigureOut">
               <a:rPr lang="en-US" smtClean="0"/>
-              <a:t>5/19/2023</a:t>
+              <a:t>5/24/2023</a:t>
             </a:fld>
             <a:endParaRPr lang="en-US"/>
           </a:p>
@@ -974,7 +977,7 @@
           <a:p>
             <a:fld id="{9F08AD8F-3C3D-4B63-978B-A283DF666F72}" type="datetimeFigureOut">
               <a:rPr lang="en-US" smtClean="0"/>
-              <a:t>5/19/2023</a:t>
+              <a:t>5/24/2023</a:t>
             </a:fld>
             <a:endParaRPr lang="en-US"/>
           </a:p>
@@ -1249,7 +1252,7 @@
           <a:p>
             <a:fld id="{9F08AD8F-3C3D-4B63-978B-A283DF666F72}" type="datetimeFigureOut">
               <a:rPr lang="en-US" smtClean="0"/>
-              <a:t>5/19/2023</a:t>
+              <a:t>5/24/2023</a:t>
             </a:fld>
             <a:endParaRPr lang="en-US"/>
           </a:p>
@@ -1514,7 +1517,7 @@
           <a:p>
             <a:fld id="{9F08AD8F-3C3D-4B63-978B-A283DF666F72}" type="datetimeFigureOut">
               <a:rPr lang="en-US" smtClean="0"/>
-              <a:t>5/19/2023</a:t>
+              <a:t>5/24/2023</a:t>
             </a:fld>
             <a:endParaRPr lang="en-US"/>
           </a:p>
@@ -1926,7 +1929,7 @@
           <a:p>
             <a:fld id="{9F08AD8F-3C3D-4B63-978B-A283DF666F72}" type="datetimeFigureOut">
               <a:rPr lang="en-US" smtClean="0"/>
-              <a:t>5/19/2023</a:t>
+              <a:t>5/24/2023</a:t>
             </a:fld>
             <a:endParaRPr lang="en-US"/>
           </a:p>
@@ -2067,7 +2070,7 @@
           <a:p>
             <a:fld id="{9F08AD8F-3C3D-4B63-978B-A283DF666F72}" type="datetimeFigureOut">
               <a:rPr lang="en-US" smtClean="0"/>
-              <a:t>5/19/2023</a:t>
+              <a:t>5/24/2023</a:t>
             </a:fld>
             <a:endParaRPr lang="en-US"/>
           </a:p>
@@ -2180,7 +2183,7 @@
           <a:p>
             <a:fld id="{9F08AD8F-3C3D-4B63-978B-A283DF666F72}" type="datetimeFigureOut">
               <a:rPr lang="en-US" smtClean="0"/>
-              <a:t>5/19/2023</a:t>
+              <a:t>5/24/2023</a:t>
             </a:fld>
             <a:endParaRPr lang="en-US"/>
           </a:p>
@@ -2491,7 +2494,7 @@
           <a:p>
             <a:fld id="{9F08AD8F-3C3D-4B63-978B-A283DF666F72}" type="datetimeFigureOut">
               <a:rPr lang="en-US" smtClean="0"/>
-              <a:t>5/19/2023</a:t>
+              <a:t>5/24/2023</a:t>
             </a:fld>
             <a:endParaRPr lang="en-US"/>
           </a:p>
@@ -2779,7 +2782,7 @@
           <a:p>
             <a:fld id="{9F08AD8F-3C3D-4B63-978B-A283DF666F72}" type="datetimeFigureOut">
               <a:rPr lang="en-US" smtClean="0"/>
-              <a:t>5/19/2023</a:t>
+              <a:t>5/24/2023</a:t>
             </a:fld>
             <a:endParaRPr lang="en-US"/>
           </a:p>
@@ -3020,7 +3023,7 @@
           <a:p>
             <a:fld id="{9F08AD8F-3C3D-4B63-978B-A283DF666F72}" type="datetimeFigureOut">
               <a:rPr lang="en-US" smtClean="0"/>
-              <a:t>5/19/2023</a:t>
+              <a:t>5/24/2023</a:t>
             </a:fld>
             <a:endParaRPr lang="en-US"/>
           </a:p>
@@ -10688,7 +10691,7 @@
         </p:spPr>
         <p:txBody>
           <a:bodyPr numCol="2">
-            <a:normAutofit lnSpcReduction="10000"/>
+            <a:normAutofit fontScale="92500" lnSpcReduction="10000"/>
           </a:bodyPr>
           <a:lstStyle/>
           <a:p>
@@ -10817,6 +10820,24 @@
             <a:r>
               <a:rPr lang="en-US" dirty="0"/>
               <a:t>Displaying the Cart items</a:t>
+            </a:r>
+          </a:p>
+          <a:p>
+            <a:r>
+              <a:rPr lang="en-US" dirty="0"/>
+              <a:t>Deleting Cart items</a:t>
+            </a:r>
+          </a:p>
+          <a:p>
+            <a:r>
+              <a:rPr lang="en-US" dirty="0"/>
+              <a:t>Adding an Order</a:t>
+            </a:r>
+          </a:p>
+          <a:p>
+            <a:r>
+              <a:rPr lang="en-US" dirty="0"/>
+              <a:t>Adding Relational Order Data</a:t>
             </a:r>
           </a:p>
         </p:txBody>
@@ -10825,6 +10846,1902 @@
     <p:extLst>
       <p:ext uri="{BB962C8B-B14F-4D97-AF65-F5344CB8AC3E}">
         <p14:creationId xmlns:p14="http://schemas.microsoft.com/office/powerpoint/2010/main" val="2210915524"/>
+      </p:ext>
+    </p:extLst>
+  </p:cSld>
+  <p:clrMapOvr>
+    <a:masterClrMapping/>
+  </p:clrMapOvr>
+</p:sld>
+</file>
+
+<file path=ppt/slides/slide25.xml><?xml version="1.0" encoding="utf-8"?>
+<p:sld xmlns:a="http://schemas.openxmlformats.org/drawingml/2006/main" xmlns:r="http://schemas.openxmlformats.org/officeDocument/2006/relationships" xmlns:p="http://schemas.openxmlformats.org/presentationml/2006/main">
+  <p:cSld>
+    <p:spTree>
+      <p:nvGrpSpPr>
+        <p:cNvPr id="1" name=""/>
+        <p:cNvGrpSpPr/>
+        <p:nvPr/>
+      </p:nvGrpSpPr>
+      <p:grpSpPr>
+        <a:xfrm>
+          <a:off x="0" y="0"/>
+          <a:ext cx="0" cy="0"/>
+          <a:chOff x="0" y="0"/>
+          <a:chExt cx="0" cy="0"/>
+        </a:xfrm>
+      </p:grpSpPr>
+      <p:sp>
+        <p:nvSpPr>
+          <p:cNvPr id="2" name="Title 1">
+            <a:extLst>
+              <a:ext uri="{FF2B5EF4-FFF2-40B4-BE49-F238E27FC236}">
+                <a16:creationId xmlns:a16="http://schemas.microsoft.com/office/drawing/2014/main" id="{32A45B85-4F36-9B94-C183-4741F8A2299B}"/>
+              </a:ext>
+            </a:extLst>
+          </p:cNvPr>
+          <p:cNvSpPr>
+            <a:spLocks noGrp="1"/>
+          </p:cNvSpPr>
+          <p:nvPr>
+            <p:ph type="title"/>
+          </p:nvPr>
+        </p:nvSpPr>
+        <p:spPr/>
+        <p:txBody>
+          <a:bodyPr/>
+          <a:lstStyle/>
+          <a:p>
+            <a:r>
+              <a:rPr lang="en-US" dirty="0"/>
+              <a:t>Module Summary</a:t>
+            </a:r>
+          </a:p>
+        </p:txBody>
+      </p:sp>
+      <p:grpSp>
+        <p:nvGrpSpPr>
+          <p:cNvPr id="6" name="Group 5">
+            <a:extLst>
+              <a:ext uri="{FF2B5EF4-FFF2-40B4-BE49-F238E27FC236}">
+                <a16:creationId xmlns:a16="http://schemas.microsoft.com/office/drawing/2014/main" id="{26BF83BB-22E6-CDA1-817E-02F3C1A40B57}"/>
+              </a:ext>
+            </a:extLst>
+          </p:cNvPr>
+          <p:cNvGrpSpPr/>
+          <p:nvPr/>
+        </p:nvGrpSpPr>
+        <p:grpSpPr>
+          <a:xfrm>
+            <a:off x="838200" y="1690688"/>
+            <a:ext cx="4386943" cy="3256189"/>
+            <a:chOff x="838200" y="1690688"/>
+            <a:chExt cx="4386943" cy="3256189"/>
+          </a:xfrm>
+        </p:grpSpPr>
+        <p:sp>
+          <p:nvSpPr>
+            <p:cNvPr id="4" name="Rectangle 3">
+              <a:extLst>
+                <a:ext uri="{FF2B5EF4-FFF2-40B4-BE49-F238E27FC236}">
+                  <a16:creationId xmlns:a16="http://schemas.microsoft.com/office/drawing/2014/main" id="{1B7EF395-D62B-2A37-ED17-2C9290BE5842}"/>
+                </a:ext>
+              </a:extLst>
+            </p:cNvPr>
+            <p:cNvSpPr/>
+            <p:nvPr/>
+          </p:nvSpPr>
+          <p:spPr>
+            <a:xfrm>
+              <a:off x="838200" y="1690688"/>
+              <a:ext cx="4386943" cy="602569"/>
+            </a:xfrm>
+            <a:prstGeom prst="rect">
+              <a:avLst/>
+            </a:prstGeom>
+            <a:solidFill>
+              <a:schemeClr val="accent4">
+                <a:lumMod val="50000"/>
+              </a:schemeClr>
+            </a:solidFill>
+          </p:spPr>
+          <p:style>
+            <a:lnRef idx="2">
+              <a:schemeClr val="accent1">
+                <a:shade val="50000"/>
+              </a:schemeClr>
+            </a:lnRef>
+            <a:fillRef idx="1">
+              <a:schemeClr val="accent1"/>
+            </a:fillRef>
+            <a:effectRef idx="0">
+              <a:schemeClr val="accent1"/>
+            </a:effectRef>
+            <a:fontRef idx="minor">
+              <a:schemeClr val="lt1"/>
+            </a:fontRef>
+          </p:style>
+          <p:txBody>
+            <a:bodyPr rtlCol="0" anchor="ctr"/>
+            <a:lstStyle/>
+            <a:p>
+              <a:pPr algn="ctr"/>
+              <a:r>
+                <a:rPr lang="en-US" dirty="0"/>
+                <a:t>NOSQL/</a:t>
+              </a:r>
+              <a:r>
+                <a:rPr lang="en-US" dirty="0" err="1"/>
+                <a:t>MondoDB</a:t>
+              </a:r>
+              <a:endParaRPr lang="en-US" dirty="0"/>
+            </a:p>
+          </p:txBody>
+        </p:sp>
+        <p:sp>
+          <p:nvSpPr>
+            <p:cNvPr id="5" name="Rectangle 4">
+              <a:extLst>
+                <a:ext uri="{FF2B5EF4-FFF2-40B4-BE49-F238E27FC236}">
+                  <a16:creationId xmlns:a16="http://schemas.microsoft.com/office/drawing/2014/main" id="{FEF73F77-3FC5-840B-5A09-3DAA9A8AAD60}"/>
+                </a:ext>
+              </a:extLst>
+            </p:cNvPr>
+            <p:cNvSpPr/>
+            <p:nvPr/>
+          </p:nvSpPr>
+          <p:spPr>
+            <a:xfrm>
+              <a:off x="838200" y="2290763"/>
+              <a:ext cx="4386943" cy="2656114"/>
+            </a:xfrm>
+            <a:prstGeom prst="rect">
+              <a:avLst/>
+            </a:prstGeom>
+            <a:solidFill>
+              <a:schemeClr val="accent4">
+                <a:lumMod val="60000"/>
+                <a:lumOff val="40000"/>
+              </a:schemeClr>
+            </a:solidFill>
+          </p:spPr>
+          <p:style>
+            <a:lnRef idx="2">
+              <a:schemeClr val="accent1">
+                <a:shade val="50000"/>
+              </a:schemeClr>
+            </a:lnRef>
+            <a:fillRef idx="1">
+              <a:schemeClr val="accent1"/>
+            </a:fillRef>
+            <a:effectRef idx="0">
+              <a:schemeClr val="accent1"/>
+            </a:effectRef>
+            <a:fontRef idx="minor">
+              <a:schemeClr val="lt1"/>
+            </a:fontRef>
+          </p:style>
+          <p:txBody>
+            <a:bodyPr rtlCol="0" anchor="ctr"/>
+            <a:lstStyle/>
+            <a:p>
+              <a:pPr marL="285750" indent="-285750" algn="ctr">
+                <a:buFont typeface="Arial" panose="020B0604020202020204" pitchFamily="34" charset="0"/>
+                <a:buChar char="•"/>
+              </a:pPr>
+              <a:r>
+                <a:rPr lang="en-US" dirty="0">
+                  <a:ln w="0"/>
+                  <a:solidFill>
+                    <a:schemeClr val="tx1"/>
+                  </a:solidFill>
+                  <a:effectLst>
+                    <a:outerShdw blurRad="38100" dist="19050" dir="2700000" algn="tl" rotWithShape="0">
+                      <a:schemeClr val="dk1">
+                        <a:alpha val="40000"/>
+                      </a:schemeClr>
+                    </a:outerShdw>
+                  </a:effectLst>
+                </a:rPr>
+                <a:t>Alternative to SQL databases</a:t>
+              </a:r>
+            </a:p>
+            <a:p>
+              <a:pPr marL="285750" indent="-285750" algn="ctr">
+                <a:buFont typeface="Arial" panose="020B0604020202020204" pitchFamily="34" charset="0"/>
+                <a:buChar char="•"/>
+              </a:pPr>
+              <a:r>
+                <a:rPr lang="en-US" dirty="0">
+                  <a:ln w="0"/>
+                  <a:solidFill>
+                    <a:schemeClr val="tx1"/>
+                  </a:solidFill>
+                  <a:effectLst>
+                    <a:outerShdw blurRad="38100" dist="19050" dir="2700000" algn="tl" rotWithShape="0">
+                      <a:schemeClr val="dk1">
+                        <a:alpha val="40000"/>
+                      </a:schemeClr>
+                    </a:outerShdw>
+                  </a:effectLst>
+                </a:rPr>
+                <a:t>No Strict schemas, fewer relations</a:t>
+              </a:r>
+            </a:p>
+            <a:p>
+              <a:pPr marL="285750" indent="-285750" algn="ctr">
+                <a:buFont typeface="Arial" panose="020B0604020202020204" pitchFamily="34" charset="0"/>
+                <a:buChar char="•"/>
+              </a:pPr>
+              <a:r>
+                <a:rPr lang="en-US" dirty="0">
+                  <a:ln w="0"/>
+                  <a:solidFill>
+                    <a:schemeClr val="tx1"/>
+                  </a:solidFill>
+                  <a:effectLst>
+                    <a:outerShdw blurRad="38100" dist="19050" dir="2700000" algn="tl" rotWithShape="0">
+                      <a:schemeClr val="dk1">
+                        <a:alpha val="40000"/>
+                      </a:schemeClr>
+                    </a:outerShdw>
+                  </a:effectLst>
+                </a:rPr>
+                <a:t>You can of course use schemas and reference-based relations but you got more flexibility</a:t>
+              </a:r>
+            </a:p>
+            <a:p>
+              <a:pPr marL="285750" indent="-285750" algn="ctr">
+                <a:buFont typeface="Arial" panose="020B0604020202020204" pitchFamily="34" charset="0"/>
+                <a:buChar char="•"/>
+              </a:pPr>
+              <a:r>
+                <a:rPr lang="en-US" dirty="0">
+                  <a:ln w="0"/>
+                  <a:solidFill>
+                    <a:schemeClr val="tx1"/>
+                  </a:solidFill>
+                  <a:effectLst>
+                    <a:outerShdw blurRad="38100" dist="19050" dir="2700000" algn="tl" rotWithShape="0">
+                      <a:schemeClr val="dk1">
+                        <a:alpha val="40000"/>
+                      </a:schemeClr>
+                    </a:outerShdw>
+                  </a:effectLst>
+                </a:rPr>
+                <a:t>Often, relations are also </a:t>
+              </a:r>
+              <a:r>
+                <a:rPr lang="en-US" dirty="0" err="1">
+                  <a:ln w="0"/>
+                  <a:solidFill>
+                    <a:schemeClr val="tx1"/>
+                  </a:solidFill>
+                  <a:effectLst>
+                    <a:outerShdw blurRad="38100" dist="19050" dir="2700000" algn="tl" rotWithShape="0">
+                      <a:schemeClr val="dk1">
+                        <a:alpha val="40000"/>
+                      </a:schemeClr>
+                    </a:outerShdw>
+                  </a:effectLst>
+                </a:rPr>
+                <a:t>creted</a:t>
+              </a:r>
+              <a:r>
+                <a:rPr lang="en-US" dirty="0">
+                  <a:ln w="0"/>
+                  <a:solidFill>
+                    <a:schemeClr val="tx1"/>
+                  </a:solidFill>
+                  <a:effectLst>
+                    <a:outerShdw blurRad="38100" dist="19050" dir="2700000" algn="tl" rotWithShape="0">
+                      <a:schemeClr val="dk1">
+                        <a:alpha val="40000"/>
+                      </a:schemeClr>
+                    </a:outerShdw>
+                  </a:effectLst>
+                </a:rPr>
+                <a:t> by embedding other documents/data</a:t>
+              </a:r>
+            </a:p>
+          </p:txBody>
+        </p:sp>
+      </p:grpSp>
+      <p:grpSp>
+        <p:nvGrpSpPr>
+          <p:cNvPr id="7" name="Group 6">
+            <a:extLst>
+              <a:ext uri="{FF2B5EF4-FFF2-40B4-BE49-F238E27FC236}">
+                <a16:creationId xmlns:a16="http://schemas.microsoft.com/office/drawing/2014/main" id="{E2B7B468-74A1-12D8-0084-CE894C5E1C3F}"/>
+              </a:ext>
+            </a:extLst>
+          </p:cNvPr>
+          <p:cNvGrpSpPr/>
+          <p:nvPr/>
+        </p:nvGrpSpPr>
+        <p:grpSpPr>
+          <a:xfrm>
+            <a:off x="6270171" y="1342458"/>
+            <a:ext cx="4920343" cy="4173084"/>
+            <a:chOff x="838200" y="1690688"/>
+            <a:chExt cx="4386943" cy="3256189"/>
+          </a:xfrm>
+        </p:grpSpPr>
+        <p:sp>
+          <p:nvSpPr>
+            <p:cNvPr id="8" name="Rectangle 7">
+              <a:extLst>
+                <a:ext uri="{FF2B5EF4-FFF2-40B4-BE49-F238E27FC236}">
+                  <a16:creationId xmlns:a16="http://schemas.microsoft.com/office/drawing/2014/main" id="{900FE559-7B81-2C63-5E80-A25CB0B90F05}"/>
+                </a:ext>
+              </a:extLst>
+            </p:cNvPr>
+            <p:cNvSpPr/>
+            <p:nvPr/>
+          </p:nvSpPr>
+          <p:spPr>
+            <a:xfrm>
+              <a:off x="838200" y="1690688"/>
+              <a:ext cx="4386943" cy="602569"/>
+            </a:xfrm>
+            <a:prstGeom prst="rect">
+              <a:avLst/>
+            </a:prstGeom>
+            <a:solidFill>
+              <a:schemeClr val="accent4">
+                <a:lumMod val="50000"/>
+              </a:schemeClr>
+            </a:solidFill>
+          </p:spPr>
+          <p:style>
+            <a:lnRef idx="2">
+              <a:schemeClr val="accent1">
+                <a:shade val="50000"/>
+              </a:schemeClr>
+            </a:lnRef>
+            <a:fillRef idx="1">
+              <a:schemeClr val="accent1"/>
+            </a:fillRef>
+            <a:effectRef idx="0">
+              <a:schemeClr val="accent1"/>
+            </a:effectRef>
+            <a:fontRef idx="minor">
+              <a:schemeClr val="lt1"/>
+            </a:fontRef>
+          </p:style>
+          <p:txBody>
+            <a:bodyPr rtlCol="0" anchor="ctr"/>
+            <a:lstStyle/>
+            <a:p>
+              <a:pPr algn="ctr"/>
+              <a:r>
+                <a:rPr lang="en-US" dirty="0"/>
+                <a:t>Working with MongoDB</a:t>
+              </a:r>
+            </a:p>
+          </p:txBody>
+        </p:sp>
+        <p:sp>
+          <p:nvSpPr>
+            <p:cNvPr id="9" name="Rectangle 8">
+              <a:extLst>
+                <a:ext uri="{FF2B5EF4-FFF2-40B4-BE49-F238E27FC236}">
+                  <a16:creationId xmlns:a16="http://schemas.microsoft.com/office/drawing/2014/main" id="{94066221-2EA2-AE0A-EDE0-0C341472933C}"/>
+                </a:ext>
+              </a:extLst>
+            </p:cNvPr>
+            <p:cNvSpPr/>
+            <p:nvPr/>
+          </p:nvSpPr>
+          <p:spPr>
+            <a:xfrm>
+              <a:off x="838200" y="2290763"/>
+              <a:ext cx="4386943" cy="2656114"/>
+            </a:xfrm>
+            <a:prstGeom prst="rect">
+              <a:avLst/>
+            </a:prstGeom>
+            <a:solidFill>
+              <a:schemeClr val="accent4">
+                <a:lumMod val="60000"/>
+                <a:lumOff val="40000"/>
+              </a:schemeClr>
+            </a:solidFill>
+          </p:spPr>
+          <p:style>
+            <a:lnRef idx="2">
+              <a:schemeClr val="accent1">
+                <a:shade val="50000"/>
+              </a:schemeClr>
+            </a:lnRef>
+            <a:fillRef idx="1">
+              <a:schemeClr val="accent1"/>
+            </a:fillRef>
+            <a:effectRef idx="0">
+              <a:schemeClr val="accent1"/>
+            </a:effectRef>
+            <a:fontRef idx="minor">
+              <a:schemeClr val="lt1"/>
+            </a:fontRef>
+          </p:style>
+          <p:txBody>
+            <a:bodyPr rtlCol="0" anchor="ctr"/>
+            <a:lstStyle/>
+            <a:p>
+              <a:pPr marL="285750" indent="-285750" algn="ctr">
+                <a:buFont typeface="Arial" panose="020B0604020202020204" pitchFamily="34" charset="0"/>
+                <a:buChar char="•"/>
+              </a:pPr>
+              <a:r>
+                <a:rPr lang="en-US" dirty="0">
+                  <a:ln w="0"/>
+                  <a:solidFill>
+                    <a:schemeClr val="tx1"/>
+                  </a:solidFill>
+                  <a:effectLst>
+                    <a:outerShdw blurRad="38100" dist="19050" dir="2700000" algn="tl" rotWithShape="0">
+                      <a:schemeClr val="dk1">
+                        <a:alpha val="40000"/>
+                      </a:schemeClr>
+                    </a:outerShdw>
+                  </a:effectLst>
+                </a:rPr>
+                <a:t>Use the official MongoDB Driver</a:t>
+              </a:r>
+            </a:p>
+            <a:p>
+              <a:pPr marL="285750" indent="-285750" algn="ctr">
+                <a:buFont typeface="Arial" panose="020B0604020202020204" pitchFamily="34" charset="0"/>
+                <a:buChar char="•"/>
+              </a:pPr>
+              <a:r>
+                <a:rPr lang="en-US" dirty="0">
+                  <a:ln w="0"/>
+                  <a:solidFill>
+                    <a:schemeClr val="tx1"/>
+                  </a:solidFill>
+                  <a:effectLst>
+                    <a:outerShdw blurRad="38100" dist="19050" dir="2700000" algn="tl" rotWithShape="0">
+                      <a:schemeClr val="dk1">
+                        <a:alpha val="40000"/>
+                      </a:schemeClr>
+                    </a:outerShdw>
+                  </a:effectLst>
+                </a:rPr>
+                <a:t>Commands like </a:t>
+              </a:r>
+              <a:r>
+                <a:rPr lang="en-US" dirty="0" err="1">
+                  <a:ln w="0"/>
+                  <a:solidFill>
+                    <a:schemeClr val="tx1"/>
+                  </a:solidFill>
+                  <a:effectLst>
+                    <a:outerShdw blurRad="38100" dist="19050" dir="2700000" algn="tl" rotWithShape="0">
+                      <a:schemeClr val="dk1">
+                        <a:alpha val="40000"/>
+                      </a:schemeClr>
+                    </a:outerShdw>
+                  </a:effectLst>
+                </a:rPr>
+                <a:t>insertOne</a:t>
+              </a:r>
+              <a:r>
+                <a:rPr lang="en-US" dirty="0">
+                  <a:ln w="0"/>
+                  <a:solidFill>
+                    <a:schemeClr val="tx1"/>
+                  </a:solidFill>
+                  <a:effectLst>
+                    <a:outerShdw blurRad="38100" dist="19050" dir="2700000" algn="tl" rotWithShape="0">
+                      <a:schemeClr val="dk1">
+                        <a:alpha val="40000"/>
+                      </a:schemeClr>
+                    </a:outerShdw>
+                  </a:effectLst>
+                </a:rPr>
+                <a:t>(), find(), </a:t>
+              </a:r>
+              <a:r>
+                <a:rPr lang="en-US" dirty="0" err="1">
+                  <a:ln w="0"/>
+                  <a:solidFill>
+                    <a:schemeClr val="tx1"/>
+                  </a:solidFill>
+                  <a:effectLst>
+                    <a:outerShdw blurRad="38100" dist="19050" dir="2700000" algn="tl" rotWithShape="0">
+                      <a:schemeClr val="dk1">
+                        <a:alpha val="40000"/>
+                      </a:schemeClr>
+                    </a:outerShdw>
+                  </a:effectLst>
+                </a:rPr>
+                <a:t>updateOne</a:t>
+              </a:r>
+              <a:r>
+                <a:rPr lang="en-US" dirty="0">
+                  <a:ln w="0"/>
+                  <a:solidFill>
+                    <a:schemeClr val="tx1"/>
+                  </a:solidFill>
+                  <a:effectLst>
+                    <a:outerShdw blurRad="38100" dist="19050" dir="2700000" algn="tl" rotWithShape="0">
+                      <a:schemeClr val="dk1">
+                        <a:alpha val="40000"/>
+                      </a:schemeClr>
+                    </a:outerShdw>
+                  </a:effectLst>
+                </a:rPr>
+                <a:t>() and </a:t>
+              </a:r>
+              <a:r>
+                <a:rPr lang="en-US" dirty="0" err="1">
+                  <a:ln w="0"/>
+                  <a:solidFill>
+                    <a:schemeClr val="tx1"/>
+                  </a:solidFill>
+                  <a:effectLst>
+                    <a:outerShdw blurRad="38100" dist="19050" dir="2700000" algn="tl" rotWithShape="0">
+                      <a:schemeClr val="dk1">
+                        <a:alpha val="40000"/>
+                      </a:schemeClr>
+                    </a:outerShdw>
+                  </a:effectLst>
+                </a:rPr>
+                <a:t>deleteOne</a:t>
+              </a:r>
+              <a:r>
+                <a:rPr lang="en-US" dirty="0">
+                  <a:ln w="0"/>
+                  <a:solidFill>
+                    <a:schemeClr val="tx1"/>
+                  </a:solidFill>
+                  <a:effectLst>
+                    <a:outerShdw blurRad="38100" dist="19050" dir="2700000" algn="tl" rotWithShape="0">
+                      <a:schemeClr val="dk1">
+                        <a:alpha val="40000"/>
+                      </a:schemeClr>
+                    </a:outerShdw>
+                  </a:effectLst>
+                </a:rPr>
+                <a:t>() to make CRUD-operations very simple.</a:t>
+              </a:r>
+            </a:p>
+            <a:p>
+              <a:pPr marL="285750" indent="-285750" algn="ctr">
+                <a:buFont typeface="Arial" panose="020B0604020202020204" pitchFamily="34" charset="0"/>
+                <a:buChar char="•"/>
+              </a:pPr>
+              <a:r>
+                <a:rPr lang="en-US" dirty="0">
+                  <a:ln w="0"/>
+                  <a:solidFill>
+                    <a:schemeClr val="tx1"/>
+                  </a:solidFill>
+                  <a:effectLst>
+                    <a:outerShdw blurRad="38100" dist="19050" dir="2700000" algn="tl" rotWithShape="0">
+                      <a:schemeClr val="dk1">
+                        <a:alpha val="40000"/>
+                      </a:schemeClr>
+                    </a:outerShdw>
+                  </a:effectLst>
+                </a:rPr>
+                <a:t>Check the official docs to learn about all available operations + configurations/operators</a:t>
+              </a:r>
+            </a:p>
+            <a:p>
+              <a:pPr marL="285750" indent="-285750" algn="ctr">
+                <a:buFont typeface="Arial" panose="020B0604020202020204" pitchFamily="34" charset="0"/>
+                <a:buChar char="•"/>
+              </a:pPr>
+              <a:r>
+                <a:rPr lang="en-US" dirty="0">
+                  <a:ln w="0"/>
+                  <a:solidFill>
+                    <a:schemeClr val="tx1"/>
+                  </a:solidFill>
+                  <a:effectLst>
+                    <a:outerShdw blurRad="38100" dist="19050" dir="2700000" algn="tl" rotWithShape="0">
+                      <a:schemeClr val="dk1">
+                        <a:alpha val="40000"/>
+                      </a:schemeClr>
+                    </a:outerShdw>
+                  </a:effectLst>
+                </a:rPr>
+                <a:t>All operations are promise-based, hence you can easily chain them for more complex flow</a:t>
+              </a:r>
+            </a:p>
+          </p:txBody>
+        </p:sp>
+      </p:grpSp>
+    </p:spTree>
+    <p:extLst>
+      <p:ext uri="{BB962C8B-B14F-4D97-AF65-F5344CB8AC3E}">
+        <p14:creationId xmlns:p14="http://schemas.microsoft.com/office/powerpoint/2010/main" val="3647741098"/>
+      </p:ext>
+    </p:extLst>
+  </p:cSld>
+  <p:clrMapOvr>
+    <a:masterClrMapping/>
+  </p:clrMapOvr>
+</p:sld>
+</file>
+
+<file path=ppt/slides/slide26.xml><?xml version="1.0" encoding="utf-8"?>
+<p:sld xmlns:a="http://schemas.openxmlformats.org/drawingml/2006/main" xmlns:r="http://schemas.openxmlformats.org/officeDocument/2006/relationships" xmlns:p="http://schemas.openxmlformats.org/presentationml/2006/main">
+  <p:cSld>
+    <p:spTree>
+      <p:nvGrpSpPr>
+        <p:cNvPr id="1" name=""/>
+        <p:cNvGrpSpPr/>
+        <p:nvPr/>
+      </p:nvGrpSpPr>
+      <p:grpSpPr>
+        <a:xfrm>
+          <a:off x="0" y="0"/>
+          <a:ext cx="0" cy="0"/>
+          <a:chOff x="0" y="0"/>
+          <a:chExt cx="0" cy="0"/>
+        </a:xfrm>
+      </p:grpSpPr>
+      <p:sp>
+        <p:nvSpPr>
+          <p:cNvPr id="2" name="Title 1">
+            <a:extLst>
+              <a:ext uri="{FF2B5EF4-FFF2-40B4-BE49-F238E27FC236}">
+                <a16:creationId xmlns:a16="http://schemas.microsoft.com/office/drawing/2014/main" id="{284D2F4F-AB1E-2F92-0533-028A031CD53E}"/>
+              </a:ext>
+            </a:extLst>
+          </p:cNvPr>
+          <p:cNvSpPr>
+            <a:spLocks noGrp="1"/>
+          </p:cNvSpPr>
+          <p:nvPr>
+            <p:ph type="title"/>
+          </p:nvPr>
+        </p:nvSpPr>
+        <p:spPr/>
+        <p:txBody>
+          <a:bodyPr/>
+          <a:lstStyle/>
+          <a:p>
+            <a:r>
+              <a:rPr lang="en-US" dirty="0"/>
+              <a:t>What is Mongoose?</a:t>
+            </a:r>
+          </a:p>
+        </p:txBody>
+      </p:sp>
+      <p:sp>
+        <p:nvSpPr>
+          <p:cNvPr id="3" name="Content Placeholder 2">
+            <a:extLst>
+              <a:ext uri="{FF2B5EF4-FFF2-40B4-BE49-F238E27FC236}">
+                <a16:creationId xmlns:a16="http://schemas.microsoft.com/office/drawing/2014/main" id="{4B25098D-8FBD-D710-C6A2-3611EBCF7F4E}"/>
+              </a:ext>
+            </a:extLst>
+          </p:cNvPr>
+          <p:cNvSpPr>
+            <a:spLocks noGrp="1"/>
+          </p:cNvSpPr>
+          <p:nvPr>
+            <p:ph idx="1"/>
+          </p:nvPr>
+        </p:nvSpPr>
+        <p:spPr>
+          <a:xfrm>
+            <a:off x="838200" y="1690688"/>
+            <a:ext cx="7173686" cy="612775"/>
+          </a:xfrm>
+        </p:spPr>
+        <p:txBody>
+          <a:bodyPr>
+            <a:normAutofit/>
+          </a:bodyPr>
+          <a:lstStyle/>
+          <a:p>
+            <a:pPr marL="0" indent="0">
+              <a:buNone/>
+            </a:pPr>
+            <a:r>
+              <a:rPr lang="en-US" dirty="0"/>
+              <a:t>A Object-Document Mapping Library</a:t>
+            </a:r>
+          </a:p>
+        </p:txBody>
+      </p:sp>
+      <p:grpSp>
+        <p:nvGrpSpPr>
+          <p:cNvPr id="6" name="Group 5">
+            <a:extLst>
+              <a:ext uri="{FF2B5EF4-FFF2-40B4-BE49-F238E27FC236}">
+                <a16:creationId xmlns:a16="http://schemas.microsoft.com/office/drawing/2014/main" id="{6262EDAA-A4D2-8243-50D2-DF705E39CA78}"/>
+              </a:ext>
+            </a:extLst>
+          </p:cNvPr>
+          <p:cNvGrpSpPr/>
+          <p:nvPr/>
+        </p:nvGrpSpPr>
+        <p:grpSpPr>
+          <a:xfrm>
+            <a:off x="838200" y="2303462"/>
+            <a:ext cx="6596742" cy="2251075"/>
+            <a:chOff x="838200" y="2303463"/>
+            <a:chExt cx="6596742" cy="2251075"/>
+          </a:xfrm>
+        </p:grpSpPr>
+        <p:sp>
+          <p:nvSpPr>
+            <p:cNvPr id="4" name="Rectangle 3">
+              <a:extLst>
+                <a:ext uri="{FF2B5EF4-FFF2-40B4-BE49-F238E27FC236}">
+                  <a16:creationId xmlns:a16="http://schemas.microsoft.com/office/drawing/2014/main" id="{E929108F-9A80-6DAC-5AB7-4A788F5696AF}"/>
+                </a:ext>
+              </a:extLst>
+            </p:cNvPr>
+            <p:cNvSpPr/>
+            <p:nvPr/>
+          </p:nvSpPr>
+          <p:spPr>
+            <a:xfrm>
+              <a:off x="838200" y="2699657"/>
+              <a:ext cx="1774371" cy="1854881"/>
+            </a:xfrm>
+            <a:prstGeom prst="rect">
+              <a:avLst/>
+            </a:prstGeom>
+          </p:spPr>
+          <p:style>
+            <a:lnRef idx="2">
+              <a:schemeClr val="accent1">
+                <a:shade val="50000"/>
+              </a:schemeClr>
+            </a:lnRef>
+            <a:fillRef idx="1">
+              <a:schemeClr val="accent1"/>
+            </a:fillRef>
+            <a:effectRef idx="0">
+              <a:schemeClr val="accent1"/>
+            </a:effectRef>
+            <a:fontRef idx="minor">
+              <a:schemeClr val="lt1"/>
+            </a:fontRef>
+          </p:style>
+          <p:txBody>
+            <a:bodyPr rtlCol="0" anchor="ctr"/>
+            <a:lstStyle/>
+            <a:p>
+              <a:pPr algn="ctr"/>
+              <a:r>
+                <a:rPr lang="en-US" dirty="0"/>
+                <a:t>Name</a:t>
+              </a:r>
+            </a:p>
+            <a:p>
+              <a:pPr algn="ctr"/>
+              <a:r>
+                <a:rPr lang="en-US" dirty="0"/>
+                <a:t>Age</a:t>
+              </a:r>
+            </a:p>
+            <a:p>
+              <a:pPr algn="ctr"/>
+              <a:r>
+                <a:rPr lang="en-US" dirty="0"/>
+                <a:t>Email</a:t>
+              </a:r>
+            </a:p>
+            <a:p>
+              <a:pPr algn="ctr"/>
+              <a:r>
+                <a:rPr lang="en-US" dirty="0"/>
+                <a:t>password</a:t>
+              </a:r>
+            </a:p>
+          </p:txBody>
+        </p:sp>
+        <p:sp>
+          <p:nvSpPr>
+            <p:cNvPr id="5" name="Rectangle 4">
+              <a:extLst>
+                <a:ext uri="{FF2B5EF4-FFF2-40B4-BE49-F238E27FC236}">
+                  <a16:creationId xmlns:a16="http://schemas.microsoft.com/office/drawing/2014/main" id="{5EA667C2-99C3-7134-2980-2A4DD67308FC}"/>
+                </a:ext>
+              </a:extLst>
+            </p:cNvPr>
+            <p:cNvSpPr/>
+            <p:nvPr/>
+          </p:nvSpPr>
+          <p:spPr>
+            <a:xfrm>
+              <a:off x="838200" y="2303463"/>
+              <a:ext cx="1774371" cy="396194"/>
+            </a:xfrm>
+            <a:prstGeom prst="rect">
+              <a:avLst/>
+            </a:prstGeom>
+          </p:spPr>
+          <p:style>
+            <a:lnRef idx="2">
+              <a:schemeClr val="accent1">
+                <a:shade val="50000"/>
+              </a:schemeClr>
+            </a:lnRef>
+            <a:fillRef idx="1">
+              <a:schemeClr val="accent1"/>
+            </a:fillRef>
+            <a:effectRef idx="0">
+              <a:schemeClr val="accent1"/>
+            </a:effectRef>
+            <a:fontRef idx="minor">
+              <a:schemeClr val="lt1"/>
+            </a:fontRef>
+          </p:style>
+          <p:txBody>
+            <a:bodyPr rtlCol="0" anchor="ctr"/>
+            <a:lstStyle/>
+            <a:p>
+              <a:pPr algn="ctr"/>
+              <a:r>
+                <a:rPr lang="en-US" dirty="0"/>
+                <a:t>User</a:t>
+              </a:r>
+            </a:p>
+          </p:txBody>
+        </p:sp>
+        <p:sp>
+          <p:nvSpPr>
+            <p:cNvPr id="8" name="Rectangle 7">
+              <a:extLst>
+                <a:ext uri="{FF2B5EF4-FFF2-40B4-BE49-F238E27FC236}">
+                  <a16:creationId xmlns:a16="http://schemas.microsoft.com/office/drawing/2014/main" id="{BB45A008-9674-F64D-3714-5EA062E55C78}"/>
+                </a:ext>
+              </a:extLst>
+            </p:cNvPr>
+            <p:cNvSpPr/>
+            <p:nvPr/>
+          </p:nvSpPr>
+          <p:spPr>
+            <a:xfrm>
+              <a:off x="5660571" y="2303463"/>
+              <a:ext cx="1774371" cy="396194"/>
+            </a:xfrm>
+            <a:prstGeom prst="rect">
+              <a:avLst/>
+            </a:prstGeom>
+          </p:spPr>
+          <p:style>
+            <a:lnRef idx="2">
+              <a:schemeClr val="accent1">
+                <a:shade val="50000"/>
+              </a:schemeClr>
+            </a:lnRef>
+            <a:fillRef idx="1">
+              <a:schemeClr val="accent1"/>
+            </a:fillRef>
+            <a:effectRef idx="0">
+              <a:schemeClr val="accent1"/>
+            </a:effectRef>
+            <a:fontRef idx="minor">
+              <a:schemeClr val="lt1"/>
+            </a:fontRef>
+          </p:style>
+          <p:txBody>
+            <a:bodyPr rtlCol="0" anchor="ctr"/>
+            <a:lstStyle/>
+            <a:p>
+              <a:pPr algn="ctr"/>
+              <a:r>
+                <a:rPr lang="en-US" dirty="0"/>
+                <a:t>users</a:t>
+              </a:r>
+            </a:p>
+          </p:txBody>
+        </p:sp>
+      </p:grpSp>
+      <p:sp>
+        <p:nvSpPr>
+          <p:cNvPr id="7" name="Rectangle 6">
+            <a:extLst>
+              <a:ext uri="{FF2B5EF4-FFF2-40B4-BE49-F238E27FC236}">
+                <a16:creationId xmlns:a16="http://schemas.microsoft.com/office/drawing/2014/main" id="{0EFD8C29-40C4-9D3F-2943-71B1F11EFBBE}"/>
+              </a:ext>
+            </a:extLst>
+          </p:cNvPr>
+          <p:cNvSpPr/>
+          <p:nvPr/>
+        </p:nvSpPr>
+        <p:spPr>
+          <a:xfrm>
+            <a:off x="5660571" y="2699657"/>
+            <a:ext cx="6183086" cy="1654629"/>
+          </a:xfrm>
+          <a:prstGeom prst="rect">
+            <a:avLst/>
+          </a:prstGeom>
+          <a:solidFill>
+            <a:schemeClr val="accent1">
+              <a:lumMod val="40000"/>
+              <a:lumOff val="60000"/>
+            </a:schemeClr>
+          </a:solidFill>
+        </p:spPr>
+        <p:style>
+          <a:lnRef idx="2">
+            <a:schemeClr val="accent1">
+              <a:shade val="50000"/>
+            </a:schemeClr>
+          </a:lnRef>
+          <a:fillRef idx="1">
+            <a:schemeClr val="accent1"/>
+          </a:fillRef>
+          <a:effectRef idx="0">
+            <a:schemeClr val="accent1"/>
+          </a:effectRef>
+          <a:fontRef idx="minor">
+            <a:schemeClr val="lt1"/>
+          </a:fontRef>
+        </p:style>
+        <p:txBody>
+          <a:bodyPr rtlCol="0" anchor="ctr"/>
+          <a:lstStyle/>
+          <a:p>
+            <a:pPr algn="ctr"/>
+            <a:endParaRPr lang="en-US"/>
+          </a:p>
+        </p:txBody>
+      </p:sp>
+      <p:sp>
+        <p:nvSpPr>
+          <p:cNvPr id="9" name="Rectangle 8">
+            <a:extLst>
+              <a:ext uri="{FF2B5EF4-FFF2-40B4-BE49-F238E27FC236}">
+                <a16:creationId xmlns:a16="http://schemas.microsoft.com/office/drawing/2014/main" id="{20FF6EE8-3C72-3FD4-15CF-34AAC6A3A688}"/>
+              </a:ext>
+            </a:extLst>
+          </p:cNvPr>
+          <p:cNvSpPr/>
+          <p:nvPr/>
+        </p:nvSpPr>
+        <p:spPr>
+          <a:xfrm>
+            <a:off x="6085111" y="2953204"/>
+            <a:ext cx="925290" cy="359228"/>
+          </a:xfrm>
+          <a:prstGeom prst="rect">
+            <a:avLst/>
+          </a:prstGeom>
+        </p:spPr>
+        <p:style>
+          <a:lnRef idx="2">
+            <a:schemeClr val="accent1">
+              <a:shade val="50000"/>
+            </a:schemeClr>
+          </a:lnRef>
+          <a:fillRef idx="1">
+            <a:schemeClr val="accent1"/>
+          </a:fillRef>
+          <a:effectRef idx="0">
+            <a:schemeClr val="accent1"/>
+          </a:effectRef>
+          <a:fontRef idx="minor">
+            <a:schemeClr val="lt1"/>
+          </a:fontRef>
+        </p:style>
+        <p:txBody>
+          <a:bodyPr rtlCol="0" anchor="ctr"/>
+          <a:lstStyle/>
+          <a:p>
+            <a:pPr algn="ctr"/>
+            <a:r>
+              <a:rPr lang="en-US" dirty="0"/>
+              <a:t>id</a:t>
+            </a:r>
+          </a:p>
+        </p:txBody>
+      </p:sp>
+      <p:sp>
+        <p:nvSpPr>
+          <p:cNvPr id="10" name="Rectangle 9">
+            <a:extLst>
+              <a:ext uri="{FF2B5EF4-FFF2-40B4-BE49-F238E27FC236}">
+                <a16:creationId xmlns:a16="http://schemas.microsoft.com/office/drawing/2014/main" id="{BCAB8B6B-792F-68F5-C751-E7014A14CCB0}"/>
+              </a:ext>
+            </a:extLst>
+          </p:cNvPr>
+          <p:cNvSpPr/>
+          <p:nvPr/>
+        </p:nvSpPr>
+        <p:spPr>
+          <a:xfrm>
+            <a:off x="7434941" y="2916236"/>
+            <a:ext cx="925290" cy="359228"/>
+          </a:xfrm>
+          <a:prstGeom prst="rect">
+            <a:avLst/>
+          </a:prstGeom>
+        </p:spPr>
+        <p:style>
+          <a:lnRef idx="2">
+            <a:schemeClr val="accent1">
+              <a:shade val="50000"/>
+            </a:schemeClr>
+          </a:lnRef>
+          <a:fillRef idx="1">
+            <a:schemeClr val="accent1"/>
+          </a:fillRef>
+          <a:effectRef idx="0">
+            <a:schemeClr val="accent1"/>
+          </a:effectRef>
+          <a:fontRef idx="minor">
+            <a:schemeClr val="lt1"/>
+          </a:fontRef>
+        </p:style>
+        <p:txBody>
+          <a:bodyPr rtlCol="0" anchor="ctr"/>
+          <a:lstStyle/>
+          <a:p>
+            <a:pPr algn="ctr"/>
+            <a:r>
+              <a:rPr lang="en-US" dirty="0"/>
+              <a:t>name</a:t>
+            </a:r>
+          </a:p>
+        </p:txBody>
+      </p:sp>
+      <p:sp>
+        <p:nvSpPr>
+          <p:cNvPr id="11" name="Rectangle 10">
+            <a:extLst>
+              <a:ext uri="{FF2B5EF4-FFF2-40B4-BE49-F238E27FC236}">
+                <a16:creationId xmlns:a16="http://schemas.microsoft.com/office/drawing/2014/main" id="{4D0A8663-E75C-00B9-68E5-C79B0A92CE80}"/>
+              </a:ext>
+            </a:extLst>
+          </p:cNvPr>
+          <p:cNvSpPr/>
+          <p:nvPr/>
+        </p:nvSpPr>
+        <p:spPr>
+          <a:xfrm>
+            <a:off x="9176654" y="2913968"/>
+            <a:ext cx="925290" cy="359228"/>
+          </a:xfrm>
+          <a:prstGeom prst="rect">
+            <a:avLst/>
+          </a:prstGeom>
+        </p:spPr>
+        <p:style>
+          <a:lnRef idx="2">
+            <a:schemeClr val="accent1">
+              <a:shade val="50000"/>
+            </a:schemeClr>
+          </a:lnRef>
+          <a:fillRef idx="1">
+            <a:schemeClr val="accent1"/>
+          </a:fillRef>
+          <a:effectRef idx="0">
+            <a:schemeClr val="accent1"/>
+          </a:effectRef>
+          <a:fontRef idx="minor">
+            <a:schemeClr val="lt1"/>
+          </a:fontRef>
+        </p:style>
+        <p:txBody>
+          <a:bodyPr rtlCol="0" anchor="ctr"/>
+          <a:lstStyle/>
+          <a:p>
+            <a:pPr algn="ctr"/>
+            <a:r>
+              <a:rPr lang="en-US" dirty="0"/>
+              <a:t>age</a:t>
+            </a:r>
+          </a:p>
+        </p:txBody>
+      </p:sp>
+      <p:sp>
+        <p:nvSpPr>
+          <p:cNvPr id="12" name="Rectangle 11">
+            <a:extLst>
+              <a:ext uri="{FF2B5EF4-FFF2-40B4-BE49-F238E27FC236}">
+                <a16:creationId xmlns:a16="http://schemas.microsoft.com/office/drawing/2014/main" id="{67FEF192-8B5C-EE9C-C3E5-D107A37FD8D2}"/>
+              </a:ext>
+            </a:extLst>
+          </p:cNvPr>
+          <p:cNvSpPr/>
+          <p:nvPr/>
+        </p:nvSpPr>
+        <p:spPr>
+          <a:xfrm>
+            <a:off x="10863934" y="2913968"/>
+            <a:ext cx="925290" cy="359228"/>
+          </a:xfrm>
+          <a:prstGeom prst="rect">
+            <a:avLst/>
+          </a:prstGeom>
+        </p:spPr>
+        <p:style>
+          <a:lnRef idx="2">
+            <a:schemeClr val="accent1">
+              <a:shade val="50000"/>
+            </a:schemeClr>
+          </a:lnRef>
+          <a:fillRef idx="1">
+            <a:schemeClr val="accent1"/>
+          </a:fillRef>
+          <a:effectRef idx="0">
+            <a:schemeClr val="accent1"/>
+          </a:effectRef>
+          <a:fontRef idx="minor">
+            <a:schemeClr val="lt1"/>
+          </a:fontRef>
+        </p:style>
+        <p:txBody>
+          <a:bodyPr rtlCol="0" anchor="ctr"/>
+          <a:lstStyle/>
+          <a:p>
+            <a:pPr algn="ctr"/>
+            <a:r>
+              <a:rPr lang="en-US" sz="1400" dirty="0"/>
+              <a:t>password</a:t>
+            </a:r>
+          </a:p>
+        </p:txBody>
+      </p:sp>
+      <p:sp>
+        <p:nvSpPr>
+          <p:cNvPr id="13" name="Rectangle 12">
+            <a:extLst>
+              <a:ext uri="{FF2B5EF4-FFF2-40B4-BE49-F238E27FC236}">
+                <a16:creationId xmlns:a16="http://schemas.microsoft.com/office/drawing/2014/main" id="{1083DB59-6EE6-A64F-1FEB-1618F9D855A9}"/>
+              </a:ext>
+            </a:extLst>
+          </p:cNvPr>
+          <p:cNvSpPr/>
+          <p:nvPr/>
+        </p:nvSpPr>
+        <p:spPr>
+          <a:xfrm>
+            <a:off x="6085111" y="3719287"/>
+            <a:ext cx="925290" cy="359228"/>
+          </a:xfrm>
+          <a:prstGeom prst="rect">
+            <a:avLst/>
+          </a:prstGeom>
+        </p:spPr>
+        <p:style>
+          <a:lnRef idx="2">
+            <a:schemeClr val="accent1">
+              <a:shade val="50000"/>
+            </a:schemeClr>
+          </a:lnRef>
+          <a:fillRef idx="1">
+            <a:schemeClr val="accent1"/>
+          </a:fillRef>
+          <a:effectRef idx="0">
+            <a:schemeClr val="accent1"/>
+          </a:effectRef>
+          <a:fontRef idx="minor">
+            <a:schemeClr val="lt1"/>
+          </a:fontRef>
+        </p:style>
+        <p:txBody>
+          <a:bodyPr rtlCol="0" anchor="ctr"/>
+          <a:lstStyle/>
+          <a:p>
+            <a:pPr algn="ctr"/>
+            <a:r>
+              <a:rPr lang="en-US" dirty="0"/>
+              <a:t>1</a:t>
+            </a:r>
+          </a:p>
+        </p:txBody>
+      </p:sp>
+      <p:sp>
+        <p:nvSpPr>
+          <p:cNvPr id="14" name="Rectangle 13">
+            <a:extLst>
+              <a:ext uri="{FF2B5EF4-FFF2-40B4-BE49-F238E27FC236}">
+                <a16:creationId xmlns:a16="http://schemas.microsoft.com/office/drawing/2014/main" id="{EE74B962-8103-2D52-FD67-6C1B378021EF}"/>
+              </a:ext>
+            </a:extLst>
+          </p:cNvPr>
+          <p:cNvSpPr/>
+          <p:nvPr/>
+        </p:nvSpPr>
+        <p:spPr>
+          <a:xfrm>
+            <a:off x="7434941" y="3682319"/>
+            <a:ext cx="925290" cy="359228"/>
+          </a:xfrm>
+          <a:prstGeom prst="rect">
+            <a:avLst/>
+          </a:prstGeom>
+        </p:spPr>
+        <p:style>
+          <a:lnRef idx="2">
+            <a:schemeClr val="accent1">
+              <a:shade val="50000"/>
+            </a:schemeClr>
+          </a:lnRef>
+          <a:fillRef idx="1">
+            <a:schemeClr val="accent1"/>
+          </a:fillRef>
+          <a:effectRef idx="0">
+            <a:schemeClr val="accent1"/>
+          </a:effectRef>
+          <a:fontRef idx="minor">
+            <a:schemeClr val="lt1"/>
+          </a:fontRef>
+        </p:style>
+        <p:txBody>
+          <a:bodyPr rtlCol="0" anchor="ctr"/>
+          <a:lstStyle/>
+          <a:p>
+            <a:pPr algn="ctr"/>
+            <a:r>
+              <a:rPr lang="en-US" dirty="0"/>
+              <a:t>Ram</a:t>
+            </a:r>
+          </a:p>
+        </p:txBody>
+      </p:sp>
+      <p:sp>
+        <p:nvSpPr>
+          <p:cNvPr id="15" name="Rectangle 14">
+            <a:extLst>
+              <a:ext uri="{FF2B5EF4-FFF2-40B4-BE49-F238E27FC236}">
+                <a16:creationId xmlns:a16="http://schemas.microsoft.com/office/drawing/2014/main" id="{9AFF9AAC-B74B-CFD5-5465-F2B7D55613F9}"/>
+              </a:ext>
+            </a:extLst>
+          </p:cNvPr>
+          <p:cNvSpPr/>
+          <p:nvPr/>
+        </p:nvSpPr>
+        <p:spPr>
+          <a:xfrm>
+            <a:off x="9176654" y="3680051"/>
+            <a:ext cx="925290" cy="359228"/>
+          </a:xfrm>
+          <a:prstGeom prst="rect">
+            <a:avLst/>
+          </a:prstGeom>
+        </p:spPr>
+        <p:style>
+          <a:lnRef idx="2">
+            <a:schemeClr val="accent1">
+              <a:shade val="50000"/>
+            </a:schemeClr>
+          </a:lnRef>
+          <a:fillRef idx="1">
+            <a:schemeClr val="accent1"/>
+          </a:fillRef>
+          <a:effectRef idx="0">
+            <a:schemeClr val="accent1"/>
+          </a:effectRef>
+          <a:fontRef idx="minor">
+            <a:schemeClr val="lt1"/>
+          </a:fontRef>
+        </p:style>
+        <p:txBody>
+          <a:bodyPr rtlCol="0" anchor="ctr"/>
+          <a:lstStyle/>
+          <a:p>
+            <a:pPr algn="ctr"/>
+            <a:r>
+              <a:rPr lang="en-US" dirty="0"/>
+              <a:t>30</a:t>
+            </a:r>
+          </a:p>
+        </p:txBody>
+      </p:sp>
+      <p:sp>
+        <p:nvSpPr>
+          <p:cNvPr id="16" name="Rectangle 15">
+            <a:extLst>
+              <a:ext uri="{FF2B5EF4-FFF2-40B4-BE49-F238E27FC236}">
+                <a16:creationId xmlns:a16="http://schemas.microsoft.com/office/drawing/2014/main" id="{3BDE3646-DAC4-7788-A2C5-FEAE42899624}"/>
+              </a:ext>
+            </a:extLst>
+          </p:cNvPr>
+          <p:cNvSpPr/>
+          <p:nvPr/>
+        </p:nvSpPr>
+        <p:spPr>
+          <a:xfrm>
+            <a:off x="10526484" y="3680051"/>
+            <a:ext cx="1262740" cy="359228"/>
+          </a:xfrm>
+          <a:prstGeom prst="rect">
+            <a:avLst/>
+          </a:prstGeom>
+        </p:spPr>
+        <p:style>
+          <a:lnRef idx="2">
+            <a:schemeClr val="accent1">
+              <a:shade val="50000"/>
+            </a:schemeClr>
+          </a:lnRef>
+          <a:fillRef idx="1">
+            <a:schemeClr val="accent1"/>
+          </a:fillRef>
+          <a:effectRef idx="0">
+            <a:schemeClr val="accent1"/>
+          </a:effectRef>
+          <a:fontRef idx="minor">
+            <a:schemeClr val="lt1"/>
+          </a:fontRef>
+        </p:style>
+        <p:txBody>
+          <a:bodyPr rtlCol="0" anchor="ctr"/>
+          <a:lstStyle/>
+          <a:p>
+            <a:pPr algn="ctr"/>
+            <a:r>
+              <a:rPr lang="en-US" sz="1400" dirty="0"/>
+              <a:t>pass@123</a:t>
+            </a:r>
+          </a:p>
+        </p:txBody>
+      </p:sp>
+      <p:sp>
+        <p:nvSpPr>
+          <p:cNvPr id="17" name="Rectangle 16">
+            <a:extLst>
+              <a:ext uri="{FF2B5EF4-FFF2-40B4-BE49-F238E27FC236}">
+                <a16:creationId xmlns:a16="http://schemas.microsoft.com/office/drawing/2014/main" id="{D30B449B-6A6F-ED27-61F9-F58F366A9C3B}"/>
+              </a:ext>
+            </a:extLst>
+          </p:cNvPr>
+          <p:cNvSpPr/>
+          <p:nvPr/>
+        </p:nvSpPr>
+        <p:spPr>
+          <a:xfrm>
+            <a:off x="1785257" y="4746171"/>
+            <a:ext cx="8316687" cy="817335"/>
+          </a:xfrm>
+          <a:prstGeom prst="rect">
+            <a:avLst/>
+          </a:prstGeom>
+        </p:spPr>
+        <p:style>
+          <a:lnRef idx="2">
+            <a:schemeClr val="accent1">
+              <a:shade val="50000"/>
+            </a:schemeClr>
+          </a:lnRef>
+          <a:fillRef idx="1">
+            <a:schemeClr val="accent1"/>
+          </a:fillRef>
+          <a:effectRef idx="0">
+            <a:schemeClr val="accent1"/>
+          </a:effectRef>
+          <a:fontRef idx="minor">
+            <a:schemeClr val="lt1"/>
+          </a:fontRef>
+        </p:style>
+        <p:txBody>
+          <a:bodyPr rtlCol="0" anchor="ctr"/>
+          <a:lstStyle/>
+          <a:p>
+            <a:pPr algn="ctr"/>
+            <a:r>
+              <a:rPr lang="en-US" dirty="0" err="1"/>
+              <a:t>db.collection</a:t>
+            </a:r>
+            <a:r>
+              <a:rPr lang="en-US" dirty="0"/>
+              <a:t>(‘users’).</a:t>
+            </a:r>
+            <a:r>
+              <a:rPr lang="en-US" dirty="0" err="1"/>
+              <a:t>insertOne</a:t>
+            </a:r>
+            <a:r>
+              <a:rPr lang="en-US" dirty="0"/>
+              <a:t>({name: ‘ram, age: 30, password: ‘pass@123’})</a:t>
+            </a:r>
+          </a:p>
+        </p:txBody>
+      </p:sp>
+      <p:sp>
+        <p:nvSpPr>
+          <p:cNvPr id="18" name="Rectangle 17">
+            <a:extLst>
+              <a:ext uri="{FF2B5EF4-FFF2-40B4-BE49-F238E27FC236}">
+                <a16:creationId xmlns:a16="http://schemas.microsoft.com/office/drawing/2014/main" id="{A5E6ACB6-30D9-7302-2FBD-B53BAF873BB7}"/>
+              </a:ext>
+            </a:extLst>
+          </p:cNvPr>
+          <p:cNvSpPr/>
+          <p:nvPr/>
+        </p:nvSpPr>
+        <p:spPr>
+          <a:xfrm>
+            <a:off x="838201" y="5793010"/>
+            <a:ext cx="11005456" cy="817335"/>
+          </a:xfrm>
+          <a:prstGeom prst="rect">
+            <a:avLst/>
+          </a:prstGeom>
+        </p:spPr>
+        <p:style>
+          <a:lnRef idx="2">
+            <a:schemeClr val="accent1">
+              <a:shade val="50000"/>
+            </a:schemeClr>
+          </a:lnRef>
+          <a:fillRef idx="1">
+            <a:schemeClr val="accent1"/>
+          </a:fillRef>
+          <a:effectRef idx="0">
+            <a:schemeClr val="accent1"/>
+          </a:effectRef>
+          <a:fontRef idx="minor">
+            <a:schemeClr val="lt1"/>
+          </a:fontRef>
+        </p:style>
+        <p:txBody>
+          <a:bodyPr rtlCol="0" anchor="ctr"/>
+          <a:lstStyle/>
+          <a:p>
+            <a:pPr algn="ctr"/>
+            <a:r>
+              <a:rPr lang="en-US" dirty="0"/>
+              <a:t>Const user = </a:t>
+            </a:r>
+            <a:r>
+              <a:rPr lang="en-US" dirty="0" err="1"/>
+              <a:t>User.create</a:t>
+            </a:r>
+            <a:r>
+              <a:rPr lang="en-US" dirty="0"/>
+              <a:t>({name: ‘ram, age: 30, password: ‘pass@123’})</a:t>
+            </a:r>
+          </a:p>
+        </p:txBody>
+      </p:sp>
+      <p:sp>
+        <p:nvSpPr>
+          <p:cNvPr id="19" name="Multiplication Sign 18">
+            <a:extLst>
+              <a:ext uri="{FF2B5EF4-FFF2-40B4-BE49-F238E27FC236}">
+                <a16:creationId xmlns:a16="http://schemas.microsoft.com/office/drawing/2014/main" id="{1F782702-CF3E-1300-991C-6588E1BED2A8}"/>
+              </a:ext>
+            </a:extLst>
+          </p:cNvPr>
+          <p:cNvSpPr/>
+          <p:nvPr/>
+        </p:nvSpPr>
+        <p:spPr>
+          <a:xfrm>
+            <a:off x="4267200" y="4554537"/>
+            <a:ext cx="1828800" cy="1367292"/>
+          </a:xfrm>
+          <a:prstGeom prst="mathMultiply">
+            <a:avLst/>
+          </a:prstGeom>
+          <a:solidFill>
+            <a:srgbClr val="FF0000"/>
+          </a:solidFill>
+        </p:spPr>
+        <p:style>
+          <a:lnRef idx="2">
+            <a:schemeClr val="accent1">
+              <a:shade val="50000"/>
+            </a:schemeClr>
+          </a:lnRef>
+          <a:fillRef idx="1">
+            <a:schemeClr val="accent1"/>
+          </a:fillRef>
+          <a:effectRef idx="0">
+            <a:schemeClr val="accent1"/>
+          </a:effectRef>
+          <a:fontRef idx="minor">
+            <a:schemeClr val="lt1"/>
+          </a:fontRef>
+        </p:style>
+        <p:txBody>
+          <a:bodyPr rtlCol="0" anchor="ctr"/>
+          <a:lstStyle/>
+          <a:p>
+            <a:pPr algn="ctr"/>
+            <a:endParaRPr lang="en-US"/>
+          </a:p>
+        </p:txBody>
+      </p:sp>
+    </p:spTree>
+    <p:extLst>
+      <p:ext uri="{BB962C8B-B14F-4D97-AF65-F5344CB8AC3E}">
+        <p14:creationId xmlns:p14="http://schemas.microsoft.com/office/powerpoint/2010/main" val="2299780589"/>
+      </p:ext>
+    </p:extLst>
+  </p:cSld>
+  <p:clrMapOvr>
+    <a:masterClrMapping/>
+  </p:clrMapOvr>
+</p:sld>
+</file>
+
+<file path=ppt/slides/slide27.xml><?xml version="1.0" encoding="utf-8"?>
+<p:sld xmlns:a="http://schemas.openxmlformats.org/drawingml/2006/main" xmlns:r="http://schemas.openxmlformats.org/officeDocument/2006/relationships" xmlns:p="http://schemas.openxmlformats.org/presentationml/2006/main">
+  <p:cSld>
+    <p:spTree>
+      <p:nvGrpSpPr>
+        <p:cNvPr id="1" name=""/>
+        <p:cNvGrpSpPr/>
+        <p:nvPr/>
+      </p:nvGrpSpPr>
+      <p:grpSpPr>
+        <a:xfrm>
+          <a:off x="0" y="0"/>
+          <a:ext cx="0" cy="0"/>
+          <a:chOff x="0" y="0"/>
+          <a:chExt cx="0" cy="0"/>
+        </a:xfrm>
+      </p:grpSpPr>
+      <p:sp>
+        <p:nvSpPr>
+          <p:cNvPr id="2" name="Title 1">
+            <a:extLst>
+              <a:ext uri="{FF2B5EF4-FFF2-40B4-BE49-F238E27FC236}">
+                <a16:creationId xmlns:a16="http://schemas.microsoft.com/office/drawing/2014/main" id="{0BF4AD8E-0C71-6E75-6BFF-D059DE8992C7}"/>
+              </a:ext>
+            </a:extLst>
+          </p:cNvPr>
+          <p:cNvSpPr>
+            <a:spLocks noGrp="1"/>
+          </p:cNvSpPr>
+          <p:nvPr>
+            <p:ph type="title"/>
+          </p:nvPr>
+        </p:nvSpPr>
+        <p:spPr>
+          <a:xfrm>
+            <a:off x="141514" y="36059"/>
+            <a:ext cx="10515600" cy="1325563"/>
+          </a:xfrm>
+        </p:spPr>
+        <p:txBody>
+          <a:bodyPr/>
+          <a:lstStyle/>
+          <a:p>
+            <a:r>
+              <a:rPr lang="en-US" dirty="0"/>
+              <a:t>Core Concepts</a:t>
+            </a:r>
+          </a:p>
+        </p:txBody>
+      </p:sp>
+      <p:sp>
+        <p:nvSpPr>
+          <p:cNvPr id="15" name="Rectangle 14">
+            <a:extLst>
+              <a:ext uri="{FF2B5EF4-FFF2-40B4-BE49-F238E27FC236}">
+                <a16:creationId xmlns:a16="http://schemas.microsoft.com/office/drawing/2014/main" id="{655D5480-301A-8545-E4B1-CFC1B4510F6F}"/>
+              </a:ext>
+            </a:extLst>
+          </p:cNvPr>
+          <p:cNvSpPr/>
+          <p:nvPr/>
+        </p:nvSpPr>
+        <p:spPr>
+          <a:xfrm>
+            <a:off x="2496456" y="1810545"/>
+            <a:ext cx="2569030" cy="602569"/>
+          </a:xfrm>
+          <a:prstGeom prst="rect">
+            <a:avLst/>
+          </a:prstGeom>
+          <a:solidFill>
+            <a:schemeClr val="accent2">
+              <a:lumMod val="50000"/>
+            </a:schemeClr>
+          </a:solidFill>
+        </p:spPr>
+        <p:style>
+          <a:lnRef idx="2">
+            <a:schemeClr val="accent1">
+              <a:shade val="50000"/>
+            </a:schemeClr>
+          </a:lnRef>
+          <a:fillRef idx="1">
+            <a:schemeClr val="accent1"/>
+          </a:fillRef>
+          <a:effectRef idx="0">
+            <a:schemeClr val="accent1"/>
+          </a:effectRef>
+          <a:fontRef idx="minor">
+            <a:schemeClr val="lt1"/>
+          </a:fontRef>
+        </p:style>
+        <p:txBody>
+          <a:bodyPr rtlCol="0" anchor="ctr"/>
+          <a:lstStyle/>
+          <a:p>
+            <a:pPr algn="ctr"/>
+            <a:r>
+              <a:rPr lang="en-US" dirty="0"/>
+              <a:t>Schemas &amp; Models</a:t>
+            </a:r>
+          </a:p>
+        </p:txBody>
+      </p:sp>
+      <p:sp>
+        <p:nvSpPr>
+          <p:cNvPr id="18" name="Rectangle 17">
+            <a:extLst>
+              <a:ext uri="{FF2B5EF4-FFF2-40B4-BE49-F238E27FC236}">
+                <a16:creationId xmlns:a16="http://schemas.microsoft.com/office/drawing/2014/main" id="{1572D60C-67E1-1A2F-659D-38AEB7C9B601}"/>
+              </a:ext>
+            </a:extLst>
+          </p:cNvPr>
+          <p:cNvSpPr/>
+          <p:nvPr/>
+        </p:nvSpPr>
+        <p:spPr>
+          <a:xfrm>
+            <a:off x="2496456" y="2640633"/>
+            <a:ext cx="2569030" cy="602569"/>
+          </a:xfrm>
+          <a:prstGeom prst="rect">
+            <a:avLst/>
+          </a:prstGeom>
+          <a:solidFill>
+            <a:schemeClr val="accent2">
+              <a:lumMod val="50000"/>
+            </a:schemeClr>
+          </a:solidFill>
+        </p:spPr>
+        <p:style>
+          <a:lnRef idx="2">
+            <a:schemeClr val="accent1">
+              <a:shade val="50000"/>
+            </a:schemeClr>
+          </a:lnRef>
+          <a:fillRef idx="1">
+            <a:schemeClr val="accent1"/>
+          </a:fillRef>
+          <a:effectRef idx="0">
+            <a:schemeClr val="accent1"/>
+          </a:effectRef>
+          <a:fontRef idx="minor">
+            <a:schemeClr val="lt1"/>
+          </a:fontRef>
+        </p:style>
+        <p:txBody>
+          <a:bodyPr rtlCol="0" anchor="ctr"/>
+          <a:lstStyle/>
+          <a:p>
+            <a:pPr algn="ctr"/>
+            <a:r>
+              <a:rPr lang="en-US" dirty="0"/>
+              <a:t>Instances</a:t>
+            </a:r>
+          </a:p>
+        </p:txBody>
+      </p:sp>
+      <p:sp>
+        <p:nvSpPr>
+          <p:cNvPr id="19" name="Rectangle 18">
+            <a:extLst>
+              <a:ext uri="{FF2B5EF4-FFF2-40B4-BE49-F238E27FC236}">
+                <a16:creationId xmlns:a16="http://schemas.microsoft.com/office/drawing/2014/main" id="{0DD20960-5E39-976A-5AB3-AC9DE8079017}"/>
+              </a:ext>
+            </a:extLst>
+          </p:cNvPr>
+          <p:cNvSpPr/>
+          <p:nvPr/>
+        </p:nvSpPr>
+        <p:spPr>
+          <a:xfrm>
+            <a:off x="2496456" y="3513360"/>
+            <a:ext cx="2569030" cy="602569"/>
+          </a:xfrm>
+          <a:prstGeom prst="rect">
+            <a:avLst/>
+          </a:prstGeom>
+          <a:solidFill>
+            <a:schemeClr val="accent2">
+              <a:lumMod val="50000"/>
+            </a:schemeClr>
+          </a:solidFill>
+        </p:spPr>
+        <p:style>
+          <a:lnRef idx="2">
+            <a:schemeClr val="accent1">
+              <a:shade val="50000"/>
+            </a:schemeClr>
+          </a:lnRef>
+          <a:fillRef idx="1">
+            <a:schemeClr val="accent1"/>
+          </a:fillRef>
+          <a:effectRef idx="0">
+            <a:schemeClr val="accent1"/>
+          </a:effectRef>
+          <a:fontRef idx="minor">
+            <a:schemeClr val="lt1"/>
+          </a:fontRef>
+        </p:style>
+        <p:txBody>
+          <a:bodyPr rtlCol="0" anchor="ctr"/>
+          <a:lstStyle/>
+          <a:p>
+            <a:pPr algn="ctr"/>
+            <a:r>
+              <a:rPr lang="en-US" dirty="0"/>
+              <a:t>Queries</a:t>
+            </a:r>
+          </a:p>
+        </p:txBody>
+      </p:sp>
+      <p:sp>
+        <p:nvSpPr>
+          <p:cNvPr id="3" name="Rectangle 2">
+            <a:extLst>
+              <a:ext uri="{FF2B5EF4-FFF2-40B4-BE49-F238E27FC236}">
+                <a16:creationId xmlns:a16="http://schemas.microsoft.com/office/drawing/2014/main" id="{CB9E5520-2804-A224-5FA7-31EFD8E824B1}"/>
+              </a:ext>
+            </a:extLst>
+          </p:cNvPr>
+          <p:cNvSpPr/>
+          <p:nvPr/>
+        </p:nvSpPr>
+        <p:spPr>
+          <a:xfrm>
+            <a:off x="7765142" y="1810545"/>
+            <a:ext cx="2569030" cy="602569"/>
+          </a:xfrm>
+          <a:prstGeom prst="rect">
+            <a:avLst/>
+          </a:prstGeom>
+          <a:solidFill>
+            <a:schemeClr val="accent2">
+              <a:lumMod val="50000"/>
+            </a:schemeClr>
+          </a:solidFill>
+        </p:spPr>
+        <p:style>
+          <a:lnRef idx="2">
+            <a:schemeClr val="accent1">
+              <a:shade val="50000"/>
+            </a:schemeClr>
+          </a:lnRef>
+          <a:fillRef idx="1">
+            <a:schemeClr val="accent1"/>
+          </a:fillRef>
+          <a:effectRef idx="0">
+            <a:schemeClr val="accent1"/>
+          </a:effectRef>
+          <a:fontRef idx="minor">
+            <a:schemeClr val="lt1"/>
+          </a:fontRef>
+        </p:style>
+        <p:txBody>
+          <a:bodyPr rtlCol="0" anchor="ctr"/>
+          <a:lstStyle/>
+          <a:p>
+            <a:pPr algn="ctr"/>
+            <a:r>
+              <a:rPr lang="en-US" dirty="0"/>
+              <a:t>e.g. User Product</a:t>
+            </a:r>
+          </a:p>
+        </p:txBody>
+      </p:sp>
+      <p:sp>
+        <p:nvSpPr>
+          <p:cNvPr id="11" name="Rectangle 10">
+            <a:extLst>
+              <a:ext uri="{FF2B5EF4-FFF2-40B4-BE49-F238E27FC236}">
+                <a16:creationId xmlns:a16="http://schemas.microsoft.com/office/drawing/2014/main" id="{DF1462A7-CE86-D443-6B96-95F4A9FC4E40}"/>
+              </a:ext>
+            </a:extLst>
+          </p:cNvPr>
+          <p:cNvSpPr/>
+          <p:nvPr/>
+        </p:nvSpPr>
+        <p:spPr>
+          <a:xfrm>
+            <a:off x="7765142" y="2640633"/>
+            <a:ext cx="2569030" cy="602569"/>
+          </a:xfrm>
+          <a:prstGeom prst="rect">
+            <a:avLst/>
+          </a:prstGeom>
+          <a:solidFill>
+            <a:schemeClr val="accent2">
+              <a:lumMod val="50000"/>
+            </a:schemeClr>
+          </a:solidFill>
+        </p:spPr>
+        <p:style>
+          <a:lnRef idx="2">
+            <a:schemeClr val="accent1">
+              <a:shade val="50000"/>
+            </a:schemeClr>
+          </a:lnRef>
+          <a:fillRef idx="1">
+            <a:schemeClr val="accent1"/>
+          </a:fillRef>
+          <a:effectRef idx="0">
+            <a:schemeClr val="accent1"/>
+          </a:effectRef>
+          <a:fontRef idx="minor">
+            <a:schemeClr val="lt1"/>
+          </a:fontRef>
+        </p:style>
+        <p:txBody>
+          <a:bodyPr rtlCol="0" anchor="ctr"/>
+          <a:lstStyle/>
+          <a:p>
+            <a:pPr algn="ctr"/>
+            <a:r>
+              <a:rPr lang="en-US" dirty="0"/>
+              <a:t>Const user = new User()</a:t>
+            </a:r>
+          </a:p>
+        </p:txBody>
+      </p:sp>
+      <p:sp>
+        <p:nvSpPr>
+          <p:cNvPr id="16" name="Rectangle 15">
+            <a:extLst>
+              <a:ext uri="{FF2B5EF4-FFF2-40B4-BE49-F238E27FC236}">
+                <a16:creationId xmlns:a16="http://schemas.microsoft.com/office/drawing/2014/main" id="{8D67DF52-C90F-0F47-5148-4552649B1B14}"/>
+              </a:ext>
+            </a:extLst>
+          </p:cNvPr>
+          <p:cNvSpPr/>
+          <p:nvPr/>
+        </p:nvSpPr>
+        <p:spPr>
+          <a:xfrm>
+            <a:off x="7765142" y="3513360"/>
+            <a:ext cx="2569030" cy="602569"/>
+          </a:xfrm>
+          <a:prstGeom prst="rect">
+            <a:avLst/>
+          </a:prstGeom>
+          <a:solidFill>
+            <a:schemeClr val="accent2">
+              <a:lumMod val="50000"/>
+            </a:schemeClr>
+          </a:solidFill>
+        </p:spPr>
+        <p:style>
+          <a:lnRef idx="2">
+            <a:schemeClr val="accent1">
+              <a:shade val="50000"/>
+            </a:schemeClr>
+          </a:lnRef>
+          <a:fillRef idx="1">
+            <a:schemeClr val="accent1"/>
+          </a:fillRef>
+          <a:effectRef idx="0">
+            <a:schemeClr val="accent1"/>
+          </a:effectRef>
+          <a:fontRef idx="minor">
+            <a:schemeClr val="lt1"/>
+          </a:fontRef>
+        </p:style>
+        <p:txBody>
+          <a:bodyPr rtlCol="0" anchor="ctr"/>
+          <a:lstStyle/>
+          <a:p>
+            <a:pPr algn="ctr"/>
+            <a:r>
+              <a:rPr lang="en-US" dirty="0"/>
+              <a:t>User find()</a:t>
+            </a:r>
+          </a:p>
+        </p:txBody>
+      </p:sp>
+    </p:spTree>
+    <p:extLst>
+      <p:ext uri="{BB962C8B-B14F-4D97-AF65-F5344CB8AC3E}">
+        <p14:creationId xmlns:p14="http://schemas.microsoft.com/office/powerpoint/2010/main" val="2061281014"/>
       </p:ext>
     </p:extLst>
   </p:cSld>

--- a/Database.pptx
+++ b/Database.pptx
@@ -32,6 +32,10 @@
     <p:sldId id="280" r:id="rId26"/>
     <p:sldId id="281" r:id="rId27"/>
     <p:sldId id="282" r:id="rId28"/>
+    <p:sldId id="283" r:id="rId29"/>
+    <p:sldId id="284" r:id="rId30"/>
+    <p:sldId id="286" r:id="rId31"/>
+    <p:sldId id="285" r:id="rId32"/>
   </p:sldIdLst>
   <p:sldSz cx="12192000" cy="6858000"/>
   <p:notesSz cx="6858000" cy="9144000"/>
@@ -373,7 +377,7 @@
           <a:p>
             <a:fld id="{9F08AD8F-3C3D-4B63-978B-A283DF666F72}" type="datetimeFigureOut">
               <a:rPr lang="en-US" smtClean="0"/>
-              <a:t>5/24/2023</a:t>
+              <a:t>6/5/2023</a:t>
             </a:fld>
             <a:endParaRPr lang="en-US"/>
           </a:p>
@@ -571,7 +575,7 @@
           <a:p>
             <a:fld id="{9F08AD8F-3C3D-4B63-978B-A283DF666F72}" type="datetimeFigureOut">
               <a:rPr lang="en-US" smtClean="0"/>
-              <a:t>5/24/2023</a:t>
+              <a:t>6/5/2023</a:t>
             </a:fld>
             <a:endParaRPr lang="en-US"/>
           </a:p>
@@ -779,7 +783,7 @@
           <a:p>
             <a:fld id="{9F08AD8F-3C3D-4B63-978B-A283DF666F72}" type="datetimeFigureOut">
               <a:rPr lang="en-US" smtClean="0"/>
-              <a:t>5/24/2023</a:t>
+              <a:t>6/5/2023</a:t>
             </a:fld>
             <a:endParaRPr lang="en-US"/>
           </a:p>
@@ -977,7 +981,7 @@
           <a:p>
             <a:fld id="{9F08AD8F-3C3D-4B63-978B-A283DF666F72}" type="datetimeFigureOut">
               <a:rPr lang="en-US" smtClean="0"/>
-              <a:t>5/24/2023</a:t>
+              <a:t>6/5/2023</a:t>
             </a:fld>
             <a:endParaRPr lang="en-US"/>
           </a:p>
@@ -1252,7 +1256,7 @@
           <a:p>
             <a:fld id="{9F08AD8F-3C3D-4B63-978B-A283DF666F72}" type="datetimeFigureOut">
               <a:rPr lang="en-US" smtClean="0"/>
-              <a:t>5/24/2023</a:t>
+              <a:t>6/5/2023</a:t>
             </a:fld>
             <a:endParaRPr lang="en-US"/>
           </a:p>
@@ -1517,7 +1521,7 @@
           <a:p>
             <a:fld id="{9F08AD8F-3C3D-4B63-978B-A283DF666F72}" type="datetimeFigureOut">
               <a:rPr lang="en-US" smtClean="0"/>
-              <a:t>5/24/2023</a:t>
+              <a:t>6/5/2023</a:t>
             </a:fld>
             <a:endParaRPr lang="en-US"/>
           </a:p>
@@ -1929,7 +1933,7 @@
           <a:p>
             <a:fld id="{9F08AD8F-3C3D-4B63-978B-A283DF666F72}" type="datetimeFigureOut">
               <a:rPr lang="en-US" smtClean="0"/>
-              <a:t>5/24/2023</a:t>
+              <a:t>6/5/2023</a:t>
             </a:fld>
             <a:endParaRPr lang="en-US"/>
           </a:p>
@@ -2070,7 +2074,7 @@
           <a:p>
             <a:fld id="{9F08AD8F-3C3D-4B63-978B-A283DF666F72}" type="datetimeFigureOut">
               <a:rPr lang="en-US" smtClean="0"/>
-              <a:t>5/24/2023</a:t>
+              <a:t>6/5/2023</a:t>
             </a:fld>
             <a:endParaRPr lang="en-US"/>
           </a:p>
@@ -2183,7 +2187,7 @@
           <a:p>
             <a:fld id="{9F08AD8F-3C3D-4B63-978B-A283DF666F72}" type="datetimeFigureOut">
               <a:rPr lang="en-US" smtClean="0"/>
-              <a:t>5/24/2023</a:t>
+              <a:t>6/5/2023</a:t>
             </a:fld>
             <a:endParaRPr lang="en-US"/>
           </a:p>
@@ -2494,7 +2498,7 @@
           <a:p>
             <a:fld id="{9F08AD8F-3C3D-4B63-978B-A283DF666F72}" type="datetimeFigureOut">
               <a:rPr lang="en-US" smtClean="0"/>
-              <a:t>5/24/2023</a:t>
+              <a:t>6/5/2023</a:t>
             </a:fld>
             <a:endParaRPr lang="en-US"/>
           </a:p>
@@ -2782,7 +2786,7 @@
           <a:p>
             <a:fld id="{9F08AD8F-3C3D-4B63-978B-A283DF666F72}" type="datetimeFigureOut">
               <a:rPr lang="en-US" smtClean="0"/>
-              <a:t>5/24/2023</a:t>
+              <a:t>6/5/2023</a:t>
             </a:fld>
             <a:endParaRPr lang="en-US"/>
           </a:p>
@@ -3023,7 +3027,7 @@
           <a:p>
             <a:fld id="{9F08AD8F-3C3D-4B63-978B-A283DF666F72}" type="datetimeFigureOut">
               <a:rPr lang="en-US" smtClean="0"/>
-              <a:t>5/24/2023</a:t>
+              <a:t>6/5/2023</a:t>
             </a:fld>
             <a:endParaRPr lang="en-US"/>
           </a:p>
@@ -12751,6 +12755,675 @@
 </p:sld>
 </file>
 
+<file path=ppt/slides/slide28.xml><?xml version="1.0" encoding="utf-8"?>
+<p:sld xmlns:a="http://schemas.openxmlformats.org/drawingml/2006/main" xmlns:r="http://schemas.openxmlformats.org/officeDocument/2006/relationships" xmlns:p="http://schemas.openxmlformats.org/presentationml/2006/main">
+  <p:cSld>
+    <p:spTree>
+      <p:nvGrpSpPr>
+        <p:cNvPr id="1" name=""/>
+        <p:cNvGrpSpPr/>
+        <p:nvPr/>
+      </p:nvGrpSpPr>
+      <p:grpSpPr>
+        <a:xfrm>
+          <a:off x="0" y="0"/>
+          <a:ext cx="0" cy="0"/>
+          <a:chOff x="0" y="0"/>
+          <a:chExt cx="0" cy="0"/>
+        </a:xfrm>
+      </p:grpSpPr>
+      <p:sp>
+        <p:nvSpPr>
+          <p:cNvPr id="2" name="Title 1">
+            <a:extLst>
+              <a:ext uri="{FF2B5EF4-FFF2-40B4-BE49-F238E27FC236}">
+                <a16:creationId xmlns:a16="http://schemas.microsoft.com/office/drawing/2014/main" id="{828B810B-15B5-0378-794E-0114D45F7008}"/>
+              </a:ext>
+            </a:extLst>
+          </p:cNvPr>
+          <p:cNvSpPr>
+            <a:spLocks noGrp="1"/>
+          </p:cNvSpPr>
+          <p:nvPr>
+            <p:ph type="title"/>
+          </p:nvPr>
+        </p:nvSpPr>
+        <p:spPr/>
+        <p:txBody>
+          <a:bodyPr/>
+          <a:lstStyle/>
+          <a:p>
+            <a:r>
+              <a:rPr lang="en-US" dirty="0"/>
+              <a:t>Sessions &amp; Cookies</a:t>
+            </a:r>
+          </a:p>
+        </p:txBody>
+      </p:sp>
+      <p:sp>
+        <p:nvSpPr>
+          <p:cNvPr id="3" name="Content Placeholder 2">
+            <a:extLst>
+              <a:ext uri="{FF2B5EF4-FFF2-40B4-BE49-F238E27FC236}">
+                <a16:creationId xmlns:a16="http://schemas.microsoft.com/office/drawing/2014/main" id="{6B8888D4-EAB2-C6D3-EC7B-B05327DDB59C}"/>
+              </a:ext>
+            </a:extLst>
+          </p:cNvPr>
+          <p:cNvSpPr>
+            <a:spLocks noGrp="1"/>
+          </p:cNvSpPr>
+          <p:nvPr>
+            <p:ph idx="1"/>
+          </p:nvPr>
+        </p:nvSpPr>
+        <p:spPr/>
+        <p:txBody>
+          <a:bodyPr/>
+          <a:lstStyle/>
+          <a:p>
+            <a:r>
+              <a:rPr lang="en-US" dirty="0"/>
+              <a:t>Data across Requests</a:t>
+            </a:r>
+          </a:p>
+        </p:txBody>
+      </p:sp>
+    </p:spTree>
+    <p:extLst>
+      <p:ext uri="{BB962C8B-B14F-4D97-AF65-F5344CB8AC3E}">
+        <p14:creationId xmlns:p14="http://schemas.microsoft.com/office/powerpoint/2010/main" val="2640509457"/>
+      </p:ext>
+    </p:extLst>
+  </p:cSld>
+  <p:clrMapOvr>
+    <a:masterClrMapping/>
+  </p:clrMapOvr>
+</p:sld>
+</file>
+
+<file path=ppt/slides/slide29.xml><?xml version="1.0" encoding="utf-8"?>
+<p:sld xmlns:a="http://schemas.openxmlformats.org/drawingml/2006/main" xmlns:r="http://schemas.openxmlformats.org/officeDocument/2006/relationships" xmlns:p="http://schemas.openxmlformats.org/presentationml/2006/main">
+  <p:cSld>
+    <p:spTree>
+      <p:nvGrpSpPr>
+        <p:cNvPr id="1" name=""/>
+        <p:cNvGrpSpPr/>
+        <p:nvPr/>
+      </p:nvGrpSpPr>
+      <p:grpSpPr>
+        <a:xfrm>
+          <a:off x="0" y="0"/>
+          <a:ext cx="0" cy="0"/>
+          <a:chOff x="0" y="0"/>
+          <a:chExt cx="0" cy="0"/>
+        </a:xfrm>
+      </p:grpSpPr>
+      <p:sp>
+        <p:nvSpPr>
+          <p:cNvPr id="2" name="Title 1">
+            <a:extLst>
+              <a:ext uri="{FF2B5EF4-FFF2-40B4-BE49-F238E27FC236}">
+                <a16:creationId xmlns:a16="http://schemas.microsoft.com/office/drawing/2014/main" id="{456ED9CE-A060-E8D3-61FC-0AC2BE757D37}"/>
+              </a:ext>
+            </a:extLst>
+          </p:cNvPr>
+          <p:cNvSpPr>
+            <a:spLocks noGrp="1"/>
+          </p:cNvSpPr>
+          <p:nvPr>
+            <p:ph type="title"/>
+          </p:nvPr>
+        </p:nvSpPr>
+        <p:spPr>
+          <a:xfrm>
+            <a:off x="838200" y="365126"/>
+            <a:ext cx="9655629" cy="592818"/>
+          </a:xfrm>
+        </p:spPr>
+        <p:txBody>
+          <a:bodyPr>
+            <a:normAutofit fontScale="90000"/>
+          </a:bodyPr>
+          <a:lstStyle/>
+          <a:p>
+            <a:r>
+              <a:rPr lang="en-US" dirty="0"/>
+              <a:t>What’s a Cookie?</a:t>
+            </a:r>
+          </a:p>
+        </p:txBody>
+      </p:sp>
+      <p:sp>
+        <p:nvSpPr>
+          <p:cNvPr id="4" name="Rectangle 3">
+            <a:extLst>
+              <a:ext uri="{FF2B5EF4-FFF2-40B4-BE49-F238E27FC236}">
+                <a16:creationId xmlns:a16="http://schemas.microsoft.com/office/drawing/2014/main" id="{AEE4CFB7-84D3-1086-3468-9FA5FD073390}"/>
+              </a:ext>
+            </a:extLst>
+          </p:cNvPr>
+          <p:cNvSpPr/>
+          <p:nvPr/>
+        </p:nvSpPr>
+        <p:spPr>
+          <a:xfrm>
+            <a:off x="3701143" y="957944"/>
+            <a:ext cx="3657600" cy="783770"/>
+          </a:xfrm>
+          <a:prstGeom prst="rect">
+            <a:avLst/>
+          </a:prstGeom>
+        </p:spPr>
+        <p:style>
+          <a:lnRef idx="2">
+            <a:schemeClr val="accent1">
+              <a:shade val="50000"/>
+            </a:schemeClr>
+          </a:lnRef>
+          <a:fillRef idx="1">
+            <a:schemeClr val="accent1"/>
+          </a:fillRef>
+          <a:effectRef idx="0">
+            <a:schemeClr val="accent1"/>
+          </a:effectRef>
+          <a:fontRef idx="minor">
+            <a:schemeClr val="lt1"/>
+          </a:fontRef>
+        </p:style>
+        <p:txBody>
+          <a:bodyPr rtlCol="0" anchor="ctr"/>
+          <a:lstStyle/>
+          <a:p>
+            <a:pPr algn="ctr"/>
+            <a:r>
+              <a:rPr lang="en-US" sz="2400" dirty="0"/>
+              <a:t>Cookies are stored on the client-side</a:t>
+            </a:r>
+          </a:p>
+        </p:txBody>
+      </p:sp>
+      <p:sp>
+        <p:nvSpPr>
+          <p:cNvPr id="5" name="Rectangle 4">
+            <a:extLst>
+              <a:ext uri="{FF2B5EF4-FFF2-40B4-BE49-F238E27FC236}">
+                <a16:creationId xmlns:a16="http://schemas.microsoft.com/office/drawing/2014/main" id="{1407C263-38FE-7F29-B960-73E51C499738}"/>
+              </a:ext>
+            </a:extLst>
+          </p:cNvPr>
+          <p:cNvSpPr/>
+          <p:nvPr/>
+        </p:nvSpPr>
+        <p:spPr>
+          <a:xfrm>
+            <a:off x="3701143" y="1942647"/>
+            <a:ext cx="3657600" cy="783770"/>
+          </a:xfrm>
+          <a:prstGeom prst="rect">
+            <a:avLst/>
+          </a:prstGeom>
+        </p:spPr>
+        <p:style>
+          <a:lnRef idx="2">
+            <a:schemeClr val="accent1">
+              <a:shade val="50000"/>
+            </a:schemeClr>
+          </a:lnRef>
+          <a:fillRef idx="1">
+            <a:schemeClr val="accent1"/>
+          </a:fillRef>
+          <a:effectRef idx="0">
+            <a:schemeClr val="accent1"/>
+          </a:effectRef>
+          <a:fontRef idx="minor">
+            <a:schemeClr val="lt1"/>
+          </a:fontRef>
+        </p:style>
+        <p:txBody>
+          <a:bodyPr rtlCol="0" anchor="ctr"/>
+          <a:lstStyle/>
+          <a:p>
+            <a:pPr algn="ctr"/>
+            <a:r>
+              <a:rPr lang="en-US" dirty="0"/>
+              <a:t>User</a:t>
+            </a:r>
+          </a:p>
+        </p:txBody>
+      </p:sp>
+      <p:sp>
+        <p:nvSpPr>
+          <p:cNvPr id="6" name="Rectangle 5">
+            <a:extLst>
+              <a:ext uri="{FF2B5EF4-FFF2-40B4-BE49-F238E27FC236}">
+                <a16:creationId xmlns:a16="http://schemas.microsoft.com/office/drawing/2014/main" id="{1980EB4C-0A02-B00D-F15E-02E49CBEF2F9}"/>
+              </a:ext>
+            </a:extLst>
+          </p:cNvPr>
+          <p:cNvSpPr/>
+          <p:nvPr/>
+        </p:nvSpPr>
+        <p:spPr>
+          <a:xfrm>
+            <a:off x="3701143" y="3037115"/>
+            <a:ext cx="3657600" cy="783770"/>
+          </a:xfrm>
+          <a:prstGeom prst="rect">
+            <a:avLst/>
+          </a:prstGeom>
+        </p:spPr>
+        <p:style>
+          <a:lnRef idx="2">
+            <a:schemeClr val="accent1">
+              <a:shade val="50000"/>
+            </a:schemeClr>
+          </a:lnRef>
+          <a:fillRef idx="1">
+            <a:schemeClr val="accent1"/>
+          </a:fillRef>
+          <a:effectRef idx="0">
+            <a:schemeClr val="accent1"/>
+          </a:effectRef>
+          <a:fontRef idx="minor">
+            <a:schemeClr val="lt1"/>
+          </a:fontRef>
+        </p:style>
+        <p:txBody>
+          <a:bodyPr rtlCol="0" anchor="ctr"/>
+          <a:lstStyle/>
+          <a:p>
+            <a:pPr algn="ctr"/>
+            <a:r>
+              <a:rPr lang="en-US" dirty="0"/>
+              <a:t>Frontend (Views)</a:t>
+            </a:r>
+          </a:p>
+        </p:txBody>
+      </p:sp>
+      <p:sp>
+        <p:nvSpPr>
+          <p:cNvPr id="7" name="Rectangle 6">
+            <a:extLst>
+              <a:ext uri="{FF2B5EF4-FFF2-40B4-BE49-F238E27FC236}">
+                <a16:creationId xmlns:a16="http://schemas.microsoft.com/office/drawing/2014/main" id="{C155BF94-F83E-DEC9-D264-D19F20B28384}"/>
+              </a:ext>
+            </a:extLst>
+          </p:cNvPr>
+          <p:cNvSpPr/>
+          <p:nvPr/>
+        </p:nvSpPr>
+        <p:spPr>
+          <a:xfrm>
+            <a:off x="8360228" y="3037115"/>
+            <a:ext cx="3657600" cy="783770"/>
+          </a:xfrm>
+          <a:prstGeom prst="rect">
+            <a:avLst/>
+          </a:prstGeom>
+        </p:spPr>
+        <p:style>
+          <a:lnRef idx="2">
+            <a:schemeClr val="accent1">
+              <a:shade val="50000"/>
+            </a:schemeClr>
+          </a:lnRef>
+          <a:fillRef idx="1">
+            <a:schemeClr val="accent1"/>
+          </a:fillRef>
+          <a:effectRef idx="0">
+            <a:schemeClr val="accent1"/>
+          </a:effectRef>
+          <a:fontRef idx="minor">
+            <a:schemeClr val="lt1"/>
+          </a:fontRef>
+        </p:style>
+        <p:txBody>
+          <a:bodyPr rtlCol="0" anchor="ctr"/>
+          <a:lstStyle/>
+          <a:p>
+            <a:pPr algn="ctr"/>
+            <a:r>
+              <a:rPr lang="en-US" dirty="0"/>
+              <a:t>Cookie</a:t>
+            </a:r>
+          </a:p>
+        </p:txBody>
+      </p:sp>
+      <p:sp>
+        <p:nvSpPr>
+          <p:cNvPr id="8" name="Rectangle 7">
+            <a:extLst>
+              <a:ext uri="{FF2B5EF4-FFF2-40B4-BE49-F238E27FC236}">
+                <a16:creationId xmlns:a16="http://schemas.microsoft.com/office/drawing/2014/main" id="{C4E552F7-A0AC-8D18-5569-BF8C7CFED7EA}"/>
+              </a:ext>
+            </a:extLst>
+          </p:cNvPr>
+          <p:cNvSpPr/>
+          <p:nvPr/>
+        </p:nvSpPr>
+        <p:spPr>
+          <a:xfrm>
+            <a:off x="3701143" y="5148944"/>
+            <a:ext cx="3657600" cy="783770"/>
+          </a:xfrm>
+          <a:prstGeom prst="rect">
+            <a:avLst/>
+          </a:prstGeom>
+        </p:spPr>
+        <p:style>
+          <a:lnRef idx="2">
+            <a:schemeClr val="accent1">
+              <a:shade val="50000"/>
+            </a:schemeClr>
+          </a:lnRef>
+          <a:fillRef idx="1">
+            <a:schemeClr val="accent1"/>
+          </a:fillRef>
+          <a:effectRef idx="0">
+            <a:schemeClr val="accent1"/>
+          </a:effectRef>
+          <a:fontRef idx="minor">
+            <a:schemeClr val="lt1"/>
+          </a:fontRef>
+        </p:style>
+        <p:txBody>
+          <a:bodyPr rtlCol="0" anchor="ctr"/>
+          <a:lstStyle/>
+          <a:p>
+            <a:pPr algn="ctr"/>
+            <a:r>
+              <a:rPr lang="en-US" dirty="0"/>
+              <a:t>Server (Node App)</a:t>
+            </a:r>
+          </a:p>
+        </p:txBody>
+      </p:sp>
+      <p:cxnSp>
+        <p:nvCxnSpPr>
+          <p:cNvPr id="10" name="Straight Arrow Connector 9">
+            <a:extLst>
+              <a:ext uri="{FF2B5EF4-FFF2-40B4-BE49-F238E27FC236}">
+                <a16:creationId xmlns:a16="http://schemas.microsoft.com/office/drawing/2014/main" id="{42F22B72-21C2-2385-6BBA-CF5114897F56}"/>
+              </a:ext>
+            </a:extLst>
+          </p:cNvPr>
+          <p:cNvCxnSpPr>
+            <a:stCxn id="5" idx="2"/>
+            <a:endCxn id="6" idx="0"/>
+          </p:cNvCxnSpPr>
+          <p:nvPr/>
+        </p:nvCxnSpPr>
+        <p:spPr>
+          <a:xfrm>
+            <a:off x="5529943" y="2726417"/>
+            <a:ext cx="0" cy="310698"/>
+          </a:xfrm>
+          <a:prstGeom prst="straightConnector1">
+            <a:avLst/>
+          </a:prstGeom>
+          <a:ln>
+            <a:tailEnd type="triangle"/>
+          </a:ln>
+        </p:spPr>
+        <p:style>
+          <a:lnRef idx="1">
+            <a:schemeClr val="accent1"/>
+          </a:lnRef>
+          <a:fillRef idx="0">
+            <a:schemeClr val="accent1"/>
+          </a:fillRef>
+          <a:effectRef idx="0">
+            <a:schemeClr val="accent1"/>
+          </a:effectRef>
+          <a:fontRef idx="minor">
+            <a:schemeClr val="tx1"/>
+          </a:fontRef>
+        </p:style>
+      </p:cxnSp>
+      <p:cxnSp>
+        <p:nvCxnSpPr>
+          <p:cNvPr id="12" name="Straight Arrow Connector 11">
+            <a:extLst>
+              <a:ext uri="{FF2B5EF4-FFF2-40B4-BE49-F238E27FC236}">
+                <a16:creationId xmlns:a16="http://schemas.microsoft.com/office/drawing/2014/main" id="{82211F6E-1392-2877-FEA1-A62B09C32606}"/>
+              </a:ext>
+            </a:extLst>
+          </p:cNvPr>
+          <p:cNvCxnSpPr>
+            <a:stCxn id="6" idx="2"/>
+            <a:endCxn id="8" idx="0"/>
+          </p:cNvCxnSpPr>
+          <p:nvPr/>
+        </p:nvCxnSpPr>
+        <p:spPr>
+          <a:xfrm>
+            <a:off x="5529943" y="3820885"/>
+            <a:ext cx="0" cy="1328059"/>
+          </a:xfrm>
+          <a:prstGeom prst="straightConnector1">
+            <a:avLst/>
+          </a:prstGeom>
+          <a:ln>
+            <a:tailEnd type="triangle"/>
+          </a:ln>
+        </p:spPr>
+        <p:style>
+          <a:lnRef idx="1">
+            <a:schemeClr val="accent1"/>
+          </a:lnRef>
+          <a:fillRef idx="0">
+            <a:schemeClr val="accent1"/>
+          </a:fillRef>
+          <a:effectRef idx="0">
+            <a:schemeClr val="accent1"/>
+          </a:effectRef>
+          <a:fontRef idx="minor">
+            <a:schemeClr val="tx1"/>
+          </a:fontRef>
+        </p:style>
+      </p:cxnSp>
+      <p:sp>
+        <p:nvSpPr>
+          <p:cNvPr id="13" name="TextBox 12">
+            <a:extLst>
+              <a:ext uri="{FF2B5EF4-FFF2-40B4-BE49-F238E27FC236}">
+                <a16:creationId xmlns:a16="http://schemas.microsoft.com/office/drawing/2014/main" id="{3ECD27AD-1441-502A-7FB6-0F8AED85C987}"/>
+              </a:ext>
+            </a:extLst>
+          </p:cNvPr>
+          <p:cNvSpPr txBox="1"/>
+          <p:nvPr/>
+        </p:nvSpPr>
+        <p:spPr>
+          <a:xfrm>
+            <a:off x="3526971" y="4354286"/>
+            <a:ext cx="1262743" cy="369332"/>
+          </a:xfrm>
+          <a:prstGeom prst="rect">
+            <a:avLst/>
+          </a:prstGeom>
+          <a:noFill/>
+        </p:spPr>
+        <p:txBody>
+          <a:bodyPr wrap="square" rtlCol="0">
+            <a:spAutoFit/>
+          </a:bodyPr>
+          <a:lstStyle/>
+          <a:p>
+            <a:r>
+              <a:rPr lang="en-US" dirty="0"/>
+              <a:t>Request</a:t>
+            </a:r>
+          </a:p>
+        </p:txBody>
+      </p:sp>
+      <p:sp>
+        <p:nvSpPr>
+          <p:cNvPr id="14" name="TextBox 13">
+            <a:extLst>
+              <a:ext uri="{FF2B5EF4-FFF2-40B4-BE49-F238E27FC236}">
+                <a16:creationId xmlns:a16="http://schemas.microsoft.com/office/drawing/2014/main" id="{686C6B5F-3271-C27F-9AD1-7C10BC778939}"/>
+              </a:ext>
+            </a:extLst>
+          </p:cNvPr>
+          <p:cNvSpPr txBox="1"/>
+          <p:nvPr/>
+        </p:nvSpPr>
+        <p:spPr>
+          <a:xfrm>
+            <a:off x="5812972" y="4484914"/>
+            <a:ext cx="1719942" cy="369332"/>
+          </a:xfrm>
+          <a:prstGeom prst="rect">
+            <a:avLst/>
+          </a:prstGeom>
+          <a:noFill/>
+        </p:spPr>
+        <p:txBody>
+          <a:bodyPr wrap="square" rtlCol="0">
+            <a:spAutoFit/>
+          </a:bodyPr>
+          <a:lstStyle/>
+          <a:p>
+            <a:r>
+              <a:rPr lang="en-US" dirty="0"/>
+              <a:t>Include Cookies</a:t>
+            </a:r>
+          </a:p>
+        </p:txBody>
+      </p:sp>
+      <p:cxnSp>
+        <p:nvCxnSpPr>
+          <p:cNvPr id="16" name="Straight Arrow Connector 15">
+            <a:extLst>
+              <a:ext uri="{FF2B5EF4-FFF2-40B4-BE49-F238E27FC236}">
+                <a16:creationId xmlns:a16="http://schemas.microsoft.com/office/drawing/2014/main" id="{D9FB5C0B-CCE3-D67D-3EC4-E83F49C276AE}"/>
+              </a:ext>
+            </a:extLst>
+          </p:cNvPr>
+          <p:cNvCxnSpPr>
+            <a:stCxn id="6" idx="3"/>
+            <a:endCxn id="7" idx="1"/>
+          </p:cNvCxnSpPr>
+          <p:nvPr/>
+        </p:nvCxnSpPr>
+        <p:spPr>
+          <a:xfrm>
+            <a:off x="7358743" y="3429000"/>
+            <a:ext cx="1001485" cy="0"/>
+          </a:xfrm>
+          <a:prstGeom prst="straightConnector1">
+            <a:avLst/>
+          </a:prstGeom>
+          <a:ln>
+            <a:tailEnd type="triangle"/>
+          </a:ln>
+        </p:spPr>
+        <p:style>
+          <a:lnRef idx="1">
+            <a:schemeClr val="accent1"/>
+          </a:lnRef>
+          <a:fillRef idx="0">
+            <a:schemeClr val="accent1"/>
+          </a:fillRef>
+          <a:effectRef idx="0">
+            <a:schemeClr val="accent1"/>
+          </a:effectRef>
+          <a:fontRef idx="minor">
+            <a:schemeClr val="tx1"/>
+          </a:fontRef>
+        </p:style>
+      </p:cxnSp>
+      <p:cxnSp>
+        <p:nvCxnSpPr>
+          <p:cNvPr id="18" name="Connector: Elbow 17">
+            <a:extLst>
+              <a:ext uri="{FF2B5EF4-FFF2-40B4-BE49-F238E27FC236}">
+                <a16:creationId xmlns:a16="http://schemas.microsoft.com/office/drawing/2014/main" id="{66BC316A-76BD-CE8A-0ACB-57FC394D5B83}"/>
+              </a:ext>
+            </a:extLst>
+          </p:cNvPr>
+          <p:cNvCxnSpPr>
+            <a:stCxn id="8" idx="3"/>
+            <a:endCxn id="7" idx="2"/>
+          </p:cNvCxnSpPr>
+          <p:nvPr/>
+        </p:nvCxnSpPr>
+        <p:spPr>
+          <a:xfrm flipV="1">
+            <a:off x="7358743" y="3820885"/>
+            <a:ext cx="2830285" cy="1719944"/>
+          </a:xfrm>
+          <a:prstGeom prst="bentConnector2">
+            <a:avLst/>
+          </a:prstGeom>
+          <a:ln>
+            <a:tailEnd type="triangle"/>
+          </a:ln>
+        </p:spPr>
+        <p:style>
+          <a:lnRef idx="1">
+            <a:schemeClr val="accent1"/>
+          </a:lnRef>
+          <a:fillRef idx="0">
+            <a:schemeClr val="accent1"/>
+          </a:fillRef>
+          <a:effectRef idx="0">
+            <a:schemeClr val="accent1"/>
+          </a:effectRef>
+          <a:fontRef idx="minor">
+            <a:schemeClr val="tx1"/>
+          </a:fontRef>
+        </p:style>
+      </p:cxnSp>
+      <p:sp>
+        <p:nvSpPr>
+          <p:cNvPr id="19" name="TextBox 18">
+            <a:extLst>
+              <a:ext uri="{FF2B5EF4-FFF2-40B4-BE49-F238E27FC236}">
+                <a16:creationId xmlns:a16="http://schemas.microsoft.com/office/drawing/2014/main" id="{E7557E76-1F53-653E-10DA-C2325D069F79}"/>
+              </a:ext>
+            </a:extLst>
+          </p:cNvPr>
+          <p:cNvSpPr txBox="1"/>
+          <p:nvPr/>
+        </p:nvSpPr>
+        <p:spPr>
+          <a:xfrm>
+            <a:off x="10330543" y="4723618"/>
+            <a:ext cx="1719942" cy="923330"/>
+          </a:xfrm>
+          <a:prstGeom prst="rect">
+            <a:avLst/>
+          </a:prstGeom>
+          <a:noFill/>
+        </p:spPr>
+        <p:txBody>
+          <a:bodyPr wrap="square" rtlCol="0">
+            <a:spAutoFit/>
+          </a:bodyPr>
+          <a:lstStyle/>
+          <a:p>
+            <a:r>
+              <a:rPr lang="en-US" dirty="0"/>
+              <a:t>Set via Response Header</a:t>
+            </a:r>
+          </a:p>
+        </p:txBody>
+      </p:sp>
+    </p:spTree>
+    <p:extLst>
+      <p:ext uri="{BB962C8B-B14F-4D97-AF65-F5344CB8AC3E}">
+        <p14:creationId xmlns:p14="http://schemas.microsoft.com/office/powerpoint/2010/main" val="3132195317"/>
+      </p:ext>
+    </p:extLst>
+  </p:cSld>
+  <p:clrMapOvr>
+    <a:masterClrMapping/>
+  </p:clrMapOvr>
+</p:sld>
+</file>
+
 <file path=ppt/slides/slide3.xml><?xml version="1.0" encoding="utf-8"?>
 <p:sld xmlns:a="http://schemas.openxmlformats.org/drawingml/2006/main" xmlns:r="http://schemas.openxmlformats.org/officeDocument/2006/relationships" xmlns:p="http://schemas.openxmlformats.org/presentationml/2006/main">
   <p:cSld>
@@ -13433,6 +14106,843 @@
     <p:extLst>
       <p:ext uri="{BB962C8B-B14F-4D97-AF65-F5344CB8AC3E}">
         <p14:creationId xmlns:p14="http://schemas.microsoft.com/office/powerpoint/2010/main" val="868818960"/>
+      </p:ext>
+    </p:extLst>
+  </p:cSld>
+  <p:clrMapOvr>
+    <a:masterClrMapping/>
+  </p:clrMapOvr>
+</p:sld>
+</file>
+
+<file path=ppt/slides/slide30.xml><?xml version="1.0" encoding="utf-8"?>
+<p:sld xmlns:a="http://schemas.openxmlformats.org/drawingml/2006/main" xmlns:r="http://schemas.openxmlformats.org/officeDocument/2006/relationships" xmlns:p="http://schemas.openxmlformats.org/presentationml/2006/main">
+  <p:cSld>
+    <p:spTree>
+      <p:nvGrpSpPr>
+        <p:cNvPr id="1" name=""/>
+        <p:cNvGrpSpPr/>
+        <p:nvPr/>
+      </p:nvGrpSpPr>
+      <p:grpSpPr>
+        <a:xfrm>
+          <a:off x="0" y="0"/>
+          <a:ext cx="0" cy="0"/>
+          <a:chOff x="0" y="0"/>
+          <a:chExt cx="0" cy="0"/>
+        </a:xfrm>
+      </p:grpSpPr>
+      <p:sp>
+        <p:nvSpPr>
+          <p:cNvPr id="2" name="Title 1">
+            <a:extLst>
+              <a:ext uri="{FF2B5EF4-FFF2-40B4-BE49-F238E27FC236}">
+                <a16:creationId xmlns:a16="http://schemas.microsoft.com/office/drawing/2014/main" id="{456ED9CE-A060-E8D3-61FC-0AC2BE757D37}"/>
+              </a:ext>
+            </a:extLst>
+          </p:cNvPr>
+          <p:cNvSpPr>
+            <a:spLocks noGrp="1"/>
+          </p:cNvSpPr>
+          <p:nvPr>
+            <p:ph type="title"/>
+          </p:nvPr>
+        </p:nvSpPr>
+        <p:spPr>
+          <a:xfrm>
+            <a:off x="838200" y="365126"/>
+            <a:ext cx="9655629" cy="592818"/>
+          </a:xfrm>
+        </p:spPr>
+        <p:txBody>
+          <a:bodyPr>
+            <a:normAutofit fontScale="90000"/>
+          </a:bodyPr>
+          <a:lstStyle/>
+          <a:p>
+            <a:r>
+              <a:rPr lang="en-US" dirty="0"/>
+              <a:t>What’s a Cookie?</a:t>
+            </a:r>
+          </a:p>
+        </p:txBody>
+      </p:sp>
+      <p:sp>
+        <p:nvSpPr>
+          <p:cNvPr id="4" name="Rectangle 3">
+            <a:extLst>
+              <a:ext uri="{FF2B5EF4-FFF2-40B4-BE49-F238E27FC236}">
+                <a16:creationId xmlns:a16="http://schemas.microsoft.com/office/drawing/2014/main" id="{AEE4CFB7-84D3-1086-3468-9FA5FD073390}"/>
+              </a:ext>
+            </a:extLst>
+          </p:cNvPr>
+          <p:cNvSpPr/>
+          <p:nvPr/>
+        </p:nvSpPr>
+        <p:spPr>
+          <a:xfrm>
+            <a:off x="1872343" y="1306286"/>
+            <a:ext cx="3657600" cy="783770"/>
+          </a:xfrm>
+          <a:prstGeom prst="rect">
+            <a:avLst/>
+          </a:prstGeom>
+        </p:spPr>
+        <p:style>
+          <a:lnRef idx="2">
+            <a:schemeClr val="accent1">
+              <a:shade val="50000"/>
+            </a:schemeClr>
+          </a:lnRef>
+          <a:fillRef idx="1">
+            <a:schemeClr val="accent1"/>
+          </a:fillRef>
+          <a:effectRef idx="0">
+            <a:schemeClr val="accent1"/>
+          </a:effectRef>
+          <a:fontRef idx="minor">
+            <a:schemeClr val="lt1"/>
+          </a:fontRef>
+        </p:style>
+        <p:txBody>
+          <a:bodyPr rtlCol="0" anchor="ctr"/>
+          <a:lstStyle/>
+          <a:p>
+            <a:pPr algn="ctr"/>
+            <a:r>
+              <a:rPr lang="en-US" sz="2400" dirty="0"/>
+              <a:t>Cookies are stored on the client-side</a:t>
+            </a:r>
+          </a:p>
+        </p:txBody>
+      </p:sp>
+      <p:sp>
+        <p:nvSpPr>
+          <p:cNvPr id="5" name="Rectangle 4">
+            <a:extLst>
+              <a:ext uri="{FF2B5EF4-FFF2-40B4-BE49-F238E27FC236}">
+                <a16:creationId xmlns:a16="http://schemas.microsoft.com/office/drawing/2014/main" id="{1407C263-38FE-7F29-B960-73E51C499738}"/>
+              </a:ext>
+            </a:extLst>
+          </p:cNvPr>
+          <p:cNvSpPr/>
+          <p:nvPr/>
+        </p:nvSpPr>
+        <p:spPr>
+          <a:xfrm>
+            <a:off x="1872343" y="2290989"/>
+            <a:ext cx="3657600" cy="783770"/>
+          </a:xfrm>
+          <a:prstGeom prst="rect">
+            <a:avLst/>
+          </a:prstGeom>
+        </p:spPr>
+        <p:style>
+          <a:lnRef idx="2">
+            <a:schemeClr val="accent1">
+              <a:shade val="50000"/>
+            </a:schemeClr>
+          </a:lnRef>
+          <a:fillRef idx="1">
+            <a:schemeClr val="accent1"/>
+          </a:fillRef>
+          <a:effectRef idx="0">
+            <a:schemeClr val="accent1"/>
+          </a:effectRef>
+          <a:fontRef idx="minor">
+            <a:schemeClr val="lt1"/>
+          </a:fontRef>
+        </p:style>
+        <p:txBody>
+          <a:bodyPr rtlCol="0" anchor="ctr"/>
+          <a:lstStyle/>
+          <a:p>
+            <a:pPr algn="ctr"/>
+            <a:r>
+              <a:rPr lang="en-US" dirty="0"/>
+              <a:t>User</a:t>
+            </a:r>
+          </a:p>
+        </p:txBody>
+      </p:sp>
+      <p:sp>
+        <p:nvSpPr>
+          <p:cNvPr id="6" name="Rectangle 5">
+            <a:extLst>
+              <a:ext uri="{FF2B5EF4-FFF2-40B4-BE49-F238E27FC236}">
+                <a16:creationId xmlns:a16="http://schemas.microsoft.com/office/drawing/2014/main" id="{1980EB4C-0A02-B00D-F15E-02E49CBEF2F9}"/>
+              </a:ext>
+            </a:extLst>
+          </p:cNvPr>
+          <p:cNvSpPr/>
+          <p:nvPr/>
+        </p:nvSpPr>
+        <p:spPr>
+          <a:xfrm>
+            <a:off x="1872343" y="3385457"/>
+            <a:ext cx="3657600" cy="783770"/>
+          </a:xfrm>
+          <a:prstGeom prst="rect">
+            <a:avLst/>
+          </a:prstGeom>
+        </p:spPr>
+        <p:style>
+          <a:lnRef idx="2">
+            <a:schemeClr val="accent1">
+              <a:shade val="50000"/>
+            </a:schemeClr>
+          </a:lnRef>
+          <a:fillRef idx="1">
+            <a:schemeClr val="accent1"/>
+          </a:fillRef>
+          <a:effectRef idx="0">
+            <a:schemeClr val="accent1"/>
+          </a:effectRef>
+          <a:fontRef idx="minor">
+            <a:schemeClr val="lt1"/>
+          </a:fontRef>
+        </p:style>
+        <p:txBody>
+          <a:bodyPr rtlCol="0" anchor="ctr"/>
+          <a:lstStyle/>
+          <a:p>
+            <a:pPr algn="ctr"/>
+            <a:r>
+              <a:rPr lang="en-US" dirty="0"/>
+              <a:t>Frontend (Views)</a:t>
+            </a:r>
+          </a:p>
+        </p:txBody>
+      </p:sp>
+      <p:sp>
+        <p:nvSpPr>
+          <p:cNvPr id="7" name="Rectangle 6">
+            <a:extLst>
+              <a:ext uri="{FF2B5EF4-FFF2-40B4-BE49-F238E27FC236}">
+                <a16:creationId xmlns:a16="http://schemas.microsoft.com/office/drawing/2014/main" id="{C155BF94-F83E-DEC9-D264-D19F20B28384}"/>
+              </a:ext>
+            </a:extLst>
+          </p:cNvPr>
+          <p:cNvSpPr/>
+          <p:nvPr/>
+        </p:nvSpPr>
+        <p:spPr>
+          <a:xfrm>
+            <a:off x="6531428" y="3385457"/>
+            <a:ext cx="3657600" cy="783770"/>
+          </a:xfrm>
+          <a:prstGeom prst="rect">
+            <a:avLst/>
+          </a:prstGeom>
+        </p:spPr>
+        <p:style>
+          <a:lnRef idx="2">
+            <a:schemeClr val="accent1">
+              <a:shade val="50000"/>
+            </a:schemeClr>
+          </a:lnRef>
+          <a:fillRef idx="1">
+            <a:schemeClr val="accent1"/>
+          </a:fillRef>
+          <a:effectRef idx="0">
+            <a:schemeClr val="accent1"/>
+          </a:effectRef>
+          <a:fontRef idx="minor">
+            <a:schemeClr val="lt1"/>
+          </a:fontRef>
+        </p:style>
+        <p:txBody>
+          <a:bodyPr rtlCol="0" anchor="ctr"/>
+          <a:lstStyle/>
+          <a:p>
+            <a:pPr algn="ctr"/>
+            <a:r>
+              <a:rPr lang="en-US" dirty="0"/>
+              <a:t>Cookie</a:t>
+            </a:r>
+          </a:p>
+        </p:txBody>
+      </p:sp>
+      <p:sp>
+        <p:nvSpPr>
+          <p:cNvPr id="8" name="Rectangle 7">
+            <a:extLst>
+              <a:ext uri="{FF2B5EF4-FFF2-40B4-BE49-F238E27FC236}">
+                <a16:creationId xmlns:a16="http://schemas.microsoft.com/office/drawing/2014/main" id="{C4E552F7-A0AC-8D18-5569-BF8C7CFED7EA}"/>
+              </a:ext>
+            </a:extLst>
+          </p:cNvPr>
+          <p:cNvSpPr/>
+          <p:nvPr/>
+        </p:nvSpPr>
+        <p:spPr>
+          <a:xfrm>
+            <a:off x="1872343" y="5105401"/>
+            <a:ext cx="3657600" cy="783770"/>
+          </a:xfrm>
+          <a:prstGeom prst="rect">
+            <a:avLst/>
+          </a:prstGeom>
+        </p:spPr>
+        <p:style>
+          <a:lnRef idx="2">
+            <a:schemeClr val="accent1">
+              <a:shade val="50000"/>
+            </a:schemeClr>
+          </a:lnRef>
+          <a:fillRef idx="1">
+            <a:schemeClr val="accent1"/>
+          </a:fillRef>
+          <a:effectRef idx="0">
+            <a:schemeClr val="accent1"/>
+          </a:effectRef>
+          <a:fontRef idx="minor">
+            <a:schemeClr val="lt1"/>
+          </a:fontRef>
+        </p:style>
+        <p:txBody>
+          <a:bodyPr rtlCol="0" anchor="ctr"/>
+          <a:lstStyle/>
+          <a:p>
+            <a:pPr algn="ctr"/>
+            <a:r>
+              <a:rPr lang="en-US" dirty="0"/>
+              <a:t>Server (Node App)</a:t>
+            </a:r>
+          </a:p>
+        </p:txBody>
+      </p:sp>
+      <p:cxnSp>
+        <p:nvCxnSpPr>
+          <p:cNvPr id="10" name="Straight Arrow Connector 9">
+            <a:extLst>
+              <a:ext uri="{FF2B5EF4-FFF2-40B4-BE49-F238E27FC236}">
+                <a16:creationId xmlns:a16="http://schemas.microsoft.com/office/drawing/2014/main" id="{42F22B72-21C2-2385-6BBA-CF5114897F56}"/>
+              </a:ext>
+            </a:extLst>
+          </p:cNvPr>
+          <p:cNvCxnSpPr>
+            <a:stCxn id="5" idx="2"/>
+            <a:endCxn id="6" idx="0"/>
+          </p:cNvCxnSpPr>
+          <p:nvPr/>
+        </p:nvCxnSpPr>
+        <p:spPr>
+          <a:xfrm>
+            <a:off x="3701143" y="3074759"/>
+            <a:ext cx="0" cy="310698"/>
+          </a:xfrm>
+          <a:prstGeom prst="straightConnector1">
+            <a:avLst/>
+          </a:prstGeom>
+          <a:ln>
+            <a:tailEnd type="triangle"/>
+          </a:ln>
+        </p:spPr>
+        <p:style>
+          <a:lnRef idx="1">
+            <a:schemeClr val="accent1"/>
+          </a:lnRef>
+          <a:fillRef idx="0">
+            <a:schemeClr val="accent1"/>
+          </a:fillRef>
+          <a:effectRef idx="0">
+            <a:schemeClr val="accent1"/>
+          </a:effectRef>
+          <a:fontRef idx="minor">
+            <a:schemeClr val="tx1"/>
+          </a:fontRef>
+        </p:style>
+      </p:cxnSp>
+      <p:cxnSp>
+        <p:nvCxnSpPr>
+          <p:cNvPr id="12" name="Straight Arrow Connector 11">
+            <a:extLst>
+              <a:ext uri="{FF2B5EF4-FFF2-40B4-BE49-F238E27FC236}">
+                <a16:creationId xmlns:a16="http://schemas.microsoft.com/office/drawing/2014/main" id="{82211F6E-1392-2877-FEA1-A62B09C32606}"/>
+              </a:ext>
+            </a:extLst>
+          </p:cNvPr>
+          <p:cNvCxnSpPr>
+            <a:stCxn id="6" idx="2"/>
+            <a:endCxn id="8" idx="0"/>
+          </p:cNvCxnSpPr>
+          <p:nvPr/>
+        </p:nvCxnSpPr>
+        <p:spPr>
+          <a:xfrm>
+            <a:off x="3701143" y="4169227"/>
+            <a:ext cx="0" cy="936174"/>
+          </a:xfrm>
+          <a:prstGeom prst="straightConnector1">
+            <a:avLst/>
+          </a:prstGeom>
+          <a:ln>
+            <a:tailEnd type="triangle"/>
+          </a:ln>
+        </p:spPr>
+        <p:style>
+          <a:lnRef idx="1">
+            <a:schemeClr val="accent1"/>
+          </a:lnRef>
+          <a:fillRef idx="0">
+            <a:schemeClr val="accent1"/>
+          </a:fillRef>
+          <a:effectRef idx="0">
+            <a:schemeClr val="accent1"/>
+          </a:effectRef>
+          <a:fontRef idx="minor">
+            <a:schemeClr val="tx1"/>
+          </a:fontRef>
+        </p:style>
+      </p:cxnSp>
+      <p:sp>
+        <p:nvSpPr>
+          <p:cNvPr id="13" name="TextBox 12">
+            <a:extLst>
+              <a:ext uri="{FF2B5EF4-FFF2-40B4-BE49-F238E27FC236}">
+                <a16:creationId xmlns:a16="http://schemas.microsoft.com/office/drawing/2014/main" id="{3ECD27AD-1441-502A-7FB6-0F8AED85C987}"/>
+              </a:ext>
+            </a:extLst>
+          </p:cNvPr>
+          <p:cNvSpPr txBox="1"/>
+          <p:nvPr/>
+        </p:nvSpPr>
+        <p:spPr>
+          <a:xfrm>
+            <a:off x="1698171" y="4702628"/>
+            <a:ext cx="1262743" cy="369332"/>
+          </a:xfrm>
+          <a:prstGeom prst="rect">
+            <a:avLst/>
+          </a:prstGeom>
+          <a:noFill/>
+        </p:spPr>
+        <p:txBody>
+          <a:bodyPr wrap="square" rtlCol="0">
+            <a:spAutoFit/>
+          </a:bodyPr>
+          <a:lstStyle/>
+          <a:p>
+            <a:r>
+              <a:rPr lang="en-US" dirty="0"/>
+              <a:t>Request</a:t>
+            </a:r>
+          </a:p>
+        </p:txBody>
+      </p:sp>
+      <p:cxnSp>
+        <p:nvCxnSpPr>
+          <p:cNvPr id="16" name="Straight Arrow Connector 15">
+            <a:extLst>
+              <a:ext uri="{FF2B5EF4-FFF2-40B4-BE49-F238E27FC236}">
+                <a16:creationId xmlns:a16="http://schemas.microsoft.com/office/drawing/2014/main" id="{D9FB5C0B-CCE3-D67D-3EC4-E83F49C276AE}"/>
+              </a:ext>
+            </a:extLst>
+          </p:cNvPr>
+          <p:cNvCxnSpPr>
+            <a:stCxn id="6" idx="3"/>
+            <a:endCxn id="7" idx="1"/>
+          </p:cNvCxnSpPr>
+          <p:nvPr/>
+        </p:nvCxnSpPr>
+        <p:spPr>
+          <a:xfrm>
+            <a:off x="5529943" y="3777342"/>
+            <a:ext cx="1001485" cy="0"/>
+          </a:xfrm>
+          <a:prstGeom prst="straightConnector1">
+            <a:avLst/>
+          </a:prstGeom>
+          <a:ln>
+            <a:tailEnd type="triangle"/>
+          </a:ln>
+        </p:spPr>
+        <p:style>
+          <a:lnRef idx="1">
+            <a:schemeClr val="accent1"/>
+          </a:lnRef>
+          <a:fillRef idx="0">
+            <a:schemeClr val="accent1"/>
+          </a:fillRef>
+          <a:effectRef idx="0">
+            <a:schemeClr val="accent1"/>
+          </a:effectRef>
+          <a:fontRef idx="minor">
+            <a:schemeClr val="tx1"/>
+          </a:fontRef>
+        </p:style>
+      </p:cxnSp>
+      <p:cxnSp>
+        <p:nvCxnSpPr>
+          <p:cNvPr id="18" name="Connector: Elbow 17">
+            <a:extLst>
+              <a:ext uri="{FF2B5EF4-FFF2-40B4-BE49-F238E27FC236}">
+                <a16:creationId xmlns:a16="http://schemas.microsoft.com/office/drawing/2014/main" id="{66BC316A-76BD-CE8A-0ACB-57FC394D5B83}"/>
+              </a:ext>
+            </a:extLst>
+          </p:cNvPr>
+          <p:cNvCxnSpPr>
+            <a:stCxn id="8" idx="3"/>
+            <a:endCxn id="7" idx="2"/>
+          </p:cNvCxnSpPr>
+          <p:nvPr/>
+        </p:nvCxnSpPr>
+        <p:spPr>
+          <a:xfrm flipV="1">
+            <a:off x="5529943" y="4169227"/>
+            <a:ext cx="2830285" cy="1328059"/>
+          </a:xfrm>
+          <a:prstGeom prst="bentConnector2">
+            <a:avLst/>
+          </a:prstGeom>
+          <a:ln>
+            <a:tailEnd type="triangle"/>
+          </a:ln>
+        </p:spPr>
+        <p:style>
+          <a:lnRef idx="1">
+            <a:schemeClr val="accent1"/>
+          </a:lnRef>
+          <a:fillRef idx="0">
+            <a:schemeClr val="accent1"/>
+          </a:fillRef>
+          <a:effectRef idx="0">
+            <a:schemeClr val="accent1"/>
+          </a:effectRef>
+          <a:fontRef idx="minor">
+            <a:schemeClr val="tx1"/>
+          </a:fontRef>
+        </p:style>
+      </p:cxnSp>
+      <p:sp>
+        <p:nvSpPr>
+          <p:cNvPr id="19" name="TextBox 18">
+            <a:extLst>
+              <a:ext uri="{FF2B5EF4-FFF2-40B4-BE49-F238E27FC236}">
+                <a16:creationId xmlns:a16="http://schemas.microsoft.com/office/drawing/2014/main" id="{E7557E76-1F53-653E-10DA-C2325D069F79}"/>
+              </a:ext>
+            </a:extLst>
+          </p:cNvPr>
+          <p:cNvSpPr txBox="1"/>
+          <p:nvPr/>
+        </p:nvSpPr>
+        <p:spPr>
+          <a:xfrm>
+            <a:off x="8675915" y="4564128"/>
+            <a:ext cx="3516085" cy="646331"/>
+          </a:xfrm>
+          <a:prstGeom prst="rect">
+            <a:avLst/>
+          </a:prstGeom>
+          <a:noFill/>
+        </p:spPr>
+        <p:txBody>
+          <a:bodyPr wrap="square" rtlCol="0">
+            <a:spAutoFit/>
+          </a:bodyPr>
+          <a:lstStyle/>
+          <a:p>
+            <a:r>
+              <a:rPr lang="en-US" dirty="0"/>
+              <a:t>Associated with user/client via cookie</a:t>
+            </a:r>
+          </a:p>
+        </p:txBody>
+      </p:sp>
+      <p:sp>
+        <p:nvSpPr>
+          <p:cNvPr id="17" name="Rectangle 16">
+            <a:extLst>
+              <a:ext uri="{FF2B5EF4-FFF2-40B4-BE49-F238E27FC236}">
+                <a16:creationId xmlns:a16="http://schemas.microsoft.com/office/drawing/2014/main" id="{DDADC9E1-2574-BCE0-BEBD-256249B85B4A}"/>
+              </a:ext>
+            </a:extLst>
+          </p:cNvPr>
+          <p:cNvSpPr/>
+          <p:nvPr/>
+        </p:nvSpPr>
+        <p:spPr>
+          <a:xfrm>
+            <a:off x="1872343" y="5998029"/>
+            <a:ext cx="3657600" cy="783770"/>
+          </a:xfrm>
+          <a:prstGeom prst="rect">
+            <a:avLst/>
+          </a:prstGeom>
+        </p:spPr>
+        <p:style>
+          <a:lnRef idx="2">
+            <a:schemeClr val="accent1">
+              <a:shade val="50000"/>
+            </a:schemeClr>
+          </a:lnRef>
+          <a:fillRef idx="1">
+            <a:schemeClr val="accent1"/>
+          </a:fillRef>
+          <a:effectRef idx="0">
+            <a:schemeClr val="accent1"/>
+          </a:effectRef>
+          <a:fontRef idx="minor">
+            <a:schemeClr val="lt1"/>
+          </a:fontRef>
+        </p:style>
+        <p:txBody>
+          <a:bodyPr rtlCol="0" anchor="ctr"/>
+          <a:lstStyle/>
+          <a:p>
+            <a:pPr algn="ctr"/>
+            <a:r>
+              <a:rPr lang="en-US" dirty="0"/>
+              <a:t>Database</a:t>
+            </a:r>
+          </a:p>
+        </p:txBody>
+      </p:sp>
+      <p:cxnSp>
+        <p:nvCxnSpPr>
+          <p:cNvPr id="21" name="Connector: Elbow 20">
+            <a:extLst>
+              <a:ext uri="{FF2B5EF4-FFF2-40B4-BE49-F238E27FC236}">
+                <a16:creationId xmlns:a16="http://schemas.microsoft.com/office/drawing/2014/main" id="{2371436F-360B-1B24-EBB4-5B4A18BDF2AE}"/>
+              </a:ext>
+            </a:extLst>
+          </p:cNvPr>
+          <p:cNvCxnSpPr>
+            <a:stCxn id="8" idx="2"/>
+          </p:cNvCxnSpPr>
+          <p:nvPr/>
+        </p:nvCxnSpPr>
+        <p:spPr>
+          <a:xfrm rot="5400000">
+            <a:off x="3583214" y="6007100"/>
+            <a:ext cx="235858" cy="12700"/>
+          </a:xfrm>
+          <a:prstGeom prst="bentConnector3">
+            <a:avLst/>
+          </a:prstGeom>
+          <a:ln>
+            <a:tailEnd type="triangle"/>
+          </a:ln>
+        </p:spPr>
+        <p:style>
+          <a:lnRef idx="1">
+            <a:schemeClr val="accent1"/>
+          </a:lnRef>
+          <a:fillRef idx="0">
+            <a:schemeClr val="accent1"/>
+          </a:fillRef>
+          <a:effectRef idx="0">
+            <a:schemeClr val="accent1"/>
+          </a:effectRef>
+          <a:fontRef idx="minor">
+            <a:schemeClr val="tx1"/>
+          </a:fontRef>
+        </p:style>
+      </p:cxnSp>
+      <p:cxnSp>
+        <p:nvCxnSpPr>
+          <p:cNvPr id="23" name="Connector: Elbow 22">
+            <a:extLst>
+              <a:ext uri="{FF2B5EF4-FFF2-40B4-BE49-F238E27FC236}">
+                <a16:creationId xmlns:a16="http://schemas.microsoft.com/office/drawing/2014/main" id="{204C03E1-9110-E5A3-5573-BA5A8C996F34}"/>
+              </a:ext>
+            </a:extLst>
+          </p:cNvPr>
+          <p:cNvCxnSpPr>
+            <a:cxnSpLocks/>
+            <a:stCxn id="17" idx="3"/>
+            <a:endCxn id="24" idx="2"/>
+          </p:cNvCxnSpPr>
+          <p:nvPr/>
+        </p:nvCxnSpPr>
+        <p:spPr>
+          <a:xfrm flipV="1">
+            <a:off x="5529943" y="5856790"/>
+            <a:ext cx="2830286" cy="533124"/>
+          </a:xfrm>
+          <a:prstGeom prst="bentConnector2">
+            <a:avLst/>
+          </a:prstGeom>
+          <a:ln>
+            <a:tailEnd type="triangle"/>
+          </a:ln>
+        </p:spPr>
+        <p:style>
+          <a:lnRef idx="1">
+            <a:schemeClr val="accent1"/>
+          </a:lnRef>
+          <a:fillRef idx="0">
+            <a:schemeClr val="accent1"/>
+          </a:fillRef>
+          <a:effectRef idx="0">
+            <a:schemeClr val="accent1"/>
+          </a:effectRef>
+          <a:fontRef idx="minor">
+            <a:schemeClr val="tx1"/>
+          </a:fontRef>
+        </p:style>
+      </p:cxnSp>
+      <p:sp>
+        <p:nvSpPr>
+          <p:cNvPr id="24" name="Rectangle 23">
+            <a:extLst>
+              <a:ext uri="{FF2B5EF4-FFF2-40B4-BE49-F238E27FC236}">
+                <a16:creationId xmlns:a16="http://schemas.microsoft.com/office/drawing/2014/main" id="{0F993D93-3F99-6E69-FA82-DE5FA8BDBAF8}"/>
+              </a:ext>
+            </a:extLst>
+          </p:cNvPr>
+          <p:cNvSpPr/>
+          <p:nvPr/>
+        </p:nvSpPr>
+        <p:spPr>
+          <a:xfrm>
+            <a:off x="7141029" y="5210459"/>
+            <a:ext cx="2438400" cy="646331"/>
+          </a:xfrm>
+          <a:prstGeom prst="rect">
+            <a:avLst/>
+          </a:prstGeom>
+        </p:spPr>
+        <p:style>
+          <a:lnRef idx="2">
+            <a:schemeClr val="accent1">
+              <a:shade val="50000"/>
+            </a:schemeClr>
+          </a:lnRef>
+          <a:fillRef idx="1">
+            <a:schemeClr val="accent1"/>
+          </a:fillRef>
+          <a:effectRef idx="0">
+            <a:schemeClr val="accent1"/>
+          </a:effectRef>
+          <a:fontRef idx="minor">
+            <a:schemeClr val="lt1"/>
+          </a:fontRef>
+        </p:style>
+        <p:txBody>
+          <a:bodyPr rtlCol="0" anchor="ctr"/>
+          <a:lstStyle/>
+          <a:p>
+            <a:pPr algn="ctr"/>
+            <a:r>
+              <a:rPr lang="en-US" dirty="0"/>
+              <a:t>Session</a:t>
+            </a:r>
+          </a:p>
+        </p:txBody>
+      </p:sp>
+    </p:spTree>
+    <p:extLst>
+      <p:ext uri="{BB962C8B-B14F-4D97-AF65-F5344CB8AC3E}">
+        <p14:creationId xmlns:p14="http://schemas.microsoft.com/office/powerpoint/2010/main" val="2002989768"/>
+      </p:ext>
+    </p:extLst>
+  </p:cSld>
+  <p:clrMapOvr>
+    <a:masterClrMapping/>
+  </p:clrMapOvr>
+</p:sld>
+</file>
+
+<file path=ppt/slides/slide31.xml><?xml version="1.0" encoding="utf-8"?>
+<p:sld xmlns:a="http://schemas.openxmlformats.org/drawingml/2006/main" xmlns:r="http://schemas.openxmlformats.org/officeDocument/2006/relationships" xmlns:p="http://schemas.openxmlformats.org/presentationml/2006/main">
+  <p:cSld>
+    <p:spTree>
+      <p:nvGrpSpPr>
+        <p:cNvPr id="1" name=""/>
+        <p:cNvGrpSpPr/>
+        <p:nvPr/>
+      </p:nvGrpSpPr>
+      <p:grpSpPr>
+        <a:xfrm>
+          <a:off x="0" y="0"/>
+          <a:ext cx="0" cy="0"/>
+          <a:chOff x="0" y="0"/>
+          <a:chExt cx="0" cy="0"/>
+        </a:xfrm>
+      </p:grpSpPr>
+      <p:sp>
+        <p:nvSpPr>
+          <p:cNvPr id="2" name="Title 1">
+            <a:extLst>
+              <a:ext uri="{FF2B5EF4-FFF2-40B4-BE49-F238E27FC236}">
+                <a16:creationId xmlns:a16="http://schemas.microsoft.com/office/drawing/2014/main" id="{CA8B97DC-81E2-BBDC-7999-A371BA2626C4}"/>
+              </a:ext>
+            </a:extLst>
+          </p:cNvPr>
+          <p:cNvSpPr>
+            <a:spLocks noGrp="1"/>
+          </p:cNvSpPr>
+          <p:nvPr>
+            <p:ph type="title"/>
+          </p:nvPr>
+        </p:nvSpPr>
+        <p:spPr/>
+        <p:txBody>
+          <a:bodyPr/>
+          <a:lstStyle/>
+          <a:p>
+            <a:endParaRPr lang="en-US"/>
+          </a:p>
+        </p:txBody>
+      </p:sp>
+      <p:sp>
+        <p:nvSpPr>
+          <p:cNvPr id="3" name="Content Placeholder 2">
+            <a:extLst>
+              <a:ext uri="{FF2B5EF4-FFF2-40B4-BE49-F238E27FC236}">
+                <a16:creationId xmlns:a16="http://schemas.microsoft.com/office/drawing/2014/main" id="{E473A137-1EEF-CF14-E9C8-77D1F7FC1738}"/>
+              </a:ext>
+            </a:extLst>
+          </p:cNvPr>
+          <p:cNvSpPr>
+            <a:spLocks noGrp="1"/>
+          </p:cNvSpPr>
+          <p:nvPr>
+            <p:ph idx="1"/>
+          </p:nvPr>
+        </p:nvSpPr>
+        <p:spPr/>
+        <p:txBody>
+          <a:bodyPr/>
+          <a:lstStyle/>
+          <a:p>
+            <a:r>
+              <a:rPr lang="en-US" dirty="0"/>
+              <a:t>Optional Creating the Login Form.</a:t>
+            </a:r>
+          </a:p>
+          <a:p>
+            <a:r>
+              <a:rPr lang="en-US" dirty="0"/>
+              <a:t>Adding the Request Driven Login Solution</a:t>
+            </a:r>
+          </a:p>
+          <a:p>
+            <a:r>
+              <a:rPr lang="en-US" dirty="0"/>
+              <a:t>Setting a Cookie</a:t>
+            </a:r>
+          </a:p>
+          <a:p>
+            <a:r>
+              <a:rPr lang="en-US" dirty="0"/>
+              <a:t>Manipulating Cookie</a:t>
+            </a:r>
+          </a:p>
+          <a:p>
+            <a:r>
+              <a:rPr lang="en-US" dirty="0"/>
+              <a:t>Configuring Cookies</a:t>
+            </a:r>
+          </a:p>
+        </p:txBody>
+      </p:sp>
+    </p:spTree>
+    <p:extLst>
+      <p:ext uri="{BB962C8B-B14F-4D97-AF65-F5344CB8AC3E}">
+        <p14:creationId xmlns:p14="http://schemas.microsoft.com/office/powerpoint/2010/main" val="1064342206"/>
       </p:ext>
     </p:extLst>
   </p:cSld>

--- a/Database.pptx
+++ b/Database.pptx
@@ -36,6 +36,7 @@
     <p:sldId id="284" r:id="rId30"/>
     <p:sldId id="286" r:id="rId31"/>
     <p:sldId id="285" r:id="rId32"/>
+    <p:sldId id="287" r:id="rId33"/>
   </p:sldIdLst>
   <p:sldSz cx="12192000" cy="6858000"/>
   <p:notesSz cx="6858000" cy="9144000"/>
@@ -377,7 +378,7 @@
           <a:p>
             <a:fld id="{9F08AD8F-3C3D-4B63-978B-A283DF666F72}" type="datetimeFigureOut">
               <a:rPr lang="en-US" smtClean="0"/>
-              <a:t>6/5/2023</a:t>
+              <a:t>6/8/2023</a:t>
             </a:fld>
             <a:endParaRPr lang="en-US"/>
           </a:p>
@@ -575,7 +576,7 @@
           <a:p>
             <a:fld id="{9F08AD8F-3C3D-4B63-978B-A283DF666F72}" type="datetimeFigureOut">
               <a:rPr lang="en-US" smtClean="0"/>
-              <a:t>6/5/2023</a:t>
+              <a:t>6/8/2023</a:t>
             </a:fld>
             <a:endParaRPr lang="en-US"/>
           </a:p>
@@ -783,7 +784,7 @@
           <a:p>
             <a:fld id="{9F08AD8F-3C3D-4B63-978B-A283DF666F72}" type="datetimeFigureOut">
               <a:rPr lang="en-US" smtClean="0"/>
-              <a:t>6/5/2023</a:t>
+              <a:t>6/8/2023</a:t>
             </a:fld>
             <a:endParaRPr lang="en-US"/>
           </a:p>
@@ -981,7 +982,7 @@
           <a:p>
             <a:fld id="{9F08AD8F-3C3D-4B63-978B-A283DF666F72}" type="datetimeFigureOut">
               <a:rPr lang="en-US" smtClean="0"/>
-              <a:t>6/5/2023</a:t>
+              <a:t>6/8/2023</a:t>
             </a:fld>
             <a:endParaRPr lang="en-US"/>
           </a:p>
@@ -1256,7 +1257,7 @@
           <a:p>
             <a:fld id="{9F08AD8F-3C3D-4B63-978B-A283DF666F72}" type="datetimeFigureOut">
               <a:rPr lang="en-US" smtClean="0"/>
-              <a:t>6/5/2023</a:t>
+              <a:t>6/8/2023</a:t>
             </a:fld>
             <a:endParaRPr lang="en-US"/>
           </a:p>
@@ -1521,7 +1522,7 @@
           <a:p>
             <a:fld id="{9F08AD8F-3C3D-4B63-978B-A283DF666F72}" type="datetimeFigureOut">
               <a:rPr lang="en-US" smtClean="0"/>
-              <a:t>6/5/2023</a:t>
+              <a:t>6/8/2023</a:t>
             </a:fld>
             <a:endParaRPr lang="en-US"/>
           </a:p>
@@ -1933,7 +1934,7 @@
           <a:p>
             <a:fld id="{9F08AD8F-3C3D-4B63-978B-A283DF666F72}" type="datetimeFigureOut">
               <a:rPr lang="en-US" smtClean="0"/>
-              <a:t>6/5/2023</a:t>
+              <a:t>6/8/2023</a:t>
             </a:fld>
             <a:endParaRPr lang="en-US"/>
           </a:p>
@@ -2074,7 +2075,7 @@
           <a:p>
             <a:fld id="{9F08AD8F-3C3D-4B63-978B-A283DF666F72}" type="datetimeFigureOut">
               <a:rPr lang="en-US" smtClean="0"/>
-              <a:t>6/5/2023</a:t>
+              <a:t>6/8/2023</a:t>
             </a:fld>
             <a:endParaRPr lang="en-US"/>
           </a:p>
@@ -2187,7 +2188,7 @@
           <a:p>
             <a:fld id="{9F08AD8F-3C3D-4B63-978B-A283DF666F72}" type="datetimeFigureOut">
               <a:rPr lang="en-US" smtClean="0"/>
-              <a:t>6/5/2023</a:t>
+              <a:t>6/8/2023</a:t>
             </a:fld>
             <a:endParaRPr lang="en-US"/>
           </a:p>
@@ -2498,7 +2499,7 @@
           <a:p>
             <a:fld id="{9F08AD8F-3C3D-4B63-978B-A283DF666F72}" type="datetimeFigureOut">
               <a:rPr lang="en-US" smtClean="0"/>
-              <a:t>6/5/2023</a:t>
+              <a:t>6/8/2023</a:t>
             </a:fld>
             <a:endParaRPr lang="en-US"/>
           </a:p>
@@ -2786,7 +2787,7 @@
           <a:p>
             <a:fld id="{9F08AD8F-3C3D-4B63-978B-A283DF666F72}" type="datetimeFigureOut">
               <a:rPr lang="en-US" smtClean="0"/>
-              <a:t>6/5/2023</a:t>
+              <a:t>6/8/2023</a:t>
             </a:fld>
             <a:endParaRPr lang="en-US"/>
           </a:p>
@@ -3027,7 +3028,7 @@
           <a:p>
             <a:fld id="{9F08AD8F-3C3D-4B63-978B-A283DF666F72}" type="datetimeFigureOut">
               <a:rPr lang="en-US" smtClean="0"/>
-              <a:t>6/5/2023</a:t>
+              <a:t>6/8/2023</a:t>
             </a:fld>
             <a:endParaRPr lang="en-US"/>
           </a:p>
@@ -14905,7 +14906,9 @@
         </p:nvSpPr>
         <p:spPr/>
         <p:txBody>
-          <a:bodyPr/>
+          <a:bodyPr>
+            <a:normAutofit lnSpcReduction="10000"/>
+          </a:bodyPr>
           <a:lstStyle/>
           <a:p>
             <a:r>
@@ -14936,6 +14939,41 @@
               <a:rPr lang="en-US" dirty="0"/>
               <a:t>Configuring Cookies</a:t>
             </a:r>
+          </a:p>
+          <a:p>
+            <a:r>
+              <a:rPr lang="en-US" dirty="0"/>
+              <a:t>Initializing the Session Middleware</a:t>
+            </a:r>
+          </a:p>
+          <a:p>
+            <a:r>
+              <a:rPr lang="en-US" dirty="0"/>
+              <a:t>Using the Session Middleware</a:t>
+            </a:r>
+          </a:p>
+          <a:p>
+            <a:r>
+              <a:rPr lang="en-US" dirty="0"/>
+              <a:t>Using </a:t>
+            </a:r>
+            <a:r>
+              <a:rPr lang="en-US" dirty="0" err="1"/>
+              <a:t>mongoDB</a:t>
+            </a:r>
+            <a:r>
+              <a:rPr lang="en-US" dirty="0"/>
+              <a:t> to Store Session</a:t>
+            </a:r>
+          </a:p>
+          <a:p>
+            <a:r>
+              <a:rPr lang="en-US" dirty="0"/>
+              <a:t>Deleting a Cookie</a:t>
+            </a:r>
+          </a:p>
+          <a:p>
+            <a:endParaRPr lang="en-US" dirty="0"/>
           </a:p>
         </p:txBody>
       </p:sp>
@@ -14943,6 +14981,365 @@
     <p:extLst>
       <p:ext uri="{BB962C8B-B14F-4D97-AF65-F5344CB8AC3E}">
         <p14:creationId xmlns:p14="http://schemas.microsoft.com/office/powerpoint/2010/main" val="1064342206"/>
+      </p:ext>
+    </p:extLst>
+  </p:cSld>
+  <p:clrMapOvr>
+    <a:masterClrMapping/>
+  </p:clrMapOvr>
+</p:sld>
+</file>
+
+<file path=ppt/slides/slide32.xml><?xml version="1.0" encoding="utf-8"?>
+<p:sld xmlns:a="http://schemas.openxmlformats.org/drawingml/2006/main" xmlns:r="http://schemas.openxmlformats.org/officeDocument/2006/relationships" xmlns:p="http://schemas.openxmlformats.org/presentationml/2006/main">
+  <p:cSld>
+    <p:spTree>
+      <p:nvGrpSpPr>
+        <p:cNvPr id="1" name=""/>
+        <p:cNvGrpSpPr/>
+        <p:nvPr/>
+      </p:nvGrpSpPr>
+      <p:grpSpPr>
+        <a:xfrm>
+          <a:off x="0" y="0"/>
+          <a:ext cx="0" cy="0"/>
+          <a:chOff x="0" y="0"/>
+          <a:chExt cx="0" cy="0"/>
+        </a:xfrm>
+      </p:grpSpPr>
+      <p:sp>
+        <p:nvSpPr>
+          <p:cNvPr id="2" name="Title 1">
+            <a:extLst>
+              <a:ext uri="{FF2B5EF4-FFF2-40B4-BE49-F238E27FC236}">
+                <a16:creationId xmlns:a16="http://schemas.microsoft.com/office/drawing/2014/main" id="{DDBDD3C2-524E-A42B-C8BA-43D63236F0A6}"/>
+              </a:ext>
+            </a:extLst>
+          </p:cNvPr>
+          <p:cNvSpPr>
+            <a:spLocks noGrp="1"/>
+          </p:cNvSpPr>
+          <p:nvPr>
+            <p:ph type="title"/>
+          </p:nvPr>
+        </p:nvSpPr>
+        <p:spPr/>
+        <p:txBody>
+          <a:bodyPr/>
+          <a:lstStyle/>
+          <a:p>
+            <a:r>
+              <a:rPr lang="en-US" dirty="0"/>
+              <a:t>Module Summary</a:t>
+            </a:r>
+          </a:p>
+        </p:txBody>
+      </p:sp>
+      <p:sp>
+        <p:nvSpPr>
+          <p:cNvPr id="3" name="Content Placeholder 2">
+            <a:extLst>
+              <a:ext uri="{FF2B5EF4-FFF2-40B4-BE49-F238E27FC236}">
+                <a16:creationId xmlns:a16="http://schemas.microsoft.com/office/drawing/2014/main" id="{BDE7955C-1716-5186-2FB2-0C25358B6C41}"/>
+              </a:ext>
+            </a:extLst>
+          </p:cNvPr>
+          <p:cNvSpPr>
+            <a:spLocks noGrp="1"/>
+          </p:cNvSpPr>
+          <p:nvPr>
+            <p:ph idx="1"/>
+          </p:nvPr>
+        </p:nvSpPr>
+        <p:spPr>
+          <a:xfrm>
+            <a:off x="838200" y="1825625"/>
+            <a:ext cx="5606143" cy="3167289"/>
+          </a:xfrm>
+        </p:spPr>
+        <p:txBody>
+          <a:bodyPr>
+            <a:normAutofit fontScale="77500" lnSpcReduction="20000"/>
+          </a:bodyPr>
+          <a:lstStyle/>
+          <a:p>
+            <a:pPr marL="0" indent="0">
+              <a:buNone/>
+            </a:pPr>
+            <a:r>
+              <a:rPr lang="en-US" dirty="0"/>
+              <a:t>Cookies</a:t>
+            </a:r>
+          </a:p>
+          <a:p>
+            <a:r>
+              <a:rPr lang="en-US" dirty="0"/>
+              <a:t>Great for storing data on the client (browser)</a:t>
+            </a:r>
+          </a:p>
+          <a:p>
+            <a:r>
+              <a:rPr lang="en-US" dirty="0"/>
+              <a:t>Do NOT store sensitive data here! It can be viewed + manipulated</a:t>
+            </a:r>
+          </a:p>
+          <a:p>
+            <a:r>
+              <a:rPr lang="en-US" dirty="0"/>
+              <a:t>Cookies can be configured to expire when the browser is closed(=&gt;”Session Cookie”)or when a certain age/expiry date is reached</a:t>
+            </a:r>
+          </a:p>
+          <a:p>
+            <a:r>
+              <a:rPr lang="en-US" dirty="0"/>
+              <a:t>Works well together with Sessions…</a:t>
+            </a:r>
+          </a:p>
+        </p:txBody>
+      </p:sp>
+      <p:sp>
+        <p:nvSpPr>
+          <p:cNvPr id="4" name="Content Placeholder 2">
+            <a:extLst>
+              <a:ext uri="{FF2B5EF4-FFF2-40B4-BE49-F238E27FC236}">
+                <a16:creationId xmlns:a16="http://schemas.microsoft.com/office/drawing/2014/main" id="{E986A357-B564-F8DA-3D31-4AD3E0D3EDF8}"/>
+              </a:ext>
+            </a:extLst>
+          </p:cNvPr>
+          <p:cNvSpPr txBox="1">
+            <a:spLocks/>
+          </p:cNvSpPr>
+          <p:nvPr/>
+        </p:nvSpPr>
+        <p:spPr>
+          <a:xfrm>
+            <a:off x="6444343" y="1845355"/>
+            <a:ext cx="5399314" cy="4279674"/>
+          </a:xfrm>
+          <a:prstGeom prst="rect">
+            <a:avLst/>
+          </a:prstGeom>
+        </p:spPr>
+        <p:txBody>
+          <a:bodyPr vert="horz" lIns="91440" tIns="45720" rIns="91440" bIns="45720" rtlCol="0">
+            <a:normAutofit fontScale="92500" lnSpcReduction="20000"/>
+          </a:bodyPr>
+          <a:lstStyle>
+            <a:lvl1pPr marL="228600" indent="-228600" algn="l" defTabSz="914400" rtl="0" eaLnBrk="1" latinLnBrk="0" hangingPunct="1">
+              <a:lnSpc>
+                <a:spcPct val="90000"/>
+              </a:lnSpc>
+              <a:spcBef>
+                <a:spcPts val="1000"/>
+              </a:spcBef>
+              <a:buFont typeface="Arial" panose="020B0604020202020204" pitchFamily="34" charset="0"/>
+              <a:buChar char="•"/>
+              <a:defRPr sz="2800" kern="1200">
+                <a:solidFill>
+                  <a:schemeClr val="tx1"/>
+                </a:solidFill>
+                <a:latin typeface="+mn-lt"/>
+                <a:ea typeface="+mn-ea"/>
+                <a:cs typeface="+mn-cs"/>
+              </a:defRPr>
+            </a:lvl1pPr>
+            <a:lvl2pPr marL="685800" indent="-228600" algn="l" defTabSz="914400" rtl="0" eaLnBrk="1" latinLnBrk="0" hangingPunct="1">
+              <a:lnSpc>
+                <a:spcPct val="90000"/>
+              </a:lnSpc>
+              <a:spcBef>
+                <a:spcPts val="500"/>
+              </a:spcBef>
+              <a:buFont typeface="Arial" panose="020B0604020202020204" pitchFamily="34" charset="0"/>
+              <a:buChar char="•"/>
+              <a:defRPr sz="2400" kern="1200">
+                <a:solidFill>
+                  <a:schemeClr val="tx1"/>
+                </a:solidFill>
+                <a:latin typeface="+mn-lt"/>
+                <a:ea typeface="+mn-ea"/>
+                <a:cs typeface="+mn-cs"/>
+              </a:defRPr>
+            </a:lvl2pPr>
+            <a:lvl3pPr marL="1143000" indent="-228600" algn="l" defTabSz="914400" rtl="0" eaLnBrk="1" latinLnBrk="0" hangingPunct="1">
+              <a:lnSpc>
+                <a:spcPct val="90000"/>
+              </a:lnSpc>
+              <a:spcBef>
+                <a:spcPts val="500"/>
+              </a:spcBef>
+              <a:buFont typeface="Arial" panose="020B0604020202020204" pitchFamily="34" charset="0"/>
+              <a:buChar char="•"/>
+              <a:defRPr sz="2000" kern="1200">
+                <a:solidFill>
+                  <a:schemeClr val="tx1"/>
+                </a:solidFill>
+                <a:latin typeface="+mn-lt"/>
+                <a:ea typeface="+mn-ea"/>
+                <a:cs typeface="+mn-cs"/>
+              </a:defRPr>
+            </a:lvl3pPr>
+            <a:lvl4pPr marL="1600200" indent="-228600" algn="l" defTabSz="914400" rtl="0" eaLnBrk="1" latinLnBrk="0" hangingPunct="1">
+              <a:lnSpc>
+                <a:spcPct val="90000"/>
+              </a:lnSpc>
+              <a:spcBef>
+                <a:spcPts val="500"/>
+              </a:spcBef>
+              <a:buFont typeface="Arial" panose="020B0604020202020204" pitchFamily="34" charset="0"/>
+              <a:buChar char="•"/>
+              <a:defRPr sz="1800" kern="1200">
+                <a:solidFill>
+                  <a:schemeClr val="tx1"/>
+                </a:solidFill>
+                <a:latin typeface="+mn-lt"/>
+                <a:ea typeface="+mn-ea"/>
+                <a:cs typeface="+mn-cs"/>
+              </a:defRPr>
+            </a:lvl4pPr>
+            <a:lvl5pPr marL="2057400" indent="-228600" algn="l" defTabSz="914400" rtl="0" eaLnBrk="1" latinLnBrk="0" hangingPunct="1">
+              <a:lnSpc>
+                <a:spcPct val="90000"/>
+              </a:lnSpc>
+              <a:spcBef>
+                <a:spcPts val="500"/>
+              </a:spcBef>
+              <a:buFont typeface="Arial" panose="020B0604020202020204" pitchFamily="34" charset="0"/>
+              <a:buChar char="•"/>
+              <a:defRPr sz="1800" kern="1200">
+                <a:solidFill>
+                  <a:schemeClr val="tx1"/>
+                </a:solidFill>
+                <a:latin typeface="+mn-lt"/>
+                <a:ea typeface="+mn-ea"/>
+                <a:cs typeface="+mn-cs"/>
+              </a:defRPr>
+            </a:lvl5pPr>
+            <a:lvl6pPr marL="2514600" indent="-228600" algn="l" defTabSz="914400" rtl="0" eaLnBrk="1" latinLnBrk="0" hangingPunct="1">
+              <a:lnSpc>
+                <a:spcPct val="90000"/>
+              </a:lnSpc>
+              <a:spcBef>
+                <a:spcPts val="500"/>
+              </a:spcBef>
+              <a:buFont typeface="Arial" panose="020B0604020202020204" pitchFamily="34" charset="0"/>
+              <a:buChar char="•"/>
+              <a:defRPr sz="1800" kern="1200">
+                <a:solidFill>
+                  <a:schemeClr val="tx1"/>
+                </a:solidFill>
+                <a:latin typeface="+mn-lt"/>
+                <a:ea typeface="+mn-ea"/>
+                <a:cs typeface="+mn-cs"/>
+              </a:defRPr>
+            </a:lvl6pPr>
+            <a:lvl7pPr marL="2971800" indent="-228600" algn="l" defTabSz="914400" rtl="0" eaLnBrk="1" latinLnBrk="0" hangingPunct="1">
+              <a:lnSpc>
+                <a:spcPct val="90000"/>
+              </a:lnSpc>
+              <a:spcBef>
+                <a:spcPts val="500"/>
+              </a:spcBef>
+              <a:buFont typeface="Arial" panose="020B0604020202020204" pitchFamily="34" charset="0"/>
+              <a:buChar char="•"/>
+              <a:defRPr sz="1800" kern="1200">
+                <a:solidFill>
+                  <a:schemeClr val="tx1"/>
+                </a:solidFill>
+                <a:latin typeface="+mn-lt"/>
+                <a:ea typeface="+mn-ea"/>
+                <a:cs typeface="+mn-cs"/>
+              </a:defRPr>
+            </a:lvl7pPr>
+            <a:lvl8pPr marL="3429000" indent="-228600" algn="l" defTabSz="914400" rtl="0" eaLnBrk="1" latinLnBrk="0" hangingPunct="1">
+              <a:lnSpc>
+                <a:spcPct val="90000"/>
+              </a:lnSpc>
+              <a:spcBef>
+                <a:spcPts val="500"/>
+              </a:spcBef>
+              <a:buFont typeface="Arial" panose="020B0604020202020204" pitchFamily="34" charset="0"/>
+              <a:buChar char="•"/>
+              <a:defRPr sz="1800" kern="1200">
+                <a:solidFill>
+                  <a:schemeClr val="tx1"/>
+                </a:solidFill>
+                <a:latin typeface="+mn-lt"/>
+                <a:ea typeface="+mn-ea"/>
+                <a:cs typeface="+mn-cs"/>
+              </a:defRPr>
+            </a:lvl8pPr>
+            <a:lvl9pPr marL="3886200" indent="-228600" algn="l" defTabSz="914400" rtl="0" eaLnBrk="1" latinLnBrk="0" hangingPunct="1">
+              <a:lnSpc>
+                <a:spcPct val="90000"/>
+              </a:lnSpc>
+              <a:spcBef>
+                <a:spcPts val="500"/>
+              </a:spcBef>
+              <a:buFont typeface="Arial" panose="020B0604020202020204" pitchFamily="34" charset="0"/>
+              <a:buChar char="•"/>
+              <a:defRPr sz="1800" kern="1200">
+                <a:solidFill>
+                  <a:schemeClr val="tx1"/>
+                </a:solidFill>
+                <a:latin typeface="+mn-lt"/>
+                <a:ea typeface="+mn-ea"/>
+                <a:cs typeface="+mn-cs"/>
+              </a:defRPr>
+            </a:lvl9pPr>
+          </a:lstStyle>
+          <a:p>
+            <a:pPr marL="0" indent="0">
+              <a:buFont typeface="Arial" panose="020B0604020202020204" pitchFamily="34" charset="0"/>
+              <a:buNone/>
+            </a:pPr>
+            <a:r>
+              <a:rPr lang="en-US" dirty="0"/>
+              <a:t>Sessions</a:t>
+            </a:r>
+          </a:p>
+          <a:p>
+            <a:r>
+              <a:rPr lang="en-US" dirty="0"/>
+              <a:t>Stored on the server, NOT on the client</a:t>
+            </a:r>
+          </a:p>
+          <a:p>
+            <a:r>
+              <a:rPr lang="en-US" dirty="0"/>
+              <a:t>Great for storing sensitive data that should survive across requests</a:t>
+            </a:r>
+          </a:p>
+          <a:p>
+            <a:r>
+              <a:rPr lang="en-US" dirty="0"/>
+              <a:t>You can store ANYTHING in sessions</a:t>
+            </a:r>
+          </a:p>
+          <a:p>
+            <a:r>
+              <a:rPr lang="en-US" dirty="0"/>
+              <a:t>Often used for storing user data/authentication status</a:t>
+            </a:r>
+          </a:p>
+          <a:p>
+            <a:r>
+              <a:rPr lang="en-US" dirty="0"/>
+              <a:t>Identified via Cookie (don’t mistake this with the term “Session Cookie”)</a:t>
+            </a:r>
+          </a:p>
+          <a:p>
+            <a:r>
+              <a:rPr lang="en-US" dirty="0"/>
+              <a:t>You can use different storages for saving your sessions on the server</a:t>
+            </a:r>
+          </a:p>
+        </p:txBody>
+      </p:sp>
+    </p:spTree>
+    <p:extLst>
+      <p:ext uri="{BB962C8B-B14F-4D97-AF65-F5344CB8AC3E}">
+        <p14:creationId xmlns:p14="http://schemas.microsoft.com/office/powerpoint/2010/main" val="3125036423"/>
       </p:ext>
     </p:extLst>
   </p:cSld>

--- a/Database.pptx
+++ b/Database.pptx
@@ -37,6 +37,9 @@
     <p:sldId id="286" r:id="rId31"/>
     <p:sldId id="285" r:id="rId32"/>
     <p:sldId id="287" r:id="rId33"/>
+    <p:sldId id="288" r:id="rId34"/>
+    <p:sldId id="289" r:id="rId35"/>
+    <p:sldId id="290" r:id="rId36"/>
   </p:sldIdLst>
   <p:sldSz cx="12192000" cy="6858000"/>
   <p:notesSz cx="6858000" cy="9144000"/>
@@ -378,7 +381,7 @@
           <a:p>
             <a:fld id="{9F08AD8F-3C3D-4B63-978B-A283DF666F72}" type="datetimeFigureOut">
               <a:rPr lang="en-US" smtClean="0"/>
-              <a:t>6/8/2023</a:t>
+              <a:t>6/13/2023</a:t>
             </a:fld>
             <a:endParaRPr lang="en-US"/>
           </a:p>
@@ -576,7 +579,7 @@
           <a:p>
             <a:fld id="{9F08AD8F-3C3D-4B63-978B-A283DF666F72}" type="datetimeFigureOut">
               <a:rPr lang="en-US" smtClean="0"/>
-              <a:t>6/8/2023</a:t>
+              <a:t>6/13/2023</a:t>
             </a:fld>
             <a:endParaRPr lang="en-US"/>
           </a:p>
@@ -784,7 +787,7 @@
           <a:p>
             <a:fld id="{9F08AD8F-3C3D-4B63-978B-A283DF666F72}" type="datetimeFigureOut">
               <a:rPr lang="en-US" smtClean="0"/>
-              <a:t>6/8/2023</a:t>
+              <a:t>6/13/2023</a:t>
             </a:fld>
             <a:endParaRPr lang="en-US"/>
           </a:p>
@@ -982,7 +985,7 @@
           <a:p>
             <a:fld id="{9F08AD8F-3C3D-4B63-978B-A283DF666F72}" type="datetimeFigureOut">
               <a:rPr lang="en-US" smtClean="0"/>
-              <a:t>6/8/2023</a:t>
+              <a:t>6/13/2023</a:t>
             </a:fld>
             <a:endParaRPr lang="en-US"/>
           </a:p>
@@ -1257,7 +1260,7 @@
           <a:p>
             <a:fld id="{9F08AD8F-3C3D-4B63-978B-A283DF666F72}" type="datetimeFigureOut">
               <a:rPr lang="en-US" smtClean="0"/>
-              <a:t>6/8/2023</a:t>
+              <a:t>6/13/2023</a:t>
             </a:fld>
             <a:endParaRPr lang="en-US"/>
           </a:p>
@@ -1522,7 +1525,7 @@
           <a:p>
             <a:fld id="{9F08AD8F-3C3D-4B63-978B-A283DF666F72}" type="datetimeFigureOut">
               <a:rPr lang="en-US" smtClean="0"/>
-              <a:t>6/8/2023</a:t>
+              <a:t>6/13/2023</a:t>
             </a:fld>
             <a:endParaRPr lang="en-US"/>
           </a:p>
@@ -1934,7 +1937,7 @@
           <a:p>
             <a:fld id="{9F08AD8F-3C3D-4B63-978B-A283DF666F72}" type="datetimeFigureOut">
               <a:rPr lang="en-US" smtClean="0"/>
-              <a:t>6/8/2023</a:t>
+              <a:t>6/13/2023</a:t>
             </a:fld>
             <a:endParaRPr lang="en-US"/>
           </a:p>
@@ -2075,7 +2078,7 @@
           <a:p>
             <a:fld id="{9F08AD8F-3C3D-4B63-978B-A283DF666F72}" type="datetimeFigureOut">
               <a:rPr lang="en-US" smtClean="0"/>
-              <a:t>6/8/2023</a:t>
+              <a:t>6/13/2023</a:t>
             </a:fld>
             <a:endParaRPr lang="en-US"/>
           </a:p>
@@ -2188,7 +2191,7 @@
           <a:p>
             <a:fld id="{9F08AD8F-3C3D-4B63-978B-A283DF666F72}" type="datetimeFigureOut">
               <a:rPr lang="en-US" smtClean="0"/>
-              <a:t>6/8/2023</a:t>
+              <a:t>6/13/2023</a:t>
             </a:fld>
             <a:endParaRPr lang="en-US"/>
           </a:p>
@@ -2499,7 +2502,7 @@
           <a:p>
             <a:fld id="{9F08AD8F-3C3D-4B63-978B-A283DF666F72}" type="datetimeFigureOut">
               <a:rPr lang="en-US" smtClean="0"/>
-              <a:t>6/8/2023</a:t>
+              <a:t>6/13/2023</a:t>
             </a:fld>
             <a:endParaRPr lang="en-US"/>
           </a:p>
@@ -2787,7 +2790,7 @@
           <a:p>
             <a:fld id="{9F08AD8F-3C3D-4B63-978B-A283DF666F72}" type="datetimeFigureOut">
               <a:rPr lang="en-US" smtClean="0"/>
-              <a:t>6/8/2023</a:t>
+              <a:t>6/13/2023</a:t>
             </a:fld>
             <a:endParaRPr lang="en-US"/>
           </a:p>
@@ -3028,7 +3031,7 @@
           <a:p>
             <a:fld id="{9F08AD8F-3C3D-4B63-978B-A283DF666F72}" type="datetimeFigureOut">
               <a:rPr lang="en-US" smtClean="0"/>
-              <a:t>6/8/2023</a:t>
+              <a:t>6/13/2023</a:t>
             </a:fld>
             <a:endParaRPr lang="en-US"/>
           </a:p>
@@ -15340,6 +15343,1132 @@
     <p:extLst>
       <p:ext uri="{BB962C8B-B14F-4D97-AF65-F5344CB8AC3E}">
         <p14:creationId xmlns:p14="http://schemas.microsoft.com/office/powerpoint/2010/main" val="3125036423"/>
+      </p:ext>
+    </p:extLst>
+  </p:cSld>
+  <p:clrMapOvr>
+    <a:masterClrMapping/>
+  </p:clrMapOvr>
+</p:sld>
+</file>
+
+<file path=ppt/slides/slide33.xml><?xml version="1.0" encoding="utf-8"?>
+<p:sld xmlns:a="http://schemas.openxmlformats.org/drawingml/2006/main" xmlns:r="http://schemas.openxmlformats.org/officeDocument/2006/relationships" xmlns:p="http://schemas.openxmlformats.org/presentationml/2006/main">
+  <p:cSld>
+    <p:spTree>
+      <p:nvGrpSpPr>
+        <p:cNvPr id="1" name=""/>
+        <p:cNvGrpSpPr/>
+        <p:nvPr/>
+      </p:nvGrpSpPr>
+      <p:grpSpPr>
+        <a:xfrm>
+          <a:off x="0" y="0"/>
+          <a:ext cx="0" cy="0"/>
+          <a:chOff x="0" y="0"/>
+          <a:chExt cx="0" cy="0"/>
+        </a:xfrm>
+      </p:grpSpPr>
+      <p:sp>
+        <p:nvSpPr>
+          <p:cNvPr id="3" name="Content Placeholder 2">
+            <a:extLst>
+              <a:ext uri="{FF2B5EF4-FFF2-40B4-BE49-F238E27FC236}">
+                <a16:creationId xmlns:a16="http://schemas.microsoft.com/office/drawing/2014/main" id="{2F9E4B2F-AC0E-4E34-2AC1-63601223D4CA}"/>
+              </a:ext>
+            </a:extLst>
+          </p:cNvPr>
+          <p:cNvSpPr>
+            <a:spLocks noGrp="1"/>
+          </p:cNvSpPr>
+          <p:nvPr>
+            <p:ph idx="1"/>
+          </p:nvPr>
+        </p:nvSpPr>
+        <p:spPr>
+          <a:xfrm>
+            <a:off x="838200" y="377371"/>
+            <a:ext cx="10515600" cy="5799592"/>
+          </a:xfrm>
+        </p:spPr>
+        <p:txBody>
+          <a:bodyPr/>
+          <a:lstStyle/>
+          <a:p>
+            <a:r>
+              <a:rPr lang="en-US" dirty="0"/>
+              <a:t>Adding signup page</a:t>
+            </a:r>
+          </a:p>
+          <a:p>
+            <a:r>
+              <a:rPr lang="en-US" dirty="0"/>
+              <a:t>Implementing an Authentication Flow</a:t>
+            </a:r>
+          </a:p>
+          <a:p>
+            <a:r>
+              <a:rPr lang="en-US" dirty="0"/>
+              <a:t>Encrypting Passwords</a:t>
+            </a:r>
+          </a:p>
+          <a:p>
+            <a:r>
+              <a:rPr lang="en-US" dirty="0"/>
+              <a:t>Adding the </a:t>
+            </a:r>
+            <a:r>
+              <a:rPr lang="en-US" dirty="0" err="1"/>
+              <a:t>Signin</a:t>
+            </a:r>
+            <a:r>
+              <a:rPr lang="en-US" dirty="0"/>
+              <a:t> Functionality</a:t>
+            </a:r>
+          </a:p>
+          <a:p>
+            <a:r>
+              <a:rPr lang="en-US" dirty="0"/>
+              <a:t>Working on Route Protection</a:t>
+            </a:r>
+          </a:p>
+          <a:p>
+            <a:r>
+              <a:rPr lang="en-US" dirty="0"/>
+              <a:t>Using middleware to Protect Route</a:t>
+            </a:r>
+          </a:p>
+          <a:p>
+            <a:r>
+              <a:rPr lang="en-US" dirty="0"/>
+              <a:t>Understanding CSRF Attacks</a:t>
+            </a:r>
+          </a:p>
+          <a:p>
+            <a:r>
+              <a:rPr lang="en-US" dirty="0"/>
+              <a:t>Using a CSRF Token</a:t>
+            </a:r>
+          </a:p>
+          <a:p>
+            <a:r>
+              <a:rPr lang="en-US" dirty="0"/>
+              <a:t>Adding CSRF Protection</a:t>
+            </a:r>
+          </a:p>
+        </p:txBody>
+      </p:sp>
+    </p:spTree>
+    <p:extLst>
+      <p:ext uri="{BB962C8B-B14F-4D97-AF65-F5344CB8AC3E}">
+        <p14:creationId xmlns:p14="http://schemas.microsoft.com/office/powerpoint/2010/main" val="833410478"/>
+      </p:ext>
+    </p:extLst>
+  </p:cSld>
+  <p:clrMapOvr>
+    <a:masterClrMapping/>
+  </p:clrMapOvr>
+</p:sld>
+</file>
+
+<file path=ppt/slides/slide34.xml><?xml version="1.0" encoding="utf-8"?>
+<p:sld xmlns:a="http://schemas.openxmlformats.org/drawingml/2006/main" xmlns:r="http://schemas.openxmlformats.org/officeDocument/2006/relationships" xmlns:p="http://schemas.openxmlformats.org/presentationml/2006/main">
+  <p:cSld>
+    <p:spTree>
+      <p:nvGrpSpPr>
+        <p:cNvPr id="1" name=""/>
+        <p:cNvGrpSpPr/>
+        <p:nvPr/>
+      </p:nvGrpSpPr>
+      <p:grpSpPr>
+        <a:xfrm>
+          <a:off x="0" y="0"/>
+          <a:ext cx="0" cy="0"/>
+          <a:chOff x="0" y="0"/>
+          <a:chExt cx="0" cy="0"/>
+        </a:xfrm>
+      </p:grpSpPr>
+      <p:sp>
+        <p:nvSpPr>
+          <p:cNvPr id="2" name="Title 1">
+            <a:extLst>
+              <a:ext uri="{FF2B5EF4-FFF2-40B4-BE49-F238E27FC236}">
+                <a16:creationId xmlns:a16="http://schemas.microsoft.com/office/drawing/2014/main" id="{0C5E215A-49B2-6DB0-0153-153ABBE4870B}"/>
+              </a:ext>
+            </a:extLst>
+          </p:cNvPr>
+          <p:cNvSpPr>
+            <a:spLocks noGrp="1"/>
+          </p:cNvSpPr>
+          <p:nvPr>
+            <p:ph type="title"/>
+          </p:nvPr>
+        </p:nvSpPr>
+        <p:spPr>
+          <a:xfrm>
+            <a:off x="838200" y="365126"/>
+            <a:ext cx="10515600" cy="578304"/>
+          </a:xfrm>
+        </p:spPr>
+        <p:txBody>
+          <a:bodyPr>
+            <a:normAutofit fontScale="90000"/>
+          </a:bodyPr>
+          <a:lstStyle/>
+          <a:p>
+            <a:r>
+              <a:rPr lang="en-US" dirty="0"/>
+              <a:t>CSRF Attacks</a:t>
+            </a:r>
+          </a:p>
+        </p:txBody>
+      </p:sp>
+      <p:sp>
+        <p:nvSpPr>
+          <p:cNvPr id="4" name="TextBox 3">
+            <a:extLst>
+              <a:ext uri="{FF2B5EF4-FFF2-40B4-BE49-F238E27FC236}">
+                <a16:creationId xmlns:a16="http://schemas.microsoft.com/office/drawing/2014/main" id="{B94F04DE-0B01-06D3-9BCB-2DA19FD58A24}"/>
+              </a:ext>
+            </a:extLst>
+          </p:cNvPr>
+          <p:cNvSpPr txBox="1"/>
+          <p:nvPr/>
+        </p:nvSpPr>
+        <p:spPr>
+          <a:xfrm>
+            <a:off x="4441371" y="943430"/>
+            <a:ext cx="4619854" cy="584775"/>
+          </a:xfrm>
+          <a:prstGeom prst="rect">
+            <a:avLst/>
+          </a:prstGeom>
+          <a:noFill/>
+        </p:spPr>
+        <p:txBody>
+          <a:bodyPr wrap="none" rtlCol="0">
+            <a:spAutoFit/>
+          </a:bodyPr>
+          <a:lstStyle/>
+          <a:p>
+            <a:r>
+              <a:rPr lang="en-US" sz="3200" dirty="0"/>
+              <a:t>Cross-Site Request Forgery</a:t>
+            </a:r>
+          </a:p>
+        </p:txBody>
+      </p:sp>
+      <p:sp>
+        <p:nvSpPr>
+          <p:cNvPr id="5" name="Rectangle 4">
+            <a:extLst>
+              <a:ext uri="{FF2B5EF4-FFF2-40B4-BE49-F238E27FC236}">
+                <a16:creationId xmlns:a16="http://schemas.microsoft.com/office/drawing/2014/main" id="{B1775F99-D0C2-BB47-5749-089BEFB8AA37}"/>
+              </a:ext>
+            </a:extLst>
+          </p:cNvPr>
+          <p:cNvSpPr/>
+          <p:nvPr/>
+        </p:nvSpPr>
+        <p:spPr>
+          <a:xfrm>
+            <a:off x="4093029" y="1814286"/>
+            <a:ext cx="2351314" cy="584775"/>
+          </a:xfrm>
+          <a:prstGeom prst="rect">
+            <a:avLst/>
+          </a:prstGeom>
+        </p:spPr>
+        <p:style>
+          <a:lnRef idx="2">
+            <a:schemeClr val="accent1">
+              <a:shade val="50000"/>
+            </a:schemeClr>
+          </a:lnRef>
+          <a:fillRef idx="1">
+            <a:schemeClr val="accent1"/>
+          </a:fillRef>
+          <a:effectRef idx="0">
+            <a:schemeClr val="accent1"/>
+          </a:effectRef>
+          <a:fontRef idx="minor">
+            <a:schemeClr val="lt1"/>
+          </a:fontRef>
+        </p:style>
+        <p:txBody>
+          <a:bodyPr rtlCol="0" anchor="ctr"/>
+          <a:lstStyle/>
+          <a:p>
+            <a:pPr algn="ctr"/>
+            <a:r>
+              <a:rPr lang="en-US" sz="2800" dirty="0"/>
+              <a:t>User</a:t>
+            </a:r>
+          </a:p>
+        </p:txBody>
+      </p:sp>
+      <p:sp>
+        <p:nvSpPr>
+          <p:cNvPr id="6" name="Rectangle 5">
+            <a:extLst>
+              <a:ext uri="{FF2B5EF4-FFF2-40B4-BE49-F238E27FC236}">
+                <a16:creationId xmlns:a16="http://schemas.microsoft.com/office/drawing/2014/main" id="{3609BDAE-8C36-DE4B-F72F-A9B4A6BDB9ED}"/>
+              </a:ext>
+            </a:extLst>
+          </p:cNvPr>
+          <p:cNvSpPr/>
+          <p:nvPr/>
+        </p:nvSpPr>
+        <p:spPr>
+          <a:xfrm>
+            <a:off x="4093029" y="2844225"/>
+            <a:ext cx="2351314" cy="584775"/>
+          </a:xfrm>
+          <a:prstGeom prst="rect">
+            <a:avLst/>
+          </a:prstGeom>
+        </p:spPr>
+        <p:style>
+          <a:lnRef idx="2">
+            <a:schemeClr val="accent1">
+              <a:shade val="50000"/>
+            </a:schemeClr>
+          </a:lnRef>
+          <a:fillRef idx="1">
+            <a:schemeClr val="accent1"/>
+          </a:fillRef>
+          <a:effectRef idx="0">
+            <a:schemeClr val="accent1"/>
+          </a:effectRef>
+          <a:fontRef idx="minor">
+            <a:schemeClr val="lt1"/>
+          </a:fontRef>
+        </p:style>
+        <p:txBody>
+          <a:bodyPr rtlCol="0" anchor="ctr"/>
+          <a:lstStyle/>
+          <a:p>
+            <a:pPr algn="ctr"/>
+            <a:r>
+              <a:rPr lang="en-US" sz="2400" dirty="0"/>
+              <a:t>Frontend (views)</a:t>
+            </a:r>
+          </a:p>
+        </p:txBody>
+      </p:sp>
+      <p:sp>
+        <p:nvSpPr>
+          <p:cNvPr id="7" name="Rectangle 6">
+            <a:extLst>
+              <a:ext uri="{FF2B5EF4-FFF2-40B4-BE49-F238E27FC236}">
+                <a16:creationId xmlns:a16="http://schemas.microsoft.com/office/drawing/2014/main" id="{3AB6E867-AF2A-B23D-5FC5-091C1F5496AE}"/>
+              </a:ext>
+            </a:extLst>
+          </p:cNvPr>
+          <p:cNvSpPr/>
+          <p:nvPr/>
+        </p:nvSpPr>
+        <p:spPr>
+          <a:xfrm>
+            <a:off x="4093029" y="3758625"/>
+            <a:ext cx="2351314" cy="885946"/>
+          </a:xfrm>
+          <a:prstGeom prst="rect">
+            <a:avLst/>
+          </a:prstGeom>
+        </p:spPr>
+        <p:style>
+          <a:lnRef idx="2">
+            <a:schemeClr val="accent1">
+              <a:shade val="50000"/>
+            </a:schemeClr>
+          </a:lnRef>
+          <a:fillRef idx="1">
+            <a:schemeClr val="accent1"/>
+          </a:fillRef>
+          <a:effectRef idx="0">
+            <a:schemeClr val="accent1"/>
+          </a:effectRef>
+          <a:fontRef idx="minor">
+            <a:schemeClr val="lt1"/>
+          </a:fontRef>
+        </p:style>
+        <p:txBody>
+          <a:bodyPr rtlCol="0" anchor="ctr"/>
+          <a:lstStyle/>
+          <a:p>
+            <a:pPr algn="ctr"/>
+            <a:r>
+              <a:rPr lang="en-US" sz="1600" dirty="0"/>
+              <a:t>Intended Request</a:t>
+            </a:r>
+          </a:p>
+          <a:p>
+            <a:pPr algn="ctr"/>
+            <a:r>
+              <a:rPr lang="en-US" sz="1600" dirty="0"/>
+              <a:t>(e.g. send money to B)</a:t>
+            </a:r>
+          </a:p>
+        </p:txBody>
+      </p:sp>
+      <p:cxnSp>
+        <p:nvCxnSpPr>
+          <p:cNvPr id="9" name="Connector: Elbow 8">
+            <a:extLst>
+              <a:ext uri="{FF2B5EF4-FFF2-40B4-BE49-F238E27FC236}">
+                <a16:creationId xmlns:a16="http://schemas.microsoft.com/office/drawing/2014/main" id="{B1762647-47B0-08D6-DB0E-049968848189}"/>
+              </a:ext>
+            </a:extLst>
+          </p:cNvPr>
+          <p:cNvCxnSpPr>
+            <a:stCxn id="5" idx="2"/>
+            <a:endCxn id="6" idx="0"/>
+          </p:cNvCxnSpPr>
+          <p:nvPr/>
+        </p:nvCxnSpPr>
+        <p:spPr>
+          <a:xfrm rot="5400000">
+            <a:off x="5046104" y="2621643"/>
+            <a:ext cx="445164" cy="12700"/>
+          </a:xfrm>
+          <a:prstGeom prst="bentConnector3">
+            <a:avLst/>
+          </a:prstGeom>
+          <a:ln>
+            <a:tailEnd type="triangle"/>
+          </a:ln>
+        </p:spPr>
+        <p:style>
+          <a:lnRef idx="1">
+            <a:schemeClr val="accent1"/>
+          </a:lnRef>
+          <a:fillRef idx="0">
+            <a:schemeClr val="accent1"/>
+          </a:fillRef>
+          <a:effectRef idx="0">
+            <a:schemeClr val="accent1"/>
+          </a:effectRef>
+          <a:fontRef idx="minor">
+            <a:schemeClr val="tx1"/>
+          </a:fontRef>
+        </p:style>
+      </p:cxnSp>
+      <p:cxnSp>
+        <p:nvCxnSpPr>
+          <p:cNvPr id="11" name="Connector: Elbow 10">
+            <a:extLst>
+              <a:ext uri="{FF2B5EF4-FFF2-40B4-BE49-F238E27FC236}">
+                <a16:creationId xmlns:a16="http://schemas.microsoft.com/office/drawing/2014/main" id="{8D225A78-B2D4-8DA4-6236-091ED0A99D10}"/>
+              </a:ext>
+            </a:extLst>
+          </p:cNvPr>
+          <p:cNvCxnSpPr>
+            <a:stCxn id="6" idx="2"/>
+            <a:endCxn id="7" idx="0"/>
+          </p:cNvCxnSpPr>
+          <p:nvPr/>
+        </p:nvCxnSpPr>
+        <p:spPr>
+          <a:xfrm rot="5400000">
+            <a:off x="5103874" y="3593812"/>
+            <a:ext cx="329625" cy="12700"/>
+          </a:xfrm>
+          <a:prstGeom prst="bentConnector3">
+            <a:avLst/>
+          </a:prstGeom>
+          <a:ln>
+            <a:tailEnd type="triangle"/>
+          </a:ln>
+        </p:spPr>
+        <p:style>
+          <a:lnRef idx="1">
+            <a:schemeClr val="accent1"/>
+          </a:lnRef>
+          <a:fillRef idx="0">
+            <a:schemeClr val="accent1"/>
+          </a:fillRef>
+          <a:effectRef idx="0">
+            <a:schemeClr val="accent1"/>
+          </a:effectRef>
+          <a:fontRef idx="minor">
+            <a:schemeClr val="tx1"/>
+          </a:fontRef>
+        </p:style>
+      </p:cxnSp>
+      <p:sp>
+        <p:nvSpPr>
+          <p:cNvPr id="12" name="Rectangle 11">
+            <a:extLst>
+              <a:ext uri="{FF2B5EF4-FFF2-40B4-BE49-F238E27FC236}">
+                <a16:creationId xmlns:a16="http://schemas.microsoft.com/office/drawing/2014/main" id="{D58491C8-7E1E-9B3B-77E4-06535B2C22E0}"/>
+              </a:ext>
+            </a:extLst>
+          </p:cNvPr>
+          <p:cNvSpPr/>
+          <p:nvPr/>
+        </p:nvSpPr>
+        <p:spPr>
+          <a:xfrm>
+            <a:off x="4093029" y="4970781"/>
+            <a:ext cx="2351314" cy="655319"/>
+          </a:xfrm>
+          <a:prstGeom prst="rect">
+            <a:avLst/>
+          </a:prstGeom>
+        </p:spPr>
+        <p:style>
+          <a:lnRef idx="2">
+            <a:schemeClr val="accent1">
+              <a:shade val="50000"/>
+            </a:schemeClr>
+          </a:lnRef>
+          <a:fillRef idx="1">
+            <a:schemeClr val="accent1"/>
+          </a:fillRef>
+          <a:effectRef idx="0">
+            <a:schemeClr val="accent1"/>
+          </a:effectRef>
+          <a:fontRef idx="minor">
+            <a:schemeClr val="lt1"/>
+          </a:fontRef>
+        </p:style>
+        <p:txBody>
+          <a:bodyPr rtlCol="0" anchor="ctr"/>
+          <a:lstStyle/>
+          <a:p>
+            <a:pPr algn="ctr"/>
+            <a:r>
+              <a:rPr lang="en-US" dirty="0"/>
+              <a:t>Server(Node App)</a:t>
+            </a:r>
+          </a:p>
+        </p:txBody>
+      </p:sp>
+      <p:sp>
+        <p:nvSpPr>
+          <p:cNvPr id="13" name="Rectangle 12">
+            <a:extLst>
+              <a:ext uri="{FF2B5EF4-FFF2-40B4-BE49-F238E27FC236}">
+                <a16:creationId xmlns:a16="http://schemas.microsoft.com/office/drawing/2014/main" id="{1233EA17-04EC-FE1C-AED3-EF1FEA94BE7D}"/>
+              </a:ext>
+            </a:extLst>
+          </p:cNvPr>
+          <p:cNvSpPr/>
+          <p:nvPr/>
+        </p:nvSpPr>
+        <p:spPr>
+          <a:xfrm>
+            <a:off x="4099379" y="6022854"/>
+            <a:ext cx="2351314" cy="584775"/>
+          </a:xfrm>
+          <a:prstGeom prst="rect">
+            <a:avLst/>
+          </a:prstGeom>
+        </p:spPr>
+        <p:style>
+          <a:lnRef idx="2">
+            <a:schemeClr val="accent1">
+              <a:shade val="50000"/>
+            </a:schemeClr>
+          </a:lnRef>
+          <a:fillRef idx="1">
+            <a:schemeClr val="accent1"/>
+          </a:fillRef>
+          <a:effectRef idx="0">
+            <a:schemeClr val="accent1"/>
+          </a:effectRef>
+          <a:fontRef idx="minor">
+            <a:schemeClr val="lt1"/>
+          </a:fontRef>
+        </p:style>
+        <p:txBody>
+          <a:bodyPr rtlCol="0" anchor="ctr"/>
+          <a:lstStyle/>
+          <a:p>
+            <a:pPr algn="ctr"/>
+            <a:r>
+              <a:rPr lang="en-US" dirty="0"/>
+              <a:t>Database</a:t>
+            </a:r>
+          </a:p>
+        </p:txBody>
+      </p:sp>
+      <p:cxnSp>
+        <p:nvCxnSpPr>
+          <p:cNvPr id="15" name="Connector: Elbow 14">
+            <a:extLst>
+              <a:ext uri="{FF2B5EF4-FFF2-40B4-BE49-F238E27FC236}">
+                <a16:creationId xmlns:a16="http://schemas.microsoft.com/office/drawing/2014/main" id="{79DCCA50-64C7-454A-D4B4-D03A3D627A0E}"/>
+              </a:ext>
+            </a:extLst>
+          </p:cNvPr>
+          <p:cNvCxnSpPr>
+            <a:stCxn id="7" idx="2"/>
+            <a:endCxn id="12" idx="0"/>
+          </p:cNvCxnSpPr>
+          <p:nvPr/>
+        </p:nvCxnSpPr>
+        <p:spPr>
+          <a:xfrm rot="5400000">
+            <a:off x="5105581" y="4807676"/>
+            <a:ext cx="326210" cy="12700"/>
+          </a:xfrm>
+          <a:prstGeom prst="bentConnector3">
+            <a:avLst/>
+          </a:prstGeom>
+          <a:ln>
+            <a:tailEnd type="triangle"/>
+          </a:ln>
+        </p:spPr>
+        <p:style>
+          <a:lnRef idx="1">
+            <a:schemeClr val="accent1"/>
+          </a:lnRef>
+          <a:fillRef idx="0">
+            <a:schemeClr val="accent1"/>
+          </a:fillRef>
+          <a:effectRef idx="0">
+            <a:schemeClr val="accent1"/>
+          </a:effectRef>
+          <a:fontRef idx="minor">
+            <a:schemeClr val="tx1"/>
+          </a:fontRef>
+        </p:style>
+      </p:cxnSp>
+      <p:cxnSp>
+        <p:nvCxnSpPr>
+          <p:cNvPr id="17" name="Connector: Elbow 16">
+            <a:extLst>
+              <a:ext uri="{FF2B5EF4-FFF2-40B4-BE49-F238E27FC236}">
+                <a16:creationId xmlns:a16="http://schemas.microsoft.com/office/drawing/2014/main" id="{DC3F7F96-BDD6-A8BA-69C8-1CF21C91D7ED}"/>
+              </a:ext>
+            </a:extLst>
+          </p:cNvPr>
+          <p:cNvCxnSpPr>
+            <a:stCxn id="12" idx="2"/>
+            <a:endCxn id="13" idx="0"/>
+          </p:cNvCxnSpPr>
+          <p:nvPr/>
+        </p:nvCxnSpPr>
+        <p:spPr>
+          <a:xfrm rot="16200000" flipH="1">
+            <a:off x="5073484" y="5821302"/>
+            <a:ext cx="396754" cy="6350"/>
+          </a:xfrm>
+          <a:prstGeom prst="bentConnector3">
+            <a:avLst/>
+          </a:prstGeom>
+          <a:ln>
+            <a:tailEnd type="triangle"/>
+          </a:ln>
+        </p:spPr>
+        <p:style>
+          <a:lnRef idx="1">
+            <a:schemeClr val="accent1"/>
+          </a:lnRef>
+          <a:fillRef idx="0">
+            <a:schemeClr val="accent1"/>
+          </a:fillRef>
+          <a:effectRef idx="0">
+            <a:schemeClr val="accent1"/>
+          </a:effectRef>
+          <a:fontRef idx="minor">
+            <a:schemeClr val="tx1"/>
+          </a:fontRef>
+        </p:style>
+      </p:cxnSp>
+      <p:cxnSp>
+        <p:nvCxnSpPr>
+          <p:cNvPr id="19" name="Connector: Elbow 18">
+            <a:extLst>
+              <a:ext uri="{FF2B5EF4-FFF2-40B4-BE49-F238E27FC236}">
+                <a16:creationId xmlns:a16="http://schemas.microsoft.com/office/drawing/2014/main" id="{A5B2D310-D173-804B-789E-D4B0E6063550}"/>
+              </a:ext>
+            </a:extLst>
+          </p:cNvPr>
+          <p:cNvCxnSpPr>
+            <a:stCxn id="6" idx="3"/>
+          </p:cNvCxnSpPr>
+          <p:nvPr/>
+        </p:nvCxnSpPr>
+        <p:spPr>
+          <a:xfrm>
+            <a:off x="6444343" y="3136613"/>
+            <a:ext cx="1442357" cy="12987"/>
+          </a:xfrm>
+          <a:prstGeom prst="bentConnector3">
+            <a:avLst/>
+          </a:prstGeom>
+          <a:ln>
+            <a:tailEnd type="triangle"/>
+          </a:ln>
+        </p:spPr>
+        <p:style>
+          <a:lnRef idx="1">
+            <a:schemeClr val="accent1"/>
+          </a:lnRef>
+          <a:fillRef idx="0">
+            <a:schemeClr val="accent1"/>
+          </a:fillRef>
+          <a:effectRef idx="0">
+            <a:schemeClr val="accent1"/>
+          </a:effectRef>
+          <a:fontRef idx="minor">
+            <a:schemeClr val="tx1"/>
+          </a:fontRef>
+        </p:style>
+      </p:cxnSp>
+      <p:sp>
+        <p:nvSpPr>
+          <p:cNvPr id="22" name="Rectangle 21">
+            <a:extLst>
+              <a:ext uri="{FF2B5EF4-FFF2-40B4-BE49-F238E27FC236}">
+                <a16:creationId xmlns:a16="http://schemas.microsoft.com/office/drawing/2014/main" id="{8133BBA3-1BF8-BC22-8DF9-2686660D38C6}"/>
+              </a:ext>
+            </a:extLst>
+          </p:cNvPr>
+          <p:cNvSpPr/>
+          <p:nvPr/>
+        </p:nvSpPr>
+        <p:spPr>
+          <a:xfrm>
+            <a:off x="7886700" y="2857212"/>
+            <a:ext cx="2084614" cy="584775"/>
+          </a:xfrm>
+          <a:prstGeom prst="rect">
+            <a:avLst/>
+          </a:prstGeom>
+        </p:spPr>
+        <p:style>
+          <a:lnRef idx="2">
+            <a:schemeClr val="accent1">
+              <a:shade val="50000"/>
+            </a:schemeClr>
+          </a:lnRef>
+          <a:fillRef idx="1">
+            <a:schemeClr val="accent1"/>
+          </a:fillRef>
+          <a:effectRef idx="0">
+            <a:schemeClr val="accent1"/>
+          </a:effectRef>
+          <a:fontRef idx="minor">
+            <a:schemeClr val="lt1"/>
+          </a:fontRef>
+        </p:style>
+        <p:txBody>
+          <a:bodyPr rtlCol="0" anchor="ctr"/>
+          <a:lstStyle/>
+          <a:p>
+            <a:pPr algn="ctr"/>
+            <a:r>
+              <a:rPr lang="en-US" sz="2400" dirty="0"/>
+              <a:t>Cookie</a:t>
+            </a:r>
+          </a:p>
+        </p:txBody>
+      </p:sp>
+      <p:cxnSp>
+        <p:nvCxnSpPr>
+          <p:cNvPr id="23" name="Connector: Elbow 22">
+            <a:extLst>
+              <a:ext uri="{FF2B5EF4-FFF2-40B4-BE49-F238E27FC236}">
+                <a16:creationId xmlns:a16="http://schemas.microsoft.com/office/drawing/2014/main" id="{3230CAE1-3123-E9BE-9975-14E95246FEEA}"/>
+              </a:ext>
+            </a:extLst>
+          </p:cNvPr>
+          <p:cNvCxnSpPr/>
+          <p:nvPr/>
+        </p:nvCxnSpPr>
+        <p:spPr>
+          <a:xfrm>
+            <a:off x="6444343" y="5460713"/>
+            <a:ext cx="1442357" cy="12987"/>
+          </a:xfrm>
+          <a:prstGeom prst="bentConnector3">
+            <a:avLst/>
+          </a:prstGeom>
+          <a:ln>
+            <a:tailEnd type="triangle"/>
+          </a:ln>
+        </p:spPr>
+        <p:style>
+          <a:lnRef idx="1">
+            <a:schemeClr val="accent1"/>
+          </a:lnRef>
+          <a:fillRef idx="0">
+            <a:schemeClr val="accent1"/>
+          </a:fillRef>
+          <a:effectRef idx="0">
+            <a:schemeClr val="accent1"/>
+          </a:effectRef>
+          <a:fontRef idx="minor">
+            <a:schemeClr val="tx1"/>
+          </a:fontRef>
+        </p:style>
+      </p:cxnSp>
+      <p:sp>
+        <p:nvSpPr>
+          <p:cNvPr id="24" name="Rectangle 23">
+            <a:extLst>
+              <a:ext uri="{FF2B5EF4-FFF2-40B4-BE49-F238E27FC236}">
+                <a16:creationId xmlns:a16="http://schemas.microsoft.com/office/drawing/2014/main" id="{52F7648A-274A-2632-5199-C354B1CE5525}"/>
+              </a:ext>
+            </a:extLst>
+          </p:cNvPr>
+          <p:cNvSpPr/>
+          <p:nvPr/>
+        </p:nvSpPr>
+        <p:spPr>
+          <a:xfrm>
+            <a:off x="7886700" y="5181312"/>
+            <a:ext cx="2084614" cy="584775"/>
+          </a:xfrm>
+          <a:prstGeom prst="rect">
+            <a:avLst/>
+          </a:prstGeom>
+        </p:spPr>
+        <p:style>
+          <a:lnRef idx="2">
+            <a:schemeClr val="accent1">
+              <a:shade val="50000"/>
+            </a:schemeClr>
+          </a:lnRef>
+          <a:fillRef idx="1">
+            <a:schemeClr val="accent1"/>
+          </a:fillRef>
+          <a:effectRef idx="0">
+            <a:schemeClr val="accent1"/>
+          </a:effectRef>
+          <a:fontRef idx="minor">
+            <a:schemeClr val="lt1"/>
+          </a:fontRef>
+        </p:style>
+        <p:txBody>
+          <a:bodyPr rtlCol="0" anchor="ctr"/>
+          <a:lstStyle/>
+          <a:p>
+            <a:pPr algn="ctr"/>
+            <a:r>
+              <a:rPr lang="en-US" sz="2400" dirty="0"/>
+              <a:t>Session</a:t>
+            </a:r>
+          </a:p>
+        </p:txBody>
+      </p:sp>
+      <p:cxnSp>
+        <p:nvCxnSpPr>
+          <p:cNvPr id="26" name="Straight Arrow Connector 25">
+            <a:extLst>
+              <a:ext uri="{FF2B5EF4-FFF2-40B4-BE49-F238E27FC236}">
+                <a16:creationId xmlns:a16="http://schemas.microsoft.com/office/drawing/2014/main" id="{591D27A3-E4AA-22C0-D2FF-5C566190E46D}"/>
+              </a:ext>
+            </a:extLst>
+          </p:cNvPr>
+          <p:cNvCxnSpPr>
+            <a:stCxn id="5" idx="1"/>
+          </p:cNvCxnSpPr>
+          <p:nvPr/>
+        </p:nvCxnSpPr>
+        <p:spPr>
+          <a:xfrm flipH="1">
+            <a:off x="2019300" y="2106674"/>
+            <a:ext cx="2073729" cy="750538"/>
+          </a:xfrm>
+          <a:prstGeom prst="straightConnector1">
+            <a:avLst/>
+          </a:prstGeom>
+          <a:ln>
+            <a:tailEnd type="triangle"/>
+          </a:ln>
+        </p:spPr>
+        <p:style>
+          <a:lnRef idx="1">
+            <a:schemeClr val="accent1"/>
+          </a:lnRef>
+          <a:fillRef idx="0">
+            <a:schemeClr val="accent1"/>
+          </a:fillRef>
+          <a:effectRef idx="0">
+            <a:schemeClr val="accent1"/>
+          </a:effectRef>
+          <a:fontRef idx="minor">
+            <a:schemeClr val="tx1"/>
+          </a:fontRef>
+        </p:style>
+      </p:cxnSp>
+      <p:sp>
+        <p:nvSpPr>
+          <p:cNvPr id="27" name="Rectangle 26">
+            <a:extLst>
+              <a:ext uri="{FF2B5EF4-FFF2-40B4-BE49-F238E27FC236}">
+                <a16:creationId xmlns:a16="http://schemas.microsoft.com/office/drawing/2014/main" id="{9D84A82E-DAE4-0B04-6D30-A355DAD0EFB0}"/>
+              </a:ext>
+            </a:extLst>
+          </p:cNvPr>
+          <p:cNvSpPr/>
+          <p:nvPr/>
+        </p:nvSpPr>
+        <p:spPr>
+          <a:xfrm>
+            <a:off x="849993" y="2976799"/>
+            <a:ext cx="2351314" cy="584776"/>
+          </a:xfrm>
+          <a:prstGeom prst="rect">
+            <a:avLst/>
+          </a:prstGeom>
+        </p:spPr>
+        <p:style>
+          <a:lnRef idx="2">
+            <a:schemeClr val="accent1">
+              <a:shade val="50000"/>
+            </a:schemeClr>
+          </a:lnRef>
+          <a:fillRef idx="1">
+            <a:schemeClr val="accent1"/>
+          </a:fillRef>
+          <a:effectRef idx="0">
+            <a:schemeClr val="accent1"/>
+          </a:effectRef>
+          <a:fontRef idx="minor">
+            <a:schemeClr val="lt1"/>
+          </a:fontRef>
+        </p:style>
+        <p:txBody>
+          <a:bodyPr rtlCol="0" anchor="ctr"/>
+          <a:lstStyle/>
+          <a:p>
+            <a:pPr algn="ctr"/>
+            <a:r>
+              <a:rPr lang="en-US" dirty="0"/>
+              <a:t>Fake Site</a:t>
+            </a:r>
+          </a:p>
+        </p:txBody>
+      </p:sp>
+      <p:sp>
+        <p:nvSpPr>
+          <p:cNvPr id="29" name="Rectangle 28">
+            <a:extLst>
+              <a:ext uri="{FF2B5EF4-FFF2-40B4-BE49-F238E27FC236}">
+                <a16:creationId xmlns:a16="http://schemas.microsoft.com/office/drawing/2014/main" id="{961F88A1-90FC-3243-B0F0-0A6D6AFFAF60}"/>
+              </a:ext>
+            </a:extLst>
+          </p:cNvPr>
+          <p:cNvSpPr/>
+          <p:nvPr/>
+        </p:nvSpPr>
+        <p:spPr>
+          <a:xfrm>
+            <a:off x="838200" y="3875204"/>
+            <a:ext cx="2351314" cy="885946"/>
+          </a:xfrm>
+          <a:prstGeom prst="rect">
+            <a:avLst/>
+          </a:prstGeom>
+        </p:spPr>
+        <p:style>
+          <a:lnRef idx="2">
+            <a:schemeClr val="accent1">
+              <a:shade val="50000"/>
+            </a:schemeClr>
+          </a:lnRef>
+          <a:fillRef idx="1">
+            <a:schemeClr val="accent1"/>
+          </a:fillRef>
+          <a:effectRef idx="0">
+            <a:schemeClr val="accent1"/>
+          </a:effectRef>
+          <a:fontRef idx="minor">
+            <a:schemeClr val="lt1"/>
+          </a:fontRef>
+        </p:style>
+        <p:txBody>
+          <a:bodyPr rtlCol="0" anchor="ctr"/>
+          <a:lstStyle/>
+          <a:p>
+            <a:pPr algn="ctr"/>
+            <a:r>
+              <a:rPr lang="en-US" sz="1600" dirty="0"/>
+              <a:t>Intended Request</a:t>
+            </a:r>
+          </a:p>
+          <a:p>
+            <a:pPr algn="ctr"/>
+            <a:r>
+              <a:rPr lang="en-US" sz="1600" dirty="0"/>
+              <a:t>(e.g. send money to C)</a:t>
+            </a:r>
+          </a:p>
+        </p:txBody>
+      </p:sp>
+      <p:cxnSp>
+        <p:nvCxnSpPr>
+          <p:cNvPr id="30" name="Connector: Elbow 29">
+            <a:extLst>
+              <a:ext uri="{FF2B5EF4-FFF2-40B4-BE49-F238E27FC236}">
+                <a16:creationId xmlns:a16="http://schemas.microsoft.com/office/drawing/2014/main" id="{14A1C5CF-8F05-5978-8985-6B3BD16C1529}"/>
+              </a:ext>
+            </a:extLst>
+          </p:cNvPr>
+          <p:cNvCxnSpPr>
+            <a:endCxn id="29" idx="0"/>
+          </p:cNvCxnSpPr>
+          <p:nvPr/>
+        </p:nvCxnSpPr>
+        <p:spPr>
+          <a:xfrm rot="5400000">
+            <a:off x="1849045" y="3710391"/>
+            <a:ext cx="329625" cy="12700"/>
+          </a:xfrm>
+          <a:prstGeom prst="bentConnector3">
+            <a:avLst/>
+          </a:prstGeom>
+          <a:ln>
+            <a:tailEnd type="triangle"/>
+          </a:ln>
+        </p:spPr>
+        <p:style>
+          <a:lnRef idx="1">
+            <a:schemeClr val="accent1"/>
+          </a:lnRef>
+          <a:fillRef idx="0">
+            <a:schemeClr val="accent1"/>
+          </a:fillRef>
+          <a:effectRef idx="0">
+            <a:schemeClr val="accent1"/>
+          </a:effectRef>
+          <a:fontRef idx="minor">
+            <a:schemeClr val="tx1"/>
+          </a:fontRef>
+        </p:style>
+      </p:cxnSp>
+      <p:cxnSp>
+        <p:nvCxnSpPr>
+          <p:cNvPr id="35" name="Connector: Elbow 34">
+            <a:extLst>
+              <a:ext uri="{FF2B5EF4-FFF2-40B4-BE49-F238E27FC236}">
+                <a16:creationId xmlns:a16="http://schemas.microsoft.com/office/drawing/2014/main" id="{7FE7B7FF-B8EE-AAF2-BFC0-3FE5262B90DF}"/>
+              </a:ext>
+            </a:extLst>
+          </p:cNvPr>
+          <p:cNvCxnSpPr>
+            <a:stCxn id="29" idx="2"/>
+            <a:endCxn id="12" idx="1"/>
+          </p:cNvCxnSpPr>
+          <p:nvPr/>
+        </p:nvCxnSpPr>
+        <p:spPr>
+          <a:xfrm rot="16200000" flipH="1">
+            <a:off x="2784798" y="3990209"/>
+            <a:ext cx="537291" cy="2079172"/>
+          </a:xfrm>
+          <a:prstGeom prst="bentConnector2">
+            <a:avLst/>
+          </a:prstGeom>
+          <a:ln>
+            <a:tailEnd type="triangle"/>
+          </a:ln>
+        </p:spPr>
+        <p:style>
+          <a:lnRef idx="1">
+            <a:schemeClr val="accent1"/>
+          </a:lnRef>
+          <a:fillRef idx="0">
+            <a:schemeClr val="accent1"/>
+          </a:fillRef>
+          <a:effectRef idx="0">
+            <a:schemeClr val="accent1"/>
+          </a:effectRef>
+          <a:fontRef idx="minor">
+            <a:schemeClr val="tx1"/>
+          </a:fontRef>
+        </p:style>
+      </p:cxnSp>
+    </p:spTree>
+    <p:extLst>
+      <p:ext uri="{BB962C8B-B14F-4D97-AF65-F5344CB8AC3E}">
+        <p14:creationId xmlns:p14="http://schemas.microsoft.com/office/powerpoint/2010/main" val="2166040961"/>
+      </p:ext>
+    </p:extLst>
+  </p:cSld>
+  <p:clrMapOvr>
+    <a:masterClrMapping/>
+  </p:clrMapOvr>
+</p:sld>
+</file>
+
+<file path=ppt/slides/slide35.xml><?xml version="1.0" encoding="utf-8"?>
+<p:sld xmlns:a="http://schemas.openxmlformats.org/drawingml/2006/main" xmlns:r="http://schemas.openxmlformats.org/officeDocument/2006/relationships" xmlns:p="http://schemas.openxmlformats.org/presentationml/2006/main">
+  <p:cSld>
+    <p:spTree>
+      <p:nvGrpSpPr>
+        <p:cNvPr id="1" name=""/>
+        <p:cNvGrpSpPr/>
+        <p:nvPr/>
+      </p:nvGrpSpPr>
+      <p:grpSpPr>
+        <a:xfrm>
+          <a:off x="0" y="0"/>
+          <a:ext cx="0" cy="0"/>
+          <a:chOff x="0" y="0"/>
+          <a:chExt cx="0" cy="0"/>
+        </a:xfrm>
+      </p:grpSpPr>
+      <p:sp>
+        <p:nvSpPr>
+          <p:cNvPr id="2" name="Title 1">
+            <a:extLst>
+              <a:ext uri="{FF2B5EF4-FFF2-40B4-BE49-F238E27FC236}">
+                <a16:creationId xmlns:a16="http://schemas.microsoft.com/office/drawing/2014/main" id="{126EC866-557C-75B1-D097-962693C3B4D6}"/>
+              </a:ext>
+            </a:extLst>
+          </p:cNvPr>
+          <p:cNvSpPr>
+            <a:spLocks noGrp="1"/>
+          </p:cNvSpPr>
+          <p:nvPr>
+            <p:ph type="title"/>
+          </p:nvPr>
+        </p:nvSpPr>
+        <p:spPr/>
+        <p:txBody>
+          <a:bodyPr/>
+          <a:lstStyle/>
+          <a:p>
+            <a:endParaRPr lang="en-US"/>
+          </a:p>
+        </p:txBody>
+      </p:sp>
+      <p:sp>
+        <p:nvSpPr>
+          <p:cNvPr id="3" name="Content Placeholder 2">
+            <a:extLst>
+              <a:ext uri="{FF2B5EF4-FFF2-40B4-BE49-F238E27FC236}">
+                <a16:creationId xmlns:a16="http://schemas.microsoft.com/office/drawing/2014/main" id="{A4D19E10-D92D-D2D6-6076-77A3561AF9F7}"/>
+              </a:ext>
+            </a:extLst>
+          </p:cNvPr>
+          <p:cNvSpPr>
+            <a:spLocks noGrp="1"/>
+          </p:cNvSpPr>
+          <p:nvPr>
+            <p:ph idx="1"/>
+          </p:nvPr>
+        </p:nvSpPr>
+        <p:spPr/>
+        <p:txBody>
+          <a:bodyPr/>
+          <a:lstStyle/>
+          <a:p>
+            <a:endParaRPr lang="en-US"/>
+          </a:p>
+        </p:txBody>
+      </p:sp>
+    </p:spTree>
+    <p:extLst>
+      <p:ext uri="{BB962C8B-B14F-4D97-AF65-F5344CB8AC3E}">
+        <p14:creationId xmlns:p14="http://schemas.microsoft.com/office/powerpoint/2010/main" val="1574330253"/>
       </p:ext>
     </p:extLst>
   </p:cSld>

--- a/Database.pptx
+++ b/Database.pptx
@@ -40,6 +40,7 @@
     <p:sldId id="288" r:id="rId34"/>
     <p:sldId id="289" r:id="rId35"/>
     <p:sldId id="290" r:id="rId36"/>
+    <p:sldId id="291" r:id="rId37"/>
   </p:sldIdLst>
   <p:sldSz cx="12192000" cy="6858000"/>
   <p:notesSz cx="6858000" cy="9144000"/>
@@ -381,7 +382,7 @@
           <a:p>
             <a:fld id="{9F08AD8F-3C3D-4B63-978B-A283DF666F72}" type="datetimeFigureOut">
               <a:rPr lang="en-US" smtClean="0"/>
-              <a:t>6/13/2023</a:t>
+              <a:t>6/16/2023</a:t>
             </a:fld>
             <a:endParaRPr lang="en-US"/>
           </a:p>
@@ -579,7 +580,7 @@
           <a:p>
             <a:fld id="{9F08AD8F-3C3D-4B63-978B-A283DF666F72}" type="datetimeFigureOut">
               <a:rPr lang="en-US" smtClean="0"/>
-              <a:t>6/13/2023</a:t>
+              <a:t>6/16/2023</a:t>
             </a:fld>
             <a:endParaRPr lang="en-US"/>
           </a:p>
@@ -787,7 +788,7 @@
           <a:p>
             <a:fld id="{9F08AD8F-3C3D-4B63-978B-A283DF666F72}" type="datetimeFigureOut">
               <a:rPr lang="en-US" smtClean="0"/>
-              <a:t>6/13/2023</a:t>
+              <a:t>6/16/2023</a:t>
             </a:fld>
             <a:endParaRPr lang="en-US"/>
           </a:p>
@@ -985,7 +986,7 @@
           <a:p>
             <a:fld id="{9F08AD8F-3C3D-4B63-978B-A283DF666F72}" type="datetimeFigureOut">
               <a:rPr lang="en-US" smtClean="0"/>
-              <a:t>6/13/2023</a:t>
+              <a:t>6/16/2023</a:t>
             </a:fld>
             <a:endParaRPr lang="en-US"/>
           </a:p>
@@ -1260,7 +1261,7 @@
           <a:p>
             <a:fld id="{9F08AD8F-3C3D-4B63-978B-A283DF666F72}" type="datetimeFigureOut">
               <a:rPr lang="en-US" smtClean="0"/>
-              <a:t>6/13/2023</a:t>
+              <a:t>6/16/2023</a:t>
             </a:fld>
             <a:endParaRPr lang="en-US"/>
           </a:p>
@@ -1525,7 +1526,7 @@
           <a:p>
             <a:fld id="{9F08AD8F-3C3D-4B63-978B-A283DF666F72}" type="datetimeFigureOut">
               <a:rPr lang="en-US" smtClean="0"/>
-              <a:t>6/13/2023</a:t>
+              <a:t>6/16/2023</a:t>
             </a:fld>
             <a:endParaRPr lang="en-US"/>
           </a:p>
@@ -1937,7 +1938,7 @@
           <a:p>
             <a:fld id="{9F08AD8F-3C3D-4B63-978B-A283DF666F72}" type="datetimeFigureOut">
               <a:rPr lang="en-US" smtClean="0"/>
-              <a:t>6/13/2023</a:t>
+              <a:t>6/16/2023</a:t>
             </a:fld>
             <a:endParaRPr lang="en-US"/>
           </a:p>
@@ -2078,7 +2079,7 @@
           <a:p>
             <a:fld id="{9F08AD8F-3C3D-4B63-978B-A283DF666F72}" type="datetimeFigureOut">
               <a:rPr lang="en-US" smtClean="0"/>
-              <a:t>6/13/2023</a:t>
+              <a:t>6/16/2023</a:t>
             </a:fld>
             <a:endParaRPr lang="en-US"/>
           </a:p>
@@ -2191,7 +2192,7 @@
           <a:p>
             <a:fld id="{9F08AD8F-3C3D-4B63-978B-A283DF666F72}" type="datetimeFigureOut">
               <a:rPr lang="en-US" smtClean="0"/>
-              <a:t>6/13/2023</a:t>
+              <a:t>6/16/2023</a:t>
             </a:fld>
             <a:endParaRPr lang="en-US"/>
           </a:p>
@@ -2502,7 +2503,7 @@
           <a:p>
             <a:fld id="{9F08AD8F-3C3D-4B63-978B-A283DF666F72}" type="datetimeFigureOut">
               <a:rPr lang="en-US" smtClean="0"/>
-              <a:t>6/13/2023</a:t>
+              <a:t>6/16/2023</a:t>
             </a:fld>
             <a:endParaRPr lang="en-US"/>
           </a:p>
@@ -2790,7 +2791,7 @@
           <a:p>
             <a:fld id="{9F08AD8F-3C3D-4B63-978B-A283DF666F72}" type="datetimeFigureOut">
               <a:rPr lang="en-US" smtClean="0"/>
-              <a:t>6/13/2023</a:t>
+              <a:t>6/16/2023</a:t>
             </a:fld>
             <a:endParaRPr lang="en-US"/>
           </a:p>
@@ -3031,7 +3032,7 @@
           <a:p>
             <a:fld id="{9F08AD8F-3C3D-4B63-978B-A283DF666F72}" type="datetimeFigureOut">
               <a:rPr lang="en-US" smtClean="0"/>
-              <a:t>6/13/2023</a:t>
+              <a:t>6/16/2023</a:t>
             </a:fld>
             <a:endParaRPr lang="en-US"/>
           </a:p>
@@ -15392,7 +15393,7 @@
           </a:xfrm>
         </p:spPr>
         <p:txBody>
-          <a:bodyPr/>
+          <a:bodyPr numCol="2"/>
           <a:lstStyle/>
           <a:p>
             <a:r>
@@ -15454,6 +15455,24 @@
             <a:r>
               <a:rPr lang="en-US" dirty="0"/>
               <a:t>Adding CSRF Protection</a:t>
+            </a:r>
+          </a:p>
+          <a:p>
+            <a:r>
+              <a:rPr lang="en-US" dirty="0"/>
+              <a:t>Providing User Feedback</a:t>
+            </a:r>
+          </a:p>
+          <a:p>
+            <a:r>
+              <a:rPr lang="en-US" dirty="0"/>
+              <a:t>Finishing the Flash Messages</a:t>
+            </a:r>
+          </a:p>
+          <a:p>
+            <a:r>
+              <a:rPr lang="en-US" dirty="0"/>
+              <a:t>Adding Additional Flash Messages</a:t>
             </a:r>
           </a:p>
         </p:txBody>
@@ -16436,7 +16455,10 @@
           <a:bodyPr/>
           <a:lstStyle/>
           <a:p>
-            <a:endParaRPr lang="en-US"/>
+            <a:r>
+              <a:rPr lang="en-US" dirty="0"/>
+              <a:t>Module Summary</a:t>
+            </a:r>
           </a:p>
         </p:txBody>
       </p:sp>
@@ -16456,12 +16478,264 @@
             <p:ph idx="1"/>
           </p:nvPr>
         </p:nvSpPr>
-        <p:spPr/>
-        <p:txBody>
-          <a:bodyPr/>
-          <a:lstStyle/>
-          <a:p>
-            <a:endParaRPr lang="en-US"/>
+        <p:spPr>
+          <a:xfrm>
+            <a:off x="838200" y="1825625"/>
+            <a:ext cx="5388429" cy="4351338"/>
+          </a:xfrm>
+        </p:spPr>
+        <p:txBody>
+          <a:bodyPr>
+            <a:normAutofit lnSpcReduction="10000"/>
+          </a:bodyPr>
+          <a:lstStyle/>
+          <a:p>
+            <a:pPr marL="0" indent="0">
+              <a:buNone/>
+            </a:pPr>
+            <a:r>
+              <a:rPr lang="en-US" dirty="0"/>
+              <a:t>Authentication</a:t>
+            </a:r>
+          </a:p>
+          <a:p>
+            <a:r>
+              <a:rPr lang="en-US" dirty="0"/>
+              <a:t>Authentication means that not every visitor of the page can view and interact with everything.</a:t>
+            </a:r>
+          </a:p>
+          <a:p>
+            <a:r>
+              <a:rPr lang="en-US" dirty="0"/>
+              <a:t>Authentication has to happen on the server-side and builds up on sessions</a:t>
+            </a:r>
+          </a:p>
+          <a:p>
+            <a:r>
+              <a:rPr lang="en-US" dirty="0"/>
+              <a:t>You can protect routes by checking the (session-controlled) login status right before you access a controller action</a:t>
+            </a:r>
+          </a:p>
+        </p:txBody>
+      </p:sp>
+      <p:sp>
+        <p:nvSpPr>
+          <p:cNvPr id="4" name="Content Placeholder 2">
+            <a:extLst>
+              <a:ext uri="{FF2B5EF4-FFF2-40B4-BE49-F238E27FC236}">
+                <a16:creationId xmlns:a16="http://schemas.microsoft.com/office/drawing/2014/main" id="{B907C933-8EAD-DDB4-D6B6-330E4A29F725}"/>
+              </a:ext>
+            </a:extLst>
+          </p:cNvPr>
+          <p:cNvSpPr txBox="1">
+            <a:spLocks/>
+          </p:cNvSpPr>
+          <p:nvPr/>
+        </p:nvSpPr>
+        <p:spPr>
+          <a:xfrm>
+            <a:off x="6585857" y="1825625"/>
+            <a:ext cx="5388429" cy="4351338"/>
+          </a:xfrm>
+          <a:prstGeom prst="rect">
+            <a:avLst/>
+          </a:prstGeom>
+        </p:spPr>
+        <p:txBody>
+          <a:bodyPr vert="horz" lIns="91440" tIns="45720" rIns="91440" bIns="45720" rtlCol="0">
+            <a:normAutofit lnSpcReduction="10000"/>
+          </a:bodyPr>
+          <a:lstStyle>
+            <a:lvl1pPr marL="228600" indent="-228600" algn="l" defTabSz="914400" rtl="0" eaLnBrk="1" latinLnBrk="0" hangingPunct="1">
+              <a:lnSpc>
+                <a:spcPct val="90000"/>
+              </a:lnSpc>
+              <a:spcBef>
+                <a:spcPts val="1000"/>
+              </a:spcBef>
+              <a:buFont typeface="Arial" panose="020B0604020202020204" pitchFamily="34" charset="0"/>
+              <a:buChar char="•"/>
+              <a:defRPr sz="2800" kern="1200">
+                <a:solidFill>
+                  <a:schemeClr val="tx1"/>
+                </a:solidFill>
+                <a:latin typeface="+mn-lt"/>
+                <a:ea typeface="+mn-ea"/>
+                <a:cs typeface="+mn-cs"/>
+              </a:defRPr>
+            </a:lvl1pPr>
+            <a:lvl2pPr marL="685800" indent="-228600" algn="l" defTabSz="914400" rtl="0" eaLnBrk="1" latinLnBrk="0" hangingPunct="1">
+              <a:lnSpc>
+                <a:spcPct val="90000"/>
+              </a:lnSpc>
+              <a:spcBef>
+                <a:spcPts val="500"/>
+              </a:spcBef>
+              <a:buFont typeface="Arial" panose="020B0604020202020204" pitchFamily="34" charset="0"/>
+              <a:buChar char="•"/>
+              <a:defRPr sz="2400" kern="1200">
+                <a:solidFill>
+                  <a:schemeClr val="tx1"/>
+                </a:solidFill>
+                <a:latin typeface="+mn-lt"/>
+                <a:ea typeface="+mn-ea"/>
+                <a:cs typeface="+mn-cs"/>
+              </a:defRPr>
+            </a:lvl2pPr>
+            <a:lvl3pPr marL="1143000" indent="-228600" algn="l" defTabSz="914400" rtl="0" eaLnBrk="1" latinLnBrk="0" hangingPunct="1">
+              <a:lnSpc>
+                <a:spcPct val="90000"/>
+              </a:lnSpc>
+              <a:spcBef>
+                <a:spcPts val="500"/>
+              </a:spcBef>
+              <a:buFont typeface="Arial" panose="020B0604020202020204" pitchFamily="34" charset="0"/>
+              <a:buChar char="•"/>
+              <a:defRPr sz="2000" kern="1200">
+                <a:solidFill>
+                  <a:schemeClr val="tx1"/>
+                </a:solidFill>
+                <a:latin typeface="+mn-lt"/>
+                <a:ea typeface="+mn-ea"/>
+                <a:cs typeface="+mn-cs"/>
+              </a:defRPr>
+            </a:lvl3pPr>
+            <a:lvl4pPr marL="1600200" indent="-228600" algn="l" defTabSz="914400" rtl="0" eaLnBrk="1" latinLnBrk="0" hangingPunct="1">
+              <a:lnSpc>
+                <a:spcPct val="90000"/>
+              </a:lnSpc>
+              <a:spcBef>
+                <a:spcPts val="500"/>
+              </a:spcBef>
+              <a:buFont typeface="Arial" panose="020B0604020202020204" pitchFamily="34" charset="0"/>
+              <a:buChar char="•"/>
+              <a:defRPr sz="1800" kern="1200">
+                <a:solidFill>
+                  <a:schemeClr val="tx1"/>
+                </a:solidFill>
+                <a:latin typeface="+mn-lt"/>
+                <a:ea typeface="+mn-ea"/>
+                <a:cs typeface="+mn-cs"/>
+              </a:defRPr>
+            </a:lvl4pPr>
+            <a:lvl5pPr marL="2057400" indent="-228600" algn="l" defTabSz="914400" rtl="0" eaLnBrk="1" latinLnBrk="0" hangingPunct="1">
+              <a:lnSpc>
+                <a:spcPct val="90000"/>
+              </a:lnSpc>
+              <a:spcBef>
+                <a:spcPts val="500"/>
+              </a:spcBef>
+              <a:buFont typeface="Arial" panose="020B0604020202020204" pitchFamily="34" charset="0"/>
+              <a:buChar char="•"/>
+              <a:defRPr sz="1800" kern="1200">
+                <a:solidFill>
+                  <a:schemeClr val="tx1"/>
+                </a:solidFill>
+                <a:latin typeface="+mn-lt"/>
+                <a:ea typeface="+mn-ea"/>
+                <a:cs typeface="+mn-cs"/>
+              </a:defRPr>
+            </a:lvl5pPr>
+            <a:lvl6pPr marL="2514600" indent="-228600" algn="l" defTabSz="914400" rtl="0" eaLnBrk="1" latinLnBrk="0" hangingPunct="1">
+              <a:lnSpc>
+                <a:spcPct val="90000"/>
+              </a:lnSpc>
+              <a:spcBef>
+                <a:spcPts val="500"/>
+              </a:spcBef>
+              <a:buFont typeface="Arial" panose="020B0604020202020204" pitchFamily="34" charset="0"/>
+              <a:buChar char="•"/>
+              <a:defRPr sz="1800" kern="1200">
+                <a:solidFill>
+                  <a:schemeClr val="tx1"/>
+                </a:solidFill>
+                <a:latin typeface="+mn-lt"/>
+                <a:ea typeface="+mn-ea"/>
+                <a:cs typeface="+mn-cs"/>
+              </a:defRPr>
+            </a:lvl6pPr>
+            <a:lvl7pPr marL="2971800" indent="-228600" algn="l" defTabSz="914400" rtl="0" eaLnBrk="1" latinLnBrk="0" hangingPunct="1">
+              <a:lnSpc>
+                <a:spcPct val="90000"/>
+              </a:lnSpc>
+              <a:spcBef>
+                <a:spcPts val="500"/>
+              </a:spcBef>
+              <a:buFont typeface="Arial" panose="020B0604020202020204" pitchFamily="34" charset="0"/>
+              <a:buChar char="•"/>
+              <a:defRPr sz="1800" kern="1200">
+                <a:solidFill>
+                  <a:schemeClr val="tx1"/>
+                </a:solidFill>
+                <a:latin typeface="+mn-lt"/>
+                <a:ea typeface="+mn-ea"/>
+                <a:cs typeface="+mn-cs"/>
+              </a:defRPr>
+            </a:lvl7pPr>
+            <a:lvl8pPr marL="3429000" indent="-228600" algn="l" defTabSz="914400" rtl="0" eaLnBrk="1" latinLnBrk="0" hangingPunct="1">
+              <a:lnSpc>
+                <a:spcPct val="90000"/>
+              </a:lnSpc>
+              <a:spcBef>
+                <a:spcPts val="500"/>
+              </a:spcBef>
+              <a:buFont typeface="Arial" panose="020B0604020202020204" pitchFamily="34" charset="0"/>
+              <a:buChar char="•"/>
+              <a:defRPr sz="1800" kern="1200">
+                <a:solidFill>
+                  <a:schemeClr val="tx1"/>
+                </a:solidFill>
+                <a:latin typeface="+mn-lt"/>
+                <a:ea typeface="+mn-ea"/>
+                <a:cs typeface="+mn-cs"/>
+              </a:defRPr>
+            </a:lvl8pPr>
+            <a:lvl9pPr marL="3886200" indent="-228600" algn="l" defTabSz="914400" rtl="0" eaLnBrk="1" latinLnBrk="0" hangingPunct="1">
+              <a:lnSpc>
+                <a:spcPct val="90000"/>
+              </a:lnSpc>
+              <a:spcBef>
+                <a:spcPts val="500"/>
+              </a:spcBef>
+              <a:buFont typeface="Arial" panose="020B0604020202020204" pitchFamily="34" charset="0"/>
+              <a:buChar char="•"/>
+              <a:defRPr sz="1800" kern="1200">
+                <a:solidFill>
+                  <a:schemeClr val="tx1"/>
+                </a:solidFill>
+                <a:latin typeface="+mn-lt"/>
+                <a:ea typeface="+mn-ea"/>
+                <a:cs typeface="+mn-cs"/>
+              </a:defRPr>
+            </a:lvl9pPr>
+          </a:lstStyle>
+          <a:p>
+            <a:pPr marL="0" indent="0">
+              <a:buFont typeface="Arial" panose="020B0604020202020204" pitchFamily="34" charset="0"/>
+              <a:buNone/>
+            </a:pPr>
+            <a:r>
+              <a:rPr lang="en-US" dirty="0"/>
+              <a:t>Security &amp; UX</a:t>
+            </a:r>
+          </a:p>
+          <a:p>
+            <a:r>
+              <a:rPr lang="en-US" dirty="0"/>
+              <a:t>Passwords should be stored in a hashed form</a:t>
+            </a:r>
+          </a:p>
+          <a:p>
+            <a:r>
+              <a:rPr lang="en-US" dirty="0"/>
+              <a:t>CSRF attacks are a real issue and you should therefore include CSRF protection in ANY application you build!</a:t>
+            </a:r>
+          </a:p>
+          <a:p>
+            <a:r>
+              <a:rPr lang="en-US" dirty="0"/>
+              <a:t>For a better user experience, you can flash data/messages into the session which you then can display in your views.</a:t>
+            </a:r>
           </a:p>
         </p:txBody>
       </p:sp>
@@ -16469,6 +16743,89 @@
     <p:extLst>
       <p:ext uri="{BB962C8B-B14F-4D97-AF65-F5344CB8AC3E}">
         <p14:creationId xmlns:p14="http://schemas.microsoft.com/office/powerpoint/2010/main" val="1574330253"/>
+      </p:ext>
+    </p:extLst>
+  </p:cSld>
+  <p:clrMapOvr>
+    <a:masterClrMapping/>
+  </p:clrMapOvr>
+</p:sld>
+</file>
+
+<file path=ppt/slides/slide36.xml><?xml version="1.0" encoding="utf-8"?>
+<p:sld xmlns:a="http://schemas.openxmlformats.org/drawingml/2006/main" xmlns:r="http://schemas.openxmlformats.org/officeDocument/2006/relationships" xmlns:p="http://schemas.openxmlformats.org/presentationml/2006/main">
+  <p:cSld>
+    <p:spTree>
+      <p:nvGrpSpPr>
+        <p:cNvPr id="1" name=""/>
+        <p:cNvGrpSpPr/>
+        <p:nvPr/>
+      </p:nvGrpSpPr>
+      <p:grpSpPr>
+        <a:xfrm>
+          <a:off x="0" y="0"/>
+          <a:ext cx="0" cy="0"/>
+          <a:chOff x="0" y="0"/>
+          <a:chExt cx="0" cy="0"/>
+        </a:xfrm>
+      </p:grpSpPr>
+      <p:sp>
+        <p:nvSpPr>
+          <p:cNvPr id="2" name="Title 1">
+            <a:extLst>
+              <a:ext uri="{FF2B5EF4-FFF2-40B4-BE49-F238E27FC236}">
+                <a16:creationId xmlns:a16="http://schemas.microsoft.com/office/drawing/2014/main" id="{F1043AB5-FD27-3806-A370-2B855C9AE64E}"/>
+              </a:ext>
+            </a:extLst>
+          </p:cNvPr>
+          <p:cNvSpPr>
+            <a:spLocks noGrp="1"/>
+          </p:cNvSpPr>
+          <p:nvPr>
+            <p:ph type="title"/>
+          </p:nvPr>
+        </p:nvSpPr>
+        <p:spPr/>
+        <p:txBody>
+          <a:bodyPr/>
+          <a:lstStyle/>
+          <a:p>
+            <a:r>
+              <a:rPr lang="en-US" dirty="0"/>
+              <a:t>Sending Mails</a:t>
+            </a:r>
+          </a:p>
+        </p:txBody>
+      </p:sp>
+      <p:sp>
+        <p:nvSpPr>
+          <p:cNvPr id="3" name="Content Placeholder 2">
+            <a:extLst>
+              <a:ext uri="{FF2B5EF4-FFF2-40B4-BE49-F238E27FC236}">
+                <a16:creationId xmlns:a16="http://schemas.microsoft.com/office/drawing/2014/main" id="{B16A27C5-5295-99F3-9474-5FADD4F37BC7}"/>
+              </a:ext>
+            </a:extLst>
+          </p:cNvPr>
+          <p:cNvSpPr>
+            <a:spLocks noGrp="1"/>
+          </p:cNvSpPr>
+          <p:nvPr>
+            <p:ph idx="1"/>
+          </p:nvPr>
+        </p:nvSpPr>
+        <p:spPr/>
+        <p:txBody>
+          <a:bodyPr/>
+          <a:lstStyle/>
+          <a:p>
+            <a:endParaRPr lang="en-US"/>
+          </a:p>
+        </p:txBody>
+      </p:sp>
+    </p:spTree>
+    <p:extLst>
+      <p:ext uri="{BB962C8B-B14F-4D97-AF65-F5344CB8AC3E}">
+        <p14:creationId xmlns:p14="http://schemas.microsoft.com/office/powerpoint/2010/main" val="1828656694"/>
       </p:ext>
     </p:extLst>
   </p:cSld>

--- a/Database.pptx
+++ b/Database.pptx
@@ -41,6 +41,11 @@
     <p:sldId id="289" r:id="rId35"/>
     <p:sldId id="290" r:id="rId36"/>
     <p:sldId id="291" r:id="rId37"/>
+    <p:sldId id="293" r:id="rId38"/>
+    <p:sldId id="294" r:id="rId39"/>
+    <p:sldId id="295" r:id="rId40"/>
+    <p:sldId id="296" r:id="rId41"/>
+    <p:sldId id="297" r:id="rId42"/>
   </p:sldIdLst>
   <p:sldSz cx="12192000" cy="6858000"/>
   <p:notesSz cx="6858000" cy="9144000"/>
@@ -382,9 +387,9 @@
           <a:p>
             <a:fld id="{9F08AD8F-3C3D-4B63-978B-A283DF666F72}" type="datetimeFigureOut">
               <a:rPr lang="en-US" smtClean="0"/>
-              <a:t>6/16/2023</a:t>
+              <a:t>6/21/2023</a:t>
             </a:fld>
-            <a:endParaRPr lang="en-US"/>
+            <a:endParaRPr lang="en-US" dirty="0"/>
           </a:p>
         </p:txBody>
       </p:sp>
@@ -409,7 +414,7 @@
           <a:bodyPr/>
           <a:lstStyle/>
           <a:p>
-            <a:endParaRPr lang="en-US"/>
+            <a:endParaRPr lang="en-US" dirty="0"/>
           </a:p>
         </p:txBody>
       </p:sp>
@@ -438,7 +443,7 @@
               <a:rPr lang="en-US" smtClean="0"/>
               <a:t>‹#›</a:t>
             </a:fld>
-            <a:endParaRPr lang="en-US"/>
+            <a:endParaRPr lang="en-US" dirty="0"/>
           </a:p>
         </p:txBody>
       </p:sp>
@@ -580,9 +585,9 @@
           <a:p>
             <a:fld id="{9F08AD8F-3C3D-4B63-978B-A283DF666F72}" type="datetimeFigureOut">
               <a:rPr lang="en-US" smtClean="0"/>
-              <a:t>6/16/2023</a:t>
+              <a:t>6/21/2023</a:t>
             </a:fld>
-            <a:endParaRPr lang="en-US"/>
+            <a:endParaRPr lang="en-US" dirty="0"/>
           </a:p>
         </p:txBody>
       </p:sp>
@@ -607,7 +612,7 @@
           <a:bodyPr/>
           <a:lstStyle/>
           <a:p>
-            <a:endParaRPr lang="en-US"/>
+            <a:endParaRPr lang="en-US" dirty="0"/>
           </a:p>
         </p:txBody>
       </p:sp>
@@ -636,7 +641,7 @@
               <a:rPr lang="en-US" smtClean="0"/>
               <a:t>‹#›</a:t>
             </a:fld>
-            <a:endParaRPr lang="en-US"/>
+            <a:endParaRPr lang="en-US" dirty="0"/>
           </a:p>
         </p:txBody>
       </p:sp>
@@ -788,9 +793,9 @@
           <a:p>
             <a:fld id="{9F08AD8F-3C3D-4B63-978B-A283DF666F72}" type="datetimeFigureOut">
               <a:rPr lang="en-US" smtClean="0"/>
-              <a:t>6/16/2023</a:t>
+              <a:t>6/21/2023</a:t>
             </a:fld>
-            <a:endParaRPr lang="en-US"/>
+            <a:endParaRPr lang="en-US" dirty="0"/>
           </a:p>
         </p:txBody>
       </p:sp>
@@ -815,7 +820,7 @@
           <a:bodyPr/>
           <a:lstStyle/>
           <a:p>
-            <a:endParaRPr lang="en-US"/>
+            <a:endParaRPr lang="en-US" dirty="0"/>
           </a:p>
         </p:txBody>
       </p:sp>
@@ -844,7 +849,7 @@
               <a:rPr lang="en-US" smtClean="0"/>
               <a:t>‹#›</a:t>
             </a:fld>
-            <a:endParaRPr lang="en-US"/>
+            <a:endParaRPr lang="en-US" dirty="0"/>
           </a:p>
         </p:txBody>
       </p:sp>
@@ -986,9 +991,9 @@
           <a:p>
             <a:fld id="{9F08AD8F-3C3D-4B63-978B-A283DF666F72}" type="datetimeFigureOut">
               <a:rPr lang="en-US" smtClean="0"/>
-              <a:t>6/16/2023</a:t>
+              <a:t>6/21/2023</a:t>
             </a:fld>
-            <a:endParaRPr lang="en-US"/>
+            <a:endParaRPr lang="en-US" dirty="0"/>
           </a:p>
         </p:txBody>
       </p:sp>
@@ -1013,7 +1018,7 @@
           <a:bodyPr/>
           <a:lstStyle/>
           <a:p>
-            <a:endParaRPr lang="en-US"/>
+            <a:endParaRPr lang="en-US" dirty="0"/>
           </a:p>
         </p:txBody>
       </p:sp>
@@ -1042,7 +1047,7 @@
               <a:rPr lang="en-US" smtClean="0"/>
               <a:t>‹#›</a:t>
             </a:fld>
-            <a:endParaRPr lang="en-US"/>
+            <a:endParaRPr lang="en-US" dirty="0"/>
           </a:p>
         </p:txBody>
       </p:sp>
@@ -1261,9 +1266,9 @@
           <a:p>
             <a:fld id="{9F08AD8F-3C3D-4B63-978B-A283DF666F72}" type="datetimeFigureOut">
               <a:rPr lang="en-US" smtClean="0"/>
-              <a:t>6/16/2023</a:t>
+              <a:t>6/21/2023</a:t>
             </a:fld>
-            <a:endParaRPr lang="en-US"/>
+            <a:endParaRPr lang="en-US" dirty="0"/>
           </a:p>
         </p:txBody>
       </p:sp>
@@ -1288,7 +1293,7 @@
           <a:bodyPr/>
           <a:lstStyle/>
           <a:p>
-            <a:endParaRPr lang="en-US"/>
+            <a:endParaRPr lang="en-US" dirty="0"/>
           </a:p>
         </p:txBody>
       </p:sp>
@@ -1317,7 +1322,7 @@
               <a:rPr lang="en-US" smtClean="0"/>
               <a:t>‹#›</a:t>
             </a:fld>
-            <a:endParaRPr lang="en-US"/>
+            <a:endParaRPr lang="en-US" dirty="0"/>
           </a:p>
         </p:txBody>
       </p:sp>
@@ -1526,9 +1531,9 @@
           <a:p>
             <a:fld id="{9F08AD8F-3C3D-4B63-978B-A283DF666F72}" type="datetimeFigureOut">
               <a:rPr lang="en-US" smtClean="0"/>
-              <a:t>6/16/2023</a:t>
+              <a:t>6/21/2023</a:t>
             </a:fld>
-            <a:endParaRPr lang="en-US"/>
+            <a:endParaRPr lang="en-US" dirty="0"/>
           </a:p>
         </p:txBody>
       </p:sp>
@@ -1553,7 +1558,7 @@
           <a:bodyPr/>
           <a:lstStyle/>
           <a:p>
-            <a:endParaRPr lang="en-US"/>
+            <a:endParaRPr lang="en-US" dirty="0"/>
           </a:p>
         </p:txBody>
       </p:sp>
@@ -1582,7 +1587,7 @@
               <a:rPr lang="en-US" smtClean="0"/>
               <a:t>‹#›</a:t>
             </a:fld>
-            <a:endParaRPr lang="en-US"/>
+            <a:endParaRPr lang="en-US" dirty="0"/>
           </a:p>
         </p:txBody>
       </p:sp>
@@ -1938,9 +1943,9 @@
           <a:p>
             <a:fld id="{9F08AD8F-3C3D-4B63-978B-A283DF666F72}" type="datetimeFigureOut">
               <a:rPr lang="en-US" smtClean="0"/>
-              <a:t>6/16/2023</a:t>
+              <a:t>6/21/2023</a:t>
             </a:fld>
-            <a:endParaRPr lang="en-US"/>
+            <a:endParaRPr lang="en-US" dirty="0"/>
           </a:p>
         </p:txBody>
       </p:sp>
@@ -1965,7 +1970,7 @@
           <a:bodyPr/>
           <a:lstStyle/>
           <a:p>
-            <a:endParaRPr lang="en-US"/>
+            <a:endParaRPr lang="en-US" dirty="0"/>
           </a:p>
         </p:txBody>
       </p:sp>
@@ -1994,7 +1999,7 @@
               <a:rPr lang="en-US" smtClean="0"/>
               <a:t>‹#›</a:t>
             </a:fld>
-            <a:endParaRPr lang="en-US"/>
+            <a:endParaRPr lang="en-US" dirty="0"/>
           </a:p>
         </p:txBody>
       </p:sp>
@@ -2079,9 +2084,9 @@
           <a:p>
             <a:fld id="{9F08AD8F-3C3D-4B63-978B-A283DF666F72}" type="datetimeFigureOut">
               <a:rPr lang="en-US" smtClean="0"/>
-              <a:t>6/16/2023</a:t>
+              <a:t>6/21/2023</a:t>
             </a:fld>
-            <a:endParaRPr lang="en-US"/>
+            <a:endParaRPr lang="en-US" dirty="0"/>
           </a:p>
         </p:txBody>
       </p:sp>
@@ -2106,7 +2111,7 @@
           <a:bodyPr/>
           <a:lstStyle/>
           <a:p>
-            <a:endParaRPr lang="en-US"/>
+            <a:endParaRPr lang="en-US" dirty="0"/>
           </a:p>
         </p:txBody>
       </p:sp>
@@ -2135,7 +2140,7 @@
               <a:rPr lang="en-US" smtClean="0"/>
               <a:t>‹#›</a:t>
             </a:fld>
-            <a:endParaRPr lang="en-US"/>
+            <a:endParaRPr lang="en-US" dirty="0"/>
           </a:p>
         </p:txBody>
       </p:sp>
@@ -2192,9 +2197,9 @@
           <a:p>
             <a:fld id="{9F08AD8F-3C3D-4B63-978B-A283DF666F72}" type="datetimeFigureOut">
               <a:rPr lang="en-US" smtClean="0"/>
-              <a:t>6/16/2023</a:t>
+              <a:t>6/21/2023</a:t>
             </a:fld>
-            <a:endParaRPr lang="en-US"/>
+            <a:endParaRPr lang="en-US" dirty="0"/>
           </a:p>
         </p:txBody>
       </p:sp>
@@ -2219,7 +2224,7 @@
           <a:bodyPr/>
           <a:lstStyle/>
           <a:p>
-            <a:endParaRPr lang="en-US"/>
+            <a:endParaRPr lang="en-US" dirty="0"/>
           </a:p>
         </p:txBody>
       </p:sp>
@@ -2248,7 +2253,7 @@
               <a:rPr lang="en-US" smtClean="0"/>
               <a:t>‹#›</a:t>
             </a:fld>
-            <a:endParaRPr lang="en-US"/>
+            <a:endParaRPr lang="en-US" dirty="0"/>
           </a:p>
         </p:txBody>
       </p:sp>
@@ -2503,9 +2508,9 @@
           <a:p>
             <a:fld id="{9F08AD8F-3C3D-4B63-978B-A283DF666F72}" type="datetimeFigureOut">
               <a:rPr lang="en-US" smtClean="0"/>
-              <a:t>6/16/2023</a:t>
+              <a:t>6/21/2023</a:t>
             </a:fld>
-            <a:endParaRPr lang="en-US"/>
+            <a:endParaRPr lang="en-US" dirty="0"/>
           </a:p>
         </p:txBody>
       </p:sp>
@@ -2530,7 +2535,7 @@
           <a:bodyPr/>
           <a:lstStyle/>
           <a:p>
-            <a:endParaRPr lang="en-US"/>
+            <a:endParaRPr lang="en-US" dirty="0"/>
           </a:p>
         </p:txBody>
       </p:sp>
@@ -2559,7 +2564,7 @@
               <a:rPr lang="en-US" smtClean="0"/>
               <a:t>‹#›</a:t>
             </a:fld>
-            <a:endParaRPr lang="en-US"/>
+            <a:endParaRPr lang="en-US" dirty="0"/>
           </a:p>
         </p:txBody>
       </p:sp>
@@ -2693,7 +2698,7 @@
             </a:lvl9pPr>
           </a:lstStyle>
           <a:p>
-            <a:endParaRPr lang="en-US"/>
+            <a:endParaRPr lang="en-US" dirty="0"/>
           </a:p>
         </p:txBody>
       </p:sp>
@@ -2791,9 +2796,9 @@
           <a:p>
             <a:fld id="{9F08AD8F-3C3D-4B63-978B-A283DF666F72}" type="datetimeFigureOut">
               <a:rPr lang="en-US" smtClean="0"/>
-              <a:t>6/16/2023</a:t>
+              <a:t>6/21/2023</a:t>
             </a:fld>
-            <a:endParaRPr lang="en-US"/>
+            <a:endParaRPr lang="en-US" dirty="0"/>
           </a:p>
         </p:txBody>
       </p:sp>
@@ -2818,7 +2823,7 @@
           <a:bodyPr/>
           <a:lstStyle/>
           <a:p>
-            <a:endParaRPr lang="en-US"/>
+            <a:endParaRPr lang="en-US" dirty="0"/>
           </a:p>
         </p:txBody>
       </p:sp>
@@ -2847,7 +2852,7 @@
               <a:rPr lang="en-US" smtClean="0"/>
               <a:t>‹#›</a:t>
             </a:fld>
-            <a:endParaRPr lang="en-US"/>
+            <a:endParaRPr lang="en-US" dirty="0"/>
           </a:p>
         </p:txBody>
       </p:sp>
@@ -3032,9 +3037,9 @@
           <a:p>
             <a:fld id="{9F08AD8F-3C3D-4B63-978B-A283DF666F72}" type="datetimeFigureOut">
               <a:rPr lang="en-US" smtClean="0"/>
-              <a:t>6/16/2023</a:t>
+              <a:t>6/21/2023</a:t>
             </a:fld>
-            <a:endParaRPr lang="en-US"/>
+            <a:endParaRPr lang="en-US" dirty="0"/>
           </a:p>
         </p:txBody>
       </p:sp>
@@ -3077,7 +3082,7 @@
             </a:lvl1pPr>
           </a:lstStyle>
           <a:p>
-            <a:endParaRPr lang="en-US"/>
+            <a:endParaRPr lang="en-US" dirty="0"/>
           </a:p>
         </p:txBody>
       </p:sp>
@@ -3124,7 +3129,7 @@
               <a:rPr lang="en-US" smtClean="0"/>
               <a:t>‹#›</a:t>
             </a:fld>
-            <a:endParaRPr lang="en-US"/>
+            <a:endParaRPr lang="en-US" dirty="0"/>
           </a:p>
         </p:txBody>
       </p:sp>
@@ -3592,7 +3597,7 @@
           <a:lstStyle/>
           <a:p>
             <a:pPr algn="ctr"/>
-            <a:endParaRPr lang="en-US"/>
+            <a:endParaRPr lang="en-US" dirty="0"/>
           </a:p>
         </p:txBody>
       </p:sp>
@@ -16818,7 +16823,52 @@
           <a:bodyPr/>
           <a:lstStyle/>
           <a:p>
-            <a:endParaRPr lang="en-US"/>
+            <a:r>
+              <a:rPr lang="en-US" dirty="0"/>
+              <a:t>Resetting Passwords</a:t>
+            </a:r>
+          </a:p>
+          <a:p>
+            <a:r>
+              <a:rPr lang="en-US" dirty="0"/>
+              <a:t>Implementing the Token Logic</a:t>
+            </a:r>
+          </a:p>
+          <a:p>
+            <a:r>
+              <a:rPr lang="en-US" dirty="0"/>
+              <a:t>Creating the token</a:t>
+            </a:r>
+          </a:p>
+          <a:p>
+            <a:r>
+              <a:rPr lang="en-US" dirty="0"/>
+              <a:t>Creating the Reset Password Form</a:t>
+            </a:r>
+          </a:p>
+          <a:p>
+            <a:r>
+              <a:rPr lang="en-US" dirty="0"/>
+              <a:t>Adding Logic to Update the Password</a:t>
+            </a:r>
+          </a:p>
+          <a:p>
+            <a:r>
+              <a:rPr lang="en-US" dirty="0"/>
+              <a:t>Adding Authorization</a:t>
+            </a:r>
+          </a:p>
+          <a:p>
+            <a:r>
+              <a:rPr lang="en-US" dirty="0"/>
+              <a:t>Adding protection to Post Action</a:t>
+            </a:r>
+          </a:p>
+          <a:p>
+            <a:r>
+              <a:rPr lang="en-US" dirty="0"/>
+              <a:t>Editing Fails solve.</a:t>
+            </a:r>
           </a:p>
         </p:txBody>
       </p:sp>
@@ -16826,6 +16876,1197 @@
     <p:extLst>
       <p:ext uri="{BB962C8B-B14F-4D97-AF65-F5344CB8AC3E}">
         <p14:creationId xmlns:p14="http://schemas.microsoft.com/office/powerpoint/2010/main" val="1828656694"/>
+      </p:ext>
+    </p:extLst>
+  </p:cSld>
+  <p:clrMapOvr>
+    <a:masterClrMapping/>
+  </p:clrMapOvr>
+</p:sld>
+</file>
+
+<file path=ppt/slides/slide37.xml><?xml version="1.0" encoding="utf-8"?>
+<p:sld xmlns:a="http://schemas.openxmlformats.org/drawingml/2006/main" xmlns:r="http://schemas.openxmlformats.org/officeDocument/2006/relationships" xmlns:p="http://schemas.openxmlformats.org/presentationml/2006/main">
+  <p:cSld>
+    <p:spTree>
+      <p:nvGrpSpPr>
+        <p:cNvPr id="1" name=""/>
+        <p:cNvGrpSpPr/>
+        <p:nvPr/>
+      </p:nvGrpSpPr>
+      <p:grpSpPr>
+        <a:xfrm>
+          <a:off x="0" y="0"/>
+          <a:ext cx="0" cy="0"/>
+          <a:chOff x="0" y="0"/>
+          <a:chExt cx="0" cy="0"/>
+        </a:xfrm>
+      </p:grpSpPr>
+      <p:sp>
+        <p:nvSpPr>
+          <p:cNvPr id="2" name="Title 1">
+            <a:extLst>
+              <a:ext uri="{FF2B5EF4-FFF2-40B4-BE49-F238E27FC236}">
+                <a16:creationId xmlns:a16="http://schemas.microsoft.com/office/drawing/2014/main" id="{32A45B85-4F36-9B94-C183-4741F8A2299B}"/>
+              </a:ext>
+            </a:extLst>
+          </p:cNvPr>
+          <p:cNvSpPr>
+            <a:spLocks noGrp="1"/>
+          </p:cNvSpPr>
+          <p:nvPr>
+            <p:ph type="title"/>
+          </p:nvPr>
+        </p:nvSpPr>
+        <p:spPr/>
+        <p:txBody>
+          <a:bodyPr/>
+          <a:lstStyle/>
+          <a:p>
+            <a:r>
+              <a:rPr lang="en-US" dirty="0"/>
+              <a:t>Module Summary</a:t>
+            </a:r>
+          </a:p>
+        </p:txBody>
+      </p:sp>
+      <p:grpSp>
+        <p:nvGrpSpPr>
+          <p:cNvPr id="6" name="Group 5">
+            <a:extLst>
+              <a:ext uri="{FF2B5EF4-FFF2-40B4-BE49-F238E27FC236}">
+                <a16:creationId xmlns:a16="http://schemas.microsoft.com/office/drawing/2014/main" id="{26BF83BB-22E6-CDA1-817E-02F3C1A40B57}"/>
+              </a:ext>
+            </a:extLst>
+          </p:cNvPr>
+          <p:cNvGrpSpPr/>
+          <p:nvPr/>
+        </p:nvGrpSpPr>
+        <p:grpSpPr>
+          <a:xfrm>
+            <a:off x="838200" y="1690688"/>
+            <a:ext cx="4386943" cy="3256189"/>
+            <a:chOff x="838200" y="1690688"/>
+            <a:chExt cx="4386943" cy="3256189"/>
+          </a:xfrm>
+        </p:grpSpPr>
+        <p:sp>
+          <p:nvSpPr>
+            <p:cNvPr id="4" name="Rectangle 3">
+              <a:extLst>
+                <a:ext uri="{FF2B5EF4-FFF2-40B4-BE49-F238E27FC236}">
+                  <a16:creationId xmlns:a16="http://schemas.microsoft.com/office/drawing/2014/main" id="{1B7EF395-D62B-2A37-ED17-2C9290BE5842}"/>
+                </a:ext>
+              </a:extLst>
+            </p:cNvPr>
+            <p:cNvSpPr/>
+            <p:nvPr/>
+          </p:nvSpPr>
+          <p:spPr>
+            <a:xfrm>
+              <a:off x="838200" y="1690688"/>
+              <a:ext cx="4386943" cy="602569"/>
+            </a:xfrm>
+            <a:prstGeom prst="rect">
+              <a:avLst/>
+            </a:prstGeom>
+            <a:solidFill>
+              <a:schemeClr val="accent4">
+                <a:lumMod val="50000"/>
+              </a:schemeClr>
+            </a:solidFill>
+          </p:spPr>
+          <p:style>
+            <a:lnRef idx="2">
+              <a:schemeClr val="accent1">
+                <a:shade val="50000"/>
+              </a:schemeClr>
+            </a:lnRef>
+            <a:fillRef idx="1">
+              <a:schemeClr val="accent1"/>
+            </a:fillRef>
+            <a:effectRef idx="0">
+              <a:schemeClr val="accent1"/>
+            </a:effectRef>
+            <a:fontRef idx="minor">
+              <a:schemeClr val="lt1"/>
+            </a:fontRef>
+          </p:style>
+          <p:txBody>
+            <a:bodyPr rtlCol="0" anchor="ctr"/>
+            <a:lstStyle/>
+            <a:p>
+              <a:pPr algn="ctr"/>
+              <a:r>
+                <a:rPr lang="en-US" dirty="0"/>
+                <a:t>Password Resetting</a:t>
+              </a:r>
+            </a:p>
+          </p:txBody>
+        </p:sp>
+        <p:sp>
+          <p:nvSpPr>
+            <p:cNvPr id="5" name="Rectangle 4">
+              <a:extLst>
+                <a:ext uri="{FF2B5EF4-FFF2-40B4-BE49-F238E27FC236}">
+                  <a16:creationId xmlns:a16="http://schemas.microsoft.com/office/drawing/2014/main" id="{FEF73F77-3FC5-840B-5A09-3DAA9A8AAD60}"/>
+                </a:ext>
+              </a:extLst>
+            </p:cNvPr>
+            <p:cNvSpPr/>
+            <p:nvPr/>
+          </p:nvSpPr>
+          <p:spPr>
+            <a:xfrm>
+              <a:off x="838200" y="2290763"/>
+              <a:ext cx="4386943" cy="2656114"/>
+            </a:xfrm>
+            <a:prstGeom prst="rect">
+              <a:avLst/>
+            </a:prstGeom>
+            <a:solidFill>
+              <a:schemeClr val="accent4">
+                <a:lumMod val="60000"/>
+                <a:lumOff val="40000"/>
+              </a:schemeClr>
+            </a:solidFill>
+          </p:spPr>
+          <p:style>
+            <a:lnRef idx="2">
+              <a:schemeClr val="accent1">
+                <a:shade val="50000"/>
+              </a:schemeClr>
+            </a:lnRef>
+            <a:fillRef idx="1">
+              <a:schemeClr val="accent1"/>
+            </a:fillRef>
+            <a:effectRef idx="0">
+              <a:schemeClr val="accent1"/>
+            </a:effectRef>
+            <a:fontRef idx="minor">
+              <a:schemeClr val="lt1"/>
+            </a:fontRef>
+          </p:style>
+          <p:txBody>
+            <a:bodyPr rtlCol="0" anchor="ctr"/>
+            <a:lstStyle/>
+            <a:p>
+              <a:pPr marL="285750" indent="-285750" algn="ctr">
+                <a:buFont typeface="Arial" panose="020B0604020202020204" pitchFamily="34" charset="0"/>
+                <a:buChar char="•"/>
+              </a:pPr>
+              <a:r>
+                <a:rPr lang="en-US" dirty="0">
+                  <a:ln w="0"/>
+                  <a:solidFill>
+                    <a:schemeClr val="tx1"/>
+                  </a:solidFill>
+                  <a:effectLst>
+                    <a:outerShdw blurRad="38100" dist="19050" dir="2700000" algn="tl" rotWithShape="0">
+                      <a:schemeClr val="dk1">
+                        <a:alpha val="40000"/>
+                      </a:schemeClr>
+                    </a:outerShdw>
+                  </a:effectLst>
+                </a:rPr>
+                <a:t>Password resetting has to be implemented in a way that prevents users from resetting random user accounts.</a:t>
+              </a:r>
+            </a:p>
+            <a:p>
+              <a:pPr marL="285750" indent="-285750" algn="ctr">
+                <a:buFont typeface="Arial" panose="020B0604020202020204" pitchFamily="34" charset="0"/>
+                <a:buChar char="•"/>
+              </a:pPr>
+              <a:r>
+                <a:rPr lang="en-US" dirty="0">
+                  <a:ln w="0"/>
+                  <a:solidFill>
+                    <a:schemeClr val="tx1"/>
+                  </a:solidFill>
+                  <a:effectLst>
+                    <a:outerShdw blurRad="38100" dist="19050" dir="2700000" algn="tl" rotWithShape="0">
+                      <a:schemeClr val="dk1">
+                        <a:alpha val="40000"/>
+                      </a:schemeClr>
+                    </a:outerShdw>
+                  </a:effectLst>
+                </a:rPr>
+                <a:t>Reset tokens have to be random, unguessable and unique</a:t>
+              </a:r>
+            </a:p>
+          </p:txBody>
+        </p:sp>
+      </p:grpSp>
+      <p:grpSp>
+        <p:nvGrpSpPr>
+          <p:cNvPr id="7" name="Group 6">
+            <a:extLst>
+              <a:ext uri="{FF2B5EF4-FFF2-40B4-BE49-F238E27FC236}">
+                <a16:creationId xmlns:a16="http://schemas.microsoft.com/office/drawing/2014/main" id="{E2B7B468-74A1-12D8-0084-CE894C5E1C3F}"/>
+              </a:ext>
+            </a:extLst>
+          </p:cNvPr>
+          <p:cNvGrpSpPr/>
+          <p:nvPr/>
+        </p:nvGrpSpPr>
+        <p:grpSpPr>
+          <a:xfrm>
+            <a:off x="6270171" y="1690688"/>
+            <a:ext cx="4920343" cy="3256189"/>
+            <a:chOff x="838200" y="1690688"/>
+            <a:chExt cx="4386943" cy="3256189"/>
+          </a:xfrm>
+        </p:grpSpPr>
+        <p:sp>
+          <p:nvSpPr>
+            <p:cNvPr id="8" name="Rectangle 7">
+              <a:extLst>
+                <a:ext uri="{FF2B5EF4-FFF2-40B4-BE49-F238E27FC236}">
+                  <a16:creationId xmlns:a16="http://schemas.microsoft.com/office/drawing/2014/main" id="{900FE559-7B81-2C63-5E80-A25CB0B90F05}"/>
+                </a:ext>
+              </a:extLst>
+            </p:cNvPr>
+            <p:cNvSpPr/>
+            <p:nvPr/>
+          </p:nvSpPr>
+          <p:spPr>
+            <a:xfrm>
+              <a:off x="838200" y="1690688"/>
+              <a:ext cx="4386943" cy="602569"/>
+            </a:xfrm>
+            <a:prstGeom prst="rect">
+              <a:avLst/>
+            </a:prstGeom>
+            <a:solidFill>
+              <a:schemeClr val="accent4">
+                <a:lumMod val="50000"/>
+              </a:schemeClr>
+            </a:solidFill>
+          </p:spPr>
+          <p:style>
+            <a:lnRef idx="2">
+              <a:schemeClr val="accent1">
+                <a:shade val="50000"/>
+              </a:schemeClr>
+            </a:lnRef>
+            <a:fillRef idx="1">
+              <a:schemeClr val="accent1"/>
+            </a:fillRef>
+            <a:effectRef idx="0">
+              <a:schemeClr val="accent1"/>
+            </a:effectRef>
+            <a:fontRef idx="minor">
+              <a:schemeClr val="lt1"/>
+            </a:fontRef>
+          </p:style>
+          <p:txBody>
+            <a:bodyPr rtlCol="0" anchor="ctr"/>
+            <a:lstStyle/>
+            <a:p>
+              <a:pPr algn="ctr"/>
+              <a:r>
+                <a:rPr lang="en-US" dirty="0"/>
+                <a:t>Authorization</a:t>
+              </a:r>
+            </a:p>
+          </p:txBody>
+        </p:sp>
+        <p:sp>
+          <p:nvSpPr>
+            <p:cNvPr id="9" name="Rectangle 8">
+              <a:extLst>
+                <a:ext uri="{FF2B5EF4-FFF2-40B4-BE49-F238E27FC236}">
+                  <a16:creationId xmlns:a16="http://schemas.microsoft.com/office/drawing/2014/main" id="{94066221-2EA2-AE0A-EDE0-0C341472933C}"/>
+                </a:ext>
+              </a:extLst>
+            </p:cNvPr>
+            <p:cNvSpPr/>
+            <p:nvPr/>
+          </p:nvSpPr>
+          <p:spPr>
+            <a:xfrm>
+              <a:off x="838200" y="2290763"/>
+              <a:ext cx="4386943" cy="2656114"/>
+            </a:xfrm>
+            <a:prstGeom prst="rect">
+              <a:avLst/>
+            </a:prstGeom>
+            <a:solidFill>
+              <a:schemeClr val="accent4">
+                <a:lumMod val="60000"/>
+                <a:lumOff val="40000"/>
+              </a:schemeClr>
+            </a:solidFill>
+          </p:spPr>
+          <p:style>
+            <a:lnRef idx="2">
+              <a:schemeClr val="accent1">
+                <a:shade val="50000"/>
+              </a:schemeClr>
+            </a:lnRef>
+            <a:fillRef idx="1">
+              <a:schemeClr val="accent1"/>
+            </a:fillRef>
+            <a:effectRef idx="0">
+              <a:schemeClr val="accent1"/>
+            </a:effectRef>
+            <a:fontRef idx="minor">
+              <a:schemeClr val="lt1"/>
+            </a:fontRef>
+          </p:style>
+          <p:txBody>
+            <a:bodyPr rtlCol="0" anchor="ctr"/>
+            <a:lstStyle/>
+            <a:p>
+              <a:pPr marL="285750" indent="-285750" algn="ctr">
+                <a:buFont typeface="Arial" panose="020B0604020202020204" pitchFamily="34" charset="0"/>
+                <a:buChar char="•"/>
+              </a:pPr>
+              <a:r>
+                <a:rPr lang="en-US" dirty="0">
+                  <a:ln w="0"/>
+                  <a:solidFill>
+                    <a:schemeClr val="tx1"/>
+                  </a:solidFill>
+                  <a:effectLst>
+                    <a:outerShdw blurRad="38100" dist="19050" dir="2700000" algn="tl" rotWithShape="0">
+                      <a:schemeClr val="dk1">
+                        <a:alpha val="40000"/>
+                      </a:schemeClr>
+                    </a:outerShdw>
+                  </a:effectLst>
+                </a:rPr>
+                <a:t>Authorization is an important part of pretty much every app</a:t>
+              </a:r>
+            </a:p>
+            <a:p>
+              <a:pPr marL="285750" indent="-285750" algn="ctr">
+                <a:buFont typeface="Arial" panose="020B0604020202020204" pitchFamily="34" charset="0"/>
+                <a:buChar char="•"/>
+              </a:pPr>
+              <a:r>
+                <a:rPr lang="en-US" dirty="0">
+                  <a:ln w="0"/>
+                  <a:solidFill>
+                    <a:schemeClr val="tx1"/>
+                  </a:solidFill>
+                  <a:effectLst>
+                    <a:outerShdw blurRad="38100" dist="19050" dir="2700000" algn="tl" rotWithShape="0">
+                      <a:schemeClr val="dk1">
+                        <a:alpha val="40000"/>
+                      </a:schemeClr>
+                    </a:outerShdw>
+                  </a:effectLst>
+                </a:rPr>
+                <a:t>Not every authenticated user should be able to do everything</a:t>
+              </a:r>
+            </a:p>
+            <a:p>
+              <a:pPr marL="285750" indent="-285750" algn="ctr">
+                <a:buFont typeface="Arial" panose="020B0604020202020204" pitchFamily="34" charset="0"/>
+                <a:buChar char="•"/>
+              </a:pPr>
+              <a:r>
+                <a:rPr lang="en-US" dirty="0">
+                  <a:ln w="0"/>
+                  <a:solidFill>
+                    <a:schemeClr val="tx1"/>
+                  </a:solidFill>
+                  <a:effectLst>
+                    <a:outerShdw blurRad="38100" dist="19050" dir="2700000" algn="tl" rotWithShape="0">
+                      <a:schemeClr val="dk1">
+                        <a:alpha val="40000"/>
+                      </a:schemeClr>
+                    </a:outerShdw>
+                  </a:effectLst>
+                </a:rPr>
+                <a:t>Instead, you want to lock down access by restricting the permissions of your users.</a:t>
+              </a:r>
+            </a:p>
+          </p:txBody>
+        </p:sp>
+      </p:grpSp>
+    </p:spTree>
+    <p:extLst>
+      <p:ext uri="{BB962C8B-B14F-4D97-AF65-F5344CB8AC3E}">
+        <p14:creationId xmlns:p14="http://schemas.microsoft.com/office/powerpoint/2010/main" val="1320411907"/>
+      </p:ext>
+    </p:extLst>
+  </p:cSld>
+  <p:clrMapOvr>
+    <a:masterClrMapping/>
+  </p:clrMapOvr>
+</p:sld>
+</file>
+
+<file path=ppt/slides/slide38.xml><?xml version="1.0" encoding="utf-8"?>
+<p:sld xmlns:a="http://schemas.openxmlformats.org/drawingml/2006/main" xmlns:r="http://schemas.openxmlformats.org/officeDocument/2006/relationships" xmlns:p="http://schemas.openxmlformats.org/presentationml/2006/main">
+  <p:cSld>
+    <p:spTree>
+      <p:nvGrpSpPr>
+        <p:cNvPr id="1" name=""/>
+        <p:cNvGrpSpPr/>
+        <p:nvPr/>
+      </p:nvGrpSpPr>
+      <p:grpSpPr>
+        <a:xfrm>
+          <a:off x="0" y="0"/>
+          <a:ext cx="0" cy="0"/>
+          <a:chOff x="0" y="0"/>
+          <a:chExt cx="0" cy="0"/>
+        </a:xfrm>
+      </p:grpSpPr>
+      <p:sp>
+        <p:nvSpPr>
+          <p:cNvPr id="2" name="Title 1">
+            <a:extLst>
+              <a:ext uri="{FF2B5EF4-FFF2-40B4-BE49-F238E27FC236}">
+                <a16:creationId xmlns:a16="http://schemas.microsoft.com/office/drawing/2014/main" id="{EE5C3B8B-5FAB-65DF-ED9C-8680E31FBF8C}"/>
+              </a:ext>
+            </a:extLst>
+          </p:cNvPr>
+          <p:cNvSpPr>
+            <a:spLocks noGrp="1"/>
+          </p:cNvSpPr>
+          <p:nvPr>
+            <p:ph type="title"/>
+          </p:nvPr>
+        </p:nvSpPr>
+        <p:spPr>
+          <a:xfrm>
+            <a:off x="838200" y="2281011"/>
+            <a:ext cx="10515600" cy="1325563"/>
+          </a:xfrm>
+        </p:spPr>
+        <p:txBody>
+          <a:bodyPr/>
+          <a:lstStyle/>
+          <a:p>
+            <a:pPr algn="ctr"/>
+            <a:r>
+              <a:rPr lang="en-US" dirty="0"/>
+              <a:t>Forms, User Input &amp; Validation</a:t>
+            </a:r>
+          </a:p>
+        </p:txBody>
+      </p:sp>
+    </p:spTree>
+    <p:extLst>
+      <p:ext uri="{BB962C8B-B14F-4D97-AF65-F5344CB8AC3E}">
+        <p14:creationId xmlns:p14="http://schemas.microsoft.com/office/powerpoint/2010/main" val="3970056214"/>
+      </p:ext>
+    </p:extLst>
+  </p:cSld>
+  <p:clrMapOvr>
+    <a:masterClrMapping/>
+  </p:clrMapOvr>
+</p:sld>
+</file>
+
+<file path=ppt/slides/slide39.xml><?xml version="1.0" encoding="utf-8"?>
+<p:sld xmlns:a="http://schemas.openxmlformats.org/drawingml/2006/main" xmlns:r="http://schemas.openxmlformats.org/officeDocument/2006/relationships" xmlns:p="http://schemas.openxmlformats.org/presentationml/2006/main">
+  <p:cSld>
+    <p:spTree>
+      <p:nvGrpSpPr>
+        <p:cNvPr id="1" name=""/>
+        <p:cNvGrpSpPr/>
+        <p:nvPr/>
+      </p:nvGrpSpPr>
+      <p:grpSpPr>
+        <a:xfrm>
+          <a:off x="0" y="0"/>
+          <a:ext cx="0" cy="0"/>
+          <a:chOff x="0" y="0"/>
+          <a:chExt cx="0" cy="0"/>
+        </a:xfrm>
+      </p:grpSpPr>
+      <p:sp>
+        <p:nvSpPr>
+          <p:cNvPr id="2" name="Title 1">
+            <a:extLst>
+              <a:ext uri="{FF2B5EF4-FFF2-40B4-BE49-F238E27FC236}">
+                <a16:creationId xmlns:a16="http://schemas.microsoft.com/office/drawing/2014/main" id="{526BCCBE-D9E5-F1E6-9E5E-44DFD1989EAA}"/>
+              </a:ext>
+            </a:extLst>
+          </p:cNvPr>
+          <p:cNvSpPr>
+            <a:spLocks noGrp="1"/>
+          </p:cNvSpPr>
+          <p:nvPr>
+            <p:ph type="title"/>
+          </p:nvPr>
+        </p:nvSpPr>
+        <p:spPr>
+          <a:xfrm>
+            <a:off x="838200" y="365126"/>
+            <a:ext cx="10515600" cy="628878"/>
+          </a:xfrm>
+        </p:spPr>
+        <p:txBody>
+          <a:bodyPr>
+            <a:normAutofit fontScale="90000"/>
+          </a:bodyPr>
+          <a:lstStyle/>
+          <a:p>
+            <a:r>
+              <a:rPr lang="en-US" dirty="0"/>
+              <a:t>Why Validate?</a:t>
+            </a:r>
+          </a:p>
+        </p:txBody>
+      </p:sp>
+      <p:sp>
+        <p:nvSpPr>
+          <p:cNvPr id="4" name="Rectangle 3">
+            <a:extLst>
+              <a:ext uri="{FF2B5EF4-FFF2-40B4-BE49-F238E27FC236}">
+                <a16:creationId xmlns:a16="http://schemas.microsoft.com/office/drawing/2014/main" id="{1FAF4305-338D-0B44-270C-61AF0E1F772C}"/>
+              </a:ext>
+            </a:extLst>
+          </p:cNvPr>
+          <p:cNvSpPr/>
+          <p:nvPr/>
+        </p:nvSpPr>
+        <p:spPr>
+          <a:xfrm>
+            <a:off x="4267200" y="579673"/>
+            <a:ext cx="4180114" cy="696685"/>
+          </a:xfrm>
+          <a:prstGeom prst="rect">
+            <a:avLst/>
+          </a:prstGeom>
+          <a:solidFill>
+            <a:srgbClr val="7030A0"/>
+          </a:solidFill>
+          <a:ln>
+            <a:noFill/>
+          </a:ln>
+        </p:spPr>
+        <p:style>
+          <a:lnRef idx="0">
+            <a:scrgbClr r="0" g="0" b="0"/>
+          </a:lnRef>
+          <a:fillRef idx="0">
+            <a:scrgbClr r="0" g="0" b="0"/>
+          </a:fillRef>
+          <a:effectRef idx="0">
+            <a:scrgbClr r="0" g="0" b="0"/>
+          </a:effectRef>
+          <a:fontRef idx="minor">
+            <a:schemeClr val="lt1"/>
+          </a:fontRef>
+        </p:style>
+        <p:txBody>
+          <a:bodyPr rtlCol="0" anchor="ctr"/>
+          <a:lstStyle/>
+          <a:p>
+            <a:pPr algn="ctr"/>
+            <a:r>
+              <a:rPr lang="en-US" dirty="0"/>
+              <a:t>User</a:t>
+            </a:r>
+          </a:p>
+        </p:txBody>
+      </p:sp>
+      <p:sp>
+        <p:nvSpPr>
+          <p:cNvPr id="5" name="Rectangle 4">
+            <a:extLst>
+              <a:ext uri="{FF2B5EF4-FFF2-40B4-BE49-F238E27FC236}">
+                <a16:creationId xmlns:a16="http://schemas.microsoft.com/office/drawing/2014/main" id="{5373E1F4-03F9-6B1E-2532-944E7B759E19}"/>
+              </a:ext>
+            </a:extLst>
+          </p:cNvPr>
+          <p:cNvSpPr/>
+          <p:nvPr/>
+        </p:nvSpPr>
+        <p:spPr>
+          <a:xfrm>
+            <a:off x="4267200" y="1736157"/>
+            <a:ext cx="4180114" cy="696685"/>
+          </a:xfrm>
+          <a:prstGeom prst="rect">
+            <a:avLst/>
+          </a:prstGeom>
+          <a:solidFill>
+            <a:schemeClr val="accent6">
+              <a:lumMod val="75000"/>
+            </a:schemeClr>
+          </a:solidFill>
+          <a:ln>
+            <a:noFill/>
+          </a:ln>
+        </p:spPr>
+        <p:style>
+          <a:lnRef idx="0">
+            <a:scrgbClr r="0" g="0" b="0"/>
+          </a:lnRef>
+          <a:fillRef idx="0">
+            <a:scrgbClr r="0" g="0" b="0"/>
+          </a:fillRef>
+          <a:effectRef idx="0">
+            <a:scrgbClr r="0" g="0" b="0"/>
+          </a:effectRef>
+          <a:fontRef idx="minor">
+            <a:schemeClr val="lt1"/>
+          </a:fontRef>
+        </p:style>
+        <p:txBody>
+          <a:bodyPr rtlCol="0" anchor="ctr"/>
+          <a:lstStyle/>
+          <a:p>
+            <a:pPr algn="ctr"/>
+            <a:r>
+              <a:rPr lang="en-US" dirty="0"/>
+              <a:t>&lt;form&gt;</a:t>
+            </a:r>
+          </a:p>
+        </p:txBody>
+      </p:sp>
+      <p:sp>
+        <p:nvSpPr>
+          <p:cNvPr id="6" name="Rectangle 5">
+            <a:extLst>
+              <a:ext uri="{FF2B5EF4-FFF2-40B4-BE49-F238E27FC236}">
+                <a16:creationId xmlns:a16="http://schemas.microsoft.com/office/drawing/2014/main" id="{81B0F102-A63E-CB89-D050-742151FDCC90}"/>
+              </a:ext>
+            </a:extLst>
+          </p:cNvPr>
+          <p:cNvSpPr/>
+          <p:nvPr/>
+        </p:nvSpPr>
+        <p:spPr>
+          <a:xfrm>
+            <a:off x="4267200" y="3036994"/>
+            <a:ext cx="4180114" cy="696685"/>
+          </a:xfrm>
+          <a:prstGeom prst="rect">
+            <a:avLst/>
+          </a:prstGeom>
+          <a:solidFill>
+            <a:schemeClr val="accent3">
+              <a:lumMod val="75000"/>
+            </a:schemeClr>
+          </a:solidFill>
+          <a:ln>
+            <a:noFill/>
+          </a:ln>
+        </p:spPr>
+        <p:style>
+          <a:lnRef idx="0">
+            <a:scrgbClr r="0" g="0" b="0"/>
+          </a:lnRef>
+          <a:fillRef idx="0">
+            <a:scrgbClr r="0" g="0" b="0"/>
+          </a:fillRef>
+          <a:effectRef idx="0">
+            <a:scrgbClr r="0" g="0" b="0"/>
+          </a:effectRef>
+          <a:fontRef idx="minor">
+            <a:schemeClr val="lt1"/>
+          </a:fontRef>
+        </p:style>
+        <p:txBody>
+          <a:bodyPr rtlCol="0" anchor="ctr"/>
+          <a:lstStyle/>
+          <a:p>
+            <a:pPr algn="ctr"/>
+            <a:r>
+              <a:rPr lang="en-US" dirty="0"/>
+              <a:t>Validation</a:t>
+            </a:r>
+          </a:p>
+        </p:txBody>
+      </p:sp>
+      <p:sp>
+        <p:nvSpPr>
+          <p:cNvPr id="7" name="Rectangle 6">
+            <a:extLst>
+              <a:ext uri="{FF2B5EF4-FFF2-40B4-BE49-F238E27FC236}">
+                <a16:creationId xmlns:a16="http://schemas.microsoft.com/office/drawing/2014/main" id="{1A22E5B4-18CE-D628-C141-A66FBDF51956}"/>
+              </a:ext>
+            </a:extLst>
+          </p:cNvPr>
+          <p:cNvSpPr/>
+          <p:nvPr/>
+        </p:nvSpPr>
+        <p:spPr>
+          <a:xfrm>
+            <a:off x="4267200" y="4280804"/>
+            <a:ext cx="4180114" cy="696685"/>
+          </a:xfrm>
+          <a:prstGeom prst="rect">
+            <a:avLst/>
+          </a:prstGeom>
+          <a:solidFill>
+            <a:schemeClr val="accent1">
+              <a:lumMod val="75000"/>
+            </a:schemeClr>
+          </a:solidFill>
+          <a:ln>
+            <a:noFill/>
+          </a:ln>
+        </p:spPr>
+        <p:style>
+          <a:lnRef idx="0">
+            <a:scrgbClr r="0" g="0" b="0"/>
+          </a:lnRef>
+          <a:fillRef idx="0">
+            <a:scrgbClr r="0" g="0" b="0"/>
+          </a:fillRef>
+          <a:effectRef idx="0">
+            <a:scrgbClr r="0" g="0" b="0"/>
+          </a:effectRef>
+          <a:fontRef idx="minor">
+            <a:schemeClr val="lt1"/>
+          </a:fontRef>
+        </p:style>
+        <p:txBody>
+          <a:bodyPr rtlCol="0" anchor="ctr"/>
+          <a:lstStyle/>
+          <a:p>
+            <a:pPr algn="ctr"/>
+            <a:r>
+              <a:rPr lang="en-US" dirty="0"/>
+              <a:t>&lt;Your Node Code&gt; (Model)</a:t>
+            </a:r>
+          </a:p>
+        </p:txBody>
+      </p:sp>
+      <p:sp>
+        <p:nvSpPr>
+          <p:cNvPr id="8" name="Rectangle 7">
+            <a:extLst>
+              <a:ext uri="{FF2B5EF4-FFF2-40B4-BE49-F238E27FC236}">
+                <a16:creationId xmlns:a16="http://schemas.microsoft.com/office/drawing/2014/main" id="{0C60856E-AAEC-0DA0-9BA6-0D37346B7541}"/>
+              </a:ext>
+            </a:extLst>
+          </p:cNvPr>
+          <p:cNvSpPr/>
+          <p:nvPr/>
+        </p:nvSpPr>
+        <p:spPr>
+          <a:xfrm>
+            <a:off x="4267200" y="5581642"/>
+            <a:ext cx="4180114" cy="696685"/>
+          </a:xfrm>
+          <a:prstGeom prst="rect">
+            <a:avLst/>
+          </a:prstGeom>
+          <a:solidFill>
+            <a:schemeClr val="accent6">
+              <a:lumMod val="75000"/>
+            </a:schemeClr>
+          </a:solidFill>
+          <a:ln>
+            <a:noFill/>
+          </a:ln>
+        </p:spPr>
+        <p:style>
+          <a:lnRef idx="0">
+            <a:scrgbClr r="0" g="0" b="0"/>
+          </a:lnRef>
+          <a:fillRef idx="0">
+            <a:scrgbClr r="0" g="0" b="0"/>
+          </a:fillRef>
+          <a:effectRef idx="0">
+            <a:scrgbClr r="0" g="0" b="0"/>
+          </a:effectRef>
+          <a:fontRef idx="minor">
+            <a:schemeClr val="lt1"/>
+          </a:fontRef>
+        </p:style>
+        <p:txBody>
+          <a:bodyPr rtlCol="0" anchor="ctr"/>
+          <a:lstStyle/>
+          <a:p>
+            <a:pPr algn="ctr"/>
+            <a:r>
+              <a:rPr lang="en-US" dirty="0"/>
+              <a:t>Database/File   </a:t>
+            </a:r>
+          </a:p>
+        </p:txBody>
+      </p:sp>
+      <p:sp>
+        <p:nvSpPr>
+          <p:cNvPr id="9" name="Rectangle 8">
+            <a:extLst>
+              <a:ext uri="{FF2B5EF4-FFF2-40B4-BE49-F238E27FC236}">
+                <a16:creationId xmlns:a16="http://schemas.microsoft.com/office/drawing/2014/main" id="{20D3DF57-E050-2143-8DD4-4DE079FDB4CD}"/>
+              </a:ext>
+            </a:extLst>
+          </p:cNvPr>
+          <p:cNvSpPr/>
+          <p:nvPr/>
+        </p:nvSpPr>
+        <p:spPr>
+          <a:xfrm>
+            <a:off x="217714" y="3080656"/>
+            <a:ext cx="3004457" cy="696685"/>
+          </a:xfrm>
+          <a:prstGeom prst="rect">
+            <a:avLst/>
+          </a:prstGeom>
+          <a:solidFill>
+            <a:schemeClr val="accent2"/>
+          </a:solidFill>
+          <a:ln>
+            <a:noFill/>
+          </a:ln>
+        </p:spPr>
+        <p:style>
+          <a:lnRef idx="0">
+            <a:scrgbClr r="0" g="0" b="0"/>
+          </a:lnRef>
+          <a:fillRef idx="0">
+            <a:scrgbClr r="0" g="0" b="0"/>
+          </a:fillRef>
+          <a:effectRef idx="0">
+            <a:scrgbClr r="0" g="0" b="0"/>
+          </a:effectRef>
+          <a:fontRef idx="minor">
+            <a:schemeClr val="lt1"/>
+          </a:fontRef>
+        </p:style>
+        <p:txBody>
+          <a:bodyPr rtlCol="0" anchor="ctr"/>
+          <a:lstStyle/>
+          <a:p>
+            <a:pPr algn="ctr"/>
+            <a:r>
+              <a:rPr lang="en-US" dirty="0"/>
+              <a:t>Controller / Middleware</a:t>
+            </a:r>
+          </a:p>
+        </p:txBody>
+      </p:sp>
+      <p:sp>
+        <p:nvSpPr>
+          <p:cNvPr id="10" name="Arrow: Down 9">
+            <a:extLst>
+              <a:ext uri="{FF2B5EF4-FFF2-40B4-BE49-F238E27FC236}">
+                <a16:creationId xmlns:a16="http://schemas.microsoft.com/office/drawing/2014/main" id="{EB624F2D-31B2-BC84-BA05-32BBB16BE40C}"/>
+              </a:ext>
+            </a:extLst>
+          </p:cNvPr>
+          <p:cNvSpPr/>
+          <p:nvPr/>
+        </p:nvSpPr>
+        <p:spPr>
+          <a:xfrm>
+            <a:off x="6008914" y="1088133"/>
+            <a:ext cx="566058" cy="805543"/>
+          </a:xfrm>
+          <a:prstGeom prst="downArrow">
+            <a:avLst/>
+          </a:prstGeom>
+          <a:solidFill>
+            <a:schemeClr val="accent2">
+              <a:lumMod val="60000"/>
+              <a:lumOff val="40000"/>
+            </a:schemeClr>
+          </a:solidFill>
+        </p:spPr>
+        <p:style>
+          <a:lnRef idx="2">
+            <a:schemeClr val="accent1">
+              <a:shade val="15000"/>
+            </a:schemeClr>
+          </a:lnRef>
+          <a:fillRef idx="1">
+            <a:schemeClr val="accent1"/>
+          </a:fillRef>
+          <a:effectRef idx="0">
+            <a:schemeClr val="accent1"/>
+          </a:effectRef>
+          <a:fontRef idx="minor">
+            <a:schemeClr val="lt1"/>
+          </a:fontRef>
+        </p:style>
+        <p:txBody>
+          <a:bodyPr rtlCol="0" anchor="ctr"/>
+          <a:lstStyle/>
+          <a:p>
+            <a:pPr algn="ctr"/>
+            <a:endParaRPr lang="en-US"/>
+          </a:p>
+        </p:txBody>
+      </p:sp>
+      <p:sp>
+        <p:nvSpPr>
+          <p:cNvPr id="11" name="Arrow: Down 10">
+            <a:extLst>
+              <a:ext uri="{FF2B5EF4-FFF2-40B4-BE49-F238E27FC236}">
+                <a16:creationId xmlns:a16="http://schemas.microsoft.com/office/drawing/2014/main" id="{962D9592-9D4A-6F7B-2170-750CB3C4E660}"/>
+              </a:ext>
+            </a:extLst>
+          </p:cNvPr>
+          <p:cNvSpPr/>
+          <p:nvPr/>
+        </p:nvSpPr>
+        <p:spPr>
+          <a:xfrm>
+            <a:off x="6096000" y="2353475"/>
+            <a:ext cx="566058" cy="805543"/>
+          </a:xfrm>
+          <a:prstGeom prst="downArrow">
+            <a:avLst/>
+          </a:prstGeom>
+          <a:solidFill>
+            <a:schemeClr val="accent2">
+              <a:lumMod val="60000"/>
+              <a:lumOff val="40000"/>
+            </a:schemeClr>
+          </a:solidFill>
+        </p:spPr>
+        <p:style>
+          <a:lnRef idx="2">
+            <a:schemeClr val="accent1">
+              <a:shade val="15000"/>
+            </a:schemeClr>
+          </a:lnRef>
+          <a:fillRef idx="1">
+            <a:schemeClr val="accent1"/>
+          </a:fillRef>
+          <a:effectRef idx="0">
+            <a:schemeClr val="accent1"/>
+          </a:effectRef>
+          <a:fontRef idx="minor">
+            <a:schemeClr val="lt1"/>
+          </a:fontRef>
+        </p:style>
+        <p:txBody>
+          <a:bodyPr rtlCol="0" anchor="ctr"/>
+          <a:lstStyle/>
+          <a:p>
+            <a:pPr algn="ctr"/>
+            <a:endParaRPr lang="en-US"/>
+          </a:p>
+        </p:txBody>
+      </p:sp>
+      <p:sp>
+        <p:nvSpPr>
+          <p:cNvPr id="12" name="Arrow: Down 11">
+            <a:extLst>
+              <a:ext uri="{FF2B5EF4-FFF2-40B4-BE49-F238E27FC236}">
+                <a16:creationId xmlns:a16="http://schemas.microsoft.com/office/drawing/2014/main" id="{41E72A20-91A8-4B60-F9B6-812177D7D628}"/>
+              </a:ext>
+            </a:extLst>
+          </p:cNvPr>
+          <p:cNvSpPr/>
+          <p:nvPr/>
+        </p:nvSpPr>
+        <p:spPr>
+          <a:xfrm>
+            <a:off x="6096000" y="3658721"/>
+            <a:ext cx="566058" cy="805543"/>
+          </a:xfrm>
+          <a:prstGeom prst="downArrow">
+            <a:avLst/>
+          </a:prstGeom>
+          <a:solidFill>
+            <a:schemeClr val="accent2">
+              <a:lumMod val="60000"/>
+              <a:lumOff val="40000"/>
+            </a:schemeClr>
+          </a:solidFill>
+        </p:spPr>
+        <p:style>
+          <a:lnRef idx="2">
+            <a:schemeClr val="accent1">
+              <a:shade val="15000"/>
+            </a:schemeClr>
+          </a:lnRef>
+          <a:fillRef idx="1">
+            <a:schemeClr val="accent1"/>
+          </a:fillRef>
+          <a:effectRef idx="0">
+            <a:schemeClr val="accent1"/>
+          </a:effectRef>
+          <a:fontRef idx="minor">
+            <a:schemeClr val="lt1"/>
+          </a:fontRef>
+        </p:style>
+        <p:txBody>
+          <a:bodyPr rtlCol="0" anchor="ctr"/>
+          <a:lstStyle/>
+          <a:p>
+            <a:pPr algn="ctr"/>
+            <a:endParaRPr lang="en-US"/>
+          </a:p>
+        </p:txBody>
+      </p:sp>
+      <p:sp>
+        <p:nvSpPr>
+          <p:cNvPr id="13" name="Arrow: Down 12">
+            <a:extLst>
+              <a:ext uri="{FF2B5EF4-FFF2-40B4-BE49-F238E27FC236}">
+                <a16:creationId xmlns:a16="http://schemas.microsoft.com/office/drawing/2014/main" id="{55EE6142-C726-D887-D4D1-0AEDA11114D8}"/>
+              </a:ext>
+            </a:extLst>
+          </p:cNvPr>
+          <p:cNvSpPr/>
+          <p:nvPr/>
+        </p:nvSpPr>
+        <p:spPr>
+          <a:xfrm>
+            <a:off x="6183086" y="4876794"/>
+            <a:ext cx="566058" cy="805543"/>
+          </a:xfrm>
+          <a:prstGeom prst="downArrow">
+            <a:avLst/>
+          </a:prstGeom>
+          <a:solidFill>
+            <a:schemeClr val="accent2">
+              <a:lumMod val="60000"/>
+              <a:lumOff val="40000"/>
+            </a:schemeClr>
+          </a:solidFill>
+        </p:spPr>
+        <p:style>
+          <a:lnRef idx="2">
+            <a:schemeClr val="accent1">
+              <a:shade val="15000"/>
+            </a:schemeClr>
+          </a:lnRef>
+          <a:fillRef idx="1">
+            <a:schemeClr val="accent1"/>
+          </a:fillRef>
+          <a:effectRef idx="0">
+            <a:schemeClr val="accent1"/>
+          </a:effectRef>
+          <a:fontRef idx="minor">
+            <a:schemeClr val="lt1"/>
+          </a:fontRef>
+        </p:style>
+        <p:txBody>
+          <a:bodyPr rtlCol="0" anchor="ctr"/>
+          <a:lstStyle/>
+          <a:p>
+            <a:pPr algn="ctr"/>
+            <a:endParaRPr lang="en-US"/>
+          </a:p>
+        </p:txBody>
+      </p:sp>
+      <p:cxnSp>
+        <p:nvCxnSpPr>
+          <p:cNvPr id="15" name="Straight Connector 14">
+            <a:extLst>
+              <a:ext uri="{FF2B5EF4-FFF2-40B4-BE49-F238E27FC236}">
+                <a16:creationId xmlns:a16="http://schemas.microsoft.com/office/drawing/2014/main" id="{97542557-3CCE-50CA-53E9-04589E816CC8}"/>
+              </a:ext>
+            </a:extLst>
+          </p:cNvPr>
+          <p:cNvCxnSpPr>
+            <a:stCxn id="9" idx="3"/>
+          </p:cNvCxnSpPr>
+          <p:nvPr/>
+        </p:nvCxnSpPr>
+        <p:spPr>
+          <a:xfrm flipV="1">
+            <a:off x="3222171" y="3428998"/>
+            <a:ext cx="1045029" cy="1"/>
+          </a:xfrm>
+          <a:prstGeom prst="line">
+            <a:avLst/>
+          </a:prstGeom>
+        </p:spPr>
+        <p:style>
+          <a:lnRef idx="1">
+            <a:schemeClr val="accent1"/>
+          </a:lnRef>
+          <a:fillRef idx="0">
+            <a:schemeClr val="accent1"/>
+          </a:fillRef>
+          <a:effectRef idx="0">
+            <a:schemeClr val="accent1"/>
+          </a:effectRef>
+          <a:fontRef idx="minor">
+            <a:schemeClr val="tx1"/>
+          </a:fontRef>
+        </p:style>
+      </p:cxnSp>
+      <p:cxnSp>
+        <p:nvCxnSpPr>
+          <p:cNvPr id="17" name="Connector: Elbow 16">
+            <a:extLst>
+              <a:ext uri="{FF2B5EF4-FFF2-40B4-BE49-F238E27FC236}">
+                <a16:creationId xmlns:a16="http://schemas.microsoft.com/office/drawing/2014/main" id="{C8BC426B-F470-6846-CE7A-44F701092E2E}"/>
+              </a:ext>
+            </a:extLst>
+          </p:cNvPr>
+          <p:cNvCxnSpPr>
+            <a:stCxn id="6" idx="3"/>
+            <a:endCxn id="4" idx="3"/>
+          </p:cNvCxnSpPr>
+          <p:nvPr/>
+        </p:nvCxnSpPr>
+        <p:spPr>
+          <a:xfrm flipV="1">
+            <a:off x="8447314" y="928016"/>
+            <a:ext cx="12700" cy="2457321"/>
+          </a:xfrm>
+          <a:prstGeom prst="bentConnector3">
+            <a:avLst>
+              <a:gd name="adj1" fmla="val 5228575"/>
+            </a:avLst>
+          </a:prstGeom>
+        </p:spPr>
+        <p:style>
+          <a:lnRef idx="1">
+            <a:schemeClr val="accent1"/>
+          </a:lnRef>
+          <a:fillRef idx="0">
+            <a:schemeClr val="accent1"/>
+          </a:fillRef>
+          <a:effectRef idx="0">
+            <a:schemeClr val="accent1"/>
+          </a:effectRef>
+          <a:fontRef idx="minor">
+            <a:schemeClr val="tx1"/>
+          </a:fontRef>
+        </p:style>
+      </p:cxnSp>
+      <p:sp>
+        <p:nvSpPr>
+          <p:cNvPr id="19" name="TextBox 18">
+            <a:extLst>
+              <a:ext uri="{FF2B5EF4-FFF2-40B4-BE49-F238E27FC236}">
+                <a16:creationId xmlns:a16="http://schemas.microsoft.com/office/drawing/2014/main" id="{C208F32C-FB5F-6AB7-BC54-F82B336E290A}"/>
+              </a:ext>
+            </a:extLst>
+          </p:cNvPr>
+          <p:cNvSpPr txBox="1"/>
+          <p:nvPr/>
+        </p:nvSpPr>
+        <p:spPr>
+          <a:xfrm>
+            <a:off x="9492343" y="2084499"/>
+            <a:ext cx="1318759" cy="369332"/>
+          </a:xfrm>
+          <a:prstGeom prst="rect">
+            <a:avLst/>
+          </a:prstGeom>
+          <a:noFill/>
+        </p:spPr>
+        <p:txBody>
+          <a:bodyPr wrap="none" rtlCol="0">
+            <a:spAutoFit/>
+          </a:bodyPr>
+          <a:lstStyle/>
+          <a:p>
+            <a:r>
+              <a:rPr lang="en-US" dirty="0"/>
+              <a:t>Reject Input</a:t>
+            </a:r>
+          </a:p>
+        </p:txBody>
+      </p:sp>
+    </p:spTree>
+    <p:extLst>
+      <p:ext uri="{BB962C8B-B14F-4D97-AF65-F5344CB8AC3E}">
+        <p14:creationId xmlns:p14="http://schemas.microsoft.com/office/powerpoint/2010/main" val="3123349292"/>
       </p:ext>
     </p:extLst>
   </p:cSld>
@@ -17568,6 +18809,1268 @@
     <p:extLst>
       <p:ext uri="{BB962C8B-B14F-4D97-AF65-F5344CB8AC3E}">
         <p14:creationId xmlns:p14="http://schemas.microsoft.com/office/powerpoint/2010/main" val="3044086774"/>
+      </p:ext>
+    </p:extLst>
+  </p:cSld>
+  <p:clrMapOvr>
+    <a:masterClrMapping/>
+  </p:clrMapOvr>
+</p:sld>
+</file>
+
+<file path=ppt/slides/slide40.xml><?xml version="1.0" encoding="utf-8"?>
+<p:sld xmlns:a="http://schemas.openxmlformats.org/drawingml/2006/main" xmlns:r="http://schemas.openxmlformats.org/officeDocument/2006/relationships" xmlns:p="http://schemas.openxmlformats.org/presentationml/2006/main">
+  <p:cSld>
+    <p:spTree>
+      <p:nvGrpSpPr>
+        <p:cNvPr id="1" name=""/>
+        <p:cNvGrpSpPr/>
+        <p:nvPr/>
+      </p:nvGrpSpPr>
+      <p:grpSpPr>
+        <a:xfrm>
+          <a:off x="0" y="0"/>
+          <a:ext cx="0" cy="0"/>
+          <a:chOff x="0" y="0"/>
+          <a:chExt cx="0" cy="0"/>
+        </a:xfrm>
+      </p:grpSpPr>
+      <p:sp>
+        <p:nvSpPr>
+          <p:cNvPr id="2" name="Title 1">
+            <a:extLst>
+              <a:ext uri="{FF2B5EF4-FFF2-40B4-BE49-F238E27FC236}">
+                <a16:creationId xmlns:a16="http://schemas.microsoft.com/office/drawing/2014/main" id="{526BCCBE-D9E5-F1E6-9E5E-44DFD1989EAA}"/>
+              </a:ext>
+            </a:extLst>
+          </p:cNvPr>
+          <p:cNvSpPr>
+            <a:spLocks noGrp="1"/>
+          </p:cNvSpPr>
+          <p:nvPr>
+            <p:ph type="title"/>
+          </p:nvPr>
+        </p:nvSpPr>
+        <p:spPr>
+          <a:xfrm>
+            <a:off x="8623300" y="365126"/>
+            <a:ext cx="3263898" cy="628878"/>
+          </a:xfrm>
+        </p:spPr>
+        <p:txBody>
+          <a:bodyPr>
+            <a:noAutofit/>
+          </a:bodyPr>
+          <a:lstStyle/>
+          <a:p>
+            <a:r>
+              <a:rPr lang="en-US" sz="3200" dirty="0"/>
+              <a:t>How to Validate?</a:t>
+            </a:r>
+          </a:p>
+        </p:txBody>
+      </p:sp>
+      <p:sp>
+        <p:nvSpPr>
+          <p:cNvPr id="4" name="Rectangle 3">
+            <a:extLst>
+              <a:ext uri="{FF2B5EF4-FFF2-40B4-BE49-F238E27FC236}">
+                <a16:creationId xmlns:a16="http://schemas.microsoft.com/office/drawing/2014/main" id="{1FAF4305-338D-0B44-270C-61AF0E1F772C}"/>
+              </a:ext>
+            </a:extLst>
+          </p:cNvPr>
+          <p:cNvSpPr/>
+          <p:nvPr/>
+        </p:nvSpPr>
+        <p:spPr>
+          <a:xfrm>
+            <a:off x="4267200" y="579673"/>
+            <a:ext cx="4180114" cy="696685"/>
+          </a:xfrm>
+          <a:prstGeom prst="rect">
+            <a:avLst/>
+          </a:prstGeom>
+          <a:solidFill>
+            <a:srgbClr val="7030A0"/>
+          </a:solidFill>
+          <a:ln>
+            <a:noFill/>
+          </a:ln>
+        </p:spPr>
+        <p:style>
+          <a:lnRef idx="0">
+            <a:scrgbClr r="0" g="0" b="0"/>
+          </a:lnRef>
+          <a:fillRef idx="0">
+            <a:scrgbClr r="0" g="0" b="0"/>
+          </a:fillRef>
+          <a:effectRef idx="0">
+            <a:scrgbClr r="0" g="0" b="0"/>
+          </a:effectRef>
+          <a:fontRef idx="minor">
+            <a:schemeClr val="lt1"/>
+          </a:fontRef>
+        </p:style>
+        <p:txBody>
+          <a:bodyPr rtlCol="0" anchor="ctr"/>
+          <a:lstStyle/>
+          <a:p>
+            <a:pPr algn="ctr"/>
+            <a:r>
+              <a:rPr lang="en-US" dirty="0"/>
+              <a:t>User Input (Form Input)</a:t>
+            </a:r>
+          </a:p>
+        </p:txBody>
+      </p:sp>
+      <p:sp>
+        <p:nvSpPr>
+          <p:cNvPr id="5" name="Rectangle 4">
+            <a:extLst>
+              <a:ext uri="{FF2B5EF4-FFF2-40B4-BE49-F238E27FC236}">
+                <a16:creationId xmlns:a16="http://schemas.microsoft.com/office/drawing/2014/main" id="{5373E1F4-03F9-6B1E-2532-944E7B759E19}"/>
+              </a:ext>
+            </a:extLst>
+          </p:cNvPr>
+          <p:cNvSpPr/>
+          <p:nvPr/>
+        </p:nvSpPr>
+        <p:spPr>
+          <a:xfrm>
+            <a:off x="4267200" y="1736157"/>
+            <a:ext cx="4180114" cy="696685"/>
+          </a:xfrm>
+          <a:prstGeom prst="rect">
+            <a:avLst/>
+          </a:prstGeom>
+          <a:solidFill>
+            <a:schemeClr val="accent6">
+              <a:lumMod val="75000"/>
+            </a:schemeClr>
+          </a:solidFill>
+          <a:ln>
+            <a:noFill/>
+          </a:ln>
+        </p:spPr>
+        <p:style>
+          <a:lnRef idx="0">
+            <a:scrgbClr r="0" g="0" b="0"/>
+          </a:lnRef>
+          <a:fillRef idx="0">
+            <a:scrgbClr r="0" g="0" b="0"/>
+          </a:fillRef>
+          <a:effectRef idx="0">
+            <a:scrgbClr r="0" g="0" b="0"/>
+          </a:effectRef>
+          <a:fontRef idx="minor">
+            <a:schemeClr val="lt1"/>
+          </a:fontRef>
+        </p:style>
+        <p:txBody>
+          <a:bodyPr rtlCol="0" anchor="ctr"/>
+          <a:lstStyle/>
+          <a:p>
+            <a:pPr algn="ctr"/>
+            <a:r>
+              <a:rPr lang="en-US" dirty="0"/>
+              <a:t>Validate on Client-Side</a:t>
+            </a:r>
+          </a:p>
+        </p:txBody>
+      </p:sp>
+      <p:sp>
+        <p:nvSpPr>
+          <p:cNvPr id="6" name="Rectangle 5">
+            <a:extLst>
+              <a:ext uri="{FF2B5EF4-FFF2-40B4-BE49-F238E27FC236}">
+                <a16:creationId xmlns:a16="http://schemas.microsoft.com/office/drawing/2014/main" id="{81B0F102-A63E-CB89-D050-742151FDCC90}"/>
+              </a:ext>
+            </a:extLst>
+          </p:cNvPr>
+          <p:cNvSpPr/>
+          <p:nvPr/>
+        </p:nvSpPr>
+        <p:spPr>
+          <a:xfrm>
+            <a:off x="4267200" y="3036994"/>
+            <a:ext cx="4180114" cy="696685"/>
+          </a:xfrm>
+          <a:prstGeom prst="rect">
+            <a:avLst/>
+          </a:prstGeom>
+          <a:solidFill>
+            <a:schemeClr val="accent3">
+              <a:lumMod val="75000"/>
+            </a:schemeClr>
+          </a:solidFill>
+          <a:ln>
+            <a:noFill/>
+          </a:ln>
+        </p:spPr>
+        <p:style>
+          <a:lnRef idx="0">
+            <a:scrgbClr r="0" g="0" b="0"/>
+          </a:lnRef>
+          <a:fillRef idx="0">
+            <a:scrgbClr r="0" g="0" b="0"/>
+          </a:fillRef>
+          <a:effectRef idx="0">
+            <a:scrgbClr r="0" g="0" b="0"/>
+          </a:effectRef>
+          <a:fontRef idx="minor">
+            <a:schemeClr val="lt1"/>
+          </a:fontRef>
+        </p:style>
+        <p:txBody>
+          <a:bodyPr rtlCol="0" anchor="ctr"/>
+          <a:lstStyle/>
+          <a:p>
+            <a:pPr algn="ctr"/>
+            <a:r>
+              <a:rPr lang="en-US" dirty="0"/>
+              <a:t>Validation on Server-Side</a:t>
+            </a:r>
+          </a:p>
+        </p:txBody>
+      </p:sp>
+      <p:sp>
+        <p:nvSpPr>
+          <p:cNvPr id="7" name="Rectangle 6">
+            <a:extLst>
+              <a:ext uri="{FF2B5EF4-FFF2-40B4-BE49-F238E27FC236}">
+                <a16:creationId xmlns:a16="http://schemas.microsoft.com/office/drawing/2014/main" id="{1A22E5B4-18CE-D628-C141-A66FBDF51956}"/>
+              </a:ext>
+            </a:extLst>
+          </p:cNvPr>
+          <p:cNvSpPr/>
+          <p:nvPr/>
+        </p:nvSpPr>
+        <p:spPr>
+          <a:xfrm>
+            <a:off x="4267200" y="4280804"/>
+            <a:ext cx="4180114" cy="696685"/>
+          </a:xfrm>
+          <a:prstGeom prst="rect">
+            <a:avLst/>
+          </a:prstGeom>
+          <a:solidFill>
+            <a:schemeClr val="accent1">
+              <a:lumMod val="75000"/>
+            </a:schemeClr>
+          </a:solidFill>
+          <a:ln>
+            <a:noFill/>
+          </a:ln>
+        </p:spPr>
+        <p:style>
+          <a:lnRef idx="0">
+            <a:scrgbClr r="0" g="0" b="0"/>
+          </a:lnRef>
+          <a:fillRef idx="0">
+            <a:scrgbClr r="0" g="0" b="0"/>
+          </a:fillRef>
+          <a:effectRef idx="0">
+            <a:scrgbClr r="0" g="0" b="0"/>
+          </a:effectRef>
+          <a:fontRef idx="minor">
+            <a:schemeClr val="lt1"/>
+          </a:fontRef>
+        </p:style>
+        <p:txBody>
+          <a:bodyPr rtlCol="0" anchor="ctr"/>
+          <a:lstStyle/>
+          <a:p>
+            <a:pPr algn="ctr"/>
+            <a:r>
+              <a:rPr lang="en-US" dirty="0"/>
+              <a:t>Server (Node App)</a:t>
+            </a:r>
+          </a:p>
+        </p:txBody>
+      </p:sp>
+      <p:sp>
+        <p:nvSpPr>
+          <p:cNvPr id="8" name="Rectangle 7">
+            <a:extLst>
+              <a:ext uri="{FF2B5EF4-FFF2-40B4-BE49-F238E27FC236}">
+                <a16:creationId xmlns:a16="http://schemas.microsoft.com/office/drawing/2014/main" id="{0C60856E-AAEC-0DA0-9BA6-0D37346B7541}"/>
+              </a:ext>
+            </a:extLst>
+          </p:cNvPr>
+          <p:cNvSpPr/>
+          <p:nvPr/>
+        </p:nvSpPr>
+        <p:spPr>
+          <a:xfrm>
+            <a:off x="4267200" y="5581642"/>
+            <a:ext cx="4180114" cy="696685"/>
+          </a:xfrm>
+          <a:prstGeom prst="rect">
+            <a:avLst/>
+          </a:prstGeom>
+          <a:solidFill>
+            <a:schemeClr val="accent6">
+              <a:lumMod val="75000"/>
+            </a:schemeClr>
+          </a:solidFill>
+          <a:ln>
+            <a:noFill/>
+          </a:ln>
+        </p:spPr>
+        <p:style>
+          <a:lnRef idx="0">
+            <a:scrgbClr r="0" g="0" b="0"/>
+          </a:lnRef>
+          <a:fillRef idx="0">
+            <a:scrgbClr r="0" g="0" b="0"/>
+          </a:fillRef>
+          <a:effectRef idx="0">
+            <a:scrgbClr r="0" g="0" b="0"/>
+          </a:effectRef>
+          <a:fontRef idx="minor">
+            <a:schemeClr val="lt1"/>
+          </a:fontRef>
+        </p:style>
+        <p:txBody>
+          <a:bodyPr rtlCol="0" anchor="ctr"/>
+          <a:lstStyle/>
+          <a:p>
+            <a:pPr algn="ctr"/>
+            <a:r>
+              <a:rPr lang="en-US" dirty="0"/>
+              <a:t>Database</a:t>
+            </a:r>
+          </a:p>
+        </p:txBody>
+      </p:sp>
+      <p:sp>
+        <p:nvSpPr>
+          <p:cNvPr id="9" name="Rectangle 8">
+            <a:extLst>
+              <a:ext uri="{FF2B5EF4-FFF2-40B4-BE49-F238E27FC236}">
+                <a16:creationId xmlns:a16="http://schemas.microsoft.com/office/drawing/2014/main" id="{20D3DF57-E050-2143-8DD4-4DE079FDB4CD}"/>
+              </a:ext>
+            </a:extLst>
+          </p:cNvPr>
+          <p:cNvSpPr/>
+          <p:nvPr/>
+        </p:nvSpPr>
+        <p:spPr>
+          <a:xfrm>
+            <a:off x="230414" y="579673"/>
+            <a:ext cx="3004457" cy="696685"/>
+          </a:xfrm>
+          <a:prstGeom prst="rect">
+            <a:avLst/>
+          </a:prstGeom>
+          <a:solidFill>
+            <a:schemeClr val="accent2"/>
+          </a:solidFill>
+          <a:ln>
+            <a:noFill/>
+          </a:ln>
+        </p:spPr>
+        <p:style>
+          <a:lnRef idx="0">
+            <a:scrgbClr r="0" g="0" b="0"/>
+          </a:lnRef>
+          <a:fillRef idx="0">
+            <a:scrgbClr r="0" g="0" b="0"/>
+          </a:fillRef>
+          <a:effectRef idx="0">
+            <a:scrgbClr r="0" g="0" b="0"/>
+          </a:effectRef>
+          <a:fontRef idx="minor">
+            <a:schemeClr val="lt1"/>
+          </a:fontRef>
+        </p:style>
+        <p:txBody>
+          <a:bodyPr rtlCol="0" anchor="ctr"/>
+          <a:lstStyle/>
+          <a:p>
+            <a:pPr algn="ctr"/>
+            <a:r>
+              <a:rPr lang="en-US" dirty="0"/>
+              <a:t>Controller / Middleware</a:t>
+            </a:r>
+          </a:p>
+        </p:txBody>
+      </p:sp>
+      <p:sp>
+        <p:nvSpPr>
+          <p:cNvPr id="10" name="Arrow: Down 9">
+            <a:extLst>
+              <a:ext uri="{FF2B5EF4-FFF2-40B4-BE49-F238E27FC236}">
+                <a16:creationId xmlns:a16="http://schemas.microsoft.com/office/drawing/2014/main" id="{EB624F2D-31B2-BC84-BA05-32BBB16BE40C}"/>
+              </a:ext>
+            </a:extLst>
+          </p:cNvPr>
+          <p:cNvSpPr/>
+          <p:nvPr/>
+        </p:nvSpPr>
+        <p:spPr>
+          <a:xfrm>
+            <a:off x="6008914" y="1088133"/>
+            <a:ext cx="566058" cy="805543"/>
+          </a:xfrm>
+          <a:prstGeom prst="downArrow">
+            <a:avLst/>
+          </a:prstGeom>
+          <a:solidFill>
+            <a:schemeClr val="accent2">
+              <a:lumMod val="60000"/>
+              <a:lumOff val="40000"/>
+            </a:schemeClr>
+          </a:solidFill>
+        </p:spPr>
+        <p:style>
+          <a:lnRef idx="2">
+            <a:schemeClr val="accent1">
+              <a:shade val="15000"/>
+            </a:schemeClr>
+          </a:lnRef>
+          <a:fillRef idx="1">
+            <a:schemeClr val="accent1"/>
+          </a:fillRef>
+          <a:effectRef idx="0">
+            <a:schemeClr val="accent1"/>
+          </a:effectRef>
+          <a:fontRef idx="minor">
+            <a:schemeClr val="lt1"/>
+          </a:fontRef>
+        </p:style>
+        <p:txBody>
+          <a:bodyPr rtlCol="0" anchor="ctr"/>
+          <a:lstStyle/>
+          <a:p>
+            <a:pPr algn="ctr"/>
+            <a:endParaRPr lang="en-US"/>
+          </a:p>
+        </p:txBody>
+      </p:sp>
+      <p:sp>
+        <p:nvSpPr>
+          <p:cNvPr id="11" name="Arrow: Down 10">
+            <a:extLst>
+              <a:ext uri="{FF2B5EF4-FFF2-40B4-BE49-F238E27FC236}">
+                <a16:creationId xmlns:a16="http://schemas.microsoft.com/office/drawing/2014/main" id="{962D9592-9D4A-6F7B-2170-750CB3C4E660}"/>
+              </a:ext>
+            </a:extLst>
+          </p:cNvPr>
+          <p:cNvSpPr/>
+          <p:nvPr/>
+        </p:nvSpPr>
+        <p:spPr>
+          <a:xfrm>
+            <a:off x="6096000" y="2353475"/>
+            <a:ext cx="566058" cy="805543"/>
+          </a:xfrm>
+          <a:prstGeom prst="downArrow">
+            <a:avLst/>
+          </a:prstGeom>
+          <a:solidFill>
+            <a:schemeClr val="accent2">
+              <a:lumMod val="60000"/>
+              <a:lumOff val="40000"/>
+            </a:schemeClr>
+          </a:solidFill>
+        </p:spPr>
+        <p:style>
+          <a:lnRef idx="2">
+            <a:schemeClr val="accent1">
+              <a:shade val="15000"/>
+            </a:schemeClr>
+          </a:lnRef>
+          <a:fillRef idx="1">
+            <a:schemeClr val="accent1"/>
+          </a:fillRef>
+          <a:effectRef idx="0">
+            <a:schemeClr val="accent1"/>
+          </a:effectRef>
+          <a:fontRef idx="minor">
+            <a:schemeClr val="lt1"/>
+          </a:fontRef>
+        </p:style>
+        <p:txBody>
+          <a:bodyPr rtlCol="0" anchor="ctr"/>
+          <a:lstStyle/>
+          <a:p>
+            <a:pPr algn="ctr"/>
+            <a:endParaRPr lang="en-US"/>
+          </a:p>
+        </p:txBody>
+      </p:sp>
+      <p:sp>
+        <p:nvSpPr>
+          <p:cNvPr id="12" name="Arrow: Down 11">
+            <a:extLst>
+              <a:ext uri="{FF2B5EF4-FFF2-40B4-BE49-F238E27FC236}">
+                <a16:creationId xmlns:a16="http://schemas.microsoft.com/office/drawing/2014/main" id="{41E72A20-91A8-4B60-F9B6-812177D7D628}"/>
+              </a:ext>
+            </a:extLst>
+          </p:cNvPr>
+          <p:cNvSpPr/>
+          <p:nvPr/>
+        </p:nvSpPr>
+        <p:spPr>
+          <a:xfrm>
+            <a:off x="6096000" y="3658721"/>
+            <a:ext cx="566058" cy="805543"/>
+          </a:xfrm>
+          <a:prstGeom prst="downArrow">
+            <a:avLst/>
+          </a:prstGeom>
+          <a:solidFill>
+            <a:schemeClr val="accent2">
+              <a:lumMod val="60000"/>
+              <a:lumOff val="40000"/>
+            </a:schemeClr>
+          </a:solidFill>
+        </p:spPr>
+        <p:style>
+          <a:lnRef idx="2">
+            <a:schemeClr val="accent1">
+              <a:shade val="15000"/>
+            </a:schemeClr>
+          </a:lnRef>
+          <a:fillRef idx="1">
+            <a:schemeClr val="accent1"/>
+          </a:fillRef>
+          <a:effectRef idx="0">
+            <a:schemeClr val="accent1"/>
+          </a:effectRef>
+          <a:fontRef idx="minor">
+            <a:schemeClr val="lt1"/>
+          </a:fontRef>
+        </p:style>
+        <p:txBody>
+          <a:bodyPr rtlCol="0" anchor="ctr"/>
+          <a:lstStyle/>
+          <a:p>
+            <a:pPr algn="ctr"/>
+            <a:endParaRPr lang="en-US"/>
+          </a:p>
+        </p:txBody>
+      </p:sp>
+      <p:sp>
+        <p:nvSpPr>
+          <p:cNvPr id="13" name="Arrow: Down 12">
+            <a:extLst>
+              <a:ext uri="{FF2B5EF4-FFF2-40B4-BE49-F238E27FC236}">
+                <a16:creationId xmlns:a16="http://schemas.microsoft.com/office/drawing/2014/main" id="{55EE6142-C726-D887-D4D1-0AEDA11114D8}"/>
+              </a:ext>
+            </a:extLst>
+          </p:cNvPr>
+          <p:cNvSpPr/>
+          <p:nvPr/>
+        </p:nvSpPr>
+        <p:spPr>
+          <a:xfrm>
+            <a:off x="6183086" y="4876794"/>
+            <a:ext cx="566058" cy="805543"/>
+          </a:xfrm>
+          <a:prstGeom prst="downArrow">
+            <a:avLst/>
+          </a:prstGeom>
+          <a:solidFill>
+            <a:schemeClr val="accent2">
+              <a:lumMod val="60000"/>
+              <a:lumOff val="40000"/>
+            </a:schemeClr>
+          </a:solidFill>
+        </p:spPr>
+        <p:style>
+          <a:lnRef idx="2">
+            <a:schemeClr val="accent1">
+              <a:shade val="15000"/>
+            </a:schemeClr>
+          </a:lnRef>
+          <a:fillRef idx="1">
+            <a:schemeClr val="accent1"/>
+          </a:fillRef>
+          <a:effectRef idx="0">
+            <a:schemeClr val="accent1"/>
+          </a:effectRef>
+          <a:fontRef idx="minor">
+            <a:schemeClr val="lt1"/>
+          </a:fontRef>
+        </p:style>
+        <p:txBody>
+          <a:bodyPr rtlCol="0" anchor="ctr"/>
+          <a:lstStyle/>
+          <a:p>
+            <a:pPr algn="ctr"/>
+            <a:endParaRPr lang="en-US"/>
+          </a:p>
+        </p:txBody>
+      </p:sp>
+      <p:sp>
+        <p:nvSpPr>
+          <p:cNvPr id="3" name="Rectangle 2">
+            <a:extLst>
+              <a:ext uri="{FF2B5EF4-FFF2-40B4-BE49-F238E27FC236}">
+                <a16:creationId xmlns:a16="http://schemas.microsoft.com/office/drawing/2014/main" id="{58AEE8C1-178E-287D-8AF6-9EE07BA4D746}"/>
+              </a:ext>
+            </a:extLst>
+          </p:cNvPr>
+          <p:cNvSpPr/>
+          <p:nvPr/>
+        </p:nvSpPr>
+        <p:spPr>
+          <a:xfrm>
+            <a:off x="9143999" y="5617921"/>
+            <a:ext cx="2743199" cy="696685"/>
+          </a:xfrm>
+          <a:prstGeom prst="rect">
+            <a:avLst/>
+          </a:prstGeom>
+          <a:solidFill>
+            <a:schemeClr val="accent6">
+              <a:lumMod val="75000"/>
+            </a:schemeClr>
+          </a:solidFill>
+          <a:ln>
+            <a:noFill/>
+          </a:ln>
+        </p:spPr>
+        <p:style>
+          <a:lnRef idx="0">
+            <a:scrgbClr r="0" g="0" b="0"/>
+          </a:lnRef>
+          <a:fillRef idx="0">
+            <a:scrgbClr r="0" g="0" b="0"/>
+          </a:fillRef>
+          <a:effectRef idx="0">
+            <a:scrgbClr r="0" g="0" b="0"/>
+          </a:effectRef>
+          <a:fontRef idx="minor">
+            <a:schemeClr val="lt1"/>
+          </a:fontRef>
+        </p:style>
+        <p:txBody>
+          <a:bodyPr rtlCol="0" anchor="ctr"/>
+          <a:lstStyle/>
+          <a:p>
+            <a:pPr algn="ctr"/>
+            <a:r>
+              <a:rPr lang="en-US" dirty="0"/>
+              <a:t>Built-in Validation</a:t>
+            </a:r>
+          </a:p>
+        </p:txBody>
+      </p:sp>
+      <p:sp>
+        <p:nvSpPr>
+          <p:cNvPr id="14" name="Rectangle 13">
+            <a:extLst>
+              <a:ext uri="{FF2B5EF4-FFF2-40B4-BE49-F238E27FC236}">
+                <a16:creationId xmlns:a16="http://schemas.microsoft.com/office/drawing/2014/main" id="{D34EE2D0-9B03-8F24-4BD8-6AA876EF4E0E}"/>
+              </a:ext>
+            </a:extLst>
+          </p:cNvPr>
+          <p:cNvSpPr/>
+          <p:nvPr/>
+        </p:nvSpPr>
+        <p:spPr>
+          <a:xfrm>
+            <a:off x="838200" y="4315490"/>
+            <a:ext cx="2743199" cy="662000"/>
+          </a:xfrm>
+          <a:prstGeom prst="rect">
+            <a:avLst/>
+          </a:prstGeom>
+          <a:solidFill>
+            <a:schemeClr val="accent6">
+              <a:lumMod val="75000"/>
+            </a:schemeClr>
+          </a:solidFill>
+          <a:ln>
+            <a:noFill/>
+          </a:ln>
+        </p:spPr>
+        <p:style>
+          <a:lnRef idx="0">
+            <a:scrgbClr r="0" g="0" b="0"/>
+          </a:lnRef>
+          <a:fillRef idx="0">
+            <a:scrgbClr r="0" g="0" b="0"/>
+          </a:fillRef>
+          <a:effectRef idx="0">
+            <a:scrgbClr r="0" g="0" b="0"/>
+          </a:effectRef>
+          <a:fontRef idx="minor">
+            <a:schemeClr val="lt1"/>
+          </a:fontRef>
+        </p:style>
+        <p:txBody>
+          <a:bodyPr rtlCol="0" anchor="ctr"/>
+          <a:lstStyle/>
+          <a:p>
+            <a:pPr algn="ctr"/>
+            <a:r>
+              <a:rPr lang="en-US" dirty="0"/>
+              <a:t>Validation Fails</a:t>
+            </a:r>
+          </a:p>
+        </p:txBody>
+      </p:sp>
+      <p:sp>
+        <p:nvSpPr>
+          <p:cNvPr id="16" name="Rectangle 15">
+            <a:extLst>
+              <a:ext uri="{FF2B5EF4-FFF2-40B4-BE49-F238E27FC236}">
+                <a16:creationId xmlns:a16="http://schemas.microsoft.com/office/drawing/2014/main" id="{5FD5E08A-0EA6-2302-5B31-E7C472085712}"/>
+              </a:ext>
+            </a:extLst>
+          </p:cNvPr>
+          <p:cNvSpPr/>
+          <p:nvPr/>
+        </p:nvSpPr>
+        <p:spPr>
+          <a:xfrm>
+            <a:off x="957945" y="1808333"/>
+            <a:ext cx="2743199" cy="696685"/>
+          </a:xfrm>
+          <a:prstGeom prst="rect">
+            <a:avLst/>
+          </a:prstGeom>
+          <a:solidFill>
+            <a:schemeClr val="accent6">
+              <a:lumMod val="75000"/>
+            </a:schemeClr>
+          </a:solidFill>
+          <a:ln>
+            <a:noFill/>
+          </a:ln>
+        </p:spPr>
+        <p:style>
+          <a:lnRef idx="0">
+            <a:scrgbClr r="0" g="0" b="0"/>
+          </a:lnRef>
+          <a:fillRef idx="0">
+            <a:scrgbClr r="0" g="0" b="0"/>
+          </a:fillRef>
+          <a:effectRef idx="0">
+            <a:scrgbClr r="0" g="0" b="0"/>
+          </a:effectRef>
+          <a:fontRef idx="minor">
+            <a:schemeClr val="lt1"/>
+          </a:fontRef>
+        </p:style>
+        <p:txBody>
+          <a:bodyPr rtlCol="0" anchor="ctr"/>
+          <a:lstStyle/>
+          <a:p>
+            <a:pPr algn="ctr"/>
+            <a:r>
+              <a:rPr lang="en-US" dirty="0"/>
+              <a:t>Validation Fails</a:t>
+            </a:r>
+          </a:p>
+        </p:txBody>
+      </p:sp>
+      <p:cxnSp>
+        <p:nvCxnSpPr>
+          <p:cNvPr id="20" name="Connector: Elbow 19">
+            <a:extLst>
+              <a:ext uri="{FF2B5EF4-FFF2-40B4-BE49-F238E27FC236}">
+                <a16:creationId xmlns:a16="http://schemas.microsoft.com/office/drawing/2014/main" id="{0DE81A03-006C-6F12-4B2B-5292CED8942A}"/>
+              </a:ext>
+            </a:extLst>
+          </p:cNvPr>
+          <p:cNvCxnSpPr>
+            <a:stCxn id="7" idx="1"/>
+            <a:endCxn id="14" idx="3"/>
+          </p:cNvCxnSpPr>
+          <p:nvPr/>
+        </p:nvCxnSpPr>
+        <p:spPr>
+          <a:xfrm rot="10800000" flipV="1">
+            <a:off x="3581400" y="4629146"/>
+            <a:ext cx="685801" cy="17343"/>
+          </a:xfrm>
+          <a:prstGeom prst="bentConnector3">
+            <a:avLst/>
+          </a:prstGeom>
+        </p:spPr>
+        <p:style>
+          <a:lnRef idx="1">
+            <a:schemeClr val="accent1"/>
+          </a:lnRef>
+          <a:fillRef idx="0">
+            <a:schemeClr val="accent1"/>
+          </a:fillRef>
+          <a:effectRef idx="0">
+            <a:schemeClr val="accent1"/>
+          </a:effectRef>
+          <a:fontRef idx="minor">
+            <a:schemeClr val="tx1"/>
+          </a:fontRef>
+        </p:style>
+      </p:cxnSp>
+      <p:cxnSp>
+        <p:nvCxnSpPr>
+          <p:cNvPr id="22" name="Connector: Elbow 21">
+            <a:extLst>
+              <a:ext uri="{FF2B5EF4-FFF2-40B4-BE49-F238E27FC236}">
+                <a16:creationId xmlns:a16="http://schemas.microsoft.com/office/drawing/2014/main" id="{ABDC2D76-62A1-56BC-ABC0-4C092C928681}"/>
+              </a:ext>
+            </a:extLst>
+          </p:cNvPr>
+          <p:cNvCxnSpPr>
+            <a:stCxn id="14" idx="1"/>
+            <a:endCxn id="9" idx="1"/>
+          </p:cNvCxnSpPr>
+          <p:nvPr/>
+        </p:nvCxnSpPr>
+        <p:spPr>
+          <a:xfrm rot="10800000">
+            <a:off x="230414" y="928016"/>
+            <a:ext cx="607786" cy="3718474"/>
+          </a:xfrm>
+          <a:prstGeom prst="bentConnector3">
+            <a:avLst>
+              <a:gd name="adj1" fmla="val 130448"/>
+            </a:avLst>
+          </a:prstGeom>
+        </p:spPr>
+        <p:style>
+          <a:lnRef idx="1">
+            <a:schemeClr val="accent1"/>
+          </a:lnRef>
+          <a:fillRef idx="0">
+            <a:schemeClr val="accent1"/>
+          </a:fillRef>
+          <a:effectRef idx="0">
+            <a:schemeClr val="accent1"/>
+          </a:effectRef>
+          <a:fontRef idx="minor">
+            <a:schemeClr val="tx1"/>
+          </a:fontRef>
+        </p:style>
+      </p:cxnSp>
+      <p:cxnSp>
+        <p:nvCxnSpPr>
+          <p:cNvPr id="25" name="Straight Connector 24">
+            <a:extLst>
+              <a:ext uri="{FF2B5EF4-FFF2-40B4-BE49-F238E27FC236}">
+                <a16:creationId xmlns:a16="http://schemas.microsoft.com/office/drawing/2014/main" id="{34654DDD-E5DD-4AB6-9114-43AC1BB7E8D1}"/>
+              </a:ext>
+            </a:extLst>
+          </p:cNvPr>
+          <p:cNvCxnSpPr>
+            <a:stCxn id="5" idx="1"/>
+            <a:endCxn id="16" idx="3"/>
+          </p:cNvCxnSpPr>
+          <p:nvPr/>
+        </p:nvCxnSpPr>
+        <p:spPr>
+          <a:xfrm flipH="1">
+            <a:off x="3701144" y="2084500"/>
+            <a:ext cx="566056" cy="72176"/>
+          </a:xfrm>
+          <a:prstGeom prst="line">
+            <a:avLst/>
+          </a:prstGeom>
+        </p:spPr>
+        <p:style>
+          <a:lnRef idx="1">
+            <a:schemeClr val="accent1"/>
+          </a:lnRef>
+          <a:fillRef idx="0">
+            <a:schemeClr val="accent1"/>
+          </a:fillRef>
+          <a:effectRef idx="0">
+            <a:schemeClr val="accent1"/>
+          </a:effectRef>
+          <a:fontRef idx="minor">
+            <a:schemeClr val="tx1"/>
+          </a:fontRef>
+        </p:style>
+      </p:cxnSp>
+      <p:cxnSp>
+        <p:nvCxnSpPr>
+          <p:cNvPr id="27" name="Straight Connector 26">
+            <a:extLst>
+              <a:ext uri="{FF2B5EF4-FFF2-40B4-BE49-F238E27FC236}">
+                <a16:creationId xmlns:a16="http://schemas.microsoft.com/office/drawing/2014/main" id="{E996CD19-44FA-C477-9B30-639263CE5D03}"/>
+              </a:ext>
+            </a:extLst>
+          </p:cNvPr>
+          <p:cNvCxnSpPr>
+            <a:stCxn id="16" idx="1"/>
+          </p:cNvCxnSpPr>
+          <p:nvPr/>
+        </p:nvCxnSpPr>
+        <p:spPr>
+          <a:xfrm flipH="1">
+            <a:off x="0" y="2156676"/>
+            <a:ext cx="957945" cy="0"/>
+          </a:xfrm>
+          <a:prstGeom prst="line">
+            <a:avLst/>
+          </a:prstGeom>
+        </p:spPr>
+        <p:style>
+          <a:lnRef idx="1">
+            <a:schemeClr val="accent1"/>
+          </a:lnRef>
+          <a:fillRef idx="0">
+            <a:schemeClr val="accent1"/>
+          </a:fillRef>
+          <a:effectRef idx="0">
+            <a:schemeClr val="accent1"/>
+          </a:effectRef>
+          <a:fontRef idx="minor">
+            <a:schemeClr val="tx1"/>
+          </a:fontRef>
+        </p:style>
+      </p:cxnSp>
+      <p:sp>
+        <p:nvSpPr>
+          <p:cNvPr id="28" name="Rectangle 27">
+            <a:extLst>
+              <a:ext uri="{FF2B5EF4-FFF2-40B4-BE49-F238E27FC236}">
+                <a16:creationId xmlns:a16="http://schemas.microsoft.com/office/drawing/2014/main" id="{963D7329-4A6A-4FC1-1A5A-38B2F1D2F5AE}"/>
+              </a:ext>
+            </a:extLst>
+          </p:cNvPr>
+          <p:cNvSpPr/>
+          <p:nvPr/>
+        </p:nvSpPr>
+        <p:spPr>
+          <a:xfrm rot="1329512">
+            <a:off x="7667298" y="1583475"/>
+            <a:ext cx="1298776" cy="340857"/>
+          </a:xfrm>
+          <a:prstGeom prst="rect">
+            <a:avLst/>
+          </a:prstGeom>
+          <a:solidFill>
+            <a:srgbClr val="FFFF00"/>
+          </a:solidFill>
+        </p:spPr>
+        <p:style>
+          <a:lnRef idx="2">
+            <a:schemeClr val="accent1">
+              <a:shade val="15000"/>
+            </a:schemeClr>
+          </a:lnRef>
+          <a:fillRef idx="1">
+            <a:schemeClr val="accent1"/>
+          </a:fillRef>
+          <a:effectRef idx="0">
+            <a:schemeClr val="accent1"/>
+          </a:effectRef>
+          <a:fontRef idx="minor">
+            <a:schemeClr val="lt1"/>
+          </a:fontRef>
+        </p:style>
+        <p:txBody>
+          <a:bodyPr rtlCol="0" anchor="ctr"/>
+          <a:lstStyle/>
+          <a:p>
+            <a:pPr algn="ctr"/>
+            <a:r>
+              <a:rPr lang="en-US" dirty="0">
+                <a:solidFill>
+                  <a:schemeClr val="tx1"/>
+                </a:solidFill>
+              </a:rPr>
+              <a:t>Optional</a:t>
+            </a:r>
+          </a:p>
+        </p:txBody>
+      </p:sp>
+      <p:sp>
+        <p:nvSpPr>
+          <p:cNvPr id="29" name="Rectangle 28">
+            <a:extLst>
+              <a:ext uri="{FF2B5EF4-FFF2-40B4-BE49-F238E27FC236}">
+                <a16:creationId xmlns:a16="http://schemas.microsoft.com/office/drawing/2014/main" id="{281AD433-7F04-F884-56E9-AE8BCE810A3D}"/>
+              </a:ext>
+            </a:extLst>
+          </p:cNvPr>
+          <p:cNvSpPr/>
+          <p:nvPr/>
+        </p:nvSpPr>
+        <p:spPr>
+          <a:xfrm rot="1329512">
+            <a:off x="7741818" y="2848817"/>
+            <a:ext cx="1298776" cy="340857"/>
+          </a:xfrm>
+          <a:prstGeom prst="rect">
+            <a:avLst/>
+          </a:prstGeom>
+          <a:solidFill>
+            <a:srgbClr val="FFFF00"/>
+          </a:solidFill>
+        </p:spPr>
+        <p:style>
+          <a:lnRef idx="2">
+            <a:schemeClr val="accent1">
+              <a:shade val="15000"/>
+            </a:schemeClr>
+          </a:lnRef>
+          <a:fillRef idx="1">
+            <a:schemeClr val="accent1"/>
+          </a:fillRef>
+          <a:effectRef idx="0">
+            <a:schemeClr val="accent1"/>
+          </a:effectRef>
+          <a:fontRef idx="minor">
+            <a:schemeClr val="lt1"/>
+          </a:fontRef>
+        </p:style>
+        <p:txBody>
+          <a:bodyPr rtlCol="0" anchor="ctr"/>
+          <a:lstStyle/>
+          <a:p>
+            <a:pPr algn="ctr"/>
+            <a:r>
+              <a:rPr lang="en-US" dirty="0">
+                <a:solidFill>
+                  <a:schemeClr val="tx1"/>
+                </a:solidFill>
+              </a:rPr>
+              <a:t>Required</a:t>
+            </a:r>
+          </a:p>
+        </p:txBody>
+      </p:sp>
+      <p:sp>
+        <p:nvSpPr>
+          <p:cNvPr id="30" name="Rectangle 29">
+            <a:extLst>
+              <a:ext uri="{FF2B5EF4-FFF2-40B4-BE49-F238E27FC236}">
+                <a16:creationId xmlns:a16="http://schemas.microsoft.com/office/drawing/2014/main" id="{01FD372D-33BC-9CEB-B118-1B8DAD9D439F}"/>
+              </a:ext>
+            </a:extLst>
+          </p:cNvPr>
+          <p:cNvSpPr/>
+          <p:nvPr/>
+        </p:nvSpPr>
+        <p:spPr>
+          <a:xfrm rot="1329512">
+            <a:off x="10702733" y="5354849"/>
+            <a:ext cx="1298776" cy="340857"/>
+          </a:xfrm>
+          <a:prstGeom prst="rect">
+            <a:avLst/>
+          </a:prstGeom>
+          <a:solidFill>
+            <a:srgbClr val="FFFF00"/>
+          </a:solidFill>
+        </p:spPr>
+        <p:style>
+          <a:lnRef idx="2">
+            <a:schemeClr val="accent1">
+              <a:shade val="15000"/>
+            </a:schemeClr>
+          </a:lnRef>
+          <a:fillRef idx="1">
+            <a:schemeClr val="accent1"/>
+          </a:fillRef>
+          <a:effectRef idx="0">
+            <a:schemeClr val="accent1"/>
+          </a:effectRef>
+          <a:fontRef idx="minor">
+            <a:schemeClr val="lt1"/>
+          </a:fontRef>
+        </p:style>
+        <p:txBody>
+          <a:bodyPr rtlCol="0" anchor="ctr"/>
+          <a:lstStyle/>
+          <a:p>
+            <a:pPr algn="ctr"/>
+            <a:r>
+              <a:rPr lang="en-US" dirty="0">
+                <a:solidFill>
+                  <a:schemeClr val="tx1"/>
+                </a:solidFill>
+              </a:rPr>
+              <a:t>Optional</a:t>
+            </a:r>
+          </a:p>
+        </p:txBody>
+      </p:sp>
+      <p:cxnSp>
+        <p:nvCxnSpPr>
+          <p:cNvPr id="32" name="Connector: Elbow 31">
+            <a:extLst>
+              <a:ext uri="{FF2B5EF4-FFF2-40B4-BE49-F238E27FC236}">
+                <a16:creationId xmlns:a16="http://schemas.microsoft.com/office/drawing/2014/main" id="{8B475E10-92DF-FEAF-38B5-08B38EB2FF44}"/>
+              </a:ext>
+            </a:extLst>
+          </p:cNvPr>
+          <p:cNvCxnSpPr>
+            <a:stCxn id="8" idx="3"/>
+            <a:endCxn id="3" idx="1"/>
+          </p:cNvCxnSpPr>
+          <p:nvPr/>
+        </p:nvCxnSpPr>
+        <p:spPr>
+          <a:xfrm>
+            <a:off x="8447314" y="5929985"/>
+            <a:ext cx="696685" cy="36279"/>
+          </a:xfrm>
+          <a:prstGeom prst="bentConnector3">
+            <a:avLst/>
+          </a:prstGeom>
+          <a:ln>
+            <a:tailEnd type="triangle"/>
+          </a:ln>
+        </p:spPr>
+        <p:style>
+          <a:lnRef idx="1">
+            <a:schemeClr val="accent1"/>
+          </a:lnRef>
+          <a:fillRef idx="0">
+            <a:schemeClr val="accent1"/>
+          </a:fillRef>
+          <a:effectRef idx="0">
+            <a:schemeClr val="accent1"/>
+          </a:effectRef>
+          <a:fontRef idx="minor">
+            <a:schemeClr val="tx1"/>
+          </a:fontRef>
+        </p:style>
+      </p:cxnSp>
+    </p:spTree>
+    <p:extLst>
+      <p:ext uri="{BB962C8B-B14F-4D97-AF65-F5344CB8AC3E}">
+        <p14:creationId xmlns:p14="http://schemas.microsoft.com/office/powerpoint/2010/main" val="2820758828"/>
+      </p:ext>
+    </p:extLst>
+  </p:cSld>
+  <p:clrMapOvr>
+    <a:masterClrMapping/>
+  </p:clrMapOvr>
+</p:sld>
+</file>
+
+<file path=ppt/slides/slide41.xml><?xml version="1.0" encoding="utf-8"?>
+<p:sld xmlns:a="http://schemas.openxmlformats.org/drawingml/2006/main" xmlns:r="http://schemas.openxmlformats.org/officeDocument/2006/relationships" xmlns:p="http://schemas.openxmlformats.org/presentationml/2006/main">
+  <p:cSld>
+    <p:spTree>
+      <p:nvGrpSpPr>
+        <p:cNvPr id="1" name=""/>
+        <p:cNvGrpSpPr/>
+        <p:nvPr/>
+      </p:nvGrpSpPr>
+      <p:grpSpPr>
+        <a:xfrm>
+          <a:off x="0" y="0"/>
+          <a:ext cx="0" cy="0"/>
+          <a:chOff x="0" y="0"/>
+          <a:chExt cx="0" cy="0"/>
+        </a:xfrm>
+      </p:grpSpPr>
+      <p:sp>
+        <p:nvSpPr>
+          <p:cNvPr id="2" name="Title 1">
+            <a:extLst>
+              <a:ext uri="{FF2B5EF4-FFF2-40B4-BE49-F238E27FC236}">
+                <a16:creationId xmlns:a16="http://schemas.microsoft.com/office/drawing/2014/main" id="{5E604D7E-B0C5-F1FD-6E61-4682BA56D2CE}"/>
+              </a:ext>
+            </a:extLst>
+          </p:cNvPr>
+          <p:cNvSpPr>
+            <a:spLocks noGrp="1"/>
+          </p:cNvSpPr>
+          <p:nvPr>
+            <p:ph type="title"/>
+          </p:nvPr>
+        </p:nvSpPr>
+        <p:spPr/>
+        <p:txBody>
+          <a:bodyPr/>
+          <a:lstStyle/>
+          <a:p>
+            <a:endParaRPr lang="en-US"/>
+          </a:p>
+        </p:txBody>
+      </p:sp>
+      <p:sp>
+        <p:nvSpPr>
+          <p:cNvPr id="3" name="Content Placeholder 2">
+            <a:extLst>
+              <a:ext uri="{FF2B5EF4-FFF2-40B4-BE49-F238E27FC236}">
+                <a16:creationId xmlns:a16="http://schemas.microsoft.com/office/drawing/2014/main" id="{BA76027D-E096-317C-4C5A-8AA4642CD24C}"/>
+              </a:ext>
+            </a:extLst>
+          </p:cNvPr>
+          <p:cNvSpPr>
+            <a:spLocks noGrp="1"/>
+          </p:cNvSpPr>
+          <p:nvPr>
+            <p:ph idx="1"/>
+          </p:nvPr>
+        </p:nvSpPr>
+        <p:spPr/>
+        <p:txBody>
+          <a:bodyPr numCol="2"/>
+          <a:lstStyle/>
+          <a:p>
+            <a:r>
+              <a:rPr lang="en-US" dirty="0"/>
+              <a:t>Module Introduction</a:t>
+            </a:r>
+          </a:p>
+          <a:p>
+            <a:r>
+              <a:rPr lang="en-US" dirty="0"/>
+              <a:t>Why Should We use validation</a:t>
+            </a:r>
+          </a:p>
+          <a:p>
+            <a:r>
+              <a:rPr lang="en-US" dirty="0"/>
+              <a:t>How to validate input</a:t>
+            </a:r>
+          </a:p>
+          <a:p>
+            <a:r>
+              <a:rPr lang="en-US" dirty="0"/>
+              <a:t>Setup &amp; Basic Validation</a:t>
+            </a:r>
+          </a:p>
+          <a:p>
+            <a:r>
+              <a:rPr lang="en-US" dirty="0"/>
+              <a:t>Using validation Error Messages</a:t>
+            </a:r>
+          </a:p>
+          <a:p>
+            <a:r>
+              <a:rPr lang="en-US" dirty="0"/>
+              <a:t>Built-in &amp; Custom Validators</a:t>
+            </a:r>
+          </a:p>
+          <a:p>
+            <a:r>
+              <a:rPr lang="en-US" dirty="0"/>
+              <a:t>More validators</a:t>
+            </a:r>
+          </a:p>
+          <a:p>
+            <a:r>
+              <a:rPr lang="en-US" dirty="0"/>
+              <a:t>Checking for field equality</a:t>
+            </a:r>
+          </a:p>
+          <a:p>
+            <a:r>
+              <a:rPr lang="en-US" dirty="0"/>
+              <a:t>Adding Async Validation</a:t>
+            </a:r>
+          </a:p>
+        </p:txBody>
+      </p:sp>
+    </p:spTree>
+    <p:extLst>
+      <p:ext uri="{BB962C8B-B14F-4D97-AF65-F5344CB8AC3E}">
+        <p14:creationId xmlns:p14="http://schemas.microsoft.com/office/powerpoint/2010/main" val="2696288648"/>
       </p:ext>
     </p:extLst>
   </p:cSld>

--- a/Database.pptx
+++ b/Database.pptx
@@ -387,7 +387,7 @@
           <a:p>
             <a:fld id="{9F08AD8F-3C3D-4B63-978B-A283DF666F72}" type="datetimeFigureOut">
               <a:rPr lang="en-US" smtClean="0"/>
-              <a:t>6/21/2023</a:t>
+              <a:t>6/22/2023</a:t>
             </a:fld>
             <a:endParaRPr lang="en-US" dirty="0"/>
           </a:p>
@@ -585,7 +585,7 @@
           <a:p>
             <a:fld id="{9F08AD8F-3C3D-4B63-978B-A283DF666F72}" type="datetimeFigureOut">
               <a:rPr lang="en-US" smtClean="0"/>
-              <a:t>6/21/2023</a:t>
+              <a:t>6/22/2023</a:t>
             </a:fld>
             <a:endParaRPr lang="en-US" dirty="0"/>
           </a:p>
@@ -793,7 +793,7 @@
           <a:p>
             <a:fld id="{9F08AD8F-3C3D-4B63-978B-A283DF666F72}" type="datetimeFigureOut">
               <a:rPr lang="en-US" smtClean="0"/>
-              <a:t>6/21/2023</a:t>
+              <a:t>6/22/2023</a:t>
             </a:fld>
             <a:endParaRPr lang="en-US" dirty="0"/>
           </a:p>
@@ -991,7 +991,7 @@
           <a:p>
             <a:fld id="{9F08AD8F-3C3D-4B63-978B-A283DF666F72}" type="datetimeFigureOut">
               <a:rPr lang="en-US" smtClean="0"/>
-              <a:t>6/21/2023</a:t>
+              <a:t>6/22/2023</a:t>
             </a:fld>
             <a:endParaRPr lang="en-US" dirty="0"/>
           </a:p>
@@ -1266,7 +1266,7 @@
           <a:p>
             <a:fld id="{9F08AD8F-3C3D-4B63-978B-A283DF666F72}" type="datetimeFigureOut">
               <a:rPr lang="en-US" smtClean="0"/>
-              <a:t>6/21/2023</a:t>
+              <a:t>6/22/2023</a:t>
             </a:fld>
             <a:endParaRPr lang="en-US" dirty="0"/>
           </a:p>
@@ -1531,7 +1531,7 @@
           <a:p>
             <a:fld id="{9F08AD8F-3C3D-4B63-978B-A283DF666F72}" type="datetimeFigureOut">
               <a:rPr lang="en-US" smtClean="0"/>
-              <a:t>6/21/2023</a:t>
+              <a:t>6/22/2023</a:t>
             </a:fld>
             <a:endParaRPr lang="en-US" dirty="0"/>
           </a:p>
@@ -1943,7 +1943,7 @@
           <a:p>
             <a:fld id="{9F08AD8F-3C3D-4B63-978B-A283DF666F72}" type="datetimeFigureOut">
               <a:rPr lang="en-US" smtClean="0"/>
-              <a:t>6/21/2023</a:t>
+              <a:t>6/22/2023</a:t>
             </a:fld>
             <a:endParaRPr lang="en-US" dirty="0"/>
           </a:p>
@@ -2084,7 +2084,7 @@
           <a:p>
             <a:fld id="{9F08AD8F-3C3D-4B63-978B-A283DF666F72}" type="datetimeFigureOut">
               <a:rPr lang="en-US" smtClean="0"/>
-              <a:t>6/21/2023</a:t>
+              <a:t>6/22/2023</a:t>
             </a:fld>
             <a:endParaRPr lang="en-US" dirty="0"/>
           </a:p>
@@ -2197,7 +2197,7 @@
           <a:p>
             <a:fld id="{9F08AD8F-3C3D-4B63-978B-A283DF666F72}" type="datetimeFigureOut">
               <a:rPr lang="en-US" smtClean="0"/>
-              <a:t>6/21/2023</a:t>
+              <a:t>6/22/2023</a:t>
             </a:fld>
             <a:endParaRPr lang="en-US" dirty="0"/>
           </a:p>
@@ -2508,7 +2508,7 @@
           <a:p>
             <a:fld id="{9F08AD8F-3C3D-4B63-978B-A283DF666F72}" type="datetimeFigureOut">
               <a:rPr lang="en-US" smtClean="0"/>
-              <a:t>6/21/2023</a:t>
+              <a:t>6/22/2023</a:t>
             </a:fld>
             <a:endParaRPr lang="en-US" dirty="0"/>
           </a:p>
@@ -2796,7 +2796,7 @@
           <a:p>
             <a:fld id="{9F08AD8F-3C3D-4B63-978B-A283DF666F72}" type="datetimeFigureOut">
               <a:rPr lang="en-US" smtClean="0"/>
-              <a:t>6/21/2023</a:t>
+              <a:t>6/22/2023</a:t>
             </a:fld>
             <a:endParaRPr lang="en-US" dirty="0"/>
           </a:p>
@@ -3037,7 +3037,7 @@
           <a:p>
             <a:fld id="{9F08AD8F-3C3D-4B63-978B-A283DF666F72}" type="datetimeFigureOut">
               <a:rPr lang="en-US" smtClean="0"/>
-              <a:t>6/21/2023</a:t>
+              <a:t>6/22/2023</a:t>
             </a:fld>
             <a:endParaRPr lang="en-US" dirty="0"/>
           </a:p>
@@ -20063,6 +20063,36 @@
             <a:r>
               <a:rPr lang="en-US" dirty="0"/>
               <a:t>Adding Async Validation</a:t>
+            </a:r>
+          </a:p>
+          <a:p>
+            <a:r>
+              <a:rPr lang="en-US" dirty="0"/>
+              <a:t>Keeping User Input</a:t>
+            </a:r>
+          </a:p>
+          <a:p>
+            <a:r>
+              <a:rPr lang="en-US" dirty="0"/>
+              <a:t>Adding conditional CSS classes</a:t>
+            </a:r>
+          </a:p>
+          <a:p>
+            <a:r>
+              <a:rPr lang="en-US" dirty="0"/>
+              <a:t>Adding Validation to Login</a:t>
+            </a:r>
+          </a:p>
+          <a:p>
+            <a:r>
+              <a:rPr lang="en-US" dirty="0"/>
+              <a:t>Sanitizing Data</a:t>
+            </a:r>
+          </a:p>
+          <a:p>
+            <a:r>
+              <a:rPr lang="en-US" dirty="0"/>
+              <a:t>Validating Product Addition</a:t>
             </a:r>
           </a:p>
         </p:txBody>

--- a/Database.pptx
+++ b/Database.pptx
@@ -46,6 +46,9 @@
     <p:sldId id="295" r:id="rId40"/>
     <p:sldId id="296" r:id="rId41"/>
     <p:sldId id="297" r:id="rId42"/>
+    <p:sldId id="298" r:id="rId43"/>
+    <p:sldId id="299" r:id="rId44"/>
+    <p:sldId id="300" r:id="rId45"/>
   </p:sldIdLst>
   <p:sldSz cx="12192000" cy="6858000"/>
   <p:notesSz cx="6858000" cy="9144000"/>
@@ -387,7 +390,7 @@
           <a:p>
             <a:fld id="{9F08AD8F-3C3D-4B63-978B-A283DF666F72}" type="datetimeFigureOut">
               <a:rPr lang="en-US" smtClean="0"/>
-              <a:t>6/22/2023</a:t>
+              <a:t>6/26/2023</a:t>
             </a:fld>
             <a:endParaRPr lang="en-US" dirty="0"/>
           </a:p>
@@ -585,7 +588,7 @@
           <a:p>
             <a:fld id="{9F08AD8F-3C3D-4B63-978B-A283DF666F72}" type="datetimeFigureOut">
               <a:rPr lang="en-US" smtClean="0"/>
-              <a:t>6/22/2023</a:t>
+              <a:t>6/26/2023</a:t>
             </a:fld>
             <a:endParaRPr lang="en-US" dirty="0"/>
           </a:p>
@@ -793,7 +796,7 @@
           <a:p>
             <a:fld id="{9F08AD8F-3C3D-4B63-978B-A283DF666F72}" type="datetimeFigureOut">
               <a:rPr lang="en-US" smtClean="0"/>
-              <a:t>6/22/2023</a:t>
+              <a:t>6/26/2023</a:t>
             </a:fld>
             <a:endParaRPr lang="en-US" dirty="0"/>
           </a:p>
@@ -991,7 +994,7 @@
           <a:p>
             <a:fld id="{9F08AD8F-3C3D-4B63-978B-A283DF666F72}" type="datetimeFigureOut">
               <a:rPr lang="en-US" smtClean="0"/>
-              <a:t>6/22/2023</a:t>
+              <a:t>6/26/2023</a:t>
             </a:fld>
             <a:endParaRPr lang="en-US" dirty="0"/>
           </a:p>
@@ -1266,7 +1269,7 @@
           <a:p>
             <a:fld id="{9F08AD8F-3C3D-4B63-978B-A283DF666F72}" type="datetimeFigureOut">
               <a:rPr lang="en-US" smtClean="0"/>
-              <a:t>6/22/2023</a:t>
+              <a:t>6/26/2023</a:t>
             </a:fld>
             <a:endParaRPr lang="en-US" dirty="0"/>
           </a:p>
@@ -1531,7 +1534,7 @@
           <a:p>
             <a:fld id="{9F08AD8F-3C3D-4B63-978B-A283DF666F72}" type="datetimeFigureOut">
               <a:rPr lang="en-US" smtClean="0"/>
-              <a:t>6/22/2023</a:t>
+              <a:t>6/26/2023</a:t>
             </a:fld>
             <a:endParaRPr lang="en-US" dirty="0"/>
           </a:p>
@@ -1943,7 +1946,7 @@
           <a:p>
             <a:fld id="{9F08AD8F-3C3D-4B63-978B-A283DF666F72}" type="datetimeFigureOut">
               <a:rPr lang="en-US" smtClean="0"/>
-              <a:t>6/22/2023</a:t>
+              <a:t>6/26/2023</a:t>
             </a:fld>
             <a:endParaRPr lang="en-US" dirty="0"/>
           </a:p>
@@ -2084,7 +2087,7 @@
           <a:p>
             <a:fld id="{9F08AD8F-3C3D-4B63-978B-A283DF666F72}" type="datetimeFigureOut">
               <a:rPr lang="en-US" smtClean="0"/>
-              <a:t>6/22/2023</a:t>
+              <a:t>6/26/2023</a:t>
             </a:fld>
             <a:endParaRPr lang="en-US" dirty="0"/>
           </a:p>
@@ -2197,7 +2200,7 @@
           <a:p>
             <a:fld id="{9F08AD8F-3C3D-4B63-978B-A283DF666F72}" type="datetimeFigureOut">
               <a:rPr lang="en-US" smtClean="0"/>
-              <a:t>6/22/2023</a:t>
+              <a:t>6/26/2023</a:t>
             </a:fld>
             <a:endParaRPr lang="en-US" dirty="0"/>
           </a:p>
@@ -2508,7 +2511,7 @@
           <a:p>
             <a:fld id="{9F08AD8F-3C3D-4B63-978B-A283DF666F72}" type="datetimeFigureOut">
               <a:rPr lang="en-US" smtClean="0"/>
-              <a:t>6/22/2023</a:t>
+              <a:t>6/26/2023</a:t>
             </a:fld>
             <a:endParaRPr lang="en-US" dirty="0"/>
           </a:p>
@@ -2796,7 +2799,7 @@
           <a:p>
             <a:fld id="{9F08AD8F-3C3D-4B63-978B-A283DF666F72}" type="datetimeFigureOut">
               <a:rPr lang="en-US" smtClean="0"/>
-              <a:t>6/22/2023</a:t>
+              <a:t>6/26/2023</a:t>
             </a:fld>
             <a:endParaRPr lang="en-US" dirty="0"/>
           </a:p>
@@ -3037,7 +3040,7 @@
           <a:p>
             <a:fld id="{9F08AD8F-3C3D-4B63-978B-A283DF666F72}" type="datetimeFigureOut">
               <a:rPr lang="en-US" smtClean="0"/>
-              <a:t>6/22/2023</a:t>
+              <a:t>6/26/2023</a:t>
             </a:fld>
             <a:endParaRPr lang="en-US" dirty="0"/>
           </a:p>
@@ -20101,6 +20104,1896 @@
     <p:extLst>
       <p:ext uri="{BB962C8B-B14F-4D97-AF65-F5344CB8AC3E}">
         <p14:creationId xmlns:p14="http://schemas.microsoft.com/office/powerpoint/2010/main" val="2696288648"/>
+      </p:ext>
+    </p:extLst>
+  </p:cSld>
+  <p:clrMapOvr>
+    <a:masterClrMapping/>
+  </p:clrMapOvr>
+</p:sld>
+</file>
+
+<file path=ppt/slides/slide42.xml><?xml version="1.0" encoding="utf-8"?>
+<p:sld xmlns:a="http://schemas.openxmlformats.org/drawingml/2006/main" xmlns:r="http://schemas.openxmlformats.org/officeDocument/2006/relationships" xmlns:p="http://schemas.openxmlformats.org/presentationml/2006/main">
+  <p:cSld>
+    <p:spTree>
+      <p:nvGrpSpPr>
+        <p:cNvPr id="1" name=""/>
+        <p:cNvGrpSpPr/>
+        <p:nvPr/>
+      </p:nvGrpSpPr>
+      <p:grpSpPr>
+        <a:xfrm>
+          <a:off x="0" y="0"/>
+          <a:ext cx="0" cy="0"/>
+          <a:chOff x="0" y="0"/>
+          <a:chExt cx="0" cy="0"/>
+        </a:xfrm>
+      </p:grpSpPr>
+      <p:sp>
+        <p:nvSpPr>
+          <p:cNvPr id="2" name="Title 1">
+            <a:extLst>
+              <a:ext uri="{FF2B5EF4-FFF2-40B4-BE49-F238E27FC236}">
+                <a16:creationId xmlns:a16="http://schemas.microsoft.com/office/drawing/2014/main" id="{21397E5C-84FE-D107-189F-AE1511F16BB8}"/>
+              </a:ext>
+            </a:extLst>
+          </p:cNvPr>
+          <p:cNvSpPr>
+            <a:spLocks noGrp="1"/>
+          </p:cNvSpPr>
+          <p:nvPr>
+            <p:ph type="title"/>
+          </p:nvPr>
+        </p:nvSpPr>
+        <p:spPr>
+          <a:xfrm>
+            <a:off x="838200" y="365125"/>
+            <a:ext cx="10515600" cy="6325961"/>
+          </a:xfrm>
+        </p:spPr>
+        <p:txBody>
+          <a:bodyPr>
+            <a:normAutofit/>
+          </a:bodyPr>
+          <a:lstStyle/>
+          <a:p>
+            <a:r>
+              <a:rPr lang="en-US" sz="3600" dirty="0"/>
+              <a:t>Module Introduction Error Handling</a:t>
+            </a:r>
+            <a:br>
+              <a:rPr lang="en-US" sz="3600" dirty="0"/>
+            </a:br>
+            <a:r>
+              <a:rPr lang="en-US" sz="3600" dirty="0"/>
+              <a:t>Types of Errors &amp; Error Handling</a:t>
+            </a:r>
+            <a:br>
+              <a:rPr lang="en-US" sz="3600" dirty="0"/>
+            </a:br>
+            <a:r>
+              <a:rPr lang="en-US" sz="3600" dirty="0"/>
+              <a:t>Analyzing the Error Handling in the Current Project</a:t>
+            </a:r>
+            <a:br>
+              <a:rPr lang="en-US" sz="3600" dirty="0"/>
+            </a:br>
+            <a:r>
+              <a:rPr lang="en-US" sz="3600" dirty="0"/>
+              <a:t>Error – Some Theory</a:t>
+            </a:r>
+            <a:br>
+              <a:rPr lang="en-US" sz="3600" dirty="0"/>
+            </a:br>
+            <a:r>
+              <a:rPr lang="en-US" sz="3600" dirty="0"/>
+              <a:t>Throwing Error in Code</a:t>
+            </a:r>
+            <a:br>
+              <a:rPr lang="en-US" sz="3600" dirty="0"/>
+            </a:br>
+            <a:r>
+              <a:rPr lang="en-US" sz="3600" dirty="0"/>
+              <a:t>returning Error Pages</a:t>
+            </a:r>
+            <a:br>
+              <a:rPr lang="en-US" sz="3600" dirty="0"/>
+            </a:br>
+            <a:r>
+              <a:rPr lang="en-US" sz="3600" dirty="0"/>
+              <a:t>using the Express.js Error Handling Middleware</a:t>
+            </a:r>
+            <a:br>
+              <a:rPr lang="en-US" sz="3600" dirty="0"/>
+            </a:br>
+            <a:endParaRPr lang="en-US" sz="3600" dirty="0"/>
+          </a:p>
+        </p:txBody>
+      </p:sp>
+    </p:spTree>
+    <p:extLst>
+      <p:ext uri="{BB962C8B-B14F-4D97-AF65-F5344CB8AC3E}">
+        <p14:creationId xmlns:p14="http://schemas.microsoft.com/office/powerpoint/2010/main" val="3738793815"/>
+      </p:ext>
+    </p:extLst>
+  </p:cSld>
+  <p:clrMapOvr>
+    <a:masterClrMapping/>
+  </p:clrMapOvr>
+</p:sld>
+</file>
+
+<file path=ppt/slides/slide43.xml><?xml version="1.0" encoding="utf-8"?>
+<p:sld xmlns:a="http://schemas.openxmlformats.org/drawingml/2006/main" xmlns:r="http://schemas.openxmlformats.org/officeDocument/2006/relationships" xmlns:p="http://schemas.openxmlformats.org/presentationml/2006/main">
+  <p:cSld>
+    <p:spTree>
+      <p:nvGrpSpPr>
+        <p:cNvPr id="1" name=""/>
+        <p:cNvGrpSpPr/>
+        <p:nvPr/>
+      </p:nvGrpSpPr>
+      <p:grpSpPr>
+        <a:xfrm>
+          <a:off x="0" y="0"/>
+          <a:ext cx="0" cy="0"/>
+          <a:chOff x="0" y="0"/>
+          <a:chExt cx="0" cy="0"/>
+        </a:xfrm>
+      </p:grpSpPr>
+      <p:sp>
+        <p:nvSpPr>
+          <p:cNvPr id="2" name="Title 1">
+            <a:extLst>
+              <a:ext uri="{FF2B5EF4-FFF2-40B4-BE49-F238E27FC236}">
+                <a16:creationId xmlns:a16="http://schemas.microsoft.com/office/drawing/2014/main" id="{91B4779E-8BC6-FA9A-6820-B7DBB76E70B4}"/>
+              </a:ext>
+            </a:extLst>
+          </p:cNvPr>
+          <p:cNvSpPr>
+            <a:spLocks noGrp="1"/>
+          </p:cNvSpPr>
+          <p:nvPr>
+            <p:ph type="title"/>
+          </p:nvPr>
+        </p:nvSpPr>
+        <p:spPr/>
+        <p:txBody>
+          <a:bodyPr/>
+          <a:lstStyle/>
+          <a:p>
+            <a:r>
+              <a:rPr lang="en-US" dirty="0"/>
+              <a:t>Different Types of Errors</a:t>
+            </a:r>
+          </a:p>
+        </p:txBody>
+      </p:sp>
+      <p:sp>
+        <p:nvSpPr>
+          <p:cNvPr id="4" name="Rectangle 3">
+            <a:extLst>
+              <a:ext uri="{FF2B5EF4-FFF2-40B4-BE49-F238E27FC236}">
+                <a16:creationId xmlns:a16="http://schemas.microsoft.com/office/drawing/2014/main" id="{11873AA0-13FB-5AB9-D7DE-4724A13A49E1}"/>
+              </a:ext>
+            </a:extLst>
+          </p:cNvPr>
+          <p:cNvSpPr/>
+          <p:nvPr/>
+        </p:nvSpPr>
+        <p:spPr>
+          <a:xfrm>
+            <a:off x="653142" y="1690688"/>
+            <a:ext cx="3048001" cy="559026"/>
+          </a:xfrm>
+          <a:prstGeom prst="rect">
+            <a:avLst/>
+          </a:prstGeom>
+          <a:solidFill>
+            <a:schemeClr val="accent4">
+              <a:lumMod val="50000"/>
+            </a:schemeClr>
+          </a:solidFill>
+        </p:spPr>
+        <p:style>
+          <a:lnRef idx="2">
+            <a:schemeClr val="accent1">
+              <a:shade val="15000"/>
+            </a:schemeClr>
+          </a:lnRef>
+          <a:fillRef idx="1">
+            <a:schemeClr val="accent1"/>
+          </a:fillRef>
+          <a:effectRef idx="0">
+            <a:schemeClr val="accent1"/>
+          </a:effectRef>
+          <a:fontRef idx="minor">
+            <a:schemeClr val="lt1"/>
+          </a:fontRef>
+        </p:style>
+        <p:txBody>
+          <a:bodyPr rtlCol="0" anchor="ctr"/>
+          <a:lstStyle/>
+          <a:p>
+            <a:pPr algn="ctr"/>
+            <a:r>
+              <a:rPr lang="en-US" dirty="0"/>
+              <a:t>Technical/ Networks Errors</a:t>
+            </a:r>
+          </a:p>
+        </p:txBody>
+      </p:sp>
+      <p:sp>
+        <p:nvSpPr>
+          <p:cNvPr id="5" name="Rectangle 4">
+            <a:extLst>
+              <a:ext uri="{FF2B5EF4-FFF2-40B4-BE49-F238E27FC236}">
+                <a16:creationId xmlns:a16="http://schemas.microsoft.com/office/drawing/2014/main" id="{78879F18-8DD3-DA65-921D-3FC687FF780B}"/>
+              </a:ext>
+            </a:extLst>
+          </p:cNvPr>
+          <p:cNvSpPr/>
+          <p:nvPr/>
+        </p:nvSpPr>
+        <p:spPr>
+          <a:xfrm>
+            <a:off x="3940628" y="1690688"/>
+            <a:ext cx="3374572" cy="559026"/>
+          </a:xfrm>
+          <a:prstGeom prst="rect">
+            <a:avLst/>
+          </a:prstGeom>
+          <a:solidFill>
+            <a:schemeClr val="accent2">
+              <a:lumMod val="50000"/>
+            </a:schemeClr>
+          </a:solidFill>
+        </p:spPr>
+        <p:style>
+          <a:lnRef idx="2">
+            <a:schemeClr val="accent1">
+              <a:shade val="15000"/>
+            </a:schemeClr>
+          </a:lnRef>
+          <a:fillRef idx="1">
+            <a:schemeClr val="accent1"/>
+          </a:fillRef>
+          <a:effectRef idx="0">
+            <a:schemeClr val="accent1"/>
+          </a:effectRef>
+          <a:fontRef idx="minor">
+            <a:schemeClr val="lt1"/>
+          </a:fontRef>
+        </p:style>
+        <p:txBody>
+          <a:bodyPr rtlCol="0" anchor="ctr"/>
+          <a:lstStyle/>
+          <a:p>
+            <a:pPr algn="ctr"/>
+            <a:r>
+              <a:rPr lang="en-US" dirty="0"/>
+              <a:t>“Expected” Errors</a:t>
+            </a:r>
+          </a:p>
+        </p:txBody>
+      </p:sp>
+      <p:sp>
+        <p:nvSpPr>
+          <p:cNvPr id="6" name="Rectangle 5">
+            <a:extLst>
+              <a:ext uri="{FF2B5EF4-FFF2-40B4-BE49-F238E27FC236}">
+                <a16:creationId xmlns:a16="http://schemas.microsoft.com/office/drawing/2014/main" id="{A590B1CC-7C02-7F0A-3C01-BB111AD67374}"/>
+              </a:ext>
+            </a:extLst>
+          </p:cNvPr>
+          <p:cNvSpPr/>
+          <p:nvPr/>
+        </p:nvSpPr>
+        <p:spPr>
+          <a:xfrm>
+            <a:off x="7717972" y="1690688"/>
+            <a:ext cx="4310743" cy="559026"/>
+          </a:xfrm>
+          <a:prstGeom prst="rect">
+            <a:avLst/>
+          </a:prstGeom>
+          <a:solidFill>
+            <a:schemeClr val="accent6">
+              <a:lumMod val="50000"/>
+            </a:schemeClr>
+          </a:solidFill>
+        </p:spPr>
+        <p:style>
+          <a:lnRef idx="2">
+            <a:schemeClr val="accent1">
+              <a:shade val="15000"/>
+            </a:schemeClr>
+          </a:lnRef>
+          <a:fillRef idx="1">
+            <a:schemeClr val="accent1"/>
+          </a:fillRef>
+          <a:effectRef idx="0">
+            <a:schemeClr val="accent1"/>
+          </a:effectRef>
+          <a:fontRef idx="minor">
+            <a:schemeClr val="lt1"/>
+          </a:fontRef>
+        </p:style>
+        <p:txBody>
+          <a:bodyPr rtlCol="0" anchor="ctr"/>
+          <a:lstStyle/>
+          <a:p>
+            <a:pPr algn="ctr"/>
+            <a:r>
+              <a:rPr lang="en-US" dirty="0"/>
+              <a:t>Bugs/Logical Errors</a:t>
+            </a:r>
+          </a:p>
+        </p:txBody>
+      </p:sp>
+      <p:sp>
+        <p:nvSpPr>
+          <p:cNvPr id="7" name="Rectangle 6">
+            <a:extLst>
+              <a:ext uri="{FF2B5EF4-FFF2-40B4-BE49-F238E27FC236}">
+                <a16:creationId xmlns:a16="http://schemas.microsoft.com/office/drawing/2014/main" id="{5A07D947-550D-AD88-A418-926B942EB8CE}"/>
+              </a:ext>
+            </a:extLst>
+          </p:cNvPr>
+          <p:cNvSpPr/>
+          <p:nvPr/>
+        </p:nvSpPr>
+        <p:spPr>
+          <a:xfrm>
+            <a:off x="653141" y="2869974"/>
+            <a:ext cx="3048001" cy="559026"/>
+          </a:xfrm>
+          <a:prstGeom prst="rect">
+            <a:avLst/>
+          </a:prstGeom>
+          <a:solidFill>
+            <a:schemeClr val="accent4">
+              <a:lumMod val="75000"/>
+            </a:schemeClr>
+          </a:solidFill>
+        </p:spPr>
+        <p:style>
+          <a:lnRef idx="2">
+            <a:schemeClr val="accent1">
+              <a:shade val="15000"/>
+            </a:schemeClr>
+          </a:lnRef>
+          <a:fillRef idx="1">
+            <a:schemeClr val="accent1"/>
+          </a:fillRef>
+          <a:effectRef idx="0">
+            <a:schemeClr val="accent1"/>
+          </a:effectRef>
+          <a:fontRef idx="minor">
+            <a:schemeClr val="lt1"/>
+          </a:fontRef>
+        </p:style>
+        <p:txBody>
+          <a:bodyPr rtlCol="0" anchor="ctr"/>
+          <a:lstStyle/>
+          <a:p>
+            <a:pPr algn="ctr"/>
+            <a:r>
+              <a:rPr lang="en-US" dirty="0"/>
+              <a:t>e.g. MongoDB server is down.</a:t>
+            </a:r>
+          </a:p>
+        </p:txBody>
+      </p:sp>
+      <p:sp>
+        <p:nvSpPr>
+          <p:cNvPr id="8" name="Rectangle 7">
+            <a:extLst>
+              <a:ext uri="{FF2B5EF4-FFF2-40B4-BE49-F238E27FC236}">
+                <a16:creationId xmlns:a16="http://schemas.microsoft.com/office/drawing/2014/main" id="{3D8D17FB-3E40-6835-47FC-D12F78A66A33}"/>
+              </a:ext>
+            </a:extLst>
+          </p:cNvPr>
+          <p:cNvSpPr/>
+          <p:nvPr/>
+        </p:nvSpPr>
+        <p:spPr>
+          <a:xfrm>
+            <a:off x="653140" y="4328774"/>
+            <a:ext cx="3048001" cy="559026"/>
+          </a:xfrm>
+          <a:prstGeom prst="rect">
+            <a:avLst/>
+          </a:prstGeom>
+          <a:solidFill>
+            <a:schemeClr val="accent4">
+              <a:lumMod val="75000"/>
+            </a:schemeClr>
+          </a:solidFill>
+        </p:spPr>
+        <p:style>
+          <a:lnRef idx="2">
+            <a:schemeClr val="accent1">
+              <a:shade val="15000"/>
+            </a:schemeClr>
+          </a:lnRef>
+          <a:fillRef idx="1">
+            <a:schemeClr val="accent1"/>
+          </a:fillRef>
+          <a:effectRef idx="0">
+            <a:schemeClr val="accent1"/>
+          </a:effectRef>
+          <a:fontRef idx="minor">
+            <a:schemeClr val="lt1"/>
+          </a:fontRef>
+        </p:style>
+        <p:txBody>
+          <a:bodyPr rtlCol="0" anchor="ctr"/>
+          <a:lstStyle/>
+          <a:p>
+            <a:pPr algn="ctr"/>
+            <a:r>
+              <a:rPr lang="en-US" dirty="0"/>
+              <a:t>Show error page to user</a:t>
+            </a:r>
+          </a:p>
+        </p:txBody>
+      </p:sp>
+      <p:sp>
+        <p:nvSpPr>
+          <p:cNvPr id="9" name="Rectangle 8">
+            <a:extLst>
+              <a:ext uri="{FF2B5EF4-FFF2-40B4-BE49-F238E27FC236}">
+                <a16:creationId xmlns:a16="http://schemas.microsoft.com/office/drawing/2014/main" id="{2799A5E7-CBC5-41A3-69BD-52DC5F31831C}"/>
+              </a:ext>
+            </a:extLst>
+          </p:cNvPr>
+          <p:cNvSpPr/>
+          <p:nvPr/>
+        </p:nvSpPr>
+        <p:spPr>
+          <a:xfrm>
+            <a:off x="3940629" y="2869974"/>
+            <a:ext cx="3374572" cy="559026"/>
+          </a:xfrm>
+          <a:prstGeom prst="rect">
+            <a:avLst/>
+          </a:prstGeom>
+          <a:solidFill>
+            <a:schemeClr val="accent2">
+              <a:lumMod val="75000"/>
+            </a:schemeClr>
+          </a:solidFill>
+        </p:spPr>
+        <p:style>
+          <a:lnRef idx="2">
+            <a:schemeClr val="accent1">
+              <a:shade val="15000"/>
+            </a:schemeClr>
+          </a:lnRef>
+          <a:fillRef idx="1">
+            <a:schemeClr val="accent1"/>
+          </a:fillRef>
+          <a:effectRef idx="0">
+            <a:schemeClr val="accent1"/>
+          </a:effectRef>
+          <a:fontRef idx="minor">
+            <a:schemeClr val="lt1"/>
+          </a:fontRef>
+        </p:style>
+        <p:txBody>
+          <a:bodyPr rtlCol="0" anchor="ctr"/>
+          <a:lstStyle/>
+          <a:p>
+            <a:pPr algn="ctr"/>
+            <a:r>
+              <a:rPr lang="en-US" dirty="0"/>
+              <a:t>e.g. File can’t be read, database operation fails</a:t>
+            </a:r>
+          </a:p>
+        </p:txBody>
+      </p:sp>
+      <p:sp>
+        <p:nvSpPr>
+          <p:cNvPr id="10" name="Rectangle 9">
+            <a:extLst>
+              <a:ext uri="{FF2B5EF4-FFF2-40B4-BE49-F238E27FC236}">
+                <a16:creationId xmlns:a16="http://schemas.microsoft.com/office/drawing/2014/main" id="{62691C4F-A997-3EC1-EE0A-775812129CA2}"/>
+              </a:ext>
+            </a:extLst>
+          </p:cNvPr>
+          <p:cNvSpPr/>
+          <p:nvPr/>
+        </p:nvSpPr>
+        <p:spPr>
+          <a:xfrm>
+            <a:off x="3940628" y="4328774"/>
+            <a:ext cx="3374572" cy="559026"/>
+          </a:xfrm>
+          <a:prstGeom prst="rect">
+            <a:avLst/>
+          </a:prstGeom>
+          <a:solidFill>
+            <a:schemeClr val="accent2">
+              <a:lumMod val="75000"/>
+            </a:schemeClr>
+          </a:solidFill>
+        </p:spPr>
+        <p:style>
+          <a:lnRef idx="2">
+            <a:schemeClr val="accent1">
+              <a:shade val="15000"/>
+            </a:schemeClr>
+          </a:lnRef>
+          <a:fillRef idx="1">
+            <a:schemeClr val="accent1"/>
+          </a:fillRef>
+          <a:effectRef idx="0">
+            <a:schemeClr val="accent1"/>
+          </a:effectRef>
+          <a:fontRef idx="minor">
+            <a:schemeClr val="lt1"/>
+          </a:fontRef>
+        </p:style>
+        <p:txBody>
+          <a:bodyPr rtlCol="0" anchor="ctr"/>
+          <a:lstStyle/>
+          <a:p>
+            <a:pPr algn="ctr"/>
+            <a:r>
+              <a:rPr lang="en-US" dirty="0"/>
+              <a:t>Inform user, possibly retry</a:t>
+            </a:r>
+          </a:p>
+        </p:txBody>
+      </p:sp>
+      <p:sp>
+        <p:nvSpPr>
+          <p:cNvPr id="11" name="Rectangle 10">
+            <a:extLst>
+              <a:ext uri="{FF2B5EF4-FFF2-40B4-BE49-F238E27FC236}">
+                <a16:creationId xmlns:a16="http://schemas.microsoft.com/office/drawing/2014/main" id="{3483BD7F-7EE0-0195-AE9B-386B0BCD7663}"/>
+              </a:ext>
+            </a:extLst>
+          </p:cNvPr>
+          <p:cNvSpPr/>
+          <p:nvPr/>
+        </p:nvSpPr>
+        <p:spPr>
+          <a:xfrm>
+            <a:off x="7717972" y="2869974"/>
+            <a:ext cx="4310742" cy="559026"/>
+          </a:xfrm>
+          <a:prstGeom prst="rect">
+            <a:avLst/>
+          </a:prstGeom>
+          <a:solidFill>
+            <a:schemeClr val="accent6">
+              <a:lumMod val="75000"/>
+            </a:schemeClr>
+          </a:solidFill>
+        </p:spPr>
+        <p:style>
+          <a:lnRef idx="2">
+            <a:schemeClr val="accent1">
+              <a:shade val="15000"/>
+            </a:schemeClr>
+          </a:lnRef>
+          <a:fillRef idx="1">
+            <a:schemeClr val="accent1"/>
+          </a:fillRef>
+          <a:effectRef idx="0">
+            <a:schemeClr val="accent1"/>
+          </a:effectRef>
+          <a:fontRef idx="minor">
+            <a:schemeClr val="lt1"/>
+          </a:fontRef>
+        </p:style>
+        <p:txBody>
+          <a:bodyPr rtlCol="0" anchor="ctr"/>
+          <a:lstStyle/>
+          <a:p>
+            <a:pPr algn="ctr"/>
+            <a:r>
+              <a:rPr lang="en-US" dirty="0"/>
+              <a:t>e.g. User object used when it doesn’t exist</a:t>
+            </a:r>
+          </a:p>
+        </p:txBody>
+      </p:sp>
+      <p:sp>
+        <p:nvSpPr>
+          <p:cNvPr id="12" name="Rectangle 11">
+            <a:extLst>
+              <a:ext uri="{FF2B5EF4-FFF2-40B4-BE49-F238E27FC236}">
+                <a16:creationId xmlns:a16="http://schemas.microsoft.com/office/drawing/2014/main" id="{11AAB948-5201-46CE-F173-148A35E016F8}"/>
+              </a:ext>
+            </a:extLst>
+          </p:cNvPr>
+          <p:cNvSpPr/>
+          <p:nvPr/>
+        </p:nvSpPr>
+        <p:spPr>
+          <a:xfrm>
+            <a:off x="7717970" y="4328774"/>
+            <a:ext cx="4310741" cy="559026"/>
+          </a:xfrm>
+          <a:prstGeom prst="rect">
+            <a:avLst/>
+          </a:prstGeom>
+          <a:solidFill>
+            <a:schemeClr val="accent6">
+              <a:lumMod val="75000"/>
+            </a:schemeClr>
+          </a:solidFill>
+        </p:spPr>
+        <p:style>
+          <a:lnRef idx="2">
+            <a:schemeClr val="accent1">
+              <a:shade val="15000"/>
+            </a:schemeClr>
+          </a:lnRef>
+          <a:fillRef idx="1">
+            <a:schemeClr val="accent1"/>
+          </a:fillRef>
+          <a:effectRef idx="0">
+            <a:schemeClr val="accent1"/>
+          </a:effectRef>
+          <a:fontRef idx="minor">
+            <a:schemeClr val="lt1"/>
+          </a:fontRef>
+        </p:style>
+        <p:txBody>
+          <a:bodyPr rtlCol="0" anchor="ctr"/>
+          <a:lstStyle/>
+          <a:p>
+            <a:pPr algn="ctr"/>
+            <a:r>
+              <a:rPr lang="en-US" dirty="0"/>
+              <a:t>Fix during development !</a:t>
+            </a:r>
+          </a:p>
+        </p:txBody>
+      </p:sp>
+    </p:spTree>
+    <p:extLst>
+      <p:ext uri="{BB962C8B-B14F-4D97-AF65-F5344CB8AC3E}">
+        <p14:creationId xmlns:p14="http://schemas.microsoft.com/office/powerpoint/2010/main" val="2424636716"/>
+      </p:ext>
+    </p:extLst>
+  </p:cSld>
+  <p:clrMapOvr>
+    <a:masterClrMapping/>
+  </p:clrMapOvr>
+</p:sld>
+</file>
+
+<file path=ppt/slides/slide44.xml><?xml version="1.0" encoding="utf-8"?>
+<p:sld xmlns:a="http://schemas.openxmlformats.org/drawingml/2006/main" xmlns:r="http://schemas.openxmlformats.org/officeDocument/2006/relationships" xmlns:p="http://schemas.openxmlformats.org/presentationml/2006/main">
+  <p:cSld>
+    <p:spTree>
+      <p:nvGrpSpPr>
+        <p:cNvPr id="1" name=""/>
+        <p:cNvGrpSpPr/>
+        <p:nvPr/>
+      </p:nvGrpSpPr>
+      <p:grpSpPr>
+        <a:xfrm>
+          <a:off x="0" y="0"/>
+          <a:ext cx="0" cy="0"/>
+          <a:chOff x="0" y="0"/>
+          <a:chExt cx="0" cy="0"/>
+        </a:xfrm>
+      </p:grpSpPr>
+      <p:sp>
+        <p:nvSpPr>
+          <p:cNvPr id="2" name="Title 1">
+            <a:extLst>
+              <a:ext uri="{FF2B5EF4-FFF2-40B4-BE49-F238E27FC236}">
+                <a16:creationId xmlns:a16="http://schemas.microsoft.com/office/drawing/2014/main" id="{E19170C3-2D9F-1AFB-8447-E0B4B3F861DD}"/>
+              </a:ext>
+            </a:extLst>
+          </p:cNvPr>
+          <p:cNvSpPr>
+            <a:spLocks noGrp="1"/>
+          </p:cNvSpPr>
+          <p:nvPr>
+            <p:ph type="title"/>
+          </p:nvPr>
+        </p:nvSpPr>
+        <p:spPr>
+          <a:xfrm>
+            <a:off x="838200" y="365126"/>
+            <a:ext cx="6607629" cy="491218"/>
+          </a:xfrm>
+        </p:spPr>
+        <p:txBody>
+          <a:bodyPr>
+            <a:normAutofit fontScale="90000"/>
+          </a:bodyPr>
+          <a:lstStyle/>
+          <a:p>
+            <a:r>
+              <a:rPr lang="en-US" dirty="0"/>
+              <a:t>Working with Errors</a:t>
+            </a:r>
+          </a:p>
+        </p:txBody>
+      </p:sp>
+      <p:sp>
+        <p:nvSpPr>
+          <p:cNvPr id="4" name="Rectangle 3">
+            <a:extLst>
+              <a:ext uri="{FF2B5EF4-FFF2-40B4-BE49-F238E27FC236}">
+                <a16:creationId xmlns:a16="http://schemas.microsoft.com/office/drawing/2014/main" id="{E0E98419-3B9C-3186-3E96-1DF5D4C804E8}"/>
+              </a:ext>
+            </a:extLst>
+          </p:cNvPr>
+          <p:cNvSpPr/>
+          <p:nvPr/>
+        </p:nvSpPr>
+        <p:spPr>
+          <a:xfrm>
+            <a:off x="522514" y="1074057"/>
+            <a:ext cx="4659086" cy="609600"/>
+          </a:xfrm>
+          <a:prstGeom prst="rect">
+            <a:avLst/>
+          </a:prstGeom>
+        </p:spPr>
+        <p:style>
+          <a:lnRef idx="2">
+            <a:schemeClr val="accent1">
+              <a:shade val="15000"/>
+            </a:schemeClr>
+          </a:lnRef>
+          <a:fillRef idx="1">
+            <a:schemeClr val="accent1"/>
+          </a:fillRef>
+          <a:effectRef idx="0">
+            <a:schemeClr val="accent1"/>
+          </a:effectRef>
+          <a:fontRef idx="minor">
+            <a:schemeClr val="lt1"/>
+          </a:fontRef>
+        </p:style>
+        <p:txBody>
+          <a:bodyPr rtlCol="0" anchor="ctr"/>
+          <a:lstStyle/>
+          <a:p>
+            <a:pPr algn="ctr"/>
+            <a:r>
+              <a:rPr lang="en-US" dirty="0"/>
+              <a:t>Error is thrown</a:t>
+            </a:r>
+          </a:p>
+        </p:txBody>
+      </p:sp>
+      <p:sp>
+        <p:nvSpPr>
+          <p:cNvPr id="5" name="Rectangle 4">
+            <a:extLst>
+              <a:ext uri="{FF2B5EF4-FFF2-40B4-BE49-F238E27FC236}">
+                <a16:creationId xmlns:a16="http://schemas.microsoft.com/office/drawing/2014/main" id="{5E9FCFF1-605F-44FC-53FB-8C0AB7242582}"/>
+              </a:ext>
+            </a:extLst>
+          </p:cNvPr>
+          <p:cNvSpPr/>
+          <p:nvPr/>
+        </p:nvSpPr>
+        <p:spPr>
+          <a:xfrm>
+            <a:off x="6705600" y="1074057"/>
+            <a:ext cx="4659086" cy="609600"/>
+          </a:xfrm>
+          <a:prstGeom prst="rect">
+            <a:avLst/>
+          </a:prstGeom>
+        </p:spPr>
+        <p:style>
+          <a:lnRef idx="2">
+            <a:schemeClr val="accent1">
+              <a:shade val="15000"/>
+            </a:schemeClr>
+          </a:lnRef>
+          <a:fillRef idx="1">
+            <a:schemeClr val="accent1"/>
+          </a:fillRef>
+          <a:effectRef idx="0">
+            <a:schemeClr val="accent1"/>
+          </a:effectRef>
+          <a:fontRef idx="minor">
+            <a:schemeClr val="lt1"/>
+          </a:fontRef>
+        </p:style>
+        <p:txBody>
+          <a:bodyPr rtlCol="0" anchor="ctr"/>
+          <a:lstStyle/>
+          <a:p>
+            <a:pPr algn="ctr"/>
+            <a:r>
+              <a:rPr lang="en-US" dirty="0"/>
+              <a:t>No error is thrown</a:t>
+            </a:r>
+          </a:p>
+        </p:txBody>
+      </p:sp>
+      <p:sp>
+        <p:nvSpPr>
+          <p:cNvPr id="6" name="Rectangle 5">
+            <a:extLst>
+              <a:ext uri="{FF2B5EF4-FFF2-40B4-BE49-F238E27FC236}">
+                <a16:creationId xmlns:a16="http://schemas.microsoft.com/office/drawing/2014/main" id="{3F1A4DA8-A68C-4FFE-88B0-B52F6D08E3BF}"/>
+              </a:ext>
+            </a:extLst>
+          </p:cNvPr>
+          <p:cNvSpPr/>
+          <p:nvPr/>
+        </p:nvSpPr>
+        <p:spPr>
+          <a:xfrm>
+            <a:off x="391885" y="2380343"/>
+            <a:ext cx="2002971" cy="1306286"/>
+          </a:xfrm>
+          <a:prstGeom prst="rect">
+            <a:avLst/>
+          </a:prstGeom>
+        </p:spPr>
+        <p:style>
+          <a:lnRef idx="2">
+            <a:schemeClr val="accent1">
+              <a:shade val="15000"/>
+            </a:schemeClr>
+          </a:lnRef>
+          <a:fillRef idx="1">
+            <a:schemeClr val="accent1"/>
+          </a:fillRef>
+          <a:effectRef idx="0">
+            <a:schemeClr val="accent1"/>
+          </a:effectRef>
+          <a:fontRef idx="minor">
+            <a:schemeClr val="lt1"/>
+          </a:fontRef>
+        </p:style>
+        <p:txBody>
+          <a:bodyPr rtlCol="0" anchor="ctr"/>
+          <a:lstStyle/>
+          <a:p>
+            <a:pPr algn="ctr"/>
+            <a:r>
+              <a:rPr lang="en-US" dirty="0"/>
+              <a:t>Synchronous Code:</a:t>
+            </a:r>
+          </a:p>
+          <a:p>
+            <a:pPr algn="ctr"/>
+            <a:r>
+              <a:rPr lang="en-US" dirty="0"/>
+              <a:t>try-catch</a:t>
+            </a:r>
+          </a:p>
+        </p:txBody>
+      </p:sp>
+      <p:sp>
+        <p:nvSpPr>
+          <p:cNvPr id="7" name="Rectangle 6">
+            <a:extLst>
+              <a:ext uri="{FF2B5EF4-FFF2-40B4-BE49-F238E27FC236}">
+                <a16:creationId xmlns:a16="http://schemas.microsoft.com/office/drawing/2014/main" id="{D1BDE527-3845-230C-1408-9839AEBCA414}"/>
+              </a:ext>
+            </a:extLst>
+          </p:cNvPr>
+          <p:cNvSpPr/>
+          <p:nvPr/>
+        </p:nvSpPr>
+        <p:spPr>
+          <a:xfrm>
+            <a:off x="3526970" y="2380343"/>
+            <a:ext cx="2002971" cy="1306286"/>
+          </a:xfrm>
+          <a:prstGeom prst="rect">
+            <a:avLst/>
+          </a:prstGeom>
+        </p:spPr>
+        <p:style>
+          <a:lnRef idx="2">
+            <a:schemeClr val="accent1">
+              <a:shade val="15000"/>
+            </a:schemeClr>
+          </a:lnRef>
+          <a:fillRef idx="1">
+            <a:schemeClr val="accent1"/>
+          </a:fillRef>
+          <a:effectRef idx="0">
+            <a:schemeClr val="accent1"/>
+          </a:effectRef>
+          <a:fontRef idx="minor">
+            <a:schemeClr val="lt1"/>
+          </a:fontRef>
+        </p:style>
+        <p:txBody>
+          <a:bodyPr rtlCol="0" anchor="ctr"/>
+          <a:lstStyle/>
+          <a:p>
+            <a:pPr algn="ctr"/>
+            <a:r>
+              <a:rPr lang="en-US" dirty="0"/>
+              <a:t>Asynchronous Code:</a:t>
+            </a:r>
+          </a:p>
+          <a:p>
+            <a:pPr algn="ctr"/>
+            <a:r>
+              <a:rPr lang="en-US" dirty="0"/>
+              <a:t>then()-catch()</a:t>
+            </a:r>
+          </a:p>
+        </p:txBody>
+      </p:sp>
+      <p:cxnSp>
+        <p:nvCxnSpPr>
+          <p:cNvPr id="9" name="Connector: Elbow 8">
+            <a:extLst>
+              <a:ext uri="{FF2B5EF4-FFF2-40B4-BE49-F238E27FC236}">
+                <a16:creationId xmlns:a16="http://schemas.microsoft.com/office/drawing/2014/main" id="{6E778F1A-358A-B5C4-B952-DB04CA652DF8}"/>
+              </a:ext>
+            </a:extLst>
+          </p:cNvPr>
+          <p:cNvCxnSpPr>
+            <a:stCxn id="4" idx="2"/>
+            <a:endCxn id="6" idx="0"/>
+          </p:cNvCxnSpPr>
+          <p:nvPr/>
+        </p:nvCxnSpPr>
+        <p:spPr>
+          <a:xfrm rot="5400000">
+            <a:off x="1774371" y="1302657"/>
+            <a:ext cx="696686" cy="1458686"/>
+          </a:xfrm>
+          <a:prstGeom prst="bentConnector3">
+            <a:avLst/>
+          </a:prstGeom>
+          <a:ln>
+            <a:tailEnd type="triangle"/>
+          </a:ln>
+        </p:spPr>
+        <p:style>
+          <a:lnRef idx="1">
+            <a:schemeClr val="accent1"/>
+          </a:lnRef>
+          <a:fillRef idx="0">
+            <a:schemeClr val="accent1"/>
+          </a:fillRef>
+          <a:effectRef idx="0">
+            <a:schemeClr val="accent1"/>
+          </a:effectRef>
+          <a:fontRef idx="minor">
+            <a:schemeClr val="tx1"/>
+          </a:fontRef>
+        </p:style>
+      </p:cxnSp>
+      <p:cxnSp>
+        <p:nvCxnSpPr>
+          <p:cNvPr id="11" name="Connector: Elbow 10">
+            <a:extLst>
+              <a:ext uri="{FF2B5EF4-FFF2-40B4-BE49-F238E27FC236}">
+                <a16:creationId xmlns:a16="http://schemas.microsoft.com/office/drawing/2014/main" id="{DA39F5FF-BCF3-2A67-D6CD-AC5C1F44711C}"/>
+              </a:ext>
+            </a:extLst>
+          </p:cNvPr>
+          <p:cNvCxnSpPr>
+            <a:stCxn id="4" idx="2"/>
+            <a:endCxn id="7" idx="0"/>
+          </p:cNvCxnSpPr>
+          <p:nvPr/>
+        </p:nvCxnSpPr>
+        <p:spPr>
+          <a:xfrm rot="16200000" flipH="1">
+            <a:off x="3341913" y="1193800"/>
+            <a:ext cx="696686" cy="1676399"/>
+          </a:xfrm>
+          <a:prstGeom prst="bentConnector3">
+            <a:avLst/>
+          </a:prstGeom>
+          <a:ln>
+            <a:tailEnd type="triangle"/>
+          </a:ln>
+        </p:spPr>
+        <p:style>
+          <a:lnRef idx="1">
+            <a:schemeClr val="accent1"/>
+          </a:lnRef>
+          <a:fillRef idx="0">
+            <a:schemeClr val="accent1"/>
+          </a:fillRef>
+          <a:effectRef idx="0">
+            <a:schemeClr val="accent1"/>
+          </a:effectRef>
+          <a:fontRef idx="minor">
+            <a:schemeClr val="tx1"/>
+          </a:fontRef>
+        </p:style>
+      </p:cxnSp>
+      <p:sp>
+        <p:nvSpPr>
+          <p:cNvPr id="12" name="Rectangle 11">
+            <a:extLst>
+              <a:ext uri="{FF2B5EF4-FFF2-40B4-BE49-F238E27FC236}">
+                <a16:creationId xmlns:a16="http://schemas.microsoft.com/office/drawing/2014/main" id="{E18CB8BF-700E-4724-57D4-5EC39DC31D5D}"/>
+              </a:ext>
+            </a:extLst>
+          </p:cNvPr>
+          <p:cNvSpPr/>
+          <p:nvPr/>
+        </p:nvSpPr>
+        <p:spPr>
+          <a:xfrm>
+            <a:off x="391885" y="4078514"/>
+            <a:ext cx="5138056" cy="399144"/>
+          </a:xfrm>
+          <a:prstGeom prst="rect">
+            <a:avLst/>
+          </a:prstGeom>
+        </p:spPr>
+        <p:style>
+          <a:lnRef idx="2">
+            <a:schemeClr val="accent1">
+              <a:shade val="15000"/>
+            </a:schemeClr>
+          </a:lnRef>
+          <a:fillRef idx="1">
+            <a:schemeClr val="accent1"/>
+          </a:fillRef>
+          <a:effectRef idx="0">
+            <a:schemeClr val="accent1"/>
+          </a:effectRef>
+          <a:fontRef idx="minor">
+            <a:schemeClr val="lt1"/>
+          </a:fontRef>
+        </p:style>
+        <p:txBody>
+          <a:bodyPr rtlCol="0" anchor="ctr"/>
+          <a:lstStyle/>
+          <a:p>
+            <a:pPr algn="ctr"/>
+            <a:endParaRPr lang="en-US"/>
+          </a:p>
+        </p:txBody>
+      </p:sp>
+      <p:cxnSp>
+        <p:nvCxnSpPr>
+          <p:cNvPr id="14" name="Connector: Elbow 13">
+            <a:extLst>
+              <a:ext uri="{FF2B5EF4-FFF2-40B4-BE49-F238E27FC236}">
+                <a16:creationId xmlns:a16="http://schemas.microsoft.com/office/drawing/2014/main" id="{9021996C-ED45-FD47-8EB0-5BEC0191959A}"/>
+              </a:ext>
+            </a:extLst>
+          </p:cNvPr>
+          <p:cNvCxnSpPr>
+            <a:stCxn id="6" idx="2"/>
+            <a:endCxn id="12" idx="0"/>
+          </p:cNvCxnSpPr>
+          <p:nvPr/>
+        </p:nvCxnSpPr>
+        <p:spPr>
+          <a:xfrm rot="16200000" flipH="1">
+            <a:off x="1981200" y="3098800"/>
+            <a:ext cx="391885" cy="1567542"/>
+          </a:xfrm>
+          <a:prstGeom prst="bentConnector3">
+            <a:avLst/>
+          </a:prstGeom>
+          <a:ln>
+            <a:tailEnd type="triangle"/>
+          </a:ln>
+        </p:spPr>
+        <p:style>
+          <a:lnRef idx="1">
+            <a:schemeClr val="accent1"/>
+          </a:lnRef>
+          <a:fillRef idx="0">
+            <a:schemeClr val="accent1"/>
+          </a:fillRef>
+          <a:effectRef idx="0">
+            <a:schemeClr val="accent1"/>
+          </a:effectRef>
+          <a:fontRef idx="minor">
+            <a:schemeClr val="tx1"/>
+          </a:fontRef>
+        </p:style>
+      </p:cxnSp>
+      <p:cxnSp>
+        <p:nvCxnSpPr>
+          <p:cNvPr id="16" name="Connector: Elbow 15">
+            <a:extLst>
+              <a:ext uri="{FF2B5EF4-FFF2-40B4-BE49-F238E27FC236}">
+                <a16:creationId xmlns:a16="http://schemas.microsoft.com/office/drawing/2014/main" id="{3A6D5570-1769-F063-5891-2AD7E3A2AC8B}"/>
+              </a:ext>
+            </a:extLst>
+          </p:cNvPr>
+          <p:cNvCxnSpPr>
+            <a:stCxn id="7" idx="2"/>
+            <a:endCxn id="12" idx="0"/>
+          </p:cNvCxnSpPr>
+          <p:nvPr/>
+        </p:nvCxnSpPr>
+        <p:spPr>
+          <a:xfrm rot="5400000">
+            <a:off x="3548743" y="3098800"/>
+            <a:ext cx="391885" cy="1567543"/>
+          </a:xfrm>
+          <a:prstGeom prst="bentConnector3">
+            <a:avLst/>
+          </a:prstGeom>
+          <a:ln>
+            <a:tailEnd type="triangle"/>
+          </a:ln>
+        </p:spPr>
+        <p:style>
+          <a:lnRef idx="1">
+            <a:schemeClr val="accent1"/>
+          </a:lnRef>
+          <a:fillRef idx="0">
+            <a:schemeClr val="accent1"/>
+          </a:fillRef>
+          <a:effectRef idx="0">
+            <a:schemeClr val="accent1"/>
+          </a:effectRef>
+          <a:fontRef idx="minor">
+            <a:schemeClr val="tx1"/>
+          </a:fontRef>
+        </p:style>
+      </p:cxnSp>
+      <p:sp>
+        <p:nvSpPr>
+          <p:cNvPr id="17" name="Rectangle 16">
+            <a:extLst>
+              <a:ext uri="{FF2B5EF4-FFF2-40B4-BE49-F238E27FC236}">
+                <a16:creationId xmlns:a16="http://schemas.microsoft.com/office/drawing/2014/main" id="{C9E464BF-795A-B4C7-0634-DB1722ACD40B}"/>
+              </a:ext>
+            </a:extLst>
+          </p:cNvPr>
+          <p:cNvSpPr/>
+          <p:nvPr/>
+        </p:nvSpPr>
+        <p:spPr>
+          <a:xfrm>
+            <a:off x="522514" y="4862285"/>
+            <a:ext cx="1872342" cy="921657"/>
+          </a:xfrm>
+          <a:prstGeom prst="rect">
+            <a:avLst/>
+          </a:prstGeom>
+        </p:spPr>
+        <p:style>
+          <a:lnRef idx="2">
+            <a:schemeClr val="accent1">
+              <a:shade val="15000"/>
+            </a:schemeClr>
+          </a:lnRef>
+          <a:fillRef idx="1">
+            <a:schemeClr val="accent1"/>
+          </a:fillRef>
+          <a:effectRef idx="0">
+            <a:schemeClr val="accent1"/>
+          </a:effectRef>
+          <a:fontRef idx="minor">
+            <a:schemeClr val="lt1"/>
+          </a:fontRef>
+        </p:style>
+        <p:txBody>
+          <a:bodyPr rtlCol="0" anchor="ctr"/>
+          <a:lstStyle/>
+          <a:p>
+            <a:pPr algn="ctr"/>
+            <a:r>
+              <a:rPr lang="en-US" dirty="0"/>
+              <a:t>Directly Handle error</a:t>
+            </a:r>
+          </a:p>
+        </p:txBody>
+      </p:sp>
+      <p:sp>
+        <p:nvSpPr>
+          <p:cNvPr id="18" name="Rectangle 17">
+            <a:extLst>
+              <a:ext uri="{FF2B5EF4-FFF2-40B4-BE49-F238E27FC236}">
+                <a16:creationId xmlns:a16="http://schemas.microsoft.com/office/drawing/2014/main" id="{4FF8A6F3-9ECA-4B88-F5AC-EF7CDE5F812A}"/>
+              </a:ext>
+            </a:extLst>
+          </p:cNvPr>
+          <p:cNvSpPr/>
+          <p:nvPr/>
+        </p:nvSpPr>
+        <p:spPr>
+          <a:xfrm>
+            <a:off x="3309258" y="4862285"/>
+            <a:ext cx="1872342" cy="921657"/>
+          </a:xfrm>
+          <a:prstGeom prst="rect">
+            <a:avLst/>
+          </a:prstGeom>
+        </p:spPr>
+        <p:style>
+          <a:lnRef idx="2">
+            <a:schemeClr val="accent1">
+              <a:shade val="15000"/>
+            </a:schemeClr>
+          </a:lnRef>
+          <a:fillRef idx="1">
+            <a:schemeClr val="accent1"/>
+          </a:fillRef>
+          <a:effectRef idx="0">
+            <a:schemeClr val="accent1"/>
+          </a:effectRef>
+          <a:fontRef idx="minor">
+            <a:schemeClr val="lt1"/>
+          </a:fontRef>
+        </p:style>
+        <p:txBody>
+          <a:bodyPr rtlCol="0" anchor="ctr"/>
+          <a:lstStyle/>
+          <a:p>
+            <a:pPr algn="ctr"/>
+            <a:r>
+              <a:rPr lang="en-US" dirty="0"/>
+              <a:t>Use Express error handling function</a:t>
+            </a:r>
+          </a:p>
+        </p:txBody>
+      </p:sp>
+      <p:cxnSp>
+        <p:nvCxnSpPr>
+          <p:cNvPr id="20" name="Connector: Elbow 19">
+            <a:extLst>
+              <a:ext uri="{FF2B5EF4-FFF2-40B4-BE49-F238E27FC236}">
+                <a16:creationId xmlns:a16="http://schemas.microsoft.com/office/drawing/2014/main" id="{941FE203-1CF3-A5E8-CADF-88DA050848B3}"/>
+              </a:ext>
+            </a:extLst>
+          </p:cNvPr>
+          <p:cNvCxnSpPr>
+            <a:stCxn id="12" idx="2"/>
+            <a:endCxn id="17" idx="0"/>
+          </p:cNvCxnSpPr>
+          <p:nvPr/>
+        </p:nvCxnSpPr>
+        <p:spPr>
+          <a:xfrm rot="5400000">
+            <a:off x="2017486" y="3918857"/>
+            <a:ext cx="384627" cy="1502228"/>
+          </a:xfrm>
+          <a:prstGeom prst="bentConnector3">
+            <a:avLst/>
+          </a:prstGeom>
+          <a:ln>
+            <a:tailEnd type="triangle"/>
+          </a:ln>
+        </p:spPr>
+        <p:style>
+          <a:lnRef idx="1">
+            <a:schemeClr val="accent1"/>
+          </a:lnRef>
+          <a:fillRef idx="0">
+            <a:schemeClr val="accent1"/>
+          </a:fillRef>
+          <a:effectRef idx="0">
+            <a:schemeClr val="accent1"/>
+          </a:effectRef>
+          <a:fontRef idx="minor">
+            <a:schemeClr val="tx1"/>
+          </a:fontRef>
+        </p:style>
+      </p:cxnSp>
+      <p:cxnSp>
+        <p:nvCxnSpPr>
+          <p:cNvPr id="22" name="Connector: Elbow 21">
+            <a:extLst>
+              <a:ext uri="{FF2B5EF4-FFF2-40B4-BE49-F238E27FC236}">
+                <a16:creationId xmlns:a16="http://schemas.microsoft.com/office/drawing/2014/main" id="{99852737-FA08-CA78-6210-DC5048F435DA}"/>
+              </a:ext>
+            </a:extLst>
+          </p:cNvPr>
+          <p:cNvCxnSpPr>
+            <a:stCxn id="12" idx="2"/>
+            <a:endCxn id="18" idx="0"/>
+          </p:cNvCxnSpPr>
+          <p:nvPr/>
+        </p:nvCxnSpPr>
+        <p:spPr>
+          <a:xfrm rot="16200000" flipH="1">
+            <a:off x="3410858" y="4027713"/>
+            <a:ext cx="384627" cy="1284516"/>
+          </a:xfrm>
+          <a:prstGeom prst="bentConnector3">
+            <a:avLst/>
+          </a:prstGeom>
+          <a:ln>
+            <a:tailEnd type="triangle"/>
+          </a:ln>
+        </p:spPr>
+        <p:style>
+          <a:lnRef idx="1">
+            <a:schemeClr val="accent1"/>
+          </a:lnRef>
+          <a:fillRef idx="0">
+            <a:schemeClr val="accent1"/>
+          </a:fillRef>
+          <a:effectRef idx="0">
+            <a:schemeClr val="accent1"/>
+          </a:effectRef>
+          <a:fontRef idx="minor">
+            <a:schemeClr val="tx1"/>
+          </a:fontRef>
+        </p:style>
+      </p:cxnSp>
+      <p:sp>
+        <p:nvSpPr>
+          <p:cNvPr id="23" name="Rectangle 22">
+            <a:extLst>
+              <a:ext uri="{FF2B5EF4-FFF2-40B4-BE49-F238E27FC236}">
+                <a16:creationId xmlns:a16="http://schemas.microsoft.com/office/drawing/2014/main" id="{C87687BF-FF8F-3783-7C06-7EFAD1609DB3}"/>
+              </a:ext>
+            </a:extLst>
+          </p:cNvPr>
+          <p:cNvSpPr/>
+          <p:nvPr/>
+        </p:nvSpPr>
+        <p:spPr>
+          <a:xfrm>
+            <a:off x="7445829" y="2380343"/>
+            <a:ext cx="3178629" cy="1045029"/>
+          </a:xfrm>
+          <a:prstGeom prst="rect">
+            <a:avLst/>
+          </a:prstGeom>
+        </p:spPr>
+        <p:style>
+          <a:lnRef idx="2">
+            <a:schemeClr val="accent1">
+              <a:shade val="15000"/>
+            </a:schemeClr>
+          </a:lnRef>
+          <a:fillRef idx="1">
+            <a:schemeClr val="accent1"/>
+          </a:fillRef>
+          <a:effectRef idx="0">
+            <a:schemeClr val="accent1"/>
+          </a:effectRef>
+          <a:fontRef idx="minor">
+            <a:schemeClr val="lt1"/>
+          </a:fontRef>
+        </p:style>
+        <p:txBody>
+          <a:bodyPr rtlCol="0" anchor="ctr"/>
+          <a:lstStyle/>
+          <a:p>
+            <a:pPr algn="ctr"/>
+            <a:r>
+              <a:rPr lang="en-US" dirty="0"/>
+              <a:t>Validate values</a:t>
+            </a:r>
+          </a:p>
+        </p:txBody>
+      </p:sp>
+      <p:sp>
+        <p:nvSpPr>
+          <p:cNvPr id="26" name="Rectangle 25">
+            <a:extLst>
+              <a:ext uri="{FF2B5EF4-FFF2-40B4-BE49-F238E27FC236}">
+                <a16:creationId xmlns:a16="http://schemas.microsoft.com/office/drawing/2014/main" id="{B9D784E2-8688-D9F4-D51A-2D8C2F29694E}"/>
+              </a:ext>
+            </a:extLst>
+          </p:cNvPr>
+          <p:cNvSpPr/>
+          <p:nvPr/>
+        </p:nvSpPr>
+        <p:spPr>
+          <a:xfrm>
+            <a:off x="6705600" y="4122058"/>
+            <a:ext cx="5138056" cy="399144"/>
+          </a:xfrm>
+          <a:prstGeom prst="rect">
+            <a:avLst/>
+          </a:prstGeom>
+        </p:spPr>
+        <p:style>
+          <a:lnRef idx="2">
+            <a:schemeClr val="accent1">
+              <a:shade val="15000"/>
+            </a:schemeClr>
+          </a:lnRef>
+          <a:fillRef idx="1">
+            <a:schemeClr val="accent1"/>
+          </a:fillRef>
+          <a:effectRef idx="0">
+            <a:schemeClr val="accent1"/>
+          </a:effectRef>
+          <a:fontRef idx="minor">
+            <a:schemeClr val="lt1"/>
+          </a:fontRef>
+        </p:style>
+        <p:txBody>
+          <a:bodyPr rtlCol="0" anchor="ctr"/>
+          <a:lstStyle/>
+          <a:p>
+            <a:pPr algn="ctr"/>
+            <a:endParaRPr lang="en-US"/>
+          </a:p>
+        </p:txBody>
+      </p:sp>
+      <p:sp>
+        <p:nvSpPr>
+          <p:cNvPr id="27" name="Rectangle 26">
+            <a:extLst>
+              <a:ext uri="{FF2B5EF4-FFF2-40B4-BE49-F238E27FC236}">
+                <a16:creationId xmlns:a16="http://schemas.microsoft.com/office/drawing/2014/main" id="{ED6CE0C3-6F38-174C-4A87-90ECD1195B39}"/>
+              </a:ext>
+            </a:extLst>
+          </p:cNvPr>
+          <p:cNvSpPr/>
+          <p:nvPr/>
+        </p:nvSpPr>
+        <p:spPr>
+          <a:xfrm>
+            <a:off x="6836229" y="4905829"/>
+            <a:ext cx="1872342" cy="921657"/>
+          </a:xfrm>
+          <a:prstGeom prst="rect">
+            <a:avLst/>
+          </a:prstGeom>
+        </p:spPr>
+        <p:style>
+          <a:lnRef idx="2">
+            <a:schemeClr val="accent1">
+              <a:shade val="15000"/>
+            </a:schemeClr>
+          </a:lnRef>
+          <a:fillRef idx="1">
+            <a:schemeClr val="accent1"/>
+          </a:fillRef>
+          <a:effectRef idx="0">
+            <a:schemeClr val="accent1"/>
+          </a:effectRef>
+          <a:fontRef idx="minor">
+            <a:schemeClr val="lt1"/>
+          </a:fontRef>
+        </p:style>
+        <p:txBody>
+          <a:bodyPr rtlCol="0" anchor="ctr"/>
+          <a:lstStyle/>
+          <a:p>
+            <a:pPr algn="ctr"/>
+            <a:r>
+              <a:rPr lang="en-US" dirty="0"/>
+              <a:t>Throw error</a:t>
+            </a:r>
+          </a:p>
+        </p:txBody>
+      </p:sp>
+      <p:sp>
+        <p:nvSpPr>
+          <p:cNvPr id="28" name="Rectangle 27">
+            <a:extLst>
+              <a:ext uri="{FF2B5EF4-FFF2-40B4-BE49-F238E27FC236}">
+                <a16:creationId xmlns:a16="http://schemas.microsoft.com/office/drawing/2014/main" id="{71A715EB-059A-4F5B-5216-F31C6E0925DA}"/>
+              </a:ext>
+            </a:extLst>
+          </p:cNvPr>
+          <p:cNvSpPr/>
+          <p:nvPr/>
+        </p:nvSpPr>
+        <p:spPr>
+          <a:xfrm>
+            <a:off x="9622973" y="4905829"/>
+            <a:ext cx="1872342" cy="921657"/>
+          </a:xfrm>
+          <a:prstGeom prst="rect">
+            <a:avLst/>
+          </a:prstGeom>
+        </p:spPr>
+        <p:style>
+          <a:lnRef idx="2">
+            <a:schemeClr val="accent1">
+              <a:shade val="15000"/>
+            </a:schemeClr>
+          </a:lnRef>
+          <a:fillRef idx="1">
+            <a:schemeClr val="accent1"/>
+          </a:fillRef>
+          <a:effectRef idx="0">
+            <a:schemeClr val="accent1"/>
+          </a:effectRef>
+          <a:fontRef idx="minor">
+            <a:schemeClr val="lt1"/>
+          </a:fontRef>
+        </p:style>
+        <p:txBody>
+          <a:bodyPr rtlCol="0" anchor="ctr"/>
+          <a:lstStyle/>
+          <a:p>
+            <a:pPr algn="ctr"/>
+            <a:r>
+              <a:rPr lang="en-US" dirty="0"/>
+              <a:t>Directly handle “error”</a:t>
+            </a:r>
+          </a:p>
+        </p:txBody>
+      </p:sp>
+      <p:cxnSp>
+        <p:nvCxnSpPr>
+          <p:cNvPr id="29" name="Connector: Elbow 28">
+            <a:extLst>
+              <a:ext uri="{FF2B5EF4-FFF2-40B4-BE49-F238E27FC236}">
+                <a16:creationId xmlns:a16="http://schemas.microsoft.com/office/drawing/2014/main" id="{4F504BA6-3D3A-1890-76FC-DA0344382861}"/>
+              </a:ext>
+            </a:extLst>
+          </p:cNvPr>
+          <p:cNvCxnSpPr>
+            <a:stCxn id="26" idx="2"/>
+            <a:endCxn id="27" idx="0"/>
+          </p:cNvCxnSpPr>
+          <p:nvPr/>
+        </p:nvCxnSpPr>
+        <p:spPr>
+          <a:xfrm rot="5400000">
+            <a:off x="8331201" y="3962401"/>
+            <a:ext cx="384627" cy="1502228"/>
+          </a:xfrm>
+          <a:prstGeom prst="bentConnector3">
+            <a:avLst/>
+          </a:prstGeom>
+          <a:ln>
+            <a:tailEnd type="triangle"/>
+          </a:ln>
+        </p:spPr>
+        <p:style>
+          <a:lnRef idx="1">
+            <a:schemeClr val="accent1"/>
+          </a:lnRef>
+          <a:fillRef idx="0">
+            <a:schemeClr val="accent1"/>
+          </a:fillRef>
+          <a:effectRef idx="0">
+            <a:schemeClr val="accent1"/>
+          </a:effectRef>
+          <a:fontRef idx="minor">
+            <a:schemeClr val="tx1"/>
+          </a:fontRef>
+        </p:style>
+      </p:cxnSp>
+      <p:cxnSp>
+        <p:nvCxnSpPr>
+          <p:cNvPr id="30" name="Connector: Elbow 29">
+            <a:extLst>
+              <a:ext uri="{FF2B5EF4-FFF2-40B4-BE49-F238E27FC236}">
+                <a16:creationId xmlns:a16="http://schemas.microsoft.com/office/drawing/2014/main" id="{BF67A397-198E-DADD-BDFA-D7CE67A41DED}"/>
+              </a:ext>
+            </a:extLst>
+          </p:cNvPr>
+          <p:cNvCxnSpPr>
+            <a:stCxn id="26" idx="2"/>
+            <a:endCxn id="28" idx="0"/>
+          </p:cNvCxnSpPr>
+          <p:nvPr/>
+        </p:nvCxnSpPr>
+        <p:spPr>
+          <a:xfrm rot="16200000" flipH="1">
+            <a:off x="9724573" y="4071257"/>
+            <a:ext cx="384627" cy="1284516"/>
+          </a:xfrm>
+          <a:prstGeom prst="bentConnector3">
+            <a:avLst/>
+          </a:prstGeom>
+          <a:ln>
+            <a:tailEnd type="triangle"/>
+          </a:ln>
+        </p:spPr>
+        <p:style>
+          <a:lnRef idx="1">
+            <a:schemeClr val="accent1"/>
+          </a:lnRef>
+          <a:fillRef idx="0">
+            <a:schemeClr val="accent1"/>
+          </a:fillRef>
+          <a:effectRef idx="0">
+            <a:schemeClr val="accent1"/>
+          </a:effectRef>
+          <a:fontRef idx="minor">
+            <a:schemeClr val="tx1"/>
+          </a:fontRef>
+        </p:style>
+      </p:cxnSp>
+      <p:cxnSp>
+        <p:nvCxnSpPr>
+          <p:cNvPr id="32" name="Connector: Elbow 31">
+            <a:extLst>
+              <a:ext uri="{FF2B5EF4-FFF2-40B4-BE49-F238E27FC236}">
+                <a16:creationId xmlns:a16="http://schemas.microsoft.com/office/drawing/2014/main" id="{92331A2E-4A65-782D-FFFC-DD6B5D40D918}"/>
+              </a:ext>
+            </a:extLst>
+          </p:cNvPr>
+          <p:cNvCxnSpPr>
+            <a:stCxn id="5" idx="2"/>
+            <a:endCxn id="23" idx="0"/>
+          </p:cNvCxnSpPr>
+          <p:nvPr/>
+        </p:nvCxnSpPr>
+        <p:spPr>
+          <a:xfrm rot="16200000" flipH="1">
+            <a:off x="8686800" y="2031999"/>
+            <a:ext cx="696686" cy="1"/>
+          </a:xfrm>
+          <a:prstGeom prst="bentConnector3">
+            <a:avLst/>
+          </a:prstGeom>
+          <a:ln>
+            <a:tailEnd type="triangle"/>
+          </a:ln>
+        </p:spPr>
+        <p:style>
+          <a:lnRef idx="1">
+            <a:schemeClr val="accent1"/>
+          </a:lnRef>
+          <a:fillRef idx="0">
+            <a:schemeClr val="accent1"/>
+          </a:fillRef>
+          <a:effectRef idx="0">
+            <a:schemeClr val="accent1"/>
+          </a:effectRef>
+          <a:fontRef idx="minor">
+            <a:schemeClr val="tx1"/>
+          </a:fontRef>
+        </p:style>
+      </p:cxnSp>
+      <p:cxnSp>
+        <p:nvCxnSpPr>
+          <p:cNvPr id="34" name="Connector: Elbow 33">
+            <a:extLst>
+              <a:ext uri="{FF2B5EF4-FFF2-40B4-BE49-F238E27FC236}">
+                <a16:creationId xmlns:a16="http://schemas.microsoft.com/office/drawing/2014/main" id="{126D8E36-141F-9E17-6518-619DA264E406}"/>
+              </a:ext>
+            </a:extLst>
+          </p:cNvPr>
+          <p:cNvCxnSpPr>
+            <a:cxnSpLocks/>
+            <a:stCxn id="23" idx="2"/>
+            <a:endCxn id="26" idx="0"/>
+          </p:cNvCxnSpPr>
+          <p:nvPr/>
+        </p:nvCxnSpPr>
+        <p:spPr>
+          <a:xfrm rot="16200000" flipH="1">
+            <a:off x="8806543" y="3653973"/>
+            <a:ext cx="696686" cy="239484"/>
+          </a:xfrm>
+          <a:prstGeom prst="bentConnector3">
+            <a:avLst/>
+          </a:prstGeom>
+          <a:ln>
+            <a:tailEnd type="triangle"/>
+          </a:ln>
+        </p:spPr>
+        <p:style>
+          <a:lnRef idx="1">
+            <a:schemeClr val="accent1"/>
+          </a:lnRef>
+          <a:fillRef idx="0">
+            <a:schemeClr val="accent1"/>
+          </a:fillRef>
+          <a:effectRef idx="0">
+            <a:schemeClr val="accent1"/>
+          </a:effectRef>
+          <a:fontRef idx="minor">
+            <a:schemeClr val="tx1"/>
+          </a:fontRef>
+        </p:style>
+      </p:cxnSp>
+      <p:sp>
+        <p:nvSpPr>
+          <p:cNvPr id="36" name="Rectangle 35">
+            <a:extLst>
+              <a:ext uri="{FF2B5EF4-FFF2-40B4-BE49-F238E27FC236}">
+                <a16:creationId xmlns:a16="http://schemas.microsoft.com/office/drawing/2014/main" id="{599B6A97-16A2-53C2-3566-251CF869E8DB}"/>
+              </a:ext>
+            </a:extLst>
+          </p:cNvPr>
+          <p:cNvSpPr/>
+          <p:nvPr/>
+        </p:nvSpPr>
+        <p:spPr>
+          <a:xfrm>
+            <a:off x="391885" y="6081486"/>
+            <a:ext cx="11451771" cy="609600"/>
+          </a:xfrm>
+          <a:prstGeom prst="rect">
+            <a:avLst/>
+          </a:prstGeom>
+          <a:solidFill>
+            <a:schemeClr val="accent4">
+              <a:lumMod val="60000"/>
+              <a:lumOff val="40000"/>
+            </a:schemeClr>
+          </a:solidFill>
+          <a:ln w="28575">
+            <a:prstDash val="dash"/>
+          </a:ln>
+        </p:spPr>
+        <p:style>
+          <a:lnRef idx="2">
+            <a:schemeClr val="accent1">
+              <a:shade val="15000"/>
+            </a:schemeClr>
+          </a:lnRef>
+          <a:fillRef idx="1">
+            <a:schemeClr val="accent1"/>
+          </a:fillRef>
+          <a:effectRef idx="0">
+            <a:schemeClr val="accent1"/>
+          </a:effectRef>
+          <a:fontRef idx="minor">
+            <a:schemeClr val="lt1"/>
+          </a:fontRef>
+        </p:style>
+        <p:txBody>
+          <a:bodyPr rtlCol="0" anchor="ctr"/>
+          <a:lstStyle/>
+          <a:p>
+            <a:pPr algn="ctr"/>
+            <a:endParaRPr lang="en-US"/>
+          </a:p>
+        </p:txBody>
+      </p:sp>
+      <p:sp>
+        <p:nvSpPr>
+          <p:cNvPr id="37" name="Rectangle 36">
+            <a:extLst>
+              <a:ext uri="{FF2B5EF4-FFF2-40B4-BE49-F238E27FC236}">
+                <a16:creationId xmlns:a16="http://schemas.microsoft.com/office/drawing/2014/main" id="{2668FA61-A2B1-CA38-6EB7-0DBF72F36D99}"/>
+              </a:ext>
+            </a:extLst>
+          </p:cNvPr>
+          <p:cNvSpPr/>
+          <p:nvPr/>
+        </p:nvSpPr>
+        <p:spPr>
+          <a:xfrm>
+            <a:off x="751114" y="6146800"/>
+            <a:ext cx="3037116" cy="478972"/>
+          </a:xfrm>
+          <a:prstGeom prst="rect">
+            <a:avLst/>
+          </a:prstGeom>
+        </p:spPr>
+        <p:style>
+          <a:lnRef idx="2">
+            <a:schemeClr val="accent1">
+              <a:shade val="15000"/>
+            </a:schemeClr>
+          </a:lnRef>
+          <a:fillRef idx="1">
+            <a:schemeClr val="accent1"/>
+          </a:fillRef>
+          <a:effectRef idx="0">
+            <a:schemeClr val="accent1"/>
+          </a:effectRef>
+          <a:fontRef idx="minor">
+            <a:schemeClr val="lt1"/>
+          </a:fontRef>
+        </p:style>
+        <p:txBody>
+          <a:bodyPr rtlCol="0" anchor="ctr"/>
+          <a:lstStyle/>
+          <a:p>
+            <a:pPr algn="ctr"/>
+            <a:r>
+              <a:rPr lang="en-US" dirty="0"/>
+              <a:t>Error Page (e.g. 500 page)</a:t>
+            </a:r>
+          </a:p>
+        </p:txBody>
+      </p:sp>
+      <p:sp>
+        <p:nvSpPr>
+          <p:cNvPr id="38" name="Rectangle 37">
+            <a:extLst>
+              <a:ext uri="{FF2B5EF4-FFF2-40B4-BE49-F238E27FC236}">
+                <a16:creationId xmlns:a16="http://schemas.microsoft.com/office/drawing/2014/main" id="{68384210-E883-49C0-DB84-46292A9CAB76}"/>
+              </a:ext>
+            </a:extLst>
+          </p:cNvPr>
+          <p:cNvSpPr/>
+          <p:nvPr/>
+        </p:nvSpPr>
+        <p:spPr>
+          <a:xfrm>
+            <a:off x="4441370" y="6173561"/>
+            <a:ext cx="3352799" cy="478972"/>
+          </a:xfrm>
+          <a:prstGeom prst="rect">
+            <a:avLst/>
+          </a:prstGeom>
+        </p:spPr>
+        <p:style>
+          <a:lnRef idx="2">
+            <a:schemeClr val="accent1">
+              <a:shade val="15000"/>
+            </a:schemeClr>
+          </a:lnRef>
+          <a:fillRef idx="1">
+            <a:schemeClr val="accent1"/>
+          </a:fillRef>
+          <a:effectRef idx="0">
+            <a:schemeClr val="accent1"/>
+          </a:effectRef>
+          <a:fontRef idx="minor">
+            <a:schemeClr val="lt1"/>
+          </a:fontRef>
+        </p:style>
+        <p:txBody>
+          <a:bodyPr rtlCol="0" anchor="ctr"/>
+          <a:lstStyle/>
+          <a:p>
+            <a:pPr algn="ctr"/>
+            <a:r>
+              <a:rPr lang="en-US" dirty="0"/>
+              <a:t>Intended Page/ Response with error information</a:t>
+            </a:r>
+          </a:p>
+        </p:txBody>
+      </p:sp>
+      <p:sp>
+        <p:nvSpPr>
+          <p:cNvPr id="39" name="Rectangle 38">
+            <a:extLst>
+              <a:ext uri="{FF2B5EF4-FFF2-40B4-BE49-F238E27FC236}">
+                <a16:creationId xmlns:a16="http://schemas.microsoft.com/office/drawing/2014/main" id="{3901542C-D8C1-F2AE-33D0-C0349B26B21B}"/>
+              </a:ext>
+            </a:extLst>
+          </p:cNvPr>
+          <p:cNvSpPr/>
+          <p:nvPr/>
+        </p:nvSpPr>
+        <p:spPr>
+          <a:xfrm>
+            <a:off x="8240486" y="6173562"/>
+            <a:ext cx="3352799" cy="478972"/>
+          </a:xfrm>
+          <a:prstGeom prst="rect">
+            <a:avLst/>
+          </a:prstGeom>
+        </p:spPr>
+        <p:style>
+          <a:lnRef idx="2">
+            <a:schemeClr val="accent1">
+              <a:shade val="15000"/>
+            </a:schemeClr>
+          </a:lnRef>
+          <a:fillRef idx="1">
+            <a:schemeClr val="accent1"/>
+          </a:fillRef>
+          <a:effectRef idx="0">
+            <a:schemeClr val="accent1"/>
+          </a:effectRef>
+          <a:fontRef idx="minor">
+            <a:schemeClr val="lt1"/>
+          </a:fontRef>
+        </p:style>
+        <p:txBody>
+          <a:bodyPr rtlCol="0" anchor="ctr"/>
+          <a:lstStyle/>
+          <a:p>
+            <a:pPr algn="ctr"/>
+            <a:r>
+              <a:rPr lang="en-US" dirty="0"/>
+              <a:t>Redirect</a:t>
+            </a:r>
+          </a:p>
+        </p:txBody>
+      </p:sp>
+    </p:spTree>
+    <p:extLst>
+      <p:ext uri="{BB962C8B-B14F-4D97-AF65-F5344CB8AC3E}">
+        <p14:creationId xmlns:p14="http://schemas.microsoft.com/office/powerpoint/2010/main" val="780626604"/>
       </p:ext>
     </p:extLst>
   </p:cSld>

--- a/Database.pptx
+++ b/Database.pptx
@@ -49,6 +49,9 @@
     <p:sldId id="298" r:id="rId43"/>
     <p:sldId id="299" r:id="rId44"/>
     <p:sldId id="300" r:id="rId45"/>
+    <p:sldId id="301" r:id="rId46"/>
+    <p:sldId id="302" r:id="rId47"/>
+    <p:sldId id="303" r:id="rId48"/>
   </p:sldIdLst>
   <p:sldSz cx="12192000" cy="6858000"/>
   <p:notesSz cx="6858000" cy="9144000"/>
@@ -390,7 +393,7 @@
           <a:p>
             <a:fld id="{9F08AD8F-3C3D-4B63-978B-A283DF666F72}" type="datetimeFigureOut">
               <a:rPr lang="en-US" smtClean="0"/>
-              <a:t>6/26/2023</a:t>
+              <a:t>6/29/2023</a:t>
             </a:fld>
             <a:endParaRPr lang="en-US" dirty="0"/>
           </a:p>
@@ -588,7 +591,7 @@
           <a:p>
             <a:fld id="{9F08AD8F-3C3D-4B63-978B-A283DF666F72}" type="datetimeFigureOut">
               <a:rPr lang="en-US" smtClean="0"/>
-              <a:t>6/26/2023</a:t>
+              <a:t>6/29/2023</a:t>
             </a:fld>
             <a:endParaRPr lang="en-US" dirty="0"/>
           </a:p>
@@ -796,7 +799,7 @@
           <a:p>
             <a:fld id="{9F08AD8F-3C3D-4B63-978B-A283DF666F72}" type="datetimeFigureOut">
               <a:rPr lang="en-US" smtClean="0"/>
-              <a:t>6/26/2023</a:t>
+              <a:t>6/29/2023</a:t>
             </a:fld>
             <a:endParaRPr lang="en-US" dirty="0"/>
           </a:p>
@@ -994,7 +997,7 @@
           <a:p>
             <a:fld id="{9F08AD8F-3C3D-4B63-978B-A283DF666F72}" type="datetimeFigureOut">
               <a:rPr lang="en-US" smtClean="0"/>
-              <a:t>6/26/2023</a:t>
+              <a:t>6/29/2023</a:t>
             </a:fld>
             <a:endParaRPr lang="en-US" dirty="0"/>
           </a:p>
@@ -1269,7 +1272,7 @@
           <a:p>
             <a:fld id="{9F08AD8F-3C3D-4B63-978B-A283DF666F72}" type="datetimeFigureOut">
               <a:rPr lang="en-US" smtClean="0"/>
-              <a:t>6/26/2023</a:t>
+              <a:t>6/29/2023</a:t>
             </a:fld>
             <a:endParaRPr lang="en-US" dirty="0"/>
           </a:p>
@@ -1534,7 +1537,7 @@
           <a:p>
             <a:fld id="{9F08AD8F-3C3D-4B63-978B-A283DF666F72}" type="datetimeFigureOut">
               <a:rPr lang="en-US" smtClean="0"/>
-              <a:t>6/26/2023</a:t>
+              <a:t>6/29/2023</a:t>
             </a:fld>
             <a:endParaRPr lang="en-US" dirty="0"/>
           </a:p>
@@ -1946,7 +1949,7 @@
           <a:p>
             <a:fld id="{9F08AD8F-3C3D-4B63-978B-A283DF666F72}" type="datetimeFigureOut">
               <a:rPr lang="en-US" smtClean="0"/>
-              <a:t>6/26/2023</a:t>
+              <a:t>6/29/2023</a:t>
             </a:fld>
             <a:endParaRPr lang="en-US" dirty="0"/>
           </a:p>
@@ -2087,7 +2090,7 @@
           <a:p>
             <a:fld id="{9F08AD8F-3C3D-4B63-978B-A283DF666F72}" type="datetimeFigureOut">
               <a:rPr lang="en-US" smtClean="0"/>
-              <a:t>6/26/2023</a:t>
+              <a:t>6/29/2023</a:t>
             </a:fld>
             <a:endParaRPr lang="en-US" dirty="0"/>
           </a:p>
@@ -2200,7 +2203,7 @@
           <a:p>
             <a:fld id="{9F08AD8F-3C3D-4B63-978B-A283DF666F72}" type="datetimeFigureOut">
               <a:rPr lang="en-US" smtClean="0"/>
-              <a:t>6/26/2023</a:t>
+              <a:t>6/29/2023</a:t>
             </a:fld>
             <a:endParaRPr lang="en-US" dirty="0"/>
           </a:p>
@@ -2511,7 +2514,7 @@
           <a:p>
             <a:fld id="{9F08AD8F-3C3D-4B63-978B-A283DF666F72}" type="datetimeFigureOut">
               <a:rPr lang="en-US" smtClean="0"/>
-              <a:t>6/26/2023</a:t>
+              <a:t>6/29/2023</a:t>
             </a:fld>
             <a:endParaRPr lang="en-US" dirty="0"/>
           </a:p>
@@ -2799,7 +2802,7 @@
           <a:p>
             <a:fld id="{9F08AD8F-3C3D-4B63-978B-A283DF666F72}" type="datetimeFigureOut">
               <a:rPr lang="en-US" smtClean="0"/>
-              <a:t>6/26/2023</a:t>
+              <a:t>6/29/2023</a:t>
             </a:fld>
             <a:endParaRPr lang="en-US" dirty="0"/>
           </a:p>
@@ -3040,7 +3043,7 @@
           <a:p>
             <a:fld id="{9F08AD8F-3C3D-4B63-978B-A283DF666F72}" type="datetimeFigureOut">
               <a:rPr lang="en-US" smtClean="0"/>
-              <a:t>6/26/2023</a:t>
+              <a:t>6/29/2023</a:t>
             </a:fld>
             <a:endParaRPr lang="en-US" dirty="0"/>
           </a:p>
@@ -21994,6 +21997,1756 @@
     <p:extLst>
       <p:ext uri="{BB962C8B-B14F-4D97-AF65-F5344CB8AC3E}">
         <p14:creationId xmlns:p14="http://schemas.microsoft.com/office/powerpoint/2010/main" val="780626604"/>
+      </p:ext>
+    </p:extLst>
+  </p:cSld>
+  <p:clrMapOvr>
+    <a:masterClrMapping/>
+  </p:clrMapOvr>
+</p:sld>
+</file>
+
+<file path=ppt/slides/slide45.xml><?xml version="1.0" encoding="utf-8"?>
+<p:sld xmlns:a="http://schemas.openxmlformats.org/drawingml/2006/main" xmlns:r="http://schemas.openxmlformats.org/officeDocument/2006/relationships" xmlns:p="http://schemas.openxmlformats.org/presentationml/2006/main">
+  <p:cSld>
+    <p:spTree>
+      <p:nvGrpSpPr>
+        <p:cNvPr id="1" name=""/>
+        <p:cNvGrpSpPr/>
+        <p:nvPr/>
+      </p:nvGrpSpPr>
+      <p:grpSpPr>
+        <a:xfrm>
+          <a:off x="0" y="0"/>
+          <a:ext cx="0" cy="0"/>
+          <a:chOff x="0" y="0"/>
+          <a:chExt cx="0" cy="0"/>
+        </a:xfrm>
+      </p:grpSpPr>
+      <p:sp>
+        <p:nvSpPr>
+          <p:cNvPr id="2" name="Title 1">
+            <a:extLst>
+              <a:ext uri="{FF2B5EF4-FFF2-40B4-BE49-F238E27FC236}">
+                <a16:creationId xmlns:a16="http://schemas.microsoft.com/office/drawing/2014/main" id="{3F4FDC49-3CC9-3AC0-387D-78A1C24445A0}"/>
+              </a:ext>
+            </a:extLst>
+          </p:cNvPr>
+          <p:cNvSpPr>
+            <a:spLocks noGrp="1"/>
+          </p:cNvSpPr>
+          <p:nvPr>
+            <p:ph type="title"/>
+          </p:nvPr>
+        </p:nvSpPr>
+        <p:spPr>
+          <a:xfrm>
+            <a:off x="838200" y="365126"/>
+            <a:ext cx="7043057" cy="186418"/>
+          </a:xfrm>
+        </p:spPr>
+        <p:txBody>
+          <a:bodyPr>
+            <a:normAutofit fontScale="90000"/>
+          </a:bodyPr>
+          <a:lstStyle/>
+          <a:p>
+            <a:r>
+              <a:rPr lang="en-US" dirty="0"/>
+              <a:t>Errors&amp; Http Response Codes</a:t>
+            </a:r>
+          </a:p>
+        </p:txBody>
+      </p:sp>
+      <p:sp>
+        <p:nvSpPr>
+          <p:cNvPr id="4" name="Rectangle 3">
+            <a:extLst>
+              <a:ext uri="{FF2B5EF4-FFF2-40B4-BE49-F238E27FC236}">
+                <a16:creationId xmlns:a16="http://schemas.microsoft.com/office/drawing/2014/main" id="{7864BD75-997A-1EAA-F0EC-6910A946450E}"/>
+              </a:ext>
+            </a:extLst>
+          </p:cNvPr>
+          <p:cNvSpPr/>
+          <p:nvPr/>
+        </p:nvSpPr>
+        <p:spPr>
+          <a:xfrm>
+            <a:off x="435429" y="1030515"/>
+            <a:ext cx="2481942" cy="696686"/>
+          </a:xfrm>
+          <a:prstGeom prst="rect">
+            <a:avLst/>
+          </a:prstGeom>
+          <a:solidFill>
+            <a:schemeClr val="accent2">
+              <a:lumMod val="60000"/>
+              <a:lumOff val="40000"/>
+            </a:schemeClr>
+          </a:solidFill>
+        </p:spPr>
+        <p:style>
+          <a:lnRef idx="1">
+            <a:schemeClr val="accent1"/>
+          </a:lnRef>
+          <a:fillRef idx="2">
+            <a:schemeClr val="accent1"/>
+          </a:fillRef>
+          <a:effectRef idx="1">
+            <a:schemeClr val="accent1"/>
+          </a:effectRef>
+          <a:fontRef idx="minor">
+            <a:schemeClr val="dk1"/>
+          </a:fontRef>
+        </p:style>
+        <p:txBody>
+          <a:bodyPr rtlCol="0" anchor="ctr"/>
+          <a:lstStyle/>
+          <a:p>
+            <a:pPr algn="ctr"/>
+            <a:r>
+              <a:rPr lang="en-US" dirty="0"/>
+              <a:t>2xx(Success)</a:t>
+            </a:r>
+          </a:p>
+        </p:txBody>
+      </p:sp>
+      <p:sp>
+        <p:nvSpPr>
+          <p:cNvPr id="5" name="Rectangle 4">
+            <a:extLst>
+              <a:ext uri="{FF2B5EF4-FFF2-40B4-BE49-F238E27FC236}">
+                <a16:creationId xmlns:a16="http://schemas.microsoft.com/office/drawing/2014/main" id="{4C373D89-7708-FFF9-C3E6-EE4313ECD662}"/>
+              </a:ext>
+            </a:extLst>
+          </p:cNvPr>
+          <p:cNvSpPr/>
+          <p:nvPr/>
+        </p:nvSpPr>
+        <p:spPr>
+          <a:xfrm>
+            <a:off x="435429" y="1988456"/>
+            <a:ext cx="2481942" cy="696686"/>
+          </a:xfrm>
+          <a:prstGeom prst="rect">
+            <a:avLst/>
+          </a:prstGeom>
+          <a:solidFill>
+            <a:schemeClr val="accent2">
+              <a:lumMod val="60000"/>
+              <a:lumOff val="40000"/>
+            </a:schemeClr>
+          </a:solidFill>
+        </p:spPr>
+        <p:style>
+          <a:lnRef idx="3">
+            <a:schemeClr val="lt1"/>
+          </a:lnRef>
+          <a:fillRef idx="1">
+            <a:schemeClr val="accent1"/>
+          </a:fillRef>
+          <a:effectRef idx="1">
+            <a:schemeClr val="accent1"/>
+          </a:effectRef>
+          <a:fontRef idx="minor">
+            <a:schemeClr val="lt1"/>
+          </a:fontRef>
+        </p:style>
+        <p:txBody>
+          <a:bodyPr rtlCol="0" anchor="ctr"/>
+          <a:lstStyle/>
+          <a:p>
+            <a:pPr algn="ctr"/>
+            <a:r>
+              <a:rPr lang="en-US" dirty="0">
+                <a:ln w="0"/>
+                <a:solidFill>
+                  <a:schemeClr val="tx1"/>
+                </a:solidFill>
+                <a:effectLst>
+                  <a:outerShdw blurRad="38100" dist="19050" dir="2700000" algn="tl" rotWithShape="0">
+                    <a:schemeClr val="dk1">
+                      <a:alpha val="40000"/>
+                    </a:schemeClr>
+                  </a:outerShdw>
+                </a:effectLst>
+              </a:rPr>
+              <a:t>3xx(Redirect)</a:t>
+            </a:r>
+          </a:p>
+        </p:txBody>
+      </p:sp>
+      <p:sp>
+        <p:nvSpPr>
+          <p:cNvPr id="6" name="Rectangle 5">
+            <a:extLst>
+              <a:ext uri="{FF2B5EF4-FFF2-40B4-BE49-F238E27FC236}">
+                <a16:creationId xmlns:a16="http://schemas.microsoft.com/office/drawing/2014/main" id="{4E2E1571-C057-7A85-7AC6-1E376CC98811}"/>
+              </a:ext>
+            </a:extLst>
+          </p:cNvPr>
+          <p:cNvSpPr/>
+          <p:nvPr/>
+        </p:nvSpPr>
+        <p:spPr>
+          <a:xfrm>
+            <a:off x="435429" y="2775856"/>
+            <a:ext cx="2481942" cy="696686"/>
+          </a:xfrm>
+          <a:prstGeom prst="rect">
+            <a:avLst/>
+          </a:prstGeom>
+          <a:solidFill>
+            <a:schemeClr val="accent2">
+              <a:lumMod val="60000"/>
+              <a:lumOff val="40000"/>
+            </a:schemeClr>
+          </a:solidFill>
+        </p:spPr>
+        <p:style>
+          <a:lnRef idx="2">
+            <a:schemeClr val="accent1">
+              <a:shade val="15000"/>
+            </a:schemeClr>
+          </a:lnRef>
+          <a:fillRef idx="1">
+            <a:schemeClr val="accent1"/>
+          </a:fillRef>
+          <a:effectRef idx="0">
+            <a:schemeClr val="accent1"/>
+          </a:effectRef>
+          <a:fontRef idx="minor">
+            <a:schemeClr val="lt1"/>
+          </a:fontRef>
+        </p:style>
+        <p:txBody>
+          <a:bodyPr rtlCol="0" anchor="ctr"/>
+          <a:lstStyle/>
+          <a:p>
+            <a:pPr algn="ctr"/>
+            <a:r>
+              <a:rPr lang="en-US" dirty="0">
+                <a:ln w="0"/>
+                <a:solidFill>
+                  <a:schemeClr val="tx1"/>
+                </a:solidFill>
+                <a:effectLst>
+                  <a:outerShdw blurRad="38100" dist="19050" dir="2700000" algn="tl" rotWithShape="0">
+                    <a:schemeClr val="dk1">
+                      <a:alpha val="40000"/>
+                    </a:schemeClr>
+                  </a:outerShdw>
+                </a:effectLst>
+              </a:rPr>
+              <a:t>4xx(Client-side error)</a:t>
+            </a:r>
+          </a:p>
+        </p:txBody>
+      </p:sp>
+      <p:sp>
+        <p:nvSpPr>
+          <p:cNvPr id="7" name="Rectangle 6">
+            <a:extLst>
+              <a:ext uri="{FF2B5EF4-FFF2-40B4-BE49-F238E27FC236}">
+                <a16:creationId xmlns:a16="http://schemas.microsoft.com/office/drawing/2014/main" id="{6EE473A5-D680-304B-9BB0-1CCDA63137AD}"/>
+              </a:ext>
+            </a:extLst>
+          </p:cNvPr>
+          <p:cNvSpPr/>
+          <p:nvPr/>
+        </p:nvSpPr>
+        <p:spPr>
+          <a:xfrm>
+            <a:off x="435429" y="5130793"/>
+            <a:ext cx="2481942" cy="696686"/>
+          </a:xfrm>
+          <a:prstGeom prst="rect">
+            <a:avLst/>
+          </a:prstGeom>
+          <a:solidFill>
+            <a:schemeClr val="accent2">
+              <a:lumMod val="60000"/>
+              <a:lumOff val="40000"/>
+            </a:schemeClr>
+          </a:solidFill>
+        </p:spPr>
+        <p:style>
+          <a:lnRef idx="2">
+            <a:schemeClr val="accent1">
+              <a:shade val="15000"/>
+            </a:schemeClr>
+          </a:lnRef>
+          <a:fillRef idx="1">
+            <a:schemeClr val="accent1"/>
+          </a:fillRef>
+          <a:effectRef idx="0">
+            <a:schemeClr val="accent1"/>
+          </a:effectRef>
+          <a:fontRef idx="minor">
+            <a:schemeClr val="lt1"/>
+          </a:fontRef>
+        </p:style>
+        <p:txBody>
+          <a:bodyPr rtlCol="0" anchor="ctr"/>
+          <a:lstStyle/>
+          <a:p>
+            <a:pPr algn="ctr"/>
+            <a:r>
+              <a:rPr lang="en-US" dirty="0">
+                <a:ln w="0"/>
+                <a:solidFill>
+                  <a:schemeClr val="tx1"/>
+                </a:solidFill>
+                <a:effectLst>
+                  <a:outerShdw blurRad="38100" dist="19050" dir="2700000" algn="tl" rotWithShape="0">
+                    <a:schemeClr val="dk1">
+                      <a:alpha val="40000"/>
+                    </a:schemeClr>
+                  </a:outerShdw>
+                </a:effectLst>
+              </a:rPr>
+              <a:t>5xx(Server-side error)</a:t>
+            </a:r>
+          </a:p>
+        </p:txBody>
+      </p:sp>
+      <p:sp>
+        <p:nvSpPr>
+          <p:cNvPr id="8" name="Rectangle 7">
+            <a:extLst>
+              <a:ext uri="{FF2B5EF4-FFF2-40B4-BE49-F238E27FC236}">
+                <a16:creationId xmlns:a16="http://schemas.microsoft.com/office/drawing/2014/main" id="{DE132A80-7991-AB89-6172-5CA0059C52C6}"/>
+              </a:ext>
+            </a:extLst>
+          </p:cNvPr>
+          <p:cNvSpPr/>
+          <p:nvPr/>
+        </p:nvSpPr>
+        <p:spPr>
+          <a:xfrm>
+            <a:off x="3657601" y="1030515"/>
+            <a:ext cx="1828799" cy="304801"/>
+          </a:xfrm>
+          <a:prstGeom prst="rect">
+            <a:avLst/>
+          </a:prstGeom>
+          <a:solidFill>
+            <a:schemeClr val="accent2">
+              <a:lumMod val="60000"/>
+              <a:lumOff val="40000"/>
+            </a:schemeClr>
+          </a:solidFill>
+        </p:spPr>
+        <p:style>
+          <a:lnRef idx="1">
+            <a:schemeClr val="accent1"/>
+          </a:lnRef>
+          <a:fillRef idx="2">
+            <a:schemeClr val="accent1"/>
+          </a:fillRef>
+          <a:effectRef idx="1">
+            <a:schemeClr val="accent1"/>
+          </a:effectRef>
+          <a:fontRef idx="minor">
+            <a:schemeClr val="dk1"/>
+          </a:fontRef>
+        </p:style>
+        <p:txBody>
+          <a:bodyPr rtlCol="0" anchor="ctr"/>
+          <a:lstStyle/>
+          <a:p>
+            <a:pPr algn="ctr"/>
+            <a:r>
+              <a:rPr lang="en-US" dirty="0"/>
+              <a:t>200</a:t>
+            </a:r>
+          </a:p>
+        </p:txBody>
+      </p:sp>
+      <p:sp>
+        <p:nvSpPr>
+          <p:cNvPr id="9" name="Rectangle 8">
+            <a:extLst>
+              <a:ext uri="{FF2B5EF4-FFF2-40B4-BE49-F238E27FC236}">
+                <a16:creationId xmlns:a16="http://schemas.microsoft.com/office/drawing/2014/main" id="{E4F1CCB7-CBE5-3449-E1D8-E2141E2EF7E9}"/>
+              </a:ext>
+            </a:extLst>
+          </p:cNvPr>
+          <p:cNvSpPr/>
+          <p:nvPr/>
+        </p:nvSpPr>
+        <p:spPr>
+          <a:xfrm>
+            <a:off x="3657600" y="1531256"/>
+            <a:ext cx="1828799" cy="304801"/>
+          </a:xfrm>
+          <a:prstGeom prst="rect">
+            <a:avLst/>
+          </a:prstGeom>
+          <a:solidFill>
+            <a:schemeClr val="accent2">
+              <a:lumMod val="60000"/>
+              <a:lumOff val="40000"/>
+            </a:schemeClr>
+          </a:solidFill>
+        </p:spPr>
+        <p:style>
+          <a:lnRef idx="1">
+            <a:schemeClr val="accent1"/>
+          </a:lnRef>
+          <a:fillRef idx="2">
+            <a:schemeClr val="accent1"/>
+          </a:fillRef>
+          <a:effectRef idx="1">
+            <a:schemeClr val="accent1"/>
+          </a:effectRef>
+          <a:fontRef idx="minor">
+            <a:schemeClr val="dk1"/>
+          </a:fontRef>
+        </p:style>
+        <p:txBody>
+          <a:bodyPr rtlCol="0" anchor="ctr"/>
+          <a:lstStyle/>
+          <a:p>
+            <a:pPr algn="ctr"/>
+            <a:r>
+              <a:rPr lang="en-US" dirty="0"/>
+              <a:t>201</a:t>
+            </a:r>
+          </a:p>
+        </p:txBody>
+      </p:sp>
+      <p:sp>
+        <p:nvSpPr>
+          <p:cNvPr id="10" name="Rectangle 9">
+            <a:extLst>
+              <a:ext uri="{FF2B5EF4-FFF2-40B4-BE49-F238E27FC236}">
+                <a16:creationId xmlns:a16="http://schemas.microsoft.com/office/drawing/2014/main" id="{834168D7-CAB7-70C8-6345-C0B5246E0CE1}"/>
+              </a:ext>
+            </a:extLst>
+          </p:cNvPr>
+          <p:cNvSpPr/>
+          <p:nvPr/>
+        </p:nvSpPr>
+        <p:spPr>
+          <a:xfrm>
+            <a:off x="3657600" y="2031997"/>
+            <a:ext cx="1828799" cy="304801"/>
+          </a:xfrm>
+          <a:prstGeom prst="rect">
+            <a:avLst/>
+          </a:prstGeom>
+          <a:solidFill>
+            <a:schemeClr val="accent2">
+              <a:lumMod val="60000"/>
+              <a:lumOff val="40000"/>
+            </a:schemeClr>
+          </a:solidFill>
+        </p:spPr>
+        <p:style>
+          <a:lnRef idx="1">
+            <a:schemeClr val="accent1"/>
+          </a:lnRef>
+          <a:fillRef idx="2">
+            <a:schemeClr val="accent1"/>
+          </a:fillRef>
+          <a:effectRef idx="1">
+            <a:schemeClr val="accent1"/>
+          </a:effectRef>
+          <a:fontRef idx="minor">
+            <a:schemeClr val="dk1"/>
+          </a:fontRef>
+        </p:style>
+        <p:txBody>
+          <a:bodyPr rtlCol="0" anchor="ctr"/>
+          <a:lstStyle/>
+          <a:p>
+            <a:pPr algn="ctr"/>
+            <a:r>
+              <a:rPr lang="en-US" dirty="0"/>
+              <a:t>301</a:t>
+            </a:r>
+          </a:p>
+        </p:txBody>
+      </p:sp>
+      <p:sp>
+        <p:nvSpPr>
+          <p:cNvPr id="11" name="Rectangle 10">
+            <a:extLst>
+              <a:ext uri="{FF2B5EF4-FFF2-40B4-BE49-F238E27FC236}">
+                <a16:creationId xmlns:a16="http://schemas.microsoft.com/office/drawing/2014/main" id="{D28901F0-3F5A-8467-726A-D0378E56BDF4}"/>
+              </a:ext>
+            </a:extLst>
+          </p:cNvPr>
+          <p:cNvSpPr/>
+          <p:nvPr/>
+        </p:nvSpPr>
+        <p:spPr>
+          <a:xfrm>
+            <a:off x="3657599" y="2815769"/>
+            <a:ext cx="1828799" cy="304801"/>
+          </a:xfrm>
+          <a:prstGeom prst="rect">
+            <a:avLst/>
+          </a:prstGeom>
+          <a:solidFill>
+            <a:schemeClr val="accent2">
+              <a:lumMod val="60000"/>
+              <a:lumOff val="40000"/>
+            </a:schemeClr>
+          </a:solidFill>
+        </p:spPr>
+        <p:style>
+          <a:lnRef idx="1">
+            <a:schemeClr val="accent1"/>
+          </a:lnRef>
+          <a:fillRef idx="2">
+            <a:schemeClr val="accent1"/>
+          </a:fillRef>
+          <a:effectRef idx="1">
+            <a:schemeClr val="accent1"/>
+          </a:effectRef>
+          <a:fontRef idx="minor">
+            <a:schemeClr val="dk1"/>
+          </a:fontRef>
+        </p:style>
+        <p:txBody>
+          <a:bodyPr rtlCol="0" anchor="ctr"/>
+          <a:lstStyle/>
+          <a:p>
+            <a:pPr algn="ctr"/>
+            <a:r>
+              <a:rPr lang="en-US" dirty="0"/>
+              <a:t>401</a:t>
+            </a:r>
+          </a:p>
+        </p:txBody>
+      </p:sp>
+      <p:sp>
+        <p:nvSpPr>
+          <p:cNvPr id="13" name="Rectangle 12">
+            <a:extLst>
+              <a:ext uri="{FF2B5EF4-FFF2-40B4-BE49-F238E27FC236}">
+                <a16:creationId xmlns:a16="http://schemas.microsoft.com/office/drawing/2014/main" id="{18E1172A-0D93-5E91-354F-0275B1AC5A2A}"/>
+              </a:ext>
+            </a:extLst>
+          </p:cNvPr>
+          <p:cNvSpPr/>
+          <p:nvPr/>
+        </p:nvSpPr>
+        <p:spPr>
+          <a:xfrm>
+            <a:off x="3657596" y="3389086"/>
+            <a:ext cx="1828799" cy="304801"/>
+          </a:xfrm>
+          <a:prstGeom prst="rect">
+            <a:avLst/>
+          </a:prstGeom>
+          <a:solidFill>
+            <a:schemeClr val="accent2">
+              <a:lumMod val="60000"/>
+              <a:lumOff val="40000"/>
+            </a:schemeClr>
+          </a:solidFill>
+        </p:spPr>
+        <p:style>
+          <a:lnRef idx="1">
+            <a:schemeClr val="accent1"/>
+          </a:lnRef>
+          <a:fillRef idx="2">
+            <a:schemeClr val="accent1"/>
+          </a:fillRef>
+          <a:effectRef idx="1">
+            <a:schemeClr val="accent1"/>
+          </a:effectRef>
+          <a:fontRef idx="minor">
+            <a:schemeClr val="dk1"/>
+          </a:fontRef>
+        </p:style>
+        <p:txBody>
+          <a:bodyPr rtlCol="0" anchor="ctr"/>
+          <a:lstStyle/>
+          <a:p>
+            <a:pPr algn="ctr"/>
+            <a:r>
+              <a:rPr lang="en-US" dirty="0"/>
+              <a:t>403</a:t>
+            </a:r>
+          </a:p>
+        </p:txBody>
+      </p:sp>
+      <p:sp>
+        <p:nvSpPr>
+          <p:cNvPr id="14" name="Rectangle 13">
+            <a:extLst>
+              <a:ext uri="{FF2B5EF4-FFF2-40B4-BE49-F238E27FC236}">
+                <a16:creationId xmlns:a16="http://schemas.microsoft.com/office/drawing/2014/main" id="{426EF581-0B8B-60CF-697A-ABC0C1E6B360}"/>
+              </a:ext>
+            </a:extLst>
+          </p:cNvPr>
+          <p:cNvSpPr/>
+          <p:nvPr/>
+        </p:nvSpPr>
+        <p:spPr>
+          <a:xfrm>
+            <a:off x="3657596" y="3810002"/>
+            <a:ext cx="1828799" cy="304801"/>
+          </a:xfrm>
+          <a:prstGeom prst="rect">
+            <a:avLst/>
+          </a:prstGeom>
+          <a:solidFill>
+            <a:schemeClr val="accent2">
+              <a:lumMod val="60000"/>
+              <a:lumOff val="40000"/>
+            </a:schemeClr>
+          </a:solidFill>
+        </p:spPr>
+        <p:style>
+          <a:lnRef idx="1">
+            <a:schemeClr val="accent1"/>
+          </a:lnRef>
+          <a:fillRef idx="2">
+            <a:schemeClr val="accent1"/>
+          </a:fillRef>
+          <a:effectRef idx="1">
+            <a:schemeClr val="accent1"/>
+          </a:effectRef>
+          <a:fontRef idx="minor">
+            <a:schemeClr val="dk1"/>
+          </a:fontRef>
+        </p:style>
+        <p:txBody>
+          <a:bodyPr rtlCol="0" anchor="ctr"/>
+          <a:lstStyle/>
+          <a:p>
+            <a:pPr algn="ctr"/>
+            <a:r>
+              <a:rPr lang="en-US" dirty="0"/>
+              <a:t>404</a:t>
+            </a:r>
+          </a:p>
+        </p:txBody>
+      </p:sp>
+      <p:sp>
+        <p:nvSpPr>
+          <p:cNvPr id="15" name="Rectangle 14">
+            <a:extLst>
+              <a:ext uri="{FF2B5EF4-FFF2-40B4-BE49-F238E27FC236}">
+                <a16:creationId xmlns:a16="http://schemas.microsoft.com/office/drawing/2014/main" id="{AB7B8C22-FB22-6B67-0BF9-267FA84D600C}"/>
+              </a:ext>
+            </a:extLst>
+          </p:cNvPr>
+          <p:cNvSpPr/>
+          <p:nvPr/>
+        </p:nvSpPr>
+        <p:spPr>
+          <a:xfrm>
+            <a:off x="3657595" y="4296222"/>
+            <a:ext cx="1828799" cy="304801"/>
+          </a:xfrm>
+          <a:prstGeom prst="rect">
+            <a:avLst/>
+          </a:prstGeom>
+          <a:solidFill>
+            <a:schemeClr val="accent2">
+              <a:lumMod val="60000"/>
+              <a:lumOff val="40000"/>
+            </a:schemeClr>
+          </a:solidFill>
+        </p:spPr>
+        <p:style>
+          <a:lnRef idx="1">
+            <a:schemeClr val="accent1"/>
+          </a:lnRef>
+          <a:fillRef idx="2">
+            <a:schemeClr val="accent1"/>
+          </a:fillRef>
+          <a:effectRef idx="1">
+            <a:schemeClr val="accent1"/>
+          </a:effectRef>
+          <a:fontRef idx="minor">
+            <a:schemeClr val="dk1"/>
+          </a:fontRef>
+        </p:style>
+        <p:txBody>
+          <a:bodyPr rtlCol="0" anchor="ctr"/>
+          <a:lstStyle/>
+          <a:p>
+            <a:pPr algn="ctr"/>
+            <a:r>
+              <a:rPr lang="en-US" dirty="0"/>
+              <a:t>422</a:t>
+            </a:r>
+          </a:p>
+        </p:txBody>
+      </p:sp>
+      <p:sp>
+        <p:nvSpPr>
+          <p:cNvPr id="16" name="Rectangle 15">
+            <a:extLst>
+              <a:ext uri="{FF2B5EF4-FFF2-40B4-BE49-F238E27FC236}">
+                <a16:creationId xmlns:a16="http://schemas.microsoft.com/office/drawing/2014/main" id="{05D76AD2-D773-2852-684E-92ED5C90BEFE}"/>
+              </a:ext>
+            </a:extLst>
+          </p:cNvPr>
+          <p:cNvSpPr/>
+          <p:nvPr/>
+        </p:nvSpPr>
+        <p:spPr>
+          <a:xfrm>
+            <a:off x="3657596" y="5181598"/>
+            <a:ext cx="1828799" cy="304801"/>
+          </a:xfrm>
+          <a:prstGeom prst="rect">
+            <a:avLst/>
+          </a:prstGeom>
+          <a:solidFill>
+            <a:schemeClr val="accent2">
+              <a:lumMod val="60000"/>
+              <a:lumOff val="40000"/>
+            </a:schemeClr>
+          </a:solidFill>
+        </p:spPr>
+        <p:style>
+          <a:lnRef idx="1">
+            <a:schemeClr val="accent1"/>
+          </a:lnRef>
+          <a:fillRef idx="2">
+            <a:schemeClr val="accent1"/>
+          </a:fillRef>
+          <a:effectRef idx="1">
+            <a:schemeClr val="accent1"/>
+          </a:effectRef>
+          <a:fontRef idx="minor">
+            <a:schemeClr val="dk1"/>
+          </a:fontRef>
+        </p:style>
+        <p:txBody>
+          <a:bodyPr rtlCol="0" anchor="ctr"/>
+          <a:lstStyle/>
+          <a:p>
+            <a:pPr algn="ctr"/>
+            <a:r>
+              <a:rPr lang="en-US" dirty="0"/>
+              <a:t>500</a:t>
+            </a:r>
+          </a:p>
+        </p:txBody>
+      </p:sp>
+      <p:sp>
+        <p:nvSpPr>
+          <p:cNvPr id="17" name="Rectangle 16">
+            <a:extLst>
+              <a:ext uri="{FF2B5EF4-FFF2-40B4-BE49-F238E27FC236}">
+                <a16:creationId xmlns:a16="http://schemas.microsoft.com/office/drawing/2014/main" id="{2B650F4D-2D85-15E2-41D8-82B416DBB4D4}"/>
+              </a:ext>
+            </a:extLst>
+          </p:cNvPr>
+          <p:cNvSpPr/>
+          <p:nvPr/>
+        </p:nvSpPr>
+        <p:spPr>
+          <a:xfrm>
+            <a:off x="6052458" y="1066800"/>
+            <a:ext cx="4310743" cy="304801"/>
+          </a:xfrm>
+          <a:prstGeom prst="rect">
+            <a:avLst/>
+          </a:prstGeom>
+          <a:solidFill>
+            <a:schemeClr val="accent2">
+              <a:lumMod val="60000"/>
+              <a:lumOff val="40000"/>
+            </a:schemeClr>
+          </a:solidFill>
+        </p:spPr>
+        <p:style>
+          <a:lnRef idx="1">
+            <a:schemeClr val="accent1"/>
+          </a:lnRef>
+          <a:fillRef idx="2">
+            <a:schemeClr val="accent1"/>
+          </a:fillRef>
+          <a:effectRef idx="1">
+            <a:schemeClr val="accent1"/>
+          </a:effectRef>
+          <a:fontRef idx="minor">
+            <a:schemeClr val="dk1"/>
+          </a:fontRef>
+        </p:style>
+        <p:txBody>
+          <a:bodyPr rtlCol="0" anchor="ctr"/>
+          <a:lstStyle/>
+          <a:p>
+            <a:pPr algn="ctr"/>
+            <a:r>
+              <a:rPr lang="en-US" dirty="0"/>
+              <a:t>Operation succeeded</a:t>
+            </a:r>
+          </a:p>
+        </p:txBody>
+      </p:sp>
+      <p:sp>
+        <p:nvSpPr>
+          <p:cNvPr id="18" name="Rectangle 17">
+            <a:extLst>
+              <a:ext uri="{FF2B5EF4-FFF2-40B4-BE49-F238E27FC236}">
+                <a16:creationId xmlns:a16="http://schemas.microsoft.com/office/drawing/2014/main" id="{BF09A481-37CC-3305-C004-25C7723B2BBF}"/>
+              </a:ext>
+            </a:extLst>
+          </p:cNvPr>
+          <p:cNvSpPr/>
+          <p:nvPr/>
+        </p:nvSpPr>
+        <p:spPr>
+          <a:xfrm>
+            <a:off x="6052457" y="1567541"/>
+            <a:ext cx="4310743" cy="304801"/>
+          </a:xfrm>
+          <a:prstGeom prst="rect">
+            <a:avLst/>
+          </a:prstGeom>
+          <a:solidFill>
+            <a:schemeClr val="accent2">
+              <a:lumMod val="60000"/>
+              <a:lumOff val="40000"/>
+            </a:schemeClr>
+          </a:solidFill>
+        </p:spPr>
+        <p:style>
+          <a:lnRef idx="1">
+            <a:schemeClr val="accent1"/>
+          </a:lnRef>
+          <a:fillRef idx="2">
+            <a:schemeClr val="accent1"/>
+          </a:fillRef>
+          <a:effectRef idx="1">
+            <a:schemeClr val="accent1"/>
+          </a:effectRef>
+          <a:fontRef idx="minor">
+            <a:schemeClr val="dk1"/>
+          </a:fontRef>
+        </p:style>
+        <p:txBody>
+          <a:bodyPr rtlCol="0" anchor="ctr"/>
+          <a:lstStyle/>
+          <a:p>
+            <a:pPr algn="ctr"/>
+            <a:r>
+              <a:rPr lang="en-US" dirty="0"/>
+              <a:t>Success, resource created</a:t>
+            </a:r>
+          </a:p>
+        </p:txBody>
+      </p:sp>
+      <p:sp>
+        <p:nvSpPr>
+          <p:cNvPr id="19" name="Rectangle 18">
+            <a:extLst>
+              <a:ext uri="{FF2B5EF4-FFF2-40B4-BE49-F238E27FC236}">
+                <a16:creationId xmlns:a16="http://schemas.microsoft.com/office/drawing/2014/main" id="{10784766-8AB0-8239-C139-F91D631D87B1}"/>
+              </a:ext>
+            </a:extLst>
+          </p:cNvPr>
+          <p:cNvSpPr/>
+          <p:nvPr/>
+        </p:nvSpPr>
+        <p:spPr>
+          <a:xfrm>
+            <a:off x="6052457" y="2068282"/>
+            <a:ext cx="4310743" cy="304801"/>
+          </a:xfrm>
+          <a:prstGeom prst="rect">
+            <a:avLst/>
+          </a:prstGeom>
+          <a:solidFill>
+            <a:schemeClr val="accent2">
+              <a:lumMod val="60000"/>
+              <a:lumOff val="40000"/>
+            </a:schemeClr>
+          </a:solidFill>
+        </p:spPr>
+        <p:style>
+          <a:lnRef idx="1">
+            <a:schemeClr val="accent1"/>
+          </a:lnRef>
+          <a:fillRef idx="2">
+            <a:schemeClr val="accent1"/>
+          </a:fillRef>
+          <a:effectRef idx="1">
+            <a:schemeClr val="accent1"/>
+          </a:effectRef>
+          <a:fontRef idx="minor">
+            <a:schemeClr val="dk1"/>
+          </a:fontRef>
+        </p:style>
+        <p:txBody>
+          <a:bodyPr rtlCol="0" anchor="ctr"/>
+          <a:lstStyle/>
+          <a:p>
+            <a:pPr algn="ctr"/>
+            <a:r>
+              <a:rPr lang="en-US" dirty="0"/>
+              <a:t>Moved permanently</a:t>
+            </a:r>
+          </a:p>
+        </p:txBody>
+      </p:sp>
+      <p:sp>
+        <p:nvSpPr>
+          <p:cNvPr id="20" name="Rectangle 19">
+            <a:extLst>
+              <a:ext uri="{FF2B5EF4-FFF2-40B4-BE49-F238E27FC236}">
+                <a16:creationId xmlns:a16="http://schemas.microsoft.com/office/drawing/2014/main" id="{28270D72-E9DA-8681-C272-478F88A1E4C4}"/>
+              </a:ext>
+            </a:extLst>
+          </p:cNvPr>
+          <p:cNvSpPr/>
+          <p:nvPr/>
+        </p:nvSpPr>
+        <p:spPr>
+          <a:xfrm>
+            <a:off x="6052456" y="2852054"/>
+            <a:ext cx="4310743" cy="304801"/>
+          </a:xfrm>
+          <a:prstGeom prst="rect">
+            <a:avLst/>
+          </a:prstGeom>
+          <a:solidFill>
+            <a:schemeClr val="accent2">
+              <a:lumMod val="60000"/>
+              <a:lumOff val="40000"/>
+            </a:schemeClr>
+          </a:solidFill>
+        </p:spPr>
+        <p:style>
+          <a:lnRef idx="1">
+            <a:schemeClr val="accent1"/>
+          </a:lnRef>
+          <a:fillRef idx="2">
+            <a:schemeClr val="accent1"/>
+          </a:fillRef>
+          <a:effectRef idx="1">
+            <a:schemeClr val="accent1"/>
+          </a:effectRef>
+          <a:fontRef idx="minor">
+            <a:schemeClr val="dk1"/>
+          </a:fontRef>
+        </p:style>
+        <p:txBody>
+          <a:bodyPr rtlCol="0" anchor="ctr"/>
+          <a:lstStyle/>
+          <a:p>
+            <a:pPr algn="ctr"/>
+            <a:r>
+              <a:rPr lang="en-US" dirty="0"/>
+              <a:t>Not authenticated</a:t>
+            </a:r>
+          </a:p>
+        </p:txBody>
+      </p:sp>
+      <p:sp>
+        <p:nvSpPr>
+          <p:cNvPr id="21" name="Rectangle 20">
+            <a:extLst>
+              <a:ext uri="{FF2B5EF4-FFF2-40B4-BE49-F238E27FC236}">
+                <a16:creationId xmlns:a16="http://schemas.microsoft.com/office/drawing/2014/main" id="{0FA4E83F-09BA-D9E9-ADD1-76F36BEE2DF2}"/>
+              </a:ext>
+            </a:extLst>
+          </p:cNvPr>
+          <p:cNvSpPr/>
+          <p:nvPr/>
+        </p:nvSpPr>
+        <p:spPr>
+          <a:xfrm>
+            <a:off x="6052456" y="3352795"/>
+            <a:ext cx="4310743" cy="304801"/>
+          </a:xfrm>
+          <a:prstGeom prst="rect">
+            <a:avLst/>
+          </a:prstGeom>
+          <a:solidFill>
+            <a:schemeClr val="accent2">
+              <a:lumMod val="60000"/>
+              <a:lumOff val="40000"/>
+            </a:schemeClr>
+          </a:solidFill>
+        </p:spPr>
+        <p:style>
+          <a:lnRef idx="1">
+            <a:schemeClr val="accent1"/>
+          </a:lnRef>
+          <a:fillRef idx="2">
+            <a:schemeClr val="accent1"/>
+          </a:fillRef>
+          <a:effectRef idx="1">
+            <a:schemeClr val="accent1"/>
+          </a:effectRef>
+          <a:fontRef idx="minor">
+            <a:schemeClr val="dk1"/>
+          </a:fontRef>
+        </p:style>
+        <p:txBody>
+          <a:bodyPr rtlCol="0" anchor="ctr"/>
+          <a:lstStyle/>
+          <a:p>
+            <a:pPr algn="ctr"/>
+            <a:r>
+              <a:rPr lang="en-US" dirty="0"/>
+              <a:t>Not authorized</a:t>
+            </a:r>
+          </a:p>
+        </p:txBody>
+      </p:sp>
+      <p:sp>
+        <p:nvSpPr>
+          <p:cNvPr id="22" name="Rectangle 21">
+            <a:extLst>
+              <a:ext uri="{FF2B5EF4-FFF2-40B4-BE49-F238E27FC236}">
+                <a16:creationId xmlns:a16="http://schemas.microsoft.com/office/drawing/2014/main" id="{D693670F-00F3-E285-E670-F3DF02646C71}"/>
+              </a:ext>
+            </a:extLst>
+          </p:cNvPr>
+          <p:cNvSpPr/>
+          <p:nvPr/>
+        </p:nvSpPr>
+        <p:spPr>
+          <a:xfrm>
+            <a:off x="6052455" y="3773716"/>
+            <a:ext cx="4310743" cy="304801"/>
+          </a:xfrm>
+          <a:prstGeom prst="rect">
+            <a:avLst/>
+          </a:prstGeom>
+          <a:solidFill>
+            <a:schemeClr val="accent2">
+              <a:lumMod val="60000"/>
+              <a:lumOff val="40000"/>
+            </a:schemeClr>
+          </a:solidFill>
+        </p:spPr>
+        <p:style>
+          <a:lnRef idx="1">
+            <a:schemeClr val="accent1"/>
+          </a:lnRef>
+          <a:fillRef idx="2">
+            <a:schemeClr val="accent1"/>
+          </a:fillRef>
+          <a:effectRef idx="1">
+            <a:schemeClr val="accent1"/>
+          </a:effectRef>
+          <a:fontRef idx="minor">
+            <a:schemeClr val="dk1"/>
+          </a:fontRef>
+        </p:style>
+        <p:txBody>
+          <a:bodyPr rtlCol="0" anchor="ctr"/>
+          <a:lstStyle/>
+          <a:p>
+            <a:pPr algn="ctr"/>
+            <a:r>
+              <a:rPr lang="en-US" dirty="0"/>
+              <a:t>Not  found</a:t>
+            </a:r>
+          </a:p>
+        </p:txBody>
+      </p:sp>
+      <p:sp>
+        <p:nvSpPr>
+          <p:cNvPr id="23" name="Rectangle 22">
+            <a:extLst>
+              <a:ext uri="{FF2B5EF4-FFF2-40B4-BE49-F238E27FC236}">
+                <a16:creationId xmlns:a16="http://schemas.microsoft.com/office/drawing/2014/main" id="{D8AF75D1-8930-684B-D0D8-C5A0083EE000}"/>
+              </a:ext>
+            </a:extLst>
+          </p:cNvPr>
+          <p:cNvSpPr/>
+          <p:nvPr/>
+        </p:nvSpPr>
+        <p:spPr>
+          <a:xfrm>
+            <a:off x="6052454" y="4194632"/>
+            <a:ext cx="4310743" cy="304801"/>
+          </a:xfrm>
+          <a:prstGeom prst="rect">
+            <a:avLst/>
+          </a:prstGeom>
+          <a:solidFill>
+            <a:schemeClr val="accent2">
+              <a:lumMod val="60000"/>
+              <a:lumOff val="40000"/>
+            </a:schemeClr>
+          </a:solidFill>
+        </p:spPr>
+        <p:style>
+          <a:lnRef idx="1">
+            <a:schemeClr val="accent1"/>
+          </a:lnRef>
+          <a:fillRef idx="2">
+            <a:schemeClr val="accent1"/>
+          </a:fillRef>
+          <a:effectRef idx="1">
+            <a:schemeClr val="accent1"/>
+          </a:effectRef>
+          <a:fontRef idx="minor">
+            <a:schemeClr val="dk1"/>
+          </a:fontRef>
+        </p:style>
+        <p:txBody>
+          <a:bodyPr rtlCol="0" anchor="ctr"/>
+          <a:lstStyle/>
+          <a:p>
+            <a:pPr algn="ctr"/>
+            <a:r>
+              <a:rPr lang="en-US" dirty="0"/>
+              <a:t>Invalid input</a:t>
+            </a:r>
+          </a:p>
+        </p:txBody>
+      </p:sp>
+      <p:sp>
+        <p:nvSpPr>
+          <p:cNvPr id="25" name="Rectangle 24">
+            <a:extLst>
+              <a:ext uri="{FF2B5EF4-FFF2-40B4-BE49-F238E27FC236}">
+                <a16:creationId xmlns:a16="http://schemas.microsoft.com/office/drawing/2014/main" id="{7410B5CF-87A6-679F-1773-D2D2715A21D0}"/>
+              </a:ext>
+            </a:extLst>
+          </p:cNvPr>
+          <p:cNvSpPr/>
+          <p:nvPr/>
+        </p:nvSpPr>
+        <p:spPr>
+          <a:xfrm>
+            <a:off x="6052453" y="5217883"/>
+            <a:ext cx="4310743" cy="304801"/>
+          </a:xfrm>
+          <a:prstGeom prst="rect">
+            <a:avLst/>
+          </a:prstGeom>
+          <a:solidFill>
+            <a:schemeClr val="accent2">
+              <a:lumMod val="60000"/>
+              <a:lumOff val="40000"/>
+            </a:schemeClr>
+          </a:solidFill>
+        </p:spPr>
+        <p:style>
+          <a:lnRef idx="1">
+            <a:schemeClr val="accent1"/>
+          </a:lnRef>
+          <a:fillRef idx="2">
+            <a:schemeClr val="accent1"/>
+          </a:fillRef>
+          <a:effectRef idx="1">
+            <a:schemeClr val="accent1"/>
+          </a:effectRef>
+          <a:fontRef idx="minor">
+            <a:schemeClr val="dk1"/>
+          </a:fontRef>
+        </p:style>
+        <p:txBody>
+          <a:bodyPr rtlCol="0" anchor="ctr"/>
+          <a:lstStyle/>
+          <a:p>
+            <a:pPr algn="ctr"/>
+            <a:r>
+              <a:rPr lang="en-US" dirty="0"/>
+              <a:t>Server-side error</a:t>
+            </a:r>
+          </a:p>
+        </p:txBody>
+      </p:sp>
+    </p:spTree>
+    <p:extLst>
+      <p:ext uri="{BB962C8B-B14F-4D97-AF65-F5344CB8AC3E}">
+        <p14:creationId xmlns:p14="http://schemas.microsoft.com/office/powerpoint/2010/main" val="890987018"/>
+      </p:ext>
+    </p:extLst>
+  </p:cSld>
+  <p:clrMapOvr>
+    <a:masterClrMapping/>
+  </p:clrMapOvr>
+</p:sld>
+</file>
+
+<file path=ppt/slides/slide46.xml><?xml version="1.0" encoding="utf-8"?>
+<p:sld xmlns:a="http://schemas.openxmlformats.org/drawingml/2006/main" xmlns:r="http://schemas.openxmlformats.org/officeDocument/2006/relationships" xmlns:p="http://schemas.openxmlformats.org/presentationml/2006/main">
+  <p:cSld>
+    <p:spTree>
+      <p:nvGrpSpPr>
+        <p:cNvPr id="1" name=""/>
+        <p:cNvGrpSpPr/>
+        <p:nvPr/>
+      </p:nvGrpSpPr>
+      <p:grpSpPr>
+        <a:xfrm>
+          <a:off x="0" y="0"/>
+          <a:ext cx="0" cy="0"/>
+          <a:chOff x="0" y="0"/>
+          <a:chExt cx="0" cy="0"/>
+        </a:xfrm>
+      </p:grpSpPr>
+      <p:sp>
+        <p:nvSpPr>
+          <p:cNvPr id="2" name="Title 1">
+            <a:extLst>
+              <a:ext uri="{FF2B5EF4-FFF2-40B4-BE49-F238E27FC236}">
+                <a16:creationId xmlns:a16="http://schemas.microsoft.com/office/drawing/2014/main" id="{66E7385E-B225-D945-8E36-8452A82968C5}"/>
+              </a:ext>
+            </a:extLst>
+          </p:cNvPr>
+          <p:cNvSpPr>
+            <a:spLocks noGrp="1"/>
+          </p:cNvSpPr>
+          <p:nvPr>
+            <p:ph type="title"/>
+          </p:nvPr>
+        </p:nvSpPr>
+        <p:spPr>
+          <a:xfrm>
+            <a:off x="838200" y="365126"/>
+            <a:ext cx="5127171" cy="505732"/>
+          </a:xfrm>
+        </p:spPr>
+        <p:txBody>
+          <a:bodyPr>
+            <a:normAutofit fontScale="90000"/>
+          </a:bodyPr>
+          <a:lstStyle/>
+          <a:p>
+            <a:r>
+              <a:rPr lang="en-US" dirty="0"/>
+              <a:t>Module Summary</a:t>
+            </a:r>
+          </a:p>
+        </p:txBody>
+      </p:sp>
+      <p:sp>
+        <p:nvSpPr>
+          <p:cNvPr id="4" name="Rectangle 3">
+            <a:extLst>
+              <a:ext uri="{FF2B5EF4-FFF2-40B4-BE49-F238E27FC236}">
+                <a16:creationId xmlns:a16="http://schemas.microsoft.com/office/drawing/2014/main" id="{963B72F6-D1B8-75B3-5FC0-964542AAA3C3}"/>
+              </a:ext>
+            </a:extLst>
+          </p:cNvPr>
+          <p:cNvSpPr/>
+          <p:nvPr/>
+        </p:nvSpPr>
+        <p:spPr>
+          <a:xfrm>
+            <a:off x="838199" y="1168393"/>
+            <a:ext cx="5127171" cy="696686"/>
+          </a:xfrm>
+          <a:prstGeom prst="rect">
+            <a:avLst/>
+          </a:prstGeom>
+          <a:solidFill>
+            <a:schemeClr val="accent2">
+              <a:lumMod val="50000"/>
+            </a:schemeClr>
+          </a:solidFill>
+        </p:spPr>
+        <p:style>
+          <a:lnRef idx="2">
+            <a:schemeClr val="accent1">
+              <a:shade val="15000"/>
+            </a:schemeClr>
+          </a:lnRef>
+          <a:fillRef idx="1">
+            <a:schemeClr val="accent1"/>
+          </a:fillRef>
+          <a:effectRef idx="0">
+            <a:schemeClr val="accent1"/>
+          </a:effectRef>
+          <a:fontRef idx="minor">
+            <a:schemeClr val="lt1"/>
+          </a:fontRef>
+        </p:style>
+        <p:txBody>
+          <a:bodyPr rtlCol="0" anchor="ctr"/>
+          <a:lstStyle/>
+          <a:p>
+            <a:pPr algn="ctr"/>
+            <a:r>
+              <a:rPr lang="en-US" dirty="0">
+                <a:ln w="0"/>
+                <a:solidFill>
+                  <a:schemeClr val="bg1"/>
+                </a:solidFill>
+                <a:effectLst>
+                  <a:outerShdw blurRad="38100" dist="19050" dir="2700000" algn="tl" rotWithShape="0">
+                    <a:schemeClr val="dk1">
+                      <a:alpha val="40000"/>
+                    </a:schemeClr>
+                  </a:outerShdw>
+                </a:effectLst>
+              </a:rPr>
+              <a:t>Types of Errors &amp; Handling Errors</a:t>
+            </a:r>
+          </a:p>
+        </p:txBody>
+      </p:sp>
+      <p:sp>
+        <p:nvSpPr>
+          <p:cNvPr id="5" name="Rectangle 4">
+            <a:extLst>
+              <a:ext uri="{FF2B5EF4-FFF2-40B4-BE49-F238E27FC236}">
+                <a16:creationId xmlns:a16="http://schemas.microsoft.com/office/drawing/2014/main" id="{CA8086AE-0DA6-24BB-63AD-0EFDE81F08DB}"/>
+              </a:ext>
+            </a:extLst>
+          </p:cNvPr>
+          <p:cNvSpPr/>
+          <p:nvPr/>
+        </p:nvSpPr>
+        <p:spPr>
+          <a:xfrm>
+            <a:off x="6629399" y="1168393"/>
+            <a:ext cx="5127171" cy="696686"/>
+          </a:xfrm>
+          <a:prstGeom prst="rect">
+            <a:avLst/>
+          </a:prstGeom>
+          <a:solidFill>
+            <a:schemeClr val="accent2">
+              <a:lumMod val="50000"/>
+            </a:schemeClr>
+          </a:solidFill>
+        </p:spPr>
+        <p:style>
+          <a:lnRef idx="2">
+            <a:schemeClr val="accent1">
+              <a:shade val="15000"/>
+            </a:schemeClr>
+          </a:lnRef>
+          <a:fillRef idx="1">
+            <a:schemeClr val="accent1"/>
+          </a:fillRef>
+          <a:effectRef idx="0">
+            <a:schemeClr val="accent1"/>
+          </a:effectRef>
+          <a:fontRef idx="minor">
+            <a:schemeClr val="lt1"/>
+          </a:fontRef>
+        </p:style>
+        <p:txBody>
+          <a:bodyPr rtlCol="0" anchor="ctr"/>
+          <a:lstStyle/>
+          <a:p>
+            <a:pPr algn="ctr"/>
+            <a:r>
+              <a:rPr lang="en-US" dirty="0">
+                <a:ln w="0"/>
+                <a:solidFill>
+                  <a:schemeClr val="bg1"/>
+                </a:solidFill>
+                <a:effectLst>
+                  <a:outerShdw blurRad="38100" dist="19050" dir="2700000" algn="tl" rotWithShape="0">
+                    <a:schemeClr val="dk1">
+                      <a:alpha val="40000"/>
+                    </a:schemeClr>
+                  </a:outerShdw>
+                </a:effectLst>
+              </a:rPr>
+              <a:t>Errors &amp; Status Code</a:t>
+            </a:r>
+          </a:p>
+        </p:txBody>
+      </p:sp>
+      <p:sp>
+        <p:nvSpPr>
+          <p:cNvPr id="6" name="Rectangle 5">
+            <a:extLst>
+              <a:ext uri="{FF2B5EF4-FFF2-40B4-BE49-F238E27FC236}">
+                <a16:creationId xmlns:a16="http://schemas.microsoft.com/office/drawing/2014/main" id="{4B7F77CA-00F4-9E7E-2F5F-45C981D542A7}"/>
+              </a:ext>
+            </a:extLst>
+          </p:cNvPr>
+          <p:cNvSpPr/>
+          <p:nvPr/>
+        </p:nvSpPr>
+        <p:spPr>
+          <a:xfrm>
+            <a:off x="838199" y="1865078"/>
+            <a:ext cx="5127171" cy="4230922"/>
+          </a:xfrm>
+          <a:prstGeom prst="rect">
+            <a:avLst/>
+          </a:prstGeom>
+          <a:solidFill>
+            <a:schemeClr val="accent2">
+              <a:lumMod val="60000"/>
+              <a:lumOff val="40000"/>
+            </a:schemeClr>
+          </a:solidFill>
+        </p:spPr>
+        <p:style>
+          <a:lnRef idx="2">
+            <a:schemeClr val="accent1">
+              <a:shade val="15000"/>
+            </a:schemeClr>
+          </a:lnRef>
+          <a:fillRef idx="1">
+            <a:schemeClr val="accent1"/>
+          </a:fillRef>
+          <a:effectRef idx="0">
+            <a:schemeClr val="accent1"/>
+          </a:effectRef>
+          <a:fontRef idx="minor">
+            <a:schemeClr val="lt1"/>
+          </a:fontRef>
+        </p:style>
+        <p:txBody>
+          <a:bodyPr rtlCol="0" anchor="ctr"/>
+          <a:lstStyle/>
+          <a:p>
+            <a:pPr marL="285750" indent="-285750">
+              <a:lnSpc>
+                <a:spcPct val="150000"/>
+              </a:lnSpc>
+              <a:buFont typeface="Arial" panose="020B0604020202020204" pitchFamily="34" charset="0"/>
+              <a:buChar char="•"/>
+            </a:pPr>
+            <a:r>
+              <a:rPr lang="en-US" dirty="0">
+                <a:ln w="0"/>
+                <a:solidFill>
+                  <a:schemeClr val="tx1"/>
+                </a:solidFill>
+                <a:effectLst>
+                  <a:outerShdw blurRad="38100" dist="19050" dir="2700000" algn="tl" rotWithShape="0">
+                    <a:schemeClr val="dk1">
+                      <a:alpha val="40000"/>
+                    </a:schemeClr>
+                  </a:outerShdw>
+                </a:effectLst>
+              </a:rPr>
+              <a:t>You can differentiate between different types of errors – technical errors (which are thrown) and “expected errors” (e.g. invalid user input).</a:t>
+            </a:r>
+          </a:p>
+          <a:p>
+            <a:pPr marL="285750" indent="-285750">
+              <a:lnSpc>
+                <a:spcPct val="150000"/>
+              </a:lnSpc>
+              <a:buFont typeface="Arial" panose="020B0604020202020204" pitchFamily="34" charset="0"/>
+              <a:buChar char="•"/>
+            </a:pPr>
+            <a:r>
+              <a:rPr lang="en-US" dirty="0">
+                <a:ln w="0"/>
+                <a:solidFill>
+                  <a:schemeClr val="tx1"/>
+                </a:solidFill>
+                <a:effectLst>
+                  <a:outerShdw blurRad="38100" dist="19050" dir="2700000" algn="tl" rotWithShape="0">
+                    <a:schemeClr val="dk1">
+                      <a:alpha val="40000"/>
+                    </a:schemeClr>
+                  </a:outerShdw>
+                </a:effectLst>
+              </a:rPr>
+              <a:t>Error handling can be done with custom if-checks, try-catch, then()-catch() etc.</a:t>
+            </a:r>
+          </a:p>
+          <a:p>
+            <a:pPr marL="285750" indent="-285750">
+              <a:lnSpc>
+                <a:spcPct val="150000"/>
+              </a:lnSpc>
+              <a:buFont typeface="Arial" panose="020B0604020202020204" pitchFamily="34" charset="0"/>
+              <a:buChar char="•"/>
+            </a:pPr>
+            <a:r>
+              <a:rPr lang="en-US" dirty="0">
+                <a:ln w="0"/>
+                <a:solidFill>
+                  <a:schemeClr val="tx1"/>
+                </a:solidFill>
+                <a:effectLst>
+                  <a:outerShdw blurRad="38100" dist="19050" dir="2700000" algn="tl" rotWithShape="0">
+                    <a:schemeClr val="dk1">
+                      <a:alpha val="40000"/>
+                    </a:schemeClr>
+                  </a:outerShdw>
+                </a:effectLst>
+              </a:rPr>
+              <a:t>You can use the express error handling middleware to handle all unhandled errors</a:t>
+            </a:r>
+          </a:p>
+        </p:txBody>
+      </p:sp>
+      <p:sp>
+        <p:nvSpPr>
+          <p:cNvPr id="8" name="Rectangle 7">
+            <a:extLst>
+              <a:ext uri="{FF2B5EF4-FFF2-40B4-BE49-F238E27FC236}">
+                <a16:creationId xmlns:a16="http://schemas.microsoft.com/office/drawing/2014/main" id="{2E165B74-0093-BA31-14E0-482DB422D9FA}"/>
+              </a:ext>
+            </a:extLst>
+          </p:cNvPr>
+          <p:cNvSpPr/>
+          <p:nvPr/>
+        </p:nvSpPr>
+        <p:spPr>
+          <a:xfrm>
+            <a:off x="6629399" y="1865078"/>
+            <a:ext cx="5127171" cy="4230922"/>
+          </a:xfrm>
+          <a:prstGeom prst="rect">
+            <a:avLst/>
+          </a:prstGeom>
+          <a:solidFill>
+            <a:schemeClr val="accent2">
+              <a:lumMod val="60000"/>
+              <a:lumOff val="40000"/>
+            </a:schemeClr>
+          </a:solidFill>
+        </p:spPr>
+        <p:style>
+          <a:lnRef idx="2">
+            <a:schemeClr val="accent1">
+              <a:shade val="15000"/>
+            </a:schemeClr>
+          </a:lnRef>
+          <a:fillRef idx="1">
+            <a:schemeClr val="accent1"/>
+          </a:fillRef>
+          <a:effectRef idx="0">
+            <a:schemeClr val="accent1"/>
+          </a:effectRef>
+          <a:fontRef idx="minor">
+            <a:schemeClr val="lt1"/>
+          </a:fontRef>
+        </p:style>
+        <p:txBody>
+          <a:bodyPr rtlCol="0" anchor="ctr"/>
+          <a:lstStyle/>
+          <a:p>
+            <a:pPr marL="285750" indent="-285750">
+              <a:lnSpc>
+                <a:spcPct val="150000"/>
+              </a:lnSpc>
+              <a:buFont typeface="Arial" panose="020B0604020202020204" pitchFamily="34" charset="0"/>
+              <a:buChar char="•"/>
+            </a:pPr>
+            <a:r>
+              <a:rPr lang="en-US" dirty="0">
+                <a:ln w="0"/>
+                <a:solidFill>
+                  <a:schemeClr val="tx1"/>
+                </a:solidFill>
+                <a:effectLst>
+                  <a:outerShdw blurRad="38100" dist="19050" dir="2700000" algn="tl" rotWithShape="0">
+                    <a:schemeClr val="dk1">
+                      <a:alpha val="40000"/>
+                    </a:schemeClr>
+                  </a:outerShdw>
+                </a:effectLst>
+              </a:rPr>
+              <a:t>When returning responses, it can make sense to also set an appropriate Http status code – this lets the browser know what went wrong.</a:t>
+            </a:r>
+          </a:p>
+          <a:p>
+            <a:pPr marL="285750" indent="-285750">
+              <a:lnSpc>
+                <a:spcPct val="150000"/>
+              </a:lnSpc>
+              <a:buFont typeface="Arial" panose="020B0604020202020204" pitchFamily="34" charset="0"/>
+              <a:buChar char="•"/>
+            </a:pPr>
+            <a:r>
+              <a:rPr lang="en-US" dirty="0">
+                <a:ln w="0"/>
+                <a:solidFill>
+                  <a:schemeClr val="tx1"/>
+                </a:solidFill>
+                <a:effectLst>
+                  <a:outerShdw blurRad="38100" dist="19050" dir="2700000" algn="tl" rotWithShape="0">
+                    <a:schemeClr val="dk1">
+                      <a:alpha val="40000"/>
+                    </a:schemeClr>
+                  </a:outerShdw>
+                </a:effectLst>
+              </a:rPr>
+              <a:t>You got success (2xx), redirect(3xx),client-side errors(4xx) and server-side errors(5xx) codes to choose from</a:t>
+            </a:r>
+          </a:p>
+          <a:p>
+            <a:pPr marL="285750" indent="-285750">
+              <a:lnSpc>
+                <a:spcPct val="150000"/>
+              </a:lnSpc>
+              <a:buFont typeface="Arial" panose="020B0604020202020204" pitchFamily="34" charset="0"/>
+              <a:buChar char="•"/>
+            </a:pPr>
+            <a:r>
+              <a:rPr lang="en-US" dirty="0">
+                <a:ln w="0"/>
+                <a:solidFill>
+                  <a:schemeClr val="tx1"/>
+                </a:solidFill>
+                <a:effectLst>
+                  <a:outerShdw blurRad="38100" dist="19050" dir="2700000" algn="tl" rotWithShape="0">
+                    <a:schemeClr val="dk1">
+                      <a:alpha val="40000"/>
+                    </a:schemeClr>
+                  </a:outerShdw>
+                </a:effectLst>
+              </a:rPr>
+              <a:t>Setting status codes does NOT mean that the response is incomplete or the app crashed!</a:t>
+            </a:r>
+          </a:p>
+        </p:txBody>
+      </p:sp>
+    </p:spTree>
+    <p:extLst>
+      <p:ext uri="{BB962C8B-B14F-4D97-AF65-F5344CB8AC3E}">
+        <p14:creationId xmlns:p14="http://schemas.microsoft.com/office/powerpoint/2010/main" val="2440872693"/>
+      </p:ext>
+    </p:extLst>
+  </p:cSld>
+  <p:clrMapOvr>
+    <a:masterClrMapping/>
+  </p:clrMapOvr>
+</p:sld>
+</file>
+
+<file path=ppt/slides/slide47.xml><?xml version="1.0" encoding="utf-8"?>
+<p:sld xmlns:a="http://schemas.openxmlformats.org/drawingml/2006/main" xmlns:r="http://schemas.openxmlformats.org/officeDocument/2006/relationships" xmlns:p="http://schemas.openxmlformats.org/presentationml/2006/main">
+  <p:cSld>
+    <p:spTree>
+      <p:nvGrpSpPr>
+        <p:cNvPr id="1" name=""/>
+        <p:cNvGrpSpPr/>
+        <p:nvPr/>
+      </p:nvGrpSpPr>
+      <p:grpSpPr>
+        <a:xfrm>
+          <a:off x="0" y="0"/>
+          <a:ext cx="0" cy="0"/>
+          <a:chOff x="0" y="0"/>
+          <a:chExt cx="0" cy="0"/>
+        </a:xfrm>
+      </p:grpSpPr>
+      <p:sp>
+        <p:nvSpPr>
+          <p:cNvPr id="2" name="Title 1">
+            <a:extLst>
+              <a:ext uri="{FF2B5EF4-FFF2-40B4-BE49-F238E27FC236}">
+                <a16:creationId xmlns:a16="http://schemas.microsoft.com/office/drawing/2014/main" id="{403D94A2-3AED-3517-DA6D-2D8637A6FC20}"/>
+              </a:ext>
+            </a:extLst>
+          </p:cNvPr>
+          <p:cNvSpPr>
+            <a:spLocks noGrp="1"/>
+          </p:cNvSpPr>
+          <p:nvPr>
+            <p:ph type="title"/>
+          </p:nvPr>
+        </p:nvSpPr>
+        <p:spPr/>
+        <p:txBody>
+          <a:bodyPr/>
+          <a:lstStyle/>
+          <a:p>
+            <a:r>
+              <a:rPr lang="en-US" dirty="0"/>
+              <a:t>File Add</a:t>
+            </a:r>
+          </a:p>
+        </p:txBody>
+      </p:sp>
+      <p:sp>
+        <p:nvSpPr>
+          <p:cNvPr id="3" name="Content Placeholder 2">
+            <a:extLst>
+              <a:ext uri="{FF2B5EF4-FFF2-40B4-BE49-F238E27FC236}">
+                <a16:creationId xmlns:a16="http://schemas.microsoft.com/office/drawing/2014/main" id="{34D3AAB1-D821-76B6-89F1-F2A35FC1BF88}"/>
+              </a:ext>
+            </a:extLst>
+          </p:cNvPr>
+          <p:cNvSpPr>
+            <a:spLocks noGrp="1"/>
+          </p:cNvSpPr>
+          <p:nvPr>
+            <p:ph idx="1"/>
+          </p:nvPr>
+        </p:nvSpPr>
+        <p:spPr/>
+        <p:txBody>
+          <a:bodyPr/>
+          <a:lstStyle/>
+          <a:p>
+            <a:r>
+              <a:rPr lang="en-US" dirty="0"/>
+              <a:t>Adding a File Picker to the Frontend.</a:t>
+            </a:r>
+          </a:p>
+          <a:p>
+            <a:r>
+              <a:rPr lang="en-US" dirty="0"/>
+              <a:t>Handling Multipart Form Data</a:t>
+            </a:r>
+          </a:p>
+          <a:p>
+            <a:r>
+              <a:rPr lang="en-US" dirty="0"/>
+              <a:t>Handling file uploads with </a:t>
+            </a:r>
+            <a:r>
+              <a:rPr lang="en-US" dirty="0" err="1"/>
+              <a:t>multer</a:t>
+            </a:r>
+            <a:endParaRPr lang="en-US" dirty="0"/>
+          </a:p>
+          <a:p>
+            <a:r>
+              <a:rPr lang="en-US" dirty="0"/>
+              <a:t>Configuring </a:t>
+            </a:r>
+            <a:r>
+              <a:rPr lang="en-US" dirty="0" err="1"/>
+              <a:t>multer</a:t>
+            </a:r>
+            <a:r>
+              <a:rPr lang="en-US" dirty="0"/>
+              <a:t> to adjust filename &amp; </a:t>
+            </a:r>
+            <a:r>
+              <a:rPr lang="en-US" dirty="0" err="1"/>
+              <a:t>filepath</a:t>
+            </a:r>
+            <a:endParaRPr lang="en-US" dirty="0"/>
+          </a:p>
+          <a:p>
+            <a:r>
+              <a:rPr lang="en-US" dirty="0"/>
+              <a:t>Filtering files by </a:t>
+            </a:r>
+            <a:r>
+              <a:rPr lang="en-US" dirty="0" err="1"/>
+              <a:t>mimetype</a:t>
+            </a:r>
+            <a:endParaRPr lang="en-US" dirty="0"/>
+          </a:p>
+          <a:p>
+            <a:r>
+              <a:rPr lang="en-US" dirty="0"/>
+              <a:t>Storing file data in database</a:t>
+            </a:r>
+          </a:p>
+          <a:p>
+            <a:endParaRPr lang="en-US" dirty="0"/>
+          </a:p>
+        </p:txBody>
+      </p:sp>
+    </p:spTree>
+    <p:extLst>
+      <p:ext uri="{BB962C8B-B14F-4D97-AF65-F5344CB8AC3E}">
+        <p14:creationId xmlns:p14="http://schemas.microsoft.com/office/powerpoint/2010/main" val="4062387336"/>
       </p:ext>
     </p:extLst>
   </p:cSld>

--- a/Database.pptx
+++ b/Database.pptx
@@ -393,7 +393,7 @@
           <a:p>
             <a:fld id="{9F08AD8F-3C3D-4B63-978B-A283DF666F72}" type="datetimeFigureOut">
               <a:rPr lang="en-US" smtClean="0"/>
-              <a:t>6/29/2023</a:t>
+              <a:t>6/30/2023</a:t>
             </a:fld>
             <a:endParaRPr lang="en-US" dirty="0"/>
           </a:p>
@@ -591,7 +591,7 @@
           <a:p>
             <a:fld id="{9F08AD8F-3C3D-4B63-978B-A283DF666F72}" type="datetimeFigureOut">
               <a:rPr lang="en-US" smtClean="0"/>
-              <a:t>6/29/2023</a:t>
+              <a:t>6/30/2023</a:t>
             </a:fld>
             <a:endParaRPr lang="en-US" dirty="0"/>
           </a:p>
@@ -799,7 +799,7 @@
           <a:p>
             <a:fld id="{9F08AD8F-3C3D-4B63-978B-A283DF666F72}" type="datetimeFigureOut">
               <a:rPr lang="en-US" smtClean="0"/>
-              <a:t>6/29/2023</a:t>
+              <a:t>6/30/2023</a:t>
             </a:fld>
             <a:endParaRPr lang="en-US" dirty="0"/>
           </a:p>
@@ -997,7 +997,7 @@
           <a:p>
             <a:fld id="{9F08AD8F-3C3D-4B63-978B-A283DF666F72}" type="datetimeFigureOut">
               <a:rPr lang="en-US" smtClean="0"/>
-              <a:t>6/29/2023</a:t>
+              <a:t>6/30/2023</a:t>
             </a:fld>
             <a:endParaRPr lang="en-US" dirty="0"/>
           </a:p>
@@ -1272,7 +1272,7 @@
           <a:p>
             <a:fld id="{9F08AD8F-3C3D-4B63-978B-A283DF666F72}" type="datetimeFigureOut">
               <a:rPr lang="en-US" smtClean="0"/>
-              <a:t>6/29/2023</a:t>
+              <a:t>6/30/2023</a:t>
             </a:fld>
             <a:endParaRPr lang="en-US" dirty="0"/>
           </a:p>
@@ -1537,7 +1537,7 @@
           <a:p>
             <a:fld id="{9F08AD8F-3C3D-4B63-978B-A283DF666F72}" type="datetimeFigureOut">
               <a:rPr lang="en-US" smtClean="0"/>
-              <a:t>6/29/2023</a:t>
+              <a:t>6/30/2023</a:t>
             </a:fld>
             <a:endParaRPr lang="en-US" dirty="0"/>
           </a:p>
@@ -1949,7 +1949,7 @@
           <a:p>
             <a:fld id="{9F08AD8F-3C3D-4B63-978B-A283DF666F72}" type="datetimeFigureOut">
               <a:rPr lang="en-US" smtClean="0"/>
-              <a:t>6/29/2023</a:t>
+              <a:t>6/30/2023</a:t>
             </a:fld>
             <a:endParaRPr lang="en-US" dirty="0"/>
           </a:p>
@@ -2090,7 +2090,7 @@
           <a:p>
             <a:fld id="{9F08AD8F-3C3D-4B63-978B-A283DF666F72}" type="datetimeFigureOut">
               <a:rPr lang="en-US" smtClean="0"/>
-              <a:t>6/29/2023</a:t>
+              <a:t>6/30/2023</a:t>
             </a:fld>
             <a:endParaRPr lang="en-US" dirty="0"/>
           </a:p>
@@ -2203,7 +2203,7 @@
           <a:p>
             <a:fld id="{9F08AD8F-3C3D-4B63-978B-A283DF666F72}" type="datetimeFigureOut">
               <a:rPr lang="en-US" smtClean="0"/>
-              <a:t>6/29/2023</a:t>
+              <a:t>6/30/2023</a:t>
             </a:fld>
             <a:endParaRPr lang="en-US" dirty="0"/>
           </a:p>
@@ -2514,7 +2514,7 @@
           <a:p>
             <a:fld id="{9F08AD8F-3C3D-4B63-978B-A283DF666F72}" type="datetimeFigureOut">
               <a:rPr lang="en-US" smtClean="0"/>
-              <a:t>6/29/2023</a:t>
+              <a:t>6/30/2023</a:t>
             </a:fld>
             <a:endParaRPr lang="en-US" dirty="0"/>
           </a:p>
@@ -2802,7 +2802,7 @@
           <a:p>
             <a:fld id="{9F08AD8F-3C3D-4B63-978B-A283DF666F72}" type="datetimeFigureOut">
               <a:rPr lang="en-US" smtClean="0"/>
-              <a:t>6/29/2023</a:t>
+              <a:t>6/30/2023</a:t>
             </a:fld>
             <a:endParaRPr lang="en-US" dirty="0"/>
           </a:p>
@@ -3043,7 +3043,7 @@
           <a:p>
             <a:fld id="{9F08AD8F-3C3D-4B63-978B-A283DF666F72}" type="datetimeFigureOut">
               <a:rPr lang="en-US" smtClean="0"/>
-              <a:t>6/29/2023</a:t>
+              <a:t>6/30/2023</a:t>
             </a:fld>
             <a:endParaRPr lang="en-US" dirty="0"/>
           </a:p>
@@ -23677,7 +23677,9 @@
         </p:nvSpPr>
         <p:spPr/>
         <p:txBody>
-          <a:bodyPr/>
+          <a:bodyPr numCol="2">
+            <a:normAutofit lnSpcReduction="10000"/>
+          </a:bodyPr>
           <a:lstStyle/>
           <a:p>
             <a:r>
@@ -23736,6 +23738,61 @@
             <a:r>
               <a:rPr lang="en-US" dirty="0"/>
               <a:t>Storing file data in database</a:t>
+            </a:r>
+          </a:p>
+          <a:p>
+            <a:r>
+              <a:rPr lang="en-US" dirty="0"/>
+              <a:t>Downloading files with authentication</a:t>
+            </a:r>
+          </a:p>
+          <a:p>
+            <a:r>
+              <a:rPr lang="en-US" dirty="0"/>
+              <a:t>Setting File Type headers</a:t>
+            </a:r>
+          </a:p>
+          <a:p>
+            <a:r>
+              <a:rPr lang="en-US" dirty="0"/>
+              <a:t>Restricting File Access</a:t>
+            </a:r>
+          </a:p>
+          <a:p>
+            <a:r>
+              <a:rPr lang="en-US" dirty="0"/>
+              <a:t>Streaming Data vs Preloading Data</a:t>
+            </a:r>
+          </a:p>
+          <a:p>
+            <a:r>
+              <a:rPr lang="en-US" dirty="0"/>
+              <a:t>Using </a:t>
+            </a:r>
+            <a:r>
+              <a:rPr lang="en-US" dirty="0" err="1"/>
+              <a:t>PDFKit</a:t>
+            </a:r>
+            <a:r>
+              <a:rPr lang="en-US" dirty="0"/>
+              <a:t> for .pdf </a:t>
+            </a:r>
+            <a:r>
+              <a:rPr lang="en-US" dirty="0" err="1"/>
+              <a:t>Gerneration</a:t>
+            </a:r>
+            <a:endParaRPr lang="en-US" dirty="0"/>
+          </a:p>
+          <a:p>
+            <a:r>
+              <a:rPr lang="en-US" dirty="0"/>
+              <a:t>Generating .pdf Files with Order Data</a:t>
+            </a:r>
+          </a:p>
+          <a:p>
+            <a:r>
+              <a:rPr lang="en-US" dirty="0"/>
+              <a:t>Deleting Files</a:t>
             </a:r>
           </a:p>
           <a:p>

--- a/Database.pptx
+++ b/Database.pptx
@@ -52,6 +52,8 @@
     <p:sldId id="301" r:id="rId46"/>
     <p:sldId id="302" r:id="rId47"/>
     <p:sldId id="303" r:id="rId48"/>
+    <p:sldId id="304" r:id="rId49"/>
+    <p:sldId id="305" r:id="rId50"/>
   </p:sldIdLst>
   <p:sldSz cx="12192000" cy="6858000"/>
   <p:notesSz cx="6858000" cy="9144000"/>
@@ -393,7 +395,7 @@
           <a:p>
             <a:fld id="{9F08AD8F-3C3D-4B63-978B-A283DF666F72}" type="datetimeFigureOut">
               <a:rPr lang="en-US" smtClean="0"/>
-              <a:t>6/30/2023</a:t>
+              <a:t>7/4/2023</a:t>
             </a:fld>
             <a:endParaRPr lang="en-US" dirty="0"/>
           </a:p>
@@ -591,7 +593,7 @@
           <a:p>
             <a:fld id="{9F08AD8F-3C3D-4B63-978B-A283DF666F72}" type="datetimeFigureOut">
               <a:rPr lang="en-US" smtClean="0"/>
-              <a:t>6/30/2023</a:t>
+              <a:t>7/4/2023</a:t>
             </a:fld>
             <a:endParaRPr lang="en-US" dirty="0"/>
           </a:p>
@@ -799,7 +801,7 @@
           <a:p>
             <a:fld id="{9F08AD8F-3C3D-4B63-978B-A283DF666F72}" type="datetimeFigureOut">
               <a:rPr lang="en-US" smtClean="0"/>
-              <a:t>6/30/2023</a:t>
+              <a:t>7/4/2023</a:t>
             </a:fld>
             <a:endParaRPr lang="en-US" dirty="0"/>
           </a:p>
@@ -997,7 +999,7 @@
           <a:p>
             <a:fld id="{9F08AD8F-3C3D-4B63-978B-A283DF666F72}" type="datetimeFigureOut">
               <a:rPr lang="en-US" smtClean="0"/>
-              <a:t>6/30/2023</a:t>
+              <a:t>7/4/2023</a:t>
             </a:fld>
             <a:endParaRPr lang="en-US" dirty="0"/>
           </a:p>
@@ -1272,7 +1274,7 @@
           <a:p>
             <a:fld id="{9F08AD8F-3C3D-4B63-978B-A283DF666F72}" type="datetimeFigureOut">
               <a:rPr lang="en-US" smtClean="0"/>
-              <a:t>6/30/2023</a:t>
+              <a:t>7/4/2023</a:t>
             </a:fld>
             <a:endParaRPr lang="en-US" dirty="0"/>
           </a:p>
@@ -1537,7 +1539,7 @@
           <a:p>
             <a:fld id="{9F08AD8F-3C3D-4B63-978B-A283DF666F72}" type="datetimeFigureOut">
               <a:rPr lang="en-US" smtClean="0"/>
-              <a:t>6/30/2023</a:t>
+              <a:t>7/4/2023</a:t>
             </a:fld>
             <a:endParaRPr lang="en-US" dirty="0"/>
           </a:p>
@@ -1949,7 +1951,7 @@
           <a:p>
             <a:fld id="{9F08AD8F-3C3D-4B63-978B-A283DF666F72}" type="datetimeFigureOut">
               <a:rPr lang="en-US" smtClean="0"/>
-              <a:t>6/30/2023</a:t>
+              <a:t>7/4/2023</a:t>
             </a:fld>
             <a:endParaRPr lang="en-US" dirty="0"/>
           </a:p>
@@ -2090,7 +2092,7 @@
           <a:p>
             <a:fld id="{9F08AD8F-3C3D-4B63-978B-A283DF666F72}" type="datetimeFigureOut">
               <a:rPr lang="en-US" smtClean="0"/>
-              <a:t>6/30/2023</a:t>
+              <a:t>7/4/2023</a:t>
             </a:fld>
             <a:endParaRPr lang="en-US" dirty="0"/>
           </a:p>
@@ -2203,7 +2205,7 @@
           <a:p>
             <a:fld id="{9F08AD8F-3C3D-4B63-978B-A283DF666F72}" type="datetimeFigureOut">
               <a:rPr lang="en-US" smtClean="0"/>
-              <a:t>6/30/2023</a:t>
+              <a:t>7/4/2023</a:t>
             </a:fld>
             <a:endParaRPr lang="en-US" dirty="0"/>
           </a:p>
@@ -2514,7 +2516,7 @@
           <a:p>
             <a:fld id="{9F08AD8F-3C3D-4B63-978B-A283DF666F72}" type="datetimeFigureOut">
               <a:rPr lang="en-US" smtClean="0"/>
-              <a:t>6/30/2023</a:t>
+              <a:t>7/4/2023</a:t>
             </a:fld>
             <a:endParaRPr lang="en-US" dirty="0"/>
           </a:p>
@@ -2802,7 +2804,7 @@
           <a:p>
             <a:fld id="{9F08AD8F-3C3D-4B63-978B-A283DF666F72}" type="datetimeFigureOut">
               <a:rPr lang="en-US" smtClean="0"/>
-              <a:t>6/30/2023</a:t>
+              <a:t>7/4/2023</a:t>
             </a:fld>
             <a:endParaRPr lang="en-US" dirty="0"/>
           </a:p>
@@ -3043,7 +3045,7 @@
           <a:p>
             <a:fld id="{9F08AD8F-3C3D-4B63-978B-A283DF666F72}" type="datetimeFigureOut">
               <a:rPr lang="en-US" smtClean="0"/>
-              <a:t>6/30/2023</a:t>
+              <a:t>7/4/2023</a:t>
             </a:fld>
             <a:endParaRPr lang="en-US" dirty="0"/>
           </a:p>
@@ -23804,6 +23806,225 @@
     <p:extLst>
       <p:ext uri="{BB962C8B-B14F-4D97-AF65-F5344CB8AC3E}">
         <p14:creationId xmlns:p14="http://schemas.microsoft.com/office/powerpoint/2010/main" val="4062387336"/>
+      </p:ext>
+    </p:extLst>
+  </p:cSld>
+  <p:clrMapOvr>
+    <a:masterClrMapping/>
+  </p:clrMapOvr>
+</p:sld>
+</file>
+
+<file path=ppt/slides/slide48.xml><?xml version="1.0" encoding="utf-8"?>
+<p:sld xmlns:a="http://schemas.openxmlformats.org/drawingml/2006/main" xmlns:r="http://schemas.openxmlformats.org/officeDocument/2006/relationships" xmlns:p="http://schemas.openxmlformats.org/presentationml/2006/main">
+  <p:cSld>
+    <p:spTree>
+      <p:nvGrpSpPr>
+        <p:cNvPr id="1" name=""/>
+        <p:cNvGrpSpPr/>
+        <p:nvPr/>
+      </p:nvGrpSpPr>
+      <p:grpSpPr>
+        <a:xfrm>
+          <a:off x="0" y="0"/>
+          <a:ext cx="0" cy="0"/>
+          <a:chOff x="0" y="0"/>
+          <a:chExt cx="0" cy="0"/>
+        </a:xfrm>
+      </p:grpSpPr>
+      <p:sp>
+        <p:nvSpPr>
+          <p:cNvPr id="2" name="Title 1">
+            <a:extLst>
+              <a:ext uri="{FF2B5EF4-FFF2-40B4-BE49-F238E27FC236}">
+                <a16:creationId xmlns:a16="http://schemas.microsoft.com/office/drawing/2014/main" id="{EAAD13CC-189A-94FF-0F07-B9FC896F6546}"/>
+              </a:ext>
+            </a:extLst>
+          </p:cNvPr>
+          <p:cNvSpPr>
+            <a:spLocks noGrp="1"/>
+          </p:cNvSpPr>
+          <p:nvPr>
+            <p:ph type="title"/>
+          </p:nvPr>
+        </p:nvSpPr>
+        <p:spPr>
+          <a:xfrm>
+            <a:off x="838200" y="365125"/>
+            <a:ext cx="10515600" cy="752475"/>
+          </a:xfrm>
+        </p:spPr>
+        <p:txBody>
+          <a:bodyPr/>
+          <a:lstStyle/>
+          <a:p>
+            <a:pPr algn="ctr"/>
+            <a:r>
+              <a:rPr lang="en-US" dirty="0"/>
+              <a:t>Pagination</a:t>
+            </a:r>
+          </a:p>
+        </p:txBody>
+      </p:sp>
+      <p:sp>
+        <p:nvSpPr>
+          <p:cNvPr id="3" name="Content Placeholder 2">
+            <a:extLst>
+              <a:ext uri="{FF2B5EF4-FFF2-40B4-BE49-F238E27FC236}">
+                <a16:creationId xmlns:a16="http://schemas.microsoft.com/office/drawing/2014/main" id="{E79DFF98-29C7-3276-E47D-A392AEBB2C87}"/>
+              </a:ext>
+            </a:extLst>
+          </p:cNvPr>
+          <p:cNvSpPr>
+            <a:spLocks noGrp="1"/>
+          </p:cNvSpPr>
+          <p:nvPr>
+            <p:ph idx="1"/>
+          </p:nvPr>
+        </p:nvSpPr>
+        <p:spPr>
+          <a:xfrm>
+            <a:off x="838200" y="1248229"/>
+            <a:ext cx="10515600" cy="4928734"/>
+          </a:xfrm>
+        </p:spPr>
+        <p:txBody>
+          <a:bodyPr/>
+          <a:lstStyle/>
+          <a:p>
+            <a:pPr marL="0" indent="0" algn="ctr">
+              <a:buNone/>
+            </a:pPr>
+            <a:r>
+              <a:rPr lang="en-US" dirty="0"/>
+              <a:t>Fetching Data in chunks</a:t>
+            </a:r>
+          </a:p>
+        </p:txBody>
+      </p:sp>
+    </p:spTree>
+    <p:extLst>
+      <p:ext uri="{BB962C8B-B14F-4D97-AF65-F5344CB8AC3E}">
+        <p14:creationId xmlns:p14="http://schemas.microsoft.com/office/powerpoint/2010/main" val="1423142359"/>
+      </p:ext>
+    </p:extLst>
+  </p:cSld>
+  <p:clrMapOvr>
+    <a:masterClrMapping/>
+  </p:clrMapOvr>
+</p:sld>
+</file>
+
+<file path=ppt/slides/slide49.xml><?xml version="1.0" encoding="utf-8"?>
+<p:sld xmlns:a="http://schemas.openxmlformats.org/drawingml/2006/main" xmlns:r="http://schemas.openxmlformats.org/officeDocument/2006/relationships" xmlns:p="http://schemas.openxmlformats.org/presentationml/2006/main">
+  <p:cSld>
+    <p:spTree>
+      <p:nvGrpSpPr>
+        <p:cNvPr id="1" name=""/>
+        <p:cNvGrpSpPr/>
+        <p:nvPr/>
+      </p:nvGrpSpPr>
+      <p:grpSpPr>
+        <a:xfrm>
+          <a:off x="0" y="0"/>
+          <a:ext cx="0" cy="0"/>
+          <a:chOff x="0" y="0"/>
+          <a:chExt cx="0" cy="0"/>
+        </a:xfrm>
+      </p:grpSpPr>
+      <p:sp>
+        <p:nvSpPr>
+          <p:cNvPr id="2" name="Title 1">
+            <a:extLst>
+              <a:ext uri="{FF2B5EF4-FFF2-40B4-BE49-F238E27FC236}">
+                <a16:creationId xmlns:a16="http://schemas.microsoft.com/office/drawing/2014/main" id="{83B6F911-1265-7110-17CB-F09CCA28DC2F}"/>
+              </a:ext>
+            </a:extLst>
+          </p:cNvPr>
+          <p:cNvSpPr>
+            <a:spLocks noGrp="1"/>
+          </p:cNvSpPr>
+          <p:nvPr>
+            <p:ph type="title"/>
+          </p:nvPr>
+        </p:nvSpPr>
+        <p:spPr>
+          <a:xfrm>
+            <a:off x="838200" y="365125"/>
+            <a:ext cx="10515600" cy="665389"/>
+          </a:xfrm>
+        </p:spPr>
+        <p:txBody>
+          <a:bodyPr>
+            <a:normAutofit fontScale="90000"/>
+          </a:bodyPr>
+          <a:lstStyle/>
+          <a:p>
+            <a:r>
+              <a:rPr lang="en-US" dirty="0"/>
+              <a:t>Pagination</a:t>
+            </a:r>
+          </a:p>
+        </p:txBody>
+      </p:sp>
+      <p:sp>
+        <p:nvSpPr>
+          <p:cNvPr id="3" name="Content Placeholder 2">
+            <a:extLst>
+              <a:ext uri="{FF2B5EF4-FFF2-40B4-BE49-F238E27FC236}">
+                <a16:creationId xmlns:a16="http://schemas.microsoft.com/office/drawing/2014/main" id="{06ECE136-5624-3CEE-DD19-658A62C1A212}"/>
+              </a:ext>
+            </a:extLst>
+          </p:cNvPr>
+          <p:cNvSpPr>
+            <a:spLocks noGrp="1"/>
+          </p:cNvSpPr>
+          <p:nvPr>
+            <p:ph idx="1"/>
+          </p:nvPr>
+        </p:nvSpPr>
+        <p:spPr>
+          <a:xfrm>
+            <a:off x="838200" y="1248229"/>
+            <a:ext cx="10515600" cy="4928734"/>
+          </a:xfrm>
+        </p:spPr>
+        <p:txBody>
+          <a:bodyPr/>
+          <a:lstStyle/>
+          <a:p>
+            <a:r>
+              <a:rPr lang="en-US" dirty="0"/>
+              <a:t>Adding Pagination Links</a:t>
+            </a:r>
+          </a:p>
+          <a:p>
+            <a:r>
+              <a:rPr lang="en-US" dirty="0"/>
+              <a:t>Retrieving a Chunk of Data</a:t>
+            </a:r>
+          </a:p>
+          <a:p>
+            <a:r>
+              <a:rPr lang="en-US" dirty="0"/>
+              <a:t>Preparing Pagination Data on the Server</a:t>
+            </a:r>
+          </a:p>
+          <a:p>
+            <a:r>
+              <a:rPr lang="en-US" dirty="0"/>
+              <a:t>Adding Dynamic Pagination Buttons</a:t>
+            </a:r>
+          </a:p>
+          <a:p>
+            <a:endParaRPr lang="en-US" dirty="0"/>
+          </a:p>
+        </p:txBody>
+      </p:sp>
+    </p:spTree>
+    <p:extLst>
+      <p:ext uri="{BB962C8B-B14F-4D97-AF65-F5344CB8AC3E}">
+        <p14:creationId xmlns:p14="http://schemas.microsoft.com/office/powerpoint/2010/main" val="28631178"/>
       </p:ext>
     </p:extLst>
   </p:cSld>

--- a/Database.pptx
+++ b/Database.pptx
@@ -395,7 +395,7 @@
           <a:p>
             <a:fld id="{9F08AD8F-3C3D-4B63-978B-A283DF666F72}" type="datetimeFigureOut">
               <a:rPr lang="en-US" smtClean="0"/>
-              <a:t>7/4/2023</a:t>
+              <a:t>7/5/2023</a:t>
             </a:fld>
             <a:endParaRPr lang="en-US" dirty="0"/>
           </a:p>
@@ -593,7 +593,7 @@
           <a:p>
             <a:fld id="{9F08AD8F-3C3D-4B63-978B-A283DF666F72}" type="datetimeFigureOut">
               <a:rPr lang="en-US" smtClean="0"/>
-              <a:t>7/4/2023</a:t>
+              <a:t>7/5/2023</a:t>
             </a:fld>
             <a:endParaRPr lang="en-US" dirty="0"/>
           </a:p>
@@ -801,7 +801,7 @@
           <a:p>
             <a:fld id="{9F08AD8F-3C3D-4B63-978B-A283DF666F72}" type="datetimeFigureOut">
               <a:rPr lang="en-US" smtClean="0"/>
-              <a:t>7/4/2023</a:t>
+              <a:t>7/5/2023</a:t>
             </a:fld>
             <a:endParaRPr lang="en-US" dirty="0"/>
           </a:p>
@@ -999,7 +999,7 @@
           <a:p>
             <a:fld id="{9F08AD8F-3C3D-4B63-978B-A283DF666F72}" type="datetimeFigureOut">
               <a:rPr lang="en-US" smtClean="0"/>
-              <a:t>7/4/2023</a:t>
+              <a:t>7/5/2023</a:t>
             </a:fld>
             <a:endParaRPr lang="en-US" dirty="0"/>
           </a:p>
@@ -1274,7 +1274,7 @@
           <a:p>
             <a:fld id="{9F08AD8F-3C3D-4B63-978B-A283DF666F72}" type="datetimeFigureOut">
               <a:rPr lang="en-US" smtClean="0"/>
-              <a:t>7/4/2023</a:t>
+              <a:t>7/5/2023</a:t>
             </a:fld>
             <a:endParaRPr lang="en-US" dirty="0"/>
           </a:p>
@@ -1539,7 +1539,7 @@
           <a:p>
             <a:fld id="{9F08AD8F-3C3D-4B63-978B-A283DF666F72}" type="datetimeFigureOut">
               <a:rPr lang="en-US" smtClean="0"/>
-              <a:t>7/4/2023</a:t>
+              <a:t>7/5/2023</a:t>
             </a:fld>
             <a:endParaRPr lang="en-US" dirty="0"/>
           </a:p>
@@ -1951,7 +1951,7 @@
           <a:p>
             <a:fld id="{9F08AD8F-3C3D-4B63-978B-A283DF666F72}" type="datetimeFigureOut">
               <a:rPr lang="en-US" smtClean="0"/>
-              <a:t>7/4/2023</a:t>
+              <a:t>7/5/2023</a:t>
             </a:fld>
             <a:endParaRPr lang="en-US" dirty="0"/>
           </a:p>
@@ -2092,7 +2092,7 @@
           <a:p>
             <a:fld id="{9F08AD8F-3C3D-4B63-978B-A283DF666F72}" type="datetimeFigureOut">
               <a:rPr lang="en-US" smtClean="0"/>
-              <a:t>7/4/2023</a:t>
+              <a:t>7/5/2023</a:t>
             </a:fld>
             <a:endParaRPr lang="en-US" dirty="0"/>
           </a:p>
@@ -2205,7 +2205,7 @@
           <a:p>
             <a:fld id="{9F08AD8F-3C3D-4B63-978B-A283DF666F72}" type="datetimeFigureOut">
               <a:rPr lang="en-US" smtClean="0"/>
-              <a:t>7/4/2023</a:t>
+              <a:t>7/5/2023</a:t>
             </a:fld>
             <a:endParaRPr lang="en-US" dirty="0"/>
           </a:p>
@@ -2516,7 +2516,7 @@
           <a:p>
             <a:fld id="{9F08AD8F-3C3D-4B63-978B-A283DF666F72}" type="datetimeFigureOut">
               <a:rPr lang="en-US" smtClean="0"/>
-              <a:t>7/4/2023</a:t>
+              <a:t>7/5/2023</a:t>
             </a:fld>
             <a:endParaRPr lang="en-US" dirty="0"/>
           </a:p>
@@ -2804,7 +2804,7 @@
           <a:p>
             <a:fld id="{9F08AD8F-3C3D-4B63-978B-A283DF666F72}" type="datetimeFigureOut">
               <a:rPr lang="en-US" smtClean="0"/>
-              <a:t>7/4/2023</a:t>
+              <a:t>7/5/2023</a:t>
             </a:fld>
             <a:endParaRPr lang="en-US" dirty="0"/>
           </a:p>
@@ -3045,7 +3045,7 @@
           <a:p>
             <a:fld id="{9F08AD8F-3C3D-4B63-978B-A283DF666F72}" type="datetimeFigureOut">
               <a:rPr lang="en-US" smtClean="0"/>
-              <a:t>7/4/2023</a:t>
+              <a:t>7/5/2023</a:t>
             </a:fld>
             <a:endParaRPr lang="en-US" dirty="0"/>
           </a:p>
@@ -24014,6 +24014,12 @@
             <a:r>
               <a:rPr lang="en-US" dirty="0"/>
               <a:t>Adding Dynamic Pagination Buttons</a:t>
+            </a:r>
+          </a:p>
+          <a:p>
+            <a:r>
+              <a:rPr lang="en-US" dirty="0"/>
+              <a:t>Re-Using the Pagination Logic &amp; Controls</a:t>
             </a:r>
           </a:p>
           <a:p>

--- a/Database.pptx
+++ b/Database.pptx
@@ -54,6 +54,10 @@
     <p:sldId id="303" r:id="rId48"/>
     <p:sldId id="304" r:id="rId49"/>
     <p:sldId id="305" r:id="rId50"/>
+    <p:sldId id="306" r:id="rId51"/>
+    <p:sldId id="307" r:id="rId52"/>
+    <p:sldId id="308" r:id="rId53"/>
+    <p:sldId id="309" r:id="rId54"/>
   </p:sldIdLst>
   <p:sldSz cx="12192000" cy="6858000"/>
   <p:notesSz cx="6858000" cy="9144000"/>
@@ -395,7 +399,7 @@
           <a:p>
             <a:fld id="{9F08AD8F-3C3D-4B63-978B-A283DF666F72}" type="datetimeFigureOut">
               <a:rPr lang="en-US" smtClean="0"/>
-              <a:t>7/5/2023</a:t>
+              <a:t>7/12/2023</a:t>
             </a:fld>
             <a:endParaRPr lang="en-US" dirty="0"/>
           </a:p>
@@ -593,7 +597,7 @@
           <a:p>
             <a:fld id="{9F08AD8F-3C3D-4B63-978B-A283DF666F72}" type="datetimeFigureOut">
               <a:rPr lang="en-US" smtClean="0"/>
-              <a:t>7/5/2023</a:t>
+              <a:t>7/12/2023</a:t>
             </a:fld>
             <a:endParaRPr lang="en-US" dirty="0"/>
           </a:p>
@@ -801,7 +805,7 @@
           <a:p>
             <a:fld id="{9F08AD8F-3C3D-4B63-978B-A283DF666F72}" type="datetimeFigureOut">
               <a:rPr lang="en-US" smtClean="0"/>
-              <a:t>7/5/2023</a:t>
+              <a:t>7/12/2023</a:t>
             </a:fld>
             <a:endParaRPr lang="en-US" dirty="0"/>
           </a:p>
@@ -999,7 +1003,7 @@
           <a:p>
             <a:fld id="{9F08AD8F-3C3D-4B63-978B-A283DF666F72}" type="datetimeFigureOut">
               <a:rPr lang="en-US" smtClean="0"/>
-              <a:t>7/5/2023</a:t>
+              <a:t>7/12/2023</a:t>
             </a:fld>
             <a:endParaRPr lang="en-US" dirty="0"/>
           </a:p>
@@ -1274,7 +1278,7 @@
           <a:p>
             <a:fld id="{9F08AD8F-3C3D-4B63-978B-A283DF666F72}" type="datetimeFigureOut">
               <a:rPr lang="en-US" smtClean="0"/>
-              <a:t>7/5/2023</a:t>
+              <a:t>7/12/2023</a:t>
             </a:fld>
             <a:endParaRPr lang="en-US" dirty="0"/>
           </a:p>
@@ -1539,7 +1543,7 @@
           <a:p>
             <a:fld id="{9F08AD8F-3C3D-4B63-978B-A283DF666F72}" type="datetimeFigureOut">
               <a:rPr lang="en-US" smtClean="0"/>
-              <a:t>7/5/2023</a:t>
+              <a:t>7/12/2023</a:t>
             </a:fld>
             <a:endParaRPr lang="en-US" dirty="0"/>
           </a:p>
@@ -1951,7 +1955,7 @@
           <a:p>
             <a:fld id="{9F08AD8F-3C3D-4B63-978B-A283DF666F72}" type="datetimeFigureOut">
               <a:rPr lang="en-US" smtClean="0"/>
-              <a:t>7/5/2023</a:t>
+              <a:t>7/12/2023</a:t>
             </a:fld>
             <a:endParaRPr lang="en-US" dirty="0"/>
           </a:p>
@@ -2092,7 +2096,7 @@
           <a:p>
             <a:fld id="{9F08AD8F-3C3D-4B63-978B-A283DF666F72}" type="datetimeFigureOut">
               <a:rPr lang="en-US" smtClean="0"/>
-              <a:t>7/5/2023</a:t>
+              <a:t>7/12/2023</a:t>
             </a:fld>
             <a:endParaRPr lang="en-US" dirty="0"/>
           </a:p>
@@ -2205,7 +2209,7 @@
           <a:p>
             <a:fld id="{9F08AD8F-3C3D-4B63-978B-A283DF666F72}" type="datetimeFigureOut">
               <a:rPr lang="en-US" smtClean="0"/>
-              <a:t>7/5/2023</a:t>
+              <a:t>7/12/2023</a:t>
             </a:fld>
             <a:endParaRPr lang="en-US" dirty="0"/>
           </a:p>
@@ -2516,7 +2520,7 @@
           <a:p>
             <a:fld id="{9F08AD8F-3C3D-4B63-978B-A283DF666F72}" type="datetimeFigureOut">
               <a:rPr lang="en-US" smtClean="0"/>
-              <a:t>7/5/2023</a:t>
+              <a:t>7/12/2023</a:t>
             </a:fld>
             <a:endParaRPr lang="en-US" dirty="0"/>
           </a:p>
@@ -2804,7 +2808,7 @@
           <a:p>
             <a:fld id="{9F08AD8F-3C3D-4B63-978B-A283DF666F72}" type="datetimeFigureOut">
               <a:rPr lang="en-US" smtClean="0"/>
-              <a:t>7/5/2023</a:t>
+              <a:t>7/12/2023</a:t>
             </a:fld>
             <a:endParaRPr lang="en-US" dirty="0"/>
           </a:p>
@@ -3045,7 +3049,7 @@
           <a:p>
             <a:fld id="{9F08AD8F-3C3D-4B63-978B-A283DF666F72}" type="datetimeFigureOut">
               <a:rPr lang="en-US" smtClean="0"/>
-              <a:t>7/5/2023</a:t>
+              <a:t>7/12/2023</a:t>
             </a:fld>
             <a:endParaRPr lang="en-US" dirty="0"/>
           </a:p>
@@ -24782,6 +24786,1758 @@
     <p:extLst>
       <p:ext uri="{BB962C8B-B14F-4D97-AF65-F5344CB8AC3E}">
         <p14:creationId xmlns:p14="http://schemas.microsoft.com/office/powerpoint/2010/main" val="3844184454"/>
+      </p:ext>
+    </p:extLst>
+  </p:cSld>
+  <p:clrMapOvr>
+    <a:masterClrMapping/>
+  </p:clrMapOvr>
+</p:sld>
+</file>
+
+<file path=ppt/slides/slide50.xml><?xml version="1.0" encoding="utf-8"?>
+<p:sld xmlns:a="http://schemas.openxmlformats.org/drawingml/2006/main" xmlns:r="http://schemas.openxmlformats.org/officeDocument/2006/relationships" xmlns:p="http://schemas.openxmlformats.org/presentationml/2006/main">
+  <p:cSld>
+    <p:spTree>
+      <p:nvGrpSpPr>
+        <p:cNvPr id="1" name=""/>
+        <p:cNvGrpSpPr/>
+        <p:nvPr/>
+      </p:nvGrpSpPr>
+      <p:grpSpPr>
+        <a:xfrm>
+          <a:off x="0" y="0"/>
+          <a:ext cx="0" cy="0"/>
+          <a:chOff x="0" y="0"/>
+          <a:chExt cx="0" cy="0"/>
+        </a:xfrm>
+      </p:grpSpPr>
+      <p:sp>
+        <p:nvSpPr>
+          <p:cNvPr id="2" name="Title 1">
+            <a:extLst>
+              <a:ext uri="{FF2B5EF4-FFF2-40B4-BE49-F238E27FC236}">
+                <a16:creationId xmlns:a16="http://schemas.microsoft.com/office/drawing/2014/main" id="{A08AE65B-CC60-009F-ECF6-1CEA8A27F4DB}"/>
+              </a:ext>
+            </a:extLst>
+          </p:cNvPr>
+          <p:cNvSpPr>
+            <a:spLocks noGrp="1"/>
+          </p:cNvSpPr>
+          <p:nvPr>
+            <p:ph type="title"/>
+          </p:nvPr>
+        </p:nvSpPr>
+        <p:spPr/>
+        <p:txBody>
+          <a:bodyPr/>
+          <a:lstStyle/>
+          <a:p>
+            <a:r>
+              <a:rPr lang="en-US" dirty="0"/>
+              <a:t>Asynchronous JavaScript Requests</a:t>
+            </a:r>
+          </a:p>
+        </p:txBody>
+      </p:sp>
+      <p:sp>
+        <p:nvSpPr>
+          <p:cNvPr id="4" name="Rectangle 3">
+            <a:extLst>
+              <a:ext uri="{FF2B5EF4-FFF2-40B4-BE49-F238E27FC236}">
+                <a16:creationId xmlns:a16="http://schemas.microsoft.com/office/drawing/2014/main" id="{2FB9B965-122C-F2D8-29B5-093827D48BE5}"/>
+              </a:ext>
+            </a:extLst>
+          </p:cNvPr>
+          <p:cNvSpPr/>
+          <p:nvPr/>
+        </p:nvSpPr>
+        <p:spPr>
+          <a:xfrm>
+            <a:off x="3918857" y="1509486"/>
+            <a:ext cx="4223657" cy="827314"/>
+          </a:xfrm>
+          <a:prstGeom prst="rect">
+            <a:avLst/>
+          </a:prstGeom>
+        </p:spPr>
+        <p:style>
+          <a:lnRef idx="2">
+            <a:schemeClr val="accent1">
+              <a:shade val="15000"/>
+            </a:schemeClr>
+          </a:lnRef>
+          <a:fillRef idx="1">
+            <a:schemeClr val="accent1"/>
+          </a:fillRef>
+          <a:effectRef idx="0">
+            <a:schemeClr val="accent1"/>
+          </a:effectRef>
+          <a:fontRef idx="minor">
+            <a:schemeClr val="lt1"/>
+          </a:fontRef>
+        </p:style>
+        <p:txBody>
+          <a:bodyPr rtlCol="0" anchor="ctr"/>
+          <a:lstStyle/>
+          <a:p>
+            <a:pPr algn="ctr"/>
+            <a:r>
+              <a:rPr lang="en-US" dirty="0"/>
+              <a:t>Client (Browser)</a:t>
+            </a:r>
+          </a:p>
+        </p:txBody>
+      </p:sp>
+      <p:sp>
+        <p:nvSpPr>
+          <p:cNvPr id="6" name="Rectangle 5">
+            <a:extLst>
+              <a:ext uri="{FF2B5EF4-FFF2-40B4-BE49-F238E27FC236}">
+                <a16:creationId xmlns:a16="http://schemas.microsoft.com/office/drawing/2014/main" id="{0067112F-8F03-52A8-8036-C7EA10EFCBD8}"/>
+              </a:ext>
+            </a:extLst>
+          </p:cNvPr>
+          <p:cNvSpPr/>
+          <p:nvPr/>
+        </p:nvSpPr>
+        <p:spPr>
+          <a:xfrm>
+            <a:off x="3918855" y="5665561"/>
+            <a:ext cx="4223657" cy="827314"/>
+          </a:xfrm>
+          <a:prstGeom prst="rect">
+            <a:avLst/>
+          </a:prstGeom>
+        </p:spPr>
+        <p:style>
+          <a:lnRef idx="2">
+            <a:schemeClr val="accent1">
+              <a:shade val="15000"/>
+            </a:schemeClr>
+          </a:lnRef>
+          <a:fillRef idx="1">
+            <a:schemeClr val="accent1"/>
+          </a:fillRef>
+          <a:effectRef idx="0">
+            <a:schemeClr val="accent1"/>
+          </a:effectRef>
+          <a:fontRef idx="minor">
+            <a:schemeClr val="lt1"/>
+          </a:fontRef>
+        </p:style>
+        <p:txBody>
+          <a:bodyPr rtlCol="0" anchor="ctr"/>
+          <a:lstStyle/>
+          <a:p>
+            <a:pPr algn="ctr"/>
+            <a:r>
+              <a:rPr lang="en-US" dirty="0"/>
+              <a:t>Server (Node App)</a:t>
+            </a:r>
+          </a:p>
+        </p:txBody>
+      </p:sp>
+      <p:sp>
+        <p:nvSpPr>
+          <p:cNvPr id="7" name="Arrow: Down 6">
+            <a:extLst>
+              <a:ext uri="{FF2B5EF4-FFF2-40B4-BE49-F238E27FC236}">
+                <a16:creationId xmlns:a16="http://schemas.microsoft.com/office/drawing/2014/main" id="{6232A030-695B-5B37-9C2C-7F11A94B8E37}"/>
+              </a:ext>
+            </a:extLst>
+          </p:cNvPr>
+          <p:cNvSpPr/>
+          <p:nvPr/>
+        </p:nvSpPr>
+        <p:spPr>
+          <a:xfrm>
+            <a:off x="4528457" y="2598057"/>
+            <a:ext cx="1001486" cy="2750457"/>
+          </a:xfrm>
+          <a:prstGeom prst="downArrow">
+            <a:avLst/>
+          </a:prstGeom>
+        </p:spPr>
+        <p:style>
+          <a:lnRef idx="2">
+            <a:schemeClr val="accent1">
+              <a:shade val="15000"/>
+            </a:schemeClr>
+          </a:lnRef>
+          <a:fillRef idx="1">
+            <a:schemeClr val="accent1"/>
+          </a:fillRef>
+          <a:effectRef idx="0">
+            <a:schemeClr val="accent1"/>
+          </a:effectRef>
+          <a:fontRef idx="minor">
+            <a:schemeClr val="lt1"/>
+          </a:fontRef>
+        </p:style>
+        <p:txBody>
+          <a:bodyPr rtlCol="0" anchor="ctr"/>
+          <a:lstStyle/>
+          <a:p>
+            <a:pPr algn="ctr"/>
+            <a:endParaRPr lang="en-US"/>
+          </a:p>
+        </p:txBody>
+      </p:sp>
+      <p:sp>
+        <p:nvSpPr>
+          <p:cNvPr id="8" name="TextBox 7">
+            <a:extLst>
+              <a:ext uri="{FF2B5EF4-FFF2-40B4-BE49-F238E27FC236}">
+                <a16:creationId xmlns:a16="http://schemas.microsoft.com/office/drawing/2014/main" id="{8B640CEA-9030-30B3-80EC-C7D43133CF76}"/>
+              </a:ext>
+            </a:extLst>
+          </p:cNvPr>
+          <p:cNvSpPr txBox="1"/>
+          <p:nvPr/>
+        </p:nvSpPr>
+        <p:spPr>
+          <a:xfrm>
+            <a:off x="2960914" y="3429000"/>
+            <a:ext cx="944297" cy="369332"/>
+          </a:xfrm>
+          <a:prstGeom prst="rect">
+            <a:avLst/>
+          </a:prstGeom>
+          <a:noFill/>
+        </p:spPr>
+        <p:txBody>
+          <a:bodyPr wrap="none" rtlCol="0">
+            <a:spAutoFit/>
+          </a:bodyPr>
+          <a:lstStyle/>
+          <a:p>
+            <a:r>
+              <a:rPr lang="en-US" dirty="0"/>
+              <a:t>Request</a:t>
+            </a:r>
+          </a:p>
+        </p:txBody>
+      </p:sp>
+      <p:sp>
+        <p:nvSpPr>
+          <p:cNvPr id="9" name="Arrow: Down 8">
+            <a:extLst>
+              <a:ext uri="{FF2B5EF4-FFF2-40B4-BE49-F238E27FC236}">
+                <a16:creationId xmlns:a16="http://schemas.microsoft.com/office/drawing/2014/main" id="{90BD9D1E-9CD0-556F-59F8-5895AD09C3FF}"/>
+              </a:ext>
+            </a:extLst>
+          </p:cNvPr>
+          <p:cNvSpPr/>
+          <p:nvPr/>
+        </p:nvSpPr>
+        <p:spPr>
+          <a:xfrm rot="10800000">
+            <a:off x="6662059" y="2598056"/>
+            <a:ext cx="1001486" cy="2750457"/>
+          </a:xfrm>
+          <a:prstGeom prst="downArrow">
+            <a:avLst/>
+          </a:prstGeom>
+        </p:spPr>
+        <p:style>
+          <a:lnRef idx="2">
+            <a:schemeClr val="accent1">
+              <a:shade val="15000"/>
+            </a:schemeClr>
+          </a:lnRef>
+          <a:fillRef idx="1">
+            <a:schemeClr val="accent1"/>
+          </a:fillRef>
+          <a:effectRef idx="0">
+            <a:schemeClr val="accent1"/>
+          </a:effectRef>
+          <a:fontRef idx="minor">
+            <a:schemeClr val="lt1"/>
+          </a:fontRef>
+        </p:style>
+        <p:txBody>
+          <a:bodyPr rtlCol="0" anchor="ctr"/>
+          <a:lstStyle/>
+          <a:p>
+            <a:pPr algn="ctr"/>
+            <a:endParaRPr lang="en-US"/>
+          </a:p>
+        </p:txBody>
+      </p:sp>
+      <p:sp>
+        <p:nvSpPr>
+          <p:cNvPr id="10" name="TextBox 9">
+            <a:extLst>
+              <a:ext uri="{FF2B5EF4-FFF2-40B4-BE49-F238E27FC236}">
+                <a16:creationId xmlns:a16="http://schemas.microsoft.com/office/drawing/2014/main" id="{2CE7D0E6-4E72-5978-73B8-B463D0FAC728}"/>
+              </a:ext>
+            </a:extLst>
+          </p:cNvPr>
+          <p:cNvSpPr txBox="1"/>
+          <p:nvPr/>
+        </p:nvSpPr>
+        <p:spPr>
+          <a:xfrm>
+            <a:off x="8323511" y="3474533"/>
+            <a:ext cx="1081515" cy="369332"/>
+          </a:xfrm>
+          <a:prstGeom prst="rect">
+            <a:avLst/>
+          </a:prstGeom>
+          <a:noFill/>
+        </p:spPr>
+        <p:txBody>
+          <a:bodyPr wrap="none" rtlCol="0">
+            <a:spAutoFit/>
+          </a:bodyPr>
+          <a:lstStyle/>
+          <a:p>
+            <a:r>
+              <a:rPr lang="en-US" dirty="0"/>
+              <a:t>Response</a:t>
+            </a:r>
+          </a:p>
+        </p:txBody>
+      </p:sp>
+      <p:sp>
+        <p:nvSpPr>
+          <p:cNvPr id="11" name="Rectangle: Rounded Corners 10">
+            <a:extLst>
+              <a:ext uri="{FF2B5EF4-FFF2-40B4-BE49-F238E27FC236}">
+                <a16:creationId xmlns:a16="http://schemas.microsoft.com/office/drawing/2014/main" id="{8D6D8C2C-0EA2-D5B9-4335-406705A62541}"/>
+              </a:ext>
+            </a:extLst>
+          </p:cNvPr>
+          <p:cNvSpPr/>
+          <p:nvPr/>
+        </p:nvSpPr>
+        <p:spPr>
+          <a:xfrm>
+            <a:off x="6270167" y="3843865"/>
+            <a:ext cx="1959428" cy="677336"/>
+          </a:xfrm>
+          <a:prstGeom prst="roundRect">
+            <a:avLst/>
+          </a:prstGeom>
+        </p:spPr>
+        <p:style>
+          <a:lnRef idx="2">
+            <a:schemeClr val="accent1">
+              <a:shade val="15000"/>
+            </a:schemeClr>
+          </a:lnRef>
+          <a:fillRef idx="1">
+            <a:schemeClr val="accent1"/>
+          </a:fillRef>
+          <a:effectRef idx="0">
+            <a:schemeClr val="accent1"/>
+          </a:effectRef>
+          <a:fontRef idx="minor">
+            <a:schemeClr val="lt1"/>
+          </a:fontRef>
+        </p:style>
+        <p:txBody>
+          <a:bodyPr rtlCol="0" anchor="ctr"/>
+          <a:lstStyle/>
+          <a:p>
+            <a:pPr algn="ctr"/>
+            <a:r>
+              <a:rPr lang="en-US" dirty="0"/>
+              <a:t>HTML Page</a:t>
+            </a:r>
+          </a:p>
+        </p:txBody>
+      </p:sp>
+      <p:cxnSp>
+        <p:nvCxnSpPr>
+          <p:cNvPr id="18" name="Connector: Elbow 17">
+            <a:extLst>
+              <a:ext uri="{FF2B5EF4-FFF2-40B4-BE49-F238E27FC236}">
+                <a16:creationId xmlns:a16="http://schemas.microsoft.com/office/drawing/2014/main" id="{54D65DCF-CE80-5EBE-0448-13CC8D59E897}"/>
+              </a:ext>
+            </a:extLst>
+          </p:cNvPr>
+          <p:cNvCxnSpPr>
+            <a:stCxn id="4" idx="1"/>
+            <a:endCxn id="6" idx="1"/>
+          </p:cNvCxnSpPr>
+          <p:nvPr/>
+        </p:nvCxnSpPr>
+        <p:spPr>
+          <a:xfrm rot="10800000" flipV="1">
+            <a:off x="3918855" y="1923142"/>
+            <a:ext cx="2" cy="4156075"/>
+          </a:xfrm>
+          <a:prstGeom prst="bentConnector3">
+            <a:avLst>
+              <a:gd name="adj1" fmla="val 11430100000"/>
+            </a:avLst>
+          </a:prstGeom>
+          <a:ln>
+            <a:tailEnd type="triangle"/>
+          </a:ln>
+        </p:spPr>
+        <p:style>
+          <a:lnRef idx="1">
+            <a:schemeClr val="accent1"/>
+          </a:lnRef>
+          <a:fillRef idx="0">
+            <a:schemeClr val="accent1"/>
+          </a:fillRef>
+          <a:effectRef idx="0">
+            <a:schemeClr val="accent1"/>
+          </a:effectRef>
+          <a:fontRef idx="minor">
+            <a:schemeClr val="tx1"/>
+          </a:fontRef>
+        </p:style>
+      </p:cxnSp>
+      <p:sp>
+        <p:nvSpPr>
+          <p:cNvPr id="20" name="Rectangle: Rounded Corners 19">
+            <a:extLst>
+              <a:ext uri="{FF2B5EF4-FFF2-40B4-BE49-F238E27FC236}">
+                <a16:creationId xmlns:a16="http://schemas.microsoft.com/office/drawing/2014/main" id="{664480AC-B81A-EA52-8E6C-E3C64D1FA1BB}"/>
+              </a:ext>
+            </a:extLst>
+          </p:cNvPr>
+          <p:cNvSpPr/>
+          <p:nvPr/>
+        </p:nvSpPr>
+        <p:spPr>
+          <a:xfrm>
+            <a:off x="2960914" y="4182533"/>
+            <a:ext cx="1473621" cy="636210"/>
+          </a:xfrm>
+          <a:prstGeom prst="roundRect">
+            <a:avLst/>
+          </a:prstGeom>
+        </p:spPr>
+        <p:style>
+          <a:lnRef idx="2">
+            <a:schemeClr val="accent1">
+              <a:shade val="15000"/>
+            </a:schemeClr>
+          </a:lnRef>
+          <a:fillRef idx="1">
+            <a:schemeClr val="accent1"/>
+          </a:fillRef>
+          <a:effectRef idx="0">
+            <a:schemeClr val="accent1"/>
+          </a:effectRef>
+          <a:fontRef idx="minor">
+            <a:schemeClr val="lt1"/>
+          </a:fontRef>
+        </p:style>
+        <p:txBody>
+          <a:bodyPr rtlCol="0" anchor="ctr"/>
+          <a:lstStyle/>
+          <a:p>
+            <a:pPr algn="ctr"/>
+            <a:r>
+              <a:rPr lang="en-US" dirty="0"/>
+              <a:t>Data (JSON)</a:t>
+            </a:r>
+          </a:p>
+        </p:txBody>
+      </p:sp>
+      <p:cxnSp>
+        <p:nvCxnSpPr>
+          <p:cNvPr id="22" name="Connector: Elbow 21">
+            <a:extLst>
+              <a:ext uri="{FF2B5EF4-FFF2-40B4-BE49-F238E27FC236}">
+                <a16:creationId xmlns:a16="http://schemas.microsoft.com/office/drawing/2014/main" id="{BCA2DB86-0F00-B1D4-9F0C-0989D6D8FE6E}"/>
+              </a:ext>
+            </a:extLst>
+          </p:cNvPr>
+          <p:cNvCxnSpPr>
+            <a:stCxn id="6" idx="3"/>
+            <a:endCxn id="4" idx="3"/>
+          </p:cNvCxnSpPr>
+          <p:nvPr/>
+        </p:nvCxnSpPr>
+        <p:spPr>
+          <a:xfrm flipV="1">
+            <a:off x="8142512" y="1923143"/>
+            <a:ext cx="2" cy="4156075"/>
+          </a:xfrm>
+          <a:prstGeom prst="bentConnector3">
+            <a:avLst>
+              <a:gd name="adj1" fmla="val 11430100000"/>
+            </a:avLst>
+          </a:prstGeom>
+          <a:ln>
+            <a:tailEnd type="triangle"/>
+          </a:ln>
+        </p:spPr>
+        <p:style>
+          <a:lnRef idx="1">
+            <a:schemeClr val="accent1"/>
+          </a:lnRef>
+          <a:fillRef idx="0">
+            <a:schemeClr val="accent1"/>
+          </a:fillRef>
+          <a:effectRef idx="0">
+            <a:schemeClr val="accent1"/>
+          </a:effectRef>
+          <a:fontRef idx="minor">
+            <a:schemeClr val="tx1"/>
+          </a:fontRef>
+        </p:style>
+      </p:cxnSp>
+      <p:sp>
+        <p:nvSpPr>
+          <p:cNvPr id="23" name="Rectangle: Rounded Corners 22">
+            <a:extLst>
+              <a:ext uri="{FF2B5EF4-FFF2-40B4-BE49-F238E27FC236}">
+                <a16:creationId xmlns:a16="http://schemas.microsoft.com/office/drawing/2014/main" id="{D8F69D67-B0A8-BA3C-5137-2DC66CCA9D09}"/>
+              </a:ext>
+            </a:extLst>
+          </p:cNvPr>
+          <p:cNvSpPr/>
+          <p:nvPr/>
+        </p:nvSpPr>
+        <p:spPr>
+          <a:xfrm>
+            <a:off x="7757465" y="4660295"/>
+            <a:ext cx="1473621" cy="636210"/>
+          </a:xfrm>
+          <a:prstGeom prst="roundRect">
+            <a:avLst/>
+          </a:prstGeom>
+        </p:spPr>
+        <p:style>
+          <a:lnRef idx="2">
+            <a:schemeClr val="accent1">
+              <a:shade val="15000"/>
+            </a:schemeClr>
+          </a:lnRef>
+          <a:fillRef idx="1">
+            <a:schemeClr val="accent1"/>
+          </a:fillRef>
+          <a:effectRef idx="0">
+            <a:schemeClr val="accent1"/>
+          </a:effectRef>
+          <a:fontRef idx="minor">
+            <a:schemeClr val="lt1"/>
+          </a:fontRef>
+        </p:style>
+        <p:txBody>
+          <a:bodyPr rtlCol="0" anchor="ctr"/>
+          <a:lstStyle/>
+          <a:p>
+            <a:pPr algn="ctr"/>
+            <a:r>
+              <a:rPr lang="en-US" dirty="0"/>
+              <a:t>Data (JSON)</a:t>
+            </a:r>
+          </a:p>
+        </p:txBody>
+      </p:sp>
+    </p:spTree>
+    <p:extLst>
+      <p:ext uri="{BB962C8B-B14F-4D97-AF65-F5344CB8AC3E}">
+        <p14:creationId xmlns:p14="http://schemas.microsoft.com/office/powerpoint/2010/main" val="2803647449"/>
+      </p:ext>
+    </p:extLst>
+  </p:cSld>
+  <p:clrMapOvr>
+    <a:masterClrMapping/>
+  </p:clrMapOvr>
+</p:sld>
+</file>
+
+<file path=ppt/slides/slide51.xml><?xml version="1.0" encoding="utf-8"?>
+<p:sld xmlns:a="http://schemas.openxmlformats.org/drawingml/2006/main" xmlns:r="http://schemas.openxmlformats.org/officeDocument/2006/relationships" xmlns:p="http://schemas.openxmlformats.org/presentationml/2006/main">
+  <p:cSld>
+    <p:spTree>
+      <p:nvGrpSpPr>
+        <p:cNvPr id="1" name=""/>
+        <p:cNvGrpSpPr/>
+        <p:nvPr/>
+      </p:nvGrpSpPr>
+      <p:grpSpPr>
+        <a:xfrm>
+          <a:off x="0" y="0"/>
+          <a:ext cx="0" cy="0"/>
+          <a:chOff x="0" y="0"/>
+          <a:chExt cx="0" cy="0"/>
+        </a:xfrm>
+      </p:grpSpPr>
+      <p:sp>
+        <p:nvSpPr>
+          <p:cNvPr id="3" name="Content Placeholder 2">
+            <a:extLst>
+              <a:ext uri="{FF2B5EF4-FFF2-40B4-BE49-F238E27FC236}">
+                <a16:creationId xmlns:a16="http://schemas.microsoft.com/office/drawing/2014/main" id="{92DFB290-7041-59B2-A832-206481A859D5}"/>
+              </a:ext>
+            </a:extLst>
+          </p:cNvPr>
+          <p:cNvSpPr>
+            <a:spLocks noGrp="1"/>
+          </p:cNvSpPr>
+          <p:nvPr>
+            <p:ph idx="1"/>
+          </p:nvPr>
+        </p:nvSpPr>
+        <p:spPr>
+          <a:xfrm>
+            <a:off x="838200" y="348343"/>
+            <a:ext cx="10515600" cy="5828620"/>
+          </a:xfrm>
+        </p:spPr>
+        <p:txBody>
+          <a:bodyPr/>
+          <a:lstStyle/>
+          <a:p>
+            <a:r>
+              <a:rPr lang="en-US" dirty="0"/>
+              <a:t>Adding Client Side JS Code</a:t>
+            </a:r>
+          </a:p>
+          <a:p>
+            <a:r>
+              <a:rPr lang="en-US" dirty="0"/>
+              <a:t>Sending &amp; Handling Background Requests</a:t>
+            </a:r>
+          </a:p>
+          <a:p>
+            <a:r>
+              <a:rPr lang="en-US" dirty="0"/>
+              <a:t>Manipulating the DOM</a:t>
+            </a:r>
+          </a:p>
+        </p:txBody>
+      </p:sp>
+    </p:spTree>
+    <p:extLst>
+      <p:ext uri="{BB962C8B-B14F-4D97-AF65-F5344CB8AC3E}">
+        <p14:creationId xmlns:p14="http://schemas.microsoft.com/office/powerpoint/2010/main" val="2614369832"/>
+      </p:ext>
+    </p:extLst>
+  </p:cSld>
+  <p:clrMapOvr>
+    <a:masterClrMapping/>
+  </p:clrMapOvr>
+</p:sld>
+</file>
+
+<file path=ppt/slides/slide52.xml><?xml version="1.0" encoding="utf-8"?>
+<p:sld xmlns:a="http://schemas.openxmlformats.org/drawingml/2006/main" xmlns:r="http://schemas.openxmlformats.org/officeDocument/2006/relationships" xmlns:p="http://schemas.openxmlformats.org/presentationml/2006/main">
+  <p:cSld>
+    <p:spTree>
+      <p:nvGrpSpPr>
+        <p:cNvPr id="1" name=""/>
+        <p:cNvGrpSpPr/>
+        <p:nvPr/>
+      </p:nvGrpSpPr>
+      <p:grpSpPr>
+        <a:xfrm>
+          <a:off x="0" y="0"/>
+          <a:ext cx="0" cy="0"/>
+          <a:chOff x="0" y="0"/>
+          <a:chExt cx="0" cy="0"/>
+        </a:xfrm>
+      </p:grpSpPr>
+      <p:sp>
+        <p:nvSpPr>
+          <p:cNvPr id="2" name="Title 1">
+            <a:extLst>
+              <a:ext uri="{FF2B5EF4-FFF2-40B4-BE49-F238E27FC236}">
+                <a16:creationId xmlns:a16="http://schemas.microsoft.com/office/drawing/2014/main" id="{349136FA-15DB-59C5-F380-0E0A7C6751E6}"/>
+              </a:ext>
+            </a:extLst>
+          </p:cNvPr>
+          <p:cNvSpPr>
+            <a:spLocks noGrp="1"/>
+          </p:cNvSpPr>
+          <p:nvPr>
+            <p:ph type="title"/>
+          </p:nvPr>
+        </p:nvSpPr>
+        <p:spPr/>
+        <p:txBody>
+          <a:bodyPr/>
+          <a:lstStyle/>
+          <a:p>
+            <a:r>
+              <a:rPr lang="en-US" dirty="0"/>
+              <a:t>Adding Payments</a:t>
+            </a:r>
+          </a:p>
+        </p:txBody>
+      </p:sp>
+      <p:sp>
+        <p:nvSpPr>
+          <p:cNvPr id="4" name="Arrow: Down 3">
+            <a:extLst>
+              <a:ext uri="{FF2B5EF4-FFF2-40B4-BE49-F238E27FC236}">
+                <a16:creationId xmlns:a16="http://schemas.microsoft.com/office/drawing/2014/main" id="{2113294B-119C-CA52-1E65-91BB9B2360C7}"/>
+              </a:ext>
+            </a:extLst>
+          </p:cNvPr>
+          <p:cNvSpPr/>
+          <p:nvPr/>
+        </p:nvSpPr>
+        <p:spPr>
+          <a:xfrm>
+            <a:off x="6981372" y="674914"/>
+            <a:ext cx="1132114" cy="5508171"/>
+          </a:xfrm>
+          <a:prstGeom prst="downArrow">
+            <a:avLst/>
+          </a:prstGeom>
+        </p:spPr>
+        <p:style>
+          <a:lnRef idx="2">
+            <a:schemeClr val="accent1">
+              <a:shade val="15000"/>
+            </a:schemeClr>
+          </a:lnRef>
+          <a:fillRef idx="1">
+            <a:schemeClr val="accent1"/>
+          </a:fillRef>
+          <a:effectRef idx="0">
+            <a:schemeClr val="accent1"/>
+          </a:effectRef>
+          <a:fontRef idx="minor">
+            <a:schemeClr val="lt1"/>
+          </a:fontRef>
+        </p:style>
+        <p:txBody>
+          <a:bodyPr rtlCol="0" anchor="ctr"/>
+          <a:lstStyle/>
+          <a:p>
+            <a:pPr algn="ctr"/>
+            <a:endParaRPr lang="en-US"/>
+          </a:p>
+        </p:txBody>
+      </p:sp>
+      <p:sp>
+        <p:nvSpPr>
+          <p:cNvPr id="5" name="Rectangle 4">
+            <a:extLst>
+              <a:ext uri="{FF2B5EF4-FFF2-40B4-BE49-F238E27FC236}">
+                <a16:creationId xmlns:a16="http://schemas.microsoft.com/office/drawing/2014/main" id="{CA9198F0-08F4-93D6-AEE6-4159CBDE648E}"/>
+              </a:ext>
+            </a:extLst>
+          </p:cNvPr>
+          <p:cNvSpPr/>
+          <p:nvPr/>
+        </p:nvSpPr>
+        <p:spPr>
+          <a:xfrm>
+            <a:off x="5979887" y="1027906"/>
+            <a:ext cx="3570514" cy="496094"/>
+          </a:xfrm>
+          <a:prstGeom prst="rect">
+            <a:avLst/>
+          </a:prstGeom>
+        </p:spPr>
+        <p:style>
+          <a:lnRef idx="2">
+            <a:schemeClr val="accent6">
+              <a:shade val="15000"/>
+            </a:schemeClr>
+          </a:lnRef>
+          <a:fillRef idx="1">
+            <a:schemeClr val="accent6"/>
+          </a:fillRef>
+          <a:effectRef idx="0">
+            <a:schemeClr val="accent6"/>
+          </a:effectRef>
+          <a:fontRef idx="minor">
+            <a:schemeClr val="lt1"/>
+          </a:fontRef>
+        </p:style>
+        <p:txBody>
+          <a:bodyPr rtlCol="0" anchor="ctr"/>
+          <a:lstStyle/>
+          <a:p>
+            <a:pPr algn="ctr"/>
+            <a:r>
+              <a:rPr lang="en-US" dirty="0">
+                <a:ln w="0"/>
+                <a:solidFill>
+                  <a:schemeClr val="tx1"/>
+                </a:solidFill>
+                <a:effectLst>
+                  <a:outerShdw blurRad="38100" dist="19050" dir="2700000" algn="tl" rotWithShape="0">
+                    <a:schemeClr val="dk1">
+                      <a:alpha val="40000"/>
+                    </a:schemeClr>
+                  </a:outerShdw>
+                </a:effectLst>
+              </a:rPr>
+              <a:t>Collect Payment Method</a:t>
+            </a:r>
+          </a:p>
+        </p:txBody>
+      </p:sp>
+      <p:sp>
+        <p:nvSpPr>
+          <p:cNvPr id="6" name="Rectangle 5">
+            <a:extLst>
+              <a:ext uri="{FF2B5EF4-FFF2-40B4-BE49-F238E27FC236}">
+                <a16:creationId xmlns:a16="http://schemas.microsoft.com/office/drawing/2014/main" id="{4CFF4727-2747-CEFA-BC56-9FABBCAD8186}"/>
+              </a:ext>
+            </a:extLst>
+          </p:cNvPr>
+          <p:cNvSpPr/>
+          <p:nvPr/>
+        </p:nvSpPr>
+        <p:spPr>
+          <a:xfrm>
+            <a:off x="5979887" y="1857375"/>
+            <a:ext cx="3570514" cy="496094"/>
+          </a:xfrm>
+          <a:prstGeom prst="rect">
+            <a:avLst/>
+          </a:prstGeom>
+        </p:spPr>
+        <p:style>
+          <a:lnRef idx="2">
+            <a:schemeClr val="accent6">
+              <a:shade val="15000"/>
+            </a:schemeClr>
+          </a:lnRef>
+          <a:fillRef idx="1">
+            <a:schemeClr val="accent6"/>
+          </a:fillRef>
+          <a:effectRef idx="0">
+            <a:schemeClr val="accent6"/>
+          </a:effectRef>
+          <a:fontRef idx="minor">
+            <a:schemeClr val="lt1"/>
+          </a:fontRef>
+        </p:style>
+        <p:txBody>
+          <a:bodyPr rtlCol="0" anchor="ctr"/>
+          <a:lstStyle/>
+          <a:p>
+            <a:pPr algn="ctr"/>
+            <a:r>
+              <a:rPr lang="en-US" dirty="0">
+                <a:ln w="0"/>
+                <a:solidFill>
+                  <a:schemeClr val="tx1"/>
+                </a:solidFill>
+                <a:effectLst>
+                  <a:outerShdw blurRad="38100" dist="19050" dir="2700000" algn="tl" rotWithShape="0">
+                    <a:schemeClr val="dk1">
+                      <a:alpha val="40000"/>
+                    </a:schemeClr>
+                  </a:outerShdw>
+                </a:effectLst>
+              </a:rPr>
+              <a:t>Verify Payment Method</a:t>
+            </a:r>
+          </a:p>
+        </p:txBody>
+      </p:sp>
+      <p:sp>
+        <p:nvSpPr>
+          <p:cNvPr id="7" name="Rectangle 6">
+            <a:extLst>
+              <a:ext uri="{FF2B5EF4-FFF2-40B4-BE49-F238E27FC236}">
+                <a16:creationId xmlns:a16="http://schemas.microsoft.com/office/drawing/2014/main" id="{8E12911E-92D0-55AD-791B-DA6A1EC2313F}"/>
+              </a:ext>
+            </a:extLst>
+          </p:cNvPr>
+          <p:cNvSpPr/>
+          <p:nvPr/>
+        </p:nvSpPr>
+        <p:spPr>
+          <a:xfrm>
+            <a:off x="5979887" y="2861355"/>
+            <a:ext cx="3570514" cy="496094"/>
+          </a:xfrm>
+          <a:prstGeom prst="rect">
+            <a:avLst/>
+          </a:prstGeom>
+        </p:spPr>
+        <p:style>
+          <a:lnRef idx="2">
+            <a:schemeClr val="accent6">
+              <a:shade val="15000"/>
+            </a:schemeClr>
+          </a:lnRef>
+          <a:fillRef idx="1">
+            <a:schemeClr val="accent6"/>
+          </a:fillRef>
+          <a:effectRef idx="0">
+            <a:schemeClr val="accent6"/>
+          </a:effectRef>
+          <a:fontRef idx="minor">
+            <a:schemeClr val="lt1"/>
+          </a:fontRef>
+        </p:style>
+        <p:txBody>
+          <a:bodyPr rtlCol="0" anchor="ctr"/>
+          <a:lstStyle/>
+          <a:p>
+            <a:pPr algn="ctr"/>
+            <a:r>
+              <a:rPr lang="en-US" dirty="0">
+                <a:ln w="0"/>
+                <a:solidFill>
+                  <a:schemeClr val="tx1"/>
+                </a:solidFill>
+                <a:effectLst>
+                  <a:outerShdw blurRad="38100" dist="19050" dir="2700000" algn="tl" rotWithShape="0">
+                    <a:schemeClr val="dk1">
+                      <a:alpha val="40000"/>
+                    </a:schemeClr>
+                  </a:outerShdw>
+                </a:effectLst>
+              </a:rPr>
+              <a:t>Charge Payment Method</a:t>
+            </a:r>
+          </a:p>
+        </p:txBody>
+      </p:sp>
+      <p:sp>
+        <p:nvSpPr>
+          <p:cNvPr id="8" name="Rectangle 7">
+            <a:extLst>
+              <a:ext uri="{FF2B5EF4-FFF2-40B4-BE49-F238E27FC236}">
+                <a16:creationId xmlns:a16="http://schemas.microsoft.com/office/drawing/2014/main" id="{AA79C46E-F5C6-E250-7020-B67D031D1419}"/>
+              </a:ext>
+            </a:extLst>
+          </p:cNvPr>
+          <p:cNvSpPr/>
+          <p:nvPr/>
+        </p:nvSpPr>
+        <p:spPr>
+          <a:xfrm>
+            <a:off x="5979887" y="3667238"/>
+            <a:ext cx="3570514" cy="496094"/>
+          </a:xfrm>
+          <a:prstGeom prst="rect">
+            <a:avLst/>
+          </a:prstGeom>
+        </p:spPr>
+        <p:style>
+          <a:lnRef idx="2">
+            <a:schemeClr val="accent6">
+              <a:shade val="15000"/>
+            </a:schemeClr>
+          </a:lnRef>
+          <a:fillRef idx="1">
+            <a:schemeClr val="accent6"/>
+          </a:fillRef>
+          <a:effectRef idx="0">
+            <a:schemeClr val="accent6"/>
+          </a:effectRef>
+          <a:fontRef idx="minor">
+            <a:schemeClr val="lt1"/>
+          </a:fontRef>
+        </p:style>
+        <p:txBody>
+          <a:bodyPr rtlCol="0" anchor="ctr"/>
+          <a:lstStyle/>
+          <a:p>
+            <a:pPr algn="ctr"/>
+            <a:r>
+              <a:rPr lang="en-US" dirty="0">
+                <a:ln w="0"/>
+                <a:solidFill>
+                  <a:schemeClr val="tx1"/>
+                </a:solidFill>
+                <a:effectLst>
+                  <a:outerShdw blurRad="38100" dist="19050" dir="2700000" algn="tl" rotWithShape="0">
+                    <a:schemeClr val="dk1">
+                      <a:alpha val="40000"/>
+                    </a:schemeClr>
+                  </a:outerShdw>
+                </a:effectLst>
+              </a:rPr>
+              <a:t>Manage Payment Method</a:t>
+            </a:r>
+          </a:p>
+        </p:txBody>
+      </p:sp>
+      <p:sp>
+        <p:nvSpPr>
+          <p:cNvPr id="9" name="Rectangle 8">
+            <a:extLst>
+              <a:ext uri="{FF2B5EF4-FFF2-40B4-BE49-F238E27FC236}">
+                <a16:creationId xmlns:a16="http://schemas.microsoft.com/office/drawing/2014/main" id="{C88AF023-AB62-84D5-6928-4EAA8AB86E6F}"/>
+              </a:ext>
+            </a:extLst>
+          </p:cNvPr>
+          <p:cNvSpPr/>
+          <p:nvPr/>
+        </p:nvSpPr>
+        <p:spPr>
+          <a:xfrm>
+            <a:off x="5979887" y="4834503"/>
+            <a:ext cx="3570514" cy="496094"/>
+          </a:xfrm>
+          <a:prstGeom prst="rect">
+            <a:avLst/>
+          </a:prstGeom>
+        </p:spPr>
+        <p:style>
+          <a:lnRef idx="2">
+            <a:schemeClr val="accent6">
+              <a:shade val="15000"/>
+            </a:schemeClr>
+          </a:lnRef>
+          <a:fillRef idx="1">
+            <a:schemeClr val="accent6"/>
+          </a:fillRef>
+          <a:effectRef idx="0">
+            <a:schemeClr val="accent6"/>
+          </a:effectRef>
+          <a:fontRef idx="minor">
+            <a:schemeClr val="lt1"/>
+          </a:fontRef>
+        </p:style>
+        <p:txBody>
+          <a:bodyPr rtlCol="0" anchor="ctr"/>
+          <a:lstStyle/>
+          <a:p>
+            <a:pPr algn="ctr"/>
+            <a:r>
+              <a:rPr lang="en-US" dirty="0">
+                <a:ln w="0"/>
+                <a:solidFill>
+                  <a:schemeClr val="tx1"/>
+                </a:solidFill>
+                <a:effectLst>
+                  <a:outerShdw blurRad="38100" dist="19050" dir="2700000" algn="tl" rotWithShape="0">
+                    <a:schemeClr val="dk1">
+                      <a:alpha val="40000"/>
+                    </a:schemeClr>
+                  </a:outerShdw>
+                </a:effectLst>
+              </a:rPr>
+              <a:t>Process Order in App</a:t>
+            </a:r>
+          </a:p>
+        </p:txBody>
+      </p:sp>
+      <p:sp>
+        <p:nvSpPr>
+          <p:cNvPr id="10" name="Rectangle 9">
+            <a:extLst>
+              <a:ext uri="{FF2B5EF4-FFF2-40B4-BE49-F238E27FC236}">
+                <a16:creationId xmlns:a16="http://schemas.microsoft.com/office/drawing/2014/main" id="{35BF8DD0-962F-DF4A-DF14-18EC7A6AC36A}"/>
+              </a:ext>
+            </a:extLst>
+          </p:cNvPr>
+          <p:cNvSpPr/>
+          <p:nvPr/>
+        </p:nvSpPr>
+        <p:spPr>
+          <a:xfrm>
+            <a:off x="5675086" y="674914"/>
+            <a:ext cx="4049485" cy="3810000"/>
+          </a:xfrm>
+          <a:prstGeom prst="rect">
+            <a:avLst/>
+          </a:prstGeom>
+          <a:noFill/>
+          <a:ln w="38100">
+            <a:solidFill>
+              <a:srgbClr val="FFC000"/>
+            </a:solidFill>
+            <a:prstDash val="sysDash"/>
+          </a:ln>
+        </p:spPr>
+        <p:style>
+          <a:lnRef idx="2">
+            <a:schemeClr val="accent1">
+              <a:shade val="15000"/>
+            </a:schemeClr>
+          </a:lnRef>
+          <a:fillRef idx="1">
+            <a:schemeClr val="accent1"/>
+          </a:fillRef>
+          <a:effectRef idx="0">
+            <a:schemeClr val="accent1"/>
+          </a:effectRef>
+          <a:fontRef idx="minor">
+            <a:schemeClr val="lt1"/>
+          </a:fontRef>
+        </p:style>
+        <p:txBody>
+          <a:bodyPr rtlCol="0" anchor="ctr"/>
+          <a:lstStyle/>
+          <a:p>
+            <a:pPr algn="ctr"/>
+            <a:endParaRPr lang="en-US"/>
+          </a:p>
+        </p:txBody>
+      </p:sp>
+      <p:sp>
+        <p:nvSpPr>
+          <p:cNvPr id="11" name="TextBox 10">
+            <a:extLst>
+              <a:ext uri="{FF2B5EF4-FFF2-40B4-BE49-F238E27FC236}">
+                <a16:creationId xmlns:a16="http://schemas.microsoft.com/office/drawing/2014/main" id="{BFF42162-9B48-D3D3-5E97-7DA041A34A66}"/>
+              </a:ext>
+            </a:extLst>
+          </p:cNvPr>
+          <p:cNvSpPr txBox="1"/>
+          <p:nvPr/>
+        </p:nvSpPr>
+        <p:spPr>
+          <a:xfrm>
+            <a:off x="10203543" y="2046514"/>
+            <a:ext cx="1597360" cy="923330"/>
+          </a:xfrm>
+          <a:prstGeom prst="rect">
+            <a:avLst/>
+          </a:prstGeom>
+          <a:noFill/>
+        </p:spPr>
+        <p:txBody>
+          <a:bodyPr wrap="none" rtlCol="0">
+            <a:spAutoFit/>
+          </a:bodyPr>
+          <a:lstStyle/>
+          <a:p>
+            <a:r>
+              <a:rPr lang="en-US" dirty="0"/>
+              <a:t>Complex Tasks,</a:t>
+            </a:r>
+          </a:p>
+          <a:p>
+            <a:r>
+              <a:rPr lang="en-US" dirty="0"/>
+              <a:t>Typically</a:t>
+            </a:r>
+          </a:p>
+          <a:p>
+            <a:r>
+              <a:rPr lang="en-US" dirty="0"/>
+              <a:t>outsourced</a:t>
+            </a:r>
+          </a:p>
+        </p:txBody>
+      </p:sp>
+    </p:spTree>
+    <p:extLst>
+      <p:ext uri="{BB962C8B-B14F-4D97-AF65-F5344CB8AC3E}">
+        <p14:creationId xmlns:p14="http://schemas.microsoft.com/office/powerpoint/2010/main" val="3041242963"/>
+      </p:ext>
+    </p:extLst>
+  </p:cSld>
+  <p:clrMapOvr>
+    <a:masterClrMapping/>
+  </p:clrMapOvr>
+</p:sld>
+</file>
+
+<file path=ppt/slides/slide53.xml><?xml version="1.0" encoding="utf-8"?>
+<p:sld xmlns:a="http://schemas.openxmlformats.org/drawingml/2006/main" xmlns:r="http://schemas.openxmlformats.org/officeDocument/2006/relationships" xmlns:p="http://schemas.openxmlformats.org/presentationml/2006/main">
+  <p:cSld>
+    <p:spTree>
+      <p:nvGrpSpPr>
+        <p:cNvPr id="1" name=""/>
+        <p:cNvGrpSpPr/>
+        <p:nvPr/>
+      </p:nvGrpSpPr>
+      <p:grpSpPr>
+        <a:xfrm>
+          <a:off x="0" y="0"/>
+          <a:ext cx="0" cy="0"/>
+          <a:chOff x="0" y="0"/>
+          <a:chExt cx="0" cy="0"/>
+        </a:xfrm>
+      </p:grpSpPr>
+      <p:sp>
+        <p:nvSpPr>
+          <p:cNvPr id="22" name="Arrow: Down 21">
+            <a:extLst>
+              <a:ext uri="{FF2B5EF4-FFF2-40B4-BE49-F238E27FC236}">
+                <a16:creationId xmlns:a16="http://schemas.microsoft.com/office/drawing/2014/main" id="{C92695B7-1C9F-DD6D-A4FC-BC8EEAD87E49}"/>
+              </a:ext>
+            </a:extLst>
+          </p:cNvPr>
+          <p:cNvSpPr/>
+          <p:nvPr/>
+        </p:nvSpPr>
+        <p:spPr>
+          <a:xfrm>
+            <a:off x="2481943" y="2918620"/>
+            <a:ext cx="914399" cy="2514713"/>
+          </a:xfrm>
+          <a:prstGeom prst="downArrow">
+            <a:avLst/>
+          </a:prstGeom>
+        </p:spPr>
+        <p:style>
+          <a:lnRef idx="2">
+            <a:schemeClr val="accent1">
+              <a:shade val="15000"/>
+            </a:schemeClr>
+          </a:lnRef>
+          <a:fillRef idx="1">
+            <a:schemeClr val="accent1"/>
+          </a:fillRef>
+          <a:effectRef idx="0">
+            <a:schemeClr val="accent1"/>
+          </a:effectRef>
+          <a:fontRef idx="minor">
+            <a:schemeClr val="lt1"/>
+          </a:fontRef>
+        </p:style>
+        <p:txBody>
+          <a:bodyPr rtlCol="0" anchor="ctr"/>
+          <a:lstStyle/>
+          <a:p>
+            <a:pPr algn="ctr"/>
+            <a:endParaRPr lang="en-US"/>
+          </a:p>
+        </p:txBody>
+      </p:sp>
+      <p:sp>
+        <p:nvSpPr>
+          <p:cNvPr id="2" name="Title 1">
+            <a:extLst>
+              <a:ext uri="{FF2B5EF4-FFF2-40B4-BE49-F238E27FC236}">
+                <a16:creationId xmlns:a16="http://schemas.microsoft.com/office/drawing/2014/main" id="{679BB89C-3DED-B385-0731-208281B7887D}"/>
+              </a:ext>
+            </a:extLst>
+          </p:cNvPr>
+          <p:cNvSpPr>
+            <a:spLocks noGrp="1"/>
+          </p:cNvSpPr>
+          <p:nvPr>
+            <p:ph type="title"/>
+          </p:nvPr>
+        </p:nvSpPr>
+        <p:spPr/>
+        <p:txBody>
+          <a:bodyPr/>
+          <a:lstStyle/>
+          <a:p>
+            <a:r>
+              <a:rPr lang="en-US" dirty="0"/>
+              <a:t>How Stripe Works</a:t>
+            </a:r>
+          </a:p>
+        </p:txBody>
+      </p:sp>
+      <p:sp>
+        <p:nvSpPr>
+          <p:cNvPr id="4" name="Rectangle 3">
+            <a:extLst>
+              <a:ext uri="{FF2B5EF4-FFF2-40B4-BE49-F238E27FC236}">
+                <a16:creationId xmlns:a16="http://schemas.microsoft.com/office/drawing/2014/main" id="{B0A55666-70C5-1730-0133-9D45BF059EC9}"/>
+              </a:ext>
+            </a:extLst>
+          </p:cNvPr>
+          <p:cNvSpPr/>
+          <p:nvPr/>
+        </p:nvSpPr>
+        <p:spPr>
+          <a:xfrm>
+            <a:off x="1524000" y="1690688"/>
+            <a:ext cx="2830286" cy="965426"/>
+          </a:xfrm>
+          <a:prstGeom prst="rect">
+            <a:avLst/>
+          </a:prstGeom>
+        </p:spPr>
+        <p:style>
+          <a:lnRef idx="2">
+            <a:schemeClr val="accent1">
+              <a:shade val="15000"/>
+            </a:schemeClr>
+          </a:lnRef>
+          <a:fillRef idx="1">
+            <a:schemeClr val="accent1"/>
+          </a:fillRef>
+          <a:effectRef idx="0">
+            <a:schemeClr val="accent1"/>
+          </a:effectRef>
+          <a:fontRef idx="minor">
+            <a:schemeClr val="lt1"/>
+          </a:fontRef>
+        </p:style>
+        <p:txBody>
+          <a:bodyPr rtlCol="0" anchor="ctr"/>
+          <a:lstStyle/>
+          <a:p>
+            <a:pPr algn="ctr"/>
+            <a:r>
+              <a:rPr lang="en-US" dirty="0"/>
+              <a:t>Client (Browser)</a:t>
+            </a:r>
+          </a:p>
+        </p:txBody>
+      </p:sp>
+      <p:sp>
+        <p:nvSpPr>
+          <p:cNvPr id="5" name="Rectangle 4">
+            <a:extLst>
+              <a:ext uri="{FF2B5EF4-FFF2-40B4-BE49-F238E27FC236}">
+                <a16:creationId xmlns:a16="http://schemas.microsoft.com/office/drawing/2014/main" id="{C1EBF427-566F-95F9-7C23-97C58A1EF29A}"/>
+              </a:ext>
+            </a:extLst>
+          </p:cNvPr>
+          <p:cNvSpPr/>
+          <p:nvPr/>
+        </p:nvSpPr>
+        <p:spPr>
+          <a:xfrm>
+            <a:off x="6923314" y="1690688"/>
+            <a:ext cx="2830286" cy="965426"/>
+          </a:xfrm>
+          <a:prstGeom prst="rect">
+            <a:avLst/>
+          </a:prstGeom>
+        </p:spPr>
+        <p:style>
+          <a:lnRef idx="2">
+            <a:schemeClr val="accent1">
+              <a:shade val="15000"/>
+            </a:schemeClr>
+          </a:lnRef>
+          <a:fillRef idx="1">
+            <a:schemeClr val="accent1"/>
+          </a:fillRef>
+          <a:effectRef idx="0">
+            <a:schemeClr val="accent1"/>
+          </a:effectRef>
+          <a:fontRef idx="minor">
+            <a:schemeClr val="lt1"/>
+          </a:fontRef>
+        </p:style>
+        <p:txBody>
+          <a:bodyPr rtlCol="0" anchor="ctr"/>
+          <a:lstStyle/>
+          <a:p>
+            <a:pPr algn="ctr"/>
+            <a:r>
+              <a:rPr lang="en-US" dirty="0"/>
+              <a:t>Collect Credit Card data</a:t>
+            </a:r>
+          </a:p>
+        </p:txBody>
+      </p:sp>
+      <p:sp>
+        <p:nvSpPr>
+          <p:cNvPr id="6" name="Rectangle 5">
+            <a:extLst>
+              <a:ext uri="{FF2B5EF4-FFF2-40B4-BE49-F238E27FC236}">
+                <a16:creationId xmlns:a16="http://schemas.microsoft.com/office/drawing/2014/main" id="{86398AA8-A398-8EE7-CA3E-FF60AC5142DB}"/>
+              </a:ext>
+            </a:extLst>
+          </p:cNvPr>
+          <p:cNvSpPr/>
+          <p:nvPr/>
+        </p:nvSpPr>
+        <p:spPr>
+          <a:xfrm>
+            <a:off x="6923314" y="3606574"/>
+            <a:ext cx="2830286" cy="965426"/>
+          </a:xfrm>
+          <a:prstGeom prst="rect">
+            <a:avLst/>
+          </a:prstGeom>
+        </p:spPr>
+        <p:style>
+          <a:lnRef idx="2">
+            <a:schemeClr val="accent1">
+              <a:shade val="15000"/>
+            </a:schemeClr>
+          </a:lnRef>
+          <a:fillRef idx="1">
+            <a:schemeClr val="accent1"/>
+          </a:fillRef>
+          <a:effectRef idx="0">
+            <a:schemeClr val="accent1"/>
+          </a:effectRef>
+          <a:fontRef idx="minor">
+            <a:schemeClr val="lt1"/>
+          </a:fontRef>
+        </p:style>
+        <p:txBody>
+          <a:bodyPr rtlCol="0" anchor="ctr"/>
+          <a:lstStyle/>
+          <a:p>
+            <a:pPr algn="ctr"/>
+            <a:r>
+              <a:rPr lang="en-US" dirty="0"/>
+              <a:t>Stripe Servers (3</a:t>
+            </a:r>
+            <a:r>
+              <a:rPr lang="en-US" baseline="30000" dirty="0"/>
+              <a:t>rd</a:t>
+            </a:r>
+            <a:r>
+              <a:rPr lang="en-US" dirty="0"/>
+              <a:t> Party)</a:t>
+            </a:r>
+          </a:p>
+        </p:txBody>
+      </p:sp>
+      <p:sp>
+        <p:nvSpPr>
+          <p:cNvPr id="7" name="Rectangle 6">
+            <a:extLst>
+              <a:ext uri="{FF2B5EF4-FFF2-40B4-BE49-F238E27FC236}">
+                <a16:creationId xmlns:a16="http://schemas.microsoft.com/office/drawing/2014/main" id="{8D4DCF04-BBF9-2A2D-94F6-830DE048B921}"/>
+              </a:ext>
+            </a:extLst>
+          </p:cNvPr>
+          <p:cNvSpPr/>
+          <p:nvPr/>
+        </p:nvSpPr>
+        <p:spPr>
+          <a:xfrm>
+            <a:off x="1524000" y="3498964"/>
+            <a:ext cx="2830286" cy="965426"/>
+          </a:xfrm>
+          <a:prstGeom prst="rect">
+            <a:avLst/>
+          </a:prstGeom>
+        </p:spPr>
+        <p:style>
+          <a:lnRef idx="2">
+            <a:schemeClr val="accent1">
+              <a:shade val="15000"/>
+            </a:schemeClr>
+          </a:lnRef>
+          <a:fillRef idx="1">
+            <a:schemeClr val="accent1"/>
+          </a:fillRef>
+          <a:effectRef idx="0">
+            <a:schemeClr val="accent1"/>
+          </a:effectRef>
+          <a:fontRef idx="minor">
+            <a:schemeClr val="lt1"/>
+          </a:fontRef>
+        </p:style>
+        <p:txBody>
+          <a:bodyPr rtlCol="0" anchor="ctr"/>
+          <a:lstStyle/>
+          <a:p>
+            <a:pPr algn="ctr"/>
+            <a:r>
+              <a:rPr lang="en-US" dirty="0"/>
+              <a:t>Token</a:t>
+            </a:r>
+          </a:p>
+        </p:txBody>
+      </p:sp>
+      <p:sp>
+        <p:nvSpPr>
+          <p:cNvPr id="8" name="Rectangle 7">
+            <a:extLst>
+              <a:ext uri="{FF2B5EF4-FFF2-40B4-BE49-F238E27FC236}">
+                <a16:creationId xmlns:a16="http://schemas.microsoft.com/office/drawing/2014/main" id="{4CBFDEB0-233E-3ECD-6559-E4D9F992EA01}"/>
+              </a:ext>
+            </a:extLst>
+          </p:cNvPr>
+          <p:cNvSpPr/>
+          <p:nvPr/>
+        </p:nvSpPr>
+        <p:spPr>
+          <a:xfrm>
+            <a:off x="1524000" y="5476650"/>
+            <a:ext cx="2830286" cy="965426"/>
+          </a:xfrm>
+          <a:prstGeom prst="rect">
+            <a:avLst/>
+          </a:prstGeom>
+        </p:spPr>
+        <p:style>
+          <a:lnRef idx="2">
+            <a:schemeClr val="accent1">
+              <a:shade val="15000"/>
+            </a:schemeClr>
+          </a:lnRef>
+          <a:fillRef idx="1">
+            <a:schemeClr val="accent1"/>
+          </a:fillRef>
+          <a:effectRef idx="0">
+            <a:schemeClr val="accent1"/>
+          </a:effectRef>
+          <a:fontRef idx="minor">
+            <a:schemeClr val="lt1"/>
+          </a:fontRef>
+        </p:style>
+        <p:txBody>
+          <a:bodyPr rtlCol="0" anchor="ctr"/>
+          <a:lstStyle/>
+          <a:p>
+            <a:pPr algn="ctr"/>
+            <a:r>
+              <a:rPr lang="en-US" dirty="0"/>
+              <a:t>Server (node app)</a:t>
+            </a:r>
+          </a:p>
+        </p:txBody>
+      </p:sp>
+      <p:sp>
+        <p:nvSpPr>
+          <p:cNvPr id="9" name="Rectangle 8">
+            <a:extLst>
+              <a:ext uri="{FF2B5EF4-FFF2-40B4-BE49-F238E27FC236}">
+                <a16:creationId xmlns:a16="http://schemas.microsoft.com/office/drawing/2014/main" id="{7C9C9B53-A6E0-578A-332B-29D48F26C06B}"/>
+              </a:ext>
+            </a:extLst>
+          </p:cNvPr>
+          <p:cNvSpPr/>
+          <p:nvPr/>
+        </p:nvSpPr>
+        <p:spPr>
+          <a:xfrm>
+            <a:off x="7053943" y="5476650"/>
+            <a:ext cx="2830286" cy="965426"/>
+          </a:xfrm>
+          <a:prstGeom prst="rect">
+            <a:avLst/>
+          </a:prstGeom>
+        </p:spPr>
+        <p:style>
+          <a:lnRef idx="2">
+            <a:schemeClr val="accent1">
+              <a:shade val="15000"/>
+            </a:schemeClr>
+          </a:lnRef>
+          <a:fillRef idx="1">
+            <a:schemeClr val="accent1"/>
+          </a:fillRef>
+          <a:effectRef idx="0">
+            <a:schemeClr val="accent1"/>
+          </a:effectRef>
+          <a:fontRef idx="minor">
+            <a:schemeClr val="lt1"/>
+          </a:fontRef>
+        </p:style>
+        <p:txBody>
+          <a:bodyPr rtlCol="0" anchor="ctr"/>
+          <a:lstStyle/>
+          <a:p>
+            <a:pPr algn="ctr"/>
+            <a:r>
+              <a:rPr lang="en-US" dirty="0"/>
+              <a:t>Create Payment Data</a:t>
+            </a:r>
+          </a:p>
+        </p:txBody>
+      </p:sp>
+      <p:cxnSp>
+        <p:nvCxnSpPr>
+          <p:cNvPr id="11" name="Connector: Elbow 10">
+            <a:extLst>
+              <a:ext uri="{FF2B5EF4-FFF2-40B4-BE49-F238E27FC236}">
+                <a16:creationId xmlns:a16="http://schemas.microsoft.com/office/drawing/2014/main" id="{071A68AF-8ACC-8524-5CA7-6B3291873BB7}"/>
+              </a:ext>
+            </a:extLst>
+          </p:cNvPr>
+          <p:cNvCxnSpPr>
+            <a:stCxn id="4" idx="3"/>
+            <a:endCxn id="5" idx="1"/>
+          </p:cNvCxnSpPr>
+          <p:nvPr/>
+        </p:nvCxnSpPr>
+        <p:spPr>
+          <a:xfrm>
+            <a:off x="4354286" y="2173401"/>
+            <a:ext cx="2569028" cy="12700"/>
+          </a:xfrm>
+          <a:prstGeom prst="bentConnector3">
+            <a:avLst/>
+          </a:prstGeom>
+          <a:ln>
+            <a:tailEnd type="triangle"/>
+          </a:ln>
+        </p:spPr>
+        <p:style>
+          <a:lnRef idx="1">
+            <a:schemeClr val="accent1"/>
+          </a:lnRef>
+          <a:fillRef idx="0">
+            <a:schemeClr val="accent1"/>
+          </a:fillRef>
+          <a:effectRef idx="0">
+            <a:schemeClr val="accent1"/>
+          </a:effectRef>
+          <a:fontRef idx="minor">
+            <a:schemeClr val="tx1"/>
+          </a:fontRef>
+        </p:style>
+      </p:cxnSp>
+      <p:cxnSp>
+        <p:nvCxnSpPr>
+          <p:cNvPr id="13" name="Straight Arrow Connector 12">
+            <a:extLst>
+              <a:ext uri="{FF2B5EF4-FFF2-40B4-BE49-F238E27FC236}">
+                <a16:creationId xmlns:a16="http://schemas.microsoft.com/office/drawing/2014/main" id="{6EDBB051-3BC6-A241-569E-6264A0BE8856}"/>
+              </a:ext>
+            </a:extLst>
+          </p:cNvPr>
+          <p:cNvCxnSpPr>
+            <a:stCxn id="5" idx="2"/>
+            <a:endCxn id="6" idx="0"/>
+          </p:cNvCxnSpPr>
+          <p:nvPr/>
+        </p:nvCxnSpPr>
+        <p:spPr>
+          <a:xfrm>
+            <a:off x="8338457" y="2656114"/>
+            <a:ext cx="0" cy="950460"/>
+          </a:xfrm>
+          <a:prstGeom prst="straightConnector1">
+            <a:avLst/>
+          </a:prstGeom>
+          <a:ln>
+            <a:tailEnd type="triangle"/>
+          </a:ln>
+        </p:spPr>
+        <p:style>
+          <a:lnRef idx="1">
+            <a:schemeClr val="accent1"/>
+          </a:lnRef>
+          <a:fillRef idx="0">
+            <a:schemeClr val="accent1"/>
+          </a:fillRef>
+          <a:effectRef idx="0">
+            <a:schemeClr val="accent1"/>
+          </a:effectRef>
+          <a:fontRef idx="minor">
+            <a:schemeClr val="tx1"/>
+          </a:fontRef>
+        </p:style>
+      </p:cxnSp>
+      <p:cxnSp>
+        <p:nvCxnSpPr>
+          <p:cNvPr id="17" name="Straight Arrow Connector 16">
+            <a:extLst>
+              <a:ext uri="{FF2B5EF4-FFF2-40B4-BE49-F238E27FC236}">
+                <a16:creationId xmlns:a16="http://schemas.microsoft.com/office/drawing/2014/main" id="{CAC52337-AD33-3F61-D478-409DDA395F7B}"/>
+              </a:ext>
+            </a:extLst>
+          </p:cNvPr>
+          <p:cNvCxnSpPr>
+            <a:stCxn id="6" idx="1"/>
+            <a:endCxn id="7" idx="3"/>
+          </p:cNvCxnSpPr>
+          <p:nvPr/>
+        </p:nvCxnSpPr>
+        <p:spPr>
+          <a:xfrm flipH="1" flipV="1">
+            <a:off x="4354286" y="3981677"/>
+            <a:ext cx="2569028" cy="107610"/>
+          </a:xfrm>
+          <a:prstGeom prst="straightConnector1">
+            <a:avLst/>
+          </a:prstGeom>
+          <a:ln>
+            <a:tailEnd type="triangle"/>
+          </a:ln>
+        </p:spPr>
+        <p:style>
+          <a:lnRef idx="1">
+            <a:schemeClr val="accent1"/>
+          </a:lnRef>
+          <a:fillRef idx="0">
+            <a:schemeClr val="accent1"/>
+          </a:fillRef>
+          <a:effectRef idx="0">
+            <a:schemeClr val="accent1"/>
+          </a:effectRef>
+          <a:fontRef idx="minor">
+            <a:schemeClr val="tx1"/>
+          </a:fontRef>
+        </p:style>
+      </p:cxnSp>
+      <p:cxnSp>
+        <p:nvCxnSpPr>
+          <p:cNvPr id="19" name="Straight Arrow Connector 18">
+            <a:extLst>
+              <a:ext uri="{FF2B5EF4-FFF2-40B4-BE49-F238E27FC236}">
+                <a16:creationId xmlns:a16="http://schemas.microsoft.com/office/drawing/2014/main" id="{9E681FE6-A62C-7DE2-C1F4-067F26F9290B}"/>
+              </a:ext>
+            </a:extLst>
+          </p:cNvPr>
+          <p:cNvCxnSpPr>
+            <a:stCxn id="8" idx="3"/>
+            <a:endCxn id="9" idx="1"/>
+          </p:cNvCxnSpPr>
+          <p:nvPr/>
+        </p:nvCxnSpPr>
+        <p:spPr>
+          <a:xfrm>
+            <a:off x="4354286" y="5959363"/>
+            <a:ext cx="2699657" cy="0"/>
+          </a:xfrm>
+          <a:prstGeom prst="straightConnector1">
+            <a:avLst/>
+          </a:prstGeom>
+          <a:ln>
+            <a:tailEnd type="triangle"/>
+          </a:ln>
+        </p:spPr>
+        <p:style>
+          <a:lnRef idx="1">
+            <a:schemeClr val="accent1"/>
+          </a:lnRef>
+          <a:fillRef idx="0">
+            <a:schemeClr val="accent1"/>
+          </a:fillRef>
+          <a:effectRef idx="0">
+            <a:schemeClr val="accent1"/>
+          </a:effectRef>
+          <a:fontRef idx="minor">
+            <a:schemeClr val="tx1"/>
+          </a:fontRef>
+        </p:style>
+      </p:cxnSp>
+      <p:cxnSp>
+        <p:nvCxnSpPr>
+          <p:cNvPr id="21" name="Straight Arrow Connector 20">
+            <a:extLst>
+              <a:ext uri="{FF2B5EF4-FFF2-40B4-BE49-F238E27FC236}">
+                <a16:creationId xmlns:a16="http://schemas.microsoft.com/office/drawing/2014/main" id="{2D3340E9-19E8-1843-C3A5-5DF490074AA7}"/>
+              </a:ext>
+            </a:extLst>
+          </p:cNvPr>
+          <p:cNvCxnSpPr>
+            <a:endCxn id="6" idx="2"/>
+          </p:cNvCxnSpPr>
+          <p:nvPr/>
+        </p:nvCxnSpPr>
+        <p:spPr>
+          <a:xfrm flipV="1">
+            <a:off x="8338457" y="4572000"/>
+            <a:ext cx="0" cy="904650"/>
+          </a:xfrm>
+          <a:prstGeom prst="straightConnector1">
+            <a:avLst/>
+          </a:prstGeom>
+          <a:ln>
+            <a:tailEnd type="triangle"/>
+          </a:ln>
+        </p:spPr>
+        <p:style>
+          <a:lnRef idx="1">
+            <a:schemeClr val="accent1"/>
+          </a:lnRef>
+          <a:fillRef idx="0">
+            <a:schemeClr val="accent1"/>
+          </a:fillRef>
+          <a:effectRef idx="0">
+            <a:schemeClr val="accent1"/>
+          </a:effectRef>
+          <a:fontRef idx="minor">
+            <a:schemeClr val="tx1"/>
+          </a:fontRef>
+        </p:style>
+      </p:cxnSp>
+    </p:spTree>
+    <p:extLst>
+      <p:ext uri="{BB962C8B-B14F-4D97-AF65-F5344CB8AC3E}">
+        <p14:creationId xmlns:p14="http://schemas.microsoft.com/office/powerpoint/2010/main" val="2508538468"/>
       </p:ext>
     </p:extLst>
   </p:cSld>

--- a/Database.pptx
+++ b/Database.pptx
@@ -58,6 +58,7 @@
     <p:sldId id="307" r:id="rId52"/>
     <p:sldId id="308" r:id="rId53"/>
     <p:sldId id="309" r:id="rId54"/>
+    <p:sldId id="310" r:id="rId55"/>
   </p:sldIdLst>
   <p:sldSz cx="12192000" cy="6858000"/>
   <p:notesSz cx="6858000" cy="9144000"/>
@@ -399,7 +400,7 @@
           <a:p>
             <a:fld id="{9F08AD8F-3C3D-4B63-978B-A283DF666F72}" type="datetimeFigureOut">
               <a:rPr lang="en-US" smtClean="0"/>
-              <a:t>7/12/2023</a:t>
+              <a:t>7/14/2023</a:t>
             </a:fld>
             <a:endParaRPr lang="en-US" dirty="0"/>
           </a:p>
@@ -597,7 +598,7 @@
           <a:p>
             <a:fld id="{9F08AD8F-3C3D-4B63-978B-A283DF666F72}" type="datetimeFigureOut">
               <a:rPr lang="en-US" smtClean="0"/>
-              <a:t>7/12/2023</a:t>
+              <a:t>7/14/2023</a:t>
             </a:fld>
             <a:endParaRPr lang="en-US" dirty="0"/>
           </a:p>
@@ -805,7 +806,7 @@
           <a:p>
             <a:fld id="{9F08AD8F-3C3D-4B63-978B-A283DF666F72}" type="datetimeFigureOut">
               <a:rPr lang="en-US" smtClean="0"/>
-              <a:t>7/12/2023</a:t>
+              <a:t>7/14/2023</a:t>
             </a:fld>
             <a:endParaRPr lang="en-US" dirty="0"/>
           </a:p>
@@ -1003,7 +1004,7 @@
           <a:p>
             <a:fld id="{9F08AD8F-3C3D-4B63-978B-A283DF666F72}" type="datetimeFigureOut">
               <a:rPr lang="en-US" smtClean="0"/>
-              <a:t>7/12/2023</a:t>
+              <a:t>7/14/2023</a:t>
             </a:fld>
             <a:endParaRPr lang="en-US" dirty="0"/>
           </a:p>
@@ -1278,7 +1279,7 @@
           <a:p>
             <a:fld id="{9F08AD8F-3C3D-4B63-978B-A283DF666F72}" type="datetimeFigureOut">
               <a:rPr lang="en-US" smtClean="0"/>
-              <a:t>7/12/2023</a:t>
+              <a:t>7/14/2023</a:t>
             </a:fld>
             <a:endParaRPr lang="en-US" dirty="0"/>
           </a:p>
@@ -1543,7 +1544,7 @@
           <a:p>
             <a:fld id="{9F08AD8F-3C3D-4B63-978B-A283DF666F72}" type="datetimeFigureOut">
               <a:rPr lang="en-US" smtClean="0"/>
-              <a:t>7/12/2023</a:t>
+              <a:t>7/14/2023</a:t>
             </a:fld>
             <a:endParaRPr lang="en-US" dirty="0"/>
           </a:p>
@@ -1955,7 +1956,7 @@
           <a:p>
             <a:fld id="{9F08AD8F-3C3D-4B63-978B-A283DF666F72}" type="datetimeFigureOut">
               <a:rPr lang="en-US" smtClean="0"/>
-              <a:t>7/12/2023</a:t>
+              <a:t>7/14/2023</a:t>
             </a:fld>
             <a:endParaRPr lang="en-US" dirty="0"/>
           </a:p>
@@ -2096,7 +2097,7 @@
           <a:p>
             <a:fld id="{9F08AD8F-3C3D-4B63-978B-A283DF666F72}" type="datetimeFigureOut">
               <a:rPr lang="en-US" smtClean="0"/>
-              <a:t>7/12/2023</a:t>
+              <a:t>7/14/2023</a:t>
             </a:fld>
             <a:endParaRPr lang="en-US" dirty="0"/>
           </a:p>
@@ -2209,7 +2210,7 @@
           <a:p>
             <a:fld id="{9F08AD8F-3C3D-4B63-978B-A283DF666F72}" type="datetimeFigureOut">
               <a:rPr lang="en-US" smtClean="0"/>
-              <a:t>7/12/2023</a:t>
+              <a:t>7/14/2023</a:t>
             </a:fld>
             <a:endParaRPr lang="en-US" dirty="0"/>
           </a:p>
@@ -2520,7 +2521,7 @@
           <a:p>
             <a:fld id="{9F08AD8F-3C3D-4B63-978B-A283DF666F72}" type="datetimeFigureOut">
               <a:rPr lang="en-US" smtClean="0"/>
-              <a:t>7/12/2023</a:t>
+              <a:t>7/14/2023</a:t>
             </a:fld>
             <a:endParaRPr lang="en-US" dirty="0"/>
           </a:p>
@@ -2808,7 +2809,7 @@
           <a:p>
             <a:fld id="{9F08AD8F-3C3D-4B63-978B-A283DF666F72}" type="datetimeFigureOut">
               <a:rPr lang="en-US" smtClean="0"/>
-              <a:t>7/12/2023</a:t>
+              <a:t>7/14/2023</a:t>
             </a:fld>
             <a:endParaRPr lang="en-US" dirty="0"/>
           </a:p>
@@ -3049,7 +3050,7 @@
           <a:p>
             <a:fld id="{9F08AD8F-3C3D-4B63-978B-A283DF666F72}" type="datetimeFigureOut">
               <a:rPr lang="en-US" smtClean="0"/>
-              <a:t>7/12/2023</a:t>
+              <a:t>7/14/2023</a:t>
             </a:fld>
             <a:endParaRPr lang="en-US" dirty="0"/>
           </a:p>
@@ -26538,6 +26539,86 @@
     <p:extLst>
       <p:ext uri="{BB962C8B-B14F-4D97-AF65-F5344CB8AC3E}">
         <p14:creationId xmlns:p14="http://schemas.microsoft.com/office/powerpoint/2010/main" val="2508538468"/>
+      </p:ext>
+    </p:extLst>
+  </p:cSld>
+  <p:clrMapOvr>
+    <a:masterClrMapping/>
+  </p:clrMapOvr>
+</p:sld>
+</file>
+
+<file path=ppt/slides/slide54.xml><?xml version="1.0" encoding="utf-8"?>
+<p:sld xmlns:a="http://schemas.openxmlformats.org/drawingml/2006/main" xmlns:r="http://schemas.openxmlformats.org/officeDocument/2006/relationships" xmlns:p="http://schemas.openxmlformats.org/presentationml/2006/main">
+  <p:cSld>
+    <p:spTree>
+      <p:nvGrpSpPr>
+        <p:cNvPr id="1" name=""/>
+        <p:cNvGrpSpPr/>
+        <p:nvPr/>
+      </p:nvGrpSpPr>
+      <p:grpSpPr>
+        <a:xfrm>
+          <a:off x="0" y="0"/>
+          <a:ext cx="0" cy="0"/>
+          <a:chOff x="0" y="0"/>
+          <a:chExt cx="0" cy="0"/>
+        </a:xfrm>
+      </p:grpSpPr>
+      <p:sp>
+        <p:nvSpPr>
+          <p:cNvPr id="2" name="Title 1">
+            <a:extLst>
+              <a:ext uri="{FF2B5EF4-FFF2-40B4-BE49-F238E27FC236}">
+                <a16:creationId xmlns:a16="http://schemas.microsoft.com/office/drawing/2014/main" id="{9E9BF03F-F5A1-170F-FBBC-30EF059EA293}"/>
+              </a:ext>
+            </a:extLst>
+          </p:cNvPr>
+          <p:cNvSpPr>
+            <a:spLocks noGrp="1"/>
+          </p:cNvSpPr>
+          <p:nvPr>
+            <p:ph type="title"/>
+          </p:nvPr>
+        </p:nvSpPr>
+        <p:spPr/>
+        <p:txBody>
+          <a:bodyPr/>
+          <a:lstStyle/>
+          <a:p>
+            <a:endParaRPr lang="en-US"/>
+          </a:p>
+        </p:txBody>
+      </p:sp>
+      <p:sp>
+        <p:nvSpPr>
+          <p:cNvPr id="3" name="Content Placeholder 2">
+            <a:extLst>
+              <a:ext uri="{FF2B5EF4-FFF2-40B4-BE49-F238E27FC236}">
+                <a16:creationId xmlns:a16="http://schemas.microsoft.com/office/drawing/2014/main" id="{DED1881F-0878-96D6-F54A-66B30D433E48}"/>
+              </a:ext>
+            </a:extLst>
+          </p:cNvPr>
+          <p:cNvSpPr>
+            <a:spLocks noGrp="1"/>
+          </p:cNvSpPr>
+          <p:nvPr>
+            <p:ph idx="1"/>
+          </p:nvPr>
+        </p:nvSpPr>
+        <p:spPr/>
+        <p:txBody>
+          <a:bodyPr/>
+          <a:lstStyle/>
+          <a:p>
+            <a:endParaRPr lang="en-US"/>
+          </a:p>
+        </p:txBody>
+      </p:sp>
+    </p:spTree>
+    <p:extLst>
+      <p:ext uri="{BB962C8B-B14F-4D97-AF65-F5344CB8AC3E}">
+        <p14:creationId xmlns:p14="http://schemas.microsoft.com/office/powerpoint/2010/main" val="1847978046"/>
       </p:ext>
     </p:extLst>
   </p:cSld>
